--- a/presentation/presStageM2.pptx
+++ b/presentation/presStageM2.pptx
@@ -2068,7 +2068,39 @@
           <a:bodyPr/>
           <a:lstStyle/>
           <a:p>
-            <a:endParaRPr lang="fr-FR"/>
+            <a:r>
+              <a:rPr lang="fr-FR" dirty="0" smtClean="0"/>
+              <a:t>L’apparition des</a:t>
+            </a:r>
+            <a:r>
+              <a:rPr lang="fr-FR" baseline="0" dirty="0" smtClean="0"/>
+              <a:t> premiers dépôts logiciels en libre accès à rendu possible de nombreux travaux de recherche. Avec les dépôts de code source (</a:t>
+            </a:r>
+            <a:r>
+              <a:rPr lang="fr-FR" baseline="0" dirty="0" err="1" smtClean="0"/>
+              <a:t>svn</a:t>
+            </a:r>
+            <a:r>
+              <a:rPr lang="fr-FR" baseline="0" dirty="0" smtClean="0"/>
+              <a:t>, git) années 2000. Ces travaux analysent l’historique de construction d’un logiciel. </a:t>
+            </a:r>
+            <a:r>
+              <a:rPr lang="fr-FR" baseline="0" smtClean="0"/>
+              <a:t>Exemple , un </a:t>
+            </a:r>
+            <a:r>
+              <a:rPr lang="fr-FR" baseline="0" dirty="0" smtClean="0"/>
+              <a:t>défi du génie log, prédiction de bugs. Son but, prédire les bugs et les localiser. Cette étude se base sur le calcul de métriques logicielles. Les travaux les plus </a:t>
+            </a:r>
+            <a:r>
+              <a:rPr lang="fr-FR" baseline="0" dirty="0" err="1" smtClean="0"/>
+              <a:t>recent</a:t>
+            </a:r>
+            <a:r>
+              <a:rPr lang="fr-FR" baseline="0" dirty="0" smtClean="0"/>
+              <a:t> montrent que les métriques de procédés donnent de meilleures résultats en temps que prédicteurs de bugs.</a:t>
+            </a:r>
+            <a:endParaRPr lang="fr-FR" dirty="0"/>
           </a:p>
         </p:txBody>
       </p:sp>
@@ -2174,7 +2206,15 @@
               </a:spcBef>
               <a:buNone/>
             </a:pPr>
-            <a:endParaRPr/>
+            <a:r>
+              <a:rPr lang="fr-FR" dirty="0" smtClean="0"/>
+              <a:t>Les métriques de procédés se concentrent</a:t>
+            </a:r>
+            <a:r>
+              <a:rPr lang="fr-FR" baseline="0" dirty="0" smtClean="0"/>
+              <a:t> sur l’évolution logicielle et mesurent les modifications subies par les entités d’un code source durant le développement.</a:t>
+            </a:r>
+            <a:endParaRPr dirty="0"/>
           </a:p>
         </p:txBody>
       </p:sp>

--- a/presentation/presStageM2.pptx
+++ b/presentation/presStageM2.pptx
@@ -5,32 +5,35 @@
     <p:sldMasterId id="2147483654" r:id="rId1"/>
   </p:sldMasterIdLst>
   <p:notesMasterIdLst>
-    <p:notesMasterId r:id="rId25"/>
+    <p:notesMasterId r:id="rId28"/>
   </p:notesMasterIdLst>
   <p:sldIdLst>
     <p:sldId id="256" r:id="rId2"/>
     <p:sldId id="257" r:id="rId3"/>
     <p:sldId id="276" r:id="rId4"/>
     <p:sldId id="258" r:id="rId5"/>
-    <p:sldId id="259" r:id="rId6"/>
-    <p:sldId id="260" r:id="rId7"/>
-    <p:sldId id="261" r:id="rId8"/>
-    <p:sldId id="262" r:id="rId9"/>
-    <p:sldId id="263" r:id="rId10"/>
-    <p:sldId id="264" r:id="rId11"/>
-    <p:sldId id="265" r:id="rId12"/>
-    <p:sldId id="266" r:id="rId13"/>
-    <p:sldId id="277" r:id="rId14"/>
-    <p:sldId id="278" r:id="rId15"/>
-    <p:sldId id="279" r:id="rId16"/>
-    <p:sldId id="267" r:id="rId17"/>
-    <p:sldId id="268" r:id="rId18"/>
-    <p:sldId id="270" r:id="rId19"/>
-    <p:sldId id="271" r:id="rId20"/>
-    <p:sldId id="272" r:id="rId21"/>
-    <p:sldId id="280" r:id="rId22"/>
-    <p:sldId id="274" r:id="rId23"/>
-    <p:sldId id="275" r:id="rId24"/>
+    <p:sldId id="281" r:id="rId6"/>
+    <p:sldId id="259" r:id="rId7"/>
+    <p:sldId id="282" r:id="rId8"/>
+    <p:sldId id="260" r:id="rId9"/>
+    <p:sldId id="261" r:id="rId10"/>
+    <p:sldId id="262" r:id="rId11"/>
+    <p:sldId id="263" r:id="rId12"/>
+    <p:sldId id="264" r:id="rId13"/>
+    <p:sldId id="283" r:id="rId14"/>
+    <p:sldId id="265" r:id="rId15"/>
+    <p:sldId id="266" r:id="rId16"/>
+    <p:sldId id="277" r:id="rId17"/>
+    <p:sldId id="278" r:id="rId18"/>
+    <p:sldId id="279" r:id="rId19"/>
+    <p:sldId id="267" r:id="rId20"/>
+    <p:sldId id="268" r:id="rId21"/>
+    <p:sldId id="270" r:id="rId22"/>
+    <p:sldId id="271" r:id="rId23"/>
+    <p:sldId id="272" r:id="rId24"/>
+    <p:sldId id="280" r:id="rId25"/>
+    <p:sldId id="274" r:id="rId26"/>
+    <p:sldId id="275" r:id="rId27"/>
   </p:sldIdLst>
   <p:sldSz cx="9144000" cy="5143500" type="screen16x9"/>
   <p:notesSz cx="6858000" cy="9144000"/>
@@ -610,7 +613,7 @@
   <p:cSld>
     <p:spTree>
       <p:nvGrpSpPr>
-        <p:cNvPr id="1" name="Shape 80"/>
+        <p:cNvPr id="1" name="Shape 68"/>
         <p:cNvGrpSpPr/>
         <p:nvPr/>
       </p:nvGrpSpPr>
@@ -624,7 +627,7 @@
       </p:grpSpPr>
       <p:sp>
         <p:nvSpPr>
-          <p:cNvPr id="81" name="Shape 81"/>
+          <p:cNvPr id="69" name="Shape 69"/>
           <p:cNvSpPr>
             <a:spLocks noGrp="1" noRot="1" noChangeAspect="1"/>
           </p:cNvSpPr>
@@ -665,7 +668,7 @@
       </p:sp>
       <p:sp>
         <p:nvSpPr>
-          <p:cNvPr id="82" name="Shape 82"/>
+          <p:cNvPr id="70" name="Shape 70"/>
           <p:cNvSpPr txBox="1">
             <a:spLocks noGrp="1"/>
           </p:cNvSpPr>
@@ -694,7 +697,35 @@
               </a:spcBef>
               <a:buNone/>
             </a:pPr>
-            <a:endParaRPr/>
+            <a:r>
+              <a:rPr lang="fr-FR" dirty="0" smtClean="0"/>
+              <a:t>Git utilise un </a:t>
+            </a:r>
+            <a:r>
+              <a:rPr lang="fr-FR" dirty="0" err="1" smtClean="0"/>
+              <a:t>algo</a:t>
+            </a:r>
+            <a:r>
+              <a:rPr lang="fr-FR" dirty="0" smtClean="0"/>
+              <a:t> connu sous le nom de </a:t>
+            </a:r>
+            <a:r>
+              <a:rPr lang="fr-FR" dirty="0" err="1" smtClean="0"/>
+              <a:t>Origin</a:t>
+            </a:r>
+            <a:r>
+              <a:rPr lang="fr-FR" dirty="0" smtClean="0"/>
+              <a:t> </a:t>
+            </a:r>
+            <a:r>
+              <a:rPr lang="fr-FR" dirty="0" err="1" smtClean="0"/>
+              <a:t>Analysis</a:t>
+            </a:r>
+            <a:r>
+              <a:rPr lang="fr-FR" dirty="0" smtClean="0"/>
+              <a:t> pour détecter les renommages.</a:t>
+            </a:r>
+            <a:endParaRPr dirty="0"/>
           </a:p>
         </p:txBody>
       </p:sp>
@@ -711,7 +742,7 @@
   <p:cSld>
     <p:spTree>
       <p:nvGrpSpPr>
-        <p:cNvPr id="1" name="Shape 86"/>
+        <p:cNvPr id="1" name="Shape 74"/>
         <p:cNvGrpSpPr/>
         <p:nvPr/>
       </p:nvGrpSpPr>
@@ -725,7 +756,7 @@
       </p:grpSpPr>
       <p:sp>
         <p:nvSpPr>
-          <p:cNvPr id="87" name="Shape 87"/>
+          <p:cNvPr id="75" name="Shape 75"/>
           <p:cNvSpPr>
             <a:spLocks noGrp="1" noRot="1" noChangeAspect="1"/>
           </p:cNvSpPr>
@@ -766,7 +797,7 @@
       </p:sp>
       <p:sp>
         <p:nvSpPr>
-          <p:cNvPr id="88" name="Shape 88"/>
+          <p:cNvPr id="76" name="Shape 76"/>
           <p:cNvSpPr txBox="1">
             <a:spLocks noGrp="1"/>
           </p:cNvSpPr>
@@ -812,7 +843,7 @@
   <p:cSld>
     <p:spTree>
       <p:nvGrpSpPr>
-        <p:cNvPr id="1" name="Shape 93"/>
+        <p:cNvPr id="1" name="Shape 80"/>
         <p:cNvGrpSpPr/>
         <p:nvPr/>
       </p:nvGrpSpPr>
@@ -826,7 +857,7 @@
       </p:grpSpPr>
       <p:sp>
         <p:nvSpPr>
-          <p:cNvPr id="94" name="Shape 94"/>
+          <p:cNvPr id="81" name="Shape 81"/>
           <p:cNvSpPr>
             <a:spLocks noGrp="1" noRot="1" noChangeAspect="1"/>
           </p:cNvSpPr>
@@ -867,7 +898,7 @@
       </p:sp>
       <p:sp>
         <p:nvSpPr>
-          <p:cNvPr id="95" name="Shape 95"/>
+          <p:cNvPr id="82" name="Shape 82"/>
           <p:cNvSpPr txBox="1">
             <a:spLocks noGrp="1"/>
           </p:cNvSpPr>
@@ -909,11 +940,11 @@
 </file>
 
 <file path=ppt/notesSlides/notesSlide13.xml><?xml version="1.0" encoding="utf-8"?>
-<p:notes xmlns:a="http://schemas.openxmlformats.org/drawingml/2006/main" xmlns:r="http://schemas.openxmlformats.org/officeDocument/2006/relationships" xmlns:p="http://schemas.openxmlformats.org/presentationml/2006/main" showMasterSp="0" showMasterPhAnim="0">
+<p:notes xmlns:a="http://schemas.openxmlformats.org/drawingml/2006/main" xmlns:r="http://schemas.openxmlformats.org/officeDocument/2006/relationships" xmlns:p="http://schemas.openxmlformats.org/presentationml/2006/main">
   <p:cSld>
     <p:spTree>
       <p:nvGrpSpPr>
-        <p:cNvPr id="1" name="Shape 93"/>
+        <p:cNvPr id="1" name=""/>
         <p:cNvGrpSpPr/>
         <p:nvPr/>
       </p:nvGrpSpPr>
@@ -927,7 +958,113 @@
       </p:grpSpPr>
       <p:sp>
         <p:nvSpPr>
-          <p:cNvPr id="94" name="Shape 94"/>
+          <p:cNvPr id="2" name="Slide Image Placeholder 1"/>
+          <p:cNvSpPr>
+            <a:spLocks noGrp="1" noRot="1" noChangeAspect="1"/>
+          </p:cNvSpPr>
+          <p:nvPr>
+            <p:ph type="sldImg"/>
+          </p:nvPr>
+        </p:nvSpPr>
+        <p:spPr>
+          <a:xfrm>
+            <a:off x="381000" y="685800"/>
+            <a:ext cx="6096000" cy="3429000"/>
+          </a:xfrm>
+        </p:spPr>
+      </p:sp>
+      <p:sp>
+        <p:nvSpPr>
+          <p:cNvPr id="3" name="Notes Placeholder 2"/>
+          <p:cNvSpPr>
+            <a:spLocks noGrp="1"/>
+          </p:cNvSpPr>
+          <p:nvPr>
+            <p:ph type="body" idx="1"/>
+          </p:nvPr>
+        </p:nvSpPr>
+        <p:spPr/>
+        <p:txBody>
+          <a:bodyPr/>
+          <a:lstStyle/>
+          <a:p>
+            <a:pPr marL="0" marR="0" indent="0" algn="l" defTabSz="914400" rtl="0" eaLnBrk="1" fontAlgn="auto" latinLnBrk="0" hangingPunct="1">
+              <a:lnSpc>
+                <a:spcPct val="100000"/>
+              </a:lnSpc>
+              <a:spcBef>
+                <a:spcPts val="0"/>
+              </a:spcBef>
+              <a:spcAft>
+                <a:spcPts val="0"/>
+              </a:spcAft>
+              <a:buClrTx/>
+              <a:buSzTx/>
+              <a:buFontTx/>
+              <a:buNone/>
+              <a:tabLst/>
+              <a:defRPr/>
+            </a:pPr>
+            <a:r>
+              <a:rPr lang="fr-FR" baseline="0" dirty="0" smtClean="0"/>
+              <a:t>Nous avons montré qu’en Théorie, le calcul des métriques peut être faussé par le renommage, dans les projets d’aujourd’hui qui n’utilisent pas Git ou qui ne détecte pas ce renommage. Et bien qu’il soit de notoriété commune que le </a:t>
+            </a:r>
+            <a:r>
+              <a:rPr lang="fr-FR" baseline="0" dirty="0" err="1" smtClean="0"/>
+              <a:t>refactoring</a:t>
+            </a:r>
+            <a:r>
+              <a:rPr lang="fr-FR" baseline="0" dirty="0" smtClean="0"/>
+              <a:t>, </a:t>
+            </a:r>
+            <a:r>
+              <a:rPr lang="fr-FR" sz="1100" b="0" i="0" u="none" strike="noStrike" kern="1200" baseline="0" dirty="0" smtClean="0">
+                <a:solidFill>
+                  <a:schemeClr val="tx1"/>
+                </a:solidFill>
+                <a:latin typeface="+mn-lt"/>
+                <a:ea typeface="+mn-ea"/>
+                <a:cs typeface="+mn-cs"/>
+              </a:rPr>
+              <a:t>modifications architecturales (dont le renommage d’entités) qui permettent d’améliorer ou restructurer le code source, sont une pratique courante dans le développement logiciel, nous ne connaissons ni la quantité de renommages ni son impact réel dans les projets.</a:t>
+            </a:r>
+            <a:endParaRPr lang="fr-FR" dirty="0" smtClean="0"/>
+          </a:p>
+        </p:txBody>
+      </p:sp>
+    </p:spTree>
+    <p:extLst>
+      <p:ext uri="{BB962C8B-B14F-4D97-AF65-F5344CB8AC3E}">
+        <p14:creationId xmlns:p14="http://schemas.microsoft.com/office/powerpoint/2010/main" val="1149294144"/>
+      </p:ext>
+    </p:extLst>
+  </p:cSld>
+  <p:clrMapOvr>
+    <a:masterClrMapping/>
+  </p:clrMapOvr>
+</p:notes>
+</file>
+
+<file path=ppt/notesSlides/notesSlide14.xml><?xml version="1.0" encoding="utf-8"?>
+<p:notes xmlns:a="http://schemas.openxmlformats.org/drawingml/2006/main" xmlns:r="http://schemas.openxmlformats.org/officeDocument/2006/relationships" xmlns:p="http://schemas.openxmlformats.org/presentationml/2006/main" showMasterSp="0" showMasterPhAnim="0">
+  <p:cSld>
+    <p:spTree>
+      <p:nvGrpSpPr>
+        <p:cNvPr id="1" name="Shape 86"/>
+        <p:cNvGrpSpPr/>
+        <p:nvPr/>
+      </p:nvGrpSpPr>
+      <p:grpSpPr>
+        <a:xfrm>
+          <a:off x="0" y="0"/>
+          <a:ext cx="0" cy="0"/>
+          <a:chOff x="0" y="0"/>
+          <a:chExt cx="0" cy="0"/>
+        </a:xfrm>
+      </p:grpSpPr>
+      <p:sp>
+        <p:nvSpPr>
+          <p:cNvPr id="87" name="Shape 87"/>
           <p:cNvSpPr>
             <a:spLocks noGrp="1" noRot="1" noChangeAspect="1"/>
           </p:cNvSpPr>
@@ -968,7 +1105,7 @@
       </p:sp>
       <p:sp>
         <p:nvSpPr>
-          <p:cNvPr id="95" name="Shape 95"/>
+          <p:cNvPr id="88" name="Shape 88"/>
           <p:cNvSpPr txBox="1">
             <a:spLocks noGrp="1"/>
           </p:cNvSpPr>
@@ -997,108 +1134,19 @@
               </a:spcBef>
               <a:buNone/>
             </a:pPr>
-            <a:endParaRPr/>
-          </a:p>
-        </p:txBody>
-      </p:sp>
-    </p:spTree>
-  </p:cSld>
-  <p:clrMapOvr>
-    <a:masterClrMapping/>
-  </p:clrMapOvr>
-</p:notes>
-</file>
-
-<file path=ppt/notesSlides/notesSlide14.xml><?xml version="1.0" encoding="utf-8"?>
-<p:notes xmlns:a="http://schemas.openxmlformats.org/drawingml/2006/main" xmlns:r="http://schemas.openxmlformats.org/officeDocument/2006/relationships" xmlns:p="http://schemas.openxmlformats.org/presentationml/2006/main" showMasterSp="0" showMasterPhAnim="0">
-  <p:cSld>
-    <p:spTree>
-      <p:nvGrpSpPr>
-        <p:cNvPr id="1" name="Shape 93"/>
-        <p:cNvGrpSpPr/>
-        <p:nvPr/>
-      </p:nvGrpSpPr>
-      <p:grpSpPr>
-        <a:xfrm>
-          <a:off x="0" y="0"/>
-          <a:ext cx="0" cy="0"/>
-          <a:chOff x="0" y="0"/>
-          <a:chExt cx="0" cy="0"/>
-        </a:xfrm>
-      </p:grpSpPr>
-      <p:sp>
-        <p:nvSpPr>
-          <p:cNvPr id="94" name="Shape 94"/>
-          <p:cNvSpPr>
-            <a:spLocks noGrp="1" noRot="1" noChangeAspect="1"/>
-          </p:cNvSpPr>
-          <p:nvPr>
-            <p:ph type="sldImg" idx="2"/>
-          </p:nvPr>
-        </p:nvSpPr>
-        <p:spPr>
-          <a:xfrm>
-            <a:off x="381000" y="685800"/>
-            <a:ext cx="6096000" cy="3429000"/>
-          </a:xfrm>
-          <a:custGeom>
-            <a:avLst/>
-            <a:gdLst/>
-            <a:ahLst/>
-            <a:cxnLst/>
-            <a:rect l="0" t="0" r="0" b="0"/>
-            <a:pathLst>
-              <a:path w="120000" h="120000" extrusionOk="0">
-                <a:moveTo>
-                  <a:pt x="0" y="0"/>
-                </a:moveTo>
-                <a:lnTo>
-                  <a:pt x="120000" y="0"/>
-                </a:lnTo>
-                <a:lnTo>
-                  <a:pt x="120000" y="120000"/>
-                </a:lnTo>
-                <a:lnTo>
-                  <a:pt x="0" y="120000"/>
-                </a:lnTo>
-                <a:close/>
-              </a:path>
-            </a:pathLst>
-          </a:custGeom>
-        </p:spPr>
-      </p:sp>
-      <p:sp>
-        <p:nvSpPr>
-          <p:cNvPr id="95" name="Shape 95"/>
-          <p:cNvSpPr txBox="1">
-            <a:spLocks noGrp="1"/>
-          </p:cNvSpPr>
-          <p:nvPr>
-            <p:ph type="body" idx="1"/>
-          </p:nvPr>
-        </p:nvSpPr>
-        <p:spPr>
-          <a:xfrm>
-            <a:off x="685800" y="4343400"/>
-            <a:ext cx="5486399" cy="4114800"/>
-          </a:xfrm>
-          <a:prstGeom prst="rect">
-            <a:avLst/>
-          </a:prstGeom>
-        </p:spPr>
-        <p:txBody>
-          <a:bodyPr lIns="91425" tIns="91425" rIns="91425" bIns="91425" anchor="t" anchorCtr="0">
-            <a:noAutofit/>
-          </a:bodyPr>
-          <a:lstStyle/>
-          <a:p>
-            <a:pPr>
-              <a:spcBef>
-                <a:spcPts val="0"/>
-              </a:spcBef>
-              <a:buNone/>
-            </a:pPr>
-            <a:endParaRPr/>
+            <a:r>
+              <a:rPr lang="fr-FR" dirty="0" smtClean="0"/>
+              <a:t>Pour faire nos propres expérimentations nous avons besoin d’un corpus de projets.  Projets open source, Git, langages différent et une taille et </a:t>
+            </a:r>
+            <a:r>
+              <a:rPr lang="fr-FR" dirty="0" err="1" smtClean="0"/>
+              <a:t>NoD</a:t>
+            </a:r>
+            <a:r>
+              <a:rPr lang="fr-FR" dirty="0" smtClean="0"/>
+              <a:t> conséquent.</a:t>
+            </a:r>
+            <a:endParaRPr dirty="0"/>
           </a:p>
         </p:txBody>
       </p:sp>
@@ -1193,13 +1241,18 @@
           </a:bodyPr>
           <a:lstStyle/>
           <a:p>
-            <a:pPr>
-              <a:spcBef>
-                <a:spcPts val="0"/>
-              </a:spcBef>
-              <a:buNone/>
-            </a:pPr>
-            <a:endParaRPr/>
+            <a:r>
+              <a:rPr lang="fr-FR" sz="1100" b="0" i="0" u="none" strike="noStrike" kern="1200" baseline="0" dirty="0" smtClean="0">
+                <a:solidFill>
+                  <a:schemeClr val="tx1"/>
+                </a:solidFill>
+                <a:latin typeface="+mn-lt"/>
+                <a:ea typeface="+mn-ea"/>
+                <a:cs typeface="+mn-cs"/>
+              </a:rPr>
+              <a:t>Le but de la première expérience et de calculer la quantité de renommage durant les périodes de développement des logiciels. Ici, on a la période de développement d’un logiciel.</a:t>
+            </a:r>
+            <a:endParaRPr dirty="0"/>
           </a:p>
         </p:txBody>
       </p:sp>
@@ -1216,7 +1269,7 @@
   <p:cSld>
     <p:spTree>
       <p:nvGrpSpPr>
-        <p:cNvPr id="1" name="Shape 99"/>
+        <p:cNvPr id="1" name="Shape 93"/>
         <p:cNvGrpSpPr/>
         <p:nvPr/>
       </p:nvGrpSpPr>
@@ -1230,7 +1283,7 @@
       </p:grpSpPr>
       <p:sp>
         <p:nvSpPr>
-          <p:cNvPr id="100" name="Shape 100"/>
+          <p:cNvPr id="94" name="Shape 94"/>
           <p:cNvSpPr>
             <a:spLocks noGrp="1" noRot="1" noChangeAspect="1"/>
           </p:cNvSpPr>
@@ -1271,7 +1324,7 @@
       </p:sp>
       <p:sp>
         <p:nvSpPr>
-          <p:cNvPr id="101" name="Shape 101"/>
+          <p:cNvPr id="95" name="Shape 95"/>
           <p:cNvSpPr txBox="1">
             <a:spLocks noGrp="1"/>
           </p:cNvSpPr>
@@ -1300,7 +1353,15 @@
               </a:spcBef>
               <a:buNone/>
             </a:pPr>
-            <a:endParaRPr/>
+            <a:r>
+              <a:rPr lang="fr-FR" dirty="0" smtClean="0"/>
+              <a:t>Il faut savoir que régulièrement, les</a:t>
+            </a:r>
+            <a:r>
+              <a:rPr lang="fr-FR" baseline="0" dirty="0" smtClean="0"/>
+              <a:t> versions stables sont maintenues pour les utilisateurs.</a:t>
+            </a:r>
+            <a:endParaRPr dirty="0"/>
           </a:p>
         </p:txBody>
       </p:sp>
@@ -1317,7 +1378,7 @@
   <p:cSld>
     <p:spTree>
       <p:nvGrpSpPr>
-        <p:cNvPr id="1" name="Shape 105"/>
+        <p:cNvPr id="1" name="Shape 93"/>
         <p:cNvGrpSpPr/>
         <p:nvPr/>
       </p:nvGrpSpPr>
@@ -1331,7 +1392,7 @@
       </p:grpSpPr>
       <p:sp>
         <p:nvSpPr>
-          <p:cNvPr id="106" name="Shape 106"/>
+          <p:cNvPr id="94" name="Shape 94"/>
           <p:cNvSpPr>
             <a:spLocks noGrp="1" noRot="1" noChangeAspect="1"/>
           </p:cNvSpPr>
@@ -1372,7 +1433,7 @@
       </p:sp>
       <p:sp>
         <p:nvSpPr>
-          <p:cNvPr id="107" name="Shape 107"/>
+          <p:cNvPr id="95" name="Shape 95"/>
           <p:cNvSpPr txBox="1">
             <a:spLocks noGrp="1"/>
           </p:cNvSpPr>
@@ -1401,7 +1462,15 @@
               </a:spcBef>
               <a:buNone/>
             </a:pPr>
-            <a:endParaRPr/>
+            <a:r>
+              <a:rPr lang="fr-FR" dirty="0" smtClean="0"/>
+              <a:t>On a ici donc les étapes</a:t>
+            </a:r>
+            <a:r>
+              <a:rPr lang="fr-FR" baseline="0" dirty="0" smtClean="0"/>
+              <a:t> importantes du développement, les versions stables, marqué par le départ de maintenance de versions stable. Nous regardons de manière séparé la phase de développement et les phases de maintenance car nous pensons qu’il n’a pas ou très peux de renommage dans ces phases de maintenance.</a:t>
+            </a:r>
+            <a:endParaRPr dirty="0"/>
           </a:p>
         </p:txBody>
       </p:sp>
@@ -1418,7 +1487,7 @@
   <p:cSld>
     <p:spTree>
       <p:nvGrpSpPr>
-        <p:cNvPr id="1" name="Shape 117"/>
+        <p:cNvPr id="1" name="Shape 93"/>
         <p:cNvGrpSpPr/>
         <p:nvPr/>
       </p:nvGrpSpPr>
@@ -1432,7 +1501,7 @@
       </p:grpSpPr>
       <p:sp>
         <p:nvSpPr>
-          <p:cNvPr id="118" name="Shape 118"/>
+          <p:cNvPr id="94" name="Shape 94"/>
           <p:cNvSpPr>
             <a:spLocks noGrp="1" noRot="1" noChangeAspect="1"/>
           </p:cNvSpPr>
@@ -1473,7 +1542,7 @@
       </p:sp>
       <p:sp>
         <p:nvSpPr>
-          <p:cNvPr id="119" name="Shape 119"/>
+          <p:cNvPr id="95" name="Shape 95"/>
           <p:cNvSpPr txBox="1">
             <a:spLocks noGrp="1"/>
           </p:cNvSpPr>
@@ -1502,7 +1571,15 @@
               </a:spcBef>
               <a:buNone/>
             </a:pPr>
-            <a:endParaRPr/>
+            <a:r>
+              <a:rPr lang="fr-FR" dirty="0" smtClean="0"/>
+              <a:t>Nous séparons donc en période cette phase</a:t>
+            </a:r>
+            <a:r>
+              <a:rPr lang="fr-FR" baseline="0" dirty="0" smtClean="0"/>
+              <a:t> développement, entre chaque versions stable avec une période initiale qui risque de contenir de nombreux changement et restructurations.</a:t>
+            </a:r>
+            <a:endParaRPr dirty="0"/>
           </a:p>
         </p:txBody>
       </p:sp>
@@ -1519,7 +1596,7 @@
   <p:cSld>
     <p:spTree>
       <p:nvGrpSpPr>
-        <p:cNvPr id="1" name="Shape 123"/>
+        <p:cNvPr id="1" name="Shape 99"/>
         <p:cNvGrpSpPr/>
         <p:nvPr/>
       </p:nvGrpSpPr>
@@ -1533,7 +1610,7 @@
       </p:grpSpPr>
       <p:sp>
         <p:nvSpPr>
-          <p:cNvPr id="124" name="Shape 124"/>
+          <p:cNvPr id="100" name="Shape 100"/>
           <p:cNvSpPr>
             <a:spLocks noGrp="1" noRot="1" noChangeAspect="1"/>
           </p:cNvSpPr>
@@ -1574,7 +1651,7 @@
       </p:sp>
       <p:sp>
         <p:nvSpPr>
-          <p:cNvPr id="125" name="Shape 125"/>
+          <p:cNvPr id="101" name="Shape 101"/>
           <p:cNvSpPr txBox="1">
             <a:spLocks noGrp="1"/>
           </p:cNvSpPr>
@@ -1603,6 +1680,26 @@
               </a:spcBef>
               <a:buNone/>
             </a:pPr>
+            <a:r>
+              <a:rPr lang="fr-FR" dirty="0" smtClean="0"/>
+              <a:t>Voici comment nous procédons dans chaque</a:t>
+            </a:r>
+            <a:r>
+              <a:rPr lang="fr-FR" baseline="0" dirty="0" smtClean="0"/>
+              <a:t> périodes définies précédemment, </a:t>
+            </a:r>
+            <a:r>
+              <a:rPr lang="fr-FR" baseline="0" dirty="0" err="1" smtClean="0"/>
+              <a:t>grace</a:t>
+            </a:r>
+            <a:r>
+              <a:rPr lang="fr-FR" baseline="0" dirty="0" smtClean="0"/>
+              <a:t> au VCS pour obtenir nos chiffres. Nous nous basons donc sur </a:t>
+            </a:r>
+            <a:r>
+              <a:rPr lang="fr-FR" baseline="0" smtClean="0"/>
+              <a:t>le mécanisme de Git.</a:t>
+            </a:r>
             <a:endParaRPr/>
           </a:p>
         </p:txBody>
@@ -1721,7 +1818,7 @@
   <p:cSld>
     <p:spTree>
       <p:nvGrpSpPr>
-        <p:cNvPr id="1" name="Shape 129"/>
+        <p:cNvPr id="1" name="Shape 105"/>
         <p:cNvGrpSpPr/>
         <p:nvPr/>
       </p:nvGrpSpPr>
@@ -1735,7 +1832,7 @@
       </p:grpSpPr>
       <p:sp>
         <p:nvSpPr>
-          <p:cNvPr id="130" name="Shape 130"/>
+          <p:cNvPr id="106" name="Shape 106"/>
           <p:cNvSpPr>
             <a:spLocks noGrp="1" noRot="1" noChangeAspect="1"/>
           </p:cNvSpPr>
@@ -1776,7 +1873,7 @@
       </p:sp>
       <p:sp>
         <p:nvSpPr>
-          <p:cNvPr id="131" name="Shape 131"/>
+          <p:cNvPr id="107" name="Shape 107"/>
           <p:cNvSpPr txBox="1">
             <a:spLocks noGrp="1"/>
           </p:cNvSpPr>
@@ -1822,7 +1919,7 @@
   <p:cSld>
     <p:spTree>
       <p:nvGrpSpPr>
-        <p:cNvPr id="1" name="Shape 141"/>
+        <p:cNvPr id="1" name="Shape 117"/>
         <p:cNvGrpSpPr/>
         <p:nvPr/>
       </p:nvGrpSpPr>
@@ -1836,7 +1933,7 @@
       </p:grpSpPr>
       <p:sp>
         <p:nvSpPr>
-          <p:cNvPr id="142" name="Shape 142"/>
+          <p:cNvPr id="118" name="Shape 118"/>
           <p:cNvSpPr>
             <a:spLocks noGrp="1" noRot="1" noChangeAspect="1"/>
           </p:cNvSpPr>
@@ -1846,8 +1943,8 @@
         </p:nvSpPr>
         <p:spPr>
           <a:xfrm>
-            <a:off x="381187" y="685800"/>
-            <a:ext cx="6096299" cy="3429000"/>
+            <a:off x="381000" y="685800"/>
+            <a:ext cx="6096000" cy="3429000"/>
           </a:xfrm>
           <a:custGeom>
             <a:avLst/>
@@ -1877,7 +1974,7 @@
       </p:sp>
       <p:sp>
         <p:nvSpPr>
-          <p:cNvPr id="143" name="Shape 143"/>
+          <p:cNvPr id="119" name="Shape 119"/>
           <p:cNvSpPr txBox="1">
             <a:spLocks noGrp="1"/>
           </p:cNvSpPr>
@@ -1919,6 +2016,309 @@
 </file>
 
 <file path=ppt/notesSlides/notesSlide22.xml><?xml version="1.0" encoding="utf-8"?>
+<p:notes xmlns:a="http://schemas.openxmlformats.org/drawingml/2006/main" xmlns:r="http://schemas.openxmlformats.org/officeDocument/2006/relationships" xmlns:p="http://schemas.openxmlformats.org/presentationml/2006/main" showMasterSp="0" showMasterPhAnim="0">
+  <p:cSld>
+    <p:spTree>
+      <p:nvGrpSpPr>
+        <p:cNvPr id="1" name="Shape 123"/>
+        <p:cNvGrpSpPr/>
+        <p:nvPr/>
+      </p:nvGrpSpPr>
+      <p:grpSpPr>
+        <a:xfrm>
+          <a:off x="0" y="0"/>
+          <a:ext cx="0" cy="0"/>
+          <a:chOff x="0" y="0"/>
+          <a:chExt cx="0" cy="0"/>
+        </a:xfrm>
+      </p:grpSpPr>
+      <p:sp>
+        <p:nvSpPr>
+          <p:cNvPr id="124" name="Shape 124"/>
+          <p:cNvSpPr>
+            <a:spLocks noGrp="1" noRot="1" noChangeAspect="1"/>
+          </p:cNvSpPr>
+          <p:nvPr>
+            <p:ph type="sldImg" idx="2"/>
+          </p:nvPr>
+        </p:nvSpPr>
+        <p:spPr>
+          <a:xfrm>
+            <a:off x="381000" y="685800"/>
+            <a:ext cx="6096000" cy="3429000"/>
+          </a:xfrm>
+          <a:custGeom>
+            <a:avLst/>
+            <a:gdLst/>
+            <a:ahLst/>
+            <a:cxnLst/>
+            <a:rect l="0" t="0" r="0" b="0"/>
+            <a:pathLst>
+              <a:path w="120000" h="120000" extrusionOk="0">
+                <a:moveTo>
+                  <a:pt x="0" y="0"/>
+                </a:moveTo>
+                <a:lnTo>
+                  <a:pt x="120000" y="0"/>
+                </a:lnTo>
+                <a:lnTo>
+                  <a:pt x="120000" y="120000"/>
+                </a:lnTo>
+                <a:lnTo>
+                  <a:pt x="0" y="120000"/>
+                </a:lnTo>
+                <a:close/>
+              </a:path>
+            </a:pathLst>
+          </a:custGeom>
+        </p:spPr>
+      </p:sp>
+      <p:sp>
+        <p:nvSpPr>
+          <p:cNvPr id="125" name="Shape 125"/>
+          <p:cNvSpPr txBox="1">
+            <a:spLocks noGrp="1"/>
+          </p:cNvSpPr>
+          <p:nvPr>
+            <p:ph type="body" idx="1"/>
+          </p:nvPr>
+        </p:nvSpPr>
+        <p:spPr>
+          <a:xfrm>
+            <a:off x="685800" y="4343400"/>
+            <a:ext cx="5486399" cy="4114800"/>
+          </a:xfrm>
+          <a:prstGeom prst="rect">
+            <a:avLst/>
+          </a:prstGeom>
+        </p:spPr>
+        <p:txBody>
+          <a:bodyPr lIns="91425" tIns="91425" rIns="91425" bIns="91425" anchor="t" anchorCtr="0">
+            <a:noAutofit/>
+          </a:bodyPr>
+          <a:lstStyle/>
+          <a:p>
+            <a:pPr>
+              <a:spcBef>
+                <a:spcPts val="0"/>
+              </a:spcBef>
+              <a:buNone/>
+            </a:pPr>
+            <a:endParaRPr/>
+          </a:p>
+        </p:txBody>
+      </p:sp>
+    </p:spTree>
+  </p:cSld>
+  <p:clrMapOvr>
+    <a:masterClrMapping/>
+  </p:clrMapOvr>
+</p:notes>
+</file>
+
+<file path=ppt/notesSlides/notesSlide23.xml><?xml version="1.0" encoding="utf-8"?>
+<p:notes xmlns:a="http://schemas.openxmlformats.org/drawingml/2006/main" xmlns:r="http://schemas.openxmlformats.org/officeDocument/2006/relationships" xmlns:p="http://schemas.openxmlformats.org/presentationml/2006/main" showMasterSp="0" showMasterPhAnim="0">
+  <p:cSld>
+    <p:spTree>
+      <p:nvGrpSpPr>
+        <p:cNvPr id="1" name="Shape 129"/>
+        <p:cNvGrpSpPr/>
+        <p:nvPr/>
+      </p:nvGrpSpPr>
+      <p:grpSpPr>
+        <a:xfrm>
+          <a:off x="0" y="0"/>
+          <a:ext cx="0" cy="0"/>
+          <a:chOff x="0" y="0"/>
+          <a:chExt cx="0" cy="0"/>
+        </a:xfrm>
+      </p:grpSpPr>
+      <p:sp>
+        <p:nvSpPr>
+          <p:cNvPr id="130" name="Shape 130"/>
+          <p:cNvSpPr>
+            <a:spLocks noGrp="1" noRot="1" noChangeAspect="1"/>
+          </p:cNvSpPr>
+          <p:nvPr>
+            <p:ph type="sldImg" idx="2"/>
+          </p:nvPr>
+        </p:nvSpPr>
+        <p:spPr>
+          <a:xfrm>
+            <a:off x="381000" y="685800"/>
+            <a:ext cx="6096000" cy="3429000"/>
+          </a:xfrm>
+          <a:custGeom>
+            <a:avLst/>
+            <a:gdLst/>
+            <a:ahLst/>
+            <a:cxnLst/>
+            <a:rect l="0" t="0" r="0" b="0"/>
+            <a:pathLst>
+              <a:path w="120000" h="120000" extrusionOk="0">
+                <a:moveTo>
+                  <a:pt x="0" y="0"/>
+                </a:moveTo>
+                <a:lnTo>
+                  <a:pt x="120000" y="0"/>
+                </a:lnTo>
+                <a:lnTo>
+                  <a:pt x="120000" y="120000"/>
+                </a:lnTo>
+                <a:lnTo>
+                  <a:pt x="0" y="120000"/>
+                </a:lnTo>
+                <a:close/>
+              </a:path>
+            </a:pathLst>
+          </a:custGeom>
+        </p:spPr>
+      </p:sp>
+      <p:sp>
+        <p:nvSpPr>
+          <p:cNvPr id="131" name="Shape 131"/>
+          <p:cNvSpPr txBox="1">
+            <a:spLocks noGrp="1"/>
+          </p:cNvSpPr>
+          <p:nvPr>
+            <p:ph type="body" idx="1"/>
+          </p:nvPr>
+        </p:nvSpPr>
+        <p:spPr>
+          <a:xfrm>
+            <a:off x="685800" y="4343400"/>
+            <a:ext cx="5486399" cy="4114800"/>
+          </a:xfrm>
+          <a:prstGeom prst="rect">
+            <a:avLst/>
+          </a:prstGeom>
+        </p:spPr>
+        <p:txBody>
+          <a:bodyPr lIns="91425" tIns="91425" rIns="91425" bIns="91425" anchor="t" anchorCtr="0">
+            <a:noAutofit/>
+          </a:bodyPr>
+          <a:lstStyle/>
+          <a:p>
+            <a:pPr>
+              <a:spcBef>
+                <a:spcPts val="0"/>
+              </a:spcBef>
+              <a:buNone/>
+            </a:pPr>
+            <a:endParaRPr/>
+          </a:p>
+        </p:txBody>
+      </p:sp>
+    </p:spTree>
+  </p:cSld>
+  <p:clrMapOvr>
+    <a:masterClrMapping/>
+  </p:clrMapOvr>
+</p:notes>
+</file>
+
+<file path=ppt/notesSlides/notesSlide24.xml><?xml version="1.0" encoding="utf-8"?>
+<p:notes xmlns:a="http://schemas.openxmlformats.org/drawingml/2006/main" xmlns:r="http://schemas.openxmlformats.org/officeDocument/2006/relationships" xmlns:p="http://schemas.openxmlformats.org/presentationml/2006/main" showMasterSp="0" showMasterPhAnim="0">
+  <p:cSld>
+    <p:spTree>
+      <p:nvGrpSpPr>
+        <p:cNvPr id="1" name="Shape 141"/>
+        <p:cNvGrpSpPr/>
+        <p:nvPr/>
+      </p:nvGrpSpPr>
+      <p:grpSpPr>
+        <a:xfrm>
+          <a:off x="0" y="0"/>
+          <a:ext cx="0" cy="0"/>
+          <a:chOff x="0" y="0"/>
+          <a:chExt cx="0" cy="0"/>
+        </a:xfrm>
+      </p:grpSpPr>
+      <p:sp>
+        <p:nvSpPr>
+          <p:cNvPr id="142" name="Shape 142"/>
+          <p:cNvSpPr>
+            <a:spLocks noGrp="1" noRot="1" noChangeAspect="1"/>
+          </p:cNvSpPr>
+          <p:nvPr>
+            <p:ph type="sldImg" idx="2"/>
+          </p:nvPr>
+        </p:nvSpPr>
+        <p:spPr>
+          <a:xfrm>
+            <a:off x="381187" y="685800"/>
+            <a:ext cx="6096299" cy="3429000"/>
+          </a:xfrm>
+          <a:custGeom>
+            <a:avLst/>
+            <a:gdLst/>
+            <a:ahLst/>
+            <a:cxnLst/>
+            <a:rect l="0" t="0" r="0" b="0"/>
+            <a:pathLst>
+              <a:path w="120000" h="120000" extrusionOk="0">
+                <a:moveTo>
+                  <a:pt x="0" y="0"/>
+                </a:moveTo>
+                <a:lnTo>
+                  <a:pt x="120000" y="0"/>
+                </a:lnTo>
+                <a:lnTo>
+                  <a:pt x="120000" y="120000"/>
+                </a:lnTo>
+                <a:lnTo>
+                  <a:pt x="0" y="120000"/>
+                </a:lnTo>
+                <a:close/>
+              </a:path>
+            </a:pathLst>
+          </a:custGeom>
+        </p:spPr>
+      </p:sp>
+      <p:sp>
+        <p:nvSpPr>
+          <p:cNvPr id="143" name="Shape 143"/>
+          <p:cNvSpPr txBox="1">
+            <a:spLocks noGrp="1"/>
+          </p:cNvSpPr>
+          <p:nvPr>
+            <p:ph type="body" idx="1"/>
+          </p:nvPr>
+        </p:nvSpPr>
+        <p:spPr>
+          <a:xfrm>
+            <a:off x="685800" y="4343400"/>
+            <a:ext cx="5486399" cy="4114800"/>
+          </a:xfrm>
+          <a:prstGeom prst="rect">
+            <a:avLst/>
+          </a:prstGeom>
+        </p:spPr>
+        <p:txBody>
+          <a:bodyPr lIns="91425" tIns="91425" rIns="91425" bIns="91425" anchor="t" anchorCtr="0">
+            <a:noAutofit/>
+          </a:bodyPr>
+          <a:lstStyle/>
+          <a:p>
+            <a:pPr>
+              <a:spcBef>
+                <a:spcPts val="0"/>
+              </a:spcBef>
+              <a:buNone/>
+            </a:pPr>
+            <a:endParaRPr/>
+          </a:p>
+        </p:txBody>
+      </p:sp>
+    </p:spTree>
+  </p:cSld>
+  <p:clrMapOvr>
+    <a:masterClrMapping/>
+  </p:clrMapOvr>
+</p:notes>
+</file>
+
+<file path=ppt/notesSlides/notesSlide25.xml><?xml version="1.0" encoding="utf-8"?>
 <p:notes xmlns:a="http://schemas.openxmlformats.org/drawingml/2006/main" xmlns:r="http://schemas.openxmlformats.org/officeDocument/2006/relationships" xmlns:p="http://schemas.openxmlformats.org/presentationml/2006/main" showMasterSp="0" showMasterPhAnim="0">
   <p:cSld>
     <p:spTree>
@@ -2082,15 +2482,15 @@
             </a:r>
             <a:r>
               <a:rPr lang="fr-FR" baseline="0" dirty="0" smtClean="0"/>
-              <a:t>, git) années 2000. Ces travaux analysent l’historique de construction d’un logiciel. </a:t>
-            </a:r>
-            <a:r>
-              <a:rPr lang="fr-FR" baseline="0" smtClean="0"/>
-              <a:t>Exemple , un </a:t>
+              <a:t>, git) années 2000. </a:t>
             </a:r>
             <a:r>
               <a:rPr lang="fr-FR" baseline="0" dirty="0" smtClean="0"/>
-              <a:t>défi du génie log, prédiction de bugs. Son but, prédire les bugs et les localiser. Cette étude se base sur le calcul de métriques logicielles. Les travaux les plus </a:t>
+              <a:t>Des </a:t>
+            </a:r>
+            <a:r>
+              <a:rPr lang="fr-FR" baseline="0" dirty="0" smtClean="0"/>
+              <a:t>travaux analysent l’historique de construction d’un logiciel. Exemple , un défi du génie log, prédiction de bugs. Son but, prédire les bugs et les localiser. Cette étude se base sur le calcul de métriques logicielles. Les travaux les plus </a:t>
             </a:r>
             <a:r>
               <a:rPr lang="fr-FR" baseline="0" dirty="0" err="1" smtClean="0"/>
@@ -2200,19 +2600,98 @@
           </a:bodyPr>
           <a:lstStyle/>
           <a:p>
-            <a:pPr>
-              <a:spcBef>
-                <a:spcPts val="0"/>
-              </a:spcBef>
-              <a:buNone/>
-            </a:pPr>
             <a:r>
               <a:rPr lang="fr-FR" dirty="0" smtClean="0"/>
-              <a:t>Les métriques de procédés se concentrent</a:t>
+              <a:t>Pour comprendre les </a:t>
+            </a:r>
+            <a:r>
+              <a:rPr lang="fr-FR" dirty="0" smtClean="0"/>
+              <a:t>métriques de procédés se concentrent</a:t>
             </a:r>
             <a:r>
               <a:rPr lang="fr-FR" baseline="0" dirty="0" smtClean="0"/>
-              <a:t> sur l’évolution logicielle et mesurent les modifications subies par les entités d’un code source durant le développement.</a:t>
+              <a:t> sur l’évolution logicielle et mesurent les modifications subies par les entités d’un code source durant le développement</a:t>
+            </a:r>
+            <a:r>
+              <a:rPr lang="fr-FR" baseline="0" dirty="0" smtClean="0"/>
+              <a:t>. </a:t>
+            </a:r>
+            <a:r>
+              <a:rPr lang="fr-FR" sz="1100" b="0" i="0" u="none" strike="noStrike" kern="1200" baseline="0" dirty="0" smtClean="0">
+                <a:solidFill>
+                  <a:schemeClr val="tx1"/>
+                </a:solidFill>
+                <a:latin typeface="+mn-lt"/>
+                <a:ea typeface="+mn-ea"/>
+                <a:cs typeface="+mn-cs"/>
+              </a:rPr>
+              <a:t>Le nombre de développeurs qui ont contribués au développement d’une (</a:t>
+            </a:r>
+            <a:r>
+              <a:rPr lang="fr-FR" sz="1100" b="0" i="0" u="none" strike="noStrike" kern="1200" baseline="0" dirty="0" err="1" smtClean="0">
+                <a:solidFill>
+                  <a:schemeClr val="tx1"/>
+                </a:solidFill>
+                <a:latin typeface="+mn-lt"/>
+                <a:ea typeface="+mn-ea"/>
+                <a:cs typeface="+mn-cs"/>
+              </a:rPr>
+              <a:t>NoD</a:t>
+            </a:r>
+            <a:r>
+              <a:rPr lang="fr-FR" sz="1100" b="0" i="0" u="none" strike="noStrike" kern="1200" baseline="0" dirty="0" smtClean="0">
+                <a:solidFill>
+                  <a:schemeClr val="tx1"/>
+                </a:solidFill>
+                <a:latin typeface="+mn-lt"/>
+                <a:ea typeface="+mn-ea"/>
+                <a:cs typeface="+mn-cs"/>
+              </a:rPr>
+              <a:t>), le nombre de modifications subies par une entité (</a:t>
+            </a:r>
+            <a:r>
+              <a:rPr lang="fr-FR" sz="1100" b="0" i="0" u="none" strike="noStrike" kern="1200" baseline="0" dirty="0" err="1" smtClean="0">
+                <a:solidFill>
+                  <a:schemeClr val="tx1"/>
+                </a:solidFill>
+                <a:latin typeface="+mn-lt"/>
+                <a:ea typeface="+mn-ea"/>
+                <a:cs typeface="+mn-cs"/>
+              </a:rPr>
+              <a:t>NoC</a:t>
+            </a:r>
+            <a:r>
+              <a:rPr lang="fr-FR" sz="1100" b="0" i="0" u="none" strike="noStrike" kern="1200" baseline="0" dirty="0" smtClean="0">
+                <a:solidFill>
+                  <a:schemeClr val="tx1"/>
+                </a:solidFill>
+                <a:latin typeface="+mn-lt"/>
+                <a:ea typeface="+mn-ea"/>
+                <a:cs typeface="+mn-cs"/>
+              </a:rPr>
+              <a:t>) et le Code </a:t>
+            </a:r>
+            <a:r>
+              <a:rPr lang="fr-FR" sz="1100" b="0" i="0" u="none" strike="noStrike" kern="1200" baseline="0" dirty="0" err="1" smtClean="0">
+                <a:solidFill>
+                  <a:schemeClr val="tx1"/>
+                </a:solidFill>
+                <a:latin typeface="+mn-lt"/>
+                <a:ea typeface="+mn-ea"/>
+                <a:cs typeface="+mn-cs"/>
+              </a:rPr>
+              <a:t>Churn</a:t>
+            </a:r>
+            <a:r>
+              <a:rPr lang="fr-FR" sz="1100" b="0" i="0" u="none" strike="noStrike" kern="1200" baseline="0" dirty="0" smtClean="0">
+                <a:solidFill>
+                  <a:schemeClr val="tx1"/>
+                </a:solidFill>
+                <a:latin typeface="+mn-lt"/>
+                <a:ea typeface="+mn-ea"/>
+                <a:cs typeface="+mn-cs"/>
+              </a:rPr>
+              <a:t> correspond au nombre de lignes de code qui ont été ajoutées ou supprimées à une entité. (entité fichier fonctions…)</a:t>
             </a:r>
             <a:endParaRPr dirty="0"/>
           </a:p>
@@ -2227,6 +2706,105 @@
 </file>
 
 <file path=ppt/notesSlides/notesSlide5.xml><?xml version="1.0" encoding="utf-8"?>
+<p:notes xmlns:a="http://schemas.openxmlformats.org/drawingml/2006/main" xmlns:r="http://schemas.openxmlformats.org/officeDocument/2006/relationships" xmlns:p="http://schemas.openxmlformats.org/presentationml/2006/main">
+  <p:cSld>
+    <p:spTree>
+      <p:nvGrpSpPr>
+        <p:cNvPr id="1" name=""/>
+        <p:cNvGrpSpPr/>
+        <p:nvPr/>
+      </p:nvGrpSpPr>
+      <p:grpSpPr>
+        <a:xfrm>
+          <a:off x="0" y="0"/>
+          <a:ext cx="0" cy="0"/>
+          <a:chOff x="0" y="0"/>
+          <a:chExt cx="0" cy="0"/>
+        </a:xfrm>
+      </p:grpSpPr>
+      <p:sp>
+        <p:nvSpPr>
+          <p:cNvPr id="2" name="Slide Image Placeholder 1"/>
+          <p:cNvSpPr>
+            <a:spLocks noGrp="1" noRot="1" noChangeAspect="1"/>
+          </p:cNvSpPr>
+          <p:nvPr>
+            <p:ph type="sldImg"/>
+          </p:nvPr>
+        </p:nvSpPr>
+        <p:spPr>
+          <a:xfrm>
+            <a:off x="381000" y="685800"/>
+            <a:ext cx="6096000" cy="3429000"/>
+          </a:xfrm>
+        </p:spPr>
+      </p:sp>
+      <p:sp>
+        <p:nvSpPr>
+          <p:cNvPr id="3" name="Notes Placeholder 2"/>
+          <p:cNvSpPr>
+            <a:spLocks noGrp="1"/>
+          </p:cNvSpPr>
+          <p:nvPr>
+            <p:ph type="body" idx="1"/>
+          </p:nvPr>
+        </p:nvSpPr>
+        <p:spPr/>
+        <p:txBody>
+          <a:bodyPr/>
+          <a:lstStyle/>
+          <a:p>
+            <a:r>
+              <a:rPr lang="fr-FR" sz="1100" b="0" i="0" u="none" strike="noStrike" kern="1200" baseline="0" dirty="0" smtClean="0">
+                <a:solidFill>
+                  <a:schemeClr val="tx1"/>
+                </a:solidFill>
+                <a:latin typeface="+mn-lt"/>
+                <a:ea typeface="+mn-ea"/>
+                <a:cs typeface="+mn-cs"/>
+              </a:rPr>
+              <a:t>Les VCS nous permettent de calculer ces métriques. Car </a:t>
+            </a:r>
+            <a:r>
+              <a:rPr lang="fr-FR" sz="1100" b="0" i="0" u="none" strike="noStrike" kern="1200" baseline="0" dirty="0" err="1" smtClean="0">
+                <a:solidFill>
+                  <a:schemeClr val="tx1"/>
+                </a:solidFill>
+                <a:latin typeface="+mn-lt"/>
+                <a:ea typeface="+mn-ea"/>
+                <a:cs typeface="+mn-cs"/>
+              </a:rPr>
+              <a:t>grace</a:t>
+            </a:r>
+            <a:r>
+              <a:rPr lang="fr-FR" sz="1100" b="0" i="0" u="none" strike="noStrike" kern="1200" baseline="0" dirty="0" smtClean="0">
+                <a:solidFill>
+                  <a:schemeClr val="tx1"/>
+                </a:solidFill>
+                <a:latin typeface="+mn-lt"/>
+                <a:ea typeface="+mn-ea"/>
+                <a:cs typeface="+mn-cs"/>
+              </a:rPr>
+              <a:t> à un système d’historique, il garde en mémoire chaque versions établis lors de l’évolution du logiciel et leur contenus. Il est donc possible d’observer chaque entité modifiée lors d’une période puis de garder uniquement les entités toujours présentes à la dernière version de notre période. </a:t>
+            </a:r>
+            <a:endParaRPr lang="fr-FR" dirty="0"/>
+          </a:p>
+        </p:txBody>
+      </p:sp>
+    </p:spTree>
+    <p:extLst>
+      <p:ext uri="{BB962C8B-B14F-4D97-AF65-F5344CB8AC3E}">
+        <p14:creationId xmlns:p14="http://schemas.microsoft.com/office/powerpoint/2010/main" val="625440417"/>
+      </p:ext>
+    </p:extLst>
+  </p:cSld>
+  <p:clrMapOvr>
+    <a:masterClrMapping/>
+  </p:clrMapOvr>
+</p:notes>
+</file>
+
+<file path=ppt/notesSlides/notesSlide6.xml><?xml version="1.0" encoding="utf-8"?>
 <p:notes xmlns:a="http://schemas.openxmlformats.org/drawingml/2006/main" xmlns:r="http://schemas.openxmlformats.org/officeDocument/2006/relationships" xmlns:p="http://schemas.openxmlformats.org/presentationml/2006/main" showMasterSp="0" showMasterPhAnim="0">
   <p:cSld>
     <p:spTree>
@@ -2315,7 +2893,23 @@
               </a:spcBef>
               <a:buNone/>
             </a:pPr>
-            <a:endParaRPr/>
+            <a:r>
+              <a:rPr lang="fr-FR" dirty="0" smtClean="0"/>
+              <a:t>Or, une entité de code peut être renommée au cours de son histoire. Ici un exemple, les entités sont au</a:t>
+            </a:r>
+            <a:r>
+              <a:rPr lang="fr-FR" baseline="0" dirty="0" smtClean="0"/>
+              <a:t> niveau fichier, nous observons l’historique d’un logiciel , 3 versions consécutives avec les </a:t>
+            </a:r>
+            <a:r>
+              <a:rPr lang="fr-FR" baseline="0" dirty="0" err="1" smtClean="0"/>
+              <a:t>dév</a:t>
+            </a:r>
+            <a:r>
+              <a:rPr lang="fr-FR" baseline="0" dirty="0" smtClean="0"/>
+              <a:t>. Le contenu du projet à chaque versions, on remarque que dans la version trois, le fichier est renommé et un commentaire est ajouté.</a:t>
+            </a:r>
+            <a:endParaRPr dirty="0"/>
           </a:p>
         </p:txBody>
       </p:sp>
@@ -2327,12 +2921,12 @@
 </p:notes>
 </file>
 
-<file path=ppt/notesSlides/notesSlide6.xml><?xml version="1.0" encoding="utf-8"?>
+<file path=ppt/notesSlides/notesSlide7.xml><?xml version="1.0" encoding="utf-8"?>
 <p:notes xmlns:a="http://schemas.openxmlformats.org/drawingml/2006/main" xmlns:r="http://schemas.openxmlformats.org/officeDocument/2006/relationships" xmlns:p="http://schemas.openxmlformats.org/presentationml/2006/main" showMasterSp="0" showMasterPhAnim="0">
   <p:cSld>
     <p:spTree>
       <p:nvGrpSpPr>
-        <p:cNvPr id="1" name="Shape 56"/>
+        <p:cNvPr id="1" name="Shape 47"/>
         <p:cNvGrpSpPr/>
         <p:nvPr/>
       </p:nvGrpSpPr>
@@ -2346,7 +2940,7 @@
       </p:grpSpPr>
       <p:sp>
         <p:nvSpPr>
-          <p:cNvPr id="57" name="Shape 57"/>
+          <p:cNvPr id="48" name="Shape 48"/>
           <p:cNvSpPr>
             <a:spLocks noGrp="1" noRot="1" noChangeAspect="1"/>
           </p:cNvSpPr>
@@ -2387,7 +2981,7 @@
       </p:sp>
       <p:sp>
         <p:nvSpPr>
-          <p:cNvPr id="58" name="Shape 58"/>
+          <p:cNvPr id="49" name="Shape 49"/>
           <p:cNvSpPr txBox="1">
             <a:spLocks noGrp="1"/>
           </p:cNvSpPr>
@@ -2416,7 +3010,47 @@
               </a:spcBef>
               <a:buNone/>
             </a:pPr>
-            <a:endParaRPr/>
+            <a:r>
+              <a:rPr lang="fr-FR" dirty="0" smtClean="0"/>
+              <a:t>On regarde le déroulement du</a:t>
+            </a:r>
+            <a:r>
+              <a:rPr lang="fr-FR" baseline="0" dirty="0" smtClean="0"/>
+              <a:t> </a:t>
+            </a:r>
+            <a:r>
+              <a:rPr lang="fr-FR" dirty="0" smtClean="0"/>
+              <a:t>calcul d’une métrique, </a:t>
+            </a:r>
+            <a:r>
+              <a:rPr lang="fr-FR" dirty="0" err="1" smtClean="0"/>
+              <a:t>NoD</a:t>
+            </a:r>
+            <a:r>
+              <a:rPr lang="fr-FR" dirty="0" smtClean="0"/>
+              <a:t>. Dans</a:t>
+            </a:r>
+            <a:r>
+              <a:rPr lang="fr-FR" baseline="0" dirty="0" smtClean="0"/>
+              <a:t> le cadre de la prédiction de bug, le but étant de détecter les bugs dans la prochaine version, on ne regarde que les entités présente à la fin de notre période (vers1 à 3). Dans les VCS, une entité est identité par son chemin absolue. (racine dossier + fichier) On prend donc alors la seule entité présente, </a:t>
+            </a:r>
+            <a:r>
+              <a:rPr lang="fr-FR" baseline="0" dirty="0" err="1" smtClean="0"/>
+              <a:t>Hello.php</a:t>
+            </a:r>
+            <a:r>
+              <a:rPr lang="fr-FR" baseline="0" dirty="0" smtClean="0"/>
+              <a:t>. Son </a:t>
+            </a:r>
+            <a:r>
+              <a:rPr lang="fr-FR" baseline="0" dirty="0" err="1" smtClean="0"/>
+              <a:t>NoD</a:t>
+            </a:r>
+            <a:r>
+              <a:rPr lang="fr-FR" baseline="0" dirty="0" smtClean="0"/>
+              <a:t> =1.</a:t>
+            </a:r>
+            <a:endParaRPr dirty="0"/>
           </a:p>
         </p:txBody>
       </p:sp>
@@ -2428,12 +3062,12 @@
 </p:notes>
 </file>
 
-<file path=ppt/notesSlides/notesSlide7.xml><?xml version="1.0" encoding="utf-8"?>
+<file path=ppt/notesSlides/notesSlide8.xml><?xml version="1.0" encoding="utf-8"?>
 <p:notes xmlns:a="http://schemas.openxmlformats.org/drawingml/2006/main" xmlns:r="http://schemas.openxmlformats.org/officeDocument/2006/relationships" xmlns:p="http://schemas.openxmlformats.org/presentationml/2006/main" showMasterSp="0" showMasterPhAnim="0">
   <p:cSld>
     <p:spTree>
       <p:nvGrpSpPr>
-        <p:cNvPr id="1" name="Shape 62"/>
+        <p:cNvPr id="1" name="Shape 56"/>
         <p:cNvGrpSpPr/>
         <p:nvPr/>
       </p:nvGrpSpPr>
@@ -2447,7 +3081,7 @@
       </p:grpSpPr>
       <p:sp>
         <p:nvSpPr>
-          <p:cNvPr id="63" name="Shape 63"/>
+          <p:cNvPr id="57" name="Shape 57"/>
           <p:cNvSpPr>
             <a:spLocks noGrp="1" noRot="1" noChangeAspect="1"/>
           </p:cNvSpPr>
@@ -2488,7 +3122,7 @@
       </p:sp>
       <p:sp>
         <p:nvSpPr>
-          <p:cNvPr id="64" name="Shape 64"/>
+          <p:cNvPr id="58" name="Shape 58"/>
           <p:cNvSpPr txBox="1">
             <a:spLocks noGrp="1"/>
           </p:cNvSpPr>
@@ -2511,13 +3145,39 @@
           </a:bodyPr>
           <a:lstStyle/>
           <a:p>
-            <a:pPr>
-              <a:spcBef>
-                <a:spcPts val="0"/>
-              </a:spcBef>
-              <a:buNone/>
-            </a:pPr>
-            <a:endParaRPr/>
+            <a:r>
+              <a:rPr lang="fr-FR" dirty="0" smtClean="0"/>
+              <a:t>Or</a:t>
+            </a:r>
+            <a:r>
+              <a:rPr lang="fr-FR" baseline="0" dirty="0" smtClean="0"/>
+              <a:t> en prenant en compte le renommage, on sait que </a:t>
+            </a:r>
+            <a:r>
+              <a:rPr lang="fr-FR" baseline="0" dirty="0" err="1" smtClean="0"/>
+              <a:t>Test.php</a:t>
+            </a:r>
+            <a:r>
+              <a:rPr lang="fr-FR" baseline="0" dirty="0" smtClean="0"/>
+              <a:t> est devenue </a:t>
+            </a:r>
+            <a:r>
+              <a:rPr lang="fr-FR" baseline="0" dirty="0" err="1" smtClean="0"/>
+              <a:t>Hello.php</a:t>
+            </a:r>
+            <a:r>
+              <a:rPr lang="fr-FR" baseline="0" dirty="0" smtClean="0"/>
+              <a:t> à la version trois. Donc </a:t>
+            </a:r>
+            <a:r>
+              <a:rPr lang="fr-FR" baseline="0" dirty="0" err="1" smtClean="0"/>
+              <a:t>NoD</a:t>
+            </a:r>
+            <a:r>
+              <a:rPr lang="fr-FR" baseline="0" dirty="0" smtClean="0"/>
+              <a:t> = 3.  </a:t>
+            </a:r>
+            <a:endParaRPr dirty="0"/>
           </a:p>
         </p:txBody>
       </p:sp>
@@ -2529,12 +3189,12 @@
 </p:notes>
 </file>
 
-<file path=ppt/notesSlides/notesSlide8.xml><?xml version="1.0" encoding="utf-8"?>
+<file path=ppt/notesSlides/notesSlide9.xml><?xml version="1.0" encoding="utf-8"?>
 <p:notes xmlns:a="http://schemas.openxmlformats.org/drawingml/2006/main" xmlns:r="http://schemas.openxmlformats.org/officeDocument/2006/relationships" xmlns:p="http://schemas.openxmlformats.org/presentationml/2006/main" showMasterSp="0" showMasterPhAnim="0">
   <p:cSld>
     <p:spTree>
       <p:nvGrpSpPr>
-        <p:cNvPr id="1" name="Shape 68"/>
+        <p:cNvPr id="1" name="Shape 62"/>
         <p:cNvGrpSpPr/>
         <p:nvPr/>
       </p:nvGrpSpPr>
@@ -2548,7 +3208,7 @@
       </p:grpSpPr>
       <p:sp>
         <p:nvSpPr>
-          <p:cNvPr id="69" name="Shape 69"/>
+          <p:cNvPr id="63" name="Shape 63"/>
           <p:cNvSpPr>
             <a:spLocks noGrp="1" noRot="1" noChangeAspect="1"/>
           </p:cNvSpPr>
@@ -2589,7 +3249,7 @@
       </p:sp>
       <p:sp>
         <p:nvSpPr>
-          <p:cNvPr id="70" name="Shape 70"/>
+          <p:cNvPr id="64" name="Shape 64"/>
           <p:cNvSpPr txBox="1">
             <a:spLocks noGrp="1"/>
           </p:cNvSpPr>
@@ -2618,108 +3278,71 @@
               </a:spcBef>
               <a:buNone/>
             </a:pPr>
-            <a:endParaRPr/>
-          </a:p>
-        </p:txBody>
-      </p:sp>
-    </p:spTree>
-  </p:cSld>
-  <p:clrMapOvr>
-    <a:masterClrMapping/>
-  </p:clrMapOvr>
-</p:notes>
-</file>
-
-<file path=ppt/notesSlides/notesSlide9.xml><?xml version="1.0" encoding="utf-8"?>
-<p:notes xmlns:a="http://schemas.openxmlformats.org/drawingml/2006/main" xmlns:r="http://schemas.openxmlformats.org/officeDocument/2006/relationships" xmlns:p="http://schemas.openxmlformats.org/presentationml/2006/main" showMasterSp="0" showMasterPhAnim="0">
-  <p:cSld>
-    <p:spTree>
-      <p:nvGrpSpPr>
-        <p:cNvPr id="1" name="Shape 74"/>
-        <p:cNvGrpSpPr/>
-        <p:nvPr/>
-      </p:nvGrpSpPr>
-      <p:grpSpPr>
-        <a:xfrm>
-          <a:off x="0" y="0"/>
-          <a:ext cx="0" cy="0"/>
-          <a:chOff x="0" y="0"/>
-          <a:chExt cx="0" cy="0"/>
-        </a:xfrm>
-      </p:grpSpPr>
-      <p:sp>
-        <p:nvSpPr>
-          <p:cNvPr id="75" name="Shape 75"/>
-          <p:cNvSpPr>
-            <a:spLocks noGrp="1" noRot="1" noChangeAspect="1"/>
-          </p:cNvSpPr>
-          <p:nvPr>
-            <p:ph type="sldImg" idx="2"/>
-          </p:nvPr>
-        </p:nvSpPr>
-        <p:spPr>
-          <a:xfrm>
-            <a:off x="381000" y="685800"/>
-            <a:ext cx="6096000" cy="3429000"/>
-          </a:xfrm>
-          <a:custGeom>
-            <a:avLst/>
-            <a:gdLst/>
-            <a:ahLst/>
-            <a:cxnLst/>
-            <a:rect l="0" t="0" r="0" b="0"/>
-            <a:pathLst>
-              <a:path w="120000" h="120000" extrusionOk="0">
-                <a:moveTo>
-                  <a:pt x="0" y="0"/>
-                </a:moveTo>
-                <a:lnTo>
-                  <a:pt x="120000" y="0"/>
-                </a:lnTo>
-                <a:lnTo>
-                  <a:pt x="120000" y="120000"/>
-                </a:lnTo>
-                <a:lnTo>
-                  <a:pt x="0" y="120000"/>
-                </a:lnTo>
-                <a:close/>
-              </a:path>
-            </a:pathLst>
-          </a:custGeom>
-        </p:spPr>
-      </p:sp>
-      <p:sp>
-        <p:nvSpPr>
-          <p:cNvPr id="76" name="Shape 76"/>
-          <p:cNvSpPr txBox="1">
-            <a:spLocks noGrp="1"/>
-          </p:cNvSpPr>
-          <p:nvPr>
-            <p:ph type="body" idx="1"/>
-          </p:nvPr>
-        </p:nvSpPr>
-        <p:spPr>
-          <a:xfrm>
-            <a:off x="685800" y="4343400"/>
-            <a:ext cx="5486399" cy="4114800"/>
-          </a:xfrm>
-          <a:prstGeom prst="rect">
-            <a:avLst/>
-          </a:prstGeom>
-        </p:spPr>
-        <p:txBody>
-          <a:bodyPr lIns="91425" tIns="91425" rIns="91425" bIns="91425" anchor="t" anchorCtr="0">
-            <a:noAutofit/>
-          </a:bodyPr>
-          <a:lstStyle/>
-          <a:p>
-            <a:pPr>
-              <a:spcBef>
-                <a:spcPts val="0"/>
-              </a:spcBef>
-              <a:buNone/>
-            </a:pPr>
-            <a:endParaRPr/>
+            <a:r>
+              <a:rPr lang="fr-FR" dirty="0" smtClean="0"/>
+              <a:t>CVS ne gère pas du tout les renommage, SVN</a:t>
+            </a:r>
+            <a:r>
+              <a:rPr lang="fr-FR" baseline="0" dirty="0" smtClean="0"/>
+              <a:t> et </a:t>
+            </a:r>
+            <a:r>
+              <a:rPr lang="fr-FR" baseline="0" dirty="0" err="1" smtClean="0"/>
+              <a:t>Mercurial</a:t>
+            </a:r>
+            <a:r>
+              <a:rPr lang="fr-FR" baseline="0" dirty="0" smtClean="0"/>
+              <a:t> sont manuel, c’est-à-dire qu’une commande spécifique à l’outil doit être utilisé pour préciser lorsqu’on renomme un fichier et Git </a:t>
+            </a:r>
+            <a:r>
+              <a:rPr lang="fr-FR" baseline="0" dirty="0" err="1" smtClean="0"/>
+              <a:t>automatque</a:t>
+            </a:r>
+            <a:r>
+              <a:rPr lang="fr-FR" baseline="0" dirty="0" smtClean="0"/>
+              <a:t> mais optionnel, détecte les renommages automatiquement, mais une option à activer lorsqu’on parcours l’historique pour afficher les renommages de fichiers. Ces VCS fonctionne à un niveau de granularité fichier. Une étude de Kim et al montre que les </a:t>
+            </a:r>
+            <a:r>
+              <a:rPr lang="fr-FR" baseline="0" dirty="0" err="1" smtClean="0"/>
+              <a:t>dev</a:t>
+            </a:r>
+            <a:r>
+              <a:rPr lang="fr-FR" baseline="0" dirty="0" smtClean="0"/>
+              <a:t> n’</a:t>
+            </a:r>
+            <a:r>
+              <a:rPr lang="fr-FR" baseline="0" dirty="0" err="1" smtClean="0"/>
+              <a:t>utlisent</a:t>
+            </a:r>
+            <a:r>
+              <a:rPr lang="fr-FR" baseline="0" dirty="0" smtClean="0"/>
+              <a:t> pas les commandes fournit pour faire leur renommage, que 51% des </a:t>
+            </a:r>
+            <a:r>
+              <a:rPr lang="fr-FR" baseline="0" dirty="0" err="1" smtClean="0"/>
+              <a:t>refactorings</a:t>
+            </a:r>
+            <a:r>
+              <a:rPr lang="fr-FR" baseline="0" dirty="0" smtClean="0"/>
+              <a:t> n’utilisent pas du tout les commandes. Nous ne pouvons donc pas nous baser sur ces outils pour notre étude, </a:t>
+            </a:r>
+            <a:r>
+              <a:rPr lang="fr-FR" baseline="0" dirty="0" err="1" smtClean="0"/>
+              <a:t>daurénavent</a:t>
+            </a:r>
+            <a:r>
+              <a:rPr lang="fr-FR" baseline="0" dirty="0" smtClean="0"/>
+              <a:t> nous utiliserons Git comme </a:t>
+            </a:r>
+            <a:r>
+              <a:rPr lang="fr-FR" baseline="0" dirty="0" err="1" smtClean="0"/>
+              <a:t>vcs</a:t>
+            </a:r>
+            <a:r>
+              <a:rPr lang="fr-FR" baseline="0" dirty="0" smtClean="0"/>
+              <a:t> de référence.</a:t>
+            </a:r>
+            <a:endParaRPr dirty="0"/>
           </a:p>
         </p:txBody>
       </p:sp>
@@ -4754,7 +5377,7 @@
   <p:cSld>
     <p:spTree>
       <p:nvGrpSpPr>
-        <p:cNvPr id="1" name="Shape 77"/>
+        <p:cNvPr id="1" name="Shape 65"/>
         <p:cNvGrpSpPr/>
         <p:nvPr/>
       </p:nvGrpSpPr>
@@ -4768,7 +5391,7 @@
       </p:grpSpPr>
       <p:sp>
         <p:nvSpPr>
-          <p:cNvPr id="78" name="Shape 78"/>
+          <p:cNvPr id="66" name="Shape 66"/>
           <p:cNvSpPr txBox="1">
             <a:spLocks noGrp="1"/>
           </p:cNvSpPr>
@@ -4791,8 +5414,14 @@
           </a:bodyPr>
           <a:lstStyle/>
           <a:p>
-            <a:r>
-              <a:rPr lang="fr" dirty="0"/>
+            <a:pPr lvl="0" rtl="0">
+              <a:spcBef>
+                <a:spcPts val="0"/>
+              </a:spcBef>
+              <a:buNone/>
+            </a:pPr>
+            <a:r>
+              <a:rPr lang="fr" dirty="0" smtClean="0"/>
               <a:t>Contexte </a:t>
             </a:r>
             <a:r>
@@ -4801,26 +5430,39 @@
                   <a:schemeClr val="bg2"/>
                 </a:solidFill>
               </a:rPr>
-              <a:t>“Origin Analysis”</a:t>
-            </a:r>
+              <a:t>“Origin Analysis</a:t>
+            </a:r>
+            <a:r>
+              <a:rPr lang="fr" sz="1400" dirty="0" smtClean="0">
+                <a:solidFill>
+                  <a:schemeClr val="bg2"/>
+                </a:solidFill>
+              </a:rPr>
+              <a:t>” *</a:t>
+            </a:r>
+            <a:endParaRPr lang="fr" sz="1400" dirty="0">
+              <a:solidFill>
+                <a:schemeClr val="bg2"/>
+              </a:solidFill>
+            </a:endParaRPr>
           </a:p>
         </p:txBody>
       </p:sp>
       <p:pic>
         <p:nvPicPr>
-          <p:cNvPr id="79" name="Shape 79"/>
+          <p:cNvPr id="67" name="Shape 67"/>
           <p:cNvPicPr preferRelativeResize="0"/>
           <p:nvPr/>
         </p:nvPicPr>
         <p:blipFill rotWithShape="1">
           <a:blip r:embed="rId3"/>
-          <a:srcRect b="30872"/>
+          <a:srcRect b="31483"/>
           <a:stretch/>
         </p:blipFill>
         <p:spPr>
           <a:xfrm>
-            <a:off x="1143000" y="1274025"/>
-            <a:ext cx="6858000" cy="3555550"/>
+            <a:off x="1143000" y="1307400"/>
+            <a:ext cx="6858000" cy="3524250"/>
           </a:xfrm>
           <a:prstGeom prst="rect">
             <a:avLst/>
@@ -4831,6 +5473,91 @@
           </a:ln>
         </p:spPr>
       </p:pic>
+      <p:sp>
+        <p:nvSpPr>
+          <p:cNvPr id="2" name="TextBox 1"/>
+          <p:cNvSpPr txBox="1"/>
+          <p:nvPr/>
+        </p:nvSpPr>
+        <p:spPr>
+          <a:xfrm>
+            <a:off x="395536" y="4587974"/>
+            <a:ext cx="5328592" cy="461665"/>
+          </a:xfrm>
+          <a:prstGeom prst="rect">
+            <a:avLst/>
+          </a:prstGeom>
+          <a:noFill/>
+        </p:spPr>
+        <p:txBody>
+          <a:bodyPr wrap="square" rtlCol="0">
+            <a:spAutoFit/>
+          </a:bodyPr>
+          <a:lstStyle/>
+          <a:p>
+            <a:r>
+              <a:rPr lang="en-US" sz="1200" dirty="0" smtClean="0">
+                <a:solidFill>
+                  <a:schemeClr val="bg2"/>
+                </a:solidFill>
+              </a:rPr>
+              <a:t>* Godfrey et al, </a:t>
+            </a:r>
+            <a:br>
+              <a:rPr lang="en-US" sz="1200" dirty="0" smtClean="0">
+                <a:solidFill>
+                  <a:schemeClr val="bg2"/>
+                </a:solidFill>
+              </a:rPr>
+            </a:br>
+            <a:r>
+              <a:rPr lang="en-US" sz="1200" dirty="0" smtClean="0">
+                <a:solidFill>
+                  <a:schemeClr val="bg2"/>
+                </a:solidFill>
+              </a:rPr>
+              <a:t>“An </a:t>
+            </a:r>
+            <a:r>
+              <a:rPr lang="en-US" sz="1200" dirty="0">
+                <a:solidFill>
+                  <a:schemeClr val="bg2"/>
+                </a:solidFill>
+              </a:rPr>
+              <a:t>integrated approach for </a:t>
+            </a:r>
+            <a:r>
+              <a:rPr lang="en-US" sz="1200" dirty="0" smtClean="0">
+                <a:solidFill>
+                  <a:schemeClr val="bg2"/>
+                </a:solidFill>
+              </a:rPr>
+              <a:t>studying architectural evolution”</a:t>
+            </a:r>
+            <a:r>
+              <a:rPr lang="fr-FR" sz="1200" dirty="0" smtClean="0">
+                <a:solidFill>
+                  <a:schemeClr val="bg2"/>
+                </a:solidFill>
+              </a:rPr>
+              <a:t>, </a:t>
+            </a:r>
+            <a:r>
+              <a:rPr lang="fr-FR" sz="1200" dirty="0">
+                <a:solidFill>
+                  <a:schemeClr val="bg2"/>
+                </a:solidFill>
+              </a:rPr>
+              <a:t>2002</a:t>
+            </a:r>
+            <a:endParaRPr lang="fr-FR" sz="1200" dirty="0">
+              <a:solidFill>
+                <a:schemeClr val="bg2"/>
+              </a:solidFill>
+            </a:endParaRPr>
+          </a:p>
+        </p:txBody>
+      </p:sp>
     </p:spTree>
   </p:cSld>
   <p:clrMapOvr>
@@ -4854,7 +5581,7 @@
   <p:cSld>
     <p:spTree>
       <p:nvGrpSpPr>
-        <p:cNvPr id="1" name="Shape 83"/>
+        <p:cNvPr id="1" name="Shape 71"/>
         <p:cNvGrpSpPr/>
         <p:nvPr/>
       </p:nvGrpSpPr>
@@ -4868,7 +5595,7 @@
       </p:grpSpPr>
       <p:sp>
         <p:nvSpPr>
-          <p:cNvPr id="84" name="Shape 84"/>
+          <p:cNvPr id="72" name="Shape 72"/>
           <p:cNvSpPr txBox="1">
             <a:spLocks noGrp="1"/>
           </p:cNvSpPr>
@@ -4886,20 +5613,15 @@
           </a:prstGeom>
         </p:spPr>
         <p:txBody>
-          <a:bodyPr lIns="91425" tIns="91425" rIns="91425" bIns="91425" anchor="ctr" anchorCtr="0">
+          <a:bodyPr lIns="91425" tIns="91425" rIns="91425" bIns="91425" anchor="b" anchorCtr="0">
             <a:noAutofit/>
           </a:bodyPr>
           <a:lstStyle/>
           <a:p>
-            <a:pPr>
-              <a:spcBef>
-                <a:spcPts val="0"/>
-              </a:spcBef>
-              <a:buNone/>
-            </a:pPr>
-            <a:r>
-              <a:rPr lang="fr" dirty="0" smtClean="0"/>
-              <a:t>Méthodologie </a:t>
+            <a:pPr lvl="0"/>
+            <a:r>
+              <a:rPr lang="fr" dirty="0"/>
+              <a:t>Contexte </a:t>
             </a:r>
             <a:r>
               <a:rPr lang="fr" sz="1400" dirty="0">
@@ -4907,27 +5629,26 @@
                   <a:schemeClr val="bg2"/>
                 </a:solidFill>
               </a:rPr>
-              <a:t>corpus</a:t>
+              <a:t>“Origin Analysis”</a:t>
             </a:r>
           </a:p>
         </p:txBody>
       </p:sp>
       <p:pic>
         <p:nvPicPr>
-          <p:cNvPr id="85" name="Shape 85"/>
+          <p:cNvPr id="73" name="Shape 73"/>
           <p:cNvPicPr preferRelativeResize="0"/>
           <p:nvPr/>
         </p:nvPicPr>
-        <p:blipFill>
+        <p:blipFill rotWithShape="1">
           <a:blip r:embed="rId3"/>
-          <a:stretch>
-            <a:fillRect/>
-          </a:stretch>
+          <a:srcRect b="32849"/>
+          <a:stretch/>
         </p:blipFill>
         <p:spPr>
           <a:xfrm>
-            <a:off x="395536" y="1635646"/>
-            <a:ext cx="8280920" cy="2052003"/>
+            <a:off x="1143000" y="1327225"/>
+            <a:ext cx="6858000" cy="3453800"/>
           </a:xfrm>
           <a:prstGeom prst="rect">
             <a:avLst/>
@@ -4938,36 +5659,6 @@
           </a:ln>
         </p:spPr>
       </p:pic>
-      <p:sp>
-        <p:nvSpPr>
-          <p:cNvPr id="2" name="TextBox 1"/>
-          <p:cNvSpPr txBox="1"/>
-          <p:nvPr/>
-        </p:nvSpPr>
-        <p:spPr>
-          <a:xfrm>
-            <a:off x="611560" y="1347614"/>
-            <a:ext cx="3744416" cy="369332"/>
-          </a:xfrm>
-          <a:prstGeom prst="rect">
-            <a:avLst/>
-          </a:prstGeom>
-          <a:noFill/>
-        </p:spPr>
-        <p:txBody>
-          <a:bodyPr wrap="square" rtlCol="0">
-            <a:spAutoFit/>
-          </a:bodyPr>
-          <a:lstStyle/>
-          <a:p>
-            <a:r>
-              <a:rPr lang="fr-FR" sz="1800" dirty="0" smtClean="0"/>
-              <a:t>5 projets open-source :</a:t>
-            </a:r>
-            <a:endParaRPr lang="fr-FR" sz="1800" dirty="0"/>
-          </a:p>
-        </p:txBody>
-      </p:sp>
     </p:spTree>
   </p:cSld>
   <p:clrMapOvr>
@@ -4991,7 +5682,7 @@
   <p:cSld>
     <p:spTree>
       <p:nvGrpSpPr>
-        <p:cNvPr id="1" name="Shape 89"/>
+        <p:cNvPr id="1" name="Shape 77"/>
         <p:cNvGrpSpPr/>
         <p:nvPr/>
       </p:nvGrpSpPr>
@@ -5005,7 +5696,7 @@
       </p:grpSpPr>
       <p:sp>
         <p:nvSpPr>
-          <p:cNvPr id="90" name="Shape 90"/>
+          <p:cNvPr id="78" name="Shape 78"/>
           <p:cNvSpPr txBox="1">
             <a:spLocks noGrp="1"/>
           </p:cNvSpPr>
@@ -5023,20 +5714,14 @@
           </a:prstGeom>
         </p:spPr>
         <p:txBody>
-          <a:bodyPr lIns="91425" tIns="91425" rIns="91425" bIns="91425" anchor="ctr" anchorCtr="0">
+          <a:bodyPr lIns="91425" tIns="91425" rIns="91425" bIns="91425" anchor="b" anchorCtr="0">
             <a:noAutofit/>
           </a:bodyPr>
           <a:lstStyle/>
           <a:p>
-            <a:pPr lvl="0" rtl="0">
-              <a:spcBef>
-                <a:spcPts val="0"/>
-              </a:spcBef>
-              <a:buNone/>
-            </a:pPr>
-            <a:r>
-              <a:rPr lang="fr" dirty="0" smtClean="0"/>
-              <a:t>Méthodologie </a:t>
+            <a:r>
+              <a:rPr lang="fr" dirty="0"/>
+              <a:t>Contexte </a:t>
             </a:r>
             <a:r>
               <a:rPr lang="fr" sz="1400" dirty="0">
@@ -5044,104 +5729,34 @@
                   <a:schemeClr val="bg2"/>
                 </a:solidFill>
               </a:rPr>
-              <a:t>première expérience</a:t>
-            </a:r>
-          </a:p>
-        </p:txBody>
-      </p:sp>
-      <p:sp>
-        <p:nvSpPr>
-          <p:cNvPr id="92" name="Shape 92"/>
-          <p:cNvSpPr txBox="1"/>
-          <p:nvPr/>
-        </p:nvSpPr>
-        <p:spPr>
-          <a:xfrm>
-            <a:off x="5919200" y="1692325"/>
-            <a:ext cx="2873100" cy="2630400"/>
-          </a:xfrm>
-          <a:prstGeom prst="rect">
-            <a:avLst/>
-          </a:prstGeom>
-        </p:spPr>
-        <p:txBody>
-          <a:bodyPr lIns="91425" tIns="91425" rIns="91425" bIns="91425" anchor="t" anchorCtr="0">
-            <a:noAutofit/>
-          </a:bodyPr>
-          <a:lstStyle/>
-          <a:p>
-            <a:pPr marL="457200" lvl="0" indent="-381000" rtl="0">
-              <a:spcBef>
-                <a:spcPts val="0"/>
-              </a:spcBef>
-              <a:buClr>
-                <a:srgbClr val="000000"/>
-              </a:buClr>
-              <a:buSzPct val="100000"/>
-              <a:buFont typeface="Arial"/>
-              <a:buChar char="●"/>
-            </a:pPr>
-            <a:r>
-              <a:rPr lang="fr" sz="2400"/>
-              <a:t>Quantité de renommage</a:t>
-            </a:r>
-          </a:p>
-          <a:p>
-            <a:pPr lvl="0" rtl="0">
-              <a:spcBef>
-                <a:spcPts val="0"/>
-              </a:spcBef>
-              <a:buNone/>
-            </a:pPr>
-            <a:endParaRPr lang="fr" sz="2400"/>
-          </a:p>
-          <a:p>
-            <a:pPr marL="457200" lvl="0" indent="-381000">
-              <a:spcBef>
-                <a:spcPts val="0"/>
-              </a:spcBef>
-              <a:buClr>
-                <a:srgbClr val="000000"/>
-              </a:buClr>
-              <a:buSzPct val="100000"/>
-              <a:buFont typeface="Arial"/>
-              <a:buChar char="●"/>
-            </a:pPr>
-            <a:r>
-              <a:rPr lang="fr" sz="2400"/>
-              <a:t>Localization</a:t>
+              <a:t>“Origin Analysis”</a:t>
             </a:r>
           </a:p>
         </p:txBody>
       </p:sp>
       <p:pic>
         <p:nvPicPr>
-          <p:cNvPr id="2" name="Picture 1"/>
-          <p:cNvPicPr>
-            <a:picLocks noChangeAspect="1"/>
-          </p:cNvPicPr>
+          <p:cNvPr id="79" name="Shape 79"/>
+          <p:cNvPicPr preferRelativeResize="0"/>
           <p:nvPr/>
         </p:nvPicPr>
-        <p:blipFill>
-          <a:blip r:embed="rId3">
-            <a:extLst>
-              <a:ext uri="{28A0092B-C50C-407E-A947-70E740481C1C}">
-                <a14:useLocalDpi xmlns:a14="http://schemas.microsoft.com/office/drawing/2010/main" val="0"/>
-              </a:ext>
-            </a:extLst>
-          </a:blip>
-          <a:stretch>
-            <a:fillRect/>
-          </a:stretch>
+        <p:blipFill rotWithShape="1">
+          <a:blip r:embed="rId3"/>
+          <a:srcRect b="30872"/>
+          <a:stretch/>
         </p:blipFill>
         <p:spPr>
           <a:xfrm>
-            <a:off x="1475656" y="1059582"/>
-            <a:ext cx="4631704" cy="3842472"/>
-          </a:xfrm>
-          <a:prstGeom prst="rect">
-            <a:avLst/>
-          </a:prstGeom>
+            <a:off x="1143000" y="1274025"/>
+            <a:ext cx="6858000" cy="3555550"/>
+          </a:xfrm>
+          <a:prstGeom prst="rect">
+            <a:avLst/>
+          </a:prstGeom>
+          <a:noFill/>
+          <a:ln>
+            <a:noFill/>
+          </a:ln>
         </p:spPr>
       </p:pic>
     </p:spTree>
@@ -5167,7 +5782,7 @@
   <p:cSld>
     <p:spTree>
       <p:nvGrpSpPr>
-        <p:cNvPr id="1" name="Shape 89"/>
+        <p:cNvPr id="1" name=""/>
         <p:cNvGrpSpPr/>
         <p:nvPr/>
       </p:nvGrpSpPr>
@@ -5181,159 +5796,82 @@
       </p:grpSpPr>
       <p:sp>
         <p:nvSpPr>
-          <p:cNvPr id="90" name="Shape 90"/>
-          <p:cNvSpPr txBox="1">
+          <p:cNvPr id="2" name="Title 1"/>
+          <p:cNvSpPr>
             <a:spLocks noGrp="1"/>
           </p:cNvSpPr>
           <p:nvPr>
             <p:ph type="title"/>
           </p:nvPr>
         </p:nvSpPr>
-        <p:spPr>
-          <a:xfrm>
-            <a:off x="457200" y="205978"/>
-            <a:ext cx="8229600" cy="857400"/>
-          </a:xfrm>
-          <a:prstGeom prst="rect">
-            <a:avLst/>
-          </a:prstGeom>
-        </p:spPr>
+        <p:spPr/>
         <p:txBody>
-          <a:bodyPr lIns="91425" tIns="91425" rIns="91425" bIns="91425" anchor="ctr" anchorCtr="0">
-            <a:noAutofit/>
-          </a:bodyPr>
+          <a:bodyPr/>
           <a:lstStyle/>
           <a:p>
             <a:r>
-              <a:rPr lang="fr" dirty="0" smtClean="0"/>
-              <a:t>Méthodologie </a:t>
-            </a:r>
-            <a:r>
-              <a:rPr lang="fr" sz="1400" dirty="0">
-                <a:solidFill>
-                  <a:schemeClr val="bg2"/>
-                </a:solidFill>
-              </a:rPr>
-              <a:t>première expérience</a:t>
-            </a:r>
+              <a:rPr lang="fr-FR" dirty="0" err="1" smtClean="0"/>
+              <a:t>Research</a:t>
+            </a:r>
+            <a:r>
+              <a:rPr lang="fr-FR" dirty="0" smtClean="0"/>
+              <a:t> Question</a:t>
+            </a:r>
+            <a:endParaRPr lang="fr-FR" dirty="0"/>
           </a:p>
         </p:txBody>
       </p:sp>
       <p:sp>
         <p:nvSpPr>
-          <p:cNvPr id="92" name="Shape 92"/>
-          <p:cNvSpPr txBox="1"/>
-          <p:nvPr/>
-        </p:nvSpPr>
-        <p:spPr>
-          <a:xfrm>
-            <a:off x="5919200" y="1692325"/>
-            <a:ext cx="2873100" cy="2630400"/>
-          </a:xfrm>
-          <a:prstGeom prst="rect">
-            <a:avLst/>
-          </a:prstGeom>
-        </p:spPr>
+          <p:cNvPr id="3" name="Text Placeholder 2"/>
+          <p:cNvSpPr>
+            <a:spLocks noGrp="1"/>
+          </p:cNvSpPr>
+          <p:nvPr>
+            <p:ph type="body" idx="1"/>
+          </p:nvPr>
+        </p:nvSpPr>
+        <p:spPr/>
         <p:txBody>
-          <a:bodyPr lIns="91425" tIns="91425" rIns="91425" bIns="91425" anchor="t" anchorCtr="0">
-            <a:noAutofit/>
-          </a:bodyPr>
+          <a:bodyPr/>
           <a:lstStyle/>
           <a:p>
-            <a:pPr marL="457200" lvl="0" indent="-381000" rtl="0">
-              <a:spcBef>
-                <a:spcPts val="0"/>
-              </a:spcBef>
-              <a:buClr>
-                <a:srgbClr val="000000"/>
-              </a:buClr>
-              <a:buSzPct val="100000"/>
-              <a:buFont typeface="Arial"/>
-              <a:buChar char="●"/>
+            <a:pPr marL="457200" indent="-457200">
+              <a:buFont typeface="Arial" panose="020B0604020202020204" pitchFamily="34" charset="0"/>
+              <a:buChar char="•"/>
             </a:pPr>
             <a:r>
-              <a:rPr lang="fr" sz="2400"/>
-              <a:t>Quantité de renommage</a:t>
-            </a:r>
-          </a:p>
-          <a:p>
-            <a:pPr lvl="0" rtl="0">
-              <a:spcBef>
-                <a:spcPts val="0"/>
-              </a:spcBef>
-              <a:buNone/>
+              <a:rPr lang="fr-FR" dirty="0" smtClean="0"/>
+              <a:t>La quantité de renommage dans les projets.</a:t>
+            </a:r>
+            <a:br>
+              <a:rPr lang="fr-FR" dirty="0" smtClean="0"/>
+            </a:br>
+            <a:endParaRPr lang="fr-FR" dirty="0" smtClean="0"/>
+          </a:p>
+          <a:p>
+            <a:pPr marL="457200" indent="-457200">
+              <a:buFont typeface="Arial" panose="020B0604020202020204" pitchFamily="34" charset="0"/>
+              <a:buChar char="•"/>
             </a:pPr>
-            <a:endParaRPr lang="fr" sz="2400"/>
-          </a:p>
-          <a:p>
-            <a:pPr marL="457200" lvl="0" indent="-381000">
-              <a:spcBef>
-                <a:spcPts val="0"/>
-              </a:spcBef>
-              <a:buClr>
-                <a:srgbClr val="000000"/>
-              </a:buClr>
-              <a:buSzPct val="100000"/>
-              <a:buFont typeface="Arial"/>
-              <a:buChar char="●"/>
-            </a:pPr>
-            <a:r>
-              <a:rPr lang="fr" sz="2400"/>
-              <a:t>Localization</a:t>
-            </a:r>
+            <a:r>
+              <a:rPr lang="fr-FR" dirty="0" smtClean="0"/>
+              <a:t>Son impact sur les métriques.</a:t>
+            </a:r>
+            <a:endParaRPr lang="fr-FR" dirty="0"/>
           </a:p>
         </p:txBody>
       </p:sp>
-      <p:pic>
-        <p:nvPicPr>
-          <p:cNvPr id="2" name="Picture 1"/>
-          <p:cNvPicPr>
-            <a:picLocks noChangeAspect="1"/>
-          </p:cNvPicPr>
-          <p:nvPr/>
-        </p:nvPicPr>
-        <p:blipFill>
-          <a:blip r:embed="rId3">
-            <a:extLst>
-              <a:ext uri="{28A0092B-C50C-407E-A947-70E740481C1C}">
-                <a14:useLocalDpi xmlns:a14="http://schemas.microsoft.com/office/drawing/2010/main" val="0"/>
-              </a:ext>
-            </a:extLst>
-          </a:blip>
-          <a:stretch>
-            <a:fillRect/>
-          </a:stretch>
-        </p:blipFill>
-        <p:spPr>
-          <a:xfrm>
-            <a:off x="1496640" y="1037574"/>
-            <a:ext cx="4749147" cy="3939902"/>
-          </a:xfrm>
-          <a:prstGeom prst="rect">
-            <a:avLst/>
-          </a:prstGeom>
-        </p:spPr>
-      </p:pic>
     </p:spTree>
     <p:extLst>
       <p:ext uri="{BB962C8B-B14F-4D97-AF65-F5344CB8AC3E}">
-        <p14:creationId xmlns:p14="http://schemas.microsoft.com/office/powerpoint/2010/main" val="2464408399"/>
+        <p14:creationId xmlns:p14="http://schemas.microsoft.com/office/powerpoint/2010/main" val="4011224614"/>
       </p:ext>
     </p:extLst>
   </p:cSld>
   <p:clrMapOvr>
     <a:masterClrMapping/>
   </p:clrMapOvr>
-  <p:transition spd="slow">
-    <p:cut/>
-  </p:transition>
-  <p:timing>
-    <p:tnLst>
-      <p:par>
-        <p:cTn id="1" dur="indefinite" restart="never" nodeType="tmRoot"/>
-      </p:par>
-    </p:tnLst>
-  </p:timing>
 </p:sld>
 </file>
 
@@ -5342,7 +5880,7 @@
   <p:cSld>
     <p:spTree>
       <p:nvGrpSpPr>
-        <p:cNvPr id="1" name="Shape 89"/>
+        <p:cNvPr id="1" name="Shape 83"/>
         <p:cNvGrpSpPr/>
         <p:nvPr/>
       </p:nvGrpSpPr>
@@ -5356,7 +5894,7 @@
       </p:grpSpPr>
       <p:sp>
         <p:nvSpPr>
-          <p:cNvPr id="90" name="Shape 90"/>
+          <p:cNvPr id="84" name="Shape 84"/>
           <p:cNvSpPr txBox="1">
             <a:spLocks noGrp="1"/>
           </p:cNvSpPr>
@@ -5379,7 +5917,7 @@
           </a:bodyPr>
           <a:lstStyle/>
           <a:p>
-            <a:pPr lvl="0" rtl="0">
+            <a:pPr>
               <a:spcBef>
                 <a:spcPts val="0"/>
               </a:spcBef>
@@ -5395,112 +5933,68 @@
                   <a:schemeClr val="bg2"/>
                 </a:solidFill>
               </a:rPr>
-              <a:t>première expérience</a:t>
-            </a:r>
-          </a:p>
-        </p:txBody>
-      </p:sp>
-      <p:sp>
-        <p:nvSpPr>
-          <p:cNvPr id="92" name="Shape 92"/>
-          <p:cNvSpPr txBox="1"/>
-          <p:nvPr/>
-        </p:nvSpPr>
-        <p:spPr>
-          <a:xfrm>
-            <a:off x="5919200" y="1692325"/>
-            <a:ext cx="2873100" cy="2630400"/>
-          </a:xfrm>
-          <a:prstGeom prst="rect">
-            <a:avLst/>
-          </a:prstGeom>
-        </p:spPr>
-        <p:txBody>
-          <a:bodyPr lIns="91425" tIns="91425" rIns="91425" bIns="91425" anchor="t" anchorCtr="0">
-            <a:noAutofit/>
-          </a:bodyPr>
-          <a:lstStyle/>
-          <a:p>
-            <a:pPr marL="457200" lvl="0" indent="-381000" rtl="0">
-              <a:spcBef>
-                <a:spcPts val="0"/>
-              </a:spcBef>
-              <a:buClr>
-                <a:srgbClr val="000000"/>
-              </a:buClr>
-              <a:buSzPct val="100000"/>
-              <a:buFont typeface="Arial"/>
-              <a:buChar char="●"/>
-            </a:pPr>
-            <a:r>
-              <a:rPr lang="fr" sz="2400"/>
-              <a:t>Quantité de renommage</a:t>
-            </a:r>
-          </a:p>
-          <a:p>
-            <a:pPr lvl="0" rtl="0">
-              <a:spcBef>
-                <a:spcPts val="0"/>
-              </a:spcBef>
-              <a:buNone/>
-            </a:pPr>
-            <a:endParaRPr lang="fr" sz="2400"/>
-          </a:p>
-          <a:p>
-            <a:pPr marL="457200" lvl="0" indent="-381000">
-              <a:spcBef>
-                <a:spcPts val="0"/>
-              </a:spcBef>
-              <a:buClr>
-                <a:srgbClr val="000000"/>
-              </a:buClr>
-              <a:buSzPct val="100000"/>
-              <a:buFont typeface="Arial"/>
-              <a:buChar char="●"/>
-            </a:pPr>
-            <a:r>
-              <a:rPr lang="fr" sz="2400"/>
-              <a:t>Localization</a:t>
+              <a:t>corpus</a:t>
             </a:r>
           </a:p>
         </p:txBody>
       </p:sp>
       <p:pic>
         <p:nvPicPr>
-          <p:cNvPr id="2" name="Picture 1"/>
-          <p:cNvPicPr>
-            <a:picLocks noChangeAspect="1"/>
-          </p:cNvPicPr>
+          <p:cNvPr id="85" name="Shape 85"/>
+          <p:cNvPicPr preferRelativeResize="0"/>
           <p:nvPr/>
         </p:nvPicPr>
         <p:blipFill>
-          <a:blip r:embed="rId3">
-            <a:extLst>
-              <a:ext uri="{28A0092B-C50C-407E-A947-70E740481C1C}">
-                <a14:useLocalDpi xmlns:a14="http://schemas.microsoft.com/office/drawing/2010/main" val="0"/>
-              </a:ext>
-            </a:extLst>
-          </a:blip>
+          <a:blip r:embed="rId3"/>
           <a:stretch>
             <a:fillRect/>
           </a:stretch>
         </p:blipFill>
         <p:spPr>
           <a:xfrm>
-            <a:off x="1547664" y="1066040"/>
-            <a:ext cx="4680520" cy="3882969"/>
-          </a:xfrm>
-          <a:prstGeom prst="rect">
-            <a:avLst/>
-          </a:prstGeom>
+            <a:off x="395536" y="1635646"/>
+            <a:ext cx="8280920" cy="2052003"/>
+          </a:xfrm>
+          <a:prstGeom prst="rect">
+            <a:avLst/>
+          </a:prstGeom>
+          <a:noFill/>
+          <a:ln>
+            <a:noFill/>
+          </a:ln>
         </p:spPr>
       </p:pic>
+      <p:sp>
+        <p:nvSpPr>
+          <p:cNvPr id="2" name="TextBox 1"/>
+          <p:cNvSpPr txBox="1"/>
+          <p:nvPr/>
+        </p:nvSpPr>
+        <p:spPr>
+          <a:xfrm>
+            <a:off x="611560" y="1347614"/>
+            <a:ext cx="3744416" cy="369332"/>
+          </a:xfrm>
+          <a:prstGeom prst="rect">
+            <a:avLst/>
+          </a:prstGeom>
+          <a:noFill/>
+        </p:spPr>
+        <p:txBody>
+          <a:bodyPr wrap="square" rtlCol="0">
+            <a:spAutoFit/>
+          </a:bodyPr>
+          <a:lstStyle/>
+          <a:p>
+            <a:r>
+              <a:rPr lang="fr-FR" sz="1800" dirty="0" smtClean="0"/>
+              <a:t>5 projets open-source :</a:t>
+            </a:r>
+            <a:endParaRPr lang="fr-FR" sz="1800" dirty="0"/>
+          </a:p>
+        </p:txBody>
+      </p:sp>
     </p:spTree>
-    <p:extLst>
-      <p:ext uri="{BB962C8B-B14F-4D97-AF65-F5344CB8AC3E}">
-        <p14:creationId xmlns:p14="http://schemas.microsoft.com/office/powerpoint/2010/main" val="1384647234"/>
-      </p:ext>
-    </p:extLst>
   </p:cSld>
   <p:clrMapOvr>
     <a:masterClrMapping/>
@@ -5668,6 +6162,538 @@
         </p:blipFill>
         <p:spPr>
           <a:xfrm>
+            <a:off x="1475656" y="1059582"/>
+            <a:ext cx="4631704" cy="3842472"/>
+          </a:xfrm>
+          <a:prstGeom prst="rect">
+            <a:avLst/>
+          </a:prstGeom>
+        </p:spPr>
+      </p:pic>
+    </p:spTree>
+  </p:cSld>
+  <p:clrMapOvr>
+    <a:masterClrMapping/>
+  </p:clrMapOvr>
+  <p:transition spd="slow">
+    <p:cut/>
+  </p:transition>
+  <p:timing>
+    <p:tnLst>
+      <p:par>
+        <p:cTn id="1" dur="indefinite" restart="never" nodeType="tmRoot"/>
+      </p:par>
+    </p:tnLst>
+  </p:timing>
+</p:sld>
+</file>
+
+<file path=ppt/slides/slide16.xml><?xml version="1.0" encoding="utf-8"?>
+<p:sld xmlns:a="http://schemas.openxmlformats.org/drawingml/2006/main" xmlns:r="http://schemas.openxmlformats.org/officeDocument/2006/relationships" xmlns:p="http://schemas.openxmlformats.org/presentationml/2006/main">
+  <p:cSld>
+    <p:spTree>
+      <p:nvGrpSpPr>
+        <p:cNvPr id="1" name="Shape 89"/>
+        <p:cNvGrpSpPr/>
+        <p:nvPr/>
+      </p:nvGrpSpPr>
+      <p:grpSpPr>
+        <a:xfrm>
+          <a:off x="0" y="0"/>
+          <a:ext cx="0" cy="0"/>
+          <a:chOff x="0" y="0"/>
+          <a:chExt cx="0" cy="0"/>
+        </a:xfrm>
+      </p:grpSpPr>
+      <p:sp>
+        <p:nvSpPr>
+          <p:cNvPr id="90" name="Shape 90"/>
+          <p:cNvSpPr txBox="1">
+            <a:spLocks noGrp="1"/>
+          </p:cNvSpPr>
+          <p:nvPr>
+            <p:ph type="title"/>
+          </p:nvPr>
+        </p:nvSpPr>
+        <p:spPr>
+          <a:xfrm>
+            <a:off x="457200" y="205978"/>
+            <a:ext cx="8229600" cy="857400"/>
+          </a:xfrm>
+          <a:prstGeom prst="rect">
+            <a:avLst/>
+          </a:prstGeom>
+        </p:spPr>
+        <p:txBody>
+          <a:bodyPr lIns="91425" tIns="91425" rIns="91425" bIns="91425" anchor="ctr" anchorCtr="0">
+            <a:noAutofit/>
+          </a:bodyPr>
+          <a:lstStyle/>
+          <a:p>
+            <a:r>
+              <a:rPr lang="fr" dirty="0" smtClean="0"/>
+              <a:t>Méthodologie </a:t>
+            </a:r>
+            <a:r>
+              <a:rPr lang="fr" sz="1400" dirty="0">
+                <a:solidFill>
+                  <a:schemeClr val="bg2"/>
+                </a:solidFill>
+              </a:rPr>
+              <a:t>première expérience</a:t>
+            </a:r>
+          </a:p>
+        </p:txBody>
+      </p:sp>
+      <p:sp>
+        <p:nvSpPr>
+          <p:cNvPr id="92" name="Shape 92"/>
+          <p:cNvSpPr txBox="1"/>
+          <p:nvPr/>
+        </p:nvSpPr>
+        <p:spPr>
+          <a:xfrm>
+            <a:off x="5919200" y="1692325"/>
+            <a:ext cx="2873100" cy="2630400"/>
+          </a:xfrm>
+          <a:prstGeom prst="rect">
+            <a:avLst/>
+          </a:prstGeom>
+        </p:spPr>
+        <p:txBody>
+          <a:bodyPr lIns="91425" tIns="91425" rIns="91425" bIns="91425" anchor="t" anchorCtr="0">
+            <a:noAutofit/>
+          </a:bodyPr>
+          <a:lstStyle/>
+          <a:p>
+            <a:pPr marL="457200" lvl="0" indent="-381000" rtl="0">
+              <a:spcBef>
+                <a:spcPts val="0"/>
+              </a:spcBef>
+              <a:buClr>
+                <a:srgbClr val="000000"/>
+              </a:buClr>
+              <a:buSzPct val="100000"/>
+              <a:buFont typeface="Arial"/>
+              <a:buChar char="●"/>
+            </a:pPr>
+            <a:r>
+              <a:rPr lang="fr" sz="2400"/>
+              <a:t>Quantité de renommage</a:t>
+            </a:r>
+          </a:p>
+          <a:p>
+            <a:pPr lvl="0" rtl="0">
+              <a:spcBef>
+                <a:spcPts val="0"/>
+              </a:spcBef>
+              <a:buNone/>
+            </a:pPr>
+            <a:endParaRPr lang="fr" sz="2400"/>
+          </a:p>
+          <a:p>
+            <a:pPr marL="457200" lvl="0" indent="-381000">
+              <a:spcBef>
+                <a:spcPts val="0"/>
+              </a:spcBef>
+              <a:buClr>
+                <a:srgbClr val="000000"/>
+              </a:buClr>
+              <a:buSzPct val="100000"/>
+              <a:buFont typeface="Arial"/>
+              <a:buChar char="●"/>
+            </a:pPr>
+            <a:r>
+              <a:rPr lang="fr" sz="2400"/>
+              <a:t>Localization</a:t>
+            </a:r>
+          </a:p>
+        </p:txBody>
+      </p:sp>
+      <p:pic>
+        <p:nvPicPr>
+          <p:cNvPr id="2" name="Picture 1"/>
+          <p:cNvPicPr>
+            <a:picLocks noChangeAspect="1"/>
+          </p:cNvPicPr>
+          <p:nvPr/>
+        </p:nvPicPr>
+        <p:blipFill>
+          <a:blip r:embed="rId3">
+            <a:extLst>
+              <a:ext uri="{28A0092B-C50C-407E-A947-70E740481C1C}">
+                <a14:useLocalDpi xmlns:a14="http://schemas.microsoft.com/office/drawing/2010/main" val="0"/>
+              </a:ext>
+            </a:extLst>
+          </a:blip>
+          <a:stretch>
+            <a:fillRect/>
+          </a:stretch>
+        </p:blipFill>
+        <p:spPr>
+          <a:xfrm>
+            <a:off x="1496640" y="1037574"/>
+            <a:ext cx="4749147" cy="3939902"/>
+          </a:xfrm>
+          <a:prstGeom prst="rect">
+            <a:avLst/>
+          </a:prstGeom>
+        </p:spPr>
+      </p:pic>
+    </p:spTree>
+    <p:extLst>
+      <p:ext uri="{BB962C8B-B14F-4D97-AF65-F5344CB8AC3E}">
+        <p14:creationId xmlns:p14="http://schemas.microsoft.com/office/powerpoint/2010/main" val="2464408399"/>
+      </p:ext>
+    </p:extLst>
+  </p:cSld>
+  <p:clrMapOvr>
+    <a:masterClrMapping/>
+  </p:clrMapOvr>
+  <p:transition spd="slow">
+    <p:cut/>
+  </p:transition>
+  <p:timing>
+    <p:tnLst>
+      <p:par>
+        <p:cTn id="1" dur="indefinite" restart="never" nodeType="tmRoot"/>
+      </p:par>
+    </p:tnLst>
+  </p:timing>
+</p:sld>
+</file>
+
+<file path=ppt/slides/slide17.xml><?xml version="1.0" encoding="utf-8"?>
+<p:sld xmlns:a="http://schemas.openxmlformats.org/drawingml/2006/main" xmlns:r="http://schemas.openxmlformats.org/officeDocument/2006/relationships" xmlns:p="http://schemas.openxmlformats.org/presentationml/2006/main">
+  <p:cSld>
+    <p:spTree>
+      <p:nvGrpSpPr>
+        <p:cNvPr id="1" name="Shape 89"/>
+        <p:cNvGrpSpPr/>
+        <p:nvPr/>
+      </p:nvGrpSpPr>
+      <p:grpSpPr>
+        <a:xfrm>
+          <a:off x="0" y="0"/>
+          <a:ext cx="0" cy="0"/>
+          <a:chOff x="0" y="0"/>
+          <a:chExt cx="0" cy="0"/>
+        </a:xfrm>
+      </p:grpSpPr>
+      <p:sp>
+        <p:nvSpPr>
+          <p:cNvPr id="90" name="Shape 90"/>
+          <p:cNvSpPr txBox="1">
+            <a:spLocks noGrp="1"/>
+          </p:cNvSpPr>
+          <p:nvPr>
+            <p:ph type="title"/>
+          </p:nvPr>
+        </p:nvSpPr>
+        <p:spPr>
+          <a:xfrm>
+            <a:off x="457200" y="205978"/>
+            <a:ext cx="8229600" cy="857400"/>
+          </a:xfrm>
+          <a:prstGeom prst="rect">
+            <a:avLst/>
+          </a:prstGeom>
+        </p:spPr>
+        <p:txBody>
+          <a:bodyPr lIns="91425" tIns="91425" rIns="91425" bIns="91425" anchor="ctr" anchorCtr="0">
+            <a:noAutofit/>
+          </a:bodyPr>
+          <a:lstStyle/>
+          <a:p>
+            <a:pPr lvl="0" rtl="0">
+              <a:spcBef>
+                <a:spcPts val="0"/>
+              </a:spcBef>
+              <a:buNone/>
+            </a:pPr>
+            <a:r>
+              <a:rPr lang="fr" dirty="0" smtClean="0"/>
+              <a:t>Méthodologie </a:t>
+            </a:r>
+            <a:r>
+              <a:rPr lang="fr" sz="1400" dirty="0">
+                <a:solidFill>
+                  <a:schemeClr val="bg2"/>
+                </a:solidFill>
+              </a:rPr>
+              <a:t>première expérience</a:t>
+            </a:r>
+          </a:p>
+        </p:txBody>
+      </p:sp>
+      <p:sp>
+        <p:nvSpPr>
+          <p:cNvPr id="92" name="Shape 92"/>
+          <p:cNvSpPr txBox="1"/>
+          <p:nvPr/>
+        </p:nvSpPr>
+        <p:spPr>
+          <a:xfrm>
+            <a:off x="5919200" y="1692325"/>
+            <a:ext cx="2873100" cy="2630400"/>
+          </a:xfrm>
+          <a:prstGeom prst="rect">
+            <a:avLst/>
+          </a:prstGeom>
+        </p:spPr>
+        <p:txBody>
+          <a:bodyPr lIns="91425" tIns="91425" rIns="91425" bIns="91425" anchor="t" anchorCtr="0">
+            <a:noAutofit/>
+          </a:bodyPr>
+          <a:lstStyle/>
+          <a:p>
+            <a:pPr marL="457200" lvl="0" indent="-381000" rtl="0">
+              <a:spcBef>
+                <a:spcPts val="0"/>
+              </a:spcBef>
+              <a:buClr>
+                <a:srgbClr val="000000"/>
+              </a:buClr>
+              <a:buSzPct val="100000"/>
+              <a:buFont typeface="Arial"/>
+              <a:buChar char="●"/>
+            </a:pPr>
+            <a:r>
+              <a:rPr lang="fr" sz="2400"/>
+              <a:t>Quantité de renommage</a:t>
+            </a:r>
+          </a:p>
+          <a:p>
+            <a:pPr lvl="0" rtl="0">
+              <a:spcBef>
+                <a:spcPts val="0"/>
+              </a:spcBef>
+              <a:buNone/>
+            </a:pPr>
+            <a:endParaRPr lang="fr" sz="2400"/>
+          </a:p>
+          <a:p>
+            <a:pPr marL="457200" lvl="0" indent="-381000">
+              <a:spcBef>
+                <a:spcPts val="0"/>
+              </a:spcBef>
+              <a:buClr>
+                <a:srgbClr val="000000"/>
+              </a:buClr>
+              <a:buSzPct val="100000"/>
+              <a:buFont typeface="Arial"/>
+              <a:buChar char="●"/>
+            </a:pPr>
+            <a:r>
+              <a:rPr lang="fr" sz="2400"/>
+              <a:t>Localization</a:t>
+            </a:r>
+          </a:p>
+        </p:txBody>
+      </p:sp>
+      <p:pic>
+        <p:nvPicPr>
+          <p:cNvPr id="2" name="Picture 1"/>
+          <p:cNvPicPr>
+            <a:picLocks noChangeAspect="1"/>
+          </p:cNvPicPr>
+          <p:nvPr/>
+        </p:nvPicPr>
+        <p:blipFill>
+          <a:blip r:embed="rId3">
+            <a:extLst>
+              <a:ext uri="{28A0092B-C50C-407E-A947-70E740481C1C}">
+                <a14:useLocalDpi xmlns:a14="http://schemas.microsoft.com/office/drawing/2010/main" val="0"/>
+              </a:ext>
+            </a:extLst>
+          </a:blip>
+          <a:stretch>
+            <a:fillRect/>
+          </a:stretch>
+        </p:blipFill>
+        <p:spPr>
+          <a:xfrm>
+            <a:off x="1547664" y="1066040"/>
+            <a:ext cx="4680520" cy="3882969"/>
+          </a:xfrm>
+          <a:prstGeom prst="rect">
+            <a:avLst/>
+          </a:prstGeom>
+        </p:spPr>
+      </p:pic>
+    </p:spTree>
+    <p:extLst>
+      <p:ext uri="{BB962C8B-B14F-4D97-AF65-F5344CB8AC3E}">
+        <p14:creationId xmlns:p14="http://schemas.microsoft.com/office/powerpoint/2010/main" val="1384647234"/>
+      </p:ext>
+    </p:extLst>
+  </p:cSld>
+  <p:clrMapOvr>
+    <a:masterClrMapping/>
+  </p:clrMapOvr>
+  <p:transition spd="slow">
+    <p:cut/>
+  </p:transition>
+  <p:timing>
+    <p:tnLst>
+      <p:par>
+        <p:cTn id="1" dur="indefinite" restart="never" nodeType="tmRoot"/>
+      </p:par>
+    </p:tnLst>
+  </p:timing>
+</p:sld>
+</file>
+
+<file path=ppt/slides/slide18.xml><?xml version="1.0" encoding="utf-8"?>
+<p:sld xmlns:a="http://schemas.openxmlformats.org/drawingml/2006/main" xmlns:r="http://schemas.openxmlformats.org/officeDocument/2006/relationships" xmlns:p="http://schemas.openxmlformats.org/presentationml/2006/main">
+  <p:cSld>
+    <p:spTree>
+      <p:nvGrpSpPr>
+        <p:cNvPr id="1" name="Shape 89"/>
+        <p:cNvGrpSpPr/>
+        <p:nvPr/>
+      </p:nvGrpSpPr>
+      <p:grpSpPr>
+        <a:xfrm>
+          <a:off x="0" y="0"/>
+          <a:ext cx="0" cy="0"/>
+          <a:chOff x="0" y="0"/>
+          <a:chExt cx="0" cy="0"/>
+        </a:xfrm>
+      </p:grpSpPr>
+      <p:sp>
+        <p:nvSpPr>
+          <p:cNvPr id="90" name="Shape 90"/>
+          <p:cNvSpPr txBox="1">
+            <a:spLocks noGrp="1"/>
+          </p:cNvSpPr>
+          <p:nvPr>
+            <p:ph type="title"/>
+          </p:nvPr>
+        </p:nvSpPr>
+        <p:spPr>
+          <a:xfrm>
+            <a:off x="457200" y="205978"/>
+            <a:ext cx="8229600" cy="857400"/>
+          </a:xfrm>
+          <a:prstGeom prst="rect">
+            <a:avLst/>
+          </a:prstGeom>
+        </p:spPr>
+        <p:txBody>
+          <a:bodyPr lIns="91425" tIns="91425" rIns="91425" bIns="91425" anchor="ctr" anchorCtr="0">
+            <a:noAutofit/>
+          </a:bodyPr>
+          <a:lstStyle/>
+          <a:p>
+            <a:pPr lvl="0" rtl="0">
+              <a:spcBef>
+                <a:spcPts val="0"/>
+              </a:spcBef>
+              <a:buNone/>
+            </a:pPr>
+            <a:r>
+              <a:rPr lang="fr" dirty="0" smtClean="0"/>
+              <a:t>Méthodologie </a:t>
+            </a:r>
+            <a:r>
+              <a:rPr lang="fr" sz="1400" dirty="0">
+                <a:solidFill>
+                  <a:schemeClr val="bg2"/>
+                </a:solidFill>
+              </a:rPr>
+              <a:t>première expérience</a:t>
+            </a:r>
+          </a:p>
+        </p:txBody>
+      </p:sp>
+      <p:sp>
+        <p:nvSpPr>
+          <p:cNvPr id="92" name="Shape 92"/>
+          <p:cNvSpPr txBox="1"/>
+          <p:nvPr/>
+        </p:nvSpPr>
+        <p:spPr>
+          <a:xfrm>
+            <a:off x="5919200" y="1692325"/>
+            <a:ext cx="2873100" cy="2630400"/>
+          </a:xfrm>
+          <a:prstGeom prst="rect">
+            <a:avLst/>
+          </a:prstGeom>
+        </p:spPr>
+        <p:txBody>
+          <a:bodyPr lIns="91425" tIns="91425" rIns="91425" bIns="91425" anchor="t" anchorCtr="0">
+            <a:noAutofit/>
+          </a:bodyPr>
+          <a:lstStyle/>
+          <a:p>
+            <a:pPr marL="457200" lvl="0" indent="-381000" rtl="0">
+              <a:spcBef>
+                <a:spcPts val="0"/>
+              </a:spcBef>
+              <a:buClr>
+                <a:srgbClr val="000000"/>
+              </a:buClr>
+              <a:buSzPct val="100000"/>
+              <a:buFont typeface="Arial"/>
+              <a:buChar char="●"/>
+            </a:pPr>
+            <a:r>
+              <a:rPr lang="fr" sz="2400"/>
+              <a:t>Quantité de renommage</a:t>
+            </a:r>
+          </a:p>
+          <a:p>
+            <a:pPr lvl="0" rtl="0">
+              <a:spcBef>
+                <a:spcPts val="0"/>
+              </a:spcBef>
+              <a:buNone/>
+            </a:pPr>
+            <a:endParaRPr lang="fr" sz="2400"/>
+          </a:p>
+          <a:p>
+            <a:pPr marL="457200" lvl="0" indent="-381000">
+              <a:spcBef>
+                <a:spcPts val="0"/>
+              </a:spcBef>
+              <a:buClr>
+                <a:srgbClr val="000000"/>
+              </a:buClr>
+              <a:buSzPct val="100000"/>
+              <a:buFont typeface="Arial"/>
+              <a:buChar char="●"/>
+            </a:pPr>
+            <a:r>
+              <a:rPr lang="fr" sz="2400"/>
+              <a:t>Localization</a:t>
+            </a:r>
+          </a:p>
+        </p:txBody>
+      </p:sp>
+      <p:pic>
+        <p:nvPicPr>
+          <p:cNvPr id="2" name="Picture 1"/>
+          <p:cNvPicPr>
+            <a:picLocks noChangeAspect="1"/>
+          </p:cNvPicPr>
+          <p:nvPr/>
+        </p:nvPicPr>
+        <p:blipFill>
+          <a:blip r:embed="rId3">
+            <a:extLst>
+              <a:ext uri="{28A0092B-C50C-407E-A947-70E740481C1C}">
+                <a14:useLocalDpi xmlns:a14="http://schemas.microsoft.com/office/drawing/2010/main" val="0"/>
+              </a:ext>
+            </a:extLst>
+          </a:blip>
+          <a:stretch>
+            <a:fillRect/>
+          </a:stretch>
+        </p:blipFill>
+        <p:spPr>
+          <a:xfrm>
             <a:off x="1547664" y="1059582"/>
             <a:ext cx="4766017" cy="3953898"/>
           </a:xfrm>
@@ -5699,7 +6725,7 @@
 </p:sld>
 </file>
 
-<file path=ppt/slides/slide16.xml><?xml version="1.0" encoding="utf-8"?>
+<file path=ppt/slides/slide19.xml><?xml version="1.0" encoding="utf-8"?>
 <p:sld xmlns:a="http://schemas.openxmlformats.org/drawingml/2006/main" xmlns:r="http://schemas.openxmlformats.org/officeDocument/2006/relationships" xmlns:p="http://schemas.openxmlformats.org/presentationml/2006/main">
   <p:cSld>
     <p:spTree>
@@ -5911,498 +6937,6 @@
                 </a:solidFill>
               </a:rPr>
               <a:t>Calculer le pourcentage de fichiers %FR qui inclue au moins un renommage.</a:t>
-            </a:r>
-          </a:p>
-        </p:txBody>
-      </p:sp>
-    </p:spTree>
-  </p:cSld>
-  <p:clrMapOvr>
-    <a:masterClrMapping/>
-  </p:clrMapOvr>
-  <p:transition spd="slow">
-    <p:cut/>
-  </p:transition>
-  <p:timing>
-    <p:tnLst>
-      <p:par>
-        <p:cTn id="1" dur="indefinite" restart="never" nodeType="tmRoot"/>
-      </p:par>
-    </p:tnLst>
-  </p:timing>
-</p:sld>
-</file>
-
-<file path=ppt/slides/slide17.xml><?xml version="1.0" encoding="utf-8"?>
-<p:sld xmlns:a="http://schemas.openxmlformats.org/drawingml/2006/main" xmlns:r="http://schemas.openxmlformats.org/officeDocument/2006/relationships" xmlns:p="http://schemas.openxmlformats.org/presentationml/2006/main">
-  <p:cSld>
-    <p:spTree>
-      <p:nvGrpSpPr>
-        <p:cNvPr id="1" name="Shape 102"/>
-        <p:cNvGrpSpPr/>
-        <p:nvPr/>
-      </p:nvGrpSpPr>
-      <p:grpSpPr>
-        <a:xfrm>
-          <a:off x="0" y="0"/>
-          <a:ext cx="0" cy="0"/>
-          <a:chOff x="0" y="0"/>
-          <a:chExt cx="0" cy="0"/>
-        </a:xfrm>
-      </p:grpSpPr>
-      <p:sp>
-        <p:nvSpPr>
-          <p:cNvPr id="103" name="Shape 103"/>
-          <p:cNvSpPr txBox="1">
-            <a:spLocks noGrp="1"/>
-          </p:cNvSpPr>
-          <p:nvPr>
-            <p:ph type="title"/>
-          </p:nvPr>
-        </p:nvSpPr>
-        <p:spPr>
-          <a:xfrm>
-            <a:off x="457200" y="205978"/>
-            <a:ext cx="8229600" cy="857400"/>
-          </a:xfrm>
-          <a:prstGeom prst="rect">
-            <a:avLst/>
-          </a:prstGeom>
-        </p:spPr>
-        <p:txBody>
-          <a:bodyPr lIns="91425" tIns="91425" rIns="91425" bIns="91425" anchor="ctr" anchorCtr="0">
-            <a:noAutofit/>
-          </a:bodyPr>
-          <a:lstStyle/>
-          <a:p>
-            <a:pPr lvl="0"/>
-            <a:r>
-              <a:rPr lang="fr" dirty="0"/>
-              <a:t>Méthodologie, </a:t>
-            </a:r>
-            <a:r>
-              <a:rPr lang="fr" sz="1400" dirty="0">
-                <a:solidFill>
-                  <a:schemeClr val="bg2"/>
-                </a:solidFill>
-              </a:rPr>
-              <a:t>première expérience</a:t>
-            </a:r>
-          </a:p>
-        </p:txBody>
-      </p:sp>
-      <p:sp>
-        <p:nvSpPr>
-          <p:cNvPr id="104" name="Shape 104"/>
-          <p:cNvSpPr txBox="1"/>
-          <p:nvPr/>
-        </p:nvSpPr>
-        <p:spPr>
-          <a:xfrm>
-            <a:off x="642000" y="1253900"/>
-            <a:ext cx="7859999" cy="3632400"/>
-          </a:xfrm>
-          <a:prstGeom prst="rect">
-            <a:avLst/>
-          </a:prstGeom>
-        </p:spPr>
-        <p:txBody>
-          <a:bodyPr lIns="91425" tIns="91425" rIns="91425" bIns="91425" anchor="t" anchorCtr="0">
-            <a:noAutofit/>
-          </a:bodyPr>
-          <a:lstStyle/>
-          <a:p>
-            <a:pPr marL="419100" lvl="0" indent="-342900" rtl="0">
-              <a:spcBef>
-                <a:spcPts val="0"/>
-              </a:spcBef>
-              <a:buClr>
-                <a:srgbClr val="000000"/>
-              </a:buClr>
-              <a:buSzPct val="100000"/>
-              <a:buFont typeface="+mj-lt"/>
-              <a:buAutoNum type="arabicPeriod"/>
-            </a:pPr>
-            <a:r>
-              <a:rPr lang="fr" sz="1800" dirty="0" smtClean="0">
-                <a:solidFill>
-                  <a:schemeClr val="tx2"/>
-                </a:solidFill>
-              </a:rPr>
-              <a:t>Lister </a:t>
-            </a:r>
-            <a:r>
-              <a:rPr lang="fr" sz="1800" dirty="0">
-                <a:solidFill>
-                  <a:schemeClr val="tx2"/>
-                </a:solidFill>
-              </a:rPr>
-              <a:t>les fichiers existant à la fin de la période</a:t>
-            </a:r>
-            <a:r>
-              <a:rPr lang="fr" sz="1800" dirty="0" smtClean="0">
-                <a:solidFill>
-                  <a:schemeClr val="tx2"/>
-                </a:solidFill>
-              </a:rPr>
-              <a:t>.</a:t>
-            </a:r>
-            <a:br>
-              <a:rPr lang="fr" sz="1800" dirty="0" smtClean="0">
-                <a:solidFill>
-                  <a:schemeClr val="tx2"/>
-                </a:solidFill>
-              </a:rPr>
-            </a:br>
-            <a:endParaRPr lang="fr" sz="1800" dirty="0">
-              <a:solidFill>
-                <a:schemeClr val="tx2"/>
-              </a:solidFill>
-            </a:endParaRPr>
-          </a:p>
-          <a:p>
-            <a:pPr marL="419100" lvl="0" indent="-342900" rtl="0">
-              <a:spcBef>
-                <a:spcPts val="0"/>
-              </a:spcBef>
-              <a:buClr>
-                <a:srgbClr val="000000"/>
-              </a:buClr>
-              <a:buSzPct val="100000"/>
-              <a:buFont typeface="+mj-lt"/>
-              <a:buAutoNum type="arabicPeriod"/>
-            </a:pPr>
-            <a:r>
-              <a:rPr lang="fr" sz="1800" dirty="0"/>
-              <a:t>Pour chacun de ces fichiers, extraire sa séquence de modifications durant la période en activant la détection de renommage (commande git log -M).</a:t>
-            </a:r>
-          </a:p>
-        </p:txBody>
-      </p:sp>
-      <p:pic>
-        <p:nvPicPr>
-          <p:cNvPr id="4" name="Shape 110"/>
-          <p:cNvPicPr preferRelativeResize="0"/>
-          <p:nvPr/>
-        </p:nvPicPr>
-        <p:blipFill>
-          <a:blip r:embed="rId3"/>
-          <a:stretch>
-            <a:fillRect/>
-          </a:stretch>
-        </p:blipFill>
-        <p:spPr>
-          <a:xfrm>
-            <a:off x="1977931" y="2859782"/>
-            <a:ext cx="5188136" cy="1872208"/>
-          </a:xfrm>
-          <a:prstGeom prst="rect">
-            <a:avLst/>
-          </a:prstGeom>
-          <a:noFill/>
-          <a:ln>
-            <a:noFill/>
-          </a:ln>
-        </p:spPr>
-      </p:pic>
-    </p:spTree>
-  </p:cSld>
-  <p:clrMapOvr>
-    <a:masterClrMapping/>
-  </p:clrMapOvr>
-  <p:transition spd="slow">
-    <p:cut/>
-  </p:transition>
-  <p:timing>
-    <p:tnLst>
-      <p:par>
-        <p:cTn id="1" dur="indefinite" restart="never" nodeType="tmRoot"/>
-      </p:par>
-    </p:tnLst>
-  </p:timing>
-</p:sld>
-</file>
-
-<file path=ppt/slides/slide18.xml><?xml version="1.0" encoding="utf-8"?>
-<p:sld xmlns:a="http://schemas.openxmlformats.org/drawingml/2006/main" xmlns:r="http://schemas.openxmlformats.org/officeDocument/2006/relationships" xmlns:p="http://schemas.openxmlformats.org/presentationml/2006/main">
-  <p:cSld>
-    <p:spTree>
-      <p:nvGrpSpPr>
-        <p:cNvPr id="1" name="Shape 114"/>
-        <p:cNvGrpSpPr/>
-        <p:nvPr/>
-      </p:nvGrpSpPr>
-      <p:grpSpPr>
-        <a:xfrm>
-          <a:off x="0" y="0"/>
-          <a:ext cx="0" cy="0"/>
-          <a:chOff x="0" y="0"/>
-          <a:chExt cx="0" cy="0"/>
-        </a:xfrm>
-      </p:grpSpPr>
-      <p:sp>
-        <p:nvSpPr>
-          <p:cNvPr id="115" name="Shape 115"/>
-          <p:cNvSpPr txBox="1">
-            <a:spLocks noGrp="1"/>
-          </p:cNvSpPr>
-          <p:nvPr>
-            <p:ph type="title"/>
-          </p:nvPr>
-        </p:nvSpPr>
-        <p:spPr>
-          <a:xfrm>
-            <a:off x="457200" y="205978"/>
-            <a:ext cx="8229600" cy="857400"/>
-          </a:xfrm>
-          <a:prstGeom prst="rect">
-            <a:avLst/>
-          </a:prstGeom>
-        </p:spPr>
-        <p:txBody>
-          <a:bodyPr lIns="91425" tIns="91425" rIns="91425" bIns="91425" anchor="ctr" anchorCtr="0">
-            <a:noAutofit/>
-          </a:bodyPr>
-          <a:lstStyle/>
-          <a:p>
-            <a:r>
-              <a:rPr lang="fr" dirty="0"/>
-              <a:t>Méthodologie, </a:t>
-            </a:r>
-            <a:r>
-              <a:rPr lang="fr" sz="1400" dirty="0">
-                <a:solidFill>
-                  <a:schemeClr val="bg2"/>
-                </a:solidFill>
-              </a:rPr>
-              <a:t>première expérience</a:t>
-            </a:r>
-          </a:p>
-        </p:txBody>
-      </p:sp>
-      <p:sp>
-        <p:nvSpPr>
-          <p:cNvPr id="116" name="Shape 116"/>
-          <p:cNvSpPr txBox="1"/>
-          <p:nvPr/>
-        </p:nvSpPr>
-        <p:spPr>
-          <a:xfrm>
-            <a:off x="642000" y="1253900"/>
-            <a:ext cx="7859999" cy="3632400"/>
-          </a:xfrm>
-          <a:prstGeom prst="rect">
-            <a:avLst/>
-          </a:prstGeom>
-        </p:spPr>
-        <p:txBody>
-          <a:bodyPr lIns="91425" tIns="91425" rIns="91425" bIns="91425" anchor="t" anchorCtr="0">
-            <a:noAutofit/>
-          </a:bodyPr>
-          <a:lstStyle/>
-          <a:p>
-            <a:pPr marL="457200" lvl="0" indent="-381000" rtl="0">
-              <a:spcBef>
-                <a:spcPts val="0"/>
-              </a:spcBef>
-              <a:buClr>
-                <a:srgbClr val="000000"/>
-              </a:buClr>
-              <a:buSzPct val="100000"/>
-              <a:buFont typeface="Arial"/>
-              <a:buAutoNum type="arabicPeriod"/>
-            </a:pPr>
-            <a:r>
-              <a:rPr lang="fr" sz="1800" dirty="0">
-                <a:solidFill>
-                  <a:schemeClr val="tx2"/>
-                </a:solidFill>
-              </a:rPr>
-              <a:t>Lister les fichiers existant à la fin de la période</a:t>
-            </a:r>
-            <a:r>
-              <a:rPr lang="fr" sz="1800" dirty="0" smtClean="0">
-                <a:solidFill>
-                  <a:schemeClr val="tx2"/>
-                </a:solidFill>
-              </a:rPr>
-              <a:t>.</a:t>
-            </a:r>
-            <a:br>
-              <a:rPr lang="fr" sz="1800" dirty="0" smtClean="0">
-                <a:solidFill>
-                  <a:schemeClr val="tx2"/>
-                </a:solidFill>
-              </a:rPr>
-            </a:br>
-            <a:endParaRPr lang="fr" sz="1800" dirty="0">
-              <a:solidFill>
-                <a:schemeClr val="tx2"/>
-              </a:solidFill>
-            </a:endParaRPr>
-          </a:p>
-          <a:p>
-            <a:pPr marL="457200" lvl="0" indent="-381000" rtl="0">
-              <a:spcBef>
-                <a:spcPts val="0"/>
-              </a:spcBef>
-              <a:buClr>
-                <a:srgbClr val="000000"/>
-              </a:buClr>
-              <a:buSzPct val="100000"/>
-              <a:buFont typeface="Arial"/>
-              <a:buAutoNum type="arabicPeriod"/>
-            </a:pPr>
-            <a:r>
-              <a:rPr lang="fr" sz="1800" dirty="0">
-                <a:solidFill>
-                  <a:schemeClr val="tx2"/>
-                </a:solidFill>
-              </a:rPr>
-              <a:t>Pour chacun de ces fichiers, extraire sa séquence de modifications durant la période en activant la détection de renommage (commande git log -M</a:t>
-            </a:r>
-            <a:r>
-              <a:rPr lang="fr" sz="1800" dirty="0" smtClean="0">
-                <a:solidFill>
-                  <a:schemeClr val="tx2"/>
-                </a:solidFill>
-              </a:rPr>
-              <a:t>).</a:t>
-            </a:r>
-            <a:r>
-              <a:rPr lang="fr" sz="1800" dirty="0" smtClean="0"/>
-              <a:t/>
-            </a:r>
-            <a:br>
-              <a:rPr lang="fr" sz="1800" dirty="0" smtClean="0"/>
-            </a:br>
-            <a:endParaRPr lang="fr" sz="1800" dirty="0"/>
-          </a:p>
-          <a:p>
-            <a:pPr marL="457200" lvl="0" indent="-381000" rtl="0">
-              <a:spcBef>
-                <a:spcPts val="0"/>
-              </a:spcBef>
-              <a:buClr>
-                <a:srgbClr val="000000"/>
-              </a:buClr>
-              <a:buSzPct val="100000"/>
-              <a:buFont typeface="Arial"/>
-              <a:buAutoNum type="arabicPeriod"/>
-            </a:pPr>
-            <a:r>
-              <a:rPr lang="fr" sz="1800" dirty="0"/>
-              <a:t>Calculer le pourcentage de fichiers %FR qui inclue au moins un renommage.</a:t>
-            </a:r>
-          </a:p>
-        </p:txBody>
-      </p:sp>
-    </p:spTree>
-  </p:cSld>
-  <p:clrMapOvr>
-    <a:masterClrMapping/>
-  </p:clrMapOvr>
-  <p:transition spd="slow">
-    <p:cut/>
-  </p:transition>
-  <p:timing>
-    <p:tnLst>
-      <p:par>
-        <p:cTn id="1" dur="indefinite" restart="never" nodeType="tmRoot"/>
-      </p:par>
-    </p:tnLst>
-  </p:timing>
-</p:sld>
-</file>
-
-<file path=ppt/slides/slide19.xml><?xml version="1.0" encoding="utf-8"?>
-<p:sld xmlns:a="http://schemas.openxmlformats.org/drawingml/2006/main" xmlns:r="http://schemas.openxmlformats.org/officeDocument/2006/relationships" xmlns:p="http://schemas.openxmlformats.org/presentationml/2006/main">
-  <p:cSld>
-    <p:spTree>
-      <p:nvGrpSpPr>
-        <p:cNvPr id="1" name="Shape 120"/>
-        <p:cNvGrpSpPr/>
-        <p:nvPr/>
-      </p:nvGrpSpPr>
-      <p:grpSpPr>
-        <a:xfrm>
-          <a:off x="0" y="0"/>
-          <a:ext cx="0" cy="0"/>
-          <a:chOff x="0" y="0"/>
-          <a:chExt cx="0" cy="0"/>
-        </a:xfrm>
-      </p:grpSpPr>
-      <p:sp>
-        <p:nvSpPr>
-          <p:cNvPr id="121" name="Shape 121"/>
-          <p:cNvSpPr txBox="1">
-            <a:spLocks noGrp="1"/>
-          </p:cNvSpPr>
-          <p:nvPr>
-            <p:ph type="title"/>
-          </p:nvPr>
-        </p:nvSpPr>
-        <p:spPr>
-          <a:xfrm>
-            <a:off x="457200" y="205978"/>
-            <a:ext cx="8229600" cy="857400"/>
-          </a:xfrm>
-          <a:prstGeom prst="rect">
-            <a:avLst/>
-          </a:prstGeom>
-        </p:spPr>
-        <p:txBody>
-          <a:bodyPr lIns="91425" tIns="91425" rIns="91425" bIns="91425" anchor="ctr" anchorCtr="0">
-            <a:noAutofit/>
-          </a:bodyPr>
-          <a:lstStyle/>
-          <a:p>
-            <a:pPr lvl="0"/>
-            <a:r>
-              <a:rPr lang="fr" dirty="0" smtClean="0"/>
-              <a:t>Méthodologie </a:t>
-            </a:r>
-            <a:r>
-              <a:rPr lang="fr" sz="1400" dirty="0">
-                <a:solidFill>
-                  <a:schemeClr val="bg2"/>
-                </a:solidFill>
-              </a:rPr>
-              <a:t>deuxième expérience</a:t>
-            </a:r>
-          </a:p>
-        </p:txBody>
-      </p:sp>
-      <p:sp>
-        <p:nvSpPr>
-          <p:cNvPr id="122" name="Shape 122"/>
-          <p:cNvSpPr txBox="1"/>
-          <p:nvPr/>
-        </p:nvSpPr>
-        <p:spPr>
-          <a:xfrm>
-            <a:off x="619125" y="1144300"/>
-            <a:ext cx="7922699" cy="3750000"/>
-          </a:xfrm>
-          <a:prstGeom prst="rect">
-            <a:avLst/>
-          </a:prstGeom>
-        </p:spPr>
-        <p:txBody>
-          <a:bodyPr lIns="91425" tIns="91425" rIns="91425" bIns="91425" anchor="t" anchorCtr="0">
-            <a:noAutofit/>
-          </a:bodyPr>
-          <a:lstStyle/>
-          <a:p>
-            <a:pPr lvl="0" rtl="0">
-              <a:spcBef>
-                <a:spcPts val="0"/>
-              </a:spcBef>
-              <a:buNone/>
-            </a:pPr>
-            <a:r>
-              <a:rPr lang="fr"/>
-              <a:t>Spearman</a:t>
             </a:r>
           </a:p>
         </p:txBody>
@@ -6568,6 +7102,498 @@
   <p:cSld>
     <p:spTree>
       <p:nvGrpSpPr>
+        <p:cNvPr id="1" name="Shape 102"/>
+        <p:cNvGrpSpPr/>
+        <p:nvPr/>
+      </p:nvGrpSpPr>
+      <p:grpSpPr>
+        <a:xfrm>
+          <a:off x="0" y="0"/>
+          <a:ext cx="0" cy="0"/>
+          <a:chOff x="0" y="0"/>
+          <a:chExt cx="0" cy="0"/>
+        </a:xfrm>
+      </p:grpSpPr>
+      <p:sp>
+        <p:nvSpPr>
+          <p:cNvPr id="103" name="Shape 103"/>
+          <p:cNvSpPr txBox="1">
+            <a:spLocks noGrp="1"/>
+          </p:cNvSpPr>
+          <p:nvPr>
+            <p:ph type="title"/>
+          </p:nvPr>
+        </p:nvSpPr>
+        <p:spPr>
+          <a:xfrm>
+            <a:off x="457200" y="205978"/>
+            <a:ext cx="8229600" cy="857400"/>
+          </a:xfrm>
+          <a:prstGeom prst="rect">
+            <a:avLst/>
+          </a:prstGeom>
+        </p:spPr>
+        <p:txBody>
+          <a:bodyPr lIns="91425" tIns="91425" rIns="91425" bIns="91425" anchor="ctr" anchorCtr="0">
+            <a:noAutofit/>
+          </a:bodyPr>
+          <a:lstStyle/>
+          <a:p>
+            <a:pPr lvl="0"/>
+            <a:r>
+              <a:rPr lang="fr" dirty="0"/>
+              <a:t>Méthodologie, </a:t>
+            </a:r>
+            <a:r>
+              <a:rPr lang="fr" sz="1400" dirty="0">
+                <a:solidFill>
+                  <a:schemeClr val="bg2"/>
+                </a:solidFill>
+              </a:rPr>
+              <a:t>première expérience</a:t>
+            </a:r>
+          </a:p>
+        </p:txBody>
+      </p:sp>
+      <p:sp>
+        <p:nvSpPr>
+          <p:cNvPr id="104" name="Shape 104"/>
+          <p:cNvSpPr txBox="1"/>
+          <p:nvPr/>
+        </p:nvSpPr>
+        <p:spPr>
+          <a:xfrm>
+            <a:off x="642000" y="1253900"/>
+            <a:ext cx="7859999" cy="3632400"/>
+          </a:xfrm>
+          <a:prstGeom prst="rect">
+            <a:avLst/>
+          </a:prstGeom>
+        </p:spPr>
+        <p:txBody>
+          <a:bodyPr lIns="91425" tIns="91425" rIns="91425" bIns="91425" anchor="t" anchorCtr="0">
+            <a:noAutofit/>
+          </a:bodyPr>
+          <a:lstStyle/>
+          <a:p>
+            <a:pPr marL="419100" lvl="0" indent="-342900" rtl="0">
+              <a:spcBef>
+                <a:spcPts val="0"/>
+              </a:spcBef>
+              <a:buClr>
+                <a:srgbClr val="000000"/>
+              </a:buClr>
+              <a:buSzPct val="100000"/>
+              <a:buFont typeface="+mj-lt"/>
+              <a:buAutoNum type="arabicPeriod"/>
+            </a:pPr>
+            <a:r>
+              <a:rPr lang="fr" sz="1800" dirty="0" smtClean="0">
+                <a:solidFill>
+                  <a:schemeClr val="tx2"/>
+                </a:solidFill>
+              </a:rPr>
+              <a:t>Lister </a:t>
+            </a:r>
+            <a:r>
+              <a:rPr lang="fr" sz="1800" dirty="0">
+                <a:solidFill>
+                  <a:schemeClr val="tx2"/>
+                </a:solidFill>
+              </a:rPr>
+              <a:t>les fichiers existant à la fin de la période</a:t>
+            </a:r>
+            <a:r>
+              <a:rPr lang="fr" sz="1800" dirty="0" smtClean="0">
+                <a:solidFill>
+                  <a:schemeClr val="tx2"/>
+                </a:solidFill>
+              </a:rPr>
+              <a:t>.</a:t>
+            </a:r>
+            <a:br>
+              <a:rPr lang="fr" sz="1800" dirty="0" smtClean="0">
+                <a:solidFill>
+                  <a:schemeClr val="tx2"/>
+                </a:solidFill>
+              </a:rPr>
+            </a:br>
+            <a:endParaRPr lang="fr" sz="1800" dirty="0">
+              <a:solidFill>
+                <a:schemeClr val="tx2"/>
+              </a:solidFill>
+            </a:endParaRPr>
+          </a:p>
+          <a:p>
+            <a:pPr marL="419100" lvl="0" indent="-342900" rtl="0">
+              <a:spcBef>
+                <a:spcPts val="0"/>
+              </a:spcBef>
+              <a:buClr>
+                <a:srgbClr val="000000"/>
+              </a:buClr>
+              <a:buSzPct val="100000"/>
+              <a:buFont typeface="+mj-lt"/>
+              <a:buAutoNum type="arabicPeriod"/>
+            </a:pPr>
+            <a:r>
+              <a:rPr lang="fr" sz="1800" dirty="0"/>
+              <a:t>Pour chacun de ces fichiers, extraire sa séquence de modifications durant la période en activant la détection de renommage (commande git log -M).</a:t>
+            </a:r>
+          </a:p>
+        </p:txBody>
+      </p:sp>
+      <p:pic>
+        <p:nvPicPr>
+          <p:cNvPr id="4" name="Shape 110"/>
+          <p:cNvPicPr preferRelativeResize="0"/>
+          <p:nvPr/>
+        </p:nvPicPr>
+        <p:blipFill>
+          <a:blip r:embed="rId3"/>
+          <a:stretch>
+            <a:fillRect/>
+          </a:stretch>
+        </p:blipFill>
+        <p:spPr>
+          <a:xfrm>
+            <a:off x="1977931" y="2859782"/>
+            <a:ext cx="5188136" cy="1872208"/>
+          </a:xfrm>
+          <a:prstGeom prst="rect">
+            <a:avLst/>
+          </a:prstGeom>
+          <a:noFill/>
+          <a:ln>
+            <a:noFill/>
+          </a:ln>
+        </p:spPr>
+      </p:pic>
+    </p:spTree>
+  </p:cSld>
+  <p:clrMapOvr>
+    <a:masterClrMapping/>
+  </p:clrMapOvr>
+  <p:transition spd="slow">
+    <p:cut/>
+  </p:transition>
+  <p:timing>
+    <p:tnLst>
+      <p:par>
+        <p:cTn id="1" dur="indefinite" restart="never" nodeType="tmRoot"/>
+      </p:par>
+    </p:tnLst>
+  </p:timing>
+</p:sld>
+</file>
+
+<file path=ppt/slides/slide21.xml><?xml version="1.0" encoding="utf-8"?>
+<p:sld xmlns:a="http://schemas.openxmlformats.org/drawingml/2006/main" xmlns:r="http://schemas.openxmlformats.org/officeDocument/2006/relationships" xmlns:p="http://schemas.openxmlformats.org/presentationml/2006/main">
+  <p:cSld>
+    <p:spTree>
+      <p:nvGrpSpPr>
+        <p:cNvPr id="1" name="Shape 114"/>
+        <p:cNvGrpSpPr/>
+        <p:nvPr/>
+      </p:nvGrpSpPr>
+      <p:grpSpPr>
+        <a:xfrm>
+          <a:off x="0" y="0"/>
+          <a:ext cx="0" cy="0"/>
+          <a:chOff x="0" y="0"/>
+          <a:chExt cx="0" cy="0"/>
+        </a:xfrm>
+      </p:grpSpPr>
+      <p:sp>
+        <p:nvSpPr>
+          <p:cNvPr id="115" name="Shape 115"/>
+          <p:cNvSpPr txBox="1">
+            <a:spLocks noGrp="1"/>
+          </p:cNvSpPr>
+          <p:nvPr>
+            <p:ph type="title"/>
+          </p:nvPr>
+        </p:nvSpPr>
+        <p:spPr>
+          <a:xfrm>
+            <a:off x="457200" y="205978"/>
+            <a:ext cx="8229600" cy="857400"/>
+          </a:xfrm>
+          <a:prstGeom prst="rect">
+            <a:avLst/>
+          </a:prstGeom>
+        </p:spPr>
+        <p:txBody>
+          <a:bodyPr lIns="91425" tIns="91425" rIns="91425" bIns="91425" anchor="ctr" anchorCtr="0">
+            <a:noAutofit/>
+          </a:bodyPr>
+          <a:lstStyle/>
+          <a:p>
+            <a:r>
+              <a:rPr lang="fr" dirty="0"/>
+              <a:t>Méthodologie, </a:t>
+            </a:r>
+            <a:r>
+              <a:rPr lang="fr" sz="1400" dirty="0">
+                <a:solidFill>
+                  <a:schemeClr val="bg2"/>
+                </a:solidFill>
+              </a:rPr>
+              <a:t>première expérience</a:t>
+            </a:r>
+          </a:p>
+        </p:txBody>
+      </p:sp>
+      <p:sp>
+        <p:nvSpPr>
+          <p:cNvPr id="116" name="Shape 116"/>
+          <p:cNvSpPr txBox="1"/>
+          <p:nvPr/>
+        </p:nvSpPr>
+        <p:spPr>
+          <a:xfrm>
+            <a:off x="642000" y="1253900"/>
+            <a:ext cx="7859999" cy="3632400"/>
+          </a:xfrm>
+          <a:prstGeom prst="rect">
+            <a:avLst/>
+          </a:prstGeom>
+        </p:spPr>
+        <p:txBody>
+          <a:bodyPr lIns="91425" tIns="91425" rIns="91425" bIns="91425" anchor="t" anchorCtr="0">
+            <a:noAutofit/>
+          </a:bodyPr>
+          <a:lstStyle/>
+          <a:p>
+            <a:pPr marL="457200" lvl="0" indent="-381000" rtl="0">
+              <a:spcBef>
+                <a:spcPts val="0"/>
+              </a:spcBef>
+              <a:buClr>
+                <a:srgbClr val="000000"/>
+              </a:buClr>
+              <a:buSzPct val="100000"/>
+              <a:buFont typeface="Arial"/>
+              <a:buAutoNum type="arabicPeriod"/>
+            </a:pPr>
+            <a:r>
+              <a:rPr lang="fr" sz="1800" dirty="0">
+                <a:solidFill>
+                  <a:schemeClr val="tx2"/>
+                </a:solidFill>
+              </a:rPr>
+              <a:t>Lister les fichiers existant à la fin de la période</a:t>
+            </a:r>
+            <a:r>
+              <a:rPr lang="fr" sz="1800" dirty="0" smtClean="0">
+                <a:solidFill>
+                  <a:schemeClr val="tx2"/>
+                </a:solidFill>
+              </a:rPr>
+              <a:t>.</a:t>
+            </a:r>
+            <a:br>
+              <a:rPr lang="fr" sz="1800" dirty="0" smtClean="0">
+                <a:solidFill>
+                  <a:schemeClr val="tx2"/>
+                </a:solidFill>
+              </a:rPr>
+            </a:br>
+            <a:endParaRPr lang="fr" sz="1800" dirty="0">
+              <a:solidFill>
+                <a:schemeClr val="tx2"/>
+              </a:solidFill>
+            </a:endParaRPr>
+          </a:p>
+          <a:p>
+            <a:pPr marL="457200" lvl="0" indent="-381000" rtl="0">
+              <a:spcBef>
+                <a:spcPts val="0"/>
+              </a:spcBef>
+              <a:buClr>
+                <a:srgbClr val="000000"/>
+              </a:buClr>
+              <a:buSzPct val="100000"/>
+              <a:buFont typeface="Arial"/>
+              <a:buAutoNum type="arabicPeriod"/>
+            </a:pPr>
+            <a:r>
+              <a:rPr lang="fr" sz="1800" dirty="0">
+                <a:solidFill>
+                  <a:schemeClr val="tx2"/>
+                </a:solidFill>
+              </a:rPr>
+              <a:t>Pour chacun de ces fichiers, extraire sa séquence de modifications durant la période en activant la détection de renommage (commande git log -M</a:t>
+            </a:r>
+            <a:r>
+              <a:rPr lang="fr" sz="1800" dirty="0" smtClean="0">
+                <a:solidFill>
+                  <a:schemeClr val="tx2"/>
+                </a:solidFill>
+              </a:rPr>
+              <a:t>).</a:t>
+            </a:r>
+            <a:r>
+              <a:rPr lang="fr" sz="1800" dirty="0" smtClean="0"/>
+              <a:t/>
+            </a:r>
+            <a:br>
+              <a:rPr lang="fr" sz="1800" dirty="0" smtClean="0"/>
+            </a:br>
+            <a:endParaRPr lang="fr" sz="1800" dirty="0"/>
+          </a:p>
+          <a:p>
+            <a:pPr marL="457200" lvl="0" indent="-381000" rtl="0">
+              <a:spcBef>
+                <a:spcPts val="0"/>
+              </a:spcBef>
+              <a:buClr>
+                <a:srgbClr val="000000"/>
+              </a:buClr>
+              <a:buSzPct val="100000"/>
+              <a:buFont typeface="Arial"/>
+              <a:buAutoNum type="arabicPeriod"/>
+            </a:pPr>
+            <a:r>
+              <a:rPr lang="fr" sz="1800" dirty="0"/>
+              <a:t>Calculer le pourcentage de fichiers %FR qui inclue au moins un renommage.</a:t>
+            </a:r>
+          </a:p>
+        </p:txBody>
+      </p:sp>
+    </p:spTree>
+  </p:cSld>
+  <p:clrMapOvr>
+    <a:masterClrMapping/>
+  </p:clrMapOvr>
+  <p:transition spd="slow">
+    <p:cut/>
+  </p:transition>
+  <p:timing>
+    <p:tnLst>
+      <p:par>
+        <p:cTn id="1" dur="indefinite" restart="never" nodeType="tmRoot"/>
+      </p:par>
+    </p:tnLst>
+  </p:timing>
+</p:sld>
+</file>
+
+<file path=ppt/slides/slide22.xml><?xml version="1.0" encoding="utf-8"?>
+<p:sld xmlns:a="http://schemas.openxmlformats.org/drawingml/2006/main" xmlns:r="http://schemas.openxmlformats.org/officeDocument/2006/relationships" xmlns:p="http://schemas.openxmlformats.org/presentationml/2006/main">
+  <p:cSld>
+    <p:spTree>
+      <p:nvGrpSpPr>
+        <p:cNvPr id="1" name="Shape 120"/>
+        <p:cNvGrpSpPr/>
+        <p:nvPr/>
+      </p:nvGrpSpPr>
+      <p:grpSpPr>
+        <a:xfrm>
+          <a:off x="0" y="0"/>
+          <a:ext cx="0" cy="0"/>
+          <a:chOff x="0" y="0"/>
+          <a:chExt cx="0" cy="0"/>
+        </a:xfrm>
+      </p:grpSpPr>
+      <p:sp>
+        <p:nvSpPr>
+          <p:cNvPr id="121" name="Shape 121"/>
+          <p:cNvSpPr txBox="1">
+            <a:spLocks noGrp="1"/>
+          </p:cNvSpPr>
+          <p:nvPr>
+            <p:ph type="title"/>
+          </p:nvPr>
+        </p:nvSpPr>
+        <p:spPr>
+          <a:xfrm>
+            <a:off x="457200" y="205978"/>
+            <a:ext cx="8229600" cy="857400"/>
+          </a:xfrm>
+          <a:prstGeom prst="rect">
+            <a:avLst/>
+          </a:prstGeom>
+        </p:spPr>
+        <p:txBody>
+          <a:bodyPr lIns="91425" tIns="91425" rIns="91425" bIns="91425" anchor="ctr" anchorCtr="0">
+            <a:noAutofit/>
+          </a:bodyPr>
+          <a:lstStyle/>
+          <a:p>
+            <a:pPr lvl="0"/>
+            <a:r>
+              <a:rPr lang="fr" dirty="0" smtClean="0"/>
+              <a:t>Méthodologie </a:t>
+            </a:r>
+            <a:r>
+              <a:rPr lang="fr" sz="1400" dirty="0">
+                <a:solidFill>
+                  <a:schemeClr val="bg2"/>
+                </a:solidFill>
+              </a:rPr>
+              <a:t>deuxième expérience</a:t>
+            </a:r>
+          </a:p>
+        </p:txBody>
+      </p:sp>
+      <p:sp>
+        <p:nvSpPr>
+          <p:cNvPr id="122" name="Shape 122"/>
+          <p:cNvSpPr txBox="1"/>
+          <p:nvPr/>
+        </p:nvSpPr>
+        <p:spPr>
+          <a:xfrm>
+            <a:off x="619125" y="1144300"/>
+            <a:ext cx="7922699" cy="3750000"/>
+          </a:xfrm>
+          <a:prstGeom prst="rect">
+            <a:avLst/>
+          </a:prstGeom>
+        </p:spPr>
+        <p:txBody>
+          <a:bodyPr lIns="91425" tIns="91425" rIns="91425" bIns="91425" anchor="t" anchorCtr="0">
+            <a:noAutofit/>
+          </a:bodyPr>
+          <a:lstStyle/>
+          <a:p>
+            <a:pPr lvl="0" rtl="0">
+              <a:spcBef>
+                <a:spcPts val="0"/>
+              </a:spcBef>
+              <a:buNone/>
+            </a:pPr>
+            <a:r>
+              <a:rPr lang="fr"/>
+              <a:t>Spearman</a:t>
+            </a:r>
+          </a:p>
+        </p:txBody>
+      </p:sp>
+    </p:spTree>
+  </p:cSld>
+  <p:clrMapOvr>
+    <a:masterClrMapping/>
+  </p:clrMapOvr>
+  <p:transition spd="slow">
+    <p:cut/>
+  </p:transition>
+  <p:timing>
+    <p:tnLst>
+      <p:par>
+        <p:cTn id="1" dur="indefinite" restart="never" nodeType="tmRoot"/>
+      </p:par>
+    </p:tnLst>
+  </p:timing>
+</p:sld>
+</file>
+
+<file path=ppt/slides/slide23.xml><?xml version="1.0" encoding="utf-8"?>
+<p:sld xmlns:a="http://schemas.openxmlformats.org/drawingml/2006/main" xmlns:r="http://schemas.openxmlformats.org/officeDocument/2006/relationships" xmlns:p="http://schemas.openxmlformats.org/presentationml/2006/main">
+  <p:cSld>
+    <p:spTree>
+      <p:nvGrpSpPr>
         <p:cNvPr id="1" name="Shape 126"/>
         <p:cNvGrpSpPr/>
         <p:nvPr/>
@@ -6689,7 +7715,7 @@
 </p:sld>
 </file>
 
-<file path=ppt/slides/slide21.xml><?xml version="1.0" encoding="utf-8"?>
+<file path=ppt/slides/slide24.xml><?xml version="1.0" encoding="utf-8"?>
 <p:sld xmlns:a="http://schemas.openxmlformats.org/drawingml/2006/main" xmlns:r="http://schemas.openxmlformats.org/officeDocument/2006/relationships" xmlns:p="http://schemas.openxmlformats.org/presentationml/2006/main">
   <p:cSld>
     <p:spTree>
@@ -6877,7 +7903,7 @@
 </p:sld>
 </file>
 
-<file path=ppt/slides/slide22.xml><?xml version="1.0" encoding="utf-8"?>
+<file path=ppt/slides/slide25.xml><?xml version="1.0" encoding="utf-8"?>
 <p:sld xmlns:a="http://schemas.openxmlformats.org/drawingml/2006/main" xmlns:r="http://schemas.openxmlformats.org/officeDocument/2006/relationships" xmlns:p="http://schemas.openxmlformats.org/presentationml/2006/main">
   <p:cSld>
     <p:spTree>
@@ -7026,7 +8052,7 @@
 </p:sld>
 </file>
 
-<file path=ppt/slides/slide23.xml><?xml version="1.0" encoding="utf-8"?>
+<file path=ppt/slides/slide26.xml><?xml version="1.0" encoding="utf-8"?>
 <p:sld xmlns:a="http://schemas.openxmlformats.org/drawingml/2006/main" xmlns:r="http://schemas.openxmlformats.org/officeDocument/2006/relationships" xmlns:p="http://schemas.openxmlformats.org/presentationml/2006/main">
   <p:cSld>
     <p:spTree>
@@ -7649,6 +8675,71 @@
   <p:cSld>
     <p:spTree>
       <p:nvGrpSpPr>
+        <p:cNvPr id="1" name=""/>
+        <p:cNvGrpSpPr/>
+        <p:nvPr/>
+      </p:nvGrpSpPr>
+      <p:grpSpPr>
+        <a:xfrm>
+          <a:off x="0" y="0"/>
+          <a:ext cx="0" cy="0"/>
+          <a:chOff x="0" y="0"/>
+          <a:chExt cx="0" cy="0"/>
+        </a:xfrm>
+      </p:grpSpPr>
+      <p:sp>
+        <p:nvSpPr>
+          <p:cNvPr id="2" name="Title 1"/>
+          <p:cNvSpPr>
+            <a:spLocks noGrp="1"/>
+          </p:cNvSpPr>
+          <p:nvPr>
+            <p:ph type="title"/>
+          </p:nvPr>
+        </p:nvSpPr>
+        <p:spPr/>
+        <p:txBody>
+          <a:bodyPr/>
+          <a:lstStyle/>
+          <a:p>
+            <a:r>
+              <a:rPr lang="fr" dirty="0"/>
+              <a:t>Contexte </a:t>
+            </a:r>
+            <a:r>
+              <a:rPr lang="fr" sz="1400" dirty="0" smtClean="0">
+                <a:solidFill>
+                  <a:schemeClr val="bg2"/>
+                </a:solidFill>
+              </a:rPr>
+              <a:t>l’historique d’un gestionnaire de versions (vcs)</a:t>
+            </a:r>
+            <a:endParaRPr lang="fr-FR" sz="1400" dirty="0">
+              <a:solidFill>
+                <a:schemeClr val="bg2"/>
+              </a:solidFill>
+            </a:endParaRPr>
+          </a:p>
+        </p:txBody>
+      </p:sp>
+    </p:spTree>
+    <p:extLst>
+      <p:ext uri="{BB962C8B-B14F-4D97-AF65-F5344CB8AC3E}">
+        <p14:creationId xmlns:p14="http://schemas.microsoft.com/office/powerpoint/2010/main" val="3752319002"/>
+      </p:ext>
+    </p:extLst>
+  </p:cSld>
+  <p:clrMapOvr>
+    <a:masterClrMapping/>
+  </p:clrMapOvr>
+</p:sld>
+</file>
+
+<file path=ppt/slides/slide6.xml><?xml version="1.0" encoding="utf-8"?>
+<p:sld xmlns:a="http://schemas.openxmlformats.org/drawingml/2006/main" xmlns:r="http://schemas.openxmlformats.org/officeDocument/2006/relationships" xmlns:p="http://schemas.openxmlformats.org/presentationml/2006/main">
+  <p:cSld>
+    <p:spTree>
+      <p:nvGrpSpPr>
         <p:cNvPr id="1" name="Shape 43"/>
         <p:cNvGrpSpPr/>
         <p:nvPr/>
@@ -7733,249 +8824,6 @@
           </a:ln>
         </p:spPr>
       </p:pic>
-      <p:sp>
-        <p:nvSpPr>
-          <p:cNvPr id="46" name="Shape 46"/>
-          <p:cNvSpPr txBox="1"/>
-          <p:nvPr/>
-        </p:nvSpPr>
-        <p:spPr>
-          <a:xfrm>
-            <a:off x="6341950" y="3860875"/>
-            <a:ext cx="2344799" cy="430500"/>
-          </a:xfrm>
-          <a:prstGeom prst="rect">
-            <a:avLst/>
-          </a:prstGeom>
-        </p:spPr>
-        <p:txBody>
-          <a:bodyPr lIns="91425" tIns="91425" rIns="91425" bIns="91425" anchor="t" anchorCtr="0">
-            <a:noAutofit/>
-          </a:bodyPr>
-          <a:lstStyle/>
-          <a:p>
-            <a:pPr>
-              <a:spcBef>
-                <a:spcPts val="0"/>
-              </a:spcBef>
-              <a:buNone/>
-            </a:pPr>
-            <a:r>
-              <a:rPr lang="fr"/>
-              <a:t>NoD = 1</a:t>
-            </a:r>
-          </a:p>
-        </p:txBody>
-      </p:sp>
-    </p:spTree>
-  </p:cSld>
-  <p:clrMapOvr>
-    <a:masterClrMapping/>
-  </p:clrMapOvr>
-  <p:transition spd="slow">
-    <p:cut/>
-  </p:transition>
-  <p:timing>
-    <p:tnLst>
-      <p:par>
-        <p:cTn id="1" dur="indefinite" restart="never" nodeType="tmRoot"/>
-      </p:par>
-    </p:tnLst>
-  </p:timing>
-</p:sld>
-</file>
-
-<file path=ppt/slides/slide6.xml><?xml version="1.0" encoding="utf-8"?>
-<p:sld xmlns:a="http://schemas.openxmlformats.org/drawingml/2006/main" xmlns:r="http://schemas.openxmlformats.org/officeDocument/2006/relationships" xmlns:p="http://schemas.openxmlformats.org/presentationml/2006/main">
-  <p:cSld>
-    <p:spTree>
-      <p:nvGrpSpPr>
-        <p:cNvPr id="1" name="Shape 50"/>
-        <p:cNvGrpSpPr/>
-        <p:nvPr/>
-      </p:nvGrpSpPr>
-      <p:grpSpPr>
-        <a:xfrm>
-          <a:off x="0" y="0"/>
-          <a:ext cx="0" cy="0"/>
-          <a:chOff x="0" y="0"/>
-          <a:chExt cx="0" cy="0"/>
-        </a:xfrm>
-      </p:grpSpPr>
-      <p:sp>
-        <p:nvSpPr>
-          <p:cNvPr id="51" name="Shape 51"/>
-          <p:cNvSpPr txBox="1">
-            <a:spLocks noGrp="1"/>
-          </p:cNvSpPr>
-          <p:nvPr>
-            <p:ph type="title"/>
-          </p:nvPr>
-        </p:nvSpPr>
-        <p:spPr>
-          <a:xfrm>
-            <a:off x="457200" y="205978"/>
-            <a:ext cx="8229600" cy="857400"/>
-          </a:xfrm>
-          <a:prstGeom prst="rect">
-            <a:avLst/>
-          </a:prstGeom>
-        </p:spPr>
-        <p:txBody>
-          <a:bodyPr lIns="91425" tIns="91425" rIns="91425" bIns="91425" anchor="ctr" anchorCtr="0">
-            <a:noAutofit/>
-          </a:bodyPr>
-          <a:lstStyle/>
-          <a:p>
-            <a:pPr lvl="0" rtl="0">
-              <a:spcBef>
-                <a:spcPts val="0"/>
-              </a:spcBef>
-              <a:buNone/>
-            </a:pPr>
-            <a:r>
-              <a:rPr lang="fr" dirty="0" smtClean="0"/>
-              <a:t>Contexte </a:t>
-            </a:r>
-            <a:r>
-              <a:rPr lang="fr" sz="1400" dirty="0">
-                <a:solidFill>
-                  <a:schemeClr val="bg2"/>
-                </a:solidFill>
-              </a:rPr>
-              <a:t>métriques et renommage</a:t>
-            </a:r>
-          </a:p>
-        </p:txBody>
-      </p:sp>
-      <p:pic>
-        <p:nvPicPr>
-          <p:cNvPr id="52" name="Shape 52"/>
-          <p:cNvPicPr preferRelativeResize="0"/>
-          <p:nvPr/>
-        </p:nvPicPr>
-        <p:blipFill>
-          <a:blip r:embed="rId3"/>
-          <a:stretch>
-            <a:fillRect/>
-          </a:stretch>
-        </p:blipFill>
-        <p:spPr>
-          <a:xfrm>
-            <a:off x="612125" y="1270475"/>
-            <a:ext cx="5009574" cy="3058849"/>
-          </a:xfrm>
-          <a:prstGeom prst="rect">
-            <a:avLst/>
-          </a:prstGeom>
-          <a:noFill/>
-          <a:ln>
-            <a:noFill/>
-          </a:ln>
-        </p:spPr>
-      </p:pic>
-      <p:sp>
-        <p:nvSpPr>
-          <p:cNvPr id="53" name="Shape 53"/>
-          <p:cNvSpPr txBox="1"/>
-          <p:nvPr/>
-        </p:nvSpPr>
-        <p:spPr>
-          <a:xfrm>
-            <a:off x="6658775" y="3735625"/>
-            <a:ext cx="1890899" cy="438299"/>
-          </a:xfrm>
-          <a:prstGeom prst="rect">
-            <a:avLst/>
-          </a:prstGeom>
-        </p:spPr>
-        <p:txBody>
-          <a:bodyPr lIns="91425" tIns="91425" rIns="91425" bIns="91425" anchor="t" anchorCtr="0">
-            <a:noAutofit/>
-          </a:bodyPr>
-          <a:lstStyle/>
-          <a:p>
-            <a:pPr>
-              <a:spcBef>
-                <a:spcPts val="0"/>
-              </a:spcBef>
-              <a:buNone/>
-            </a:pPr>
-            <a:r>
-              <a:rPr lang="fr"/>
-              <a:t>NoD =3</a:t>
-            </a:r>
-          </a:p>
-        </p:txBody>
-      </p:sp>
-      <p:sp>
-        <p:nvSpPr>
-          <p:cNvPr id="54" name="Shape 54"/>
-          <p:cNvSpPr txBox="1"/>
-          <p:nvPr/>
-        </p:nvSpPr>
-        <p:spPr>
-          <a:xfrm>
-            <a:off x="6658775" y="2635425"/>
-            <a:ext cx="1890899" cy="438299"/>
-          </a:xfrm>
-          <a:prstGeom prst="rect">
-            <a:avLst/>
-          </a:prstGeom>
-        </p:spPr>
-        <p:txBody>
-          <a:bodyPr lIns="91425" tIns="91425" rIns="91425" bIns="91425" anchor="t" anchorCtr="0">
-            <a:noAutofit/>
-          </a:bodyPr>
-          <a:lstStyle/>
-          <a:p>
-            <a:pPr lvl="0" rtl="0">
-              <a:spcBef>
-                <a:spcPts val="0"/>
-              </a:spcBef>
-              <a:buNone/>
-            </a:pPr>
-            <a:r>
-              <a:rPr lang="fr"/>
-              <a:t>NoD = 2</a:t>
-            </a:r>
-          </a:p>
-        </p:txBody>
-      </p:sp>
-      <p:sp>
-        <p:nvSpPr>
-          <p:cNvPr id="55" name="Shape 55"/>
-          <p:cNvSpPr txBox="1"/>
-          <p:nvPr/>
-        </p:nvSpPr>
-        <p:spPr>
-          <a:xfrm>
-            <a:off x="6658775" y="1535225"/>
-            <a:ext cx="1890899" cy="438299"/>
-          </a:xfrm>
-          <a:prstGeom prst="rect">
-            <a:avLst/>
-          </a:prstGeom>
-        </p:spPr>
-        <p:txBody>
-          <a:bodyPr lIns="91425" tIns="91425" rIns="91425" bIns="91425" anchor="t" anchorCtr="0">
-            <a:noAutofit/>
-          </a:bodyPr>
-          <a:lstStyle/>
-          <a:p>
-            <a:pPr lvl="0" rtl="0">
-              <a:spcBef>
-                <a:spcPts val="0"/>
-              </a:spcBef>
-              <a:buNone/>
-            </a:pPr>
-            <a:r>
-              <a:rPr lang="fr"/>
-              <a:t>NoD = 1</a:t>
-            </a:r>
-          </a:p>
-        </p:txBody>
-      </p:sp>
     </p:spTree>
   </p:cSld>
   <p:clrMapOvr>
@@ -7999,7 +8847,7 @@
   <p:cSld>
     <p:spTree>
       <p:nvGrpSpPr>
-        <p:cNvPr id="1" name="Shape 59"/>
+        <p:cNvPr id="1" name="Shape 43"/>
         <p:cNvGrpSpPr/>
         <p:nvPr/>
       </p:nvGrpSpPr>
@@ -8013,7 +8861,7 @@
       </p:grpSpPr>
       <p:sp>
         <p:nvSpPr>
-          <p:cNvPr id="60" name="Shape 60"/>
+          <p:cNvPr id="44" name="Shape 44"/>
           <p:cNvSpPr txBox="1">
             <a:spLocks noGrp="1"/>
           </p:cNvSpPr>
@@ -8031,12 +8879,12 @@
           </a:prstGeom>
         </p:spPr>
         <p:txBody>
-          <a:bodyPr lIns="91425" tIns="91425" rIns="91425" bIns="91425" anchor="b" anchorCtr="0">
+          <a:bodyPr lIns="91425" tIns="91425" rIns="91425" bIns="91425" anchor="ctr" anchorCtr="0">
             <a:noAutofit/>
           </a:bodyPr>
           <a:lstStyle/>
           <a:p>
-            <a:pPr lvl="0" rtl="0">
+            <a:pPr>
               <a:spcBef>
                 <a:spcPts val="0"/>
               </a:spcBef>
@@ -8047,24 +8895,19 @@
               <a:t>Contexte </a:t>
             </a:r>
             <a:r>
-              <a:rPr lang="fr" sz="1400" dirty="0" smtClean="0">
+              <a:rPr lang="fr" sz="1400" dirty="0">
                 <a:solidFill>
                   <a:schemeClr val="bg2"/>
                 </a:solidFill>
               </a:rPr>
-              <a:t>gestionnaires de versions</a:t>
-            </a:r>
-            <a:endParaRPr lang="fr" sz="1400" dirty="0">
-              <a:solidFill>
-                <a:schemeClr val="bg2"/>
-              </a:solidFill>
-            </a:endParaRPr>
+              <a:t>métriques et renommage</a:t>
+            </a:r>
           </a:p>
         </p:txBody>
       </p:sp>
       <p:pic>
         <p:nvPicPr>
-          <p:cNvPr id="61" name="Shape 61"/>
+          <p:cNvPr id="45" name="Shape 45"/>
           <p:cNvPicPr preferRelativeResize="0"/>
           <p:nvPr/>
         </p:nvPicPr>
@@ -8076,8 +8919,8 @@
         </p:blipFill>
         <p:spPr>
           <a:xfrm>
-            <a:off x="1331640" y="1386996"/>
-            <a:ext cx="5553175" cy="2939074"/>
+            <a:off x="612125" y="1270475"/>
+            <a:ext cx="5009574" cy="3058849"/>
           </a:xfrm>
           <a:prstGeom prst="rect">
             <a:avLst/>
@@ -8088,7 +8931,46 @@
           </a:ln>
         </p:spPr>
       </p:pic>
+      <p:sp>
+        <p:nvSpPr>
+          <p:cNvPr id="46" name="Shape 46"/>
+          <p:cNvSpPr txBox="1"/>
+          <p:nvPr/>
+        </p:nvSpPr>
+        <p:spPr>
+          <a:xfrm>
+            <a:off x="6341950" y="3860875"/>
+            <a:ext cx="2344799" cy="430500"/>
+          </a:xfrm>
+          <a:prstGeom prst="rect">
+            <a:avLst/>
+          </a:prstGeom>
+        </p:spPr>
+        <p:txBody>
+          <a:bodyPr lIns="91425" tIns="91425" rIns="91425" bIns="91425" anchor="t" anchorCtr="0">
+            <a:noAutofit/>
+          </a:bodyPr>
+          <a:lstStyle/>
+          <a:p>
+            <a:pPr>
+              <a:spcBef>
+                <a:spcPts val="0"/>
+              </a:spcBef>
+              <a:buNone/>
+            </a:pPr>
+            <a:r>
+              <a:rPr lang="fr"/>
+              <a:t>NoD = 1</a:t>
+            </a:r>
+          </a:p>
+        </p:txBody>
+      </p:sp>
     </p:spTree>
+    <p:extLst>
+      <p:ext uri="{BB962C8B-B14F-4D97-AF65-F5344CB8AC3E}">
+        <p14:creationId xmlns:p14="http://schemas.microsoft.com/office/powerpoint/2010/main" val="1308210117"/>
+      </p:ext>
+    </p:extLst>
   </p:cSld>
   <p:clrMapOvr>
     <a:masterClrMapping/>
@@ -8111,7 +8993,7 @@
   <p:cSld>
     <p:spTree>
       <p:nvGrpSpPr>
-        <p:cNvPr id="1" name="Shape 65"/>
+        <p:cNvPr id="1" name="Shape 50"/>
         <p:cNvGrpSpPr/>
         <p:nvPr/>
       </p:nvGrpSpPr>
@@ -8125,7 +9007,7 @@
       </p:grpSpPr>
       <p:sp>
         <p:nvSpPr>
-          <p:cNvPr id="66" name="Shape 66"/>
+          <p:cNvPr id="51" name="Shape 51"/>
           <p:cNvSpPr txBox="1">
             <a:spLocks noGrp="1"/>
           </p:cNvSpPr>
@@ -8143,7 +9025,7 @@
           </a:prstGeom>
         </p:spPr>
         <p:txBody>
-          <a:bodyPr lIns="91425" tIns="91425" rIns="91425" bIns="91425" anchor="b" anchorCtr="0">
+          <a:bodyPr lIns="91425" tIns="91425" rIns="91425" bIns="91425" anchor="ctr" anchorCtr="0">
             <a:noAutofit/>
           </a:bodyPr>
           <a:lstStyle/>
@@ -8164,26 +9046,27 @@
                   <a:schemeClr val="bg2"/>
                 </a:solidFill>
               </a:rPr>
-              <a:t>“Origin Analysis”</a:t>
+              <a:t>métriques et renommage</a:t>
             </a:r>
           </a:p>
         </p:txBody>
       </p:sp>
       <p:pic>
         <p:nvPicPr>
-          <p:cNvPr id="67" name="Shape 67"/>
+          <p:cNvPr id="52" name="Shape 52"/>
           <p:cNvPicPr preferRelativeResize="0"/>
           <p:nvPr/>
         </p:nvPicPr>
-        <p:blipFill rotWithShape="1">
+        <p:blipFill>
           <a:blip r:embed="rId3"/>
-          <a:srcRect b="31483"/>
-          <a:stretch/>
+          <a:stretch>
+            <a:fillRect/>
+          </a:stretch>
         </p:blipFill>
         <p:spPr>
           <a:xfrm>
-            <a:off x="1143000" y="1307400"/>
-            <a:ext cx="6858000" cy="3524250"/>
+            <a:off x="612125" y="1270475"/>
+            <a:ext cx="5009574" cy="3058849"/>
           </a:xfrm>
           <a:prstGeom prst="rect">
             <a:avLst/>
@@ -8194,6 +9077,108 @@
           </a:ln>
         </p:spPr>
       </p:pic>
+      <p:sp>
+        <p:nvSpPr>
+          <p:cNvPr id="53" name="Shape 53"/>
+          <p:cNvSpPr txBox="1"/>
+          <p:nvPr/>
+        </p:nvSpPr>
+        <p:spPr>
+          <a:xfrm>
+            <a:off x="6658775" y="3735625"/>
+            <a:ext cx="1890899" cy="438299"/>
+          </a:xfrm>
+          <a:prstGeom prst="rect">
+            <a:avLst/>
+          </a:prstGeom>
+        </p:spPr>
+        <p:txBody>
+          <a:bodyPr lIns="91425" tIns="91425" rIns="91425" bIns="91425" anchor="t" anchorCtr="0">
+            <a:noAutofit/>
+          </a:bodyPr>
+          <a:lstStyle/>
+          <a:p>
+            <a:pPr>
+              <a:spcBef>
+                <a:spcPts val="0"/>
+              </a:spcBef>
+              <a:buNone/>
+            </a:pPr>
+            <a:r>
+              <a:rPr lang="fr"/>
+              <a:t>NoD =3</a:t>
+            </a:r>
+          </a:p>
+        </p:txBody>
+      </p:sp>
+      <p:sp>
+        <p:nvSpPr>
+          <p:cNvPr id="54" name="Shape 54"/>
+          <p:cNvSpPr txBox="1"/>
+          <p:nvPr/>
+        </p:nvSpPr>
+        <p:spPr>
+          <a:xfrm>
+            <a:off x="6658775" y="2635425"/>
+            <a:ext cx="1890899" cy="438299"/>
+          </a:xfrm>
+          <a:prstGeom prst="rect">
+            <a:avLst/>
+          </a:prstGeom>
+        </p:spPr>
+        <p:txBody>
+          <a:bodyPr lIns="91425" tIns="91425" rIns="91425" bIns="91425" anchor="t" anchorCtr="0">
+            <a:noAutofit/>
+          </a:bodyPr>
+          <a:lstStyle/>
+          <a:p>
+            <a:pPr lvl="0" rtl="0">
+              <a:spcBef>
+                <a:spcPts val="0"/>
+              </a:spcBef>
+              <a:buNone/>
+            </a:pPr>
+            <a:r>
+              <a:rPr lang="fr"/>
+              <a:t>NoD = 2</a:t>
+            </a:r>
+          </a:p>
+        </p:txBody>
+      </p:sp>
+      <p:sp>
+        <p:nvSpPr>
+          <p:cNvPr id="55" name="Shape 55"/>
+          <p:cNvSpPr txBox="1"/>
+          <p:nvPr/>
+        </p:nvSpPr>
+        <p:spPr>
+          <a:xfrm>
+            <a:off x="6658775" y="1535225"/>
+            <a:ext cx="1890899" cy="438299"/>
+          </a:xfrm>
+          <a:prstGeom prst="rect">
+            <a:avLst/>
+          </a:prstGeom>
+        </p:spPr>
+        <p:txBody>
+          <a:bodyPr lIns="91425" tIns="91425" rIns="91425" bIns="91425" anchor="t" anchorCtr="0">
+            <a:noAutofit/>
+          </a:bodyPr>
+          <a:lstStyle/>
+          <a:p>
+            <a:pPr lvl="0" rtl="0">
+              <a:spcBef>
+                <a:spcPts val="0"/>
+              </a:spcBef>
+              <a:buNone/>
+            </a:pPr>
+            <a:r>
+              <a:rPr lang="fr"/>
+              <a:t>NoD = 1</a:t>
+            </a:r>
+          </a:p>
+        </p:txBody>
+      </p:sp>
     </p:spTree>
   </p:cSld>
   <p:clrMapOvr>
@@ -8217,7 +9202,7 @@
   <p:cSld>
     <p:spTree>
       <p:nvGrpSpPr>
-        <p:cNvPr id="1" name="Shape 71"/>
+        <p:cNvPr id="1" name="Shape 59"/>
         <p:cNvGrpSpPr/>
         <p:nvPr/>
       </p:nvGrpSpPr>
@@ -8231,7 +9216,7 @@
       </p:grpSpPr>
       <p:sp>
         <p:nvSpPr>
-          <p:cNvPr id="72" name="Shape 72"/>
+          <p:cNvPr id="60" name="Shape 60"/>
           <p:cNvSpPr txBox="1">
             <a:spLocks noGrp="1"/>
           </p:cNvSpPr>
@@ -8254,37 +9239,48 @@
           </a:bodyPr>
           <a:lstStyle/>
           <a:p>
-            <a:pPr lvl="0"/>
-            <a:r>
-              <a:rPr lang="fr" dirty="0"/>
+            <a:pPr lvl="0" rtl="0">
+              <a:spcBef>
+                <a:spcPts val="0"/>
+              </a:spcBef>
+              <a:buNone/>
+            </a:pPr>
+            <a:r>
+              <a:rPr lang="fr" dirty="0" smtClean="0"/>
               <a:t>Contexte </a:t>
             </a:r>
             <a:r>
-              <a:rPr lang="fr" sz="1400" dirty="0">
+              <a:rPr lang="fr" sz="1400" dirty="0" smtClean="0">
                 <a:solidFill>
                   <a:schemeClr val="bg2"/>
                 </a:solidFill>
               </a:rPr>
-              <a:t>“Origin Analysis”</a:t>
-            </a:r>
+              <a:t>gestionnaires de versions</a:t>
+            </a:r>
+            <a:endParaRPr lang="fr" sz="1400" dirty="0">
+              <a:solidFill>
+                <a:schemeClr val="bg2"/>
+              </a:solidFill>
+            </a:endParaRPr>
           </a:p>
         </p:txBody>
       </p:sp>
       <p:pic>
         <p:nvPicPr>
-          <p:cNvPr id="73" name="Shape 73"/>
+          <p:cNvPr id="61" name="Shape 61"/>
           <p:cNvPicPr preferRelativeResize="0"/>
           <p:nvPr/>
         </p:nvPicPr>
-        <p:blipFill rotWithShape="1">
+        <p:blipFill>
           <a:blip r:embed="rId3"/>
-          <a:srcRect b="32849"/>
-          <a:stretch/>
+          <a:stretch>
+            <a:fillRect/>
+          </a:stretch>
         </p:blipFill>
         <p:spPr>
           <a:xfrm>
-            <a:off x="1143000" y="1327225"/>
-            <a:ext cx="6858000" cy="3453800"/>
+            <a:off x="1331640" y="1386996"/>
+            <a:ext cx="5553175" cy="2939074"/>
           </a:xfrm>
           <a:prstGeom prst="rect">
             <a:avLst/>
@@ -8295,6 +9291,116 @@
           </a:ln>
         </p:spPr>
       </p:pic>
+      <p:sp>
+        <p:nvSpPr>
+          <p:cNvPr id="2" name="TextBox 1"/>
+          <p:cNvSpPr txBox="1"/>
+          <p:nvPr/>
+        </p:nvSpPr>
+        <p:spPr>
+          <a:xfrm>
+            <a:off x="3858072" y="2355725"/>
+            <a:ext cx="288032" cy="307777"/>
+          </a:xfrm>
+          <a:prstGeom prst="rect">
+            <a:avLst/>
+          </a:prstGeom>
+          <a:noFill/>
+        </p:spPr>
+        <p:txBody>
+          <a:bodyPr wrap="square" rtlCol="0">
+            <a:spAutoFit/>
+          </a:bodyPr>
+          <a:lstStyle/>
+          <a:p>
+            <a:r>
+              <a:rPr lang="fr-FR" dirty="0" smtClean="0"/>
+              <a:t>*</a:t>
+            </a:r>
+            <a:endParaRPr lang="fr-FR" dirty="0"/>
+          </a:p>
+        </p:txBody>
+      </p:sp>
+      <p:sp>
+        <p:nvSpPr>
+          <p:cNvPr id="3" name="TextBox 2"/>
+          <p:cNvSpPr txBox="1"/>
+          <p:nvPr/>
+        </p:nvSpPr>
+        <p:spPr>
+          <a:xfrm>
+            <a:off x="395536" y="4443958"/>
+            <a:ext cx="6489279" cy="461665"/>
+          </a:xfrm>
+          <a:prstGeom prst="rect">
+            <a:avLst/>
+          </a:prstGeom>
+          <a:noFill/>
+        </p:spPr>
+        <p:txBody>
+          <a:bodyPr wrap="square" rtlCol="0">
+            <a:spAutoFit/>
+          </a:bodyPr>
+          <a:lstStyle/>
+          <a:p>
+            <a:r>
+              <a:rPr lang="fr-FR" sz="1200" i="1" dirty="0" smtClean="0">
+                <a:solidFill>
+                  <a:schemeClr val="bg2"/>
+                </a:solidFill>
+              </a:rPr>
+              <a:t>* Kim et al,</a:t>
+            </a:r>
+          </a:p>
+          <a:p>
+            <a:r>
+              <a:rPr lang="fr-FR" sz="1200" i="1" dirty="0" smtClean="0">
+                <a:solidFill>
+                  <a:schemeClr val="bg2"/>
+                </a:solidFill>
+              </a:rPr>
+              <a:t> </a:t>
+            </a:r>
+            <a:r>
+              <a:rPr lang="en-US" sz="1200" i="1" dirty="0" smtClean="0">
+                <a:solidFill>
+                  <a:schemeClr val="bg2"/>
+                </a:solidFill>
+              </a:rPr>
+              <a:t>“A field </a:t>
+            </a:r>
+            <a:r>
+              <a:rPr lang="en-US" sz="1200" i="1" dirty="0">
+                <a:solidFill>
+                  <a:schemeClr val="bg2"/>
+                </a:solidFill>
+              </a:rPr>
+              <a:t>study of refactoring challenges and </a:t>
+            </a:r>
+            <a:r>
+              <a:rPr lang="en-US" sz="1200" i="1" dirty="0" smtClean="0">
+                <a:solidFill>
+                  <a:schemeClr val="bg2"/>
+                </a:solidFill>
+              </a:rPr>
+              <a:t>benefits”, </a:t>
+            </a:r>
+            <a:r>
+              <a:rPr lang="fr-FR" sz="1200" i="1" dirty="0" smtClean="0">
+                <a:solidFill>
+                  <a:schemeClr val="bg2"/>
+                </a:solidFill>
+              </a:rPr>
+              <a:t>2012.</a:t>
+            </a:r>
+            <a:endParaRPr lang="fr-FR" sz="1200" i="1" dirty="0">
+              <a:solidFill>
+                <a:schemeClr val="bg2"/>
+              </a:solidFill>
+            </a:endParaRPr>
+          </a:p>
+        </p:txBody>
+      </p:sp>
     </p:spTree>
   </p:cSld>
   <p:clrMapOvr>

--- a/presentation/presStageM2.pptx
+++ b/presentation/presStageM2.pptx
@@ -5,37 +5,36 @@
     <p:sldMasterId id="2147483654" r:id="rId1"/>
   </p:sldMasterIdLst>
   <p:notesMasterIdLst>
-    <p:notesMasterId r:id="rId28"/>
+    <p:notesMasterId r:id="rId27"/>
   </p:notesMasterIdLst>
   <p:sldIdLst>
     <p:sldId id="256" r:id="rId2"/>
     <p:sldId id="257" r:id="rId3"/>
     <p:sldId id="276" r:id="rId4"/>
     <p:sldId id="258" r:id="rId5"/>
-    <p:sldId id="281" r:id="rId6"/>
-    <p:sldId id="259" r:id="rId7"/>
-    <p:sldId id="282" r:id="rId8"/>
-    <p:sldId id="260" r:id="rId9"/>
-    <p:sldId id="261" r:id="rId10"/>
-    <p:sldId id="262" r:id="rId11"/>
-    <p:sldId id="263" r:id="rId12"/>
-    <p:sldId id="264" r:id="rId13"/>
-    <p:sldId id="283" r:id="rId14"/>
-    <p:sldId id="265" r:id="rId15"/>
-    <p:sldId id="266" r:id="rId16"/>
-    <p:sldId id="277" r:id="rId17"/>
-    <p:sldId id="278" r:id="rId18"/>
-    <p:sldId id="279" r:id="rId19"/>
-    <p:sldId id="267" r:id="rId20"/>
-    <p:sldId id="268" r:id="rId21"/>
-    <p:sldId id="270" r:id="rId22"/>
-    <p:sldId id="271" r:id="rId23"/>
-    <p:sldId id="272" r:id="rId24"/>
-    <p:sldId id="280" r:id="rId25"/>
-    <p:sldId id="274" r:id="rId26"/>
-    <p:sldId id="275" r:id="rId27"/>
+    <p:sldId id="259" r:id="rId6"/>
+    <p:sldId id="282" r:id="rId7"/>
+    <p:sldId id="260" r:id="rId8"/>
+    <p:sldId id="261" r:id="rId9"/>
+    <p:sldId id="274" r:id="rId10"/>
+    <p:sldId id="283" r:id="rId11"/>
+    <p:sldId id="265" r:id="rId12"/>
+    <p:sldId id="266" r:id="rId13"/>
+    <p:sldId id="279" r:id="rId14"/>
+    <p:sldId id="267" r:id="rId15"/>
+    <p:sldId id="268" r:id="rId16"/>
+    <p:sldId id="270" r:id="rId17"/>
+    <p:sldId id="284" r:id="rId18"/>
+    <p:sldId id="271" r:id="rId19"/>
+    <p:sldId id="272" r:id="rId20"/>
+    <p:sldId id="280" r:id="rId21"/>
+    <p:sldId id="275" r:id="rId22"/>
+    <p:sldId id="287" r:id="rId23"/>
+    <p:sldId id="288" r:id="rId24"/>
+    <p:sldId id="289" r:id="rId25"/>
+    <p:sldId id="290" r:id="rId26"/>
   </p:sldIdLst>
-  <p:sldSz cx="9144000" cy="5143500" type="screen16x9"/>
+  <p:sldSz cx="9144000" cy="6858000" type="screen4x3"/>
   <p:notesSz cx="6858000" cy="9144000"/>
   <p:defaultTextStyle>
     <a:defPPr marR="0" algn="l" rtl="0">
@@ -285,8 +284,8 @@
         </p:nvSpPr>
         <p:spPr>
           <a:xfrm>
-            <a:off x="381187" y="685800"/>
-            <a:ext cx="6096299" cy="3429000"/>
+            <a:off x="1143000" y="685800"/>
+            <a:ext cx="4572000" cy="3429000"/>
           </a:xfrm>
           <a:custGeom>
             <a:avLst/>
@@ -528,8 +527,8 @@
         </p:nvSpPr>
         <p:spPr>
           <a:xfrm>
-            <a:off x="381000" y="685800"/>
-            <a:ext cx="6096000" cy="3429000"/>
+            <a:off x="1143000" y="685800"/>
+            <a:ext cx="4572000" cy="3429000"/>
           </a:xfrm>
           <a:custGeom>
             <a:avLst/>
@@ -609,11 +608,11 @@
 </file>
 
 <file path=ppt/notesSlides/notesSlide10.xml><?xml version="1.0" encoding="utf-8"?>
-<p:notes xmlns:a="http://schemas.openxmlformats.org/drawingml/2006/main" xmlns:r="http://schemas.openxmlformats.org/officeDocument/2006/relationships" xmlns:p="http://schemas.openxmlformats.org/presentationml/2006/main" showMasterSp="0" showMasterPhAnim="0">
+<p:notes xmlns:a="http://schemas.openxmlformats.org/drawingml/2006/main" xmlns:r="http://schemas.openxmlformats.org/officeDocument/2006/relationships" xmlns:p="http://schemas.openxmlformats.org/presentationml/2006/main">
   <p:cSld>
     <p:spTree>
       <p:nvGrpSpPr>
-        <p:cNvPr id="1" name="Shape 68"/>
+        <p:cNvPr id="1" name=""/>
         <p:cNvGrpSpPr/>
         <p:nvPr/>
       </p:nvGrpSpPr>
@@ -627,7 +626,113 @@
       </p:grpSpPr>
       <p:sp>
         <p:nvSpPr>
-          <p:cNvPr id="69" name="Shape 69"/>
+          <p:cNvPr id="2" name="Slide Image Placeholder 1"/>
+          <p:cNvSpPr>
+            <a:spLocks noGrp="1" noRot="1" noChangeAspect="1"/>
+          </p:cNvSpPr>
+          <p:nvPr>
+            <p:ph type="sldImg"/>
+          </p:nvPr>
+        </p:nvSpPr>
+        <p:spPr>
+          <a:xfrm>
+            <a:off x="1143000" y="685800"/>
+            <a:ext cx="4572000" cy="3429000"/>
+          </a:xfrm>
+        </p:spPr>
+      </p:sp>
+      <p:sp>
+        <p:nvSpPr>
+          <p:cNvPr id="3" name="Notes Placeholder 2"/>
+          <p:cNvSpPr>
+            <a:spLocks noGrp="1"/>
+          </p:cNvSpPr>
+          <p:nvPr>
+            <p:ph type="body" idx="1"/>
+          </p:nvPr>
+        </p:nvSpPr>
+        <p:spPr/>
+        <p:txBody>
+          <a:bodyPr/>
+          <a:lstStyle/>
+          <a:p>
+            <a:pPr marL="0" marR="0" indent="0" algn="l" defTabSz="914400" rtl="0" eaLnBrk="1" fontAlgn="auto" latinLnBrk="0" hangingPunct="1">
+              <a:lnSpc>
+                <a:spcPct val="100000"/>
+              </a:lnSpc>
+              <a:spcBef>
+                <a:spcPts val="0"/>
+              </a:spcBef>
+              <a:spcAft>
+                <a:spcPts val="0"/>
+              </a:spcAft>
+              <a:buClrTx/>
+              <a:buSzTx/>
+              <a:buFontTx/>
+              <a:buNone/>
+              <a:tabLst/>
+              <a:defRPr/>
+            </a:pPr>
+            <a:r>
+              <a:rPr lang="fr-FR" baseline="0" dirty="0" smtClean="0"/>
+              <a:t>Nous avons montré qu’en Théorie, le calcul des métriques peut être faussé par le renommage, dans les projets d’aujourd’hui qui n’utilisent pas Git ou qui ne détecte pas ce renommage. Et bien qu’il soit de notoriété commune que le </a:t>
+            </a:r>
+            <a:r>
+              <a:rPr lang="fr-FR" baseline="0" dirty="0" err="1" smtClean="0"/>
+              <a:t>refactoring</a:t>
+            </a:r>
+            <a:r>
+              <a:rPr lang="fr-FR" baseline="0" dirty="0" smtClean="0"/>
+              <a:t>, </a:t>
+            </a:r>
+            <a:r>
+              <a:rPr lang="fr-FR" sz="1100" b="0" i="0" u="none" strike="noStrike" kern="1200" baseline="0" dirty="0" smtClean="0">
+                <a:solidFill>
+                  <a:schemeClr val="tx1"/>
+                </a:solidFill>
+                <a:latin typeface="+mn-lt"/>
+                <a:ea typeface="+mn-ea"/>
+                <a:cs typeface="+mn-cs"/>
+              </a:rPr>
+              <a:t>modifications architecturales (dont le renommage d’entités) qui permettent d’améliorer ou restructurer le code source, sont une pratique courante dans le développement logiciel, nous ne connaissons ni la quantité de renommages ni son impact réel dans les projets.</a:t>
+            </a:r>
+            <a:endParaRPr lang="fr-FR" dirty="0" smtClean="0"/>
+          </a:p>
+        </p:txBody>
+      </p:sp>
+    </p:spTree>
+    <p:extLst>
+      <p:ext uri="{BB962C8B-B14F-4D97-AF65-F5344CB8AC3E}">
+        <p14:creationId xmlns:p14="http://schemas.microsoft.com/office/powerpoint/2010/main" val="1149294144"/>
+      </p:ext>
+    </p:extLst>
+  </p:cSld>
+  <p:clrMapOvr>
+    <a:masterClrMapping/>
+  </p:clrMapOvr>
+</p:notes>
+</file>
+
+<file path=ppt/notesSlides/notesSlide11.xml><?xml version="1.0" encoding="utf-8"?>
+<p:notes xmlns:a="http://schemas.openxmlformats.org/drawingml/2006/main" xmlns:r="http://schemas.openxmlformats.org/officeDocument/2006/relationships" xmlns:p="http://schemas.openxmlformats.org/presentationml/2006/main" showMasterSp="0" showMasterPhAnim="0">
+  <p:cSld>
+    <p:spTree>
+      <p:nvGrpSpPr>
+        <p:cNvPr id="1" name="Shape 86"/>
+        <p:cNvGrpSpPr/>
+        <p:nvPr/>
+      </p:nvGrpSpPr>
+      <p:grpSpPr>
+        <a:xfrm>
+          <a:off x="0" y="0"/>
+          <a:ext cx="0" cy="0"/>
+          <a:chOff x="0" y="0"/>
+          <a:chExt cx="0" cy="0"/>
+        </a:xfrm>
+      </p:grpSpPr>
+      <p:sp>
+        <p:nvSpPr>
+          <p:cNvPr id="87" name="Shape 87"/>
           <p:cNvSpPr>
             <a:spLocks noGrp="1" noRot="1" noChangeAspect="1"/>
           </p:cNvSpPr>
@@ -637,8 +742,8 @@
         </p:nvSpPr>
         <p:spPr>
           <a:xfrm>
-            <a:off x="381000" y="685800"/>
-            <a:ext cx="6096000" cy="3429000"/>
+            <a:off x="1143000" y="685800"/>
+            <a:ext cx="4572000" cy="3429000"/>
           </a:xfrm>
           <a:custGeom>
             <a:avLst/>
@@ -668,7 +773,7 @@
       </p:sp>
       <p:sp>
         <p:nvSpPr>
-          <p:cNvPr id="70" name="Shape 70"/>
+          <p:cNvPr id="88" name="Shape 88"/>
           <p:cNvSpPr txBox="1">
             <a:spLocks noGrp="1"/>
           </p:cNvSpPr>
@@ -699,31 +804,15 @@
             </a:pPr>
             <a:r>
               <a:rPr lang="fr-FR" dirty="0" smtClean="0"/>
-              <a:t>Git utilise un </a:t>
+              <a:t>Pour faire nos propres expérimentations nous avons besoin d’un corpus de projets.  Projets open source, Git, langages différent et une taille et </a:t>
             </a:r>
             <a:r>
               <a:rPr lang="fr-FR" dirty="0" err="1" smtClean="0"/>
-              <a:t>algo</a:t>
+              <a:t>NoD</a:t>
             </a:r>
             <a:r>
               <a:rPr lang="fr-FR" dirty="0" smtClean="0"/>
-              <a:t> connu sous le nom de </a:t>
-            </a:r>
-            <a:r>
-              <a:rPr lang="fr-FR" dirty="0" err="1" smtClean="0"/>
-              <a:t>Origin</a:t>
-            </a:r>
-            <a:r>
-              <a:rPr lang="fr-FR" dirty="0" smtClean="0"/>
-              <a:t> </a:t>
-            </a:r>
-            <a:r>
-              <a:rPr lang="fr-FR" dirty="0" err="1" smtClean="0"/>
-              <a:t>Analysis</a:t>
-            </a:r>
-            <a:r>
-              <a:rPr lang="fr-FR" dirty="0" smtClean="0"/>
-              <a:t> pour détecter les renommages.</a:t>
+              <a:t> conséquent.</a:t>
             </a:r>
             <a:endParaRPr dirty="0"/>
           </a:p>
@@ -737,12 +826,12 @@
 </p:notes>
 </file>
 
-<file path=ppt/notesSlides/notesSlide11.xml><?xml version="1.0" encoding="utf-8"?>
+<file path=ppt/notesSlides/notesSlide12.xml><?xml version="1.0" encoding="utf-8"?>
 <p:notes xmlns:a="http://schemas.openxmlformats.org/drawingml/2006/main" xmlns:r="http://schemas.openxmlformats.org/officeDocument/2006/relationships" xmlns:p="http://schemas.openxmlformats.org/presentationml/2006/main" showMasterSp="0" showMasterPhAnim="0">
   <p:cSld>
     <p:spTree>
       <p:nvGrpSpPr>
-        <p:cNvPr id="1" name="Shape 74"/>
+        <p:cNvPr id="1" name="Shape 93"/>
         <p:cNvGrpSpPr/>
         <p:nvPr/>
       </p:nvGrpSpPr>
@@ -756,7 +845,7 @@
       </p:grpSpPr>
       <p:sp>
         <p:nvSpPr>
-          <p:cNvPr id="75" name="Shape 75"/>
+          <p:cNvPr id="94" name="Shape 94"/>
           <p:cNvSpPr>
             <a:spLocks noGrp="1" noRot="1" noChangeAspect="1"/>
           </p:cNvSpPr>
@@ -766,8 +855,8 @@
         </p:nvSpPr>
         <p:spPr>
           <a:xfrm>
-            <a:off x="381000" y="685800"/>
-            <a:ext cx="6096000" cy="3429000"/>
+            <a:off x="1143000" y="685800"/>
+            <a:ext cx="4572000" cy="3429000"/>
           </a:xfrm>
           <a:custGeom>
             <a:avLst/>
@@ -797,7 +886,7 @@
       </p:sp>
       <p:sp>
         <p:nvSpPr>
-          <p:cNvPr id="76" name="Shape 76"/>
+          <p:cNvPr id="95" name="Shape 95"/>
           <p:cNvSpPr txBox="1">
             <a:spLocks noGrp="1"/>
           </p:cNvSpPr>
@@ -820,13 +909,18 @@
           </a:bodyPr>
           <a:lstStyle/>
           <a:p>
-            <a:pPr>
-              <a:spcBef>
-                <a:spcPts val="0"/>
-              </a:spcBef>
-              <a:buNone/>
-            </a:pPr>
-            <a:endParaRPr/>
+            <a:r>
+              <a:rPr lang="fr-FR" sz="1100" b="0" i="0" u="none" strike="noStrike" kern="1200" baseline="0" dirty="0" smtClean="0">
+                <a:solidFill>
+                  <a:schemeClr val="tx1"/>
+                </a:solidFill>
+                <a:latin typeface="+mn-lt"/>
+                <a:ea typeface="+mn-ea"/>
+                <a:cs typeface="+mn-cs"/>
+              </a:rPr>
+              <a:t>Le but de la première expérience et de calculer la quantité de renommage durant les périodes de développement des logiciels. Ici, on a la période de développement d’un logiciel.</a:t>
+            </a:r>
+            <a:endParaRPr dirty="0"/>
           </a:p>
         </p:txBody>
       </p:sp>
@@ -838,12 +932,12 @@
 </p:notes>
 </file>
 
-<file path=ppt/notesSlides/notesSlide12.xml><?xml version="1.0" encoding="utf-8"?>
+<file path=ppt/notesSlides/notesSlide13.xml><?xml version="1.0" encoding="utf-8"?>
 <p:notes xmlns:a="http://schemas.openxmlformats.org/drawingml/2006/main" xmlns:r="http://schemas.openxmlformats.org/officeDocument/2006/relationships" xmlns:p="http://schemas.openxmlformats.org/presentationml/2006/main" showMasterSp="0" showMasterPhAnim="0">
   <p:cSld>
     <p:spTree>
       <p:nvGrpSpPr>
-        <p:cNvPr id="1" name="Shape 80"/>
+        <p:cNvPr id="1" name="Shape 93"/>
         <p:cNvGrpSpPr/>
         <p:nvPr/>
       </p:nvGrpSpPr>
@@ -857,7 +951,7 @@
       </p:grpSpPr>
       <p:sp>
         <p:nvSpPr>
-          <p:cNvPr id="81" name="Shape 81"/>
+          <p:cNvPr id="94" name="Shape 94"/>
           <p:cNvSpPr>
             <a:spLocks noGrp="1" noRot="1" noChangeAspect="1"/>
           </p:cNvSpPr>
@@ -867,8 +961,8 @@
         </p:nvSpPr>
         <p:spPr>
           <a:xfrm>
-            <a:off x="381000" y="685800"/>
-            <a:ext cx="6096000" cy="3429000"/>
+            <a:off x="1143000" y="685800"/>
+            <a:ext cx="4572000" cy="3429000"/>
           </a:xfrm>
           <a:custGeom>
             <a:avLst/>
@@ -898,7 +992,7 @@
       </p:sp>
       <p:sp>
         <p:nvSpPr>
-          <p:cNvPr id="82" name="Shape 82"/>
+          <p:cNvPr id="95" name="Shape 95"/>
           <p:cNvSpPr txBox="1">
             <a:spLocks noGrp="1"/>
           </p:cNvSpPr>
@@ -927,117 +1021,19 @@
               </a:spcBef>
               <a:buNone/>
             </a:pPr>
-            <a:endParaRPr/>
+            <a:r>
+              <a:rPr lang="fr-FR" dirty="0" smtClean="0"/>
+              <a:t>Nous séparons donc en période cette phase</a:t>
+            </a:r>
+            <a:r>
+              <a:rPr lang="fr-FR" baseline="0" dirty="0" smtClean="0"/>
+              <a:t> développement, entre chaque versions stable avec une période initiale qui risque de contenir de nombreux changement et restructurations.</a:t>
+            </a:r>
+            <a:endParaRPr dirty="0"/>
           </a:p>
         </p:txBody>
       </p:sp>
     </p:spTree>
-  </p:cSld>
-  <p:clrMapOvr>
-    <a:masterClrMapping/>
-  </p:clrMapOvr>
-</p:notes>
-</file>
-
-<file path=ppt/notesSlides/notesSlide13.xml><?xml version="1.0" encoding="utf-8"?>
-<p:notes xmlns:a="http://schemas.openxmlformats.org/drawingml/2006/main" xmlns:r="http://schemas.openxmlformats.org/officeDocument/2006/relationships" xmlns:p="http://schemas.openxmlformats.org/presentationml/2006/main">
-  <p:cSld>
-    <p:spTree>
-      <p:nvGrpSpPr>
-        <p:cNvPr id="1" name=""/>
-        <p:cNvGrpSpPr/>
-        <p:nvPr/>
-      </p:nvGrpSpPr>
-      <p:grpSpPr>
-        <a:xfrm>
-          <a:off x="0" y="0"/>
-          <a:ext cx="0" cy="0"/>
-          <a:chOff x="0" y="0"/>
-          <a:chExt cx="0" cy="0"/>
-        </a:xfrm>
-      </p:grpSpPr>
-      <p:sp>
-        <p:nvSpPr>
-          <p:cNvPr id="2" name="Slide Image Placeholder 1"/>
-          <p:cNvSpPr>
-            <a:spLocks noGrp="1" noRot="1" noChangeAspect="1"/>
-          </p:cNvSpPr>
-          <p:nvPr>
-            <p:ph type="sldImg"/>
-          </p:nvPr>
-        </p:nvSpPr>
-        <p:spPr>
-          <a:xfrm>
-            <a:off x="381000" y="685800"/>
-            <a:ext cx="6096000" cy="3429000"/>
-          </a:xfrm>
-        </p:spPr>
-      </p:sp>
-      <p:sp>
-        <p:nvSpPr>
-          <p:cNvPr id="3" name="Notes Placeholder 2"/>
-          <p:cNvSpPr>
-            <a:spLocks noGrp="1"/>
-          </p:cNvSpPr>
-          <p:nvPr>
-            <p:ph type="body" idx="1"/>
-          </p:nvPr>
-        </p:nvSpPr>
-        <p:spPr/>
-        <p:txBody>
-          <a:bodyPr/>
-          <a:lstStyle/>
-          <a:p>
-            <a:pPr marL="0" marR="0" indent="0" algn="l" defTabSz="914400" rtl="0" eaLnBrk="1" fontAlgn="auto" latinLnBrk="0" hangingPunct="1">
-              <a:lnSpc>
-                <a:spcPct val="100000"/>
-              </a:lnSpc>
-              <a:spcBef>
-                <a:spcPts val="0"/>
-              </a:spcBef>
-              <a:spcAft>
-                <a:spcPts val="0"/>
-              </a:spcAft>
-              <a:buClrTx/>
-              <a:buSzTx/>
-              <a:buFontTx/>
-              <a:buNone/>
-              <a:tabLst/>
-              <a:defRPr/>
-            </a:pPr>
-            <a:r>
-              <a:rPr lang="fr-FR" baseline="0" dirty="0" smtClean="0"/>
-              <a:t>Nous avons montré qu’en Théorie, le calcul des métriques peut être faussé par le renommage, dans les projets d’aujourd’hui qui n’utilisent pas Git ou qui ne détecte pas ce renommage. Et bien qu’il soit de notoriété commune que le </a:t>
-            </a:r>
-            <a:r>
-              <a:rPr lang="fr-FR" baseline="0" dirty="0" err="1" smtClean="0"/>
-              <a:t>refactoring</a:t>
-            </a:r>
-            <a:r>
-              <a:rPr lang="fr-FR" baseline="0" dirty="0" smtClean="0"/>
-              <a:t>, </a:t>
-            </a:r>
-            <a:r>
-              <a:rPr lang="fr-FR" sz="1100" b="0" i="0" u="none" strike="noStrike" kern="1200" baseline="0" dirty="0" smtClean="0">
-                <a:solidFill>
-                  <a:schemeClr val="tx1"/>
-                </a:solidFill>
-                <a:latin typeface="+mn-lt"/>
-                <a:ea typeface="+mn-ea"/>
-                <a:cs typeface="+mn-cs"/>
-              </a:rPr>
-              <a:t>modifications architecturales (dont le renommage d’entités) qui permettent d’améliorer ou restructurer le code source, sont une pratique courante dans le développement logiciel, nous ne connaissons ni la quantité de renommages ni son impact réel dans les projets.</a:t>
-            </a:r>
-            <a:endParaRPr lang="fr-FR" dirty="0" smtClean="0"/>
-          </a:p>
-        </p:txBody>
-      </p:sp>
-    </p:spTree>
-    <p:extLst>
-      <p:ext uri="{BB962C8B-B14F-4D97-AF65-F5344CB8AC3E}">
-        <p14:creationId xmlns:p14="http://schemas.microsoft.com/office/powerpoint/2010/main" val="1149294144"/>
-      </p:ext>
-    </p:extLst>
   </p:cSld>
   <p:clrMapOvr>
     <a:masterClrMapping/>
@@ -1050,7 +1046,7 @@
   <p:cSld>
     <p:spTree>
       <p:nvGrpSpPr>
-        <p:cNvPr id="1" name="Shape 86"/>
+        <p:cNvPr id="1" name="Shape 99"/>
         <p:cNvGrpSpPr/>
         <p:nvPr/>
       </p:nvGrpSpPr>
@@ -1064,7 +1060,7 @@
       </p:grpSpPr>
       <p:sp>
         <p:nvSpPr>
-          <p:cNvPr id="87" name="Shape 87"/>
+          <p:cNvPr id="100" name="Shape 100"/>
           <p:cNvSpPr>
             <a:spLocks noGrp="1" noRot="1" noChangeAspect="1"/>
           </p:cNvSpPr>
@@ -1074,8 +1070,8 @@
         </p:nvSpPr>
         <p:spPr>
           <a:xfrm>
-            <a:off x="381000" y="685800"/>
-            <a:ext cx="6096000" cy="3429000"/>
+            <a:off x="1143000" y="685800"/>
+            <a:ext cx="4572000" cy="3429000"/>
           </a:xfrm>
           <a:custGeom>
             <a:avLst/>
@@ -1105,7 +1101,7 @@
       </p:sp>
       <p:sp>
         <p:nvSpPr>
-          <p:cNvPr id="88" name="Shape 88"/>
+          <p:cNvPr id="101" name="Shape 101"/>
           <p:cNvSpPr txBox="1">
             <a:spLocks noGrp="1"/>
           </p:cNvSpPr>
@@ -1136,17 +1132,25 @@
             </a:pPr>
             <a:r>
               <a:rPr lang="fr-FR" dirty="0" smtClean="0"/>
-              <a:t>Pour faire nos propres expérimentations nous avons besoin d’un corpus de projets.  Projets open source, Git, langages différent et une taille et </a:t>
-            </a:r>
-            <a:r>
-              <a:rPr lang="fr-FR" dirty="0" err="1" smtClean="0"/>
-              <a:t>NoD</a:t>
-            </a:r>
-            <a:r>
-              <a:rPr lang="fr-FR" dirty="0" smtClean="0"/>
-              <a:t> conséquent.</a:t>
-            </a:r>
-            <a:endParaRPr dirty="0"/>
+              <a:t>Voici comment nous procédons dans chaque</a:t>
+            </a:r>
+            <a:r>
+              <a:rPr lang="fr-FR" baseline="0" dirty="0" smtClean="0"/>
+              <a:t> périodes définies précédemment, </a:t>
+            </a:r>
+            <a:r>
+              <a:rPr lang="fr-FR" baseline="0" dirty="0" err="1" smtClean="0"/>
+              <a:t>grace</a:t>
+            </a:r>
+            <a:r>
+              <a:rPr lang="fr-FR" baseline="0" dirty="0" smtClean="0"/>
+              <a:t> au VCS pour obtenir nos chiffres. Nous nous basons donc sur </a:t>
+            </a:r>
+            <a:r>
+              <a:rPr lang="fr-FR" baseline="0" smtClean="0"/>
+              <a:t>le mécanisme de Git.</a:t>
+            </a:r>
+            <a:endParaRPr/>
           </a:p>
         </p:txBody>
       </p:sp>
@@ -1163,7 +1167,7 @@
   <p:cSld>
     <p:spTree>
       <p:nvGrpSpPr>
-        <p:cNvPr id="1" name="Shape 93"/>
+        <p:cNvPr id="1" name="Shape 105"/>
         <p:cNvGrpSpPr/>
         <p:nvPr/>
       </p:nvGrpSpPr>
@@ -1177,7 +1181,7 @@
       </p:grpSpPr>
       <p:sp>
         <p:nvSpPr>
-          <p:cNvPr id="94" name="Shape 94"/>
+          <p:cNvPr id="106" name="Shape 106"/>
           <p:cNvSpPr>
             <a:spLocks noGrp="1" noRot="1" noChangeAspect="1"/>
           </p:cNvSpPr>
@@ -1187,8 +1191,8 @@
         </p:nvSpPr>
         <p:spPr>
           <a:xfrm>
-            <a:off x="381000" y="685800"/>
-            <a:ext cx="6096000" cy="3429000"/>
+            <a:off x="1143000" y="685800"/>
+            <a:ext cx="4572000" cy="3429000"/>
           </a:xfrm>
           <a:custGeom>
             <a:avLst/>
@@ -1218,7 +1222,7 @@
       </p:sp>
       <p:sp>
         <p:nvSpPr>
-          <p:cNvPr id="95" name="Shape 95"/>
+          <p:cNvPr id="107" name="Shape 107"/>
           <p:cNvSpPr txBox="1">
             <a:spLocks noGrp="1"/>
           </p:cNvSpPr>
@@ -1241,18 +1245,13 @@
           </a:bodyPr>
           <a:lstStyle/>
           <a:p>
-            <a:r>
-              <a:rPr lang="fr-FR" sz="1100" b="0" i="0" u="none" strike="noStrike" kern="1200" baseline="0" dirty="0" smtClean="0">
-                <a:solidFill>
-                  <a:schemeClr val="tx1"/>
-                </a:solidFill>
-                <a:latin typeface="+mn-lt"/>
-                <a:ea typeface="+mn-ea"/>
-                <a:cs typeface="+mn-cs"/>
-              </a:rPr>
-              <a:t>Le but de la première expérience et de calculer la quantité de renommage durant les périodes de développement des logiciels. Ici, on a la période de développement d’un logiciel.</a:t>
-            </a:r>
-            <a:endParaRPr dirty="0"/>
+            <a:pPr>
+              <a:spcBef>
+                <a:spcPts val="0"/>
+              </a:spcBef>
+              <a:buNone/>
+            </a:pPr>
+            <a:endParaRPr/>
           </a:p>
         </p:txBody>
       </p:sp>
@@ -1269,7 +1268,7 @@
   <p:cSld>
     <p:spTree>
       <p:nvGrpSpPr>
-        <p:cNvPr id="1" name="Shape 93"/>
+        <p:cNvPr id="1" name="Shape 117"/>
         <p:cNvGrpSpPr/>
         <p:nvPr/>
       </p:nvGrpSpPr>
@@ -1283,7 +1282,7 @@
       </p:grpSpPr>
       <p:sp>
         <p:nvSpPr>
-          <p:cNvPr id="94" name="Shape 94"/>
+          <p:cNvPr id="118" name="Shape 118"/>
           <p:cNvSpPr>
             <a:spLocks noGrp="1" noRot="1" noChangeAspect="1"/>
           </p:cNvSpPr>
@@ -1293,8 +1292,8 @@
         </p:nvSpPr>
         <p:spPr>
           <a:xfrm>
-            <a:off x="381000" y="685800"/>
-            <a:ext cx="6096000" cy="3429000"/>
+            <a:off x="1143000" y="685800"/>
+            <a:ext cx="4572000" cy="3429000"/>
           </a:xfrm>
           <a:custGeom>
             <a:avLst/>
@@ -1324,7 +1323,7 @@
       </p:sp>
       <p:sp>
         <p:nvSpPr>
-          <p:cNvPr id="95" name="Shape 95"/>
+          <p:cNvPr id="119" name="Shape 119"/>
           <p:cNvSpPr txBox="1">
             <a:spLocks noGrp="1"/>
           </p:cNvSpPr>
@@ -1353,15 +1352,7 @@
               </a:spcBef>
               <a:buNone/>
             </a:pPr>
-            <a:r>
-              <a:rPr lang="fr-FR" dirty="0" smtClean="0"/>
-              <a:t>Il faut savoir que régulièrement, les</a:t>
-            </a:r>
-            <a:r>
-              <a:rPr lang="fr-FR" baseline="0" dirty="0" smtClean="0"/>
-              <a:t> versions stables sont maintenues pour les utilisateurs.</a:t>
-            </a:r>
-            <a:endParaRPr dirty="0"/>
+            <a:endParaRPr/>
           </a:p>
         </p:txBody>
       </p:sp>
@@ -1378,7 +1369,7 @@
   <p:cSld>
     <p:spTree>
       <p:nvGrpSpPr>
-        <p:cNvPr id="1" name="Shape 93"/>
+        <p:cNvPr id="1" name="Shape 123"/>
         <p:cNvGrpSpPr/>
         <p:nvPr/>
       </p:nvGrpSpPr>
@@ -1392,7 +1383,7 @@
       </p:grpSpPr>
       <p:sp>
         <p:nvSpPr>
-          <p:cNvPr id="94" name="Shape 94"/>
+          <p:cNvPr id="124" name="Shape 124"/>
           <p:cNvSpPr>
             <a:spLocks noGrp="1" noRot="1" noChangeAspect="1"/>
           </p:cNvSpPr>
@@ -1402,8 +1393,8 @@
         </p:nvSpPr>
         <p:spPr>
           <a:xfrm>
-            <a:off x="381000" y="685800"/>
-            <a:ext cx="6096000" cy="3429000"/>
+            <a:off x="1143000" y="685800"/>
+            <a:ext cx="4572000" cy="3429000"/>
           </a:xfrm>
           <a:custGeom>
             <a:avLst/>
@@ -1433,7 +1424,7 @@
       </p:sp>
       <p:sp>
         <p:nvSpPr>
-          <p:cNvPr id="95" name="Shape 95"/>
+          <p:cNvPr id="125" name="Shape 125"/>
           <p:cNvSpPr txBox="1">
             <a:spLocks noGrp="1"/>
           </p:cNvSpPr>
@@ -1456,19 +1447,60 @@
           </a:bodyPr>
           <a:lstStyle/>
           <a:p>
-            <a:pPr>
-              <a:spcBef>
-                <a:spcPts val="0"/>
-              </a:spcBef>
-              <a:buNone/>
-            </a:pPr>
-            <a:r>
-              <a:rPr lang="fr-FR" dirty="0" smtClean="0"/>
-              <a:t>On a ici donc les étapes</a:t>
-            </a:r>
-            <a:r>
-              <a:rPr lang="fr-FR" baseline="0" dirty="0" smtClean="0"/>
-              <a:t> importantes du développement, les versions stables, marqué par le départ de maintenance de versions stable. Nous regardons de manière séparé la phase de développement et les phases de maintenance car nous pensons qu’il n’a pas ou très peux de renommage dans ces phases de maintenance.</a:t>
+            <a:r>
+              <a:rPr lang="fr-FR" sz="1100" b="0" i="0" u="none" strike="noStrike" kern="1200" baseline="0" dirty="0" smtClean="0">
+                <a:solidFill>
+                  <a:schemeClr val="tx1"/>
+                </a:solidFill>
+                <a:latin typeface="+mn-lt"/>
+                <a:ea typeface="+mn-ea"/>
+                <a:cs typeface="+mn-cs"/>
+              </a:rPr>
+              <a:t>L’objectif de la deuxième expérience est de voir si le renommage peut biaiser les métriques. Nous prenons donc, la période par projet avec le plus de renommage puis calculons les 3 métriques (</a:t>
+            </a:r>
+            <a:r>
+              <a:rPr lang="fr-FR" sz="1100" b="0" i="0" u="none" strike="noStrike" kern="1200" baseline="0" dirty="0" err="1" smtClean="0">
+                <a:solidFill>
+                  <a:schemeClr val="tx1"/>
+                </a:solidFill>
+                <a:latin typeface="+mn-lt"/>
+                <a:ea typeface="+mn-ea"/>
+                <a:cs typeface="+mn-cs"/>
+              </a:rPr>
+              <a:t>NoD</a:t>
+            </a:r>
+            <a:r>
+              <a:rPr lang="fr-FR" sz="1100" b="0" i="0" u="none" strike="noStrike" kern="1200" baseline="0" dirty="0" smtClean="0">
+                <a:solidFill>
+                  <a:schemeClr val="tx1"/>
+                </a:solidFill>
+                <a:latin typeface="+mn-lt"/>
+                <a:ea typeface="+mn-ea"/>
+                <a:cs typeface="+mn-cs"/>
+              </a:rPr>
+              <a:t>, </a:t>
+            </a:r>
+            <a:r>
+              <a:rPr lang="fr-FR" sz="1100" b="0" i="0" u="none" strike="noStrike" kern="1200" baseline="0" dirty="0" err="1" smtClean="0">
+                <a:solidFill>
+                  <a:schemeClr val="tx1"/>
+                </a:solidFill>
+                <a:latin typeface="+mn-lt"/>
+                <a:ea typeface="+mn-ea"/>
+                <a:cs typeface="+mn-cs"/>
+              </a:rPr>
+              <a:t>NoC</a:t>
+            </a:r>
+            <a:r>
+              <a:rPr lang="fr-FR" sz="1100" b="0" i="0" u="none" strike="noStrike" kern="1200" baseline="0" dirty="0" smtClean="0">
+                <a:solidFill>
+                  <a:schemeClr val="tx1"/>
+                </a:solidFill>
+                <a:latin typeface="+mn-lt"/>
+                <a:ea typeface="+mn-ea"/>
+                <a:cs typeface="+mn-cs"/>
+              </a:rPr>
+              <a:t>, CC) avec et sans prendre en compte le renommage. Ainsi nous avons deux liste pour chaque métriques par période. Ce qui nous donne deux liste triés, nous souhaitons observer la différence entre ces listes.</a:t>
             </a:r>
             <a:endParaRPr dirty="0"/>
           </a:p>
@@ -1487,7 +1519,7 @@
   <p:cSld>
     <p:spTree>
       <p:nvGrpSpPr>
-        <p:cNvPr id="1" name="Shape 93"/>
+        <p:cNvPr id="1" name="Shape 123"/>
         <p:cNvGrpSpPr/>
         <p:nvPr/>
       </p:nvGrpSpPr>
@@ -1501,7 +1533,7 @@
       </p:grpSpPr>
       <p:sp>
         <p:nvSpPr>
-          <p:cNvPr id="94" name="Shape 94"/>
+          <p:cNvPr id="124" name="Shape 124"/>
           <p:cNvSpPr>
             <a:spLocks noGrp="1" noRot="1" noChangeAspect="1"/>
           </p:cNvSpPr>
@@ -1511,8 +1543,8 @@
         </p:nvSpPr>
         <p:spPr>
           <a:xfrm>
-            <a:off x="381000" y="685800"/>
-            <a:ext cx="6096000" cy="3429000"/>
+            <a:off x="1143000" y="685800"/>
+            <a:ext cx="4572000" cy="3429000"/>
           </a:xfrm>
           <a:custGeom>
             <a:avLst/>
@@ -1542,7 +1574,7 @@
       </p:sp>
       <p:sp>
         <p:nvSpPr>
-          <p:cNvPr id="95" name="Shape 95"/>
+          <p:cNvPr id="125" name="Shape 125"/>
           <p:cNvSpPr txBox="1">
             <a:spLocks noGrp="1"/>
           </p:cNvSpPr>
@@ -1565,19 +1597,38 @@
           </a:bodyPr>
           <a:lstStyle/>
           <a:p>
-            <a:pPr>
-              <a:spcBef>
-                <a:spcPts val="0"/>
-              </a:spcBef>
-              <a:buNone/>
-            </a:pPr>
-            <a:r>
-              <a:rPr lang="fr-FR" dirty="0" smtClean="0"/>
-              <a:t>Nous séparons donc en période cette phase</a:t>
-            </a:r>
-            <a:r>
-              <a:rPr lang="fr-FR" baseline="0" dirty="0" smtClean="0"/>
-              <a:t> développement, entre chaque versions stable avec une période initiale qui risque de contenir de nombreux changement et restructurations.</a:t>
+            <a:r>
+              <a:rPr lang="fr-FR" sz="1100" b="0" i="0" u="none" strike="noStrike" kern="1200" baseline="0" dirty="0" smtClean="0">
+                <a:solidFill>
+                  <a:schemeClr val="tx1"/>
+                </a:solidFill>
+                <a:latin typeface="+mn-lt"/>
+                <a:ea typeface="+mn-ea"/>
+                <a:cs typeface="+mn-cs"/>
+              </a:rPr>
+              <a:t>La corrélation de </a:t>
+            </a:r>
+            <a:r>
+              <a:rPr lang="fr-FR" sz="1100" b="0" i="0" u="none" strike="noStrike" kern="1200" baseline="0" dirty="0" err="1" smtClean="0">
+                <a:solidFill>
+                  <a:schemeClr val="tx1"/>
+                </a:solidFill>
+                <a:latin typeface="+mn-lt"/>
+                <a:ea typeface="+mn-ea"/>
+                <a:cs typeface="+mn-cs"/>
+              </a:rPr>
+              <a:t>spearman</a:t>
+            </a:r>
+            <a:r>
+              <a:rPr lang="fr-FR" sz="1100" b="0" i="0" u="none" strike="noStrike" kern="1200" baseline="0" dirty="0" smtClean="0">
+                <a:solidFill>
+                  <a:schemeClr val="tx1"/>
+                </a:solidFill>
+                <a:latin typeface="+mn-lt"/>
+                <a:ea typeface="+mn-ea"/>
+                <a:cs typeface="+mn-cs"/>
+              </a:rPr>
+              <a:t> est adaptée. Les deux variables sont considérés comme des fonctions monotones. Un coefficient élevé, proche de 1, indiquera que les métriques avec et sans détection de renommage sont très similaires. Un coefficient plus petit, 0:5 et moins, indiquera que les métriques avec et sans détection de renommage sont très différentes. </a:t>
             </a:r>
             <a:endParaRPr dirty="0"/>
           </a:p>
@@ -1596,7 +1647,7 @@
   <p:cSld>
     <p:spTree>
       <p:nvGrpSpPr>
-        <p:cNvPr id="1" name="Shape 99"/>
+        <p:cNvPr id="1" name="Shape 129"/>
         <p:cNvGrpSpPr/>
         <p:nvPr/>
       </p:nvGrpSpPr>
@@ -1610,7 +1661,7 @@
       </p:grpSpPr>
       <p:sp>
         <p:nvSpPr>
-          <p:cNvPr id="100" name="Shape 100"/>
+          <p:cNvPr id="130" name="Shape 130"/>
           <p:cNvSpPr>
             <a:spLocks noGrp="1" noRot="1" noChangeAspect="1"/>
           </p:cNvSpPr>
@@ -1620,8 +1671,8 @@
         </p:nvSpPr>
         <p:spPr>
           <a:xfrm>
-            <a:off x="381000" y="685800"/>
-            <a:ext cx="6096000" cy="3429000"/>
+            <a:off x="1143000" y="685800"/>
+            <a:ext cx="4572000" cy="3429000"/>
           </a:xfrm>
           <a:custGeom>
             <a:avLst/>
@@ -1651,7 +1702,7 @@
       </p:sp>
       <p:sp>
         <p:nvSpPr>
-          <p:cNvPr id="101" name="Shape 101"/>
+          <p:cNvPr id="131" name="Shape 131"/>
           <p:cNvSpPr txBox="1">
             <a:spLocks noGrp="1"/>
           </p:cNvSpPr>
@@ -1680,26 +1731,6 @@
               </a:spcBef>
               <a:buNone/>
             </a:pPr>
-            <a:r>
-              <a:rPr lang="fr-FR" dirty="0" smtClean="0"/>
-              <a:t>Voici comment nous procédons dans chaque</a:t>
-            </a:r>
-            <a:r>
-              <a:rPr lang="fr-FR" baseline="0" dirty="0" smtClean="0"/>
-              <a:t> périodes définies précédemment, </a:t>
-            </a:r>
-            <a:r>
-              <a:rPr lang="fr-FR" baseline="0" dirty="0" err="1" smtClean="0"/>
-              <a:t>grace</a:t>
-            </a:r>
-            <a:r>
-              <a:rPr lang="fr-FR" baseline="0" dirty="0" smtClean="0"/>
-              <a:t> au VCS pour obtenir nos chiffres. Nous nous basons donc sur </a:t>
-            </a:r>
-            <a:r>
-              <a:rPr lang="fr-FR" baseline="0" smtClean="0"/>
-              <a:t>le mécanisme de Git.</a:t>
-            </a:r>
             <a:endParaRPr/>
           </a:p>
         </p:txBody>
@@ -1741,8 +1772,8 @@
         </p:nvSpPr>
         <p:spPr>
           <a:xfrm>
-            <a:off x="381000" y="685800"/>
-            <a:ext cx="6096000" cy="3429000"/>
+            <a:off x="1143000" y="685800"/>
+            <a:ext cx="4572000" cy="3429000"/>
           </a:xfrm>
           <a:custGeom>
             <a:avLst/>
@@ -1818,7 +1849,7 @@
   <p:cSld>
     <p:spTree>
       <p:nvGrpSpPr>
-        <p:cNvPr id="1" name="Shape 105"/>
+        <p:cNvPr id="1" name="Shape 147"/>
         <p:cNvGrpSpPr/>
         <p:nvPr/>
       </p:nvGrpSpPr>
@@ -1832,7 +1863,7 @@
       </p:grpSpPr>
       <p:sp>
         <p:nvSpPr>
-          <p:cNvPr id="106" name="Shape 106"/>
+          <p:cNvPr id="148" name="Shape 148"/>
           <p:cNvSpPr>
             <a:spLocks noGrp="1" noRot="1" noChangeAspect="1"/>
           </p:cNvSpPr>
@@ -1842,8 +1873,8 @@
         </p:nvSpPr>
         <p:spPr>
           <a:xfrm>
-            <a:off x="381000" y="685800"/>
-            <a:ext cx="6096000" cy="3429000"/>
+            <a:off x="1143000" y="685800"/>
+            <a:ext cx="4572000" cy="3429000"/>
           </a:xfrm>
           <a:custGeom>
             <a:avLst/>
@@ -1873,7 +1904,7 @@
       </p:sp>
       <p:sp>
         <p:nvSpPr>
-          <p:cNvPr id="107" name="Shape 107"/>
+          <p:cNvPr id="149" name="Shape 149"/>
           <p:cNvSpPr txBox="1">
             <a:spLocks noGrp="1"/>
           </p:cNvSpPr>
@@ -1896,13 +1927,100 @@
           </a:bodyPr>
           <a:lstStyle/>
           <a:p>
-            <a:pPr>
-              <a:spcBef>
-                <a:spcPts val="0"/>
-              </a:spcBef>
+            <a:pPr marL="0" marR="0" indent="0" algn="l" defTabSz="914400" rtl="0" eaLnBrk="1" fontAlgn="auto" latinLnBrk="0" hangingPunct="1">
+              <a:lnSpc>
+                <a:spcPct val="100000"/>
+              </a:lnSpc>
+              <a:spcBef>
+                <a:spcPts val="0"/>
+              </a:spcBef>
+              <a:spcAft>
+                <a:spcPts val="0"/>
+              </a:spcAft>
+              <a:buClrTx/>
+              <a:buSzTx/>
+              <a:buFontTx/>
               <a:buNone/>
+              <a:tabLst/>
+              <a:defRPr/>
             </a:pPr>
-            <a:endParaRPr/>
+            <a:r>
+              <a:rPr lang="fr-FR" dirty="0" smtClean="0"/>
+              <a:t>A certaines</a:t>
+            </a:r>
+            <a:r>
+              <a:rPr lang="fr-FR" baseline="0" dirty="0" smtClean="0"/>
+              <a:t> périodes le renommage Nous proposons les </a:t>
+            </a:r>
+            <a:r>
+              <a:rPr lang="fr-FR" baseline="0" dirty="0" err="1" smtClean="0"/>
+              <a:t>recommendations</a:t>
+            </a:r>
+            <a:r>
+              <a:rPr lang="fr-FR" baseline="0" dirty="0" smtClean="0"/>
+              <a:t> suivantes: Eviter le calcul de métriques dans les périodes initiales, utiliser un </a:t>
+            </a:r>
+            <a:r>
+              <a:rPr lang="fr-FR" baseline="0" dirty="0" err="1" smtClean="0"/>
+              <a:t>algo</a:t>
+            </a:r>
+            <a:r>
+              <a:rPr lang="fr-FR" baseline="0" dirty="0" smtClean="0"/>
+              <a:t> de détection de renommage ou Git à défaut. D’autres </a:t>
+            </a:r>
+            <a:r>
+              <a:rPr lang="fr-FR" baseline="0" dirty="0" err="1" smtClean="0"/>
+              <a:t>algo</a:t>
+            </a:r>
+            <a:r>
+              <a:rPr lang="fr-FR" baseline="0" dirty="0" smtClean="0"/>
+              <a:t> pour niveaux de granularité plus fin que les fichiers. Indiquer dans les études comment il a été traité. peut être très présent et biaiser le calcul de métriques. Par conséquent nous avons montré que les développeurs chercheurs devraient être prudents lors du calcul de ces métriques. </a:t>
+            </a:r>
+            <a:r>
+              <a:rPr lang="fr-FR" dirty="0" smtClean="0"/>
+              <a:t>Evaluer la précision d’autres </a:t>
+            </a:r>
+            <a:r>
+              <a:rPr lang="fr-FR" dirty="0" err="1" smtClean="0"/>
+              <a:t>algo</a:t>
+            </a:r>
+            <a:r>
+              <a:rPr lang="fr-FR" dirty="0" smtClean="0"/>
+              <a:t> donné dans l’article,</a:t>
+            </a:r>
+            <a:r>
+              <a:rPr lang="fr-FR" baseline="0" dirty="0" smtClean="0"/>
+              <a:t> split et </a:t>
+            </a:r>
+            <a:r>
+              <a:rPr lang="fr-FR" baseline="0" dirty="0" err="1" smtClean="0"/>
+              <a:t>merge</a:t>
+            </a:r>
+            <a:r>
+              <a:rPr lang="fr-FR" baseline="0" dirty="0" smtClean="0"/>
+              <a:t> problème plus complexe.</a:t>
+            </a:r>
+            <a:endParaRPr lang="fr-FR" dirty="0" smtClean="0"/>
+          </a:p>
+          <a:p>
+            <a:pPr marL="0" marR="0" indent="0" algn="l" defTabSz="914400" rtl="0" eaLnBrk="1" fontAlgn="auto" latinLnBrk="0" hangingPunct="1">
+              <a:lnSpc>
+                <a:spcPct val="100000"/>
+              </a:lnSpc>
+              <a:spcBef>
+                <a:spcPts val="0"/>
+              </a:spcBef>
+              <a:spcAft>
+                <a:spcPts val="0"/>
+              </a:spcAft>
+              <a:buClrTx/>
+              <a:buSzTx/>
+              <a:buFontTx/>
+              <a:buNone/>
+              <a:tabLst/>
+              <a:defRPr/>
+            </a:pPr>
+            <a:endParaRPr dirty="0"/>
           </a:p>
         </p:txBody>
       </p:sp>
@@ -1919,7 +2037,7 @@
   <p:cSld>
     <p:spTree>
       <p:nvGrpSpPr>
-        <p:cNvPr id="1" name="Shape 117"/>
+        <p:cNvPr id="1" name="Shape 147"/>
         <p:cNvGrpSpPr/>
         <p:nvPr/>
       </p:nvGrpSpPr>
@@ -1933,7 +2051,7 @@
       </p:grpSpPr>
       <p:sp>
         <p:nvSpPr>
-          <p:cNvPr id="118" name="Shape 118"/>
+          <p:cNvPr id="148" name="Shape 148"/>
           <p:cNvSpPr>
             <a:spLocks noGrp="1" noRot="1" noChangeAspect="1"/>
           </p:cNvSpPr>
@@ -1943,8 +2061,8 @@
         </p:nvSpPr>
         <p:spPr>
           <a:xfrm>
-            <a:off x="381000" y="685800"/>
-            <a:ext cx="6096000" cy="3429000"/>
+            <a:off x="1143000" y="685800"/>
+            <a:ext cx="4572000" cy="3429000"/>
           </a:xfrm>
           <a:custGeom>
             <a:avLst/>
@@ -1974,7 +2092,7 @@
       </p:sp>
       <p:sp>
         <p:nvSpPr>
-          <p:cNvPr id="119" name="Shape 119"/>
+          <p:cNvPr id="149" name="Shape 149"/>
           <p:cNvSpPr txBox="1">
             <a:spLocks noGrp="1"/>
           </p:cNvSpPr>
@@ -2003,7 +2121,7 @@
               </a:spcBef>
               <a:buNone/>
             </a:pPr>
-            <a:endParaRPr/>
+            <a:endParaRPr dirty="0"/>
           </a:p>
         </p:txBody>
       </p:sp>
@@ -2020,7 +2138,7 @@
   <p:cSld>
     <p:spTree>
       <p:nvGrpSpPr>
-        <p:cNvPr id="1" name="Shape 123"/>
+        <p:cNvPr id="1" name="Shape 147"/>
         <p:cNvGrpSpPr/>
         <p:nvPr/>
       </p:nvGrpSpPr>
@@ -2034,7 +2152,7 @@
       </p:grpSpPr>
       <p:sp>
         <p:nvSpPr>
-          <p:cNvPr id="124" name="Shape 124"/>
+          <p:cNvPr id="148" name="Shape 148"/>
           <p:cNvSpPr>
             <a:spLocks noGrp="1" noRot="1" noChangeAspect="1"/>
           </p:cNvSpPr>
@@ -2044,8 +2162,8 @@
         </p:nvSpPr>
         <p:spPr>
           <a:xfrm>
-            <a:off x="381000" y="685800"/>
-            <a:ext cx="6096000" cy="3429000"/>
+            <a:off x="1143000" y="685800"/>
+            <a:ext cx="4572000" cy="3429000"/>
           </a:xfrm>
           <a:custGeom>
             <a:avLst/>
@@ -2075,7 +2193,7 @@
       </p:sp>
       <p:sp>
         <p:nvSpPr>
-          <p:cNvPr id="125" name="Shape 125"/>
+          <p:cNvPr id="149" name="Shape 149"/>
           <p:cNvSpPr txBox="1">
             <a:spLocks noGrp="1"/>
           </p:cNvSpPr>
@@ -2104,7 +2222,7 @@
               </a:spcBef>
               <a:buNone/>
             </a:pPr>
-            <a:endParaRPr/>
+            <a:endParaRPr dirty="0"/>
           </a:p>
         </p:txBody>
       </p:sp>
@@ -2121,7 +2239,7 @@
   <p:cSld>
     <p:spTree>
       <p:nvGrpSpPr>
-        <p:cNvPr id="1" name="Shape 129"/>
+        <p:cNvPr id="1" name="Shape 147"/>
         <p:cNvGrpSpPr/>
         <p:nvPr/>
       </p:nvGrpSpPr>
@@ -2135,7 +2253,7 @@
       </p:grpSpPr>
       <p:sp>
         <p:nvSpPr>
-          <p:cNvPr id="130" name="Shape 130"/>
+          <p:cNvPr id="148" name="Shape 148"/>
           <p:cNvSpPr>
             <a:spLocks noGrp="1" noRot="1" noChangeAspect="1"/>
           </p:cNvSpPr>
@@ -2145,8 +2263,8 @@
         </p:nvSpPr>
         <p:spPr>
           <a:xfrm>
-            <a:off x="381000" y="685800"/>
-            <a:ext cx="6096000" cy="3429000"/>
+            <a:off x="1143000" y="685800"/>
+            <a:ext cx="4572000" cy="3429000"/>
           </a:xfrm>
           <a:custGeom>
             <a:avLst/>
@@ -2176,7 +2294,7 @@
       </p:sp>
       <p:sp>
         <p:nvSpPr>
-          <p:cNvPr id="131" name="Shape 131"/>
+          <p:cNvPr id="149" name="Shape 149"/>
           <p:cNvSpPr txBox="1">
             <a:spLocks noGrp="1"/>
           </p:cNvSpPr>
@@ -2205,7 +2323,7 @@
               </a:spcBef>
               <a:buNone/>
             </a:pPr>
-            <a:endParaRPr/>
+            <a:endParaRPr dirty="0"/>
           </a:p>
         </p:txBody>
       </p:sp>
@@ -2222,7 +2340,7 @@
   <p:cSld>
     <p:spTree>
       <p:nvGrpSpPr>
-        <p:cNvPr id="1" name="Shape 141"/>
+        <p:cNvPr id="1" name="Shape 147"/>
         <p:cNvGrpSpPr/>
         <p:nvPr/>
       </p:nvGrpSpPr>
@@ -2236,7 +2354,7 @@
       </p:grpSpPr>
       <p:sp>
         <p:nvSpPr>
-          <p:cNvPr id="142" name="Shape 142"/>
+          <p:cNvPr id="148" name="Shape 148"/>
           <p:cNvSpPr>
             <a:spLocks noGrp="1" noRot="1" noChangeAspect="1"/>
           </p:cNvSpPr>
@@ -2246,8 +2364,8 @@
         </p:nvSpPr>
         <p:spPr>
           <a:xfrm>
-            <a:off x="381187" y="685800"/>
-            <a:ext cx="6096299" cy="3429000"/>
+            <a:off x="1143000" y="685800"/>
+            <a:ext cx="4572000" cy="3429000"/>
           </a:xfrm>
           <a:custGeom>
             <a:avLst/>
@@ -2277,107 +2395,6 @@
       </p:sp>
       <p:sp>
         <p:nvSpPr>
-          <p:cNvPr id="143" name="Shape 143"/>
-          <p:cNvSpPr txBox="1">
-            <a:spLocks noGrp="1"/>
-          </p:cNvSpPr>
-          <p:nvPr>
-            <p:ph type="body" idx="1"/>
-          </p:nvPr>
-        </p:nvSpPr>
-        <p:spPr>
-          <a:xfrm>
-            <a:off x="685800" y="4343400"/>
-            <a:ext cx="5486399" cy="4114800"/>
-          </a:xfrm>
-          <a:prstGeom prst="rect">
-            <a:avLst/>
-          </a:prstGeom>
-        </p:spPr>
-        <p:txBody>
-          <a:bodyPr lIns="91425" tIns="91425" rIns="91425" bIns="91425" anchor="t" anchorCtr="0">
-            <a:noAutofit/>
-          </a:bodyPr>
-          <a:lstStyle/>
-          <a:p>
-            <a:pPr>
-              <a:spcBef>
-                <a:spcPts val="0"/>
-              </a:spcBef>
-              <a:buNone/>
-            </a:pPr>
-            <a:endParaRPr/>
-          </a:p>
-        </p:txBody>
-      </p:sp>
-    </p:spTree>
-  </p:cSld>
-  <p:clrMapOvr>
-    <a:masterClrMapping/>
-  </p:clrMapOvr>
-</p:notes>
-</file>
-
-<file path=ppt/notesSlides/notesSlide25.xml><?xml version="1.0" encoding="utf-8"?>
-<p:notes xmlns:a="http://schemas.openxmlformats.org/drawingml/2006/main" xmlns:r="http://schemas.openxmlformats.org/officeDocument/2006/relationships" xmlns:p="http://schemas.openxmlformats.org/presentationml/2006/main" showMasterSp="0" showMasterPhAnim="0">
-  <p:cSld>
-    <p:spTree>
-      <p:nvGrpSpPr>
-        <p:cNvPr id="1" name="Shape 147"/>
-        <p:cNvGrpSpPr/>
-        <p:nvPr/>
-      </p:nvGrpSpPr>
-      <p:grpSpPr>
-        <a:xfrm>
-          <a:off x="0" y="0"/>
-          <a:ext cx="0" cy="0"/>
-          <a:chOff x="0" y="0"/>
-          <a:chExt cx="0" cy="0"/>
-        </a:xfrm>
-      </p:grpSpPr>
-      <p:sp>
-        <p:nvSpPr>
-          <p:cNvPr id="148" name="Shape 148"/>
-          <p:cNvSpPr>
-            <a:spLocks noGrp="1" noRot="1" noChangeAspect="1"/>
-          </p:cNvSpPr>
-          <p:nvPr>
-            <p:ph type="sldImg" idx="2"/>
-          </p:nvPr>
-        </p:nvSpPr>
-        <p:spPr>
-          <a:xfrm>
-            <a:off x="381187" y="685800"/>
-            <a:ext cx="6096299" cy="3429000"/>
-          </a:xfrm>
-          <a:custGeom>
-            <a:avLst/>
-            <a:gdLst/>
-            <a:ahLst/>
-            <a:cxnLst/>
-            <a:rect l="0" t="0" r="0" b="0"/>
-            <a:pathLst>
-              <a:path w="120000" h="120000" extrusionOk="0">
-                <a:moveTo>
-                  <a:pt x="0" y="0"/>
-                </a:moveTo>
-                <a:lnTo>
-                  <a:pt x="120000" y="0"/>
-                </a:lnTo>
-                <a:lnTo>
-                  <a:pt x="120000" y="120000"/>
-                </a:lnTo>
-                <a:lnTo>
-                  <a:pt x="0" y="120000"/>
-                </a:lnTo>
-                <a:close/>
-              </a:path>
-            </a:pathLst>
-          </a:custGeom>
-        </p:spPr>
-      </p:sp>
-      <p:sp>
-        <p:nvSpPr>
           <p:cNvPr id="149" name="Shape 149"/>
           <p:cNvSpPr txBox="1">
             <a:spLocks noGrp="1"/>
@@ -2407,7 +2424,7 @@
               </a:spcBef>
               <a:buNone/>
             </a:pPr>
-            <a:endParaRPr/>
+            <a:endParaRPr dirty="0"/>
           </a:p>
         </p:txBody>
       </p:sp>
@@ -2448,8 +2465,8 @@
         </p:nvSpPr>
         <p:spPr>
           <a:xfrm>
-            <a:off x="381000" y="685800"/>
-            <a:ext cx="6096000" cy="3429000"/>
+            <a:off x="1143000" y="685800"/>
+            <a:ext cx="4572000" cy="3429000"/>
           </a:xfrm>
         </p:spPr>
       </p:sp>
@@ -2482,15 +2499,7 @@
             </a:r>
             <a:r>
               <a:rPr lang="fr-FR" baseline="0" dirty="0" smtClean="0"/>
-              <a:t>, git) années 2000. </a:t>
-            </a:r>
-            <a:r>
-              <a:rPr lang="fr-FR" baseline="0" dirty="0" smtClean="0"/>
-              <a:t>Des </a:t>
-            </a:r>
-            <a:r>
-              <a:rPr lang="fr-FR" baseline="0" dirty="0" smtClean="0"/>
-              <a:t>travaux analysent l’historique de construction d’un logiciel. Exemple , un défi du génie log, prédiction de bugs. Son but, prédire les bugs et les localiser. Cette étude se base sur le calcul de métriques logicielles. Les travaux les plus </a:t>
+              <a:t>, git) années 2000. Des travaux analysent l’historique de construction d’un logiciel. Exemple , un défi du génie log, prédiction de bugs. Son but, prédire les bugs et les localiser. Cette étude se base sur le calcul de métriques logicielles. Les travaux les plus </a:t>
             </a:r>
             <a:r>
               <a:rPr lang="fr-FR" baseline="0" dirty="0" err="1" smtClean="0"/>
@@ -2546,8 +2555,8 @@
         </p:nvSpPr>
         <p:spPr>
           <a:xfrm>
-            <a:off x="381000" y="685800"/>
-            <a:ext cx="6096000" cy="3429000"/>
+            <a:off x="1143000" y="685800"/>
+            <a:ext cx="4572000" cy="3429000"/>
           </a:xfrm>
           <a:custGeom>
             <a:avLst/>
@@ -2602,19 +2611,11 @@
           <a:p>
             <a:r>
               <a:rPr lang="fr-FR" dirty="0" smtClean="0"/>
-              <a:t>Pour comprendre les </a:t>
-            </a:r>
-            <a:r>
-              <a:rPr lang="fr-FR" dirty="0" smtClean="0"/>
-              <a:t>métriques de procédés se concentrent</a:t>
+              <a:t>Pour comprendre les métriques de procédés se concentrent</a:t>
             </a:r>
             <a:r>
               <a:rPr lang="fr-FR" baseline="0" dirty="0" smtClean="0"/>
-              <a:t> sur l’évolution logicielle et mesurent les modifications subies par les entités d’un code source durant le développement</a:t>
-            </a:r>
-            <a:r>
-              <a:rPr lang="fr-FR" baseline="0" dirty="0" smtClean="0"/>
-              <a:t>. </a:t>
+              <a:t> sur l’évolution logicielle et mesurent les modifications subies par les entités d’un code source durant le développement. </a:t>
             </a:r>
             <a:r>
               <a:rPr lang="fr-FR" sz="1100" b="0" i="0" u="none" strike="noStrike" kern="1200" baseline="0" dirty="0" smtClean="0">
@@ -2706,11 +2707,11 @@
 </file>
 
 <file path=ppt/notesSlides/notesSlide5.xml><?xml version="1.0" encoding="utf-8"?>
-<p:notes xmlns:a="http://schemas.openxmlformats.org/drawingml/2006/main" xmlns:r="http://schemas.openxmlformats.org/officeDocument/2006/relationships" xmlns:p="http://schemas.openxmlformats.org/presentationml/2006/main">
+<p:notes xmlns:a="http://schemas.openxmlformats.org/drawingml/2006/main" xmlns:r="http://schemas.openxmlformats.org/officeDocument/2006/relationships" xmlns:p="http://schemas.openxmlformats.org/presentationml/2006/main" showMasterSp="0" showMasterPhAnim="0">
   <p:cSld>
     <p:spTree>
       <p:nvGrpSpPr>
-        <p:cNvPr id="1" name=""/>
+        <p:cNvPr id="1" name="Shape 47"/>
         <p:cNvGrpSpPr/>
         <p:nvPr/>
       </p:nvGrpSpPr>
@@ -2724,36 +2725,87 @@
       </p:grpSpPr>
       <p:sp>
         <p:nvSpPr>
-          <p:cNvPr id="2" name="Slide Image Placeholder 1"/>
+          <p:cNvPr id="48" name="Shape 48"/>
           <p:cNvSpPr>
             <a:spLocks noGrp="1" noRot="1" noChangeAspect="1"/>
           </p:cNvSpPr>
           <p:nvPr>
-            <p:ph type="sldImg"/>
+            <p:ph type="sldImg" idx="2"/>
           </p:nvPr>
         </p:nvSpPr>
         <p:spPr>
           <a:xfrm>
-            <a:off x="381000" y="685800"/>
-            <a:ext cx="6096000" cy="3429000"/>
-          </a:xfrm>
-        </p:spPr>
-      </p:sp>
-      <p:sp>
-        <p:nvSpPr>
-          <p:cNvPr id="3" name="Notes Placeholder 2"/>
-          <p:cNvSpPr>
+            <a:off x="1143000" y="685800"/>
+            <a:ext cx="4572000" cy="3429000"/>
+          </a:xfrm>
+          <a:custGeom>
+            <a:avLst/>
+            <a:gdLst/>
+            <a:ahLst/>
+            <a:cxnLst/>
+            <a:rect l="0" t="0" r="0" b="0"/>
+            <a:pathLst>
+              <a:path w="120000" h="120000" extrusionOk="0">
+                <a:moveTo>
+                  <a:pt x="0" y="0"/>
+                </a:moveTo>
+                <a:lnTo>
+                  <a:pt x="120000" y="0"/>
+                </a:lnTo>
+                <a:lnTo>
+                  <a:pt x="120000" y="120000"/>
+                </a:lnTo>
+                <a:lnTo>
+                  <a:pt x="0" y="120000"/>
+                </a:lnTo>
+                <a:close/>
+              </a:path>
+            </a:pathLst>
+          </a:custGeom>
+        </p:spPr>
+      </p:sp>
+      <p:sp>
+        <p:nvSpPr>
+          <p:cNvPr id="49" name="Shape 49"/>
+          <p:cNvSpPr txBox="1">
             <a:spLocks noGrp="1"/>
           </p:cNvSpPr>
           <p:nvPr>
             <p:ph type="body" idx="1"/>
           </p:nvPr>
         </p:nvSpPr>
-        <p:spPr/>
-        <p:txBody>
-          <a:bodyPr/>
+        <p:spPr>
+          <a:xfrm>
+            <a:off x="685800" y="4343400"/>
+            <a:ext cx="5486399" cy="4114800"/>
+          </a:xfrm>
+          <a:prstGeom prst="rect">
+            <a:avLst/>
+          </a:prstGeom>
+        </p:spPr>
+        <p:txBody>
+          <a:bodyPr lIns="91425" tIns="91425" rIns="91425" bIns="91425" anchor="t" anchorCtr="0">
+            <a:noAutofit/>
+          </a:bodyPr>
           <a:lstStyle/>
           <a:p>
+            <a:pPr marL="0" marR="0" indent="0" algn="l" defTabSz="914400" rtl="0" eaLnBrk="1" fontAlgn="auto" latinLnBrk="0" hangingPunct="1">
+              <a:lnSpc>
+                <a:spcPct val="100000"/>
+              </a:lnSpc>
+              <a:spcBef>
+                <a:spcPts val="0"/>
+              </a:spcBef>
+              <a:spcAft>
+                <a:spcPts val="0"/>
+              </a:spcAft>
+              <a:buClrTx/>
+              <a:buSzTx/>
+              <a:buFontTx/>
+              <a:buNone/>
+              <a:tabLst/>
+              <a:defRPr/>
+            </a:pPr>
             <a:r>
               <a:rPr lang="fr-FR" sz="1100" b="0" i="0" u="none" strike="noStrike" kern="1200" baseline="0" dirty="0" smtClean="0">
                 <a:solidFill>
@@ -2785,18 +2837,38 @@
                 <a:ea typeface="+mn-ea"/>
                 <a:cs typeface="+mn-cs"/>
               </a:rPr>
-              <a:t> à un système d’historique, il garde en mémoire chaque versions établis lors de l’évolution du logiciel et leur contenus. Il est donc possible d’observer chaque entité modifiée lors d’une période puis de garder uniquement les entités toujours présentes à la dernière version de notre période. </a:t>
-            </a:r>
-            <a:endParaRPr lang="fr-FR" dirty="0"/>
+              <a:t> à un système d’historique, il garde en mémoire chaque versions établis lors de l’évolution du logiciel et leur contenus. Il est donc possible d’observer chaque entité modifiée lors d’une période puis de garder uniquement les entités toujours présentes à la dernière version de notre période.  Ici un exemple.</a:t>
+            </a:r>
+            <a:endParaRPr lang="fr-FR" dirty="0" smtClean="0"/>
+          </a:p>
+          <a:p>
+            <a:pPr>
+              <a:spcBef>
+                <a:spcPts val="0"/>
+              </a:spcBef>
+              <a:buNone/>
+            </a:pPr>
+            <a:r>
+              <a:rPr lang="fr-FR" dirty="0" smtClean="0"/>
+              <a:t>Or, une entité de code peut être renommée au cours de son histoire. Ici un exemple, les entités sont au</a:t>
+            </a:r>
+            <a:r>
+              <a:rPr lang="fr-FR" baseline="0" dirty="0" smtClean="0"/>
+              <a:t> niveau fichier, nous observons l’historique d’un logiciel , 3 versions consécutives avec les </a:t>
+            </a:r>
+            <a:r>
+              <a:rPr lang="fr-FR" baseline="0" dirty="0" err="1" smtClean="0"/>
+              <a:t>dév</a:t>
+            </a:r>
+            <a:r>
+              <a:rPr lang="fr-FR" baseline="0" dirty="0" smtClean="0"/>
+              <a:t>. Le contenu du projet à chaque versions, on remarque que dans la version trois, le fichier est renommé et un commentaire est ajouté.</a:t>
+            </a:r>
+            <a:endParaRPr dirty="0"/>
           </a:p>
         </p:txBody>
       </p:sp>
     </p:spTree>
-    <p:extLst>
-      <p:ext uri="{BB962C8B-B14F-4D97-AF65-F5344CB8AC3E}">
-        <p14:creationId xmlns:p14="http://schemas.microsoft.com/office/powerpoint/2010/main" val="625440417"/>
-      </p:ext>
-    </p:extLst>
   </p:cSld>
   <p:clrMapOvr>
     <a:masterClrMapping/>
@@ -2833,8 +2905,8 @@
         </p:nvSpPr>
         <p:spPr>
           <a:xfrm>
-            <a:off x="381000" y="685800"/>
-            <a:ext cx="6096000" cy="3429000"/>
+            <a:off x="1143000" y="685800"/>
+            <a:ext cx="4572000" cy="3429000"/>
           </a:xfrm>
           <a:custGeom>
             <a:avLst/>
@@ -2895,19 +2967,43 @@
             </a:pPr>
             <a:r>
               <a:rPr lang="fr-FR" dirty="0" smtClean="0"/>
-              <a:t>Or, une entité de code peut être renommée au cours de son histoire. Ici un exemple, les entités sont au</a:t>
+              <a:t>On regarde le déroulement du</a:t>
             </a:r>
             <a:r>
               <a:rPr lang="fr-FR" baseline="0" dirty="0" smtClean="0"/>
-              <a:t> niveau fichier, nous observons l’historique d’un logiciel , 3 versions consécutives avec les </a:t>
+              <a:t> </a:t>
+            </a:r>
+            <a:r>
+              <a:rPr lang="fr-FR" dirty="0" smtClean="0"/>
+              <a:t>calcul d’une métrique, </a:t>
+            </a:r>
+            <a:r>
+              <a:rPr lang="fr-FR" dirty="0" err="1" smtClean="0"/>
+              <a:t>NoD</a:t>
+            </a:r>
+            <a:r>
+              <a:rPr lang="fr-FR" dirty="0" smtClean="0"/>
+              <a:t>. Dans</a:t>
+            </a:r>
+            <a:r>
+              <a:rPr lang="fr-FR" baseline="0" dirty="0" smtClean="0"/>
+              <a:t> le cadre de la prédiction de bug, le but étant de détecter les bugs dans la prochaine version, on ne regarde que les entités présente à la fin de notre période (vers1 à 3). Dans les VCS, une entité est identité par son chemin absolue. (racine dossier + fichier) On prend donc alors la seule entité présente, </a:t>
             </a:r>
             <a:r>
               <a:rPr lang="fr-FR" baseline="0" dirty="0" err="1" smtClean="0"/>
-              <a:t>dév</a:t>
+              <a:t>Hello.php</a:t>
             </a:r>
             <a:r>
               <a:rPr lang="fr-FR" baseline="0" dirty="0" smtClean="0"/>
-              <a:t>. Le contenu du projet à chaque versions, on remarque que dans la version trois, le fichier est renommé et un commentaire est ajouté.</a:t>
+              <a:t>. Son </a:t>
+            </a:r>
+            <a:r>
+              <a:rPr lang="fr-FR" baseline="0" dirty="0" err="1" smtClean="0"/>
+              <a:t>NoD</a:t>
+            </a:r>
+            <a:r>
+              <a:rPr lang="fr-FR" baseline="0" dirty="0" smtClean="0"/>
+              <a:t> =1.</a:t>
             </a:r>
             <a:endParaRPr dirty="0"/>
           </a:p>
@@ -2926,7 +3022,7 @@
   <p:cSld>
     <p:spTree>
       <p:nvGrpSpPr>
-        <p:cNvPr id="1" name="Shape 47"/>
+        <p:cNvPr id="1" name="Shape 56"/>
         <p:cNvGrpSpPr/>
         <p:nvPr/>
       </p:nvGrpSpPr>
@@ -2940,7 +3036,7 @@
       </p:grpSpPr>
       <p:sp>
         <p:nvSpPr>
-          <p:cNvPr id="48" name="Shape 48"/>
+          <p:cNvPr id="57" name="Shape 57"/>
           <p:cNvSpPr>
             <a:spLocks noGrp="1" noRot="1" noChangeAspect="1"/>
           </p:cNvSpPr>
@@ -2950,8 +3046,8 @@
         </p:nvSpPr>
         <p:spPr>
           <a:xfrm>
-            <a:off x="381000" y="685800"/>
-            <a:ext cx="6096000" cy="3429000"/>
+            <a:off x="1143000" y="685800"/>
+            <a:ext cx="4572000" cy="3429000"/>
           </a:xfrm>
           <a:custGeom>
             <a:avLst/>
@@ -2981,7 +3077,7 @@
       </p:sp>
       <p:sp>
         <p:nvSpPr>
-          <p:cNvPr id="49" name="Shape 49"/>
+          <p:cNvPr id="58" name="Shape 58"/>
           <p:cNvSpPr txBox="1">
             <a:spLocks noGrp="1"/>
           </p:cNvSpPr>
@@ -3004,35 +3100,21 @@
           </a:bodyPr>
           <a:lstStyle/>
           <a:p>
-            <a:pPr>
-              <a:spcBef>
-                <a:spcPts val="0"/>
-              </a:spcBef>
-              <a:buNone/>
-            </a:pPr>
             <a:r>
               <a:rPr lang="fr-FR" dirty="0" smtClean="0"/>
-              <a:t>On regarde le déroulement du</a:t>
+              <a:t>Or</a:t>
             </a:r>
             <a:r>
               <a:rPr lang="fr-FR" baseline="0" dirty="0" smtClean="0"/>
-              <a:t> </a:t>
-            </a:r>
-            <a:r>
-              <a:rPr lang="fr-FR" dirty="0" smtClean="0"/>
-              <a:t>calcul d’une métrique, </a:t>
-            </a:r>
-            <a:r>
-              <a:rPr lang="fr-FR" dirty="0" err="1" smtClean="0"/>
-              <a:t>NoD</a:t>
-            </a:r>
-            <a:r>
-              <a:rPr lang="fr-FR" dirty="0" smtClean="0"/>
-              <a:t>. Dans</a:t>
+              <a:t> en prenant en compte le renommage, on sait que </a:t>
+            </a:r>
+            <a:r>
+              <a:rPr lang="fr-FR" baseline="0" dirty="0" err="1" smtClean="0"/>
+              <a:t>Test.php</a:t>
             </a:r>
             <a:r>
               <a:rPr lang="fr-FR" baseline="0" dirty="0" smtClean="0"/>
-              <a:t> le cadre de la prédiction de bug, le but étant de détecter les bugs dans la prochaine version, on ne regarde que les entités présente à la fin de notre période (vers1 à 3). Dans les VCS, une entité est identité par son chemin absolue. (racine dossier + fichier) On prend donc alors la seule entité présente, </a:t>
+              <a:t> est devenue </a:t>
             </a:r>
             <a:r>
               <a:rPr lang="fr-FR" baseline="0" dirty="0" err="1" smtClean="0"/>
@@ -3040,7 +3122,7 @@
             </a:r>
             <a:r>
               <a:rPr lang="fr-FR" baseline="0" dirty="0" smtClean="0"/>
-              <a:t>. Son </a:t>
+              <a:t> à la version trois. Donc </a:t>
             </a:r>
             <a:r>
               <a:rPr lang="fr-FR" baseline="0" dirty="0" err="1" smtClean="0"/>
@@ -3048,7 +3130,7 @@
             </a:r>
             <a:r>
               <a:rPr lang="fr-FR" baseline="0" dirty="0" smtClean="0"/>
-              <a:t> =1.</a:t>
+              <a:t> = 3.  </a:t>
             </a:r>
             <a:endParaRPr dirty="0"/>
           </a:p>
@@ -3067,7 +3149,7 @@
   <p:cSld>
     <p:spTree>
       <p:nvGrpSpPr>
-        <p:cNvPr id="1" name="Shape 56"/>
+        <p:cNvPr id="1" name="Shape 62"/>
         <p:cNvGrpSpPr/>
         <p:nvPr/>
       </p:nvGrpSpPr>
@@ -3081,7 +3163,7 @@
       </p:grpSpPr>
       <p:sp>
         <p:nvSpPr>
-          <p:cNvPr id="57" name="Shape 57"/>
+          <p:cNvPr id="63" name="Shape 63"/>
           <p:cNvSpPr>
             <a:spLocks noGrp="1" noRot="1" noChangeAspect="1"/>
           </p:cNvSpPr>
@@ -3091,8 +3173,8 @@
         </p:nvSpPr>
         <p:spPr>
           <a:xfrm>
-            <a:off x="381000" y="685800"/>
-            <a:ext cx="6096000" cy="3429000"/>
+            <a:off x="1143000" y="685800"/>
+            <a:ext cx="4572000" cy="3429000"/>
           </a:xfrm>
           <a:custGeom>
             <a:avLst/>
@@ -3122,7 +3204,7 @@
       </p:sp>
       <p:sp>
         <p:nvSpPr>
-          <p:cNvPr id="58" name="Shape 58"/>
+          <p:cNvPr id="64" name="Shape 64"/>
           <p:cNvSpPr txBox="1">
             <a:spLocks noGrp="1"/>
           </p:cNvSpPr>
@@ -3145,37 +3227,75 @@
           </a:bodyPr>
           <a:lstStyle/>
           <a:p>
+            <a:pPr>
+              <a:spcBef>
+                <a:spcPts val="0"/>
+              </a:spcBef>
+              <a:buNone/>
+            </a:pPr>
             <a:r>
               <a:rPr lang="fr-FR" dirty="0" smtClean="0"/>
-              <a:t>Or</a:t>
+              <a:t>CVS ne gère pas du tout les renommage, SVN</a:t>
             </a:r>
             <a:r>
               <a:rPr lang="fr-FR" baseline="0" dirty="0" smtClean="0"/>
-              <a:t> en prenant en compte le renommage, on sait que </a:t>
+              <a:t> et </a:t>
             </a:r>
             <a:r>
               <a:rPr lang="fr-FR" baseline="0" dirty="0" err="1" smtClean="0"/>
-              <a:t>Test.php</a:t>
+              <a:t>Mercurial</a:t>
             </a:r>
             <a:r>
               <a:rPr lang="fr-FR" baseline="0" dirty="0" smtClean="0"/>
-              <a:t> est devenue </a:t>
+              <a:t> sont manuel, c’est-à-dire qu’une commande spécifique à l’outil doit être utilisé pour préciser lorsqu’on renomme un fichier et Git </a:t>
             </a:r>
             <a:r>
               <a:rPr lang="fr-FR" baseline="0" dirty="0" err="1" smtClean="0"/>
-              <a:t>Hello.php</a:t>
+              <a:t>automatque</a:t>
             </a:r>
             <a:r>
               <a:rPr lang="fr-FR" baseline="0" dirty="0" smtClean="0"/>
-              <a:t> à la version trois. Donc </a:t>
+              <a:t> mais optionnel, détecte les renommages automatiquement, mais une option à activer lorsqu’on parcours l’historique pour afficher les renommages de fichiers. Ces VCS fonctionne à un niveau de granularité fichier. Une étude de Kim et al montre que les </a:t>
             </a:r>
             <a:r>
               <a:rPr lang="fr-FR" baseline="0" dirty="0" err="1" smtClean="0"/>
-              <a:t>NoD</a:t>
+              <a:t>dev</a:t>
             </a:r>
             <a:r>
               <a:rPr lang="fr-FR" baseline="0" dirty="0" smtClean="0"/>
-              <a:t> = 3.  </a:t>
+              <a:t> n’</a:t>
+            </a:r>
+            <a:r>
+              <a:rPr lang="fr-FR" baseline="0" dirty="0" err="1" smtClean="0"/>
+              <a:t>utlisent</a:t>
+            </a:r>
+            <a:r>
+              <a:rPr lang="fr-FR" baseline="0" dirty="0" smtClean="0"/>
+              <a:t> pas les commandes fournit pour faire leur renommage, que 51% des </a:t>
+            </a:r>
+            <a:r>
+              <a:rPr lang="fr-FR" baseline="0" dirty="0" err="1" smtClean="0"/>
+              <a:t>refactorings</a:t>
+            </a:r>
+            <a:r>
+              <a:rPr lang="fr-FR" baseline="0" dirty="0" smtClean="0"/>
+              <a:t> n’utilisent pas du tout les commandes. Nous ne pouvons donc pas nous baser sur ces outils pour notre étude, </a:t>
+            </a:r>
+            <a:r>
+              <a:rPr lang="fr-FR" baseline="0" dirty="0" err="1" smtClean="0"/>
+              <a:t>daurénavent</a:t>
+            </a:r>
+            <a:r>
+              <a:rPr lang="fr-FR" baseline="0" dirty="0" smtClean="0"/>
+              <a:t> nous utiliserons Git comme </a:t>
+            </a:r>
+            <a:r>
+              <a:rPr lang="fr-FR" baseline="0" dirty="0" err="1" smtClean="0"/>
+              <a:t>vcs</a:t>
+            </a:r>
+            <a:r>
+              <a:rPr lang="fr-FR" baseline="0" dirty="0" smtClean="0"/>
+              <a:t> de référence.</a:t>
             </a:r>
             <a:endParaRPr dirty="0"/>
           </a:p>
@@ -3194,7 +3314,7 @@
   <p:cSld>
     <p:spTree>
       <p:nvGrpSpPr>
-        <p:cNvPr id="1" name="Shape 62"/>
+        <p:cNvPr id="1" name="Shape 141"/>
         <p:cNvGrpSpPr/>
         <p:nvPr/>
       </p:nvGrpSpPr>
@@ -3208,7 +3328,7 @@
       </p:grpSpPr>
       <p:sp>
         <p:nvSpPr>
-          <p:cNvPr id="63" name="Shape 63"/>
+          <p:cNvPr id="142" name="Shape 142"/>
           <p:cNvSpPr>
             <a:spLocks noGrp="1" noRot="1" noChangeAspect="1"/>
           </p:cNvSpPr>
@@ -3218,8 +3338,8 @@
         </p:nvSpPr>
         <p:spPr>
           <a:xfrm>
-            <a:off x="381000" y="685800"/>
-            <a:ext cx="6096000" cy="3429000"/>
+            <a:off x="1143000" y="685800"/>
+            <a:ext cx="4572000" cy="3429000"/>
           </a:xfrm>
           <a:custGeom>
             <a:avLst/>
@@ -3249,7 +3369,7 @@
       </p:sp>
       <p:sp>
         <p:nvSpPr>
-          <p:cNvPr id="64" name="Shape 64"/>
+          <p:cNvPr id="143" name="Shape 143"/>
           <p:cNvSpPr txBox="1">
             <a:spLocks noGrp="1"/>
           </p:cNvSpPr>
@@ -3278,71 +3398,7 @@
               </a:spcBef>
               <a:buNone/>
             </a:pPr>
-            <a:r>
-              <a:rPr lang="fr-FR" dirty="0" smtClean="0"/>
-              <a:t>CVS ne gère pas du tout les renommage, SVN</a:t>
-            </a:r>
-            <a:r>
-              <a:rPr lang="fr-FR" baseline="0" dirty="0" smtClean="0"/>
-              <a:t> et </a:t>
-            </a:r>
-            <a:r>
-              <a:rPr lang="fr-FR" baseline="0" dirty="0" err="1" smtClean="0"/>
-              <a:t>Mercurial</a:t>
-            </a:r>
-            <a:r>
-              <a:rPr lang="fr-FR" baseline="0" dirty="0" smtClean="0"/>
-              <a:t> sont manuel, c’est-à-dire qu’une commande spécifique à l’outil doit être utilisé pour préciser lorsqu’on renomme un fichier et Git </a:t>
-            </a:r>
-            <a:r>
-              <a:rPr lang="fr-FR" baseline="0" dirty="0" err="1" smtClean="0"/>
-              <a:t>automatque</a:t>
-            </a:r>
-            <a:r>
-              <a:rPr lang="fr-FR" baseline="0" dirty="0" smtClean="0"/>
-              <a:t> mais optionnel, détecte les renommages automatiquement, mais une option à activer lorsqu’on parcours l’historique pour afficher les renommages de fichiers. Ces VCS fonctionne à un niveau de granularité fichier. Une étude de Kim et al montre que les </a:t>
-            </a:r>
-            <a:r>
-              <a:rPr lang="fr-FR" baseline="0" dirty="0" err="1" smtClean="0"/>
-              <a:t>dev</a:t>
-            </a:r>
-            <a:r>
-              <a:rPr lang="fr-FR" baseline="0" dirty="0" smtClean="0"/>
-              <a:t> n’</a:t>
-            </a:r>
-            <a:r>
-              <a:rPr lang="fr-FR" baseline="0" dirty="0" err="1" smtClean="0"/>
-              <a:t>utlisent</a:t>
-            </a:r>
-            <a:r>
-              <a:rPr lang="fr-FR" baseline="0" dirty="0" smtClean="0"/>
-              <a:t> pas les commandes fournit pour faire leur renommage, que 51% des </a:t>
-            </a:r>
-            <a:r>
-              <a:rPr lang="fr-FR" baseline="0" dirty="0" err="1" smtClean="0"/>
-              <a:t>refactorings</a:t>
-            </a:r>
-            <a:r>
-              <a:rPr lang="fr-FR" baseline="0" dirty="0" smtClean="0"/>
-              <a:t> n’utilisent pas du tout les commandes. Nous ne pouvons donc pas nous baser sur ces outils pour notre étude, </a:t>
-            </a:r>
-            <a:r>
-              <a:rPr lang="fr-FR" baseline="0" dirty="0" err="1" smtClean="0"/>
-              <a:t>daurénavent</a:t>
-            </a:r>
-            <a:r>
-              <a:rPr lang="fr-FR" baseline="0" dirty="0" smtClean="0"/>
-              <a:t> nous utiliserons Git comme </a:t>
-            </a:r>
-            <a:r>
-              <a:rPr lang="fr-FR" baseline="0" dirty="0" err="1" smtClean="0"/>
-              <a:t>vcs</a:t>
-            </a:r>
-            <a:r>
-              <a:rPr lang="fr-FR" baseline="0" dirty="0" smtClean="0"/>
-              <a:t> de référence.</a:t>
-            </a:r>
-            <a:endParaRPr dirty="0"/>
+            <a:endParaRPr/>
           </a:p>
         </p:txBody>
       </p:sp>
@@ -3383,8 +3439,8 @@
         </p:nvSpPr>
         <p:spPr>
           <a:xfrm>
-            <a:off x="685800" y="1583342"/>
-            <a:ext cx="7772400" cy="1159799"/>
+            <a:off x="685800" y="2111123"/>
+            <a:ext cx="7772400" cy="1546399"/>
           </a:xfrm>
           <a:prstGeom prst="rect">
             <a:avLst/>
@@ -3474,8 +3530,8 @@
         </p:nvSpPr>
         <p:spPr>
           <a:xfrm>
-            <a:off x="685800" y="2840053"/>
-            <a:ext cx="7772400" cy="784799"/>
+            <a:off x="685800" y="3786738"/>
+            <a:ext cx="7772400" cy="1046399"/>
           </a:xfrm>
           <a:prstGeom prst="rect">
             <a:avLst/>
@@ -3661,8 +3717,8 @@
         </p:nvSpPr>
         <p:spPr>
           <a:xfrm>
-            <a:off x="457200" y="205978"/>
-            <a:ext cx="8229600" cy="857400"/>
+            <a:off x="457200" y="274637"/>
+            <a:ext cx="8229600" cy="1143200"/>
           </a:xfrm>
           <a:prstGeom prst="rect">
             <a:avLst/>
@@ -3743,8 +3799,8 @@
         </p:nvSpPr>
         <p:spPr>
           <a:xfrm>
-            <a:off x="457200" y="1200150"/>
-            <a:ext cx="8229600" cy="3725699"/>
+            <a:off x="457200" y="1600201"/>
+            <a:ext cx="8229600" cy="4967599"/>
           </a:xfrm>
           <a:prstGeom prst="rect">
             <a:avLst/>
@@ -3850,8 +3906,8 @@
         </p:nvSpPr>
         <p:spPr>
           <a:xfrm>
-            <a:off x="457200" y="205978"/>
-            <a:ext cx="8229600" cy="857400"/>
+            <a:off x="457200" y="274637"/>
+            <a:ext cx="8229600" cy="1143200"/>
           </a:xfrm>
           <a:prstGeom prst="rect">
             <a:avLst/>
@@ -3932,8 +3988,8 @@
         </p:nvSpPr>
         <p:spPr>
           <a:xfrm>
-            <a:off x="457200" y="1200150"/>
-            <a:ext cx="3994500" cy="3725699"/>
+            <a:off x="457200" y="1600201"/>
+            <a:ext cx="3994500" cy="4967599"/>
           </a:xfrm>
           <a:prstGeom prst="rect">
             <a:avLst/>
@@ -4014,8 +4070,8 @@
         </p:nvSpPr>
         <p:spPr>
           <a:xfrm>
-            <a:off x="4692273" y="1200150"/>
-            <a:ext cx="3994500" cy="3725699"/>
+            <a:off x="4692273" y="1600201"/>
+            <a:ext cx="3994500" cy="4967599"/>
           </a:xfrm>
           <a:prstGeom prst="rect">
             <a:avLst/>
@@ -4121,8 +4177,8 @@
         </p:nvSpPr>
         <p:spPr>
           <a:xfrm>
-            <a:off x="457200" y="205978"/>
-            <a:ext cx="8229600" cy="857400"/>
+            <a:off x="457200" y="274637"/>
+            <a:ext cx="8229600" cy="1143200"/>
           </a:xfrm>
           <a:prstGeom prst="rect">
             <a:avLst/>
@@ -4228,8 +4284,8 @@
         </p:nvSpPr>
         <p:spPr>
           <a:xfrm>
-            <a:off x="457200" y="4406309"/>
-            <a:ext cx="8229600" cy="519599"/>
+            <a:off x="457200" y="5875079"/>
+            <a:ext cx="8229600" cy="692799"/>
           </a:xfrm>
           <a:prstGeom prst="rect">
             <a:avLst/>
@@ -4322,8 +4378,8 @@
         </p:nvSpPr>
         <p:spPr>
           <a:xfrm>
-            <a:off x="457200" y="205978"/>
-            <a:ext cx="8229600" cy="857400"/>
+            <a:off x="457200" y="274637"/>
+            <a:ext cx="8229600" cy="1143200"/>
           </a:xfrm>
           <a:prstGeom prst="rect">
             <a:avLst/>
@@ -4485,8 +4541,8 @@
         </p:nvSpPr>
         <p:spPr>
           <a:xfrm>
-            <a:off x="457200" y="1200150"/>
-            <a:ext cx="8229600" cy="3725699"/>
+            <a:off x="457200" y="1600201"/>
+            <a:ext cx="8229600" cy="4967599"/>
           </a:xfrm>
           <a:prstGeom prst="rect">
             <a:avLst/>
@@ -5152,8 +5208,8 @@
         </p:nvSpPr>
         <p:spPr>
           <a:xfrm>
-            <a:off x="685800" y="1583342"/>
-            <a:ext cx="7772400" cy="1159799"/>
+            <a:off x="685800" y="2111123"/>
+            <a:ext cx="7772400" cy="1546399"/>
           </a:xfrm>
           <a:prstGeom prst="rect">
             <a:avLst/>
@@ -5177,7 +5233,7 @@
               <a:buNone/>
             </a:pPr>
             <a:r>
-              <a:rPr lang="fr" sz="3600"/>
+              <a:rPr lang="fr" sz="3600" dirty="0"/>
               <a:t>L’impact du renommage sur les</a:t>
             </a:r>
           </a:p>
@@ -5189,9 +5245,14 @@
               <a:buNone/>
             </a:pPr>
             <a:r>
-              <a:rPr lang="fr" sz="3600"/>
-              <a:t>métriques de procédés</a:t>
-            </a:r>
+              <a:rPr lang="fr" sz="3600" dirty="0"/>
+              <a:t>métriques de </a:t>
+            </a:r>
+            <a:r>
+              <a:rPr lang="fr" sz="3600" dirty="0" smtClean="0"/>
+              <a:t>procédés</a:t>
+            </a:r>
+            <a:endParaRPr lang="fr" sz="3600" dirty="0"/>
           </a:p>
         </p:txBody>
       </p:sp>
@@ -5207,8 +5268,8 @@
         </p:nvSpPr>
         <p:spPr>
           <a:xfrm>
-            <a:off x="685800" y="3075805"/>
-            <a:ext cx="7981199" cy="1935937"/>
+            <a:off x="685801" y="4101074"/>
+            <a:ext cx="7981199" cy="2581249"/>
           </a:xfrm>
           <a:prstGeom prst="rect">
             <a:avLst/>
@@ -5287,8 +5348,8 @@
         </p:blipFill>
         <p:spPr>
           <a:xfrm>
-            <a:off x="6804248" y="320335"/>
-            <a:ext cx="2123550" cy="616515"/>
+            <a:off x="6660232" y="427114"/>
+            <a:ext cx="2267566" cy="553615"/>
           </a:xfrm>
           <a:prstGeom prst="rect">
             <a:avLst/>
@@ -5313,8 +5374,8 @@
         </p:blipFill>
         <p:spPr>
           <a:xfrm>
-            <a:off x="192272" y="320335"/>
-            <a:ext cx="911334" cy="443563"/>
+            <a:off x="192272" y="427115"/>
+            <a:ext cx="1067360" cy="553614"/>
           </a:xfrm>
           <a:prstGeom prst="rect">
             <a:avLst/>
@@ -5333,7 +5394,7 @@
         </p:nvSpPr>
         <p:spPr>
           <a:xfrm>
-            <a:off x="8855282" y="4835723"/>
+            <a:off x="8855282" y="6550223"/>
             <a:ext cx="288718" cy="307777"/>
           </a:xfrm>
           <a:prstGeom prst="rect">
@@ -5377,7 +5438,7 @@
   <p:cSld>
     <p:spTree>
       <p:nvGrpSpPr>
-        <p:cNvPr id="1" name="Shape 65"/>
+        <p:cNvPr id="1" name=""/>
         <p:cNvGrpSpPr/>
         <p:nvPr/>
       </p:nvGrpSpPr>
@@ -5391,98 +5452,87 @@
       </p:grpSpPr>
       <p:sp>
         <p:nvSpPr>
-          <p:cNvPr id="66" name="Shape 66"/>
-          <p:cNvSpPr txBox="1">
+          <p:cNvPr id="2" name="Title 1"/>
+          <p:cNvSpPr>
             <a:spLocks noGrp="1"/>
           </p:cNvSpPr>
           <p:nvPr>
             <p:ph type="title"/>
           </p:nvPr>
         </p:nvSpPr>
-        <p:spPr>
-          <a:xfrm>
-            <a:off x="457200" y="205978"/>
-            <a:ext cx="8229600" cy="857400"/>
-          </a:xfrm>
-          <a:prstGeom prst="rect">
-            <a:avLst/>
-          </a:prstGeom>
-        </p:spPr>
-        <p:txBody>
-          <a:bodyPr lIns="91425" tIns="91425" rIns="91425" bIns="91425" anchor="b" anchorCtr="0">
+        <p:spPr/>
+        <p:txBody>
+          <a:bodyPr lIns="91425" tIns="91425" rIns="91425" bIns="91425" anchor="ctr" anchorCtr="0">
             <a:noAutofit/>
           </a:bodyPr>
           <a:lstStyle/>
           <a:p>
-            <a:pPr lvl="0" rtl="0">
-              <a:spcBef>
-                <a:spcPts val="0"/>
-              </a:spcBef>
-              <a:buNone/>
+            <a:r>
+              <a:rPr lang="fr-FR" dirty="0"/>
+              <a:t>Problématique</a:t>
+            </a:r>
+          </a:p>
+        </p:txBody>
+      </p:sp>
+      <p:sp>
+        <p:nvSpPr>
+          <p:cNvPr id="3" name="Text Placeholder 2"/>
+          <p:cNvSpPr>
+            <a:spLocks noGrp="1"/>
+          </p:cNvSpPr>
+          <p:nvPr>
+            <p:ph type="body" idx="1"/>
+          </p:nvPr>
+        </p:nvSpPr>
+        <p:spPr/>
+        <p:txBody>
+          <a:bodyPr/>
+          <a:lstStyle/>
+          <a:p>
+            <a:pPr marL="457200" indent="-457200">
+              <a:buFont typeface="Arial" panose="020B0604020202020204" pitchFamily="34" charset="0"/>
+              <a:buChar char="•"/>
             </a:pPr>
             <a:r>
-              <a:rPr lang="fr" dirty="0" smtClean="0"/>
-              <a:t>Contexte </a:t>
-            </a:r>
-            <a:r>
-              <a:rPr lang="fr" sz="1400" dirty="0">
-                <a:solidFill>
-                  <a:schemeClr val="bg2"/>
-                </a:solidFill>
-              </a:rPr>
-              <a:t>“Origin Analysis</a:t>
-            </a:r>
-            <a:r>
-              <a:rPr lang="fr" sz="1400" dirty="0" smtClean="0">
-                <a:solidFill>
-                  <a:schemeClr val="bg2"/>
-                </a:solidFill>
-              </a:rPr>
-              <a:t>” *</a:t>
-            </a:r>
-            <a:endParaRPr lang="fr" sz="1400" dirty="0">
-              <a:solidFill>
-                <a:schemeClr val="bg2"/>
-              </a:solidFill>
-            </a:endParaRPr>
-          </a:p>
-        </p:txBody>
-      </p:sp>
-      <p:pic>
-        <p:nvPicPr>
-          <p:cNvPr id="67" name="Shape 67"/>
-          <p:cNvPicPr preferRelativeResize="0"/>
-          <p:nvPr/>
-        </p:nvPicPr>
-        <p:blipFill rotWithShape="1">
-          <a:blip r:embed="rId3"/>
-          <a:srcRect b="31483"/>
-          <a:stretch/>
-        </p:blipFill>
-        <p:spPr>
-          <a:xfrm>
-            <a:off x="1143000" y="1307400"/>
-            <a:ext cx="6858000" cy="3524250"/>
-          </a:xfrm>
-          <a:prstGeom prst="rect">
-            <a:avLst/>
-          </a:prstGeom>
-          <a:noFill/>
-          <a:ln>
-            <a:noFill/>
-          </a:ln>
-        </p:spPr>
-      </p:pic>
-      <p:sp>
-        <p:nvSpPr>
-          <p:cNvPr id="2" name="TextBox 1"/>
+              <a:rPr lang="fr-FR" dirty="0" smtClean="0"/>
+              <a:t>Quelle est la quantité de renommage dans les projets ?</a:t>
+            </a:r>
+            <a:br>
+              <a:rPr lang="fr-FR" dirty="0" smtClean="0"/>
+            </a:br>
+            <a:endParaRPr lang="fr-FR" dirty="0" smtClean="0"/>
+          </a:p>
+          <a:p>
+            <a:pPr marL="457200" indent="-457200">
+              <a:buFont typeface="Arial" panose="020B0604020202020204" pitchFamily="34" charset="0"/>
+              <a:buChar char="•"/>
+            </a:pPr>
+            <a:r>
+              <a:rPr lang="fr-FR" dirty="0" smtClean="0"/>
+              <a:t>Ce renommage </a:t>
+            </a:r>
+            <a:r>
+              <a:rPr lang="fr-FR" dirty="0" err="1" smtClean="0"/>
+              <a:t>a-t-il</a:t>
+            </a:r>
+            <a:r>
+              <a:rPr lang="fr-FR" dirty="0" smtClean="0"/>
+              <a:t> un impact réel sur les métriques de procédés ?</a:t>
+            </a:r>
+            <a:endParaRPr lang="fr-FR" dirty="0"/>
+          </a:p>
+        </p:txBody>
+      </p:sp>
+      <p:sp>
+        <p:nvSpPr>
+          <p:cNvPr id="4" name="TextBox 3"/>
           <p:cNvSpPr txBox="1"/>
           <p:nvPr/>
         </p:nvSpPr>
         <p:spPr>
           <a:xfrm>
-            <a:off x="395536" y="4587974"/>
-            <a:ext cx="5328592" cy="461665"/>
+            <a:off x="8748464" y="6550223"/>
+            <a:ext cx="395536" cy="307777"/>
           </a:xfrm>
           <a:prstGeom prst="rect">
             <a:avLst/>
@@ -5496,76 +5546,23 @@
           <a:lstStyle/>
           <a:p>
             <a:r>
-              <a:rPr lang="en-US" sz="1200" dirty="0" smtClean="0">
-                <a:solidFill>
-                  <a:schemeClr val="bg2"/>
-                </a:solidFill>
-              </a:rPr>
-              <a:t>* Godfrey et al, </a:t>
-            </a:r>
-            <a:br>
-              <a:rPr lang="en-US" sz="1200" dirty="0" smtClean="0">
-                <a:solidFill>
-                  <a:schemeClr val="bg2"/>
-                </a:solidFill>
-              </a:rPr>
-            </a:br>
-            <a:r>
-              <a:rPr lang="en-US" sz="1200" dirty="0" smtClean="0">
-                <a:solidFill>
-                  <a:schemeClr val="bg2"/>
-                </a:solidFill>
-              </a:rPr>
-              <a:t>“An </a:t>
-            </a:r>
-            <a:r>
-              <a:rPr lang="en-US" sz="1200" dirty="0">
-                <a:solidFill>
-                  <a:schemeClr val="bg2"/>
-                </a:solidFill>
-              </a:rPr>
-              <a:t>integrated approach for </a:t>
-            </a:r>
-            <a:r>
-              <a:rPr lang="en-US" sz="1200" dirty="0" smtClean="0">
-                <a:solidFill>
-                  <a:schemeClr val="bg2"/>
-                </a:solidFill>
-              </a:rPr>
-              <a:t>studying architectural evolution”</a:t>
-            </a:r>
-            <a:r>
-              <a:rPr lang="fr-FR" sz="1200" dirty="0" smtClean="0">
-                <a:solidFill>
-                  <a:schemeClr val="bg2"/>
-                </a:solidFill>
-              </a:rPr>
-              <a:t>, </a:t>
-            </a:r>
-            <a:r>
-              <a:rPr lang="fr-FR" sz="1200" dirty="0">
-                <a:solidFill>
-                  <a:schemeClr val="bg2"/>
-                </a:solidFill>
-              </a:rPr>
-              <a:t>2002</a:t>
-            </a:r>
-            <a:endParaRPr lang="fr-FR" sz="1200" dirty="0">
-              <a:solidFill>
-                <a:schemeClr val="bg2"/>
-              </a:solidFill>
-            </a:endParaRPr>
+              <a:rPr lang="fr-FR" dirty="0" smtClean="0"/>
+              <a:t>10</a:t>
+            </a:r>
+            <a:endParaRPr lang="fr-FR" dirty="0" smtClean="0"/>
           </a:p>
         </p:txBody>
       </p:sp>
     </p:spTree>
+    <p:extLst>
+      <p:ext uri="{BB962C8B-B14F-4D97-AF65-F5344CB8AC3E}">
+        <p14:creationId xmlns:p14="http://schemas.microsoft.com/office/powerpoint/2010/main" val="4011224614"/>
+      </p:ext>
+    </p:extLst>
   </p:cSld>
   <p:clrMapOvr>
     <a:masterClrMapping/>
   </p:clrMapOvr>
-  <p:transition spd="slow">
-    <p:cut/>
-  </p:transition>
   <p:timing>
     <p:tnLst>
       <p:par>
@@ -5581,7 +5578,7 @@
   <p:cSld>
     <p:spTree>
       <p:nvGrpSpPr>
-        <p:cNvPr id="1" name="Shape 71"/>
+        <p:cNvPr id="1" name="Shape 83"/>
         <p:cNvGrpSpPr/>
         <p:nvPr/>
       </p:nvGrpSpPr>
@@ -5595,7 +5592,7 @@
       </p:grpSpPr>
       <p:sp>
         <p:nvSpPr>
-          <p:cNvPr id="72" name="Shape 72"/>
+          <p:cNvPr id="84" name="Shape 84"/>
           <p:cNvSpPr txBox="1">
             <a:spLocks noGrp="1"/>
           </p:cNvSpPr>
@@ -5605,23 +5602,28 @@
         </p:nvSpPr>
         <p:spPr>
           <a:xfrm>
-            <a:off x="457200" y="205978"/>
-            <a:ext cx="8229600" cy="857400"/>
-          </a:xfrm>
-          <a:prstGeom prst="rect">
-            <a:avLst/>
-          </a:prstGeom>
-        </p:spPr>
-        <p:txBody>
-          <a:bodyPr lIns="91425" tIns="91425" rIns="91425" bIns="91425" anchor="b" anchorCtr="0">
+            <a:off x="457200" y="274637"/>
+            <a:ext cx="8229600" cy="1143200"/>
+          </a:xfrm>
+          <a:prstGeom prst="rect">
+            <a:avLst/>
+          </a:prstGeom>
+        </p:spPr>
+        <p:txBody>
+          <a:bodyPr lIns="91425" tIns="91425" rIns="91425" bIns="91425" anchor="ctr" anchorCtr="0">
             <a:noAutofit/>
           </a:bodyPr>
           <a:lstStyle/>
           <a:p>
-            <a:pPr lvl="0"/>
-            <a:r>
-              <a:rPr lang="fr" dirty="0"/>
-              <a:t>Contexte </a:t>
+            <a:pPr>
+              <a:spcBef>
+                <a:spcPts val="0"/>
+              </a:spcBef>
+              <a:buNone/>
+            </a:pPr>
+            <a:r>
+              <a:rPr lang="fr" dirty="0" smtClean="0"/>
+              <a:t>Méthodologie </a:t>
             </a:r>
             <a:r>
               <a:rPr lang="fr" sz="1400" dirty="0">
@@ -5629,26 +5631,27 @@
                   <a:schemeClr val="bg2"/>
                 </a:solidFill>
               </a:rPr>
-              <a:t>“Origin Analysis”</a:t>
+              <a:t>corpus</a:t>
             </a:r>
           </a:p>
         </p:txBody>
       </p:sp>
       <p:pic>
         <p:nvPicPr>
-          <p:cNvPr id="73" name="Shape 73"/>
+          <p:cNvPr id="85" name="Shape 85"/>
           <p:cNvPicPr preferRelativeResize="0"/>
           <p:nvPr/>
         </p:nvPicPr>
-        <p:blipFill rotWithShape="1">
+        <p:blipFill>
           <a:blip r:embed="rId3"/>
-          <a:srcRect b="32849"/>
-          <a:stretch/>
+          <a:stretch>
+            <a:fillRect/>
+          </a:stretch>
         </p:blipFill>
         <p:spPr>
           <a:xfrm>
-            <a:off x="1143000" y="1327225"/>
-            <a:ext cx="6858000" cy="3453800"/>
+            <a:off x="107504" y="2492896"/>
+            <a:ext cx="9001000" cy="2160240"/>
           </a:xfrm>
           <a:prstGeom prst="rect">
             <a:avLst/>
@@ -5659,6 +5662,66 @@
           </a:ln>
         </p:spPr>
       </p:pic>
+      <p:sp>
+        <p:nvSpPr>
+          <p:cNvPr id="2" name="TextBox 1"/>
+          <p:cNvSpPr txBox="1"/>
+          <p:nvPr/>
+        </p:nvSpPr>
+        <p:spPr>
+          <a:xfrm>
+            <a:off x="179512" y="2166150"/>
+            <a:ext cx="3744416" cy="369332"/>
+          </a:xfrm>
+          <a:prstGeom prst="rect">
+            <a:avLst/>
+          </a:prstGeom>
+          <a:noFill/>
+        </p:spPr>
+        <p:txBody>
+          <a:bodyPr wrap="square" rtlCol="0">
+            <a:spAutoFit/>
+          </a:bodyPr>
+          <a:lstStyle/>
+          <a:p>
+            <a:r>
+              <a:rPr lang="fr-FR" sz="1800" dirty="0" smtClean="0"/>
+              <a:t>5 projets open-source :</a:t>
+            </a:r>
+            <a:endParaRPr lang="fr-FR" sz="1800" dirty="0"/>
+          </a:p>
+        </p:txBody>
+      </p:sp>
+      <p:sp>
+        <p:nvSpPr>
+          <p:cNvPr id="5" name="TextBox 4"/>
+          <p:cNvSpPr txBox="1"/>
+          <p:nvPr/>
+        </p:nvSpPr>
+        <p:spPr>
+          <a:xfrm>
+            <a:off x="8748464" y="6550223"/>
+            <a:ext cx="395536" cy="307777"/>
+          </a:xfrm>
+          <a:prstGeom prst="rect">
+            <a:avLst/>
+          </a:prstGeom>
+          <a:noFill/>
+        </p:spPr>
+        <p:txBody>
+          <a:bodyPr wrap="square" rtlCol="0">
+            <a:spAutoFit/>
+          </a:bodyPr>
+          <a:lstStyle/>
+          <a:p>
+            <a:r>
+              <a:rPr lang="fr-FR" dirty="0" smtClean="0"/>
+              <a:t>11</a:t>
+            </a:r>
+            <a:endParaRPr lang="fr-FR" dirty="0" smtClean="0"/>
+          </a:p>
+        </p:txBody>
+      </p:sp>
     </p:spTree>
   </p:cSld>
   <p:clrMapOvr>
@@ -5682,7 +5745,7 @@
   <p:cSld>
     <p:spTree>
       <p:nvGrpSpPr>
-        <p:cNvPr id="1" name="Shape 77"/>
+        <p:cNvPr id="1" name="Shape 89"/>
         <p:cNvGrpSpPr/>
         <p:nvPr/>
       </p:nvGrpSpPr>
@@ -5696,7 +5759,7 @@
       </p:grpSpPr>
       <p:sp>
         <p:nvSpPr>
-          <p:cNvPr id="78" name="Shape 78"/>
+          <p:cNvPr id="90" name="Shape 90"/>
           <p:cNvSpPr txBox="1">
             <a:spLocks noGrp="1"/>
           </p:cNvSpPr>
@@ -5706,22 +5769,28 @@
         </p:nvSpPr>
         <p:spPr>
           <a:xfrm>
-            <a:off x="457200" y="205978"/>
-            <a:ext cx="8229600" cy="857400"/>
-          </a:xfrm>
-          <a:prstGeom prst="rect">
-            <a:avLst/>
-          </a:prstGeom>
-        </p:spPr>
-        <p:txBody>
-          <a:bodyPr lIns="91425" tIns="91425" rIns="91425" bIns="91425" anchor="b" anchorCtr="0">
+            <a:off x="457200" y="274637"/>
+            <a:ext cx="8229600" cy="1143200"/>
+          </a:xfrm>
+          <a:prstGeom prst="rect">
+            <a:avLst/>
+          </a:prstGeom>
+        </p:spPr>
+        <p:txBody>
+          <a:bodyPr lIns="91425" tIns="91425" rIns="91425" bIns="91425" anchor="ctr" anchorCtr="0">
             <a:noAutofit/>
           </a:bodyPr>
           <a:lstStyle/>
           <a:p>
-            <a:r>
-              <a:rPr lang="fr" dirty="0"/>
-              <a:t>Contexte </a:t>
+            <a:pPr lvl="0" rtl="0">
+              <a:spcBef>
+                <a:spcPts val="0"/>
+              </a:spcBef>
+              <a:buNone/>
+            </a:pPr>
+            <a:r>
+              <a:rPr lang="fr" dirty="0" smtClean="0"/>
+              <a:t>Méthodologie </a:t>
             </a:r>
             <a:r>
               <a:rPr lang="fr" sz="1400" dirty="0">
@@ -5729,36 +5798,137 @@
                   <a:schemeClr val="bg2"/>
                 </a:solidFill>
               </a:rPr>
-              <a:t>“Origin Analysis”</a:t>
-            </a:r>
+              <a:t>première expérience</a:t>
+            </a:r>
+          </a:p>
+        </p:txBody>
+      </p:sp>
+      <p:sp>
+        <p:nvSpPr>
+          <p:cNvPr id="92" name="Shape 92"/>
+          <p:cNvSpPr txBox="1"/>
+          <p:nvPr/>
+        </p:nvSpPr>
+        <p:spPr>
+          <a:xfrm>
+            <a:off x="5919200" y="2256433"/>
+            <a:ext cx="2873100" cy="3507200"/>
+          </a:xfrm>
+          <a:prstGeom prst="rect">
+            <a:avLst/>
+          </a:prstGeom>
+        </p:spPr>
+        <p:txBody>
+          <a:bodyPr lIns="91425" tIns="91425" rIns="91425" bIns="91425" anchor="t" anchorCtr="0">
+            <a:noAutofit/>
+          </a:bodyPr>
+          <a:lstStyle/>
+          <a:p>
+            <a:pPr marL="457200" lvl="0" indent="-381000" rtl="0">
+              <a:spcBef>
+                <a:spcPts val="0"/>
+              </a:spcBef>
+              <a:buClr>
+                <a:srgbClr val="000000"/>
+              </a:buClr>
+              <a:buSzPct val="100000"/>
+              <a:buFont typeface="Arial"/>
+              <a:buChar char="●"/>
+            </a:pPr>
+            <a:r>
+              <a:rPr lang="fr" sz="2400" dirty="0"/>
+              <a:t>Quantité de renommage</a:t>
+            </a:r>
+          </a:p>
+          <a:p>
+            <a:pPr lvl="0" rtl="0">
+              <a:spcBef>
+                <a:spcPts val="0"/>
+              </a:spcBef>
+              <a:buNone/>
+            </a:pPr>
+            <a:endParaRPr lang="fr" sz="2400" dirty="0"/>
+          </a:p>
+          <a:p>
+            <a:pPr marL="457200" lvl="0" indent="-381000">
+              <a:spcBef>
+                <a:spcPts val="0"/>
+              </a:spcBef>
+              <a:buClr>
+                <a:srgbClr val="000000"/>
+              </a:buClr>
+              <a:buSzPct val="100000"/>
+              <a:buFont typeface="Arial"/>
+              <a:buChar char="●"/>
+            </a:pPr>
+            <a:r>
+              <a:rPr lang="fr" sz="2400" dirty="0" smtClean="0"/>
+              <a:t>Localisation</a:t>
+            </a:r>
+            <a:endParaRPr lang="fr" sz="2400" dirty="0"/>
           </a:p>
         </p:txBody>
       </p:sp>
       <p:pic>
         <p:nvPicPr>
-          <p:cNvPr id="79" name="Shape 79"/>
-          <p:cNvPicPr preferRelativeResize="0"/>
+          <p:cNvPr id="2" name="Picture 1"/>
+          <p:cNvPicPr>
+            <a:picLocks noChangeAspect="1"/>
+          </p:cNvPicPr>
           <p:nvPr/>
         </p:nvPicPr>
-        <p:blipFill rotWithShape="1">
-          <a:blip r:embed="rId3"/>
-          <a:srcRect b="30872"/>
-          <a:stretch/>
+        <p:blipFill>
+          <a:blip r:embed="rId3">
+            <a:extLst>
+              <a:ext uri="{28A0092B-C50C-407E-A947-70E740481C1C}">
+                <a14:useLocalDpi xmlns:a14="http://schemas.microsoft.com/office/drawing/2010/main" val="0"/>
+              </a:ext>
+            </a:extLst>
+          </a:blip>
+          <a:stretch>
+            <a:fillRect/>
+          </a:stretch>
         </p:blipFill>
         <p:spPr>
           <a:xfrm>
-            <a:off x="1143000" y="1274025"/>
-            <a:ext cx="6858000" cy="3555550"/>
+            <a:off x="1331640" y="1418400"/>
+            <a:ext cx="6279642" cy="5209604"/>
+          </a:xfrm>
+          <a:prstGeom prst="rect">
+            <a:avLst/>
+          </a:prstGeom>
+        </p:spPr>
+      </p:pic>
+      <p:sp>
+        <p:nvSpPr>
+          <p:cNvPr id="5" name="TextBox 4"/>
+          <p:cNvSpPr txBox="1"/>
+          <p:nvPr/>
+        </p:nvSpPr>
+        <p:spPr>
+          <a:xfrm>
+            <a:off x="8748464" y="6550223"/>
+            <a:ext cx="395536" cy="307777"/>
           </a:xfrm>
           <a:prstGeom prst="rect">
             <a:avLst/>
           </a:prstGeom>
           <a:noFill/>
-          <a:ln>
-            <a:noFill/>
-          </a:ln>
-        </p:spPr>
-      </p:pic>
+        </p:spPr>
+        <p:txBody>
+          <a:bodyPr wrap="square" rtlCol="0">
+            <a:spAutoFit/>
+          </a:bodyPr>
+          <a:lstStyle/>
+          <a:p>
+            <a:r>
+              <a:rPr lang="fr-FR" dirty="0" smtClean="0"/>
+              <a:t>12</a:t>
+            </a:r>
+            <a:endParaRPr lang="fr-FR" dirty="0" smtClean="0"/>
+          </a:p>
+        </p:txBody>
+      </p:sp>
     </p:spTree>
   </p:cSld>
   <p:clrMapOvr>
@@ -5782,7 +5952,7 @@
   <p:cSld>
     <p:spTree>
       <p:nvGrpSpPr>
-        <p:cNvPr id="1" name=""/>
+        <p:cNvPr id="1" name="Shape 89"/>
         <p:cNvGrpSpPr/>
         <p:nvPr/>
       </p:nvGrpSpPr>
@@ -5796,82 +5966,196 @@
       </p:grpSpPr>
       <p:sp>
         <p:nvSpPr>
-          <p:cNvPr id="2" name="Title 1"/>
-          <p:cNvSpPr>
+          <p:cNvPr id="90" name="Shape 90"/>
+          <p:cNvSpPr txBox="1">
             <a:spLocks noGrp="1"/>
           </p:cNvSpPr>
           <p:nvPr>
             <p:ph type="title"/>
           </p:nvPr>
         </p:nvSpPr>
-        <p:spPr/>
-        <p:txBody>
-          <a:bodyPr/>
+        <p:spPr>
+          <a:xfrm>
+            <a:off x="457200" y="274637"/>
+            <a:ext cx="8229600" cy="1143200"/>
+          </a:xfrm>
+          <a:prstGeom prst="rect">
+            <a:avLst/>
+          </a:prstGeom>
+        </p:spPr>
+        <p:txBody>
+          <a:bodyPr lIns="91425" tIns="91425" rIns="91425" bIns="91425" anchor="ctr" anchorCtr="0">
+            <a:noAutofit/>
+          </a:bodyPr>
           <a:lstStyle/>
           <a:p>
-            <a:r>
-              <a:rPr lang="fr-FR" dirty="0" err="1" smtClean="0"/>
-              <a:t>Research</a:t>
-            </a:r>
+            <a:pPr lvl="0" rtl="0">
+              <a:spcBef>
+                <a:spcPts val="0"/>
+              </a:spcBef>
+              <a:buNone/>
+            </a:pPr>
+            <a:r>
+              <a:rPr lang="fr" dirty="0" smtClean="0"/>
+              <a:t>Méthodologie </a:t>
+            </a:r>
+            <a:r>
+              <a:rPr lang="fr" sz="1400" dirty="0">
+                <a:solidFill>
+                  <a:schemeClr val="bg2"/>
+                </a:solidFill>
+              </a:rPr>
+              <a:t>première expérience</a:t>
+            </a:r>
+          </a:p>
+        </p:txBody>
+      </p:sp>
+      <p:sp>
+        <p:nvSpPr>
+          <p:cNvPr id="92" name="Shape 92"/>
+          <p:cNvSpPr txBox="1"/>
+          <p:nvPr/>
+        </p:nvSpPr>
+        <p:spPr>
+          <a:xfrm>
+            <a:off x="5919200" y="2256433"/>
+            <a:ext cx="2873100" cy="3507200"/>
+          </a:xfrm>
+          <a:prstGeom prst="rect">
+            <a:avLst/>
+          </a:prstGeom>
+        </p:spPr>
+        <p:txBody>
+          <a:bodyPr lIns="91425" tIns="91425" rIns="91425" bIns="91425" anchor="t" anchorCtr="0">
+            <a:noAutofit/>
+          </a:bodyPr>
+          <a:lstStyle/>
+          <a:p>
+            <a:pPr marL="457200" lvl="0" indent="-381000" rtl="0">
+              <a:spcBef>
+                <a:spcPts val="0"/>
+              </a:spcBef>
+              <a:buClr>
+                <a:srgbClr val="000000"/>
+              </a:buClr>
+              <a:buSzPct val="100000"/>
+              <a:buFont typeface="Arial"/>
+              <a:buChar char="●"/>
+            </a:pPr>
+            <a:r>
+              <a:rPr lang="fr" sz="2400" dirty="0"/>
+              <a:t>Quantité de renommage</a:t>
+            </a:r>
+          </a:p>
+          <a:p>
+            <a:pPr lvl="0" rtl="0">
+              <a:spcBef>
+                <a:spcPts val="0"/>
+              </a:spcBef>
+              <a:buNone/>
+            </a:pPr>
+            <a:endParaRPr lang="fr" sz="2400" dirty="0"/>
+          </a:p>
+          <a:p>
+            <a:pPr marL="457200" lvl="0" indent="-381000">
+              <a:spcBef>
+                <a:spcPts val="0"/>
+              </a:spcBef>
+              <a:buClr>
+                <a:srgbClr val="000000"/>
+              </a:buClr>
+              <a:buSzPct val="100000"/>
+              <a:buFont typeface="Arial"/>
+              <a:buChar char="●"/>
+            </a:pPr>
+            <a:r>
+              <a:rPr lang="fr" sz="2400" dirty="0" smtClean="0"/>
+              <a:t>Localisation</a:t>
+            </a:r>
+            <a:endParaRPr lang="fr" sz="2400" dirty="0"/>
+          </a:p>
+        </p:txBody>
+      </p:sp>
+      <p:pic>
+        <p:nvPicPr>
+          <p:cNvPr id="3" name="Picture 2"/>
+          <p:cNvPicPr>
+            <a:picLocks noChangeAspect="1"/>
+          </p:cNvPicPr>
+          <p:nvPr/>
+        </p:nvPicPr>
+        <p:blipFill>
+          <a:blip r:embed="rId3">
+            <a:extLst>
+              <a:ext uri="{28A0092B-C50C-407E-A947-70E740481C1C}">
+                <a14:useLocalDpi xmlns:a14="http://schemas.microsoft.com/office/drawing/2010/main" val="0"/>
+              </a:ext>
+            </a:extLst>
+          </a:blip>
+          <a:stretch>
+            <a:fillRect/>
+          </a:stretch>
+        </p:blipFill>
+        <p:spPr>
+          <a:xfrm>
+            <a:off x="1331639" y="1417743"/>
+            <a:ext cx="6249473" cy="5184575"/>
+          </a:xfrm>
+          <a:prstGeom prst="rect">
+            <a:avLst/>
+          </a:prstGeom>
+        </p:spPr>
+      </p:pic>
+      <p:sp>
+        <p:nvSpPr>
+          <p:cNvPr id="5" name="TextBox 4"/>
+          <p:cNvSpPr txBox="1"/>
+          <p:nvPr/>
+        </p:nvSpPr>
+        <p:spPr>
+          <a:xfrm>
+            <a:off x="8748464" y="6550223"/>
+            <a:ext cx="395536" cy="307777"/>
+          </a:xfrm>
+          <a:prstGeom prst="rect">
+            <a:avLst/>
+          </a:prstGeom>
+          <a:noFill/>
+        </p:spPr>
+        <p:txBody>
+          <a:bodyPr wrap="square" rtlCol="0">
+            <a:spAutoFit/>
+          </a:bodyPr>
+          <a:lstStyle/>
+          <a:p>
             <a:r>
               <a:rPr lang="fr-FR" dirty="0" smtClean="0"/>
-              <a:t> Question</a:t>
-            </a:r>
-            <a:endParaRPr lang="fr-FR" dirty="0"/>
-          </a:p>
-        </p:txBody>
-      </p:sp>
-      <p:sp>
-        <p:nvSpPr>
-          <p:cNvPr id="3" name="Text Placeholder 2"/>
-          <p:cNvSpPr>
-            <a:spLocks noGrp="1"/>
-          </p:cNvSpPr>
-          <p:nvPr>
-            <p:ph type="body" idx="1"/>
-          </p:nvPr>
-        </p:nvSpPr>
-        <p:spPr/>
-        <p:txBody>
-          <a:bodyPr/>
-          <a:lstStyle/>
-          <a:p>
-            <a:pPr marL="457200" indent="-457200">
-              <a:buFont typeface="Arial" panose="020B0604020202020204" pitchFamily="34" charset="0"/>
-              <a:buChar char="•"/>
-            </a:pPr>
-            <a:r>
-              <a:rPr lang="fr-FR" dirty="0" smtClean="0"/>
-              <a:t>La quantité de renommage dans les projets.</a:t>
-            </a:r>
-            <a:br>
-              <a:rPr lang="fr-FR" dirty="0" smtClean="0"/>
-            </a:br>
+              <a:t>13</a:t>
+            </a:r>
             <a:endParaRPr lang="fr-FR" dirty="0" smtClean="0"/>
-          </a:p>
-          <a:p>
-            <a:pPr marL="457200" indent="-457200">
-              <a:buFont typeface="Arial" panose="020B0604020202020204" pitchFamily="34" charset="0"/>
-              <a:buChar char="•"/>
-            </a:pPr>
-            <a:r>
-              <a:rPr lang="fr-FR" dirty="0" smtClean="0"/>
-              <a:t>Son impact sur les métriques.</a:t>
-            </a:r>
-            <a:endParaRPr lang="fr-FR" dirty="0"/>
           </a:p>
         </p:txBody>
       </p:sp>
     </p:spTree>
     <p:extLst>
       <p:ext uri="{BB962C8B-B14F-4D97-AF65-F5344CB8AC3E}">
-        <p14:creationId xmlns:p14="http://schemas.microsoft.com/office/powerpoint/2010/main" val="4011224614"/>
+        <p14:creationId xmlns:p14="http://schemas.microsoft.com/office/powerpoint/2010/main" val="2664458190"/>
       </p:ext>
     </p:extLst>
   </p:cSld>
   <p:clrMapOvr>
     <a:masterClrMapping/>
   </p:clrMapOvr>
+  <p:transition spd="slow">
+    <p:cut/>
+  </p:transition>
+  <p:timing>
+    <p:tnLst>
+      <p:par>
+        <p:cTn id="1" dur="indefinite" restart="never" nodeType="tmRoot"/>
+      </p:par>
+    </p:tnLst>
+  </p:timing>
 </p:sld>
 </file>
 
@@ -5880,7 +6164,7 @@
   <p:cSld>
     <p:spTree>
       <p:nvGrpSpPr>
-        <p:cNvPr id="1" name="Shape 83"/>
+        <p:cNvPr id="1" name="Shape 96"/>
         <p:cNvGrpSpPr/>
         <p:nvPr/>
       </p:nvGrpSpPr>
@@ -5894,7 +6178,7 @@
       </p:grpSpPr>
       <p:sp>
         <p:nvSpPr>
-          <p:cNvPr id="84" name="Shape 84"/>
+          <p:cNvPr id="97" name="Shape 97"/>
           <p:cNvSpPr txBox="1">
             <a:spLocks noGrp="1"/>
           </p:cNvSpPr>
@@ -5904,8 +6188,8 @@
         </p:nvSpPr>
         <p:spPr>
           <a:xfrm>
-            <a:off x="457200" y="205978"/>
-            <a:ext cx="8229600" cy="857400"/>
+            <a:off x="457200" y="274637"/>
+            <a:ext cx="8229600" cy="1143200"/>
           </a:xfrm>
           <a:prstGeom prst="rect">
             <a:avLst/>
@@ -5917,12 +6201,6 @@
           </a:bodyPr>
           <a:lstStyle/>
           <a:p>
-            <a:pPr>
-              <a:spcBef>
-                <a:spcPts val="0"/>
-              </a:spcBef>
-              <a:buNone/>
-            </a:pPr>
             <a:r>
               <a:rPr lang="fr" dirty="0" smtClean="0"/>
               <a:t>Méthodologie </a:t>
@@ -5933,47 +6211,180 @@
                   <a:schemeClr val="bg2"/>
                 </a:solidFill>
               </a:rPr>
-              <a:t>corpus</a:t>
-            </a:r>
-          </a:p>
-        </p:txBody>
-      </p:sp>
-      <p:pic>
-        <p:nvPicPr>
-          <p:cNvPr id="85" name="Shape 85"/>
-          <p:cNvPicPr preferRelativeResize="0"/>
-          <p:nvPr/>
-        </p:nvPicPr>
-        <p:blipFill>
-          <a:blip r:embed="rId3"/>
-          <a:stretch>
-            <a:fillRect/>
-          </a:stretch>
-        </p:blipFill>
-        <p:spPr>
-          <a:xfrm>
-            <a:off x="395536" y="1635646"/>
-            <a:ext cx="8280920" cy="2052003"/>
-          </a:xfrm>
-          <a:prstGeom prst="rect">
-            <a:avLst/>
-          </a:prstGeom>
-          <a:noFill/>
-          <a:ln>
-            <a:noFill/>
-          </a:ln>
-        </p:spPr>
-      </p:pic>
-      <p:sp>
-        <p:nvSpPr>
-          <p:cNvPr id="2" name="TextBox 1"/>
+              <a:t>première expérience</a:t>
+            </a:r>
+          </a:p>
+        </p:txBody>
+      </p:sp>
+      <p:sp>
+        <p:nvSpPr>
+          <p:cNvPr id="98" name="Shape 98"/>
           <p:cNvSpPr txBox="1"/>
           <p:nvPr/>
         </p:nvSpPr>
         <p:spPr>
           <a:xfrm>
-            <a:off x="611560" y="1347614"/>
-            <a:ext cx="3744416" cy="369332"/>
+            <a:off x="638552" y="1796819"/>
+            <a:ext cx="7859999" cy="4843200"/>
+          </a:xfrm>
+          <a:prstGeom prst="rect">
+            <a:avLst/>
+          </a:prstGeom>
+        </p:spPr>
+        <p:txBody>
+          <a:bodyPr lIns="91425" tIns="91425" rIns="91425" bIns="91425" anchor="t" anchorCtr="0">
+            <a:noAutofit/>
+          </a:bodyPr>
+          <a:lstStyle/>
+          <a:p>
+            <a:pPr marL="76200" lvl="0" rtl="0">
+              <a:spcBef>
+                <a:spcPts val="0"/>
+              </a:spcBef>
+              <a:buClr>
+                <a:srgbClr val="000000"/>
+              </a:buClr>
+              <a:buSzPct val="100000"/>
+            </a:pPr>
+            <a:endParaRPr lang="fr" sz="2400" dirty="0"/>
+          </a:p>
+        </p:txBody>
+      </p:sp>
+      <p:sp>
+        <p:nvSpPr>
+          <p:cNvPr id="5" name="Shape 116"/>
+          <p:cNvSpPr txBox="1"/>
+          <p:nvPr/>
+        </p:nvSpPr>
+        <p:spPr>
+          <a:xfrm>
+            <a:off x="630311" y="1700808"/>
+            <a:ext cx="7859999" cy="4843200"/>
+          </a:xfrm>
+          <a:prstGeom prst="rect">
+            <a:avLst/>
+          </a:prstGeom>
+        </p:spPr>
+        <p:txBody>
+          <a:bodyPr lIns="91425" tIns="91425" rIns="91425" bIns="91425" anchor="t" anchorCtr="0">
+            <a:noAutofit/>
+          </a:bodyPr>
+          <a:lstStyle/>
+          <a:p>
+            <a:pPr marL="457200" lvl="0" indent="-381000" rtl="0">
+              <a:spcBef>
+                <a:spcPts val="0"/>
+              </a:spcBef>
+              <a:buClr>
+                <a:srgbClr val="000000"/>
+              </a:buClr>
+              <a:buSzPct val="100000"/>
+              <a:buFont typeface="Arial"/>
+              <a:buAutoNum type="arabicPeriod"/>
+            </a:pPr>
+            <a:r>
+              <a:rPr lang="fr" sz="1800" dirty="0">
+                <a:solidFill>
+                  <a:schemeClr val="tx1"/>
+                </a:solidFill>
+              </a:rPr>
+              <a:t>Lister les fichiers existant à la fin de la période</a:t>
+            </a:r>
+            <a:r>
+              <a:rPr lang="fr" sz="1800" dirty="0" smtClean="0">
+                <a:solidFill>
+                  <a:schemeClr val="tx1"/>
+                </a:solidFill>
+              </a:rPr>
+              <a:t>.</a:t>
+            </a:r>
+            <a:br>
+              <a:rPr lang="fr" sz="1800" dirty="0" smtClean="0">
+                <a:solidFill>
+                  <a:schemeClr val="tx1"/>
+                </a:solidFill>
+              </a:rPr>
+            </a:br>
+            <a:endParaRPr lang="fr" sz="1800" dirty="0">
+              <a:solidFill>
+                <a:schemeClr val="tx1"/>
+              </a:solidFill>
+            </a:endParaRPr>
+          </a:p>
+          <a:p>
+            <a:pPr marL="457200" lvl="0" indent="-381000" rtl="0">
+              <a:spcBef>
+                <a:spcPts val="0"/>
+              </a:spcBef>
+              <a:buClr>
+                <a:srgbClr val="000000"/>
+              </a:buClr>
+              <a:buSzPct val="100000"/>
+              <a:buFont typeface="Arial"/>
+              <a:buAutoNum type="arabicPeriod"/>
+            </a:pPr>
+            <a:r>
+              <a:rPr lang="fr" sz="1800" dirty="0">
+                <a:solidFill>
+                  <a:schemeClr val="tx2"/>
+                </a:solidFill>
+              </a:rPr>
+              <a:t>Pour chacun de ces fichiers, extraire sa séquence de modifications durant la période en activant la détection de renommage (commande git log -M</a:t>
+            </a:r>
+            <a:r>
+              <a:rPr lang="fr" sz="1800" dirty="0" smtClean="0">
+                <a:solidFill>
+                  <a:schemeClr val="tx2"/>
+                </a:solidFill>
+              </a:rPr>
+              <a:t>).</a:t>
+            </a:r>
+            <a:r>
+              <a:rPr lang="fr" sz="1800" dirty="0" smtClean="0"/>
+              <a:t/>
+            </a:r>
+            <a:br>
+              <a:rPr lang="fr" sz="1800" dirty="0" smtClean="0"/>
+            </a:br>
+            <a:endParaRPr lang="fr" sz="1800" dirty="0">
+              <a:solidFill>
+                <a:schemeClr val="tx2"/>
+              </a:solidFill>
+            </a:endParaRPr>
+          </a:p>
+          <a:p>
+            <a:pPr marL="457200" lvl="0" indent="-381000" rtl="0">
+              <a:spcBef>
+                <a:spcPts val="0"/>
+              </a:spcBef>
+              <a:buClr>
+                <a:srgbClr val="000000"/>
+              </a:buClr>
+              <a:buSzPct val="100000"/>
+              <a:buFont typeface="Arial"/>
+              <a:buAutoNum type="arabicPeriod"/>
+            </a:pPr>
+            <a:r>
+              <a:rPr lang="fr" sz="1800" dirty="0">
+                <a:solidFill>
+                  <a:schemeClr val="tx2"/>
+                </a:solidFill>
+              </a:rPr>
+              <a:t>Calculer le pourcentage de fichiers %FR qui inclue au moins un renommage.</a:t>
+            </a:r>
+          </a:p>
+        </p:txBody>
+      </p:sp>
+      <p:sp>
+        <p:nvSpPr>
+          <p:cNvPr id="6" name="TextBox 5"/>
+          <p:cNvSpPr txBox="1"/>
+          <p:nvPr/>
+        </p:nvSpPr>
+        <p:spPr>
+          <a:xfrm>
+            <a:off x="8748464" y="6550223"/>
+            <a:ext cx="395536" cy="307777"/>
           </a:xfrm>
           <a:prstGeom prst="rect">
             <a:avLst/>
@@ -5987,10 +6398,10 @@
           <a:lstStyle/>
           <a:p>
             <a:r>
-              <a:rPr lang="fr-FR" sz="1800" dirty="0" smtClean="0"/>
-              <a:t>5 projets open-source :</a:t>
-            </a:r>
-            <a:endParaRPr lang="fr-FR" sz="1800" dirty="0"/>
+              <a:rPr lang="fr-FR" dirty="0" smtClean="0"/>
+              <a:t>14</a:t>
+            </a:r>
+            <a:endParaRPr lang="fr-FR" dirty="0" smtClean="0"/>
           </a:p>
         </p:txBody>
       </p:sp>
@@ -6017,7 +6428,7 @@
   <p:cSld>
     <p:spTree>
       <p:nvGrpSpPr>
-        <p:cNvPr id="1" name="Shape 89"/>
+        <p:cNvPr id="1" name="Shape 102"/>
         <p:cNvGrpSpPr/>
         <p:nvPr/>
       </p:nvGrpSpPr>
@@ -6031,7 +6442,7 @@
       </p:grpSpPr>
       <p:sp>
         <p:nvSpPr>
-          <p:cNvPr id="90" name="Shape 90"/>
+          <p:cNvPr id="103" name="Shape 103"/>
           <p:cNvSpPr txBox="1">
             <a:spLocks noGrp="1"/>
           </p:cNvSpPr>
@@ -6041,8 +6452,8 @@
         </p:nvSpPr>
         <p:spPr>
           <a:xfrm>
-            <a:off x="457200" y="205978"/>
-            <a:ext cx="8229600" cy="857400"/>
+            <a:off x="457200" y="274637"/>
+            <a:ext cx="8229600" cy="1143200"/>
           </a:xfrm>
           <a:prstGeom prst="rect">
             <a:avLst/>
@@ -6054,12 +6465,7 @@
           </a:bodyPr>
           <a:lstStyle/>
           <a:p>
-            <a:pPr lvl="0" rtl="0">
-              <a:spcBef>
-                <a:spcPts val="0"/>
-              </a:spcBef>
-              <a:buNone/>
-            </a:pPr>
+            <a:pPr lvl="0"/>
             <a:r>
               <a:rPr lang="fr" dirty="0" smtClean="0"/>
               <a:t>Méthodologie </a:t>
@@ -6075,16 +6481,110 @@
           </a:p>
         </p:txBody>
       </p:sp>
-      <p:sp>
-        <p:nvSpPr>
-          <p:cNvPr id="92" name="Shape 92"/>
+      <p:pic>
+        <p:nvPicPr>
+          <p:cNvPr id="4" name="Shape 110"/>
+          <p:cNvPicPr preferRelativeResize="0"/>
+          <p:nvPr/>
+        </p:nvPicPr>
+        <p:blipFill>
+          <a:blip r:embed="rId3"/>
+          <a:stretch>
+            <a:fillRect/>
+          </a:stretch>
+        </p:blipFill>
+        <p:spPr>
+          <a:xfrm>
+            <a:off x="1354131" y="4122408"/>
+            <a:ext cx="6733639" cy="2643339"/>
+          </a:xfrm>
+          <a:prstGeom prst="rect">
+            <a:avLst/>
+          </a:prstGeom>
+          <a:noFill/>
+          <a:ln>
+            <a:noFill/>
+          </a:ln>
+        </p:spPr>
+      </p:pic>
+      <p:sp>
+        <p:nvSpPr>
+          <p:cNvPr id="6" name="Shape 98"/>
           <p:cNvSpPr txBox="1"/>
           <p:nvPr/>
         </p:nvSpPr>
         <p:spPr>
           <a:xfrm>
-            <a:off x="5919200" y="1692325"/>
-            <a:ext cx="2873100" cy="2630400"/>
+            <a:off x="638552" y="1796819"/>
+            <a:ext cx="7859999" cy="4843200"/>
+          </a:xfrm>
+          <a:prstGeom prst="rect">
+            <a:avLst/>
+          </a:prstGeom>
+        </p:spPr>
+        <p:txBody>
+          <a:bodyPr lIns="91425" tIns="91425" rIns="91425" bIns="91425" anchor="t" anchorCtr="0">
+            <a:noAutofit/>
+          </a:bodyPr>
+          <a:lstStyle/>
+          <a:p>
+            <a:pPr marL="76200" lvl="0" rtl="0">
+              <a:spcBef>
+                <a:spcPts val="0"/>
+              </a:spcBef>
+              <a:buClr>
+                <a:srgbClr val="000000"/>
+              </a:buClr>
+              <a:buSzPct val="100000"/>
+            </a:pPr>
+            <a:endParaRPr lang="fr" sz="2400" dirty="0"/>
+          </a:p>
+        </p:txBody>
+      </p:sp>
+      <p:sp>
+        <p:nvSpPr>
+          <p:cNvPr id="7" name="Shape 98"/>
+          <p:cNvSpPr txBox="1"/>
+          <p:nvPr/>
+        </p:nvSpPr>
+        <p:spPr>
+          <a:xfrm>
+            <a:off x="790952" y="1949219"/>
+            <a:ext cx="7859999" cy="4843200"/>
+          </a:xfrm>
+          <a:prstGeom prst="rect">
+            <a:avLst/>
+          </a:prstGeom>
+        </p:spPr>
+        <p:txBody>
+          <a:bodyPr lIns="91425" tIns="91425" rIns="91425" bIns="91425" anchor="t" anchorCtr="0">
+            <a:noAutofit/>
+          </a:bodyPr>
+          <a:lstStyle/>
+          <a:p>
+            <a:pPr marL="76200" lvl="0" rtl="0">
+              <a:spcBef>
+                <a:spcPts val="0"/>
+              </a:spcBef>
+              <a:buClr>
+                <a:srgbClr val="000000"/>
+              </a:buClr>
+              <a:buSzPct val="100000"/>
+            </a:pPr>
+            <a:endParaRPr lang="fr" sz="2400" dirty="0"/>
+          </a:p>
+        </p:txBody>
+      </p:sp>
+      <p:sp>
+        <p:nvSpPr>
+          <p:cNvPr id="8" name="Shape 116"/>
+          <p:cNvSpPr txBox="1"/>
+          <p:nvPr/>
+        </p:nvSpPr>
+        <p:spPr>
+          <a:xfrm>
+            <a:off x="630311" y="1700808"/>
+            <a:ext cx="7859999" cy="4843200"/>
           </a:xfrm>
           <a:prstGeom prst="rect">
             <a:avLst/>
@@ -6105,24 +6605,51 @@
               </a:buClr>
               <a:buSzPct val="100000"/>
               <a:buFont typeface="Arial"/>
-              <a:buChar char="●"/>
+              <a:buAutoNum type="arabicPeriod"/>
             </a:pPr>
             <a:r>
-              <a:rPr lang="fr" sz="2400"/>
-              <a:t>Quantité de renommage</a:t>
-            </a:r>
-          </a:p>
-          <a:p>
-            <a:pPr lvl="0" rtl="0">
-              <a:spcBef>
-                <a:spcPts val="0"/>
-              </a:spcBef>
-              <a:buNone/>
-            </a:pPr>
-            <a:endParaRPr lang="fr" sz="2400"/>
-          </a:p>
-          <a:p>
-            <a:pPr marL="457200" lvl="0" indent="-381000">
+              <a:rPr lang="fr" sz="1800" dirty="0">
+                <a:solidFill>
+                  <a:schemeClr val="bg1">
+                    <a:lumMod val="85000"/>
+                  </a:schemeClr>
+                </a:solidFill>
+              </a:rPr>
+              <a:t>Lister les fichiers existant à la fin de la période</a:t>
+            </a:r>
+            <a:r>
+              <a:rPr lang="fr" sz="1800" dirty="0" smtClean="0">
+                <a:solidFill>
+                  <a:schemeClr val="bg1">
+                    <a:lumMod val="85000"/>
+                  </a:schemeClr>
+                </a:solidFill>
+              </a:rPr>
+              <a:t>.</a:t>
+            </a:r>
+            <a:r>
+              <a:rPr lang="fr" sz="1800" dirty="0" smtClean="0">
+                <a:solidFill>
+                  <a:schemeClr val="tx1"/>
+                </a:solidFill>
+              </a:rPr>
+              <a:t/>
+            </a:r>
+            <a:br>
+              <a:rPr lang="fr" sz="1800" dirty="0" smtClean="0">
+                <a:solidFill>
+                  <a:schemeClr val="tx1"/>
+                </a:solidFill>
+              </a:rPr>
+            </a:br>
+            <a:endParaRPr lang="fr" sz="1800" dirty="0">
+              <a:solidFill>
+                <a:schemeClr val="tx1"/>
+              </a:solidFill>
+            </a:endParaRPr>
+          </a:p>
+          <a:p>
+            <a:pPr marL="457200" lvl="0" indent="-381000" rtl="0">
               <a:spcBef>
                 <a:spcPts val="0"/>
               </a:spcBef>
@@ -6131,45 +6658,90 @@
               </a:buClr>
               <a:buSzPct val="100000"/>
               <a:buFont typeface="Arial"/>
-              <a:buChar char="●"/>
+              <a:buAutoNum type="arabicPeriod"/>
             </a:pPr>
             <a:r>
-              <a:rPr lang="fr" sz="2400"/>
-              <a:t>Localization</a:t>
-            </a:r>
-          </a:p>
-        </p:txBody>
-      </p:sp>
-      <p:pic>
-        <p:nvPicPr>
-          <p:cNvPr id="2" name="Picture 1"/>
-          <p:cNvPicPr>
-            <a:picLocks noChangeAspect="1"/>
-          </p:cNvPicPr>
+              <a:rPr lang="fr" sz="1800" dirty="0">
+                <a:solidFill>
+                  <a:schemeClr val="tx1"/>
+                </a:solidFill>
+              </a:rPr>
+              <a:t>Pour chacun de ces fichiers, extraire sa séquence de modifications durant la période en activant la détection de renommage (commande git log -M</a:t>
+            </a:r>
+            <a:r>
+              <a:rPr lang="fr" sz="1800" dirty="0" smtClean="0">
+                <a:solidFill>
+                  <a:schemeClr val="tx1"/>
+                </a:solidFill>
+              </a:rPr>
+              <a:t>).</a:t>
+            </a:r>
+            <a:r>
+              <a:rPr lang="fr" sz="1800" dirty="0" smtClean="0"/>
+              <a:t/>
+            </a:r>
+            <a:br>
+              <a:rPr lang="fr" sz="1800" dirty="0" smtClean="0"/>
+            </a:br>
+            <a:endParaRPr lang="fr" sz="1800" dirty="0">
+              <a:solidFill>
+                <a:schemeClr val="tx2"/>
+              </a:solidFill>
+            </a:endParaRPr>
+          </a:p>
+          <a:p>
+            <a:pPr marL="457200" lvl="0" indent="-381000" rtl="0">
+              <a:spcBef>
+                <a:spcPts val="0"/>
+              </a:spcBef>
+              <a:buClr>
+                <a:srgbClr val="000000"/>
+              </a:buClr>
+              <a:buSzPct val="100000"/>
+              <a:buFont typeface="Arial"/>
+              <a:buAutoNum type="arabicPeriod"/>
+            </a:pPr>
+            <a:r>
+              <a:rPr lang="fr" sz="1800" dirty="0">
+                <a:solidFill>
+                  <a:schemeClr val="tx2"/>
+                </a:solidFill>
+              </a:rPr>
+              <a:t>Calculer le pourcentage de fichiers %FR qui inclue au moins un renommage.</a:t>
+            </a:r>
+          </a:p>
+        </p:txBody>
+      </p:sp>
+      <p:sp>
+        <p:nvSpPr>
+          <p:cNvPr id="9" name="TextBox 8"/>
+          <p:cNvSpPr txBox="1"/>
           <p:nvPr/>
-        </p:nvPicPr>
-        <p:blipFill>
-          <a:blip r:embed="rId3">
-            <a:extLst>
-              <a:ext uri="{28A0092B-C50C-407E-A947-70E740481C1C}">
-                <a14:useLocalDpi xmlns:a14="http://schemas.microsoft.com/office/drawing/2010/main" val="0"/>
-              </a:ext>
-            </a:extLst>
-          </a:blip>
-          <a:stretch>
-            <a:fillRect/>
-          </a:stretch>
-        </p:blipFill>
-        <p:spPr>
-          <a:xfrm>
-            <a:off x="1475656" y="1059582"/>
-            <a:ext cx="4631704" cy="3842472"/>
-          </a:xfrm>
-          <a:prstGeom prst="rect">
-            <a:avLst/>
-          </a:prstGeom>
-        </p:spPr>
-      </p:pic>
+        </p:nvSpPr>
+        <p:spPr>
+          <a:xfrm>
+            <a:off x="8748464" y="6550223"/>
+            <a:ext cx="395536" cy="307777"/>
+          </a:xfrm>
+          <a:prstGeom prst="rect">
+            <a:avLst/>
+          </a:prstGeom>
+          <a:noFill/>
+        </p:spPr>
+        <p:txBody>
+          <a:bodyPr wrap="square" rtlCol="0">
+            <a:spAutoFit/>
+          </a:bodyPr>
+          <a:lstStyle/>
+          <a:p>
+            <a:r>
+              <a:rPr lang="fr-FR" dirty="0" smtClean="0"/>
+              <a:t>15</a:t>
+            </a:r>
+            <a:endParaRPr lang="fr-FR" dirty="0" smtClean="0"/>
+          </a:p>
+        </p:txBody>
+      </p:sp>
     </p:spTree>
   </p:cSld>
   <p:clrMapOvr>
@@ -6193,7 +6765,7 @@
   <p:cSld>
     <p:spTree>
       <p:nvGrpSpPr>
-        <p:cNvPr id="1" name="Shape 89"/>
+        <p:cNvPr id="1" name="Shape 114"/>
         <p:cNvGrpSpPr/>
         <p:nvPr/>
       </p:nvGrpSpPr>
@@ -6207,7 +6779,7 @@
       </p:grpSpPr>
       <p:sp>
         <p:nvSpPr>
-          <p:cNvPr id="90" name="Shape 90"/>
+          <p:cNvPr id="115" name="Shape 115"/>
           <p:cNvSpPr txBox="1">
             <a:spLocks noGrp="1"/>
           </p:cNvSpPr>
@@ -6217,8 +6789,8 @@
         </p:nvSpPr>
         <p:spPr>
           <a:xfrm>
-            <a:off x="457200" y="205978"/>
-            <a:ext cx="8229600" cy="857400"/>
+            <a:off x="457200" y="274637"/>
+            <a:ext cx="8229600" cy="1143200"/>
           </a:xfrm>
           <a:prstGeom prst="rect">
             <a:avLst/>
@@ -6247,14 +6819,14 @@
       </p:sp>
       <p:sp>
         <p:nvSpPr>
-          <p:cNvPr id="92" name="Shape 92"/>
+          <p:cNvPr id="4" name="Shape 116"/>
           <p:cNvSpPr txBox="1"/>
           <p:nvPr/>
         </p:nvSpPr>
         <p:spPr>
           <a:xfrm>
-            <a:off x="5919200" y="1692325"/>
-            <a:ext cx="2873100" cy="2630400"/>
+            <a:off x="630311" y="1700808"/>
+            <a:ext cx="7859999" cy="4843200"/>
           </a:xfrm>
           <a:prstGeom prst="rect">
             <a:avLst/>
@@ -6275,24 +6847,39 @@
               </a:buClr>
               <a:buSzPct val="100000"/>
               <a:buFont typeface="Arial"/>
-              <a:buChar char="●"/>
+              <a:buAutoNum type="arabicPeriod"/>
             </a:pPr>
             <a:r>
-              <a:rPr lang="fr" sz="2400"/>
-              <a:t>Quantité de renommage</a:t>
-            </a:r>
-          </a:p>
-          <a:p>
-            <a:pPr lvl="0" rtl="0">
-              <a:spcBef>
-                <a:spcPts val="0"/>
-              </a:spcBef>
-              <a:buNone/>
-            </a:pPr>
-            <a:endParaRPr lang="fr" sz="2400"/>
-          </a:p>
-          <a:p>
-            <a:pPr marL="457200" lvl="0" indent="-381000">
+              <a:rPr lang="fr" sz="1800" dirty="0">
+                <a:solidFill>
+                  <a:schemeClr val="tx2"/>
+                </a:solidFill>
+              </a:rPr>
+              <a:t>Lister les fichiers existant à la fin de la période.</a:t>
+            </a:r>
+            <a:r>
+              <a:rPr lang="fr" sz="1800" dirty="0" smtClean="0">
+                <a:solidFill>
+                  <a:schemeClr val="tx1"/>
+                </a:solidFill>
+              </a:rPr>
+              <a:t/>
+            </a:r>
+            <a:br>
+              <a:rPr lang="fr" sz="1800" dirty="0" smtClean="0">
+                <a:solidFill>
+                  <a:schemeClr val="tx1"/>
+                </a:solidFill>
+              </a:rPr>
+            </a:br>
+            <a:endParaRPr lang="fr" sz="1800" dirty="0">
+              <a:solidFill>
+                <a:schemeClr val="tx1"/>
+              </a:solidFill>
+            </a:endParaRPr>
+          </a:p>
+          <a:p>
+            <a:pPr marL="457200" lvl="0" indent="-381000" rtl="0">
               <a:spcBef>
                 <a:spcPts val="0"/>
               </a:spcBef>
@@ -6301,51 +6888,91 @@
               </a:buClr>
               <a:buSzPct val="100000"/>
               <a:buFont typeface="Arial"/>
-              <a:buChar char="●"/>
+              <a:buAutoNum type="arabicPeriod"/>
             </a:pPr>
             <a:r>
-              <a:rPr lang="fr" sz="2400"/>
-              <a:t>Localization</a:t>
-            </a:r>
-          </a:p>
-        </p:txBody>
-      </p:sp>
-      <p:pic>
-        <p:nvPicPr>
-          <p:cNvPr id="2" name="Picture 1"/>
-          <p:cNvPicPr>
-            <a:picLocks noChangeAspect="1"/>
-          </p:cNvPicPr>
+              <a:rPr lang="fr" sz="1800" dirty="0">
+                <a:solidFill>
+                  <a:schemeClr val="tx2"/>
+                </a:solidFill>
+              </a:rPr>
+              <a:t>Pour chacun de ces fichiers, extraire sa séquence de modifications durant la période en activant la détection de renommage (commande git log -M</a:t>
+            </a:r>
+            <a:r>
+              <a:rPr lang="fr" sz="1800" dirty="0" smtClean="0">
+                <a:solidFill>
+                  <a:schemeClr val="tx2"/>
+                </a:solidFill>
+              </a:rPr>
+              <a:t>).</a:t>
+            </a:r>
+            <a:r>
+              <a:rPr lang="fr" sz="1800" dirty="0" smtClean="0"/>
+              <a:t/>
+            </a:r>
+            <a:br>
+              <a:rPr lang="fr" sz="1800" dirty="0" smtClean="0"/>
+            </a:br>
+            <a:endParaRPr lang="fr" sz="1800" dirty="0">
+              <a:solidFill>
+                <a:schemeClr val="tx2"/>
+              </a:solidFill>
+            </a:endParaRPr>
+          </a:p>
+          <a:p>
+            <a:pPr marL="457200" lvl="0" indent="-381000" rtl="0">
+              <a:spcBef>
+                <a:spcPts val="0"/>
+              </a:spcBef>
+              <a:buClr>
+                <a:srgbClr val="000000"/>
+              </a:buClr>
+              <a:buSzPct val="100000"/>
+              <a:buFont typeface="Arial"/>
+              <a:buAutoNum type="arabicPeriod"/>
+            </a:pPr>
+            <a:r>
+              <a:rPr lang="fr" sz="1800" dirty="0">
+                <a:solidFill>
+                  <a:schemeClr val="tx1"/>
+                </a:solidFill>
+              </a:rPr>
+              <a:t>Calculer le pourcentage de fichiers %FR qui inclue au moins un renommage.</a:t>
+            </a:r>
+          </a:p>
+        </p:txBody>
+      </p:sp>
+      <p:sp>
+        <p:nvSpPr>
+          <p:cNvPr id="5" name="TextBox 4"/>
+          <p:cNvSpPr txBox="1"/>
           <p:nvPr/>
-        </p:nvPicPr>
-        <p:blipFill>
-          <a:blip r:embed="rId3">
-            <a:extLst>
-              <a:ext uri="{28A0092B-C50C-407E-A947-70E740481C1C}">
-                <a14:useLocalDpi xmlns:a14="http://schemas.microsoft.com/office/drawing/2010/main" val="0"/>
-              </a:ext>
-            </a:extLst>
-          </a:blip>
-          <a:stretch>
-            <a:fillRect/>
-          </a:stretch>
-        </p:blipFill>
-        <p:spPr>
-          <a:xfrm>
-            <a:off x="1496640" y="1037574"/>
-            <a:ext cx="4749147" cy="3939902"/>
-          </a:xfrm>
-          <a:prstGeom prst="rect">
-            <a:avLst/>
-          </a:prstGeom>
-        </p:spPr>
-      </p:pic>
+        </p:nvSpPr>
+        <p:spPr>
+          <a:xfrm>
+            <a:off x="8748464" y="6550223"/>
+            <a:ext cx="395536" cy="307777"/>
+          </a:xfrm>
+          <a:prstGeom prst="rect">
+            <a:avLst/>
+          </a:prstGeom>
+          <a:noFill/>
+        </p:spPr>
+        <p:txBody>
+          <a:bodyPr wrap="square" rtlCol="0">
+            <a:spAutoFit/>
+          </a:bodyPr>
+          <a:lstStyle/>
+          <a:p>
+            <a:r>
+              <a:rPr lang="fr-FR" dirty="0" smtClean="0"/>
+              <a:t>16</a:t>
+            </a:r>
+            <a:endParaRPr lang="fr-FR" dirty="0" smtClean="0"/>
+          </a:p>
+        </p:txBody>
+      </p:sp>
     </p:spTree>
-    <p:extLst>
-      <p:ext uri="{BB962C8B-B14F-4D97-AF65-F5344CB8AC3E}">
-        <p14:creationId xmlns:p14="http://schemas.microsoft.com/office/powerpoint/2010/main" val="2464408399"/>
-      </p:ext>
-    </p:extLst>
   </p:cSld>
   <p:clrMapOvr>
     <a:masterClrMapping/>
@@ -6368,7 +6995,7 @@
   <p:cSld>
     <p:spTree>
       <p:nvGrpSpPr>
-        <p:cNvPr id="1" name="Shape 89"/>
+        <p:cNvPr id="1" name="Shape 120"/>
         <p:cNvGrpSpPr/>
         <p:nvPr/>
       </p:nvGrpSpPr>
@@ -6382,7 +7009,7 @@
       </p:grpSpPr>
       <p:sp>
         <p:nvSpPr>
-          <p:cNvPr id="90" name="Shape 90"/>
+          <p:cNvPr id="121" name="Shape 121"/>
           <p:cNvSpPr txBox="1">
             <a:spLocks noGrp="1"/>
           </p:cNvSpPr>
@@ -6392,8 +7019,8 @@
         </p:nvSpPr>
         <p:spPr>
           <a:xfrm>
-            <a:off x="457200" y="205978"/>
-            <a:ext cx="8229600" cy="857400"/>
+            <a:off x="457200" y="273600"/>
+            <a:ext cx="8229600" cy="1143200"/>
           </a:xfrm>
           <a:prstGeom prst="rect">
             <a:avLst/>
@@ -6405,14 +7032,8 @@
           </a:bodyPr>
           <a:lstStyle/>
           <a:p>
-            <a:pPr lvl="0" rtl="0">
-              <a:spcBef>
-                <a:spcPts val="0"/>
-              </a:spcBef>
-              <a:buNone/>
-            </a:pPr>
-            <a:r>
-              <a:rPr lang="fr" dirty="0" smtClean="0"/>
+            <a:r>
+              <a:rPr lang="fr" dirty="0"/>
               <a:t>Méthodologie </a:t>
             </a:r>
             <a:r>
@@ -6421,21 +7042,21 @@
                   <a:schemeClr val="bg2"/>
                 </a:solidFill>
               </a:rPr>
-              <a:t>première expérience</a:t>
-            </a:r>
-          </a:p>
-        </p:txBody>
-      </p:sp>
-      <p:sp>
-        <p:nvSpPr>
-          <p:cNvPr id="92" name="Shape 92"/>
+              <a:t>deuxième expérience</a:t>
+            </a:r>
+          </a:p>
+        </p:txBody>
+      </p:sp>
+      <p:sp>
+        <p:nvSpPr>
+          <p:cNvPr id="122" name="Shape 122"/>
           <p:cNvSpPr txBox="1"/>
           <p:nvPr/>
         </p:nvSpPr>
         <p:spPr>
           <a:xfrm>
-            <a:off x="5919200" y="1692325"/>
-            <a:ext cx="2873100" cy="2630400"/>
+            <a:off x="619125" y="1525733"/>
+            <a:ext cx="7922699" cy="751139"/>
           </a:xfrm>
           <a:prstGeom prst="rect">
             <a:avLst/>
@@ -6447,53 +7068,85 @@
           </a:bodyPr>
           <a:lstStyle/>
           <a:p>
-            <a:pPr marL="457200" lvl="0" indent="-381000" rtl="0">
-              <a:spcBef>
-                <a:spcPts val="0"/>
-              </a:spcBef>
-              <a:buClr>
-                <a:srgbClr val="000000"/>
-              </a:buClr>
-              <a:buSzPct val="100000"/>
-              <a:buFont typeface="Arial"/>
-              <a:buChar char="●"/>
-            </a:pPr>
-            <a:r>
-              <a:rPr lang="fr" sz="2400"/>
-              <a:t>Quantité de renommage</a:t>
-            </a:r>
-          </a:p>
-          <a:p>
             <a:pPr lvl="0" rtl="0">
               <a:spcBef>
                 <a:spcPts val="0"/>
               </a:spcBef>
               <a:buNone/>
             </a:pPr>
-            <a:endParaRPr lang="fr" sz="2400"/>
-          </a:p>
-          <a:p>
-            <a:pPr marL="457200" lvl="0" indent="-381000">
-              <a:spcBef>
-                <a:spcPts val="0"/>
-              </a:spcBef>
-              <a:buClr>
-                <a:srgbClr val="000000"/>
-              </a:buClr>
-              <a:buSzPct val="100000"/>
-              <a:buFont typeface="Arial"/>
-              <a:buChar char="●"/>
-            </a:pPr>
-            <a:r>
-              <a:rPr lang="fr" sz="2400"/>
-              <a:t>Localization</a:t>
-            </a:r>
+            <a:endParaRPr lang="fr" dirty="0"/>
+          </a:p>
+        </p:txBody>
+      </p:sp>
+      <p:sp>
+        <p:nvSpPr>
+          <p:cNvPr id="5" name="TextBox 4"/>
+          <p:cNvSpPr txBox="1"/>
+          <p:nvPr/>
+        </p:nvSpPr>
+        <p:spPr>
+          <a:xfrm>
+            <a:off x="1268106" y="1772816"/>
+            <a:ext cx="6624736" cy="1169551"/>
+          </a:xfrm>
+          <a:prstGeom prst="rect">
+            <a:avLst/>
+          </a:prstGeom>
+          <a:noFill/>
+        </p:spPr>
+        <p:txBody>
+          <a:bodyPr wrap="square" rtlCol="0">
+            <a:spAutoFit/>
+          </a:bodyPr>
+          <a:lstStyle/>
+          <a:p>
+            <a:r>
+              <a:rPr lang="fr-FR" dirty="0" smtClean="0"/>
+              <a:t>Calculs de </a:t>
+            </a:r>
+            <a:r>
+              <a:rPr lang="fr-FR" b="1" dirty="0" err="1" smtClean="0"/>
+              <a:t>NoD</a:t>
+            </a:r>
+            <a:r>
+              <a:rPr lang="fr-FR" b="1" dirty="0" smtClean="0"/>
+              <a:t>, </a:t>
+            </a:r>
+            <a:r>
+              <a:rPr lang="fr-FR" b="1" dirty="0" err="1" smtClean="0"/>
+              <a:t>NoC</a:t>
+            </a:r>
+            <a:r>
+              <a:rPr lang="fr-FR" b="1" dirty="0" smtClean="0"/>
+              <a:t>, CC </a:t>
+            </a:r>
+            <a:r>
+              <a:rPr lang="fr-FR" dirty="0" smtClean="0"/>
+              <a:t>sur nos projets.</a:t>
+            </a:r>
+            <a:endParaRPr lang="fr-FR" dirty="0"/>
+          </a:p>
+          <a:p>
+            <a:endParaRPr lang="fr-FR" dirty="0" smtClean="0"/>
+          </a:p>
+          <a:p>
+            <a:endParaRPr lang="fr-FR" dirty="0"/>
+          </a:p>
+          <a:p>
+            <a:endParaRPr lang="fr-FR" dirty="0"/>
+          </a:p>
+          <a:p>
+            <a:r>
+              <a:rPr lang="fr-FR" dirty="0" smtClean="0"/>
+              <a:t>Pour chaque métriques pour chaque projets on obtient deux listes. </a:t>
+            </a:r>
+            <a:endParaRPr lang="fr-FR" dirty="0"/>
           </a:p>
         </p:txBody>
       </p:sp>
       <p:pic>
         <p:nvPicPr>
-          <p:cNvPr id="2" name="Picture 1"/>
+          <p:cNvPr id="6" name="Picture 5"/>
           <p:cNvPicPr>
             <a:picLocks noChangeAspect="1"/>
           </p:cNvPicPr>
@@ -6513,18 +7166,80 @@
         </p:blipFill>
         <p:spPr>
           <a:xfrm>
-            <a:off x="1547664" y="1066040"/>
-            <a:ext cx="4680520" cy="3882969"/>
+            <a:off x="1430378" y="2996952"/>
+            <a:ext cx="6300192" cy="2376264"/>
           </a:xfrm>
           <a:prstGeom prst="rect">
             <a:avLst/>
           </a:prstGeom>
         </p:spPr>
       </p:pic>
+      <p:cxnSp>
+        <p:nvCxnSpPr>
+          <p:cNvPr id="3" name="Straight Connector 2"/>
+          <p:cNvCxnSpPr>
+            <a:endCxn id="6" idx="2"/>
+          </p:cNvCxnSpPr>
+          <p:nvPr/>
+        </p:nvCxnSpPr>
+        <p:spPr>
+          <a:xfrm>
+            <a:off x="4580474" y="3933056"/>
+            <a:ext cx="0" cy="1440160"/>
+          </a:xfrm>
+          <a:prstGeom prst="line">
+            <a:avLst/>
+          </a:prstGeom>
+        </p:spPr>
+        <p:style>
+          <a:lnRef idx="1">
+            <a:schemeClr val="dk1"/>
+          </a:lnRef>
+          <a:fillRef idx="0">
+            <a:schemeClr val="dk1"/>
+          </a:fillRef>
+          <a:effectRef idx="0">
+            <a:schemeClr val="dk1"/>
+          </a:effectRef>
+          <a:fontRef idx="minor">
+            <a:schemeClr val="tx1"/>
+          </a:fontRef>
+        </p:style>
+      </p:cxnSp>
+      <p:sp>
+        <p:nvSpPr>
+          <p:cNvPr id="19" name="TextBox 18"/>
+          <p:cNvSpPr txBox="1"/>
+          <p:nvPr/>
+        </p:nvSpPr>
+        <p:spPr>
+          <a:xfrm>
+            <a:off x="8748464" y="6550223"/>
+            <a:ext cx="395536" cy="307777"/>
+          </a:xfrm>
+          <a:prstGeom prst="rect">
+            <a:avLst/>
+          </a:prstGeom>
+          <a:noFill/>
+        </p:spPr>
+        <p:txBody>
+          <a:bodyPr wrap="square" rtlCol="0">
+            <a:spAutoFit/>
+          </a:bodyPr>
+          <a:lstStyle/>
+          <a:p>
+            <a:r>
+              <a:rPr lang="fr-FR" dirty="0" smtClean="0"/>
+              <a:t>17</a:t>
+            </a:r>
+            <a:endParaRPr lang="fr-FR" dirty="0" smtClean="0"/>
+          </a:p>
+        </p:txBody>
+      </p:sp>
     </p:spTree>
     <p:extLst>
       <p:ext uri="{BB962C8B-B14F-4D97-AF65-F5344CB8AC3E}">
-        <p14:creationId xmlns:p14="http://schemas.microsoft.com/office/powerpoint/2010/main" val="1384647234"/>
+        <p14:creationId xmlns:p14="http://schemas.microsoft.com/office/powerpoint/2010/main" val="1543582624"/>
       </p:ext>
     </p:extLst>
   </p:cSld>
@@ -6549,7 +7264,7 @@
   <p:cSld>
     <p:spTree>
       <p:nvGrpSpPr>
-        <p:cNvPr id="1" name="Shape 89"/>
+        <p:cNvPr id="1" name="Shape 120"/>
         <p:cNvGrpSpPr/>
         <p:nvPr/>
       </p:nvGrpSpPr>
@@ -6563,7 +7278,7 @@
       </p:grpSpPr>
       <p:sp>
         <p:nvSpPr>
-          <p:cNvPr id="90" name="Shape 90"/>
+          <p:cNvPr id="121" name="Shape 121"/>
           <p:cNvSpPr txBox="1">
             <a:spLocks noGrp="1"/>
           </p:cNvSpPr>
@@ -6573,8 +7288,8 @@
         </p:nvSpPr>
         <p:spPr>
           <a:xfrm>
-            <a:off x="457200" y="205978"/>
-            <a:ext cx="8229600" cy="857400"/>
+            <a:off x="457200" y="260648"/>
+            <a:ext cx="8229600" cy="1143200"/>
           </a:xfrm>
           <a:prstGeom prst="rect">
             <a:avLst/>
@@ -6586,12 +7301,7 @@
           </a:bodyPr>
           <a:lstStyle/>
           <a:p>
-            <a:pPr lvl="0" rtl="0">
-              <a:spcBef>
-                <a:spcPts val="0"/>
-              </a:spcBef>
-              <a:buNone/>
-            </a:pPr>
+            <a:pPr lvl="0"/>
             <a:r>
               <a:rPr lang="fr" dirty="0" smtClean="0"/>
               <a:t>Méthodologie </a:t>
@@ -6602,21 +7312,21 @@
                   <a:schemeClr val="bg2"/>
                 </a:solidFill>
               </a:rPr>
-              <a:t>première expérience</a:t>
-            </a:r>
-          </a:p>
-        </p:txBody>
-      </p:sp>
-      <p:sp>
-        <p:nvSpPr>
-          <p:cNvPr id="92" name="Shape 92"/>
+              <a:t>deuxième expérience</a:t>
+            </a:r>
+          </a:p>
+        </p:txBody>
+      </p:sp>
+      <p:sp>
+        <p:nvSpPr>
+          <p:cNvPr id="122" name="Shape 122"/>
           <p:cNvSpPr txBox="1"/>
           <p:nvPr/>
         </p:nvSpPr>
         <p:spPr>
           <a:xfrm>
-            <a:off x="5919200" y="1692325"/>
-            <a:ext cx="2873100" cy="2630400"/>
+            <a:off x="619125" y="1525733"/>
+            <a:ext cx="7922699" cy="751139"/>
           </a:xfrm>
           <a:prstGeom prst="rect">
             <a:avLst/>
@@ -6628,53 +7338,57 @@
           </a:bodyPr>
           <a:lstStyle/>
           <a:p>
-            <a:pPr marL="457200" lvl="0" indent="-381000" rtl="0">
-              <a:spcBef>
-                <a:spcPts val="0"/>
-              </a:spcBef>
-              <a:buClr>
-                <a:srgbClr val="000000"/>
-              </a:buClr>
-              <a:buSzPct val="100000"/>
-              <a:buFont typeface="Arial"/>
-              <a:buChar char="●"/>
-            </a:pPr>
-            <a:r>
-              <a:rPr lang="fr" sz="2400"/>
-              <a:t>Quantité de renommage</a:t>
-            </a:r>
-          </a:p>
-          <a:p>
             <a:pPr lvl="0" rtl="0">
               <a:spcBef>
                 <a:spcPts val="0"/>
               </a:spcBef>
               <a:buNone/>
             </a:pPr>
-            <a:endParaRPr lang="fr" sz="2400"/>
-          </a:p>
-          <a:p>
-            <a:pPr marL="457200" lvl="0" indent="-381000">
-              <a:spcBef>
-                <a:spcPts val="0"/>
-              </a:spcBef>
-              <a:buClr>
-                <a:srgbClr val="000000"/>
-              </a:buClr>
-              <a:buSzPct val="100000"/>
-              <a:buFont typeface="Arial"/>
-              <a:buChar char="●"/>
-            </a:pPr>
-            <a:r>
-              <a:rPr lang="fr" sz="2400"/>
-              <a:t>Localization</a:t>
-            </a:r>
+            <a:endParaRPr lang="fr" dirty="0"/>
+          </a:p>
+        </p:txBody>
+      </p:sp>
+      <p:sp>
+        <p:nvSpPr>
+          <p:cNvPr id="2" name="TextBox 1"/>
+          <p:cNvSpPr txBox="1"/>
+          <p:nvPr/>
+        </p:nvSpPr>
+        <p:spPr>
+          <a:xfrm>
+            <a:off x="589754" y="1691868"/>
+            <a:ext cx="4464496" cy="369332"/>
+          </a:xfrm>
+          <a:prstGeom prst="rect">
+            <a:avLst/>
+          </a:prstGeom>
+          <a:noFill/>
+        </p:spPr>
+        <p:txBody>
+          <a:bodyPr wrap="square" rtlCol="0">
+            <a:spAutoFit/>
+          </a:bodyPr>
+          <a:lstStyle/>
+          <a:p>
+            <a:r>
+              <a:rPr lang="fr-FR" sz="1800" dirty="0" smtClean="0"/>
+              <a:t>Corrélation de </a:t>
+            </a:r>
+            <a:r>
+              <a:rPr lang="fr-FR" sz="1800" b="1" dirty="0" smtClean="0"/>
+              <a:t>Spearman</a:t>
+            </a:r>
+            <a:r>
+              <a:rPr lang="fr-FR" sz="1800" dirty="0" smtClean="0"/>
+              <a:t> :</a:t>
+            </a:r>
+            <a:endParaRPr lang="fr-FR" sz="1800" dirty="0"/>
           </a:p>
         </p:txBody>
       </p:sp>
       <p:pic>
         <p:nvPicPr>
-          <p:cNvPr id="2" name="Picture 1"/>
+          <p:cNvPr id="3" name="Picture 2"/>
           <p:cNvPicPr>
             <a:picLocks noChangeAspect="1"/>
           </p:cNvPicPr>
@@ -6694,20 +7408,169 @@
         </p:blipFill>
         <p:spPr>
           <a:xfrm>
-            <a:off x="1547664" y="1059582"/>
-            <a:ext cx="4766017" cy="3953898"/>
+            <a:off x="2183769" y="2226865"/>
+            <a:ext cx="4973100" cy="1425967"/>
           </a:xfrm>
           <a:prstGeom prst="rect">
             <a:avLst/>
           </a:prstGeom>
         </p:spPr>
       </p:pic>
+      <mc:AlternateContent xmlns:mc="http://schemas.openxmlformats.org/markup-compatibility/2006" xmlns:a14="http://schemas.microsoft.com/office/drawing/2010/main">
+        <mc:Choice Requires="a14">
+          <p:sp>
+            <p:nvSpPr>
+              <p:cNvPr id="4" name="TextBox 3"/>
+              <p:cNvSpPr txBox="1"/>
+              <p:nvPr/>
+            </p:nvSpPr>
+            <p:spPr>
+              <a:xfrm>
+                <a:off x="2183769" y="3769295"/>
+                <a:ext cx="6120680" cy="307777"/>
+              </a:xfrm>
+              <a:prstGeom prst="rect">
+                <a:avLst/>
+              </a:prstGeom>
+              <a:noFill/>
+            </p:spPr>
+            <p:txBody>
+              <a:bodyPr wrap="square" rtlCol="0">
+                <a:spAutoFit/>
+              </a:bodyPr>
+              <a:lstStyle/>
+              <a:p>
+                <a:r>
+                  <a:rPr lang="fr-FR" dirty="0" smtClean="0"/>
+                  <a:t>Avec (</a:t>
+                </a:r>
+                <a14:m>
+                  <m:oMath xmlns:m="http://schemas.openxmlformats.org/officeDocument/2006/math">
+                    <m:r>
+                      <a:rPr lang="fr-FR" b="0" i="1" smtClean="0">
+                        <a:latin typeface="Cambria Math"/>
+                      </a:rPr>
+                      <m:t>𝑥𝑖</m:t>
+                    </m:r>
+                    <m:r>
+                      <a:rPr lang="fr-FR" b="0" i="1" smtClean="0">
+                        <a:latin typeface="Cambria Math"/>
+                      </a:rPr>
+                      <m:t>,</m:t>
+                    </m:r>
+                    <m:r>
+                      <a:rPr lang="fr-FR" b="0" i="1" smtClean="0">
+                        <a:latin typeface="Cambria Math"/>
+                      </a:rPr>
+                      <m:t>𝑦𝑖</m:t>
+                    </m:r>
+                  </m:oMath>
+                </a14:m>
+                <a:r>
+                  <a:rPr lang="fr-FR" dirty="0" smtClean="0"/>
+                  <a:t>) les rangs données par les deux valeurs de Métriques (</a:t>
+                </a:r>
+                <a14:m>
+                  <m:oMath xmlns:m="http://schemas.openxmlformats.org/officeDocument/2006/math">
+                    <m:r>
+                      <a:rPr lang="fr-FR" b="0" i="1" smtClean="0">
+                        <a:latin typeface="Cambria Math"/>
+                      </a:rPr>
+                      <m:t>𝑋𝑖</m:t>
+                    </m:r>
+                    <m:r>
+                      <a:rPr lang="fr-FR" b="0" i="1" smtClean="0">
+                        <a:latin typeface="Cambria Math"/>
+                      </a:rPr>
+                      <m:t>, </m:t>
+                    </m:r>
+                    <m:r>
+                      <a:rPr lang="fr-FR" b="0" i="1" smtClean="0">
+                        <a:latin typeface="Cambria Math"/>
+                      </a:rPr>
+                      <m:t>𝑌𝑖</m:t>
+                    </m:r>
+                  </m:oMath>
+                </a14:m>
+                <a:r>
+                  <a:rPr lang="fr-FR" dirty="0" smtClean="0"/>
+                  <a:t>)</a:t>
+                </a:r>
+                <a:endParaRPr lang="fr-FR" dirty="0"/>
+              </a:p>
+            </p:txBody>
+          </p:sp>
+        </mc:Choice>
+        <mc:Fallback xmlns="">
+          <p:sp>
+            <p:nvSpPr>
+              <p:cNvPr id="4" name="TextBox 3"/>
+              <p:cNvSpPr txBox="1">
+                <a:spLocks noRot="1" noChangeAspect="1" noMove="1" noResize="1" noEditPoints="1" noAdjustHandles="1" noChangeArrowheads="1" noChangeShapeType="1" noTextEdit="1"/>
+              </p:cNvSpPr>
+              <p:nvPr/>
+            </p:nvSpPr>
+            <p:spPr>
+              <a:xfrm>
+                <a:off x="2183769" y="3769295"/>
+                <a:ext cx="6120680" cy="307777"/>
+              </a:xfrm>
+              <a:prstGeom prst="rect">
+                <a:avLst/>
+              </a:prstGeom>
+              <a:blipFill rotWithShape="1">
+                <a:blip r:embed="rId4"/>
+                <a:stretch>
+                  <a:fillRect l="-199" t="-1961" b="-17647"/>
+                </a:stretch>
+              </a:blipFill>
+            </p:spPr>
+            <p:txBody>
+              <a:bodyPr/>
+              <a:lstStyle/>
+              <a:p>
+                <a:r>
+                  <a:rPr lang="fr-FR">
+                    <a:noFill/>
+                  </a:rPr>
+                  <a:t> </a:t>
+                </a:r>
+              </a:p>
+            </p:txBody>
+          </p:sp>
+        </mc:Fallback>
+      </mc:AlternateContent>
+      <p:sp>
+        <p:nvSpPr>
+          <p:cNvPr id="7" name="TextBox 6"/>
+          <p:cNvSpPr txBox="1"/>
+          <p:nvPr/>
+        </p:nvSpPr>
+        <p:spPr>
+          <a:xfrm>
+            <a:off x="8748464" y="6550223"/>
+            <a:ext cx="395536" cy="307777"/>
+          </a:xfrm>
+          <a:prstGeom prst="rect">
+            <a:avLst/>
+          </a:prstGeom>
+          <a:noFill/>
+        </p:spPr>
+        <p:txBody>
+          <a:bodyPr wrap="square" rtlCol="0">
+            <a:spAutoFit/>
+          </a:bodyPr>
+          <a:lstStyle/>
+          <a:p>
+            <a:r>
+              <a:rPr lang="fr-FR" dirty="0" smtClean="0"/>
+              <a:t>18</a:t>
+            </a:r>
+            <a:endParaRPr lang="fr-FR" dirty="0" smtClean="0"/>
+          </a:p>
+        </p:txBody>
+      </p:sp>
     </p:spTree>
-    <p:extLst>
-      <p:ext uri="{BB962C8B-B14F-4D97-AF65-F5344CB8AC3E}">
-        <p14:creationId xmlns:p14="http://schemas.microsoft.com/office/powerpoint/2010/main" val="2664458190"/>
-      </p:ext>
-    </p:extLst>
   </p:cSld>
   <p:clrMapOvr>
     <a:masterClrMapping/>
@@ -6730,7 +7593,7 @@
   <p:cSld>
     <p:spTree>
       <p:nvGrpSpPr>
-        <p:cNvPr id="1" name="Shape 96"/>
+        <p:cNvPr id="1" name="Shape 126"/>
         <p:cNvGrpSpPr/>
         <p:nvPr/>
       </p:nvGrpSpPr>
@@ -6744,23 +7607,15 @@
       </p:grpSpPr>
       <p:sp>
         <p:nvSpPr>
-          <p:cNvPr id="97" name="Shape 97"/>
-          <p:cNvSpPr txBox="1">
+          <p:cNvPr id="2" name="Title 1"/>
+          <p:cNvSpPr>
             <a:spLocks noGrp="1"/>
           </p:cNvSpPr>
           <p:nvPr>
             <p:ph type="title"/>
           </p:nvPr>
         </p:nvSpPr>
-        <p:spPr>
-          <a:xfrm>
-            <a:off x="457200" y="205978"/>
-            <a:ext cx="8229600" cy="857400"/>
-          </a:xfrm>
-          <a:prstGeom prst="rect">
-            <a:avLst/>
-          </a:prstGeom>
-        </p:spPr>
+        <p:spPr/>
         <p:txBody>
           <a:bodyPr lIns="91425" tIns="91425" rIns="91425" bIns="91425" anchor="ctr" anchorCtr="0">
             <a:noAutofit/>
@@ -6768,11 +7623,11 @@
           <a:lstStyle/>
           <a:p>
             <a:r>
-              <a:rPr lang="fr" dirty="0" smtClean="0"/>
-              <a:t>Méthodologie </a:t>
-            </a:r>
-            <a:r>
-              <a:rPr lang="fr" sz="1400" dirty="0">
+              <a:rPr lang="fr-FR" dirty="0"/>
+              <a:t>Résultats </a:t>
+            </a:r>
+            <a:r>
+              <a:rPr lang="fr-FR" sz="1400" dirty="0">
                 <a:solidFill>
                   <a:schemeClr val="bg2"/>
                 </a:solidFill>
@@ -6784,160 +7639,427 @@
       </p:sp>
       <p:sp>
         <p:nvSpPr>
-          <p:cNvPr id="98" name="Shape 98"/>
+          <p:cNvPr id="3" name="TextBox 2"/>
           <p:cNvSpPr txBox="1"/>
           <p:nvPr/>
         </p:nvSpPr>
         <p:spPr>
           <a:xfrm>
-            <a:off x="638551" y="1347614"/>
-            <a:ext cx="7859999" cy="3632400"/>
-          </a:xfrm>
-          <a:prstGeom prst="rect">
-            <a:avLst/>
-          </a:prstGeom>
-        </p:spPr>
-        <p:txBody>
-          <a:bodyPr lIns="91425" tIns="91425" rIns="91425" bIns="91425" anchor="t" anchorCtr="0">
-            <a:noAutofit/>
+            <a:off x="1186875" y="1577776"/>
+            <a:ext cx="1623981" cy="461665"/>
+          </a:xfrm>
+          <a:prstGeom prst="rect">
+            <a:avLst/>
+          </a:prstGeom>
+          <a:noFill/>
+        </p:spPr>
+        <p:txBody>
+          <a:bodyPr wrap="square" rtlCol="0">
+            <a:spAutoFit/>
           </a:bodyPr>
           <a:lstStyle/>
           <a:p>
-            <a:pPr marL="76200" lvl="0" rtl="0">
-              <a:spcBef>
-                <a:spcPts val="0"/>
-              </a:spcBef>
-              <a:buClr>
-                <a:srgbClr val="000000"/>
-              </a:buClr>
-              <a:buSzPct val="100000"/>
-            </a:pPr>
-            <a:endParaRPr lang="fr" sz="2400" dirty="0"/>
-          </a:p>
-        </p:txBody>
-      </p:sp>
-      <p:sp>
-        <p:nvSpPr>
-          <p:cNvPr id="5" name="Shape 116"/>
+            <a:r>
+              <a:rPr lang="fr-FR" sz="1200" b="1" dirty="0" smtClean="0"/>
+              <a:t>Pourcentage de fichiers renommés</a:t>
+            </a:r>
+            <a:endParaRPr lang="fr-FR" sz="1200" b="1" dirty="0"/>
+          </a:p>
+        </p:txBody>
+      </p:sp>
+      <p:pic>
+        <p:nvPicPr>
+          <p:cNvPr id="4" name="Picture 3"/>
+          <p:cNvPicPr>
+            <a:picLocks noChangeAspect="1"/>
+          </p:cNvPicPr>
+          <p:nvPr/>
+        </p:nvPicPr>
+        <p:blipFill>
+          <a:blip r:embed="rId3">
+            <a:extLst>
+              <a:ext uri="{28A0092B-C50C-407E-A947-70E740481C1C}">
+                <a14:useLocalDpi xmlns:a14="http://schemas.microsoft.com/office/drawing/2010/main" val="0"/>
+              </a:ext>
+            </a:extLst>
+          </a:blip>
+          <a:stretch>
+            <a:fillRect/>
+          </a:stretch>
+        </p:blipFill>
+        <p:spPr>
+          <a:xfrm>
+            <a:off x="2987824" y="1577777"/>
+            <a:ext cx="4824536" cy="2745488"/>
+          </a:xfrm>
+          <a:prstGeom prst="rect">
+            <a:avLst/>
+          </a:prstGeom>
+        </p:spPr>
+      </p:pic>
+      <p:pic>
+        <p:nvPicPr>
+          <p:cNvPr id="5" name="Picture 4"/>
+          <p:cNvPicPr>
+            <a:picLocks noChangeAspect="1"/>
+          </p:cNvPicPr>
+          <p:nvPr/>
+        </p:nvPicPr>
+        <p:blipFill>
+          <a:blip r:embed="rId4">
+            <a:extLst>
+              <a:ext uri="{28A0092B-C50C-407E-A947-70E740481C1C}">
+                <a14:useLocalDpi xmlns:a14="http://schemas.microsoft.com/office/drawing/2010/main" val="0"/>
+              </a:ext>
+            </a:extLst>
+          </a:blip>
+          <a:stretch>
+            <a:fillRect/>
+          </a:stretch>
+        </p:blipFill>
+        <p:spPr>
+          <a:xfrm>
+            <a:off x="2826448" y="1700807"/>
+            <a:ext cx="322752" cy="1840106"/>
+          </a:xfrm>
+          <a:prstGeom prst="rect">
+            <a:avLst/>
+          </a:prstGeom>
+        </p:spPr>
+      </p:pic>
+      <p:sp>
+        <p:nvSpPr>
+          <p:cNvPr id="6" name="TextBox 5"/>
           <p:cNvSpPr txBox="1"/>
           <p:nvPr/>
         </p:nvSpPr>
         <p:spPr>
           <a:xfrm>
-            <a:off x="630310" y="1275606"/>
-            <a:ext cx="7859999" cy="3632400"/>
-          </a:xfrm>
-          <a:prstGeom prst="rect">
-            <a:avLst/>
-          </a:prstGeom>
-        </p:spPr>
-        <p:txBody>
-          <a:bodyPr lIns="91425" tIns="91425" rIns="91425" bIns="91425" anchor="t" anchorCtr="0">
-            <a:noAutofit/>
+            <a:off x="396096" y="2558112"/>
+            <a:ext cx="913720" cy="307777"/>
+          </a:xfrm>
+          <a:prstGeom prst="rect">
+            <a:avLst/>
+          </a:prstGeom>
+          <a:noFill/>
+        </p:spPr>
+        <p:txBody>
+          <a:bodyPr wrap="square" rtlCol="0">
+            <a:spAutoFit/>
           </a:bodyPr>
           <a:lstStyle/>
           <a:p>
-            <a:pPr marL="457200" lvl="0" indent="-381000" rtl="0">
-              <a:spcBef>
-                <a:spcPts val="0"/>
-              </a:spcBef>
-              <a:buClr>
-                <a:srgbClr val="000000"/>
-              </a:buClr>
-              <a:buSzPct val="100000"/>
-              <a:buFont typeface="Arial"/>
-              <a:buAutoNum type="arabicPeriod"/>
-            </a:pPr>
-            <a:r>
-              <a:rPr lang="fr" sz="1800" dirty="0">
-                <a:solidFill>
-                  <a:schemeClr val="tx1"/>
-                </a:solidFill>
-              </a:rPr>
-              <a:t>Lister les fichiers existant à la fin de la période</a:t>
-            </a:r>
-            <a:r>
-              <a:rPr lang="fr" sz="1800" dirty="0" smtClean="0">
-                <a:solidFill>
-                  <a:schemeClr val="tx1"/>
-                </a:solidFill>
-              </a:rPr>
-              <a:t>.</a:t>
-            </a:r>
-            <a:br>
-              <a:rPr lang="fr" sz="1800" dirty="0" smtClean="0">
-                <a:solidFill>
-                  <a:schemeClr val="tx1"/>
-                </a:solidFill>
-              </a:rPr>
-            </a:br>
-            <a:endParaRPr lang="fr" sz="1800" dirty="0">
+            <a:r>
+              <a:rPr lang="fr-FR" dirty="0" smtClean="0"/>
+              <a:t>périodes</a:t>
+            </a:r>
+            <a:endParaRPr lang="fr-FR" dirty="0"/>
+          </a:p>
+        </p:txBody>
+      </p:sp>
+      <p:sp>
+        <p:nvSpPr>
+          <p:cNvPr id="7" name="TextBox 6"/>
+          <p:cNvSpPr txBox="1"/>
+          <p:nvPr/>
+        </p:nvSpPr>
+        <p:spPr>
+          <a:xfrm>
+            <a:off x="1307307" y="2430284"/>
+            <a:ext cx="135336" cy="153888"/>
+          </a:xfrm>
+          <a:prstGeom prst="rect">
+            <a:avLst/>
+          </a:prstGeom>
+          <a:solidFill>
+            <a:srgbClr val="FF0000"/>
+          </a:solidFill>
+        </p:spPr>
+        <p:txBody>
+          <a:bodyPr wrap="square" rtlCol="0">
+            <a:spAutoFit/>
+          </a:bodyPr>
+          <a:lstStyle/>
+          <a:p>
+            <a:endParaRPr lang="fr-FR" dirty="0">
               <a:solidFill>
-                <a:schemeClr val="tx1"/>
+                <a:srgbClr val="FF0000"/>
               </a:solidFill>
             </a:endParaRPr>
           </a:p>
-          <a:p>
-            <a:pPr marL="457200" lvl="0" indent="-381000" rtl="0">
-              <a:spcBef>
-                <a:spcPts val="0"/>
-              </a:spcBef>
-              <a:buClr>
-                <a:srgbClr val="000000"/>
-              </a:buClr>
-              <a:buSzPct val="100000"/>
-              <a:buFont typeface="Arial"/>
-              <a:buAutoNum type="arabicPeriod"/>
-            </a:pPr>
-            <a:r>
-              <a:rPr lang="fr" sz="1800" dirty="0">
-                <a:solidFill>
-                  <a:schemeClr val="tx2"/>
-                </a:solidFill>
-              </a:rPr>
-              <a:t>Pour chacun de ces fichiers, extraire sa séquence de modifications durant la période en activant la détection de renommage (commande git log -M</a:t>
-            </a:r>
-            <a:r>
-              <a:rPr lang="fr" sz="1800" dirty="0" smtClean="0">
-                <a:solidFill>
-                  <a:schemeClr val="tx2"/>
-                </a:solidFill>
-              </a:rPr>
-              <a:t>).</a:t>
-            </a:r>
-            <a:r>
-              <a:rPr lang="fr" sz="1800" dirty="0" smtClean="0"/>
-              <a:t/>
-            </a:r>
-            <a:br>
-              <a:rPr lang="fr" sz="1800" dirty="0" smtClean="0"/>
-            </a:br>
-            <a:endParaRPr lang="fr" sz="1800" dirty="0">
+        </p:txBody>
+      </p:sp>
+      <p:sp>
+        <p:nvSpPr>
+          <p:cNvPr id="9" name="TextBox 8"/>
+          <p:cNvSpPr txBox="1"/>
+          <p:nvPr/>
+        </p:nvSpPr>
+        <p:spPr>
+          <a:xfrm>
+            <a:off x="1315173" y="2658140"/>
+            <a:ext cx="135336" cy="153888"/>
+          </a:xfrm>
+          <a:prstGeom prst="rect">
+            <a:avLst/>
+          </a:prstGeom>
+          <a:solidFill>
+            <a:srgbClr val="FF9900"/>
+          </a:solidFill>
+        </p:spPr>
+        <p:txBody>
+          <a:bodyPr wrap="square" rtlCol="0">
+            <a:spAutoFit/>
+          </a:bodyPr>
+          <a:lstStyle/>
+          <a:p>
+            <a:endParaRPr lang="fr-FR" dirty="0">
               <a:solidFill>
-                <a:schemeClr val="tx2"/>
+                <a:srgbClr val="FF0000"/>
               </a:solidFill>
             </a:endParaRPr>
           </a:p>
-          <a:p>
-            <a:pPr marL="457200" lvl="0" indent="-381000" rtl="0">
-              <a:spcBef>
-                <a:spcPts val="0"/>
-              </a:spcBef>
-              <a:buClr>
-                <a:srgbClr val="000000"/>
-              </a:buClr>
-              <a:buSzPct val="100000"/>
-              <a:buFont typeface="Arial"/>
-              <a:buAutoNum type="arabicPeriod"/>
-            </a:pPr>
-            <a:r>
-              <a:rPr lang="fr" sz="1800" dirty="0">
-                <a:solidFill>
-                  <a:schemeClr val="tx2"/>
-                </a:solidFill>
-              </a:rPr>
-              <a:t>Calculer le pourcentage de fichiers %FR qui inclue au moins un renommage.</a:t>
-            </a:r>
+        </p:txBody>
+      </p:sp>
+      <p:sp>
+        <p:nvSpPr>
+          <p:cNvPr id="10" name="TextBox 9"/>
+          <p:cNvSpPr txBox="1"/>
+          <p:nvPr/>
+        </p:nvSpPr>
+        <p:spPr>
+          <a:xfrm>
+            <a:off x="1315173" y="2888972"/>
+            <a:ext cx="135336" cy="153888"/>
+          </a:xfrm>
+          <a:prstGeom prst="rect">
+            <a:avLst/>
+          </a:prstGeom>
+          <a:solidFill>
+            <a:srgbClr val="FFFF00"/>
+          </a:solidFill>
+        </p:spPr>
+        <p:txBody>
+          <a:bodyPr wrap="square" rtlCol="0">
+            <a:spAutoFit/>
+          </a:bodyPr>
+          <a:lstStyle/>
+          <a:p>
+            <a:endParaRPr lang="fr-FR" dirty="0">
+              <a:solidFill>
+                <a:srgbClr val="FF0000"/>
+              </a:solidFill>
+            </a:endParaRPr>
+          </a:p>
+        </p:txBody>
+      </p:sp>
+      <p:sp>
+        <p:nvSpPr>
+          <p:cNvPr id="8" name="TextBox 7"/>
+          <p:cNvSpPr txBox="1"/>
+          <p:nvPr/>
+        </p:nvSpPr>
+        <p:spPr>
+          <a:xfrm>
+            <a:off x="1459554" y="2376423"/>
+            <a:ext cx="792088" cy="261610"/>
+          </a:xfrm>
+          <a:prstGeom prst="rect">
+            <a:avLst/>
+          </a:prstGeom>
+          <a:noFill/>
+        </p:spPr>
+        <p:txBody>
+          <a:bodyPr wrap="square" rtlCol="0">
+            <a:spAutoFit/>
+          </a:bodyPr>
+          <a:lstStyle/>
+          <a:p>
+            <a:r>
+              <a:rPr lang="fr-FR" sz="1100" dirty="0" smtClean="0"/>
+              <a:t>initiale</a:t>
+            </a:r>
+            <a:endParaRPr lang="fr-FR" sz="1100" dirty="0"/>
+          </a:p>
+        </p:txBody>
+      </p:sp>
+      <p:sp>
+        <p:nvSpPr>
+          <p:cNvPr id="12" name="TextBox 11"/>
+          <p:cNvSpPr txBox="1"/>
+          <p:nvPr/>
+        </p:nvSpPr>
+        <p:spPr>
+          <a:xfrm>
+            <a:off x="1459554" y="2604279"/>
+            <a:ext cx="792088" cy="261610"/>
+          </a:xfrm>
+          <a:prstGeom prst="rect">
+            <a:avLst/>
+          </a:prstGeom>
+          <a:noFill/>
+        </p:spPr>
+        <p:txBody>
+          <a:bodyPr wrap="square" rtlCol="0">
+            <a:spAutoFit/>
+          </a:bodyPr>
+          <a:lstStyle/>
+          <a:p>
+            <a:r>
+              <a:rPr lang="fr-FR" sz="1100" dirty="0" smtClean="0"/>
+              <a:t>majeur</a:t>
+            </a:r>
+            <a:endParaRPr lang="fr-FR" sz="1100" dirty="0"/>
+          </a:p>
+        </p:txBody>
+      </p:sp>
+      <p:sp>
+        <p:nvSpPr>
+          <p:cNvPr id="13" name="TextBox 12"/>
+          <p:cNvSpPr txBox="1"/>
+          <p:nvPr/>
+        </p:nvSpPr>
+        <p:spPr>
+          <a:xfrm>
+            <a:off x="1459554" y="2819716"/>
+            <a:ext cx="792088" cy="261610"/>
+          </a:xfrm>
+          <a:prstGeom prst="rect">
+            <a:avLst/>
+          </a:prstGeom>
+          <a:noFill/>
+        </p:spPr>
+        <p:txBody>
+          <a:bodyPr wrap="square" rtlCol="0">
+            <a:spAutoFit/>
+          </a:bodyPr>
+          <a:lstStyle/>
+          <a:p>
+            <a:r>
+              <a:rPr lang="fr-FR" sz="1100" dirty="0" smtClean="0"/>
+              <a:t>mineur</a:t>
+            </a:r>
+            <a:endParaRPr lang="fr-FR" sz="1100" dirty="0"/>
+          </a:p>
+        </p:txBody>
+      </p:sp>
+      <p:pic>
+        <p:nvPicPr>
+          <p:cNvPr id="11" name="Picture 10"/>
+          <p:cNvPicPr>
+            <a:picLocks noChangeAspect="1"/>
+          </p:cNvPicPr>
+          <p:nvPr/>
+        </p:nvPicPr>
+        <p:blipFill>
+          <a:blip r:embed="rId5">
+            <a:extLst>
+              <a:ext uri="{28A0092B-C50C-407E-A947-70E740481C1C}">
+                <a14:useLocalDpi xmlns:a14="http://schemas.microsoft.com/office/drawing/2010/main" val="0"/>
+              </a:ext>
+            </a:extLst>
+          </a:blip>
+          <a:stretch>
+            <a:fillRect/>
+          </a:stretch>
+        </p:blipFill>
+        <p:spPr>
+          <a:xfrm>
+            <a:off x="33066" y="4445978"/>
+            <a:ext cx="4409804" cy="1816540"/>
+          </a:xfrm>
+          <a:prstGeom prst="rect">
+            <a:avLst/>
+          </a:prstGeom>
+        </p:spPr>
+      </p:pic>
+      <p:pic>
+        <p:nvPicPr>
+          <p:cNvPr id="14" name="Picture 13"/>
+          <p:cNvPicPr>
+            <a:picLocks noChangeAspect="1"/>
+          </p:cNvPicPr>
+          <p:nvPr/>
+        </p:nvPicPr>
+        <p:blipFill>
+          <a:blip r:embed="rId6">
+            <a:extLst>
+              <a:ext uri="{28A0092B-C50C-407E-A947-70E740481C1C}">
+                <a14:useLocalDpi xmlns:a14="http://schemas.microsoft.com/office/drawing/2010/main" val="0"/>
+              </a:ext>
+            </a:extLst>
+          </a:blip>
+          <a:stretch>
+            <a:fillRect/>
+          </a:stretch>
+        </p:blipFill>
+        <p:spPr>
+          <a:xfrm>
+            <a:off x="4425441" y="4479883"/>
+            <a:ext cx="2175912" cy="1626016"/>
+          </a:xfrm>
+          <a:prstGeom prst="rect">
+            <a:avLst/>
+          </a:prstGeom>
+        </p:spPr>
+      </p:pic>
+      <p:pic>
+        <p:nvPicPr>
+          <p:cNvPr id="15" name="Picture 14"/>
+          <p:cNvPicPr>
+            <a:picLocks noChangeAspect="1"/>
+          </p:cNvPicPr>
+          <p:nvPr/>
+        </p:nvPicPr>
+        <p:blipFill>
+          <a:blip r:embed="rId7">
+            <a:extLst>
+              <a:ext uri="{28A0092B-C50C-407E-A947-70E740481C1C}">
+                <a14:useLocalDpi xmlns:a14="http://schemas.microsoft.com/office/drawing/2010/main" val="0"/>
+              </a:ext>
+            </a:extLst>
+          </a:blip>
+          <a:stretch>
+            <a:fillRect/>
+          </a:stretch>
+        </p:blipFill>
+        <p:spPr>
+          <a:xfrm>
+            <a:off x="6601353" y="4445978"/>
+            <a:ext cx="2468298" cy="1693826"/>
+          </a:xfrm>
+          <a:prstGeom prst="rect">
+            <a:avLst/>
+          </a:prstGeom>
+        </p:spPr>
+      </p:pic>
+      <p:sp>
+        <p:nvSpPr>
+          <p:cNvPr id="16" name="TextBox 15"/>
+          <p:cNvSpPr txBox="1"/>
+          <p:nvPr/>
+        </p:nvSpPr>
+        <p:spPr>
+          <a:xfrm>
+            <a:off x="8748464" y="6550223"/>
+            <a:ext cx="395536" cy="307777"/>
+          </a:xfrm>
+          <a:prstGeom prst="rect">
+            <a:avLst/>
+          </a:prstGeom>
+          <a:noFill/>
+        </p:spPr>
+        <p:txBody>
+          <a:bodyPr wrap="square" rtlCol="0">
+            <a:spAutoFit/>
+          </a:bodyPr>
+          <a:lstStyle/>
+          <a:p>
+            <a:r>
+              <a:rPr lang="fr-FR" dirty="0" smtClean="0"/>
+              <a:t>19</a:t>
+            </a:r>
+            <a:endParaRPr lang="fr-FR" dirty="0" smtClean="0"/>
           </a:p>
         </p:txBody>
       </p:sp>
@@ -6988,8 +8110,8 @@
         </p:nvSpPr>
         <p:spPr>
           <a:xfrm>
-            <a:off x="457200" y="205978"/>
-            <a:ext cx="8229600" cy="857400"/>
+            <a:off x="457200" y="274637"/>
+            <a:ext cx="8229600" cy="1143200"/>
           </a:xfrm>
           <a:prstGeom prst="rect">
             <a:avLst/>
@@ -7008,7 +8130,7 @@
               <a:buNone/>
             </a:pPr>
             <a:r>
-              <a:rPr lang="fr"/>
+              <a:rPr lang="fr" dirty="0"/>
               <a:t>Plan</a:t>
             </a:r>
           </a:p>
@@ -7026,8 +8148,8 @@
         </p:nvSpPr>
         <p:spPr>
           <a:xfrm>
-            <a:off x="457200" y="1200150"/>
-            <a:ext cx="8229600" cy="3725699"/>
+            <a:off x="457200" y="1600201"/>
+            <a:ext cx="8229600" cy="4967599"/>
           </a:xfrm>
           <a:prstGeom prst="rect">
             <a:avLst/>
@@ -7039,13 +8161,186 @@
           </a:bodyPr>
           <a:lstStyle/>
           <a:p>
-            <a:pPr>
-              <a:spcBef>
-                <a:spcPts val="0"/>
-              </a:spcBef>
-              <a:buNone/>
+            <a:pPr marL="514350" indent="-514350">
+              <a:spcBef>
+                <a:spcPts val="0"/>
+              </a:spcBef>
+              <a:buFont typeface="Arial" panose="020B0604020202020204" pitchFamily="34" charset="0"/>
+              <a:buChar char="•"/>
             </a:pPr>
-            <a:endParaRPr/>
+            <a:r>
+              <a:rPr lang="fr-FR" dirty="0" smtClean="0"/>
+              <a:t>Contexte, </a:t>
+            </a:r>
+            <a:r>
+              <a:rPr lang="fr-FR" sz="1800" dirty="0">
+                <a:solidFill>
+                  <a:schemeClr val="bg2"/>
+                </a:solidFill>
+              </a:rPr>
+              <a:t>g</a:t>
+            </a:r>
+            <a:r>
+              <a:rPr lang="fr-FR" sz="1800" dirty="0" smtClean="0">
+                <a:solidFill>
+                  <a:schemeClr val="bg2"/>
+                </a:solidFill>
+              </a:rPr>
+              <a:t>estionnaire de versions, domaine de recherche</a:t>
+            </a:r>
+            <a:r>
+              <a:rPr lang="fr-FR" sz="1800" dirty="0" smtClean="0">
+                <a:solidFill>
+                  <a:schemeClr val="bg2"/>
+                </a:solidFill>
+              </a:rPr>
+              <a:t>, métriques et renommage</a:t>
+            </a:r>
+            <a:br>
+              <a:rPr lang="fr-FR" sz="1800" dirty="0" smtClean="0">
+                <a:solidFill>
+                  <a:schemeClr val="bg2"/>
+                </a:solidFill>
+              </a:rPr>
+            </a:br>
+            <a:endParaRPr lang="fr-FR" sz="1800" dirty="0" smtClean="0">
+              <a:solidFill>
+                <a:schemeClr val="bg2"/>
+              </a:solidFill>
+            </a:endParaRPr>
+          </a:p>
+          <a:p>
+            <a:pPr marL="514350" indent="-514350">
+              <a:spcBef>
+                <a:spcPts val="0"/>
+              </a:spcBef>
+              <a:buFont typeface="Arial" panose="020B0604020202020204" pitchFamily="34" charset="0"/>
+              <a:buChar char="•"/>
+            </a:pPr>
+            <a:r>
+              <a:rPr lang="fr-FR" dirty="0"/>
+              <a:t>Problématique </a:t>
+            </a:r>
+            <a:r>
+              <a:rPr lang="fr-FR" sz="1800" dirty="0">
+                <a:solidFill>
+                  <a:schemeClr val="bg2"/>
+                </a:solidFill>
+              </a:rPr>
+              <a:t>du </a:t>
+            </a:r>
+            <a:r>
+              <a:rPr lang="fr-FR" sz="1800" dirty="0" smtClean="0">
+                <a:solidFill>
+                  <a:schemeClr val="bg2"/>
+                </a:solidFill>
+              </a:rPr>
+              <a:t>stage</a:t>
+            </a:r>
+            <a:br>
+              <a:rPr lang="fr-FR" sz="1800" dirty="0" smtClean="0">
+                <a:solidFill>
+                  <a:schemeClr val="bg2"/>
+                </a:solidFill>
+              </a:rPr>
+            </a:br>
+            <a:endParaRPr lang="fr-FR" sz="1800" dirty="0">
+              <a:solidFill>
+                <a:schemeClr val="bg2"/>
+              </a:solidFill>
+            </a:endParaRPr>
+          </a:p>
+          <a:p>
+            <a:pPr marL="514350" indent="-514350">
+              <a:spcBef>
+                <a:spcPts val="0"/>
+              </a:spcBef>
+              <a:buFont typeface="Arial" panose="020B0604020202020204" pitchFamily="34" charset="0"/>
+              <a:buChar char="•"/>
+            </a:pPr>
+            <a:r>
+              <a:rPr lang="fr-FR" dirty="0"/>
+              <a:t>Deux </a:t>
+            </a:r>
+            <a:r>
+              <a:rPr lang="fr-FR" dirty="0" smtClean="0"/>
+              <a:t>Expérimentations,</a:t>
+            </a:r>
+            <a:r>
+              <a:rPr lang="fr-FR" sz="1800" dirty="0" smtClean="0">
+                <a:solidFill>
+                  <a:schemeClr val="bg2"/>
+                </a:solidFill>
+              </a:rPr>
+              <a:t> méthodologie</a:t>
+            </a:r>
+            <a:br>
+              <a:rPr lang="fr-FR" sz="1800" dirty="0" smtClean="0">
+                <a:solidFill>
+                  <a:schemeClr val="bg2"/>
+                </a:solidFill>
+              </a:rPr>
+            </a:br>
+            <a:endParaRPr lang="fr-FR" sz="1800" dirty="0" smtClean="0">
+              <a:solidFill>
+                <a:schemeClr val="bg2"/>
+              </a:solidFill>
+            </a:endParaRPr>
+          </a:p>
+          <a:p>
+            <a:pPr marL="514350" indent="-514350">
+              <a:spcBef>
+                <a:spcPts val="0"/>
+              </a:spcBef>
+              <a:buFont typeface="Arial" panose="020B0604020202020204" pitchFamily="34" charset="0"/>
+              <a:buChar char="•"/>
+            </a:pPr>
+            <a:r>
+              <a:rPr lang="fr-FR" dirty="0" smtClean="0"/>
+              <a:t>Résultats</a:t>
+            </a:r>
+            <a:r>
+              <a:rPr lang="fr-FR" sz="1800" dirty="0" smtClean="0">
+                <a:solidFill>
+                  <a:schemeClr val="bg2"/>
+                </a:solidFill>
+              </a:rPr>
+              <a:t/>
+            </a:r>
+            <a:br>
+              <a:rPr lang="fr-FR" sz="1800" dirty="0" smtClean="0">
+                <a:solidFill>
+                  <a:schemeClr val="bg2"/>
+                </a:solidFill>
+              </a:rPr>
+            </a:br>
+            <a:endParaRPr lang="fr-FR" dirty="0"/>
+          </a:p>
+          <a:p>
+            <a:pPr marL="514350" indent="-514350">
+              <a:spcBef>
+                <a:spcPts val="0"/>
+              </a:spcBef>
+              <a:buFont typeface="Arial" panose="020B0604020202020204" pitchFamily="34" charset="0"/>
+              <a:buChar char="•"/>
+            </a:pPr>
+            <a:r>
+              <a:rPr lang="fr-FR" dirty="0"/>
+              <a:t>Conclusion</a:t>
+            </a:r>
+            <a:r>
+              <a:rPr lang="fr-FR" sz="1800" dirty="0" smtClean="0">
+                <a:solidFill>
+                  <a:schemeClr val="bg2"/>
+                </a:solidFill>
+              </a:rPr>
+              <a:t> et recommandations aux développeurs et chercheurs</a:t>
+            </a:r>
+            <a:endParaRPr sz="1800" dirty="0">
+              <a:solidFill>
+                <a:schemeClr val="bg2"/>
+              </a:solidFill>
+            </a:endParaRPr>
           </a:p>
         </p:txBody>
       </p:sp>
@@ -7057,7 +8352,7 @@
         </p:nvSpPr>
         <p:spPr>
           <a:xfrm>
-            <a:off x="8855282" y="4835723"/>
+            <a:off x="8855282" y="6550223"/>
             <a:ext cx="288718" cy="307777"/>
           </a:xfrm>
           <a:prstGeom prst="rect">
@@ -7102,7 +8397,7 @@
   <p:cSld>
     <p:spTree>
       <p:nvGrpSpPr>
-        <p:cNvPr id="1" name="Shape 102"/>
+        <p:cNvPr id="1" name=""/>
         <p:cNvGrpSpPr/>
         <p:nvPr/>
       </p:nvGrpSpPr>
@@ -7116,167 +8411,200 @@
       </p:grpSpPr>
       <p:sp>
         <p:nvSpPr>
-          <p:cNvPr id="103" name="Shape 103"/>
-          <p:cNvSpPr txBox="1">
+          <p:cNvPr id="2" name="Title 1"/>
+          <p:cNvSpPr>
             <a:spLocks noGrp="1"/>
           </p:cNvSpPr>
           <p:nvPr>
             <p:ph type="title"/>
           </p:nvPr>
         </p:nvSpPr>
-        <p:spPr>
-          <a:xfrm>
-            <a:off x="457200" y="205978"/>
-            <a:ext cx="8229600" cy="857400"/>
-          </a:xfrm>
-          <a:prstGeom prst="rect">
-            <a:avLst/>
-          </a:prstGeom>
-        </p:spPr>
+        <p:spPr/>
         <p:txBody>
           <a:bodyPr lIns="91425" tIns="91425" rIns="91425" bIns="91425" anchor="ctr" anchorCtr="0">
             <a:noAutofit/>
           </a:bodyPr>
           <a:lstStyle/>
           <a:p>
-            <a:pPr lvl="0"/>
-            <a:r>
-              <a:rPr lang="fr" dirty="0"/>
-              <a:t>Méthodologie, </a:t>
-            </a:r>
-            <a:r>
-              <a:rPr lang="fr" sz="1400" dirty="0">
+            <a:r>
+              <a:rPr lang="fr-FR" dirty="0"/>
+              <a:t>Résultats </a:t>
+            </a:r>
+            <a:r>
+              <a:rPr lang="fr-FR" sz="1400" dirty="0">
                 <a:solidFill>
                   <a:schemeClr val="bg2"/>
                 </a:solidFill>
               </a:rPr>
-              <a:t>première expérience</a:t>
-            </a:r>
-          </a:p>
-        </p:txBody>
-      </p:sp>
-      <p:sp>
-        <p:nvSpPr>
-          <p:cNvPr id="104" name="Shape 104"/>
-          <p:cNvSpPr txBox="1"/>
-          <p:nvPr/>
-        </p:nvSpPr>
-        <p:spPr>
-          <a:xfrm>
-            <a:off x="642000" y="1253900"/>
-            <a:ext cx="7859999" cy="3632400"/>
-          </a:xfrm>
-          <a:prstGeom prst="rect">
-            <a:avLst/>
-          </a:prstGeom>
-        </p:spPr>
-        <p:txBody>
-          <a:bodyPr lIns="91425" tIns="91425" rIns="91425" bIns="91425" anchor="t" anchorCtr="0">
-            <a:noAutofit/>
-          </a:bodyPr>
-          <a:lstStyle/>
-          <a:p>
-            <a:pPr marL="419100" lvl="0" indent="-342900" rtl="0">
-              <a:spcBef>
-                <a:spcPts val="0"/>
-              </a:spcBef>
-              <a:buClr>
-                <a:srgbClr val="000000"/>
-              </a:buClr>
-              <a:buSzPct val="100000"/>
-              <a:buFont typeface="+mj-lt"/>
-              <a:buAutoNum type="arabicPeriod"/>
-            </a:pPr>
-            <a:r>
-              <a:rPr lang="fr" sz="1800" dirty="0" smtClean="0">
-                <a:solidFill>
-                  <a:schemeClr val="tx2"/>
-                </a:solidFill>
-              </a:rPr>
-              <a:t>Lister </a:t>
-            </a:r>
-            <a:r>
-              <a:rPr lang="fr" sz="1800" dirty="0">
-                <a:solidFill>
-                  <a:schemeClr val="tx2"/>
-                </a:solidFill>
-              </a:rPr>
-              <a:t>les fichiers existant à la fin de la période</a:t>
-            </a:r>
-            <a:r>
-              <a:rPr lang="fr" sz="1800" dirty="0" smtClean="0">
-                <a:solidFill>
-                  <a:schemeClr val="tx2"/>
-                </a:solidFill>
-              </a:rPr>
-              <a:t>.</a:t>
-            </a:r>
-            <a:br>
-              <a:rPr lang="fr" sz="1800" dirty="0" smtClean="0">
-                <a:solidFill>
-                  <a:schemeClr val="tx2"/>
-                </a:solidFill>
-              </a:rPr>
-            </a:br>
-            <a:endParaRPr lang="fr" sz="1800" dirty="0">
-              <a:solidFill>
-                <a:schemeClr val="tx2"/>
-              </a:solidFill>
-            </a:endParaRPr>
-          </a:p>
-          <a:p>
-            <a:pPr marL="419100" lvl="0" indent="-342900" rtl="0">
-              <a:spcBef>
-                <a:spcPts val="0"/>
-              </a:spcBef>
-              <a:buClr>
-                <a:srgbClr val="000000"/>
-              </a:buClr>
-              <a:buSzPct val="100000"/>
-              <a:buFont typeface="+mj-lt"/>
-              <a:buAutoNum type="arabicPeriod"/>
-            </a:pPr>
-            <a:r>
-              <a:rPr lang="fr" sz="1800" dirty="0"/>
-              <a:t>Pour chacun de ces fichiers, extraire sa séquence de modifications durant la période en activant la détection de renommage (commande git log -M).</a:t>
+              <a:t>deuxième expérience</a:t>
             </a:r>
           </a:p>
         </p:txBody>
       </p:sp>
       <p:pic>
         <p:nvPicPr>
-          <p:cNvPr id="4" name="Shape 110"/>
-          <p:cNvPicPr preferRelativeResize="0"/>
+          <p:cNvPr id="4" name="Picture 3"/>
+          <p:cNvPicPr>
+            <a:picLocks noChangeAspect="1"/>
+          </p:cNvPicPr>
           <p:nvPr/>
         </p:nvPicPr>
         <p:blipFill>
-          <a:blip r:embed="rId3"/>
+          <a:blip r:embed="rId2">
+            <a:extLst>
+              <a:ext uri="{28A0092B-C50C-407E-A947-70E740481C1C}">
+                <a14:useLocalDpi xmlns:a14="http://schemas.microsoft.com/office/drawing/2010/main" val="0"/>
+              </a:ext>
+            </a:extLst>
+          </a:blip>
           <a:stretch>
             <a:fillRect/>
           </a:stretch>
         </p:blipFill>
         <p:spPr>
           <a:xfrm>
-            <a:off x="1977931" y="2859782"/>
-            <a:ext cx="5188136" cy="1872208"/>
+            <a:off x="1187624" y="2555618"/>
+            <a:ext cx="6768752" cy="3534327"/>
+          </a:xfrm>
+          <a:prstGeom prst="rect">
+            <a:avLst/>
+          </a:prstGeom>
+        </p:spPr>
+      </p:pic>
+      <p:sp>
+        <p:nvSpPr>
+          <p:cNvPr id="5" name="TextBox 4"/>
+          <p:cNvSpPr txBox="1"/>
+          <p:nvPr/>
+        </p:nvSpPr>
+        <p:spPr>
+          <a:xfrm>
+            <a:off x="1475656" y="1796818"/>
+            <a:ext cx="6120680" cy="369332"/>
           </a:xfrm>
           <a:prstGeom prst="rect">
             <a:avLst/>
           </a:prstGeom>
           <a:noFill/>
-          <a:ln>
-            <a:noFill/>
-          </a:ln>
-        </p:spPr>
-      </p:pic>
+        </p:spPr>
+        <p:txBody>
+          <a:bodyPr wrap="square" rtlCol="0">
+            <a:spAutoFit/>
+          </a:bodyPr>
+          <a:lstStyle/>
+          <a:p>
+            <a:r>
+              <a:rPr lang="fr-FR" sz="1800" dirty="0" smtClean="0"/>
+              <a:t>Coefficient de corrélation de Spearman :</a:t>
+            </a:r>
+            <a:endParaRPr lang="fr-FR" sz="1800" dirty="0"/>
+          </a:p>
+        </p:txBody>
+      </p:sp>
+      <p:cxnSp>
+        <p:nvCxnSpPr>
+          <p:cNvPr id="7" name="Straight Connector 6"/>
+          <p:cNvCxnSpPr/>
+          <p:nvPr/>
+        </p:nvCxnSpPr>
+        <p:spPr>
+          <a:xfrm>
+            <a:off x="4868664" y="2660915"/>
+            <a:ext cx="0" cy="3342053"/>
+          </a:xfrm>
+          <a:prstGeom prst="line">
+            <a:avLst/>
+          </a:prstGeom>
+        </p:spPr>
+        <p:style>
+          <a:lnRef idx="1">
+            <a:schemeClr val="dk1"/>
+          </a:lnRef>
+          <a:fillRef idx="0">
+            <a:schemeClr val="dk1"/>
+          </a:fillRef>
+          <a:effectRef idx="0">
+            <a:schemeClr val="dk1"/>
+          </a:effectRef>
+          <a:fontRef idx="minor">
+            <a:schemeClr val="tx1"/>
+          </a:fontRef>
+        </p:style>
+      </p:cxnSp>
+      <p:cxnSp>
+        <p:nvCxnSpPr>
+          <p:cNvPr id="9" name="Straight Connector 8"/>
+          <p:cNvCxnSpPr/>
+          <p:nvPr/>
+        </p:nvCxnSpPr>
+        <p:spPr>
+          <a:xfrm flipH="1">
+            <a:off x="4868664" y="3242724"/>
+            <a:ext cx="72008" cy="0"/>
+          </a:xfrm>
+          <a:prstGeom prst="line">
+            <a:avLst/>
+          </a:prstGeom>
+        </p:spPr>
+        <p:style>
+          <a:lnRef idx="1">
+            <a:schemeClr val="dk1"/>
+          </a:lnRef>
+          <a:fillRef idx="0">
+            <a:schemeClr val="dk1"/>
+          </a:fillRef>
+          <a:effectRef idx="0">
+            <a:schemeClr val="dk1"/>
+          </a:effectRef>
+          <a:fontRef idx="minor">
+            <a:schemeClr val="tx1"/>
+          </a:fontRef>
+        </p:style>
+      </p:cxnSp>
+      <p:sp>
+        <p:nvSpPr>
+          <p:cNvPr id="8" name="TextBox 7"/>
+          <p:cNvSpPr txBox="1"/>
+          <p:nvPr/>
+        </p:nvSpPr>
+        <p:spPr>
+          <a:xfrm>
+            <a:off x="8748464" y="6550223"/>
+            <a:ext cx="395536" cy="307777"/>
+          </a:xfrm>
+          <a:prstGeom prst="rect">
+            <a:avLst/>
+          </a:prstGeom>
+          <a:noFill/>
+        </p:spPr>
+        <p:txBody>
+          <a:bodyPr wrap="square" rtlCol="0">
+            <a:spAutoFit/>
+          </a:bodyPr>
+          <a:lstStyle/>
+          <a:p>
+            <a:r>
+              <a:rPr lang="fr-FR" dirty="0"/>
+              <a:t>2</a:t>
+            </a:r>
+            <a:r>
+              <a:rPr lang="fr-FR" dirty="0" smtClean="0"/>
+              <a:t>0</a:t>
+            </a:r>
+            <a:endParaRPr lang="fr-FR" dirty="0" smtClean="0"/>
+          </a:p>
+        </p:txBody>
+      </p:sp>
     </p:spTree>
+    <p:extLst>
+      <p:ext uri="{BB962C8B-B14F-4D97-AF65-F5344CB8AC3E}">
+        <p14:creationId xmlns:p14="http://schemas.microsoft.com/office/powerpoint/2010/main" val="1666827742"/>
+      </p:ext>
+    </p:extLst>
   </p:cSld>
   <p:clrMapOvr>
     <a:masterClrMapping/>
   </p:clrMapOvr>
-  <p:transition spd="slow">
-    <p:cut/>
-  </p:transition>
   <p:timing>
     <p:tnLst>
       <p:par>
@@ -7292,7 +8620,7 @@
   <p:cSld>
     <p:spTree>
       <p:nvGrpSpPr>
-        <p:cNvPr id="1" name="Shape 114"/>
+        <p:cNvPr id="1" name="Shape 144"/>
         <p:cNvGrpSpPr/>
         <p:nvPr/>
       </p:nvGrpSpPr>
@@ -7306,7 +8634,7 @@
       </p:grpSpPr>
       <p:sp>
         <p:nvSpPr>
-          <p:cNvPr id="115" name="Shape 115"/>
+          <p:cNvPr id="145" name="Shape 145"/>
           <p:cNvSpPr txBox="1">
             <a:spLocks noGrp="1"/>
           </p:cNvSpPr>
@@ -7316,8 +8644,8 @@
         </p:nvSpPr>
         <p:spPr>
           <a:xfrm>
-            <a:off x="457200" y="205978"/>
-            <a:ext cx="8229600" cy="857400"/>
+            <a:off x="457200" y="274637"/>
+            <a:ext cx="8229600" cy="1143200"/>
           </a:xfrm>
           <a:prstGeom prst="rect">
             <a:avLst/>
@@ -7329,135 +8657,261 @@
           </a:bodyPr>
           <a:lstStyle/>
           <a:p>
+            <a:pPr>
+              <a:spcBef>
+                <a:spcPts val="0"/>
+              </a:spcBef>
+              <a:buNone/>
+            </a:pPr>
             <a:r>
               <a:rPr lang="fr" dirty="0"/>
-              <a:t>Méthodologie, </a:t>
-            </a:r>
-            <a:r>
-              <a:rPr lang="fr" sz="1400" dirty="0">
-                <a:solidFill>
-                  <a:schemeClr val="bg2"/>
-                </a:solidFill>
-              </a:rPr>
-              <a:t>première expérience</a:t>
-            </a:r>
-          </a:p>
-        </p:txBody>
-      </p:sp>
-      <p:sp>
-        <p:nvSpPr>
-          <p:cNvPr id="116" name="Shape 116"/>
+              <a:t>Conclusion</a:t>
+            </a:r>
+          </a:p>
+        </p:txBody>
+      </p:sp>
+      <p:sp>
+        <p:nvSpPr>
+          <p:cNvPr id="5" name="TextBox 4"/>
           <p:cNvSpPr txBox="1"/>
           <p:nvPr/>
         </p:nvSpPr>
         <p:spPr>
           <a:xfrm>
-            <a:off x="642000" y="1253900"/>
-            <a:ext cx="7859999" cy="3632400"/>
-          </a:xfrm>
-          <a:prstGeom prst="rect">
-            <a:avLst/>
-          </a:prstGeom>
-        </p:spPr>
-        <p:txBody>
-          <a:bodyPr lIns="91425" tIns="91425" rIns="91425" bIns="91425" anchor="t" anchorCtr="0">
-            <a:noAutofit/>
+            <a:off x="683568" y="2996952"/>
+            <a:ext cx="7560840" cy="1477328"/>
+          </a:xfrm>
+          <a:prstGeom prst="rect">
+            <a:avLst/>
+          </a:prstGeom>
+          <a:noFill/>
+        </p:spPr>
+        <p:txBody>
+          <a:bodyPr wrap="square" rtlCol="0">
+            <a:spAutoFit/>
           </a:bodyPr>
           <a:lstStyle/>
           <a:p>
-            <a:pPr marL="457200" lvl="0" indent="-381000" rtl="0">
-              <a:spcBef>
-                <a:spcPts val="0"/>
-              </a:spcBef>
-              <a:buClr>
-                <a:srgbClr val="000000"/>
-              </a:buClr>
-              <a:buSzPct val="100000"/>
-              <a:buFont typeface="Arial"/>
-              <a:buAutoNum type="arabicPeriod"/>
+            <a:r>
+              <a:rPr lang="fr-FR" sz="1800" b="1" dirty="0" smtClean="0"/>
+              <a:t>Les recommandations :</a:t>
+            </a:r>
+            <a:endParaRPr lang="fr-FR" sz="1800" b="1" dirty="0"/>
+          </a:p>
+          <a:p>
+            <a:pPr marL="285750" indent="-285750">
+              <a:buFont typeface="Arial" panose="020B0604020202020204" pitchFamily="34" charset="0"/>
+              <a:buChar char="•"/>
             </a:pPr>
             <a:r>
-              <a:rPr lang="fr" sz="1800" dirty="0">
-                <a:solidFill>
-                  <a:schemeClr val="tx2"/>
-                </a:solidFill>
-              </a:rPr>
-              <a:t>Lister les fichiers existant à la fin de la période</a:t>
-            </a:r>
-            <a:r>
-              <a:rPr lang="fr" sz="1800" dirty="0" smtClean="0">
-                <a:solidFill>
-                  <a:schemeClr val="tx2"/>
-                </a:solidFill>
-              </a:rPr>
-              <a:t>.</a:t>
-            </a:r>
-            <a:br>
-              <a:rPr lang="fr" sz="1800" dirty="0" smtClean="0">
-                <a:solidFill>
-                  <a:schemeClr val="tx2"/>
-                </a:solidFill>
-              </a:rPr>
-            </a:br>
-            <a:endParaRPr lang="fr" sz="1800" dirty="0">
-              <a:solidFill>
-                <a:schemeClr val="tx2"/>
-              </a:solidFill>
-            </a:endParaRPr>
-          </a:p>
-          <a:p>
-            <a:pPr marL="457200" lvl="0" indent="-381000" rtl="0">
-              <a:spcBef>
-                <a:spcPts val="0"/>
-              </a:spcBef>
-              <a:buClr>
-                <a:srgbClr val="000000"/>
-              </a:buClr>
-              <a:buSzPct val="100000"/>
-              <a:buFont typeface="Arial"/>
-              <a:buAutoNum type="arabicPeriod"/>
+              <a:rPr lang="fr-FR" sz="1800" dirty="0" smtClean="0"/>
+              <a:t>Périodes initiales</a:t>
+            </a:r>
+          </a:p>
+          <a:p>
+            <a:pPr marL="285750" indent="-285750">
+              <a:buFont typeface="Arial" panose="020B0604020202020204" pitchFamily="34" charset="0"/>
+              <a:buChar char="•"/>
             </a:pPr>
             <a:r>
-              <a:rPr lang="fr" sz="1800" dirty="0">
-                <a:solidFill>
-                  <a:schemeClr val="tx2"/>
-                </a:solidFill>
-              </a:rPr>
-              <a:t>Pour chacun de ces fichiers, extraire sa séquence de modifications durant la période en activant la détection de renommage (commande git log -M</a:t>
-            </a:r>
-            <a:r>
-              <a:rPr lang="fr" sz="1800" dirty="0" smtClean="0">
-                <a:solidFill>
-                  <a:schemeClr val="tx2"/>
-                </a:solidFill>
-              </a:rPr>
-              <a:t>).</a:t>
-            </a:r>
-            <a:r>
-              <a:rPr lang="fr" sz="1800" dirty="0" smtClean="0"/>
-              <a:t/>
-            </a:r>
-            <a:br>
-              <a:rPr lang="fr" sz="1800" dirty="0" smtClean="0"/>
-            </a:br>
-            <a:endParaRPr lang="fr" sz="1800" dirty="0"/>
-          </a:p>
-          <a:p>
-            <a:pPr marL="457200" lvl="0" indent="-381000" rtl="0">
-              <a:spcBef>
-                <a:spcPts val="0"/>
-              </a:spcBef>
-              <a:buClr>
-                <a:srgbClr val="000000"/>
-              </a:buClr>
-              <a:buSzPct val="100000"/>
-              <a:buFont typeface="Arial"/>
-              <a:buAutoNum type="arabicPeriod"/>
+              <a:rPr lang="fr-FR" sz="1800" dirty="0" smtClean="0"/>
+              <a:t>Utiliser un algorithme de détection de renommage, Git à défaut</a:t>
+            </a:r>
+          </a:p>
+          <a:p>
+            <a:pPr marL="285750" indent="-285750">
+              <a:buFont typeface="Arial" panose="020B0604020202020204" pitchFamily="34" charset="0"/>
+              <a:buChar char="•"/>
             </a:pPr>
             <a:r>
-              <a:rPr lang="fr" sz="1800" dirty="0"/>
-              <a:t>Calculer le pourcentage de fichiers %FR qui inclue au moins un renommage.</a:t>
-            </a:r>
+              <a:rPr lang="fr-FR" sz="1800" dirty="0" smtClean="0"/>
+              <a:t>Attention au niveau de granularité</a:t>
+            </a:r>
+          </a:p>
+          <a:p>
+            <a:pPr marL="285750" indent="-285750">
+              <a:buFont typeface="Arial" panose="020B0604020202020204" pitchFamily="34" charset="0"/>
+              <a:buChar char="•"/>
+            </a:pPr>
+            <a:r>
+              <a:rPr lang="fr-FR" sz="1800" dirty="0" smtClean="0"/>
+              <a:t>Le renommage dans les prochaines études</a:t>
+            </a:r>
+            <a:endParaRPr lang="fr-FR" sz="1800" dirty="0"/>
+          </a:p>
+        </p:txBody>
+      </p:sp>
+      <p:sp>
+        <p:nvSpPr>
+          <p:cNvPr id="6" name="TextBox 5"/>
+          <p:cNvSpPr txBox="1"/>
+          <p:nvPr/>
+        </p:nvSpPr>
+        <p:spPr>
+          <a:xfrm>
+            <a:off x="683568" y="4869160"/>
+            <a:ext cx="7200800" cy="923330"/>
+          </a:xfrm>
+          <a:prstGeom prst="rect">
+            <a:avLst/>
+          </a:prstGeom>
+          <a:noFill/>
+        </p:spPr>
+        <p:txBody>
+          <a:bodyPr wrap="square" rtlCol="0">
+            <a:spAutoFit/>
+          </a:bodyPr>
+          <a:lstStyle/>
+          <a:p>
+            <a:r>
+              <a:rPr lang="fr-FR" sz="1800" b="1" dirty="0" smtClean="0"/>
+              <a:t>Prochaine étapes: </a:t>
+            </a:r>
+          </a:p>
+          <a:p>
+            <a:pPr marL="285750" indent="-285750">
+              <a:buFont typeface="Arial" panose="020B0604020202020204" pitchFamily="34" charset="0"/>
+              <a:buChar char="•"/>
+            </a:pPr>
+            <a:r>
+              <a:rPr lang="fr-FR" sz="1800" dirty="0"/>
+              <a:t>E</a:t>
+            </a:r>
+            <a:r>
+              <a:rPr lang="fr-FR" sz="1800" dirty="0" smtClean="0"/>
+              <a:t>valuer la précision des algorithmes de détection de renommage</a:t>
+            </a:r>
+          </a:p>
+          <a:p>
+            <a:pPr marL="285750" indent="-285750">
+              <a:buFont typeface="Arial" panose="020B0604020202020204" pitchFamily="34" charset="0"/>
+              <a:buChar char="•"/>
+            </a:pPr>
+            <a:r>
+              <a:rPr lang="fr-FR" sz="1800" dirty="0" smtClean="0"/>
+              <a:t>Etude des split et </a:t>
+            </a:r>
+            <a:r>
+              <a:rPr lang="fr-FR" sz="1800" dirty="0" err="1" smtClean="0"/>
+              <a:t>merge</a:t>
+            </a:r>
+            <a:r>
+              <a:rPr lang="fr-FR" sz="1800" dirty="0" smtClean="0"/>
+              <a:t> d’entités</a:t>
+            </a:r>
+            <a:endParaRPr lang="fr-FR" sz="1800" dirty="0"/>
+          </a:p>
+        </p:txBody>
+      </p:sp>
+      <p:sp>
+        <p:nvSpPr>
+          <p:cNvPr id="2" name="TextBox 1"/>
+          <p:cNvSpPr txBox="1"/>
+          <p:nvPr/>
+        </p:nvSpPr>
+        <p:spPr>
+          <a:xfrm>
+            <a:off x="683568" y="1700808"/>
+            <a:ext cx="6840760" cy="923330"/>
+          </a:xfrm>
+          <a:prstGeom prst="rect">
+            <a:avLst/>
+          </a:prstGeom>
+          <a:noFill/>
+        </p:spPr>
+        <p:txBody>
+          <a:bodyPr wrap="square" rtlCol="0">
+            <a:spAutoFit/>
+          </a:bodyPr>
+          <a:lstStyle/>
+          <a:p>
+            <a:r>
+              <a:rPr lang="fr-FR" sz="1800" b="1" dirty="0">
+                <a:solidFill>
+                  <a:schemeClr val="tx1"/>
+                </a:solidFill>
+              </a:rPr>
+              <a:t>Le </a:t>
+            </a:r>
+            <a:r>
+              <a:rPr lang="fr-FR" sz="1800" b="1" dirty="0" smtClean="0">
+                <a:solidFill>
+                  <a:schemeClr val="tx1"/>
+                </a:solidFill>
+              </a:rPr>
+              <a:t>renommage : </a:t>
+            </a:r>
+          </a:p>
+          <a:p>
+            <a:pPr marL="285750" indent="-285750">
+              <a:buFont typeface="Arial" panose="020B0604020202020204" pitchFamily="34" charset="0"/>
+              <a:buChar char="•"/>
+            </a:pPr>
+            <a:r>
+              <a:rPr lang="fr-FR" sz="1800" dirty="0" smtClean="0"/>
+              <a:t>Jusqu’à 100</a:t>
+            </a:r>
+            <a:r>
+              <a:rPr lang="fr-FR" sz="1800" dirty="0"/>
+              <a:t>% des fichiers d’un </a:t>
+            </a:r>
+            <a:r>
+              <a:rPr lang="fr-FR" sz="1800" dirty="0" smtClean="0"/>
+              <a:t>projet.</a:t>
+            </a:r>
+          </a:p>
+          <a:p>
+            <a:pPr marL="285750" indent="-285750">
+              <a:buFont typeface="Arial" panose="020B0604020202020204" pitchFamily="34" charset="0"/>
+              <a:buChar char="•"/>
+            </a:pPr>
+            <a:r>
+              <a:rPr lang="fr-FR" sz="1800" dirty="0"/>
+              <a:t>F</a:t>
+            </a:r>
+            <a:r>
+              <a:rPr lang="fr-FR" sz="1800" dirty="0" smtClean="0"/>
+              <a:t>ausse </a:t>
+            </a:r>
+            <a:r>
+              <a:rPr lang="fr-FR" sz="1800" dirty="0"/>
+              <a:t>complétement le calcul des </a:t>
+            </a:r>
+            <a:r>
+              <a:rPr lang="fr-FR" sz="1800" dirty="0" smtClean="0"/>
+              <a:t>métriques de procédés.</a:t>
+            </a:r>
+            <a:endParaRPr lang="fr-FR" sz="1800" dirty="0"/>
+          </a:p>
+        </p:txBody>
+      </p:sp>
+      <p:sp>
+        <p:nvSpPr>
+          <p:cNvPr id="8" name="TextBox 7"/>
+          <p:cNvSpPr txBox="1"/>
+          <p:nvPr/>
+        </p:nvSpPr>
+        <p:spPr>
+          <a:xfrm>
+            <a:off x="8748464" y="6550223"/>
+            <a:ext cx="395536" cy="307777"/>
+          </a:xfrm>
+          <a:prstGeom prst="rect">
+            <a:avLst/>
+          </a:prstGeom>
+          <a:noFill/>
+        </p:spPr>
+        <p:txBody>
+          <a:bodyPr wrap="square" rtlCol="0">
+            <a:spAutoFit/>
+          </a:bodyPr>
+          <a:lstStyle/>
+          <a:p>
+            <a:r>
+              <a:rPr lang="fr-FR" dirty="0" smtClean="0"/>
+              <a:t>21</a:t>
+            </a:r>
+            <a:endParaRPr lang="fr-FR" dirty="0" smtClean="0"/>
           </a:p>
         </p:txBody>
       </p:sp>
@@ -7484,7 +8938,7 @@
   <p:cSld>
     <p:spTree>
       <p:nvGrpSpPr>
-        <p:cNvPr id="1" name="Shape 120"/>
+        <p:cNvPr id="1" name="Shape 144"/>
         <p:cNvGrpSpPr/>
         <p:nvPr/>
       </p:nvGrpSpPr>
@@ -7498,7 +8952,7 @@
       </p:grpSpPr>
       <p:sp>
         <p:nvSpPr>
-          <p:cNvPr id="121" name="Shape 121"/>
+          <p:cNvPr id="145" name="Shape 145"/>
           <p:cNvSpPr txBox="1">
             <a:spLocks noGrp="1"/>
           </p:cNvSpPr>
@@ -7508,8 +8962,8 @@
         </p:nvSpPr>
         <p:spPr>
           <a:xfrm>
-            <a:off x="457200" y="205978"/>
-            <a:ext cx="8229600" cy="857400"/>
+            <a:off x="457200" y="274637"/>
+            <a:ext cx="8229600" cy="1143200"/>
           </a:xfrm>
           <a:prstGeom prst="rect">
             <a:avLst/>
@@ -7521,32 +8975,34 @@
           </a:bodyPr>
           <a:lstStyle/>
           <a:p>
-            <a:pPr lvl="0"/>
+            <a:pPr algn="ctr">
+              <a:spcBef>
+                <a:spcPts val="0"/>
+              </a:spcBef>
+              <a:buNone/>
+            </a:pPr>
             <a:r>
               <a:rPr lang="fr" dirty="0" smtClean="0"/>
-              <a:t>Méthodologie </a:t>
-            </a:r>
-            <a:r>
-              <a:rPr lang="fr" sz="1400" dirty="0">
-                <a:solidFill>
-                  <a:schemeClr val="bg2"/>
-                </a:solidFill>
-              </a:rPr>
-              <a:t>deuxième expérience</a:t>
-            </a:r>
-          </a:p>
-        </p:txBody>
-      </p:sp>
-      <p:sp>
-        <p:nvSpPr>
-          <p:cNvPr id="122" name="Shape 122"/>
-          <p:cNvSpPr txBox="1"/>
-          <p:nvPr/>
-        </p:nvSpPr>
-        <p:spPr>
-          <a:xfrm>
-            <a:off x="619125" y="1144300"/>
-            <a:ext cx="7922699" cy="3750000"/>
+              <a:t>Annexe A</a:t>
+            </a:r>
+            <a:endParaRPr lang="fr" dirty="0"/>
+          </a:p>
+        </p:txBody>
+      </p:sp>
+      <p:sp>
+        <p:nvSpPr>
+          <p:cNvPr id="146" name="Shape 146"/>
+          <p:cNvSpPr txBox="1">
+            <a:spLocks noGrp="1"/>
+          </p:cNvSpPr>
+          <p:nvPr>
+            <p:ph type="body" idx="1"/>
+          </p:nvPr>
+        </p:nvSpPr>
+        <p:spPr>
+          <a:xfrm>
+            <a:off x="457200" y="1600201"/>
+            <a:ext cx="8229600" cy="4967599"/>
           </a:xfrm>
           <a:prstGeom prst="rect">
             <a:avLst/>
@@ -7565,13 +9021,67 @@
               <a:buNone/>
             </a:pPr>
             <a:r>
-              <a:rPr lang="fr"/>
-              <a:t>Spearman</a:t>
-            </a:r>
+              <a:rPr lang="fr-FR" dirty="0" smtClean="0"/>
+              <a:t>Analyses des études antérieures</a:t>
+            </a:r>
+            <a:endParaRPr lang="fr" dirty="0" smtClean="0"/>
+          </a:p>
+          <a:p>
+            <a:pPr lvl="0" rtl="0">
+              <a:spcBef>
+                <a:spcPts val="0"/>
+              </a:spcBef>
+              <a:buNone/>
+            </a:pPr>
+            <a:endParaRPr lang="fr" dirty="0"/>
+          </a:p>
+          <a:p>
+            <a:pPr lvl="0" rtl="0">
+              <a:spcBef>
+                <a:spcPts val="0"/>
+              </a:spcBef>
+              <a:buNone/>
+            </a:pPr>
+            <a:endParaRPr lang="fr" dirty="0"/>
+          </a:p>
+        </p:txBody>
+      </p:sp>
+      <p:sp>
+        <p:nvSpPr>
+          <p:cNvPr id="4" name="TextBox 3"/>
+          <p:cNvSpPr txBox="1"/>
+          <p:nvPr/>
+        </p:nvSpPr>
+        <p:spPr>
+          <a:xfrm>
+            <a:off x="8748464" y="6550223"/>
+            <a:ext cx="395536" cy="307777"/>
+          </a:xfrm>
+          <a:prstGeom prst="rect">
+            <a:avLst/>
+          </a:prstGeom>
+          <a:noFill/>
+        </p:spPr>
+        <p:txBody>
+          <a:bodyPr wrap="square" rtlCol="0">
+            <a:spAutoFit/>
+          </a:bodyPr>
+          <a:lstStyle/>
+          <a:p>
+            <a:r>
+              <a:rPr lang="fr-FR" dirty="0" smtClean="0"/>
+              <a:t>22</a:t>
+            </a:r>
+            <a:endParaRPr lang="fr-FR" dirty="0" smtClean="0"/>
           </a:p>
         </p:txBody>
       </p:sp>
     </p:spTree>
+    <p:extLst>
+      <p:ext uri="{BB962C8B-B14F-4D97-AF65-F5344CB8AC3E}">
+        <p14:creationId xmlns:p14="http://schemas.microsoft.com/office/powerpoint/2010/main" val="2504392531"/>
+      </p:ext>
+    </p:extLst>
   </p:cSld>
   <p:clrMapOvr>
     <a:masterClrMapping/>
@@ -7594,7 +9104,7 @@
   <p:cSld>
     <p:spTree>
       <p:nvGrpSpPr>
-        <p:cNvPr id="1" name="Shape 126"/>
+        <p:cNvPr id="1" name="Shape 144"/>
         <p:cNvGrpSpPr/>
         <p:nvPr/>
       </p:nvGrpSpPr>
@@ -7606,60 +9116,329 @@
           <a:chExt cx="0" cy="0"/>
         </a:xfrm>
       </p:grpSpPr>
-      <p:pic>
-        <p:nvPicPr>
-          <p:cNvPr id="128" name="Shape 128"/>
-          <p:cNvPicPr preferRelativeResize="0"/>
-          <p:nvPr/>
-        </p:nvPicPr>
-        <p:blipFill>
-          <a:blip r:embed="rId3"/>
-          <a:stretch>
-            <a:fillRect/>
-          </a:stretch>
-        </p:blipFill>
-        <p:spPr>
-          <a:xfrm>
-            <a:off x="2699792" y="1203598"/>
-            <a:ext cx="4536504" cy="3683410"/>
-          </a:xfrm>
-          <a:prstGeom prst="rect">
-            <a:avLst/>
-          </a:prstGeom>
-          <a:noFill/>
-          <a:ln>
-            <a:noFill/>
-          </a:ln>
-        </p:spPr>
-      </p:pic>
-      <p:sp>
-        <p:nvSpPr>
-          <p:cNvPr id="2" name="Title 1"/>
-          <p:cNvSpPr>
+      <p:sp>
+        <p:nvSpPr>
+          <p:cNvPr id="145" name="Shape 145"/>
+          <p:cNvSpPr txBox="1">
             <a:spLocks noGrp="1"/>
           </p:cNvSpPr>
           <p:nvPr>
             <p:ph type="title"/>
           </p:nvPr>
         </p:nvSpPr>
-        <p:spPr/>
-        <p:txBody>
-          <a:bodyPr/>
+        <p:spPr>
+          <a:xfrm>
+            <a:off x="457200" y="274637"/>
+            <a:ext cx="8229600" cy="1143200"/>
+          </a:xfrm>
+          <a:prstGeom prst="rect">
+            <a:avLst/>
+          </a:prstGeom>
+        </p:spPr>
+        <p:txBody>
+          <a:bodyPr lIns="91425" tIns="91425" rIns="91425" bIns="91425" anchor="ctr" anchorCtr="0">
+            <a:noAutofit/>
+          </a:bodyPr>
           <a:lstStyle/>
           <a:p>
+            <a:pPr algn="ctr">
+              <a:spcBef>
+                <a:spcPts val="0"/>
+              </a:spcBef>
+              <a:buNone/>
+            </a:pPr>
+            <a:r>
+              <a:rPr lang="fr" dirty="0" smtClean="0"/>
+              <a:t>Annexe B</a:t>
+            </a:r>
+            <a:endParaRPr lang="fr" dirty="0"/>
+          </a:p>
+        </p:txBody>
+      </p:sp>
+      <p:sp>
+        <p:nvSpPr>
+          <p:cNvPr id="146" name="Shape 146"/>
+          <p:cNvSpPr txBox="1">
+            <a:spLocks noGrp="1"/>
+          </p:cNvSpPr>
+          <p:nvPr>
+            <p:ph type="body" idx="1"/>
+          </p:nvPr>
+        </p:nvSpPr>
+        <p:spPr>
+          <a:xfrm>
+            <a:off x="457200" y="1600201"/>
+            <a:ext cx="8229600" cy="748679"/>
+          </a:xfrm>
+          <a:prstGeom prst="rect">
+            <a:avLst/>
+          </a:prstGeom>
+        </p:spPr>
+        <p:txBody>
+          <a:bodyPr lIns="91425" tIns="91425" rIns="91425" bIns="91425" anchor="t" anchorCtr="0">
+            <a:noAutofit/>
+          </a:bodyPr>
+          <a:lstStyle/>
+          <a:p>
+            <a:pPr lvl="0" rtl="0">
+              <a:spcBef>
+                <a:spcPts val="0"/>
+              </a:spcBef>
+              <a:buNone/>
+            </a:pPr>
             <a:r>
               <a:rPr lang="fr-FR" dirty="0" smtClean="0"/>
-              <a:t>Résultats </a:t>
-            </a:r>
-            <a:r>
-              <a:rPr lang="fr-FR" sz="1400" dirty="0" smtClean="0">
+              <a:t>« </a:t>
+            </a:r>
+            <a:r>
+              <a:rPr lang="fr-FR" dirty="0" err="1" smtClean="0"/>
+              <a:t>Origin</a:t>
+            </a:r>
+            <a:r>
+              <a:rPr lang="fr-FR" dirty="0" smtClean="0"/>
+              <a:t> </a:t>
+            </a:r>
+            <a:r>
+              <a:rPr lang="fr-FR" dirty="0" err="1" smtClean="0"/>
+              <a:t>Analysis</a:t>
+            </a:r>
+            <a:r>
+              <a:rPr lang="fr-FR" dirty="0" smtClean="0"/>
+              <a:t>* »</a:t>
+            </a:r>
+            <a:endParaRPr lang="fr" dirty="0" smtClean="0"/>
+          </a:p>
+          <a:p>
+            <a:pPr lvl="0" rtl="0">
+              <a:spcBef>
+                <a:spcPts val="0"/>
+              </a:spcBef>
+              <a:buNone/>
+            </a:pPr>
+            <a:endParaRPr lang="fr" dirty="0"/>
+          </a:p>
+          <a:p>
+            <a:pPr lvl="0" rtl="0">
+              <a:spcBef>
+                <a:spcPts val="0"/>
+              </a:spcBef>
+              <a:buNone/>
+            </a:pPr>
+            <a:endParaRPr lang="fr" dirty="0"/>
+          </a:p>
+        </p:txBody>
+      </p:sp>
+      <p:pic>
+        <p:nvPicPr>
+          <p:cNvPr id="2" name="Picture 1"/>
+          <p:cNvPicPr>
+            <a:picLocks noChangeAspect="1"/>
+          </p:cNvPicPr>
+          <p:nvPr/>
+        </p:nvPicPr>
+        <p:blipFill rotWithShape="1">
+          <a:blip r:embed="rId3">
+            <a:extLst>
+              <a:ext uri="{28A0092B-C50C-407E-A947-70E740481C1C}">
+                <a14:useLocalDpi xmlns:a14="http://schemas.microsoft.com/office/drawing/2010/main" val="0"/>
+              </a:ext>
+            </a:extLst>
+          </a:blip>
+          <a:srcRect l="12264" t="-1747" r="5435" b="27035"/>
+          <a:stretch/>
+        </p:blipFill>
+        <p:spPr>
+          <a:xfrm>
+            <a:off x="497279" y="2204864"/>
+            <a:ext cx="4018947" cy="2736304"/>
+          </a:xfrm>
+          <a:prstGeom prst="rect">
+            <a:avLst/>
+          </a:prstGeom>
+        </p:spPr>
+      </p:pic>
+      <p:pic>
+        <p:nvPicPr>
+          <p:cNvPr id="3" name="Picture 2"/>
+          <p:cNvPicPr>
+            <a:picLocks noChangeAspect="1"/>
+          </p:cNvPicPr>
+          <p:nvPr/>
+        </p:nvPicPr>
+        <p:blipFill rotWithShape="1">
+          <a:blip r:embed="rId4">
+            <a:extLst>
+              <a:ext uri="{28A0092B-C50C-407E-A947-70E740481C1C}">
+                <a14:useLocalDpi xmlns:a14="http://schemas.microsoft.com/office/drawing/2010/main" val="0"/>
+              </a:ext>
+            </a:extLst>
+          </a:blip>
+          <a:srcRect l="14998" t="3" r="9181" b="27786"/>
+          <a:stretch/>
+        </p:blipFill>
+        <p:spPr>
+          <a:xfrm>
+            <a:off x="4932040" y="1809080"/>
+            <a:ext cx="3276000" cy="2340000"/>
+          </a:xfrm>
+          <a:prstGeom prst="rect">
+            <a:avLst/>
+          </a:prstGeom>
+        </p:spPr>
+      </p:pic>
+      <p:pic>
+        <p:nvPicPr>
+          <p:cNvPr id="4" name="Picture 3"/>
+          <p:cNvPicPr>
+            <a:picLocks noChangeAspect="1"/>
+          </p:cNvPicPr>
+          <p:nvPr/>
+        </p:nvPicPr>
+        <p:blipFill rotWithShape="1">
+          <a:blip r:embed="rId5">
+            <a:extLst>
+              <a:ext uri="{28A0092B-C50C-407E-A947-70E740481C1C}">
+                <a14:useLocalDpi xmlns:a14="http://schemas.microsoft.com/office/drawing/2010/main" val="0"/>
+              </a:ext>
+            </a:extLst>
+          </a:blip>
+          <a:srcRect l="14700" t="319" r="9820" b="29097"/>
+          <a:stretch/>
+        </p:blipFill>
+        <p:spPr>
+          <a:xfrm>
+            <a:off x="4991359" y="3993871"/>
+            <a:ext cx="3157361" cy="2214253"/>
+          </a:xfrm>
+          <a:prstGeom prst="rect">
+            <a:avLst/>
+          </a:prstGeom>
+        </p:spPr>
+      </p:pic>
+      <p:sp>
+        <p:nvSpPr>
+          <p:cNvPr id="5" name="TextBox 4"/>
+          <p:cNvSpPr txBox="1"/>
+          <p:nvPr/>
+        </p:nvSpPr>
+        <p:spPr>
+          <a:xfrm>
+            <a:off x="827584" y="4930452"/>
+            <a:ext cx="3456384" cy="1169551"/>
+          </a:xfrm>
+          <a:prstGeom prst="rect">
+            <a:avLst/>
+          </a:prstGeom>
+          <a:noFill/>
+        </p:spPr>
+        <p:txBody>
+          <a:bodyPr wrap="square" rtlCol="0">
+            <a:spAutoFit/>
+          </a:bodyPr>
+          <a:lstStyle/>
+          <a:p>
+            <a:r>
+              <a:rPr lang="fr-FR" dirty="0" smtClean="0"/>
+              <a:t>Composants d’un projets lors de deux versions consécutives.</a:t>
+            </a:r>
+            <a:br>
+              <a:rPr lang="fr-FR" dirty="0" smtClean="0"/>
+            </a:br>
+            <a:r>
+              <a:rPr lang="fr-FR" dirty="0" smtClean="0"/>
+              <a:t>Mise en corrélation des éléments « supprimés » et « créés » pour détecter les renommages potentiels.</a:t>
+            </a:r>
+            <a:endParaRPr lang="fr-FR" dirty="0"/>
+          </a:p>
+        </p:txBody>
+      </p:sp>
+      <p:sp>
+        <p:nvSpPr>
+          <p:cNvPr id="6" name="TextBox 5"/>
+          <p:cNvSpPr txBox="1"/>
+          <p:nvPr/>
+        </p:nvSpPr>
+        <p:spPr>
+          <a:xfrm>
+            <a:off x="107504" y="6309320"/>
+            <a:ext cx="8496944" cy="523220"/>
+          </a:xfrm>
+          <a:prstGeom prst="rect">
+            <a:avLst/>
+          </a:prstGeom>
+          <a:noFill/>
+        </p:spPr>
+        <p:txBody>
+          <a:bodyPr wrap="square" rtlCol="0">
+            <a:spAutoFit/>
+          </a:bodyPr>
+          <a:lstStyle/>
+          <a:p>
+            <a:r>
+              <a:rPr lang="en-US" i="1" dirty="0" smtClean="0">
                 <a:solidFill>
                   <a:schemeClr val="bg2"/>
                 </a:solidFill>
               </a:rPr>
-              <a:t>première expérience</a:t>
-            </a:r>
-            <a:endParaRPr lang="fr-FR" sz="1400" dirty="0">
+              <a:t>* Godfrey et al. “An </a:t>
+            </a:r>
+            <a:r>
+              <a:rPr lang="en-US" i="1" dirty="0">
+                <a:solidFill>
+                  <a:schemeClr val="bg2"/>
+                </a:solidFill>
+              </a:rPr>
+              <a:t>integrated approach for </a:t>
+            </a:r>
+            <a:r>
+              <a:rPr lang="en-US" i="1" dirty="0" smtClean="0">
+                <a:solidFill>
+                  <a:schemeClr val="bg2"/>
+                </a:solidFill>
+              </a:rPr>
+              <a:t>studying architectural evolution”, International </a:t>
+            </a:r>
+            <a:r>
+              <a:rPr lang="en-US" i="1" dirty="0">
+                <a:solidFill>
+                  <a:schemeClr val="bg2"/>
+                </a:solidFill>
+              </a:rPr>
+              <a:t>Workshop on </a:t>
+            </a:r>
+            <a:r>
+              <a:rPr lang="en-US" i="1" dirty="0" smtClean="0">
+                <a:solidFill>
+                  <a:schemeClr val="bg2"/>
+                </a:solidFill>
+              </a:rPr>
+              <a:t>Program </a:t>
+            </a:r>
+            <a:r>
+              <a:rPr lang="fr-FR" i="1" dirty="0" err="1" smtClean="0">
+                <a:solidFill>
+                  <a:schemeClr val="bg2"/>
+                </a:solidFill>
+              </a:rPr>
+              <a:t>Comprehension</a:t>
+            </a:r>
+            <a:r>
+              <a:rPr lang="fr-FR" i="1" dirty="0">
+                <a:solidFill>
+                  <a:schemeClr val="bg2"/>
+                </a:solidFill>
+              </a:rPr>
+              <a:t>, 2002</a:t>
+            </a:r>
+            <a:r>
+              <a:rPr lang="fr-FR" i="1" dirty="0" smtClean="0">
+                <a:solidFill>
+                  <a:schemeClr val="bg2"/>
+                </a:solidFill>
+              </a:rPr>
+              <a:t>.</a:t>
+            </a:r>
+            <a:endParaRPr lang="fr-FR" i="1" dirty="0">
               <a:solidFill>
                 <a:schemeClr val="bg2"/>
               </a:solidFill>
@@ -7669,14 +9448,14 @@
       </p:sp>
       <p:sp>
         <p:nvSpPr>
-          <p:cNvPr id="3" name="TextBox 2"/>
+          <p:cNvPr id="9" name="TextBox 8"/>
           <p:cNvSpPr txBox="1"/>
           <p:nvPr/>
         </p:nvSpPr>
         <p:spPr>
           <a:xfrm>
-            <a:off x="539552" y="3363838"/>
-            <a:ext cx="1728192" cy="1200329"/>
+            <a:off x="8748464" y="6550223"/>
+            <a:ext cx="395536" cy="307777"/>
           </a:xfrm>
           <a:prstGeom prst="rect">
             <a:avLst/>
@@ -7690,14 +9469,19 @@
           <a:lstStyle/>
           <a:p>
             <a:r>
-              <a:rPr lang="fr-FR" sz="1800" dirty="0" smtClean="0"/>
-              <a:t>Pourcentage de fichiers renommés par périodes :</a:t>
-            </a:r>
-            <a:endParaRPr lang="fr-FR" sz="1800" dirty="0"/>
+              <a:rPr lang="fr-FR" dirty="0" smtClean="0"/>
+              <a:t>23</a:t>
+            </a:r>
+            <a:endParaRPr lang="fr-FR" dirty="0" smtClean="0"/>
           </a:p>
         </p:txBody>
       </p:sp>
     </p:spTree>
+    <p:extLst>
+      <p:ext uri="{BB962C8B-B14F-4D97-AF65-F5344CB8AC3E}">
+        <p14:creationId xmlns:p14="http://schemas.microsoft.com/office/powerpoint/2010/main" val="1877953955"/>
+      </p:ext>
+    </p:extLst>
   </p:cSld>
   <p:clrMapOvr>
     <a:masterClrMapping/>
@@ -7720,7 +9504,7 @@
   <p:cSld>
     <p:spTree>
       <p:nvGrpSpPr>
-        <p:cNvPr id="1" name=""/>
+        <p:cNvPr id="1" name="Shape 144"/>
         <p:cNvGrpSpPr/>
         <p:nvPr/>
       </p:nvGrpSpPr>
@@ -7734,45 +9518,95 @@
       </p:grpSpPr>
       <p:sp>
         <p:nvSpPr>
-          <p:cNvPr id="2" name="Title 1"/>
-          <p:cNvSpPr>
+          <p:cNvPr id="145" name="Shape 145"/>
+          <p:cNvSpPr txBox="1">
             <a:spLocks noGrp="1"/>
           </p:cNvSpPr>
           <p:nvPr>
             <p:ph type="title"/>
           </p:nvPr>
         </p:nvSpPr>
-        <p:spPr/>
-        <p:txBody>
-          <a:bodyPr/>
+        <p:spPr>
+          <a:xfrm>
+            <a:off x="457200" y="274637"/>
+            <a:ext cx="8229600" cy="1143200"/>
+          </a:xfrm>
+          <a:prstGeom prst="rect">
+            <a:avLst/>
+          </a:prstGeom>
+        </p:spPr>
+        <p:txBody>
+          <a:bodyPr lIns="91425" tIns="91425" rIns="91425" bIns="91425" anchor="ctr" anchorCtr="0">
+            <a:noAutofit/>
+          </a:bodyPr>
           <a:lstStyle/>
           <a:p>
-            <a:r>
-              <a:rPr lang="fr-FR" dirty="0"/>
-              <a:t>Résultats </a:t>
-            </a:r>
-            <a:r>
-              <a:rPr lang="fr-FR" sz="1400" dirty="0" smtClean="0">
-                <a:solidFill>
-                  <a:schemeClr val="bg2"/>
-                </a:solidFill>
-              </a:rPr>
-              <a:t>deuxième expérience</a:t>
-            </a:r>
-            <a:endParaRPr lang="fr-FR" sz="1400" dirty="0"/>
+            <a:pPr algn="ctr">
+              <a:spcBef>
+                <a:spcPts val="0"/>
+              </a:spcBef>
+              <a:buNone/>
+            </a:pPr>
+            <a:r>
+              <a:rPr lang="fr" dirty="0" smtClean="0"/>
+              <a:t>Annexe C</a:t>
+            </a:r>
+            <a:endParaRPr lang="fr" dirty="0"/>
+          </a:p>
+        </p:txBody>
+      </p:sp>
+      <p:sp>
+        <p:nvSpPr>
+          <p:cNvPr id="5" name="TextBox 4"/>
+          <p:cNvSpPr txBox="1"/>
+          <p:nvPr/>
+        </p:nvSpPr>
+        <p:spPr>
+          <a:xfrm>
+            <a:off x="539552" y="1693882"/>
+            <a:ext cx="4464496" cy="461665"/>
+          </a:xfrm>
+          <a:prstGeom prst="rect">
+            <a:avLst/>
+          </a:prstGeom>
+          <a:noFill/>
+        </p:spPr>
+        <p:txBody>
+          <a:bodyPr wrap="square" rtlCol="0">
+            <a:spAutoFit/>
+          </a:bodyPr>
+          <a:lstStyle/>
+          <a:p>
+            <a:r>
+              <a:rPr lang="fr-FR" sz="2400" dirty="0" smtClean="0"/>
+              <a:t>Corrélation de </a:t>
+            </a:r>
+            <a:r>
+              <a:rPr lang="fr-FR" sz="2400" b="1" dirty="0" smtClean="0"/>
+              <a:t>Spearman</a:t>
+            </a:r>
+            <a:r>
+              <a:rPr lang="fr-FR" sz="2400" dirty="0" smtClean="0"/>
+              <a:t> </a:t>
+            </a:r>
+            <a:r>
+              <a:rPr lang="fr-FR" sz="1800" dirty="0" smtClean="0"/>
+              <a:t>:</a:t>
+            </a:r>
+            <a:endParaRPr lang="fr-FR" sz="1800" dirty="0"/>
           </a:p>
         </p:txBody>
       </p:sp>
       <p:pic>
         <p:nvPicPr>
-          <p:cNvPr id="4" name="Picture 3"/>
+          <p:cNvPr id="6" name="Picture 5"/>
           <p:cNvPicPr>
             <a:picLocks noChangeAspect="1"/>
           </p:cNvPicPr>
           <p:nvPr/>
         </p:nvPicPr>
         <p:blipFill>
-          <a:blip r:embed="rId2">
+          <a:blip r:embed="rId3">
             <a:extLst>
               <a:ext uri="{28A0092B-C50C-407E-A947-70E740481C1C}">
                 <a14:useLocalDpi xmlns:a14="http://schemas.microsoft.com/office/drawing/2010/main" val="0"/>
@@ -7785,24 +9619,148 @@
         </p:blipFill>
         <p:spPr>
           <a:xfrm>
-            <a:off x="1475656" y="1916714"/>
-            <a:ext cx="6192688" cy="2650745"/>
+            <a:off x="2183769" y="2226865"/>
+            <a:ext cx="4973100" cy="1425967"/>
           </a:xfrm>
           <a:prstGeom prst="rect">
             <a:avLst/>
           </a:prstGeom>
         </p:spPr>
       </p:pic>
-      <p:sp>
-        <p:nvSpPr>
-          <p:cNvPr id="5" name="TextBox 4"/>
+      <mc:AlternateContent xmlns:mc="http://schemas.openxmlformats.org/markup-compatibility/2006">
+        <mc:Choice xmlns:a14="http://schemas.microsoft.com/office/drawing/2010/main" Requires="a14">
+          <p:sp>
+            <p:nvSpPr>
+              <p:cNvPr id="7" name="TextBox 6"/>
+              <p:cNvSpPr txBox="1"/>
+              <p:nvPr/>
+            </p:nvSpPr>
+            <p:spPr>
+              <a:xfrm>
+                <a:off x="2183769" y="3769295"/>
+                <a:ext cx="6120680" cy="307777"/>
+              </a:xfrm>
+              <a:prstGeom prst="rect">
+                <a:avLst/>
+              </a:prstGeom>
+              <a:noFill/>
+            </p:spPr>
+            <p:txBody>
+              <a:bodyPr wrap="square" rtlCol="0">
+                <a:spAutoFit/>
+              </a:bodyPr>
+              <a:lstStyle/>
+              <a:p>
+                <a:r>
+                  <a:rPr lang="fr-FR" dirty="0" smtClean="0"/>
+                  <a:t>Avec (</a:t>
+                </a:r>
+                <a14:m>
+                  <m:oMath xmlns:m="http://schemas.openxmlformats.org/officeDocument/2006/math">
+                    <m:r>
+                      <a:rPr lang="fr-FR" b="0" i="1" smtClean="0">
+                        <a:latin typeface="Cambria Math"/>
+                      </a:rPr>
+                      <m:t>𝑥𝑖</m:t>
+                    </m:r>
+                    <m:r>
+                      <a:rPr lang="fr-FR" b="0" i="1" smtClean="0">
+                        <a:latin typeface="Cambria Math"/>
+                      </a:rPr>
+                      <m:t>,</m:t>
+                    </m:r>
+                    <m:r>
+                      <a:rPr lang="fr-FR" b="0" i="1" smtClean="0">
+                        <a:latin typeface="Cambria Math"/>
+                      </a:rPr>
+                      <m:t>𝑦𝑖</m:t>
+                    </m:r>
+                  </m:oMath>
+                </a14:m>
+                <a:r>
+                  <a:rPr lang="fr-FR" dirty="0" smtClean="0"/>
+                  <a:t>) les rangs données par les deux valeurs de Métriques (</a:t>
+                </a:r>
+                <a14:m>
+                  <m:oMath xmlns:m="http://schemas.openxmlformats.org/officeDocument/2006/math">
+                    <m:r>
+                      <a:rPr lang="fr-FR" b="0" i="1" smtClean="0">
+                        <a:latin typeface="Cambria Math"/>
+                      </a:rPr>
+                      <m:t>𝑋𝑖</m:t>
+                    </m:r>
+                    <m:r>
+                      <a:rPr lang="fr-FR" b="0" i="1" smtClean="0">
+                        <a:latin typeface="Cambria Math"/>
+                      </a:rPr>
+                      <m:t>, </m:t>
+                    </m:r>
+                    <m:r>
+                      <a:rPr lang="fr-FR" b="0" i="1" smtClean="0">
+                        <a:latin typeface="Cambria Math"/>
+                      </a:rPr>
+                      <m:t>𝑌𝑖</m:t>
+                    </m:r>
+                  </m:oMath>
+                </a14:m>
+                <a:r>
+                  <a:rPr lang="fr-FR" dirty="0" smtClean="0"/>
+                  <a:t>)</a:t>
+                </a:r>
+                <a:endParaRPr lang="fr-FR" dirty="0"/>
+              </a:p>
+            </p:txBody>
+          </p:sp>
+        </mc:Choice>
+        <mc:Fallback>
+          <p:sp>
+            <p:nvSpPr>
+              <p:cNvPr id="7" name="TextBox 6"/>
+              <p:cNvSpPr txBox="1">
+                <a:spLocks noRot="1" noChangeAspect="1" noMove="1" noResize="1" noEditPoints="1" noAdjustHandles="1" noChangeArrowheads="1" noChangeShapeType="1" noTextEdit="1"/>
+              </p:cNvSpPr>
+              <p:nvPr/>
+            </p:nvSpPr>
+            <p:spPr>
+              <a:xfrm>
+                <a:off x="2183769" y="3769295"/>
+                <a:ext cx="6120680" cy="307777"/>
+              </a:xfrm>
+              <a:prstGeom prst="rect">
+                <a:avLst/>
+              </a:prstGeom>
+              <a:blipFill rotWithShape="1">
+                <a:blip r:embed="rId4"/>
+                <a:stretch>
+                  <a:fillRect l="-199" t="-1961" b="-17647"/>
+                </a:stretch>
+              </a:blipFill>
+            </p:spPr>
+            <p:txBody>
+              <a:bodyPr/>
+              <a:lstStyle/>
+              <a:p>
+                <a:r>
+                  <a:rPr lang="fr-FR">
+                    <a:noFill/>
+                  </a:rPr>
+                  <a:t> </a:t>
+                </a:r>
+              </a:p>
+            </p:txBody>
+          </p:sp>
+        </mc:Fallback>
+      </mc:AlternateContent>
+      <p:sp>
+        <p:nvSpPr>
+          <p:cNvPr id="8" name="TextBox 7"/>
           <p:cNvSpPr txBox="1"/>
           <p:nvPr/>
         </p:nvSpPr>
         <p:spPr>
           <a:xfrm>
-            <a:off x="1475656" y="1347614"/>
-            <a:ext cx="6120680" cy="369332"/>
+            <a:off x="8748464" y="6550223"/>
+            <a:ext cx="395536" cy="307777"/>
           </a:xfrm>
           <a:prstGeom prst="rect">
             <a:avLst/>
@@ -7816,225 +9774,19 @@
           <a:lstStyle/>
           <a:p>
             <a:r>
-              <a:rPr lang="fr-FR" sz="1800" dirty="0" smtClean="0"/>
-              <a:t>Coefficient de corrélation de Spearman :</a:t>
-            </a:r>
-            <a:endParaRPr lang="fr-FR" sz="1800" dirty="0"/>
-          </a:p>
-        </p:txBody>
-      </p:sp>
-      <p:cxnSp>
-        <p:nvCxnSpPr>
-          <p:cNvPr id="7" name="Straight Connector 6"/>
-          <p:cNvCxnSpPr/>
-          <p:nvPr/>
-        </p:nvCxnSpPr>
-        <p:spPr>
-          <a:xfrm>
-            <a:off x="4868664" y="1995686"/>
-            <a:ext cx="0" cy="2506540"/>
-          </a:xfrm>
-          <a:prstGeom prst="line">
-            <a:avLst/>
-          </a:prstGeom>
-        </p:spPr>
-        <p:style>
-          <a:lnRef idx="1">
-            <a:schemeClr val="dk1"/>
-          </a:lnRef>
-          <a:fillRef idx="0">
-            <a:schemeClr val="dk1"/>
-          </a:fillRef>
-          <a:effectRef idx="0">
-            <a:schemeClr val="dk1"/>
-          </a:effectRef>
-          <a:fontRef idx="minor">
-            <a:schemeClr val="tx1"/>
-          </a:fontRef>
-        </p:style>
-      </p:cxnSp>
-      <p:cxnSp>
-        <p:nvCxnSpPr>
-          <p:cNvPr id="9" name="Straight Connector 8"/>
-          <p:cNvCxnSpPr/>
-          <p:nvPr/>
-        </p:nvCxnSpPr>
-        <p:spPr>
-          <a:xfrm flipH="1">
-            <a:off x="4868664" y="2432043"/>
-            <a:ext cx="72008" cy="0"/>
-          </a:xfrm>
-          <a:prstGeom prst="line">
-            <a:avLst/>
-          </a:prstGeom>
-        </p:spPr>
-        <p:style>
-          <a:lnRef idx="1">
-            <a:schemeClr val="dk1"/>
-          </a:lnRef>
-          <a:fillRef idx="0">
-            <a:schemeClr val="dk1"/>
-          </a:fillRef>
-          <a:effectRef idx="0">
-            <a:schemeClr val="dk1"/>
-          </a:effectRef>
-          <a:fontRef idx="minor">
-            <a:schemeClr val="tx1"/>
-          </a:fontRef>
-        </p:style>
-      </p:cxnSp>
+              <a:rPr lang="fr-FR" dirty="0" smtClean="0"/>
+              <a:t>24</a:t>
+            </a:r>
+            <a:endParaRPr lang="fr-FR" dirty="0" smtClean="0"/>
+          </a:p>
+        </p:txBody>
+      </p:sp>
     </p:spTree>
     <p:extLst>
       <p:ext uri="{BB962C8B-B14F-4D97-AF65-F5344CB8AC3E}">
-        <p14:creationId xmlns:p14="http://schemas.microsoft.com/office/powerpoint/2010/main" val="1666827742"/>
+        <p14:creationId xmlns:p14="http://schemas.microsoft.com/office/powerpoint/2010/main" val="3907157290"/>
       </p:ext>
     </p:extLst>
-  </p:cSld>
-  <p:clrMapOvr>
-    <a:masterClrMapping/>
-  </p:clrMapOvr>
-  <p:timing>
-    <p:tnLst>
-      <p:par>
-        <p:cTn id="1" dur="indefinite" restart="never" nodeType="tmRoot"/>
-      </p:par>
-    </p:tnLst>
-  </p:timing>
-</p:sld>
-</file>
-
-<file path=ppt/slides/slide25.xml><?xml version="1.0" encoding="utf-8"?>
-<p:sld xmlns:a="http://schemas.openxmlformats.org/drawingml/2006/main" xmlns:r="http://schemas.openxmlformats.org/officeDocument/2006/relationships" xmlns:p="http://schemas.openxmlformats.org/presentationml/2006/main">
-  <p:cSld>
-    <p:spTree>
-      <p:nvGrpSpPr>
-        <p:cNvPr id="1" name="Shape 138"/>
-        <p:cNvGrpSpPr/>
-        <p:nvPr/>
-      </p:nvGrpSpPr>
-      <p:grpSpPr>
-        <a:xfrm>
-          <a:off x="0" y="0"/>
-          <a:ext cx="0" cy="0"/>
-          <a:chOff x="0" y="0"/>
-          <a:chExt cx="0" cy="0"/>
-        </a:xfrm>
-      </p:grpSpPr>
-      <p:sp>
-        <p:nvSpPr>
-          <p:cNvPr id="139" name="Shape 139"/>
-          <p:cNvSpPr txBox="1">
-            <a:spLocks noGrp="1"/>
-          </p:cNvSpPr>
-          <p:nvPr>
-            <p:ph type="title"/>
-          </p:nvPr>
-        </p:nvSpPr>
-        <p:spPr>
-          <a:xfrm>
-            <a:off x="457200" y="205978"/>
-            <a:ext cx="8229600" cy="857400"/>
-          </a:xfrm>
-          <a:prstGeom prst="rect">
-            <a:avLst/>
-          </a:prstGeom>
-        </p:spPr>
-        <p:txBody>
-          <a:bodyPr lIns="91425" tIns="91425" rIns="91425" bIns="91425" anchor="ctr" anchorCtr="0">
-            <a:noAutofit/>
-          </a:bodyPr>
-          <a:lstStyle/>
-          <a:p>
-            <a:pPr lvl="0" rtl="0">
-              <a:spcBef>
-                <a:spcPts val="0"/>
-              </a:spcBef>
-              <a:buNone/>
-            </a:pPr>
-            <a:r>
-              <a:rPr lang="fr"/>
-              <a:t>Analyse des études antérieures</a:t>
-            </a:r>
-          </a:p>
-        </p:txBody>
-      </p:sp>
-      <p:sp>
-        <p:nvSpPr>
-          <p:cNvPr id="140" name="Shape 140"/>
-          <p:cNvSpPr txBox="1"/>
-          <p:nvPr/>
-        </p:nvSpPr>
-        <p:spPr>
-          <a:xfrm>
-            <a:off x="525175" y="1026875"/>
-            <a:ext cx="8229600" cy="3961199"/>
-          </a:xfrm>
-          <a:prstGeom prst="rect">
-            <a:avLst/>
-          </a:prstGeom>
-        </p:spPr>
-        <p:txBody>
-          <a:bodyPr lIns="91425" tIns="91425" rIns="91425" bIns="91425" anchor="t" anchorCtr="0">
-            <a:noAutofit/>
-          </a:bodyPr>
-          <a:lstStyle/>
-          <a:p>
-            <a:pPr lvl="0" rtl="0">
-              <a:spcBef>
-                <a:spcPts val="0"/>
-              </a:spcBef>
-              <a:buNone/>
-            </a:pPr>
-            <a:r>
-              <a:rPr lang="fr"/>
-              <a:t>26</a:t>
-            </a:r>
-          </a:p>
-          <a:p>
-            <a:pPr lvl="0" rtl="0">
-              <a:spcBef>
-                <a:spcPts val="0"/>
-              </a:spcBef>
-              <a:buNone/>
-            </a:pPr>
-            <a:endParaRPr/>
-          </a:p>
-          <a:p>
-            <a:pPr lvl="0" rtl="0">
-              <a:spcBef>
-                <a:spcPts val="0"/>
-              </a:spcBef>
-              <a:buNone/>
-            </a:pPr>
-            <a:r>
-              <a:rPr lang="fr"/>
-              <a:t>15</a:t>
-            </a:r>
-          </a:p>
-          <a:p>
-            <a:pPr lvl="0" rtl="0">
-              <a:spcBef>
-                <a:spcPts val="0"/>
-              </a:spcBef>
-              <a:buNone/>
-            </a:pPr>
-            <a:endParaRPr/>
-          </a:p>
-          <a:p>
-            <a:pPr>
-              <a:spcBef>
-                <a:spcPts val="0"/>
-              </a:spcBef>
-              <a:buNone/>
-            </a:pPr>
-            <a:r>
-              <a:rPr lang="fr"/>
-              <a:t>11</a:t>
-            </a:r>
-          </a:p>
-        </p:txBody>
-      </p:sp>
-    </p:spTree>
   </p:cSld>
   <p:clrMapOvr>
     <a:masterClrMapping/>
@@ -8052,7 +9804,7 @@
 </p:sld>
 </file>
 
-<file path=ppt/slides/slide26.xml><?xml version="1.0" encoding="utf-8"?>
+<file path=ppt/slides/slide25.xml><?xml version="1.0" encoding="utf-8"?>
 <p:sld xmlns:a="http://schemas.openxmlformats.org/drawingml/2006/main" xmlns:r="http://schemas.openxmlformats.org/officeDocument/2006/relationships" xmlns:p="http://schemas.openxmlformats.org/presentationml/2006/main">
   <p:cSld>
     <p:spTree>
@@ -8081,8 +9833,8 @@
         </p:nvSpPr>
         <p:spPr>
           <a:xfrm>
-            <a:off x="457200" y="205978"/>
-            <a:ext cx="8229600" cy="857400"/>
+            <a:off x="457200" y="274637"/>
+            <a:ext cx="8229600" cy="1143200"/>
           </a:xfrm>
           <a:prstGeom prst="rect">
             <a:avLst/>
@@ -8101,9 +9853,10 @@
               <a:buNone/>
             </a:pPr>
             <a:r>
-              <a:rPr lang="fr"/>
-              <a:t>Conclusion</a:t>
-            </a:r>
+              <a:rPr lang="fr" dirty="0" smtClean="0"/>
+              <a:t>Annexe D</a:t>
+            </a:r>
+            <a:endParaRPr lang="fr" dirty="0"/>
           </a:p>
         </p:txBody>
       </p:sp>
@@ -8119,8 +9872,8 @@
         </p:nvSpPr>
         <p:spPr>
           <a:xfrm>
-            <a:off x="457200" y="1200150"/>
-            <a:ext cx="8229600" cy="3725699"/>
+            <a:off x="457200" y="1600201"/>
+            <a:ext cx="8229600" cy="4967599"/>
           </a:xfrm>
           <a:prstGeom prst="rect">
             <a:avLst/>
@@ -8139,9 +9892,10 @@
               <a:buNone/>
             </a:pPr>
             <a:r>
-              <a:rPr lang="fr"/>
-              <a:t>Bilan</a:t>
-            </a:r>
+              <a:rPr lang="fr-FR" dirty="0" smtClean="0"/>
+              <a:t>Les algorithme de détection de renommage</a:t>
+            </a:r>
+            <a:endParaRPr lang="fr" dirty="0" smtClean="0"/>
           </a:p>
           <a:p>
             <a:pPr lvl="0" rtl="0">
@@ -8150,26 +9904,520 @@
               </a:spcBef>
               <a:buNone/>
             </a:pPr>
-            <a:r>
-              <a:rPr lang="fr"/>
-              <a:t>recommandations</a:t>
-            </a:r>
-          </a:p>
-          <a:p>
-            <a:pPr lvl="0" rtl="0">
-              <a:spcBef>
-                <a:spcPts val="0"/>
-              </a:spcBef>
-              <a:buNone/>
-            </a:pPr>
-            <a:r>
-              <a:rPr lang="fr"/>
-              <a:t>future work</a:t>
-            </a:r>
+            <a:endParaRPr lang="fr" dirty="0"/>
+          </a:p>
+          <a:p>
+            <a:r>
+              <a:rPr lang="fr-FR" sz="1400" i="1" dirty="0">
+                <a:solidFill>
+                  <a:schemeClr val="bg2"/>
+                </a:solidFill>
+              </a:rPr>
+              <a:t>G. </a:t>
+            </a:r>
+            <a:r>
+              <a:rPr lang="fr-FR" sz="1400" i="1" dirty="0" err="1">
+                <a:solidFill>
+                  <a:schemeClr val="bg2"/>
+                </a:solidFill>
+              </a:rPr>
+              <a:t>Antoniol</a:t>
+            </a:r>
+            <a:r>
+              <a:rPr lang="fr-FR" sz="1400" i="1" dirty="0">
+                <a:solidFill>
+                  <a:schemeClr val="bg2"/>
+                </a:solidFill>
+              </a:rPr>
+              <a:t>, M. Di Penta, and E. </a:t>
+            </a:r>
+            <a:r>
+              <a:rPr lang="fr-FR" sz="1400" i="1" dirty="0" err="1">
+                <a:solidFill>
+                  <a:schemeClr val="bg2"/>
+                </a:solidFill>
+              </a:rPr>
+              <a:t>Merlo</a:t>
+            </a:r>
+            <a:r>
+              <a:rPr lang="fr-FR" sz="1400" i="1" dirty="0">
+                <a:solidFill>
+                  <a:schemeClr val="bg2"/>
+                </a:solidFill>
+              </a:rPr>
+              <a:t>. </a:t>
+            </a:r>
+            <a:r>
+              <a:rPr lang="en-US" sz="1400" i="1" dirty="0" smtClean="0">
+                <a:solidFill>
+                  <a:schemeClr val="bg2"/>
+                </a:solidFill>
+              </a:rPr>
+              <a:t>“</a:t>
+            </a:r>
+            <a:r>
+              <a:rPr lang="fr-FR" sz="1400" i="1" dirty="0">
+                <a:solidFill>
+                  <a:schemeClr val="bg2"/>
+                </a:solidFill>
+              </a:rPr>
+              <a:t>An </a:t>
+            </a:r>
+            <a:r>
+              <a:rPr lang="fr-FR" sz="1400" i="1" dirty="0" err="1">
+                <a:solidFill>
+                  <a:schemeClr val="bg2"/>
+                </a:solidFill>
+              </a:rPr>
+              <a:t>automatic</a:t>
+            </a:r>
+            <a:r>
+              <a:rPr lang="fr-FR" sz="1400" i="1" dirty="0">
+                <a:solidFill>
+                  <a:schemeClr val="bg2"/>
+                </a:solidFill>
+              </a:rPr>
+              <a:t> </a:t>
+            </a:r>
+            <a:r>
+              <a:rPr lang="fr-FR" sz="1400" i="1" dirty="0" err="1">
+                <a:solidFill>
+                  <a:schemeClr val="bg2"/>
+                </a:solidFill>
+              </a:rPr>
+              <a:t>approach</a:t>
+            </a:r>
+            <a:r>
+              <a:rPr lang="fr-FR" sz="1400" i="1" dirty="0">
+                <a:solidFill>
+                  <a:schemeClr val="bg2"/>
+                </a:solidFill>
+              </a:rPr>
+              <a:t> </a:t>
+            </a:r>
+            <a:r>
+              <a:rPr lang="fr-FR" sz="1400" i="1" dirty="0" smtClean="0">
+                <a:solidFill>
+                  <a:schemeClr val="bg2"/>
+                </a:solidFill>
+              </a:rPr>
+              <a:t>to </a:t>
+            </a:r>
+            <a:r>
+              <a:rPr lang="en-US" sz="1400" i="1" dirty="0" smtClean="0">
+                <a:solidFill>
+                  <a:schemeClr val="bg2"/>
+                </a:solidFill>
+              </a:rPr>
+              <a:t>identify class </a:t>
+            </a:r>
+            <a:r>
+              <a:rPr lang="en-US" sz="1400" i="1" dirty="0">
+                <a:solidFill>
+                  <a:schemeClr val="bg2"/>
+                </a:solidFill>
+              </a:rPr>
+              <a:t>evolution </a:t>
+            </a:r>
+            <a:r>
+              <a:rPr lang="en-US" sz="1400" i="1" dirty="0" smtClean="0">
+                <a:solidFill>
+                  <a:schemeClr val="bg2"/>
+                </a:solidFill>
+              </a:rPr>
+              <a:t>discontinuities”. </a:t>
+            </a:r>
+            <a:r>
+              <a:rPr lang="en-US" sz="1400" i="1" dirty="0">
+                <a:solidFill>
+                  <a:schemeClr val="bg2"/>
+                </a:solidFill>
+              </a:rPr>
+              <a:t>In </a:t>
+            </a:r>
+            <a:r>
+              <a:rPr lang="en-US" sz="1400" i="1" dirty="0" smtClean="0">
+                <a:solidFill>
+                  <a:schemeClr val="bg2"/>
+                </a:solidFill>
+              </a:rPr>
+              <a:t>Software </a:t>
+            </a:r>
+            <a:r>
+              <a:rPr lang="en-US" sz="1400" i="1" dirty="0">
+                <a:solidFill>
+                  <a:schemeClr val="bg2"/>
+                </a:solidFill>
+              </a:rPr>
+              <a:t>Evolution, 2004</a:t>
+            </a:r>
+            <a:r>
+              <a:rPr lang="en-US" sz="1400" i="1" dirty="0" smtClean="0">
+                <a:solidFill>
+                  <a:schemeClr val="bg2"/>
+                </a:solidFill>
+              </a:rPr>
+              <a:t>.</a:t>
+            </a:r>
+          </a:p>
+          <a:p>
+            <a:endParaRPr lang="en-US" sz="1400" i="1" dirty="0">
+              <a:solidFill>
+                <a:schemeClr val="bg2"/>
+              </a:solidFill>
+            </a:endParaRPr>
+          </a:p>
+          <a:p>
+            <a:r>
+              <a:rPr lang="en-US" sz="1400" i="1" dirty="0">
+                <a:solidFill>
+                  <a:schemeClr val="bg2"/>
+                </a:solidFill>
+              </a:rPr>
+              <a:t>T. Lavoie, F. </a:t>
+            </a:r>
+            <a:r>
+              <a:rPr lang="en-US" sz="1400" i="1" dirty="0" err="1">
+                <a:solidFill>
+                  <a:schemeClr val="bg2"/>
+                </a:solidFill>
+              </a:rPr>
+              <a:t>Khomh</a:t>
+            </a:r>
+            <a:r>
+              <a:rPr lang="en-US" sz="1400" i="1" dirty="0">
+                <a:solidFill>
+                  <a:schemeClr val="bg2"/>
+                </a:solidFill>
+              </a:rPr>
+              <a:t>, E. Merlo, and Ying </a:t>
+            </a:r>
+            <a:r>
+              <a:rPr lang="en-US" sz="1400" i="1" dirty="0" err="1">
+                <a:solidFill>
+                  <a:schemeClr val="bg2"/>
+                </a:solidFill>
+              </a:rPr>
+              <a:t>Zou</a:t>
+            </a:r>
+            <a:r>
+              <a:rPr lang="en-US" sz="1400" i="1" dirty="0">
+                <a:solidFill>
+                  <a:schemeClr val="bg2"/>
+                </a:solidFill>
+              </a:rPr>
+              <a:t>. </a:t>
+            </a:r>
+            <a:r>
+              <a:rPr lang="en-US" sz="1400" i="1" dirty="0" smtClean="0">
+                <a:solidFill>
+                  <a:schemeClr val="bg2"/>
+                </a:solidFill>
+              </a:rPr>
+              <a:t>“Inferring repository file </a:t>
+            </a:r>
+            <a:r>
+              <a:rPr lang="en-US" sz="1400" i="1" dirty="0">
+                <a:solidFill>
+                  <a:schemeClr val="bg2"/>
+                </a:solidFill>
+              </a:rPr>
+              <a:t>structure modifications using nearest-neighbor clone </a:t>
+            </a:r>
+            <a:r>
+              <a:rPr lang="en-US" sz="1400" i="1" dirty="0" smtClean="0">
+                <a:solidFill>
+                  <a:schemeClr val="bg2"/>
+                </a:solidFill>
+              </a:rPr>
+              <a:t>detection”, In </a:t>
+            </a:r>
+            <a:r>
+              <a:rPr lang="en-US" sz="1400" i="1" dirty="0">
+                <a:solidFill>
+                  <a:schemeClr val="bg2"/>
+                </a:solidFill>
+              </a:rPr>
+              <a:t>Reverse Engineering (WCRE), </a:t>
+            </a:r>
+            <a:r>
+              <a:rPr lang="en-US" sz="1400" i="1" dirty="0" smtClean="0">
+                <a:solidFill>
+                  <a:schemeClr val="bg2"/>
+                </a:solidFill>
+              </a:rPr>
+              <a:t>2012.</a:t>
+            </a:r>
+          </a:p>
+          <a:p>
+            <a:endParaRPr lang="en-US" sz="1400" i="1" dirty="0">
+              <a:solidFill>
+                <a:schemeClr val="bg2"/>
+              </a:solidFill>
+            </a:endParaRPr>
+          </a:p>
+          <a:p>
+            <a:r>
+              <a:rPr lang="fr-FR" sz="1400" i="1" dirty="0">
+                <a:solidFill>
+                  <a:schemeClr val="bg2"/>
+                </a:solidFill>
+              </a:rPr>
+              <a:t>Daniela </a:t>
+            </a:r>
+            <a:r>
+              <a:rPr lang="fr-FR" sz="1400" i="1" dirty="0" err="1">
+                <a:solidFill>
+                  <a:schemeClr val="bg2"/>
+                </a:solidFill>
+              </a:rPr>
+              <a:t>Steidl</a:t>
+            </a:r>
+            <a:r>
+              <a:rPr lang="fr-FR" sz="1400" i="1" dirty="0">
+                <a:solidFill>
+                  <a:schemeClr val="bg2"/>
+                </a:solidFill>
+              </a:rPr>
+              <a:t>, Benjamin Hummel, and </a:t>
+            </a:r>
+            <a:r>
+              <a:rPr lang="fr-FR" sz="1400" i="1" dirty="0" err="1">
+                <a:solidFill>
+                  <a:schemeClr val="bg2"/>
+                </a:solidFill>
+              </a:rPr>
+              <a:t>Elmar</a:t>
+            </a:r>
+            <a:r>
+              <a:rPr lang="fr-FR" sz="1400" i="1" dirty="0">
+                <a:solidFill>
+                  <a:schemeClr val="bg2"/>
+                </a:solidFill>
+              </a:rPr>
+              <a:t> </a:t>
+            </a:r>
+            <a:r>
+              <a:rPr lang="fr-FR" sz="1400" i="1" dirty="0" err="1" smtClean="0">
+                <a:solidFill>
+                  <a:schemeClr val="bg2"/>
+                </a:solidFill>
+              </a:rPr>
+              <a:t>Juergens</a:t>
+            </a:r>
+            <a:r>
+              <a:rPr lang="fr-FR" sz="1400" i="1" dirty="0" smtClean="0">
+                <a:solidFill>
+                  <a:schemeClr val="bg2"/>
+                </a:solidFill>
+              </a:rPr>
+              <a:t>, </a:t>
+            </a:r>
+            <a:r>
+              <a:rPr lang="en-US" sz="1400" i="1" dirty="0" smtClean="0">
+                <a:solidFill>
+                  <a:schemeClr val="bg2"/>
+                </a:solidFill>
+              </a:rPr>
+              <a:t>“</a:t>
+            </a:r>
+            <a:r>
+              <a:rPr lang="fr-FR" sz="1400" i="1" dirty="0" err="1" smtClean="0">
+                <a:solidFill>
+                  <a:schemeClr val="bg2"/>
+                </a:solidFill>
+              </a:rPr>
+              <a:t>Incremental</a:t>
+            </a:r>
+            <a:r>
+              <a:rPr lang="fr-FR" sz="1400" i="1" dirty="0" smtClean="0">
+                <a:solidFill>
+                  <a:schemeClr val="bg2"/>
+                </a:solidFill>
+              </a:rPr>
+              <a:t> </a:t>
+            </a:r>
+            <a:r>
+              <a:rPr lang="en-US" sz="1400" i="1" dirty="0" smtClean="0">
+                <a:solidFill>
+                  <a:schemeClr val="bg2"/>
+                </a:solidFill>
+              </a:rPr>
+              <a:t>origin analysis of </a:t>
+            </a:r>
+            <a:r>
+              <a:rPr lang="en-US" sz="1400" i="1" dirty="0">
+                <a:solidFill>
+                  <a:schemeClr val="bg2"/>
+                </a:solidFill>
+              </a:rPr>
+              <a:t>source code </a:t>
+            </a:r>
+            <a:r>
+              <a:rPr lang="en-US" sz="1400" i="1" dirty="0" smtClean="0">
+                <a:solidFill>
+                  <a:schemeClr val="bg2"/>
+                </a:solidFill>
+              </a:rPr>
+              <a:t>files”. Conference </a:t>
+            </a:r>
+            <a:r>
+              <a:rPr lang="en-US" sz="1400" i="1" dirty="0">
+                <a:solidFill>
+                  <a:schemeClr val="bg2"/>
+                </a:solidFill>
+              </a:rPr>
+              <a:t>on Mining Software Repositories, 2014</a:t>
+            </a:r>
+            <a:r>
+              <a:rPr lang="en-US" sz="1400" i="1" dirty="0" smtClean="0">
+                <a:solidFill>
+                  <a:schemeClr val="bg2"/>
+                </a:solidFill>
+              </a:rPr>
+              <a:t>.</a:t>
+            </a:r>
+          </a:p>
+          <a:p>
+            <a:endParaRPr lang="en-US" sz="1400" i="1" dirty="0">
+              <a:solidFill>
+                <a:schemeClr val="bg2"/>
+              </a:solidFill>
+            </a:endParaRPr>
+          </a:p>
+          <a:p>
+            <a:r>
+              <a:rPr lang="en-US" sz="1400" i="1" dirty="0">
+                <a:solidFill>
+                  <a:schemeClr val="bg2"/>
+                </a:solidFill>
+              </a:rPr>
+              <a:t>Michael Godfrey and </a:t>
+            </a:r>
+            <a:r>
+              <a:rPr lang="en-US" sz="1400" i="1" dirty="0" err="1">
+                <a:solidFill>
+                  <a:schemeClr val="bg2"/>
+                </a:solidFill>
+              </a:rPr>
+              <a:t>Qiang</a:t>
+            </a:r>
+            <a:r>
+              <a:rPr lang="en-US" sz="1400" i="1" dirty="0">
+                <a:solidFill>
+                  <a:schemeClr val="bg2"/>
+                </a:solidFill>
+              </a:rPr>
+              <a:t> Tu. </a:t>
+            </a:r>
+            <a:r>
+              <a:rPr lang="en-US" sz="1400" i="1" dirty="0" smtClean="0">
+                <a:solidFill>
+                  <a:schemeClr val="bg2"/>
+                </a:solidFill>
+              </a:rPr>
+              <a:t>“Tracking </a:t>
+            </a:r>
+            <a:r>
+              <a:rPr lang="en-US" sz="1400" i="1" dirty="0">
+                <a:solidFill>
+                  <a:schemeClr val="bg2"/>
+                </a:solidFill>
+              </a:rPr>
+              <a:t>structural evolution </a:t>
+            </a:r>
+            <a:r>
+              <a:rPr lang="en-US" sz="1400" i="1" dirty="0" smtClean="0">
+                <a:solidFill>
+                  <a:schemeClr val="bg2"/>
+                </a:solidFill>
+              </a:rPr>
+              <a:t>using origin analysis”. International </a:t>
+            </a:r>
+            <a:r>
+              <a:rPr lang="en-US" sz="1400" i="1" dirty="0">
+                <a:solidFill>
+                  <a:schemeClr val="bg2"/>
+                </a:solidFill>
+              </a:rPr>
+              <a:t>Workshop </a:t>
+            </a:r>
+            <a:r>
+              <a:rPr lang="en-US" sz="1400" i="1" dirty="0" smtClean="0">
+                <a:solidFill>
+                  <a:schemeClr val="bg2"/>
+                </a:solidFill>
+              </a:rPr>
+              <a:t>on Principles </a:t>
+            </a:r>
+            <a:r>
+              <a:rPr lang="en-US" sz="1400" i="1" dirty="0">
+                <a:solidFill>
+                  <a:schemeClr val="bg2"/>
+                </a:solidFill>
+              </a:rPr>
+              <a:t>of Software Evolution, IWPSE </a:t>
+            </a:r>
+            <a:r>
+              <a:rPr lang="en-US" sz="1400" i="1" dirty="0" smtClean="0">
+                <a:solidFill>
+                  <a:schemeClr val="bg2"/>
+                </a:solidFill>
+              </a:rPr>
+              <a:t>2002</a:t>
+            </a:r>
+            <a:r>
+              <a:rPr lang="fr-FR" sz="1400" i="1" dirty="0" smtClean="0">
+                <a:solidFill>
+                  <a:schemeClr val="bg2"/>
+                </a:solidFill>
+              </a:rPr>
+              <a:t>.</a:t>
+            </a:r>
+            <a:endParaRPr lang="en-US" sz="1400" i="1" dirty="0">
+              <a:solidFill>
+                <a:schemeClr val="bg2"/>
+              </a:solidFill>
+            </a:endParaRPr>
+          </a:p>
+        </p:txBody>
+      </p:sp>
+      <p:sp>
+        <p:nvSpPr>
+          <p:cNvPr id="4" name="TextBox 3"/>
+          <p:cNvSpPr txBox="1"/>
+          <p:nvPr/>
+        </p:nvSpPr>
+        <p:spPr>
+          <a:xfrm>
+            <a:off x="8748464" y="6550223"/>
+            <a:ext cx="395536" cy="307777"/>
+          </a:xfrm>
+          <a:prstGeom prst="rect">
+            <a:avLst/>
+          </a:prstGeom>
+          <a:noFill/>
+        </p:spPr>
+        <p:txBody>
+          <a:bodyPr wrap="square" rtlCol="0">
+            <a:spAutoFit/>
+          </a:bodyPr>
+          <a:lstStyle/>
+          <a:p>
+            <a:r>
+              <a:rPr lang="fr-FR" dirty="0" smtClean="0"/>
+              <a:t>25</a:t>
+            </a:r>
+            <a:endParaRPr lang="fr-FR" dirty="0" smtClean="0"/>
           </a:p>
         </p:txBody>
       </p:sp>
     </p:spTree>
+    <p:extLst>
+      <p:ext uri="{BB962C8B-B14F-4D97-AF65-F5344CB8AC3E}">
+        <p14:creationId xmlns:p14="http://schemas.microsoft.com/office/powerpoint/2010/main" val="286318358"/>
+      </p:ext>
+    </p:extLst>
   </p:cSld>
   <p:clrMapOvr>
     <a:masterClrMapping/>
@@ -8216,26 +10464,23 @@
         </p:nvSpPr>
         <p:spPr/>
         <p:txBody>
-          <a:bodyPr/>
+          <a:bodyPr lIns="91425" tIns="91425" rIns="91425" bIns="91425" anchor="ctr" anchorCtr="0">
+            <a:noAutofit/>
+          </a:bodyPr>
           <a:lstStyle/>
           <a:p>
             <a:r>
-              <a:rPr lang="fr-FR" dirty="0" smtClean="0"/>
+              <a:rPr lang="fr-FR" dirty="0"/>
               <a:t>Contexte </a:t>
             </a:r>
             <a:r>
-              <a:rPr lang="fr-FR" sz="1400" dirty="0" smtClean="0">
+              <a:rPr lang="fr-FR" sz="1400" dirty="0">
                 <a:solidFill>
                   <a:schemeClr val="bg2"/>
                 </a:solidFill>
               </a:rPr>
               <a:t>définition du sujet</a:t>
             </a:r>
-            <a:endParaRPr lang="fr-FR" sz="1400" dirty="0">
-              <a:solidFill>
-                <a:schemeClr val="bg2"/>
-              </a:solidFill>
-            </a:endParaRPr>
           </a:p>
         </p:txBody>
       </p:sp>
@@ -8251,8 +10496,8 @@
         </p:nvSpPr>
         <p:spPr>
           <a:xfrm>
-            <a:off x="251520" y="1563638"/>
-            <a:ext cx="8568952" cy="3312368"/>
+            <a:off x="251520" y="2084851"/>
+            <a:ext cx="8568952" cy="2280253"/>
           </a:xfrm>
         </p:spPr>
         <p:txBody>
@@ -8299,7 +10544,7 @@
             </a:pPr>
             <a:r>
               <a:rPr lang="fr-FR" sz="2400" dirty="0" smtClean="0"/>
-              <a:t>Les métriques</a:t>
+              <a:t>Les métriques*</a:t>
             </a:r>
             <a:endParaRPr lang="fr-FR" sz="2400" dirty="0"/>
           </a:p>
@@ -8313,7 +10558,7 @@
         </p:nvSpPr>
         <p:spPr>
           <a:xfrm>
-            <a:off x="8855282" y="4835723"/>
+            <a:off x="8855282" y="6550223"/>
             <a:ext cx="288718" cy="307777"/>
           </a:xfrm>
           <a:prstGeom prst="rect">
@@ -8332,6 +10577,226 @@
               <a:t>3</a:t>
             </a:r>
             <a:endParaRPr lang="fr-FR" dirty="0" smtClean="0"/>
+          </a:p>
+        </p:txBody>
+      </p:sp>
+      <p:sp>
+        <p:nvSpPr>
+          <p:cNvPr id="5" name="TextBox 4"/>
+          <p:cNvSpPr txBox="1"/>
+          <p:nvPr/>
+        </p:nvSpPr>
+        <p:spPr>
+          <a:xfrm>
+            <a:off x="611560" y="5924412"/>
+            <a:ext cx="7632848" cy="523220"/>
+          </a:xfrm>
+          <a:prstGeom prst="rect">
+            <a:avLst/>
+          </a:prstGeom>
+          <a:noFill/>
+        </p:spPr>
+        <p:txBody>
+          <a:bodyPr wrap="square" rtlCol="0">
+            <a:spAutoFit/>
+          </a:bodyPr>
+          <a:lstStyle/>
+          <a:p>
+            <a:r>
+              <a:rPr lang="en-US" i="1" dirty="0" smtClean="0">
+                <a:solidFill>
+                  <a:schemeClr val="bg2"/>
+                </a:solidFill>
+              </a:rPr>
+              <a:t>* </a:t>
+            </a:r>
+            <a:r>
+              <a:rPr lang="en-US" i="1" dirty="0" err="1" smtClean="0">
+                <a:solidFill>
+                  <a:schemeClr val="bg2"/>
+                </a:solidFill>
+              </a:rPr>
+              <a:t>Nagappan</a:t>
+            </a:r>
+            <a:r>
+              <a:rPr lang="en-US" i="1" dirty="0" smtClean="0">
+                <a:solidFill>
+                  <a:schemeClr val="bg2"/>
+                </a:solidFill>
+              </a:rPr>
+              <a:t> et al. “Use </a:t>
+            </a:r>
+            <a:r>
+              <a:rPr lang="en-US" i="1" dirty="0">
+                <a:solidFill>
+                  <a:schemeClr val="bg2"/>
+                </a:solidFill>
+              </a:rPr>
+              <a:t>of relative code </a:t>
+            </a:r>
+            <a:r>
+              <a:rPr lang="en-US" i="1" dirty="0" smtClean="0">
+                <a:solidFill>
+                  <a:schemeClr val="bg2"/>
+                </a:solidFill>
+              </a:rPr>
+              <a:t>churn measures </a:t>
+            </a:r>
+            <a:r>
+              <a:rPr lang="en-US" i="1" dirty="0">
+                <a:solidFill>
+                  <a:schemeClr val="bg2"/>
+                </a:solidFill>
+              </a:rPr>
+              <a:t>to predict system defect </a:t>
+            </a:r>
+            <a:r>
+              <a:rPr lang="en-US" i="1" dirty="0" smtClean="0">
+                <a:solidFill>
+                  <a:schemeClr val="bg2"/>
+                </a:solidFill>
+              </a:rPr>
+              <a:t>density”, ICSE </a:t>
+            </a:r>
+            <a:r>
+              <a:rPr lang="en-US" i="1" dirty="0">
+                <a:solidFill>
+                  <a:schemeClr val="bg2"/>
+                </a:solidFill>
+              </a:rPr>
+              <a:t> </a:t>
+            </a:r>
+            <a:r>
+              <a:rPr lang="en-US" i="1" dirty="0" smtClean="0">
+                <a:solidFill>
+                  <a:schemeClr val="bg2"/>
+                </a:solidFill>
+              </a:rPr>
+              <a:t>2005.</a:t>
+            </a:r>
+            <a:endParaRPr lang="fr-FR" i="1" dirty="0">
+              <a:solidFill>
+                <a:schemeClr val="bg2"/>
+              </a:solidFill>
+            </a:endParaRPr>
+          </a:p>
+        </p:txBody>
+      </p:sp>
+      <p:sp>
+        <p:nvSpPr>
+          <p:cNvPr id="6" name="TextBox 5"/>
+          <p:cNvSpPr txBox="1"/>
+          <p:nvPr/>
+        </p:nvSpPr>
+        <p:spPr>
+          <a:xfrm>
+            <a:off x="611560" y="5157192"/>
+            <a:ext cx="7632848" cy="523220"/>
+          </a:xfrm>
+          <a:prstGeom prst="rect">
+            <a:avLst/>
+          </a:prstGeom>
+          <a:noFill/>
+        </p:spPr>
+        <p:txBody>
+          <a:bodyPr wrap="square" rtlCol="0">
+            <a:spAutoFit/>
+          </a:bodyPr>
+          <a:lstStyle/>
+          <a:p>
+            <a:r>
+              <a:rPr lang="fr-FR" i="1" dirty="0" smtClean="0">
+                <a:solidFill>
+                  <a:schemeClr val="bg2"/>
+                </a:solidFill>
+              </a:rPr>
+              <a:t>* </a:t>
+            </a:r>
+            <a:r>
+              <a:rPr lang="fr-FR" i="1" dirty="0" err="1" smtClean="0">
+                <a:solidFill>
+                  <a:schemeClr val="bg2"/>
+                </a:solidFill>
+              </a:rPr>
+              <a:t>Bird</a:t>
+            </a:r>
+            <a:r>
+              <a:rPr lang="fr-FR" i="1" dirty="0" smtClean="0">
+                <a:solidFill>
+                  <a:schemeClr val="bg2"/>
+                </a:solidFill>
+              </a:rPr>
+              <a:t> et al.</a:t>
+            </a:r>
+            <a:r>
+              <a:rPr lang="fr-FR" i="1" dirty="0">
+                <a:solidFill>
+                  <a:schemeClr val="bg2"/>
+                </a:solidFill>
+              </a:rPr>
+              <a:t> </a:t>
+            </a:r>
+            <a:r>
+              <a:rPr lang="en-US" i="1" dirty="0" smtClean="0">
+                <a:solidFill>
+                  <a:schemeClr val="bg2"/>
+                </a:solidFill>
+              </a:rPr>
+              <a:t>“Don’t touch </a:t>
+            </a:r>
+            <a:r>
+              <a:rPr lang="en-US" i="1" dirty="0">
+                <a:solidFill>
+                  <a:schemeClr val="bg2"/>
+                </a:solidFill>
+              </a:rPr>
+              <a:t>my code ! : </a:t>
+            </a:r>
+            <a:r>
+              <a:rPr lang="en-US" i="1" dirty="0" smtClean="0">
+                <a:solidFill>
+                  <a:schemeClr val="bg2"/>
+                </a:solidFill>
+              </a:rPr>
+              <a:t>examining the </a:t>
+            </a:r>
+            <a:r>
+              <a:rPr lang="en-US" i="1" dirty="0">
+                <a:solidFill>
+                  <a:schemeClr val="bg2"/>
+                </a:solidFill>
+              </a:rPr>
+              <a:t>effects of ownership on software </a:t>
+            </a:r>
+            <a:r>
+              <a:rPr lang="en-US" i="1" dirty="0" smtClean="0">
+                <a:solidFill>
+                  <a:schemeClr val="bg2"/>
+                </a:solidFill>
+              </a:rPr>
+              <a:t>quality”, </a:t>
+            </a:r>
+            <a:r>
+              <a:rPr lang="en-US" i="1" dirty="0">
+                <a:solidFill>
+                  <a:schemeClr val="bg2"/>
+                </a:solidFill>
+              </a:rPr>
+              <a:t>ESEC/FSE </a:t>
+            </a:r>
+            <a:r>
+              <a:rPr lang="en-US" i="1" dirty="0" smtClean="0">
+                <a:solidFill>
+                  <a:schemeClr val="bg2"/>
+                </a:solidFill>
+              </a:rPr>
+              <a:t> 2011.</a:t>
+            </a:r>
+            <a:endParaRPr lang="fr-FR" i="1" dirty="0">
+              <a:solidFill>
+                <a:schemeClr val="bg2"/>
+              </a:solidFill>
+            </a:endParaRPr>
           </a:p>
         </p:txBody>
       </p:sp>
@@ -8384,8 +10849,8 @@
         </p:nvSpPr>
         <p:spPr>
           <a:xfrm>
-            <a:off x="467544" y="195486"/>
-            <a:ext cx="8037599" cy="857400"/>
+            <a:off x="467545" y="288000"/>
+            <a:ext cx="8037599" cy="1143200"/>
           </a:xfrm>
           <a:prstGeom prst="rect">
             <a:avLst/>
@@ -8443,8 +10908,8 @@
         </p:nvSpPr>
         <p:spPr>
           <a:xfrm>
-            <a:off x="251520" y="1473643"/>
-            <a:ext cx="8538599" cy="2826299"/>
+            <a:off x="251521" y="1964858"/>
+            <a:ext cx="8538599" cy="3768399"/>
           </a:xfrm>
           <a:prstGeom prst="rect">
             <a:avLst/>
@@ -8469,7 +10934,19 @@
             </a:pPr>
             <a:r>
               <a:rPr lang="fr" sz="2400" dirty="0"/>
-              <a:t>NoD : nombre de développeurs </a:t>
+              <a:t>NoD </a:t>
+            </a:r>
+            <a:r>
+              <a:rPr lang="fr" sz="2400" dirty="0" smtClean="0">
+                <a:solidFill>
+                  <a:schemeClr val="bg2"/>
+                </a:solidFill>
+              </a:rPr>
+              <a:t>(Number of Developers): </a:t>
+            </a:r>
+            <a:r>
+              <a:rPr lang="fr" sz="2400" dirty="0"/>
+              <a:t>nombre de développeurs </a:t>
             </a:r>
             <a:r>
               <a:rPr lang="fr" sz="2400" dirty="0" smtClean="0"/>
@@ -8494,7 +10971,19 @@
             </a:pPr>
             <a:r>
               <a:rPr lang="fr" sz="2400" dirty="0"/>
-              <a:t>NoC : nombre de </a:t>
+              <a:t>NoC </a:t>
+            </a:r>
+            <a:r>
+              <a:rPr lang="fr" sz="2400" dirty="0" smtClean="0">
+                <a:solidFill>
+                  <a:schemeClr val="bg2"/>
+                </a:solidFill>
+              </a:rPr>
+              <a:t>(Number of Changes): </a:t>
+            </a:r>
+            <a:r>
+              <a:rPr lang="fr" sz="2400" dirty="0"/>
+              <a:t>nombre de </a:t>
             </a:r>
             <a:r>
               <a:rPr lang="fr" sz="2400" dirty="0" smtClean="0"/>
@@ -8519,8 +11008,37 @@
             </a:pPr>
             <a:r>
               <a:rPr lang="fr" sz="2400" dirty="0"/>
-              <a:t>CC : nombre de loc ajoutés ou supprimés</a:t>
-            </a:r>
+              <a:t>CC </a:t>
+            </a:r>
+            <a:r>
+              <a:rPr lang="fr" sz="2400" dirty="0" smtClean="0">
+                <a:solidFill>
+                  <a:schemeClr val="bg2"/>
+                </a:solidFill>
+              </a:rPr>
+              <a:t>(Code Churn): </a:t>
+            </a:r>
+            <a:r>
+              <a:rPr lang="fr" sz="2400" dirty="0"/>
+              <a:t>nombre de </a:t>
+            </a:r>
+            <a:r>
+              <a:rPr lang="fr" sz="2400" dirty="0" smtClean="0"/>
+              <a:t>lignes </a:t>
+            </a:r>
+            <a:r>
+              <a:rPr lang="fr" sz="2400" dirty="0" smtClean="0"/>
+              <a:t>ajoutées </a:t>
+            </a:r>
+            <a:r>
+              <a:rPr lang="fr" sz="2400" dirty="0"/>
+              <a:t>ou </a:t>
+            </a:r>
+            <a:r>
+              <a:rPr lang="fr" sz="2400" dirty="0" smtClean="0"/>
+              <a:t>supprimées</a:t>
+            </a:r>
+            <a:endParaRPr lang="fr" sz="2400" dirty="0"/>
           </a:p>
         </p:txBody>
       </p:sp>
@@ -8532,8 +11050,8 @@
         </p:nvSpPr>
         <p:spPr>
           <a:xfrm>
-            <a:off x="241808" y="4155926"/>
-            <a:ext cx="5050272" cy="504056"/>
+            <a:off x="241808" y="5541235"/>
+            <a:ext cx="8002600" cy="906397"/>
           </a:xfrm>
           <a:prstGeom prst="rect">
             <a:avLst/>
@@ -8545,19 +11063,14 @@
           </a:bodyPr>
           <a:lstStyle/>
           <a:p>
-            <a:pPr lvl="0" rtl="0">
-              <a:spcBef>
-                <a:spcPts val="0"/>
-              </a:spcBef>
+            <a:pPr lvl="0">
               <a:buClr>
                 <a:schemeClr val="dk1"/>
               </a:buClr>
               <a:buSzPct val="78571"/>
-              <a:buFont typeface="Arial"/>
-              <a:buNone/>
             </a:pPr>
             <a:r>
-              <a:rPr lang="fr" sz="1200" dirty="0" smtClean="0">
+              <a:rPr lang="fr" dirty="0" smtClean="0">
                 <a:solidFill>
                   <a:srgbClr val="666666"/>
                 </a:solidFill>
@@ -8565,7 +11078,7 @@
               <a:t>* Radjenovic </a:t>
             </a:r>
             <a:r>
-              <a:rPr lang="fr" sz="1200" i="1" dirty="0">
+              <a:rPr lang="fr" i="1" dirty="0">
                 <a:solidFill>
                   <a:srgbClr val="666666"/>
                 </a:solidFill>
@@ -8573,7 +11086,7 @@
               <a:t>et </a:t>
             </a:r>
             <a:r>
-              <a:rPr lang="fr" sz="1200" i="1" dirty="0" smtClean="0">
+              <a:rPr lang="fr" i="1" dirty="0" smtClean="0">
                 <a:solidFill>
                   <a:srgbClr val="666666"/>
                 </a:solidFill>
@@ -8581,7 +11094,7 @@
               <a:t>al,</a:t>
             </a:r>
             <a:r>
-              <a:rPr lang="fr" sz="1200" i="1" dirty="0">
+              <a:rPr lang="fr" i="1" dirty="0">
                 <a:solidFill>
                   <a:srgbClr val="666666"/>
                 </a:solidFill>
@@ -8589,7 +11102,7 @@
               <a:t> </a:t>
             </a:r>
             <a:r>
-              <a:rPr lang="fr" sz="1200" i="1" dirty="0" smtClean="0">
+              <a:rPr lang="fr" i="1" dirty="0" smtClean="0">
                 <a:solidFill>
                   <a:srgbClr val="666666"/>
                 </a:solidFill>
@@ -8597,14 +11110,14 @@
               <a:t/>
             </a:r>
             <a:br>
-              <a:rPr lang="fr" sz="1200" i="1" dirty="0" smtClean="0">
+              <a:rPr lang="fr" i="1" dirty="0" smtClean="0">
                 <a:solidFill>
                   <a:srgbClr val="666666"/>
                 </a:solidFill>
               </a:rPr>
             </a:br>
             <a:r>
-              <a:rPr lang="fr" sz="1200" dirty="0" smtClean="0">
+              <a:rPr lang="fr" dirty="0" smtClean="0">
                 <a:solidFill>
                   <a:srgbClr val="666666"/>
                 </a:solidFill>
@@ -8612,13 +11125,66 @@
               <a:t>“</a:t>
             </a:r>
             <a:r>
-              <a:rPr lang="fr" sz="1200" dirty="0">
+              <a:rPr lang="fr" dirty="0">
                 <a:solidFill>
                   <a:srgbClr val="666666"/>
                 </a:solidFill>
               </a:rPr>
-              <a:t>Software fault prediction metrics : A systematic literature review.”, 2013</a:t>
-            </a:r>
+              <a:t>Software fault prediction metrics : A systematic literature review</a:t>
+            </a:r>
+            <a:r>
+              <a:rPr lang="fr" dirty="0" smtClean="0">
+                <a:solidFill>
+                  <a:srgbClr val="666666"/>
+                </a:solidFill>
+              </a:rPr>
+              <a:t>.”, </a:t>
+            </a:r>
+            <a:r>
+              <a:rPr lang="fr-FR" dirty="0" smtClean="0">
+                <a:solidFill>
+                  <a:srgbClr val="666666"/>
+                </a:solidFill>
+              </a:rPr>
+              <a:t>Information </a:t>
+            </a:r>
+            <a:r>
+              <a:rPr lang="fr-FR" dirty="0">
+                <a:solidFill>
+                  <a:srgbClr val="666666"/>
+                </a:solidFill>
+              </a:rPr>
+              <a:t>and Software </a:t>
+            </a:r>
+            <a:r>
+              <a:rPr lang="fr-FR" dirty="0" err="1">
+                <a:solidFill>
+                  <a:srgbClr val="666666"/>
+                </a:solidFill>
+              </a:rPr>
+              <a:t>Technology</a:t>
+            </a:r>
+            <a:r>
+              <a:rPr lang="fr-FR" dirty="0">
+                <a:solidFill>
+                  <a:srgbClr val="666666"/>
+                </a:solidFill>
+              </a:rPr>
+              <a:t>, </a:t>
+            </a:r>
+            <a:r>
+              <a:rPr lang="fr" dirty="0" smtClean="0">
+                <a:solidFill>
+                  <a:srgbClr val="666666"/>
+                </a:solidFill>
+              </a:rPr>
+              <a:t>2013</a:t>
+            </a:r>
+            <a:endParaRPr lang="fr" dirty="0">
+              <a:solidFill>
+                <a:srgbClr val="666666"/>
+              </a:solidFill>
+            </a:endParaRPr>
           </a:p>
         </p:txBody>
       </p:sp>
@@ -8630,7 +11196,7 @@
         </p:nvSpPr>
         <p:spPr>
           <a:xfrm>
-            <a:off x="8855282" y="4835723"/>
+            <a:off x="8855282" y="6536095"/>
             <a:ext cx="288718" cy="307777"/>
           </a:xfrm>
           <a:prstGeom prst="rect">
@@ -8675,7 +11241,7 @@
   <p:cSld>
     <p:spTree>
       <p:nvGrpSpPr>
-        <p:cNvPr id="1" name=""/>
+        <p:cNvPr id="1" name="Shape 43"/>
         <p:cNvGrpSpPr/>
         <p:nvPr/>
       </p:nvGrpSpPr>
@@ -8689,49 +11255,180 @@
       </p:grpSpPr>
       <p:sp>
         <p:nvSpPr>
-          <p:cNvPr id="2" name="Title 1"/>
-          <p:cNvSpPr>
+          <p:cNvPr id="44" name="Shape 44"/>
+          <p:cNvSpPr txBox="1">
             <a:spLocks noGrp="1"/>
           </p:cNvSpPr>
           <p:nvPr>
             <p:ph type="title"/>
           </p:nvPr>
         </p:nvSpPr>
-        <p:spPr/>
-        <p:txBody>
-          <a:bodyPr/>
+        <p:spPr>
+          <a:xfrm>
+            <a:off x="457200" y="274637"/>
+            <a:ext cx="8229600" cy="1143200"/>
+          </a:xfrm>
+          <a:prstGeom prst="rect">
+            <a:avLst/>
+          </a:prstGeom>
+        </p:spPr>
+        <p:txBody>
+          <a:bodyPr lIns="91425" tIns="91425" rIns="91425" bIns="91425" anchor="ctr" anchorCtr="0">
+            <a:noAutofit/>
+          </a:bodyPr>
           <a:lstStyle/>
           <a:p>
-            <a:r>
-              <a:rPr lang="fr" dirty="0"/>
+            <a:pPr>
+              <a:spcBef>
+                <a:spcPts val="0"/>
+              </a:spcBef>
+              <a:buNone/>
+            </a:pPr>
+            <a:r>
+              <a:rPr lang="fr" dirty="0" smtClean="0"/>
               <a:t>Contexte </a:t>
             </a:r>
             <a:r>
-              <a:rPr lang="fr" sz="1400" dirty="0" smtClean="0">
+              <a:rPr lang="fr" sz="1400" dirty="0">
                 <a:solidFill>
                   <a:schemeClr val="bg2"/>
                 </a:solidFill>
               </a:rPr>
-              <a:t>l’historique d’un gestionnaire de versions (vcs)</a:t>
-            </a:r>
-            <a:endParaRPr lang="fr-FR" sz="1400" dirty="0">
-              <a:solidFill>
-                <a:schemeClr val="bg2"/>
-              </a:solidFill>
-            </a:endParaRPr>
+              <a:t>métriques et renommage</a:t>
+            </a:r>
+          </a:p>
+        </p:txBody>
+      </p:sp>
+      <p:pic>
+        <p:nvPicPr>
+          <p:cNvPr id="45" name="Shape 45"/>
+          <p:cNvPicPr preferRelativeResize="0"/>
+          <p:nvPr/>
+        </p:nvPicPr>
+        <p:blipFill>
+          <a:blip r:embed="rId3"/>
+          <a:stretch>
+            <a:fillRect/>
+          </a:stretch>
+        </p:blipFill>
+        <p:spPr>
+          <a:xfrm>
+            <a:off x="612125" y="1693967"/>
+            <a:ext cx="5009574" cy="4078465"/>
+          </a:xfrm>
+          <a:prstGeom prst="rect">
+            <a:avLst/>
+          </a:prstGeom>
+          <a:noFill/>
+          <a:ln>
+            <a:noFill/>
+          </a:ln>
+        </p:spPr>
+      </p:pic>
+      <p:sp>
+        <p:nvSpPr>
+          <p:cNvPr id="4" name="TextBox 3"/>
+          <p:cNvSpPr txBox="1"/>
+          <p:nvPr/>
+        </p:nvSpPr>
+        <p:spPr>
+          <a:xfrm>
+            <a:off x="6283610" y="4899620"/>
+            <a:ext cx="2651348" cy="523220"/>
+          </a:xfrm>
+          <a:prstGeom prst="rect">
+            <a:avLst/>
+          </a:prstGeom>
+          <a:noFill/>
+        </p:spPr>
+        <p:txBody>
+          <a:bodyPr wrap="square" rtlCol="0">
+            <a:spAutoFit/>
+          </a:bodyPr>
+          <a:lstStyle/>
+          <a:p>
+            <a:r>
+              <a:rPr lang="fr-FR" sz="2800" b="1" dirty="0" smtClean="0"/>
+              <a:t>Renommage</a:t>
+            </a:r>
+            <a:endParaRPr lang="fr-FR" sz="2800" b="1" dirty="0"/>
+          </a:p>
+        </p:txBody>
+      </p:sp>
+      <p:pic>
+        <p:nvPicPr>
+          <p:cNvPr id="5" name="Picture 4"/>
+          <p:cNvPicPr>
+            <a:picLocks noChangeAspect="1"/>
+          </p:cNvPicPr>
+          <p:nvPr/>
+        </p:nvPicPr>
+        <p:blipFill rotWithShape="1">
+          <a:blip r:embed="rId4">
+            <a:extLst>
+              <a:ext uri="{28A0092B-C50C-407E-A947-70E740481C1C}">
+                <a14:useLocalDpi xmlns:a14="http://schemas.microsoft.com/office/drawing/2010/main" val="0"/>
+              </a:ext>
+            </a:extLst>
+          </a:blip>
+          <a:srcRect l="-1" t="3658" r="1126" b="-671"/>
+          <a:stretch/>
+        </p:blipFill>
+        <p:spPr>
+          <a:xfrm>
+            <a:off x="6986904" y="3892090"/>
+            <a:ext cx="1244760" cy="977070"/>
+          </a:xfrm>
+          <a:prstGeom prst="rect">
+            <a:avLst/>
+          </a:prstGeom>
+        </p:spPr>
+      </p:pic>
+      <p:sp>
+        <p:nvSpPr>
+          <p:cNvPr id="6" name="TextBox 5"/>
+          <p:cNvSpPr txBox="1"/>
+          <p:nvPr/>
+        </p:nvSpPr>
+        <p:spPr>
+          <a:xfrm>
+            <a:off x="8855282" y="6550223"/>
+            <a:ext cx="288718" cy="307777"/>
+          </a:xfrm>
+          <a:prstGeom prst="rect">
+            <a:avLst/>
+          </a:prstGeom>
+          <a:noFill/>
+        </p:spPr>
+        <p:txBody>
+          <a:bodyPr wrap="square" rtlCol="0">
+            <a:spAutoFit/>
+          </a:bodyPr>
+          <a:lstStyle/>
+          <a:p>
+            <a:r>
+              <a:rPr lang="fr-FR" dirty="0" smtClean="0"/>
+              <a:t>5</a:t>
+            </a:r>
+            <a:endParaRPr lang="fr-FR" dirty="0" smtClean="0"/>
           </a:p>
         </p:txBody>
       </p:sp>
     </p:spTree>
-    <p:extLst>
-      <p:ext uri="{BB962C8B-B14F-4D97-AF65-F5344CB8AC3E}">
-        <p14:creationId xmlns:p14="http://schemas.microsoft.com/office/powerpoint/2010/main" val="3752319002"/>
-      </p:ext>
-    </p:extLst>
   </p:cSld>
   <p:clrMapOvr>
     <a:masterClrMapping/>
   </p:clrMapOvr>
+  <p:transition spd="slow">
+    <p:cut/>
+  </p:transition>
+  <p:timing>
+    <p:tnLst>
+      <p:par>
+        <p:cTn id="1" dur="indefinite" restart="never" nodeType="tmRoot"/>
+      </p:par>
+    </p:tnLst>
+  </p:timing>
 </p:sld>
 </file>
 
@@ -8764,8 +11461,8 @@
         </p:nvSpPr>
         <p:spPr>
           <a:xfrm>
-            <a:off x="457200" y="205978"/>
-            <a:ext cx="8229600" cy="857400"/>
+            <a:off x="457200" y="274637"/>
+            <a:ext cx="8229600" cy="1143200"/>
           </a:xfrm>
           <a:prstGeom prst="rect">
             <a:avLst/>
@@ -8812,8 +11509,8 @@
         </p:blipFill>
         <p:spPr>
           <a:xfrm>
-            <a:off x="612125" y="1270475"/>
-            <a:ext cx="5009574" cy="3058849"/>
+            <a:off x="612125" y="1693967"/>
+            <a:ext cx="5009574" cy="4078465"/>
           </a:xfrm>
           <a:prstGeom prst="rect">
             <a:avLst/>
@@ -8824,113 +11521,6 @@
           </a:ln>
         </p:spPr>
       </p:pic>
-    </p:spTree>
-  </p:cSld>
-  <p:clrMapOvr>
-    <a:masterClrMapping/>
-  </p:clrMapOvr>
-  <p:transition spd="slow">
-    <p:cut/>
-  </p:transition>
-  <p:timing>
-    <p:tnLst>
-      <p:par>
-        <p:cTn id="1" dur="indefinite" restart="never" nodeType="tmRoot"/>
-      </p:par>
-    </p:tnLst>
-  </p:timing>
-</p:sld>
-</file>
-
-<file path=ppt/slides/slide7.xml><?xml version="1.0" encoding="utf-8"?>
-<p:sld xmlns:a="http://schemas.openxmlformats.org/drawingml/2006/main" xmlns:r="http://schemas.openxmlformats.org/officeDocument/2006/relationships" xmlns:p="http://schemas.openxmlformats.org/presentationml/2006/main">
-  <p:cSld>
-    <p:spTree>
-      <p:nvGrpSpPr>
-        <p:cNvPr id="1" name="Shape 43"/>
-        <p:cNvGrpSpPr/>
-        <p:nvPr/>
-      </p:nvGrpSpPr>
-      <p:grpSpPr>
-        <a:xfrm>
-          <a:off x="0" y="0"/>
-          <a:ext cx="0" cy="0"/>
-          <a:chOff x="0" y="0"/>
-          <a:chExt cx="0" cy="0"/>
-        </a:xfrm>
-      </p:grpSpPr>
-      <p:sp>
-        <p:nvSpPr>
-          <p:cNvPr id="44" name="Shape 44"/>
-          <p:cNvSpPr txBox="1">
-            <a:spLocks noGrp="1"/>
-          </p:cNvSpPr>
-          <p:nvPr>
-            <p:ph type="title"/>
-          </p:nvPr>
-        </p:nvSpPr>
-        <p:spPr>
-          <a:xfrm>
-            <a:off x="457200" y="205978"/>
-            <a:ext cx="8229600" cy="857400"/>
-          </a:xfrm>
-          <a:prstGeom prst="rect">
-            <a:avLst/>
-          </a:prstGeom>
-        </p:spPr>
-        <p:txBody>
-          <a:bodyPr lIns="91425" tIns="91425" rIns="91425" bIns="91425" anchor="ctr" anchorCtr="0">
-            <a:noAutofit/>
-          </a:bodyPr>
-          <a:lstStyle/>
-          <a:p>
-            <a:pPr>
-              <a:spcBef>
-                <a:spcPts val="0"/>
-              </a:spcBef>
-              <a:buNone/>
-            </a:pPr>
-            <a:r>
-              <a:rPr lang="fr" dirty="0" smtClean="0"/>
-              <a:t>Contexte </a:t>
-            </a:r>
-            <a:r>
-              <a:rPr lang="fr" sz="1400" dirty="0">
-                <a:solidFill>
-                  <a:schemeClr val="bg2"/>
-                </a:solidFill>
-              </a:rPr>
-              <a:t>métriques et renommage</a:t>
-            </a:r>
-          </a:p>
-        </p:txBody>
-      </p:sp>
-      <p:pic>
-        <p:nvPicPr>
-          <p:cNvPr id="45" name="Shape 45"/>
-          <p:cNvPicPr preferRelativeResize="0"/>
-          <p:nvPr/>
-        </p:nvPicPr>
-        <p:blipFill>
-          <a:blip r:embed="rId3"/>
-          <a:stretch>
-            <a:fillRect/>
-          </a:stretch>
-        </p:blipFill>
-        <p:spPr>
-          <a:xfrm>
-            <a:off x="612125" y="1270475"/>
-            <a:ext cx="5009574" cy="3058849"/>
-          </a:xfrm>
-          <a:prstGeom prst="rect">
-            <a:avLst/>
-          </a:prstGeom>
-          <a:noFill/>
-          <a:ln>
-            <a:noFill/>
-          </a:ln>
-        </p:spPr>
-      </p:pic>
       <p:sp>
         <p:nvSpPr>
           <p:cNvPr id="46" name="Shape 46"/>
@@ -8939,8 +11529,8 @@
         </p:nvSpPr>
         <p:spPr>
           <a:xfrm>
-            <a:off x="6341950" y="3860875"/>
-            <a:ext cx="2344799" cy="430500"/>
+            <a:off x="6012160" y="5123591"/>
+            <a:ext cx="2736304" cy="441407"/>
           </a:xfrm>
           <a:prstGeom prst="rect">
             <a:avLst/>
@@ -8959,9 +11549,44 @@
               <a:buNone/>
             </a:pPr>
             <a:r>
-              <a:rPr lang="fr"/>
-              <a:t>NoD = 1</a:t>
-            </a:r>
+              <a:rPr lang="fr" b="1" dirty="0"/>
+              <a:t>NoD = </a:t>
+            </a:r>
+            <a:r>
+              <a:rPr lang="fr" b="1" dirty="0" smtClean="0"/>
+              <a:t>1,	NoC = 1,	CC = 2</a:t>
+            </a:r>
+            <a:endParaRPr lang="fr" b="1" dirty="0"/>
+          </a:p>
+        </p:txBody>
+      </p:sp>
+      <p:sp>
+        <p:nvSpPr>
+          <p:cNvPr id="5" name="TextBox 4"/>
+          <p:cNvSpPr txBox="1"/>
+          <p:nvPr/>
+        </p:nvSpPr>
+        <p:spPr>
+          <a:xfrm>
+            <a:off x="8855282" y="6550223"/>
+            <a:ext cx="288718" cy="307777"/>
+          </a:xfrm>
+          <a:prstGeom prst="rect">
+            <a:avLst/>
+          </a:prstGeom>
+          <a:noFill/>
+        </p:spPr>
+        <p:txBody>
+          <a:bodyPr wrap="square" rtlCol="0">
+            <a:spAutoFit/>
+          </a:bodyPr>
+          <a:lstStyle/>
+          <a:p>
+            <a:r>
+              <a:rPr lang="fr-FR" dirty="0"/>
+              <a:t>6</a:t>
+            </a:r>
+            <a:endParaRPr lang="fr-FR" dirty="0" smtClean="0"/>
           </a:p>
         </p:txBody>
       </p:sp>
@@ -8988,7 +11613,7 @@
 </p:sld>
 </file>
 
-<file path=ppt/slides/slide8.xml><?xml version="1.0" encoding="utf-8"?>
+<file path=ppt/slides/slide7.xml><?xml version="1.0" encoding="utf-8"?>
 <p:sld xmlns:a="http://schemas.openxmlformats.org/drawingml/2006/main" xmlns:r="http://schemas.openxmlformats.org/officeDocument/2006/relationships" xmlns:p="http://schemas.openxmlformats.org/presentationml/2006/main">
   <p:cSld>
     <p:spTree>
@@ -9017,8 +11642,8 @@
         </p:nvSpPr>
         <p:spPr>
           <a:xfrm>
-            <a:off x="457200" y="205978"/>
-            <a:ext cx="8229600" cy="857400"/>
+            <a:off x="457200" y="274637"/>
+            <a:ext cx="8229600" cy="1143200"/>
           </a:xfrm>
           <a:prstGeom prst="rect">
             <a:avLst/>
@@ -9065,8 +11690,8 @@
         </p:blipFill>
         <p:spPr>
           <a:xfrm>
-            <a:off x="612125" y="1270475"/>
-            <a:ext cx="5009574" cy="3058849"/>
+            <a:off x="612125" y="1693967"/>
+            <a:ext cx="5009574" cy="4078465"/>
           </a:xfrm>
           <a:prstGeom prst="rect">
             <a:avLst/>
@@ -9079,14 +11704,14 @@
       </p:pic>
       <p:sp>
         <p:nvSpPr>
-          <p:cNvPr id="53" name="Shape 53"/>
+          <p:cNvPr id="7" name="Shape 46"/>
           <p:cNvSpPr txBox="1"/>
           <p:nvPr/>
         </p:nvSpPr>
         <p:spPr>
           <a:xfrm>
-            <a:off x="6658775" y="3735625"/>
-            <a:ext cx="1890899" cy="438299"/>
+            <a:off x="6012160" y="5123590"/>
+            <a:ext cx="2736304" cy="441407"/>
           </a:xfrm>
           <a:prstGeom prst="rect">
             <a:avLst/>
@@ -9105,22 +11730,31 @@
               <a:buNone/>
             </a:pPr>
             <a:r>
-              <a:rPr lang="fr"/>
-              <a:t>NoD =3</a:t>
-            </a:r>
-          </a:p>
-        </p:txBody>
-      </p:sp>
-      <p:sp>
-        <p:nvSpPr>
-          <p:cNvPr id="54" name="Shape 54"/>
+              <a:rPr lang="fr" b="1" dirty="0"/>
+              <a:t>NoD = </a:t>
+            </a:r>
+            <a:r>
+              <a:rPr lang="fr" b="1" dirty="0"/>
+              <a:t>3</a:t>
+            </a:r>
+            <a:r>
+              <a:rPr lang="fr" b="1" dirty="0" smtClean="0"/>
+              <a:t>,	NoC = 3,	CC = 2</a:t>
+            </a:r>
+            <a:endParaRPr lang="fr" b="1" dirty="0"/>
+          </a:p>
+        </p:txBody>
+      </p:sp>
+      <p:sp>
+        <p:nvSpPr>
+          <p:cNvPr id="8" name="Shape 46"/>
           <p:cNvSpPr txBox="1"/>
           <p:nvPr/>
         </p:nvSpPr>
         <p:spPr>
           <a:xfrm>
-            <a:off x="6658775" y="2635425"/>
-            <a:ext cx="1890899" cy="438299"/>
+            <a:off x="6012160" y="3694498"/>
+            <a:ext cx="2736304" cy="441407"/>
           </a:xfrm>
           <a:prstGeom prst="rect">
             <a:avLst/>
@@ -9132,29 +11766,38 @@
           </a:bodyPr>
           <a:lstStyle/>
           <a:p>
-            <a:pPr lvl="0" rtl="0">
+            <a:pPr>
               <a:spcBef>
                 <a:spcPts val="0"/>
               </a:spcBef>
               <a:buNone/>
             </a:pPr>
             <a:r>
-              <a:rPr lang="fr"/>
-              <a:t>NoD = 2</a:t>
-            </a:r>
-          </a:p>
-        </p:txBody>
-      </p:sp>
-      <p:sp>
-        <p:nvSpPr>
-          <p:cNvPr id="55" name="Shape 55"/>
+              <a:rPr lang="fr" b="1" dirty="0"/>
+              <a:t>NoD = </a:t>
+            </a:r>
+            <a:r>
+              <a:rPr lang="fr" b="1" dirty="0"/>
+              <a:t>2</a:t>
+            </a:r>
+            <a:r>
+              <a:rPr lang="fr" b="1" dirty="0" smtClean="0"/>
+              <a:t>,	NoC = 2,	CC = 1</a:t>
+            </a:r>
+            <a:endParaRPr lang="fr" b="1" dirty="0"/>
+          </a:p>
+        </p:txBody>
+      </p:sp>
+      <p:sp>
+        <p:nvSpPr>
+          <p:cNvPr id="9" name="Shape 46"/>
           <p:cNvSpPr txBox="1"/>
           <p:nvPr/>
         </p:nvSpPr>
         <p:spPr>
           <a:xfrm>
-            <a:off x="6658775" y="1535225"/>
-            <a:ext cx="1890899" cy="438299"/>
+            <a:off x="6012160" y="2094012"/>
+            <a:ext cx="2736304" cy="441407"/>
           </a:xfrm>
           <a:prstGeom prst="rect">
             <a:avLst/>
@@ -9166,16 +11809,311 @@
           </a:bodyPr>
           <a:lstStyle/>
           <a:p>
-            <a:pPr lvl="0" rtl="0">
+            <a:pPr>
               <a:spcBef>
                 <a:spcPts val="0"/>
               </a:spcBef>
               <a:buNone/>
             </a:pPr>
             <a:r>
-              <a:rPr lang="fr"/>
-              <a:t>NoD = 1</a:t>
-            </a:r>
+              <a:rPr lang="fr" b="1" dirty="0"/>
+              <a:t>NoD = </a:t>
+            </a:r>
+            <a:r>
+              <a:rPr lang="fr" b="1" dirty="0" smtClean="0"/>
+              <a:t>1,	NoC = 1,	CC = 1</a:t>
+            </a:r>
+            <a:endParaRPr lang="fr" b="1" dirty="0"/>
+          </a:p>
+        </p:txBody>
+      </p:sp>
+      <p:sp>
+        <p:nvSpPr>
+          <p:cNvPr id="11" name="TextBox 10"/>
+          <p:cNvSpPr txBox="1"/>
+          <p:nvPr/>
+        </p:nvSpPr>
+        <p:spPr>
+          <a:xfrm>
+            <a:off x="8855282" y="6550223"/>
+            <a:ext cx="288718" cy="307777"/>
+          </a:xfrm>
+          <a:prstGeom prst="rect">
+            <a:avLst/>
+          </a:prstGeom>
+          <a:noFill/>
+        </p:spPr>
+        <p:txBody>
+          <a:bodyPr wrap="square" rtlCol="0">
+            <a:spAutoFit/>
+          </a:bodyPr>
+          <a:lstStyle/>
+          <a:p>
+            <a:r>
+              <a:rPr lang="fr-FR" dirty="0"/>
+              <a:t>7</a:t>
+            </a:r>
+            <a:endParaRPr lang="fr-FR" dirty="0" smtClean="0"/>
+          </a:p>
+        </p:txBody>
+      </p:sp>
+    </p:spTree>
+  </p:cSld>
+  <p:clrMapOvr>
+    <a:masterClrMapping/>
+  </p:clrMapOvr>
+  <p:transition spd="slow">
+    <p:cut/>
+  </p:transition>
+  <p:timing>
+    <p:tnLst>
+      <p:par>
+        <p:cTn id="1" dur="indefinite" restart="never" nodeType="tmRoot"/>
+      </p:par>
+    </p:tnLst>
+  </p:timing>
+</p:sld>
+</file>
+
+<file path=ppt/slides/slide8.xml><?xml version="1.0" encoding="utf-8"?>
+<p:sld xmlns:a="http://schemas.openxmlformats.org/drawingml/2006/main" xmlns:r="http://schemas.openxmlformats.org/officeDocument/2006/relationships" xmlns:p="http://schemas.openxmlformats.org/presentationml/2006/main">
+  <p:cSld>
+    <p:spTree>
+      <p:nvGrpSpPr>
+        <p:cNvPr id="1" name="Shape 59"/>
+        <p:cNvGrpSpPr/>
+        <p:nvPr/>
+      </p:nvGrpSpPr>
+      <p:grpSpPr>
+        <a:xfrm>
+          <a:off x="0" y="0"/>
+          <a:ext cx="0" cy="0"/>
+          <a:chOff x="0" y="0"/>
+          <a:chExt cx="0" cy="0"/>
+        </a:xfrm>
+      </p:grpSpPr>
+      <p:sp>
+        <p:nvSpPr>
+          <p:cNvPr id="60" name="Shape 60"/>
+          <p:cNvSpPr txBox="1">
+            <a:spLocks noGrp="1"/>
+          </p:cNvSpPr>
+          <p:nvPr>
+            <p:ph type="title"/>
+          </p:nvPr>
+        </p:nvSpPr>
+        <p:spPr>
+          <a:xfrm>
+            <a:off x="457200" y="274637"/>
+            <a:ext cx="8229600" cy="1143200"/>
+          </a:xfrm>
+          <a:prstGeom prst="rect">
+            <a:avLst/>
+          </a:prstGeom>
+        </p:spPr>
+        <p:txBody>
+          <a:bodyPr lIns="91425" tIns="91425" rIns="91425" bIns="91425" anchor="ctr" anchorCtr="0">
+            <a:noAutofit/>
+          </a:bodyPr>
+          <a:lstStyle/>
+          <a:p>
+            <a:r>
+              <a:rPr lang="fr" dirty="0"/>
+              <a:t>Contexte </a:t>
+            </a:r>
+            <a:r>
+              <a:rPr lang="fr" sz="1400" dirty="0">
+                <a:solidFill>
+                  <a:schemeClr val="bg2"/>
+                </a:solidFill>
+              </a:rPr>
+              <a:t>gestionnaires de versions</a:t>
+            </a:r>
+          </a:p>
+        </p:txBody>
+      </p:sp>
+      <p:pic>
+        <p:nvPicPr>
+          <p:cNvPr id="61" name="Shape 61"/>
+          <p:cNvPicPr preferRelativeResize="0"/>
+          <p:nvPr/>
+        </p:nvPicPr>
+        <p:blipFill>
+          <a:blip r:embed="rId3"/>
+          <a:stretch>
+            <a:fillRect/>
+          </a:stretch>
+        </p:blipFill>
+        <p:spPr>
+          <a:xfrm>
+            <a:off x="1331641" y="1849328"/>
+            <a:ext cx="5553175" cy="3918765"/>
+          </a:xfrm>
+          <a:prstGeom prst="rect">
+            <a:avLst/>
+          </a:prstGeom>
+          <a:noFill/>
+          <a:ln>
+            <a:noFill/>
+          </a:ln>
+        </p:spPr>
+      </p:pic>
+      <p:sp>
+        <p:nvSpPr>
+          <p:cNvPr id="2" name="TextBox 1"/>
+          <p:cNvSpPr txBox="1"/>
+          <p:nvPr/>
+        </p:nvSpPr>
+        <p:spPr>
+          <a:xfrm>
+            <a:off x="3858072" y="3140968"/>
+            <a:ext cx="288032" cy="307777"/>
+          </a:xfrm>
+          <a:prstGeom prst="rect">
+            <a:avLst/>
+          </a:prstGeom>
+          <a:noFill/>
+        </p:spPr>
+        <p:txBody>
+          <a:bodyPr wrap="square" rtlCol="0">
+            <a:spAutoFit/>
+          </a:bodyPr>
+          <a:lstStyle/>
+          <a:p>
+            <a:r>
+              <a:rPr lang="fr-FR" dirty="0" smtClean="0"/>
+              <a:t>*</a:t>
+            </a:r>
+            <a:endParaRPr lang="fr-FR" dirty="0"/>
+          </a:p>
+        </p:txBody>
+      </p:sp>
+      <p:sp>
+        <p:nvSpPr>
+          <p:cNvPr id="3" name="TextBox 2"/>
+          <p:cNvSpPr txBox="1"/>
+          <p:nvPr/>
+        </p:nvSpPr>
+        <p:spPr>
+          <a:xfrm>
+            <a:off x="395537" y="5925278"/>
+            <a:ext cx="7272807" cy="461665"/>
+          </a:xfrm>
+          <a:prstGeom prst="rect">
+            <a:avLst/>
+          </a:prstGeom>
+          <a:noFill/>
+        </p:spPr>
+        <p:txBody>
+          <a:bodyPr wrap="square" rtlCol="0">
+            <a:spAutoFit/>
+          </a:bodyPr>
+          <a:lstStyle/>
+          <a:p>
+            <a:r>
+              <a:rPr lang="fr-FR" sz="1200" i="1" dirty="0" smtClean="0">
+                <a:solidFill>
+                  <a:schemeClr val="bg2"/>
+                </a:solidFill>
+              </a:rPr>
+              <a:t>* Kim et al,</a:t>
+            </a:r>
+          </a:p>
+          <a:p>
+            <a:r>
+              <a:rPr lang="fr-FR" sz="1200" i="1" dirty="0" smtClean="0">
+                <a:solidFill>
+                  <a:schemeClr val="bg2"/>
+                </a:solidFill>
+              </a:rPr>
+              <a:t> </a:t>
+            </a:r>
+            <a:r>
+              <a:rPr lang="en-US" sz="1200" i="1" dirty="0" smtClean="0">
+                <a:solidFill>
+                  <a:schemeClr val="bg2"/>
+                </a:solidFill>
+              </a:rPr>
+              <a:t>“A field </a:t>
+            </a:r>
+            <a:r>
+              <a:rPr lang="en-US" sz="1200" i="1" dirty="0">
+                <a:solidFill>
+                  <a:schemeClr val="bg2"/>
+                </a:solidFill>
+              </a:rPr>
+              <a:t>study of refactoring challenges and </a:t>
+            </a:r>
+            <a:r>
+              <a:rPr lang="en-US" sz="1200" i="1" dirty="0" smtClean="0">
+                <a:solidFill>
+                  <a:schemeClr val="bg2"/>
+                </a:solidFill>
+              </a:rPr>
+              <a:t>benefits</a:t>
+            </a:r>
+            <a:r>
+              <a:rPr lang="en-US" sz="1200" i="1" dirty="0">
+                <a:solidFill>
+                  <a:schemeClr val="bg2"/>
+                </a:solidFill>
+              </a:rPr>
+              <a:t>”, </a:t>
+            </a:r>
+            <a:r>
+              <a:rPr lang="fr-FR" sz="1200" i="1" dirty="0" err="1" smtClean="0">
+                <a:solidFill>
+                  <a:schemeClr val="bg2"/>
+                </a:solidFill>
+              </a:rPr>
+              <a:t>Foundations</a:t>
+            </a:r>
+            <a:r>
+              <a:rPr lang="fr-FR" sz="1200" i="1" dirty="0" smtClean="0">
+                <a:solidFill>
+                  <a:schemeClr val="bg2"/>
+                </a:solidFill>
+              </a:rPr>
+              <a:t> of </a:t>
+            </a:r>
+            <a:r>
+              <a:rPr lang="fr-FR" sz="1200" i="1" dirty="0">
+                <a:solidFill>
+                  <a:schemeClr val="bg2"/>
+                </a:solidFill>
+              </a:rPr>
+              <a:t>Software Engineering, 2012.</a:t>
+            </a:r>
+          </a:p>
+        </p:txBody>
+      </p:sp>
+      <p:sp>
+        <p:nvSpPr>
+          <p:cNvPr id="6" name="TextBox 5"/>
+          <p:cNvSpPr txBox="1"/>
+          <p:nvPr/>
+        </p:nvSpPr>
+        <p:spPr>
+          <a:xfrm>
+            <a:off x="8855282" y="6550223"/>
+            <a:ext cx="288718" cy="307777"/>
+          </a:xfrm>
+          <a:prstGeom prst="rect">
+            <a:avLst/>
+          </a:prstGeom>
+          <a:noFill/>
+        </p:spPr>
+        <p:txBody>
+          <a:bodyPr wrap="square" rtlCol="0">
+            <a:spAutoFit/>
+          </a:bodyPr>
+          <a:lstStyle/>
+          <a:p>
+            <a:r>
+              <a:rPr lang="fr-FR" dirty="0" smtClean="0"/>
+              <a:t>8</a:t>
+            </a:r>
+            <a:endParaRPr lang="fr-FR" dirty="0" smtClean="0"/>
           </a:p>
         </p:txBody>
       </p:sp>
@@ -9202,7 +12140,7 @@
   <p:cSld>
     <p:spTree>
       <p:nvGrpSpPr>
-        <p:cNvPr id="1" name="Shape 59"/>
+        <p:cNvPr id="1" name="Shape 138"/>
         <p:cNvGrpSpPr/>
         <p:nvPr/>
       </p:nvGrpSpPr>
@@ -9216,7 +12154,7 @@
       </p:grpSpPr>
       <p:sp>
         <p:nvSpPr>
-          <p:cNvPr id="60" name="Shape 60"/>
+          <p:cNvPr id="139" name="Shape 139"/>
           <p:cNvSpPr txBox="1">
             <a:spLocks noGrp="1"/>
           </p:cNvSpPr>
@@ -9226,15 +12164,15 @@
         </p:nvSpPr>
         <p:spPr>
           <a:xfrm>
-            <a:off x="457200" y="205978"/>
-            <a:ext cx="8229600" cy="857400"/>
-          </a:xfrm>
-          <a:prstGeom prst="rect">
-            <a:avLst/>
-          </a:prstGeom>
-        </p:spPr>
-        <p:txBody>
-          <a:bodyPr lIns="91425" tIns="91425" rIns="91425" bIns="91425" anchor="b" anchorCtr="0">
+            <a:off x="457200" y="274637"/>
+            <a:ext cx="8229600" cy="1143200"/>
+          </a:xfrm>
+          <a:prstGeom prst="rect">
+            <a:avLst/>
+          </a:prstGeom>
+        </p:spPr>
+        <p:txBody>
+          <a:bodyPr lIns="91425" tIns="91425" rIns="91425" bIns="91425" anchor="ctr" anchorCtr="0">
             <a:noAutofit/>
           </a:bodyPr>
           <a:lstStyle/>
@@ -9246,20 +12184,230 @@
               <a:buNone/>
             </a:pPr>
             <a:r>
-              <a:rPr lang="fr" dirty="0" smtClean="0"/>
-              <a:t>Contexte </a:t>
-            </a:r>
-            <a:r>
-              <a:rPr lang="fr" sz="1400" dirty="0" smtClean="0">
+              <a:rPr lang="fr" dirty="0"/>
+              <a:t>Analyse des études antérieures</a:t>
+            </a:r>
+          </a:p>
+        </p:txBody>
+      </p:sp>
+      <p:sp>
+        <p:nvSpPr>
+          <p:cNvPr id="2" name="TextBox 1"/>
+          <p:cNvSpPr txBox="1"/>
+          <p:nvPr/>
+        </p:nvSpPr>
+        <p:spPr>
+          <a:xfrm>
+            <a:off x="525175" y="1844824"/>
+            <a:ext cx="6768752" cy="523220"/>
+          </a:xfrm>
+          <a:prstGeom prst="rect">
+            <a:avLst/>
+          </a:prstGeom>
+          <a:noFill/>
+        </p:spPr>
+        <p:txBody>
+          <a:bodyPr wrap="square" rtlCol="0">
+            <a:spAutoFit/>
+          </a:bodyPr>
+          <a:lstStyle/>
+          <a:p>
+            <a:r>
+              <a:rPr lang="fr-FR" i="1" dirty="0" err="1" smtClean="0">
                 <a:solidFill>
                   <a:schemeClr val="bg2"/>
                 </a:solidFill>
               </a:rPr>
-              <a:t>gestionnaires de versions</a:t>
-            </a:r>
-            <a:endParaRPr lang="fr" sz="1400" dirty="0">
+              <a:t>Radjenovic</a:t>
+            </a:r>
+            <a:r>
+              <a:rPr lang="fr-FR" i="1" dirty="0" smtClean="0">
+                <a:solidFill>
+                  <a:schemeClr val="bg2"/>
+                </a:solidFill>
+              </a:rPr>
+              <a:t> et al, </a:t>
+            </a:r>
+            <a:r>
+              <a:rPr lang="en-US" i="1" dirty="0" smtClean="0">
+                <a:solidFill>
+                  <a:schemeClr val="bg2"/>
+                </a:solidFill>
+              </a:rPr>
+              <a:t>“Software fault </a:t>
+            </a:r>
+            <a:r>
+              <a:rPr lang="en-US" i="1" dirty="0">
+                <a:solidFill>
+                  <a:schemeClr val="bg2"/>
+                </a:solidFill>
+              </a:rPr>
+              <a:t>prediction metrics : A systematic </a:t>
+            </a:r>
+            <a:r>
+              <a:rPr lang="en-US" i="1" dirty="0" smtClean="0">
+                <a:solidFill>
+                  <a:schemeClr val="bg2"/>
+                </a:solidFill>
+              </a:rPr>
+              <a:t>literature review”, </a:t>
+            </a:r>
+            <a:r>
+              <a:rPr lang="en-US" i="1" dirty="0">
+                <a:solidFill>
+                  <a:schemeClr val="bg2"/>
+                </a:solidFill>
+              </a:rPr>
+              <a:t>Information and Software Technology, </a:t>
+            </a:r>
+            <a:r>
+              <a:rPr lang="fr-FR" i="1" dirty="0" smtClean="0">
+                <a:solidFill>
+                  <a:schemeClr val="bg2"/>
+                </a:solidFill>
+              </a:rPr>
+              <a:t>2013.</a:t>
+            </a:r>
+          </a:p>
+        </p:txBody>
+      </p:sp>
+      <p:sp>
+        <p:nvSpPr>
+          <p:cNvPr id="3" name="TextBox 2"/>
+          <p:cNvSpPr txBox="1"/>
+          <p:nvPr/>
+        </p:nvSpPr>
+        <p:spPr>
+          <a:xfrm>
+            <a:off x="525175" y="3645024"/>
+            <a:ext cx="3182730" cy="369332"/>
+          </a:xfrm>
+          <a:prstGeom prst="rect">
+            <a:avLst/>
+          </a:prstGeom>
+          <a:noFill/>
+        </p:spPr>
+        <p:txBody>
+          <a:bodyPr wrap="square" rtlCol="0">
+            <a:spAutoFit/>
+          </a:bodyPr>
+          <a:lstStyle/>
+          <a:p>
+            <a:pPr marL="285750" indent="-285750">
+              <a:buFont typeface="Arial" panose="020B0604020202020204" pitchFamily="34" charset="0"/>
+              <a:buChar char="•"/>
+            </a:pPr>
+            <a:r>
+              <a:rPr lang="fr-FR" sz="1800" dirty="0" smtClean="0"/>
+              <a:t>11 projets open source</a:t>
+            </a:r>
+            <a:endParaRPr lang="fr-FR" sz="1800" dirty="0"/>
+          </a:p>
+        </p:txBody>
+      </p:sp>
+      <p:sp>
+        <p:nvSpPr>
+          <p:cNvPr id="4" name="TextBox 3"/>
+          <p:cNvSpPr txBox="1"/>
+          <p:nvPr/>
+        </p:nvSpPr>
+        <p:spPr>
+          <a:xfrm>
+            <a:off x="5436096" y="3645024"/>
+            <a:ext cx="2894698" cy="369332"/>
+          </a:xfrm>
+          <a:prstGeom prst="rect">
+            <a:avLst/>
+          </a:prstGeom>
+          <a:noFill/>
+        </p:spPr>
+        <p:txBody>
+          <a:bodyPr wrap="square" rtlCol="0">
+            <a:spAutoFit/>
+          </a:bodyPr>
+          <a:lstStyle/>
+          <a:p>
+            <a:pPr marL="285750" indent="-285750">
+              <a:buFont typeface="Arial" panose="020B0604020202020204" pitchFamily="34" charset="0"/>
+              <a:buChar char="•"/>
+            </a:pPr>
+            <a:r>
+              <a:rPr lang="fr-FR" sz="1800" dirty="0" smtClean="0"/>
+              <a:t>15 projets industriels</a:t>
+            </a:r>
+            <a:endParaRPr lang="fr-FR" sz="1800" dirty="0"/>
+          </a:p>
+        </p:txBody>
+      </p:sp>
+      <p:sp>
+        <p:nvSpPr>
+          <p:cNvPr id="5" name="TextBox 4"/>
+          <p:cNvSpPr txBox="1"/>
+          <p:nvPr/>
+        </p:nvSpPr>
+        <p:spPr>
+          <a:xfrm>
+            <a:off x="512598" y="2636912"/>
+            <a:ext cx="7818195" cy="646331"/>
+          </a:xfrm>
+          <a:prstGeom prst="rect">
+            <a:avLst/>
+          </a:prstGeom>
+          <a:noFill/>
+        </p:spPr>
+        <p:txBody>
+          <a:bodyPr wrap="square" rtlCol="0">
+            <a:spAutoFit/>
+          </a:bodyPr>
+          <a:lstStyle/>
+          <a:p>
+            <a:pPr marL="285750" indent="-285750">
+              <a:buFont typeface="Arial" panose="020B0604020202020204" pitchFamily="34" charset="0"/>
+              <a:buChar char="•"/>
+            </a:pPr>
+            <a:r>
+              <a:rPr lang="fr-FR" sz="1800" dirty="0" smtClean="0">
+                <a:solidFill>
+                  <a:schemeClr val="tx1"/>
+                </a:solidFill>
+              </a:rPr>
+              <a:t>Des études </a:t>
+            </a:r>
+            <a:r>
+              <a:rPr lang="fr-FR" sz="1800" dirty="0">
+                <a:solidFill>
+                  <a:schemeClr val="tx1"/>
+                </a:solidFill>
+              </a:rPr>
+              <a:t>et expérimentations pour la prédiction de bugs, </a:t>
+            </a:r>
+            <a:r>
+              <a:rPr lang="fr-FR" sz="1800" dirty="0" smtClean="0">
+                <a:solidFill>
+                  <a:schemeClr val="tx1"/>
+                </a:solidFill>
+              </a:rPr>
+              <a:t>qui utilisent </a:t>
+            </a:r>
+            <a:r>
+              <a:rPr lang="fr-FR" sz="1800" dirty="0">
+                <a:solidFill>
+                  <a:schemeClr val="tx1"/>
+                </a:solidFill>
+              </a:rPr>
+              <a:t>les métriques de procédés </a:t>
+            </a:r>
+            <a:r>
+              <a:rPr lang="fr-FR" sz="1800" dirty="0" smtClean="0">
+                <a:solidFill>
+                  <a:schemeClr val="tx1"/>
+                </a:solidFill>
+              </a:rPr>
+              <a:t>:</a:t>
+            </a:r>
+            <a:endParaRPr lang="fr-FR" sz="1800" dirty="0">
               <a:solidFill>
-                <a:schemeClr val="bg2"/>
+                <a:schemeClr val="tx1"/>
               </a:solidFill>
             </a:endParaRPr>
           </a:p>
@@ -9267,40 +12415,134 @@
       </p:sp>
       <p:pic>
         <p:nvPicPr>
-          <p:cNvPr id="61" name="Shape 61"/>
-          <p:cNvPicPr preferRelativeResize="0"/>
+          <p:cNvPr id="7" name="Picture 6"/>
+          <p:cNvPicPr>
+            <a:picLocks noChangeAspect="1"/>
+          </p:cNvPicPr>
           <p:nvPr/>
         </p:nvPicPr>
         <p:blipFill>
-          <a:blip r:embed="rId3"/>
+          <a:blip r:embed="rId3">
+            <a:extLst>
+              <a:ext uri="{28A0092B-C50C-407E-A947-70E740481C1C}">
+                <a14:useLocalDpi xmlns:a14="http://schemas.microsoft.com/office/drawing/2010/main" val="0"/>
+              </a:ext>
+            </a:extLst>
+          </a:blip>
           <a:stretch>
             <a:fillRect/>
           </a:stretch>
         </p:blipFill>
         <p:spPr>
           <a:xfrm>
-            <a:off x="1331640" y="1386996"/>
-            <a:ext cx="5553175" cy="2939074"/>
-          </a:xfrm>
-          <a:prstGeom prst="rect">
-            <a:avLst/>
-          </a:prstGeom>
-          <a:noFill/>
-          <a:ln>
-            <a:noFill/>
-          </a:ln>
+            <a:off x="931354" y="4293096"/>
+            <a:ext cx="1589167" cy="543526"/>
+          </a:xfrm>
+          <a:prstGeom prst="rect">
+            <a:avLst/>
+          </a:prstGeom>
         </p:spPr>
       </p:pic>
-      <p:sp>
-        <p:nvSpPr>
-          <p:cNvPr id="2" name="TextBox 1"/>
+      <p:pic>
+        <p:nvPicPr>
+          <p:cNvPr id="8" name="Picture 7"/>
+          <p:cNvPicPr>
+            <a:picLocks noChangeAspect="1"/>
+          </p:cNvPicPr>
+          <p:nvPr/>
+        </p:nvPicPr>
+        <p:blipFill>
+          <a:blip r:embed="rId4">
+            <a:extLst>
+              <a:ext uri="{28A0092B-C50C-407E-A947-70E740481C1C}">
+                <a14:useLocalDpi xmlns:a14="http://schemas.microsoft.com/office/drawing/2010/main" val="0"/>
+              </a:ext>
+            </a:extLst>
+          </a:blip>
+          <a:stretch>
+            <a:fillRect/>
+          </a:stretch>
+        </p:blipFill>
+        <p:spPr>
+          <a:xfrm>
+            <a:off x="2694572" y="4851630"/>
+            <a:ext cx="1173981" cy="569893"/>
+          </a:xfrm>
+          <a:prstGeom prst="rect">
+            <a:avLst/>
+          </a:prstGeom>
+        </p:spPr>
+      </p:pic>
+      <p:pic>
+        <p:nvPicPr>
+          <p:cNvPr id="9" name="Picture 8"/>
+          <p:cNvPicPr>
+            <a:picLocks noChangeAspect="1"/>
+          </p:cNvPicPr>
+          <p:nvPr/>
+        </p:nvPicPr>
+        <p:blipFill>
+          <a:blip r:embed="rId5">
+            <a:extLst>
+              <a:ext uri="{28A0092B-C50C-407E-A947-70E740481C1C}">
+                <a14:useLocalDpi xmlns:a14="http://schemas.microsoft.com/office/drawing/2010/main" val="0"/>
+              </a:ext>
+            </a:extLst>
+          </a:blip>
+          <a:stretch>
+            <a:fillRect/>
+          </a:stretch>
+        </p:blipFill>
+        <p:spPr>
+          <a:xfrm>
+            <a:off x="1187624" y="5035399"/>
+            <a:ext cx="772247" cy="772247"/>
+          </a:xfrm>
+          <a:prstGeom prst="rect">
+            <a:avLst/>
+          </a:prstGeom>
+        </p:spPr>
+      </p:pic>
+      <p:pic>
+        <p:nvPicPr>
+          <p:cNvPr id="10" name="Picture 9"/>
+          <p:cNvPicPr>
+            <a:picLocks noChangeAspect="1"/>
+          </p:cNvPicPr>
+          <p:nvPr/>
+        </p:nvPicPr>
+        <p:blipFill>
+          <a:blip r:embed="rId6">
+            <a:extLst>
+              <a:ext uri="{28A0092B-C50C-407E-A947-70E740481C1C}">
+                <a14:useLocalDpi xmlns:a14="http://schemas.microsoft.com/office/drawing/2010/main" val="0"/>
+              </a:ext>
+            </a:extLst>
+          </a:blip>
+          <a:stretch>
+            <a:fillRect/>
+          </a:stretch>
+        </p:blipFill>
+        <p:spPr>
+          <a:xfrm>
+            <a:off x="2116540" y="5869593"/>
+            <a:ext cx="578032" cy="549130"/>
+          </a:xfrm>
+          <a:prstGeom prst="rect">
+            <a:avLst/>
+          </a:prstGeom>
+        </p:spPr>
+      </p:pic>
+      <p:sp>
+        <p:nvSpPr>
+          <p:cNvPr id="11" name="TextBox 10"/>
           <p:cNvSpPr txBox="1"/>
           <p:nvPr/>
         </p:nvSpPr>
         <p:spPr>
           <a:xfrm>
-            <a:off x="3858072" y="2355725"/>
-            <a:ext cx="288032" cy="307777"/>
+            <a:off x="2694572" y="6157113"/>
+            <a:ext cx="864096" cy="261610"/>
           </a:xfrm>
           <a:prstGeom prst="rect">
             <a:avLst/>
@@ -9314,23 +12556,53 @@
           <a:lstStyle/>
           <a:p>
             <a:r>
-              <a:rPr lang="fr-FR" dirty="0" smtClean="0"/>
-              <a:t>*</a:t>
-            </a:r>
-            <a:endParaRPr lang="fr-FR" dirty="0"/>
-          </a:p>
-        </p:txBody>
-      </p:sp>
-      <p:sp>
-        <p:nvSpPr>
-          <p:cNvPr id="3" name="TextBox 2"/>
+              <a:rPr lang="fr-FR" sz="1100" dirty="0" err="1" smtClean="0"/>
+              <a:t>ArgoUML</a:t>
+            </a:r>
+            <a:endParaRPr lang="fr-FR" sz="1100" dirty="0"/>
+          </a:p>
+        </p:txBody>
+      </p:sp>
+      <p:pic>
+        <p:nvPicPr>
+          <p:cNvPr id="12" name="Picture 11"/>
+          <p:cNvPicPr>
+            <a:picLocks noChangeAspect="1"/>
+          </p:cNvPicPr>
+          <p:nvPr/>
+        </p:nvPicPr>
+        <p:blipFill>
+          <a:blip r:embed="rId7">
+            <a:extLst>
+              <a:ext uri="{28A0092B-C50C-407E-A947-70E740481C1C}">
+                <a14:useLocalDpi xmlns:a14="http://schemas.microsoft.com/office/drawing/2010/main" val="0"/>
+              </a:ext>
+            </a:extLst>
+          </a:blip>
+          <a:stretch>
+            <a:fillRect/>
+          </a:stretch>
+        </p:blipFill>
+        <p:spPr>
+          <a:xfrm>
+            <a:off x="5804255" y="4353371"/>
+            <a:ext cx="2158380" cy="1079190"/>
+          </a:xfrm>
+          <a:prstGeom prst="rect">
+            <a:avLst/>
+          </a:prstGeom>
+        </p:spPr>
+      </p:pic>
+      <p:sp>
+        <p:nvSpPr>
+          <p:cNvPr id="13" name="TextBox 12"/>
           <p:cNvSpPr txBox="1"/>
           <p:nvPr/>
         </p:nvSpPr>
         <p:spPr>
           <a:xfrm>
-            <a:off x="395536" y="4443958"/>
-            <a:ext cx="6489279" cy="461665"/>
+            <a:off x="8855282" y="6550223"/>
+            <a:ext cx="288718" cy="307777"/>
           </a:xfrm>
           <a:prstGeom prst="rect">
             <a:avLst/>
@@ -9344,60 +12616,10 @@
           <a:lstStyle/>
           <a:p>
             <a:r>
-              <a:rPr lang="fr-FR" sz="1200" i="1" dirty="0" smtClean="0">
-                <a:solidFill>
-                  <a:schemeClr val="bg2"/>
-                </a:solidFill>
-              </a:rPr>
-              <a:t>* Kim et al,</a:t>
-            </a:r>
-          </a:p>
-          <a:p>
-            <a:r>
-              <a:rPr lang="fr-FR" sz="1200" i="1" dirty="0" smtClean="0">
-                <a:solidFill>
-                  <a:schemeClr val="bg2"/>
-                </a:solidFill>
-              </a:rPr>
-              <a:t> </a:t>
-            </a:r>
-            <a:r>
-              <a:rPr lang="en-US" sz="1200" i="1" dirty="0" smtClean="0">
-                <a:solidFill>
-                  <a:schemeClr val="bg2"/>
-                </a:solidFill>
-              </a:rPr>
-              <a:t>“A field </a:t>
-            </a:r>
-            <a:r>
-              <a:rPr lang="en-US" sz="1200" i="1" dirty="0">
-                <a:solidFill>
-                  <a:schemeClr val="bg2"/>
-                </a:solidFill>
-              </a:rPr>
-              <a:t>study of refactoring challenges and </a:t>
-            </a:r>
-            <a:r>
-              <a:rPr lang="en-US" sz="1200" i="1" dirty="0" smtClean="0">
-                <a:solidFill>
-                  <a:schemeClr val="bg2"/>
-                </a:solidFill>
-              </a:rPr>
-              <a:t>benefits”, </a:t>
-            </a:r>
-            <a:r>
-              <a:rPr lang="fr-FR" sz="1200" i="1" dirty="0" smtClean="0">
-                <a:solidFill>
-                  <a:schemeClr val="bg2"/>
-                </a:solidFill>
-              </a:rPr>
-              <a:t>2012.</a:t>
-            </a:r>
-            <a:endParaRPr lang="fr-FR" sz="1200" i="1" dirty="0">
-              <a:solidFill>
-                <a:schemeClr val="bg2"/>
-              </a:solidFill>
-            </a:endParaRPr>
+              <a:rPr lang="fr-FR" dirty="0" smtClean="0"/>
+              <a:t>9</a:t>
+            </a:r>
+            <a:endParaRPr lang="fr-FR" dirty="0" smtClean="0"/>
           </a:p>
         </p:txBody>
       </p:sp>

--- a/presentation/presStageM2.pptx
+++ b/presentation/presStageM2.pptx
@@ -5,7 +5,7 @@
     <p:sldMasterId id="2147483654" r:id="rId1"/>
   </p:sldMasterIdLst>
   <p:notesMasterIdLst>
-    <p:notesMasterId r:id="rId27"/>
+    <p:notesMasterId r:id="rId26"/>
   </p:notesMasterIdLst>
   <p:sldIdLst>
     <p:sldId id="256" r:id="rId2"/>
@@ -25,14 +25,13 @@
     <p:sldId id="268" r:id="rId16"/>
     <p:sldId id="270" r:id="rId17"/>
     <p:sldId id="284" r:id="rId18"/>
-    <p:sldId id="271" r:id="rId19"/>
-    <p:sldId id="272" r:id="rId20"/>
-    <p:sldId id="280" r:id="rId21"/>
-    <p:sldId id="275" r:id="rId22"/>
-    <p:sldId id="287" r:id="rId23"/>
-    <p:sldId id="288" r:id="rId24"/>
-    <p:sldId id="289" r:id="rId25"/>
-    <p:sldId id="290" r:id="rId26"/>
+    <p:sldId id="272" r:id="rId19"/>
+    <p:sldId id="280" r:id="rId20"/>
+    <p:sldId id="275" r:id="rId21"/>
+    <p:sldId id="287" r:id="rId22"/>
+    <p:sldId id="288" r:id="rId23"/>
+    <p:sldId id="289" r:id="rId24"/>
+    <p:sldId id="290" r:id="rId25"/>
   </p:sldIdLst>
   <p:sldSz cx="9144000" cy="6858000" type="screen4x3"/>
   <p:notesSz cx="6858000" cy="9144000"/>
@@ -1519,7 +1518,7 @@
   <p:cSld>
     <p:spTree>
       <p:nvGrpSpPr>
-        <p:cNvPr id="1" name="Shape 123"/>
+        <p:cNvPr id="1" name="Shape 129"/>
         <p:cNvGrpSpPr/>
         <p:nvPr/>
       </p:nvGrpSpPr>
@@ -1533,7 +1532,7 @@
       </p:grpSpPr>
       <p:sp>
         <p:nvSpPr>
-          <p:cNvPr id="124" name="Shape 124"/>
+          <p:cNvPr id="130" name="Shape 130"/>
           <p:cNvSpPr>
             <a:spLocks noGrp="1" noRot="1" noChangeAspect="1"/>
           </p:cNvSpPr>
@@ -1574,7 +1573,7 @@
       </p:sp>
       <p:sp>
         <p:nvSpPr>
-          <p:cNvPr id="125" name="Shape 125"/>
+          <p:cNvPr id="131" name="Shape 131"/>
           <p:cNvSpPr txBox="1">
             <a:spLocks noGrp="1"/>
           </p:cNvSpPr>
@@ -1597,40 +1596,13 @@
           </a:bodyPr>
           <a:lstStyle/>
           <a:p>
-            <a:r>
-              <a:rPr lang="fr-FR" sz="1100" b="0" i="0" u="none" strike="noStrike" kern="1200" baseline="0" dirty="0" smtClean="0">
-                <a:solidFill>
-                  <a:schemeClr val="tx1"/>
-                </a:solidFill>
-                <a:latin typeface="+mn-lt"/>
-                <a:ea typeface="+mn-ea"/>
-                <a:cs typeface="+mn-cs"/>
-              </a:rPr>
-              <a:t>La corrélation de </a:t>
-            </a:r>
-            <a:r>
-              <a:rPr lang="fr-FR" sz="1100" b="0" i="0" u="none" strike="noStrike" kern="1200" baseline="0" dirty="0" err="1" smtClean="0">
-                <a:solidFill>
-                  <a:schemeClr val="tx1"/>
-                </a:solidFill>
-                <a:latin typeface="+mn-lt"/>
-                <a:ea typeface="+mn-ea"/>
-                <a:cs typeface="+mn-cs"/>
-              </a:rPr>
-              <a:t>spearman</a:t>
-            </a:r>
-            <a:r>
-              <a:rPr lang="fr-FR" sz="1100" b="0" i="0" u="none" strike="noStrike" kern="1200" baseline="0" dirty="0" smtClean="0">
-                <a:solidFill>
-                  <a:schemeClr val="tx1"/>
-                </a:solidFill>
-                <a:latin typeface="+mn-lt"/>
-                <a:ea typeface="+mn-ea"/>
-                <a:cs typeface="+mn-cs"/>
-              </a:rPr>
-              <a:t> est adaptée. Les deux variables sont considérés comme des fonctions monotones. Un coefficient élevé, proche de 1, indiquera que les métriques avec et sans détection de renommage sont très similaires. Un coefficient plus petit, 0:5 et moins, indiquera que les métriques avec et sans détection de renommage sont très différentes. </a:t>
-            </a:r>
-            <a:endParaRPr dirty="0"/>
+            <a:pPr>
+              <a:spcBef>
+                <a:spcPts val="0"/>
+              </a:spcBef>
+              <a:buNone/>
+            </a:pPr>
+            <a:endParaRPr/>
           </a:p>
         </p:txBody>
       </p:sp>
@@ -1647,7 +1619,7 @@
   <p:cSld>
     <p:spTree>
       <p:nvGrpSpPr>
-        <p:cNvPr id="1" name="Shape 129"/>
+        <p:cNvPr id="1" name="Shape 147"/>
         <p:cNvGrpSpPr/>
         <p:nvPr/>
       </p:nvGrpSpPr>
@@ -1661,7 +1633,7 @@
       </p:grpSpPr>
       <p:sp>
         <p:nvSpPr>
-          <p:cNvPr id="130" name="Shape 130"/>
+          <p:cNvPr id="148" name="Shape 148"/>
           <p:cNvSpPr>
             <a:spLocks noGrp="1" noRot="1" noChangeAspect="1"/>
           </p:cNvSpPr>
@@ -1702,7 +1674,7 @@
       </p:sp>
       <p:sp>
         <p:nvSpPr>
-          <p:cNvPr id="131" name="Shape 131"/>
+          <p:cNvPr id="149" name="Shape 149"/>
           <p:cNvSpPr txBox="1">
             <a:spLocks noGrp="1"/>
           </p:cNvSpPr>
@@ -1725,13 +1697,100 @@
           </a:bodyPr>
           <a:lstStyle/>
           <a:p>
-            <a:pPr>
-              <a:spcBef>
-                <a:spcPts val="0"/>
-              </a:spcBef>
+            <a:pPr marL="0" marR="0" indent="0" algn="l" defTabSz="914400" rtl="0" eaLnBrk="1" fontAlgn="auto" latinLnBrk="0" hangingPunct="1">
+              <a:lnSpc>
+                <a:spcPct val="100000"/>
+              </a:lnSpc>
+              <a:spcBef>
+                <a:spcPts val="0"/>
+              </a:spcBef>
+              <a:spcAft>
+                <a:spcPts val="0"/>
+              </a:spcAft>
+              <a:buClrTx/>
+              <a:buSzTx/>
+              <a:buFontTx/>
               <a:buNone/>
+              <a:tabLst/>
+              <a:defRPr/>
             </a:pPr>
-            <a:endParaRPr/>
+            <a:r>
+              <a:rPr lang="fr-FR" dirty="0" smtClean="0"/>
+              <a:t>A certaines</a:t>
+            </a:r>
+            <a:r>
+              <a:rPr lang="fr-FR" baseline="0" dirty="0" smtClean="0"/>
+              <a:t> périodes le renommage Nous proposons les </a:t>
+            </a:r>
+            <a:r>
+              <a:rPr lang="fr-FR" baseline="0" dirty="0" err="1" smtClean="0"/>
+              <a:t>recommendations</a:t>
+            </a:r>
+            <a:r>
+              <a:rPr lang="fr-FR" baseline="0" dirty="0" smtClean="0"/>
+              <a:t> suivantes: Eviter le calcul de métriques dans les périodes initiales, utiliser un </a:t>
+            </a:r>
+            <a:r>
+              <a:rPr lang="fr-FR" baseline="0" dirty="0" err="1" smtClean="0"/>
+              <a:t>algo</a:t>
+            </a:r>
+            <a:r>
+              <a:rPr lang="fr-FR" baseline="0" dirty="0" smtClean="0"/>
+              <a:t> de détection de renommage ou Git à défaut. D’autres </a:t>
+            </a:r>
+            <a:r>
+              <a:rPr lang="fr-FR" baseline="0" dirty="0" err="1" smtClean="0"/>
+              <a:t>algo</a:t>
+            </a:r>
+            <a:r>
+              <a:rPr lang="fr-FR" baseline="0" dirty="0" smtClean="0"/>
+              <a:t> pour niveaux de granularité plus fin que les fichiers. Indiquer dans les études comment il a été traité. peut être très présent et biaiser le calcul de métriques. Par conséquent nous avons montré que les développeurs chercheurs devraient être prudents lors du calcul de ces métriques. </a:t>
+            </a:r>
+            <a:r>
+              <a:rPr lang="fr-FR" dirty="0" smtClean="0"/>
+              <a:t>Evaluer la précision d’autres </a:t>
+            </a:r>
+            <a:r>
+              <a:rPr lang="fr-FR" dirty="0" err="1" smtClean="0"/>
+              <a:t>algo</a:t>
+            </a:r>
+            <a:r>
+              <a:rPr lang="fr-FR" dirty="0" smtClean="0"/>
+              <a:t> donné dans l’article,</a:t>
+            </a:r>
+            <a:r>
+              <a:rPr lang="fr-FR" baseline="0" dirty="0" smtClean="0"/>
+              <a:t> split et </a:t>
+            </a:r>
+            <a:r>
+              <a:rPr lang="fr-FR" baseline="0" dirty="0" err="1" smtClean="0"/>
+              <a:t>merge</a:t>
+            </a:r>
+            <a:r>
+              <a:rPr lang="fr-FR" baseline="0" dirty="0" smtClean="0"/>
+              <a:t> problème plus complexe.</a:t>
+            </a:r>
+            <a:endParaRPr lang="fr-FR" dirty="0" smtClean="0"/>
+          </a:p>
+          <a:p>
+            <a:pPr marL="0" marR="0" indent="0" algn="l" defTabSz="914400" rtl="0" eaLnBrk="1" fontAlgn="auto" latinLnBrk="0" hangingPunct="1">
+              <a:lnSpc>
+                <a:spcPct val="100000"/>
+              </a:lnSpc>
+              <a:spcBef>
+                <a:spcPts val="0"/>
+              </a:spcBef>
+              <a:spcAft>
+                <a:spcPts val="0"/>
+              </a:spcAft>
+              <a:buClrTx/>
+              <a:buSzTx/>
+              <a:buFontTx/>
+              <a:buNone/>
+              <a:tabLst/>
+              <a:defRPr/>
+            </a:pPr>
+            <a:endParaRPr dirty="0"/>
           </a:p>
         </p:txBody>
       </p:sp>
@@ -1927,98 +1986,11 @@
           </a:bodyPr>
           <a:lstStyle/>
           <a:p>
-            <a:pPr marL="0" marR="0" indent="0" algn="l" defTabSz="914400" rtl="0" eaLnBrk="1" fontAlgn="auto" latinLnBrk="0" hangingPunct="1">
-              <a:lnSpc>
-                <a:spcPct val="100000"/>
-              </a:lnSpc>
-              <a:spcBef>
-                <a:spcPts val="0"/>
-              </a:spcBef>
-              <a:spcAft>
-                <a:spcPts val="0"/>
-              </a:spcAft>
-              <a:buClrTx/>
-              <a:buSzTx/>
-              <a:buFontTx/>
+            <a:pPr>
+              <a:spcBef>
+                <a:spcPts val="0"/>
+              </a:spcBef>
               <a:buNone/>
-              <a:tabLst/>
-              <a:defRPr/>
-            </a:pPr>
-            <a:r>
-              <a:rPr lang="fr-FR" dirty="0" smtClean="0"/>
-              <a:t>A certaines</a:t>
-            </a:r>
-            <a:r>
-              <a:rPr lang="fr-FR" baseline="0" dirty="0" smtClean="0"/>
-              <a:t> périodes le renommage Nous proposons les </a:t>
-            </a:r>
-            <a:r>
-              <a:rPr lang="fr-FR" baseline="0" dirty="0" err="1" smtClean="0"/>
-              <a:t>recommendations</a:t>
-            </a:r>
-            <a:r>
-              <a:rPr lang="fr-FR" baseline="0" dirty="0" smtClean="0"/>
-              <a:t> suivantes: Eviter le calcul de métriques dans les périodes initiales, utiliser un </a:t>
-            </a:r>
-            <a:r>
-              <a:rPr lang="fr-FR" baseline="0" dirty="0" err="1" smtClean="0"/>
-              <a:t>algo</a:t>
-            </a:r>
-            <a:r>
-              <a:rPr lang="fr-FR" baseline="0" dirty="0" smtClean="0"/>
-              <a:t> de détection de renommage ou Git à défaut. D’autres </a:t>
-            </a:r>
-            <a:r>
-              <a:rPr lang="fr-FR" baseline="0" dirty="0" err="1" smtClean="0"/>
-              <a:t>algo</a:t>
-            </a:r>
-            <a:r>
-              <a:rPr lang="fr-FR" baseline="0" dirty="0" smtClean="0"/>
-              <a:t> pour niveaux de granularité plus fin que les fichiers. Indiquer dans les études comment il a été traité. peut être très présent et biaiser le calcul de métriques. Par conséquent nous avons montré que les développeurs chercheurs devraient être prudents lors du calcul de ces métriques. </a:t>
-            </a:r>
-            <a:r>
-              <a:rPr lang="fr-FR" dirty="0" smtClean="0"/>
-              <a:t>Evaluer la précision d’autres </a:t>
-            </a:r>
-            <a:r>
-              <a:rPr lang="fr-FR" dirty="0" err="1" smtClean="0"/>
-              <a:t>algo</a:t>
-            </a:r>
-            <a:r>
-              <a:rPr lang="fr-FR" dirty="0" smtClean="0"/>
-              <a:t> donné dans l’article,</a:t>
-            </a:r>
-            <a:r>
-              <a:rPr lang="fr-FR" baseline="0" dirty="0" smtClean="0"/>
-              <a:t> split et </a:t>
-            </a:r>
-            <a:r>
-              <a:rPr lang="fr-FR" baseline="0" dirty="0" err="1" smtClean="0"/>
-              <a:t>merge</a:t>
-            </a:r>
-            <a:r>
-              <a:rPr lang="fr-FR" baseline="0" dirty="0" smtClean="0"/>
-              <a:t> problème plus complexe.</a:t>
-            </a:r>
-            <a:endParaRPr lang="fr-FR" dirty="0" smtClean="0"/>
-          </a:p>
-          <a:p>
-            <a:pPr marL="0" marR="0" indent="0" algn="l" defTabSz="914400" rtl="0" eaLnBrk="1" fontAlgn="auto" latinLnBrk="0" hangingPunct="1">
-              <a:lnSpc>
-                <a:spcPct val="100000"/>
-              </a:lnSpc>
-              <a:spcBef>
-                <a:spcPts val="0"/>
-              </a:spcBef>
-              <a:spcAft>
-                <a:spcPts val="0"/>
-              </a:spcAft>
-              <a:buClrTx/>
-              <a:buSzTx/>
-              <a:buFontTx/>
-              <a:buNone/>
-              <a:tabLst/>
-              <a:defRPr/>
             </a:pPr>
             <a:endParaRPr dirty="0"/>
           </a:p>
@@ -2235,107 +2207,6 @@
 </file>
 
 <file path=ppt/notesSlides/notesSlide23.xml><?xml version="1.0" encoding="utf-8"?>
-<p:notes xmlns:a="http://schemas.openxmlformats.org/drawingml/2006/main" xmlns:r="http://schemas.openxmlformats.org/officeDocument/2006/relationships" xmlns:p="http://schemas.openxmlformats.org/presentationml/2006/main" showMasterSp="0" showMasterPhAnim="0">
-  <p:cSld>
-    <p:spTree>
-      <p:nvGrpSpPr>
-        <p:cNvPr id="1" name="Shape 147"/>
-        <p:cNvGrpSpPr/>
-        <p:nvPr/>
-      </p:nvGrpSpPr>
-      <p:grpSpPr>
-        <a:xfrm>
-          <a:off x="0" y="0"/>
-          <a:ext cx="0" cy="0"/>
-          <a:chOff x="0" y="0"/>
-          <a:chExt cx="0" cy="0"/>
-        </a:xfrm>
-      </p:grpSpPr>
-      <p:sp>
-        <p:nvSpPr>
-          <p:cNvPr id="148" name="Shape 148"/>
-          <p:cNvSpPr>
-            <a:spLocks noGrp="1" noRot="1" noChangeAspect="1"/>
-          </p:cNvSpPr>
-          <p:nvPr>
-            <p:ph type="sldImg" idx="2"/>
-          </p:nvPr>
-        </p:nvSpPr>
-        <p:spPr>
-          <a:xfrm>
-            <a:off x="1143000" y="685800"/>
-            <a:ext cx="4572000" cy="3429000"/>
-          </a:xfrm>
-          <a:custGeom>
-            <a:avLst/>
-            <a:gdLst/>
-            <a:ahLst/>
-            <a:cxnLst/>
-            <a:rect l="0" t="0" r="0" b="0"/>
-            <a:pathLst>
-              <a:path w="120000" h="120000" extrusionOk="0">
-                <a:moveTo>
-                  <a:pt x="0" y="0"/>
-                </a:moveTo>
-                <a:lnTo>
-                  <a:pt x="120000" y="0"/>
-                </a:lnTo>
-                <a:lnTo>
-                  <a:pt x="120000" y="120000"/>
-                </a:lnTo>
-                <a:lnTo>
-                  <a:pt x="0" y="120000"/>
-                </a:lnTo>
-                <a:close/>
-              </a:path>
-            </a:pathLst>
-          </a:custGeom>
-        </p:spPr>
-      </p:sp>
-      <p:sp>
-        <p:nvSpPr>
-          <p:cNvPr id="149" name="Shape 149"/>
-          <p:cNvSpPr txBox="1">
-            <a:spLocks noGrp="1"/>
-          </p:cNvSpPr>
-          <p:nvPr>
-            <p:ph type="body" idx="1"/>
-          </p:nvPr>
-        </p:nvSpPr>
-        <p:spPr>
-          <a:xfrm>
-            <a:off x="685800" y="4343400"/>
-            <a:ext cx="5486399" cy="4114800"/>
-          </a:xfrm>
-          <a:prstGeom prst="rect">
-            <a:avLst/>
-          </a:prstGeom>
-        </p:spPr>
-        <p:txBody>
-          <a:bodyPr lIns="91425" tIns="91425" rIns="91425" bIns="91425" anchor="t" anchorCtr="0">
-            <a:noAutofit/>
-          </a:bodyPr>
-          <a:lstStyle/>
-          <a:p>
-            <a:pPr>
-              <a:spcBef>
-                <a:spcPts val="0"/>
-              </a:spcBef>
-              <a:buNone/>
-            </a:pPr>
-            <a:endParaRPr dirty="0"/>
-          </a:p>
-        </p:txBody>
-      </p:sp>
-    </p:spTree>
-  </p:cSld>
-  <p:clrMapOvr>
-    <a:masterClrMapping/>
-  </p:clrMapOvr>
-</p:notes>
-</file>
-
-<file path=ppt/notesSlides/notesSlide24.xml><?xml version="1.0" encoding="utf-8"?>
 <p:notes xmlns:a="http://schemas.openxmlformats.org/drawingml/2006/main" xmlns:r="http://schemas.openxmlformats.org/officeDocument/2006/relationships" xmlns:p="http://schemas.openxmlformats.org/presentationml/2006/main" showMasterSp="0" showMasterPhAnim="0">
   <p:cSld>
     <p:spTree>
@@ -7086,8 +6957,8 @@
         </p:nvSpPr>
         <p:spPr>
           <a:xfrm>
-            <a:off x="1268106" y="1772816"/>
-            <a:ext cx="6624736" cy="1169551"/>
+            <a:off x="1268106" y="1513292"/>
+            <a:ext cx="6624736" cy="369332"/>
           </a:xfrm>
           <a:prstGeom prst="rect">
             <a:avLst/>
@@ -7101,52 +6972,116 @@
           <a:lstStyle/>
           <a:p>
             <a:r>
+              <a:rPr lang="fr-FR" sz="1800" dirty="0" smtClean="0"/>
+              <a:t>Calculs de </a:t>
+            </a:r>
+            <a:r>
+              <a:rPr lang="fr-FR" sz="1800" b="1" dirty="0" err="1" smtClean="0"/>
+              <a:t>NoD</a:t>
+            </a:r>
+            <a:r>
+              <a:rPr lang="fr-FR" sz="1800" b="1" dirty="0" smtClean="0"/>
+              <a:t>, </a:t>
+            </a:r>
+            <a:r>
+              <a:rPr lang="fr-FR" sz="1800" b="1" dirty="0" err="1" smtClean="0"/>
+              <a:t>NoC</a:t>
+            </a:r>
+            <a:r>
+              <a:rPr lang="fr-FR" sz="1800" b="1" dirty="0" smtClean="0"/>
+              <a:t>, CC </a:t>
+            </a:r>
+            <a:r>
+              <a:rPr lang="fr-FR" sz="1800" dirty="0" smtClean="0"/>
+              <a:t>sur nos </a:t>
+            </a:r>
+            <a:r>
+              <a:rPr lang="fr-FR" sz="1800" dirty="0" smtClean="0"/>
+              <a:t>projets. </a:t>
+            </a:r>
+            <a:endParaRPr lang="fr-FR" sz="1800" dirty="0"/>
+          </a:p>
+        </p:txBody>
+      </p:sp>
+      <p:sp>
+        <p:nvSpPr>
+          <p:cNvPr id="19" name="TextBox 18"/>
+          <p:cNvSpPr txBox="1"/>
+          <p:nvPr/>
+        </p:nvSpPr>
+        <p:spPr>
+          <a:xfrm>
+            <a:off x="8748464" y="6550223"/>
+            <a:ext cx="395536" cy="307777"/>
+          </a:xfrm>
+          <a:prstGeom prst="rect">
+            <a:avLst/>
+          </a:prstGeom>
+          <a:noFill/>
+        </p:spPr>
+        <p:txBody>
+          <a:bodyPr wrap="square" rtlCol="0">
+            <a:spAutoFit/>
+          </a:bodyPr>
+          <a:lstStyle/>
+          <a:p>
+            <a:r>
               <a:rPr lang="fr-FR" dirty="0" smtClean="0"/>
-              <a:t>Calculs de </a:t>
-            </a:r>
-            <a:r>
-              <a:rPr lang="fr-FR" b="1" dirty="0" err="1" smtClean="0"/>
-              <a:t>NoD</a:t>
-            </a:r>
-            <a:r>
-              <a:rPr lang="fr-FR" b="1" dirty="0" smtClean="0"/>
-              <a:t>, </a:t>
-            </a:r>
-            <a:r>
-              <a:rPr lang="fr-FR" b="1" dirty="0" err="1" smtClean="0"/>
-              <a:t>NoC</a:t>
-            </a:r>
-            <a:r>
-              <a:rPr lang="fr-FR" b="1" dirty="0" smtClean="0"/>
-              <a:t>, CC </a:t>
-            </a:r>
-            <a:r>
-              <a:rPr lang="fr-FR" dirty="0" smtClean="0"/>
-              <a:t>sur nos projets.</a:t>
-            </a:r>
-            <a:endParaRPr lang="fr-FR" dirty="0"/>
-          </a:p>
-          <a:p>
+              <a:t>17</a:t>
+            </a:r>
             <a:endParaRPr lang="fr-FR" dirty="0" smtClean="0"/>
           </a:p>
-          <a:p>
-            <a:endParaRPr lang="fr-FR" dirty="0"/>
-          </a:p>
-          <a:p>
-            <a:endParaRPr lang="fr-FR" dirty="0"/>
-          </a:p>
-          <a:p>
-            <a:r>
-              <a:rPr lang="fr-FR" dirty="0" smtClean="0"/>
-              <a:t>Pour chaque métriques pour chaque projets on obtient deux listes. </a:t>
-            </a:r>
-            <a:endParaRPr lang="fr-FR" dirty="0"/>
+        </p:txBody>
+      </p:sp>
+      <p:sp>
+        <p:nvSpPr>
+          <p:cNvPr id="17" name="TextBox 16"/>
+          <p:cNvSpPr txBox="1"/>
+          <p:nvPr/>
+        </p:nvSpPr>
+        <p:spPr>
+          <a:xfrm>
+            <a:off x="1268106" y="5589240"/>
+            <a:ext cx="6300192" cy="369332"/>
+          </a:xfrm>
+          <a:prstGeom prst="rect">
+            <a:avLst/>
+          </a:prstGeom>
+          <a:noFill/>
+        </p:spPr>
+        <p:txBody>
+          <a:bodyPr wrap="square" rtlCol="0">
+            <a:spAutoFit/>
+          </a:bodyPr>
+          <a:lstStyle/>
+          <a:p>
+            <a:r>
+              <a:rPr lang="fr-FR" sz="1800" dirty="0" smtClean="0"/>
+              <a:t>Calcul du </a:t>
+            </a:r>
+            <a:r>
+              <a:rPr lang="fr-FR" sz="1800" dirty="0" err="1" smtClean="0"/>
+              <a:t>coéficient</a:t>
+            </a:r>
+            <a:r>
+              <a:rPr lang="fr-FR" sz="1800" dirty="0" smtClean="0"/>
+              <a:t> de corrélation de </a:t>
+            </a:r>
+            <a:r>
+              <a:rPr lang="fr-FR" sz="1800" b="1" dirty="0" smtClean="0"/>
+              <a:t>Spearman</a:t>
+            </a:r>
+            <a:r>
+              <a:rPr lang="fr-FR" sz="1800" dirty="0" smtClean="0"/>
+              <a:t>.</a:t>
+            </a:r>
+            <a:endParaRPr lang="fr-FR" sz="1800" dirty="0"/>
           </a:p>
         </p:txBody>
       </p:sp>
       <p:pic>
         <p:nvPicPr>
-          <p:cNvPr id="6" name="Picture 5"/>
+          <p:cNvPr id="18" name="Picture 17"/>
           <p:cNvPicPr>
             <a:picLocks noChangeAspect="1"/>
           </p:cNvPicPr>
@@ -7166,76 +7101,14 @@
         </p:blipFill>
         <p:spPr>
           <a:xfrm>
-            <a:off x="1430378" y="2996952"/>
-            <a:ext cx="6300192" cy="2376264"/>
+            <a:off x="1086240" y="1525520"/>
+            <a:ext cx="6663923" cy="4546688"/>
           </a:xfrm>
           <a:prstGeom prst="rect">
             <a:avLst/>
           </a:prstGeom>
         </p:spPr>
       </p:pic>
-      <p:cxnSp>
-        <p:nvCxnSpPr>
-          <p:cNvPr id="3" name="Straight Connector 2"/>
-          <p:cNvCxnSpPr>
-            <a:endCxn id="6" idx="2"/>
-          </p:cNvCxnSpPr>
-          <p:nvPr/>
-        </p:nvCxnSpPr>
-        <p:spPr>
-          <a:xfrm>
-            <a:off x="4580474" y="3933056"/>
-            <a:ext cx="0" cy="1440160"/>
-          </a:xfrm>
-          <a:prstGeom prst="line">
-            <a:avLst/>
-          </a:prstGeom>
-        </p:spPr>
-        <p:style>
-          <a:lnRef idx="1">
-            <a:schemeClr val="dk1"/>
-          </a:lnRef>
-          <a:fillRef idx="0">
-            <a:schemeClr val="dk1"/>
-          </a:fillRef>
-          <a:effectRef idx="0">
-            <a:schemeClr val="dk1"/>
-          </a:effectRef>
-          <a:fontRef idx="minor">
-            <a:schemeClr val="tx1"/>
-          </a:fontRef>
-        </p:style>
-      </p:cxnSp>
-      <p:sp>
-        <p:nvSpPr>
-          <p:cNvPr id="19" name="TextBox 18"/>
-          <p:cNvSpPr txBox="1"/>
-          <p:nvPr/>
-        </p:nvSpPr>
-        <p:spPr>
-          <a:xfrm>
-            <a:off x="8748464" y="6550223"/>
-            <a:ext cx="395536" cy="307777"/>
-          </a:xfrm>
-          <a:prstGeom prst="rect">
-            <a:avLst/>
-          </a:prstGeom>
-          <a:noFill/>
-        </p:spPr>
-        <p:txBody>
-          <a:bodyPr wrap="square" rtlCol="0">
-            <a:spAutoFit/>
-          </a:bodyPr>
-          <a:lstStyle/>
-          <a:p>
-            <a:r>
-              <a:rPr lang="fr-FR" dirty="0" smtClean="0"/>
-              <a:t>17</a:t>
-            </a:r>
-            <a:endParaRPr lang="fr-FR" dirty="0" smtClean="0"/>
-          </a:p>
-        </p:txBody>
-      </p:sp>
     </p:spTree>
     <p:extLst>
       <p:ext uri="{BB962C8B-B14F-4D97-AF65-F5344CB8AC3E}">
@@ -7264,7 +7137,7 @@
   <p:cSld>
     <p:spTree>
       <p:nvGrpSpPr>
-        <p:cNvPr id="1" name="Shape 120"/>
+        <p:cNvPr id="1" name="Shape 126"/>
         <p:cNvGrpSpPr/>
         <p:nvPr/>
       </p:nvGrpSpPr>
@@ -7278,86 +7151,46 @@
       </p:grpSpPr>
       <p:sp>
         <p:nvSpPr>
-          <p:cNvPr id="121" name="Shape 121"/>
-          <p:cNvSpPr txBox="1">
+          <p:cNvPr id="2" name="Title 1"/>
+          <p:cNvSpPr>
             <a:spLocks noGrp="1"/>
           </p:cNvSpPr>
           <p:nvPr>
             <p:ph type="title"/>
           </p:nvPr>
         </p:nvSpPr>
-        <p:spPr>
-          <a:xfrm>
-            <a:off x="457200" y="260648"/>
-            <a:ext cx="8229600" cy="1143200"/>
-          </a:xfrm>
-          <a:prstGeom prst="rect">
-            <a:avLst/>
-          </a:prstGeom>
-        </p:spPr>
+        <p:spPr/>
         <p:txBody>
           <a:bodyPr lIns="91425" tIns="91425" rIns="91425" bIns="91425" anchor="ctr" anchorCtr="0">
             <a:noAutofit/>
           </a:bodyPr>
           <a:lstStyle/>
           <a:p>
-            <a:pPr lvl="0"/>
-            <a:r>
-              <a:rPr lang="fr" dirty="0" smtClean="0"/>
-              <a:t>Méthodologie </a:t>
-            </a:r>
-            <a:r>
-              <a:rPr lang="fr" sz="1400" dirty="0">
+            <a:r>
+              <a:rPr lang="fr-FR" dirty="0"/>
+              <a:t>Résultats </a:t>
+            </a:r>
+            <a:r>
+              <a:rPr lang="fr-FR" sz="1400" dirty="0">
                 <a:solidFill>
                   <a:schemeClr val="bg2"/>
                 </a:solidFill>
               </a:rPr>
-              <a:t>deuxième expérience</a:t>
-            </a:r>
-          </a:p>
-        </p:txBody>
-      </p:sp>
-      <p:sp>
-        <p:nvSpPr>
-          <p:cNvPr id="122" name="Shape 122"/>
+              <a:t>première expérience</a:t>
+            </a:r>
+          </a:p>
+        </p:txBody>
+      </p:sp>
+      <p:sp>
+        <p:nvSpPr>
+          <p:cNvPr id="3" name="TextBox 2"/>
           <p:cNvSpPr txBox="1"/>
           <p:nvPr/>
         </p:nvSpPr>
         <p:spPr>
           <a:xfrm>
-            <a:off x="619125" y="1525733"/>
-            <a:ext cx="7922699" cy="751139"/>
-          </a:xfrm>
-          <a:prstGeom prst="rect">
-            <a:avLst/>
-          </a:prstGeom>
-        </p:spPr>
-        <p:txBody>
-          <a:bodyPr lIns="91425" tIns="91425" rIns="91425" bIns="91425" anchor="t" anchorCtr="0">
-            <a:noAutofit/>
-          </a:bodyPr>
-          <a:lstStyle/>
-          <a:p>
-            <a:pPr lvl="0" rtl="0">
-              <a:spcBef>
-                <a:spcPts val="0"/>
-              </a:spcBef>
-              <a:buNone/>
-            </a:pPr>
-            <a:endParaRPr lang="fr" dirty="0"/>
-          </a:p>
-        </p:txBody>
-      </p:sp>
-      <p:sp>
-        <p:nvSpPr>
-          <p:cNvPr id="2" name="TextBox 1"/>
-          <p:cNvSpPr txBox="1"/>
-          <p:nvPr/>
-        </p:nvSpPr>
-        <p:spPr>
-          <a:xfrm>
-            <a:off x="589754" y="1691868"/>
-            <a:ext cx="4464496" cy="369332"/>
+            <a:off x="1186875" y="1577776"/>
+            <a:ext cx="1623981" cy="461665"/>
           </a:xfrm>
           <a:prstGeom prst="rect">
             <a:avLst/>
@@ -7371,24 +7204,16 @@
           <a:lstStyle/>
           <a:p>
             <a:r>
-              <a:rPr lang="fr-FR" sz="1800" dirty="0" smtClean="0"/>
-              <a:t>Corrélation de </a:t>
-            </a:r>
-            <a:r>
-              <a:rPr lang="fr-FR" sz="1800" b="1" dirty="0" smtClean="0"/>
-              <a:t>Spearman</a:t>
-            </a:r>
-            <a:r>
-              <a:rPr lang="fr-FR" sz="1800" dirty="0" smtClean="0"/>
-              <a:t> :</a:t>
-            </a:r>
-            <a:endParaRPr lang="fr-FR" sz="1800" dirty="0"/>
+              <a:rPr lang="fr-FR" sz="1200" b="1" dirty="0" smtClean="0"/>
+              <a:t>Pourcentage de fichiers renommés</a:t>
+            </a:r>
+            <a:endParaRPr lang="fr-FR" sz="1200" b="1" dirty="0"/>
           </a:p>
         </p:txBody>
       </p:sp>
       <p:pic>
         <p:nvPicPr>
-          <p:cNvPr id="3" name="Picture 2"/>
+          <p:cNvPr id="4" name="Picture 3"/>
           <p:cNvPicPr>
             <a:picLocks noChangeAspect="1"/>
           </p:cNvPicPr>
@@ -7408,141 +7233,353 @@
         </p:blipFill>
         <p:spPr>
           <a:xfrm>
-            <a:off x="2183769" y="2226865"/>
-            <a:ext cx="4973100" cy="1425967"/>
+            <a:off x="2987824" y="1577777"/>
+            <a:ext cx="4824536" cy="2745488"/>
           </a:xfrm>
           <a:prstGeom prst="rect">
             <a:avLst/>
           </a:prstGeom>
         </p:spPr>
       </p:pic>
-      <mc:AlternateContent xmlns:mc="http://schemas.openxmlformats.org/markup-compatibility/2006" xmlns:a14="http://schemas.microsoft.com/office/drawing/2010/main">
-        <mc:Choice Requires="a14">
-          <p:sp>
-            <p:nvSpPr>
-              <p:cNvPr id="4" name="TextBox 3"/>
-              <p:cNvSpPr txBox="1"/>
-              <p:nvPr/>
-            </p:nvSpPr>
-            <p:spPr>
-              <a:xfrm>
-                <a:off x="2183769" y="3769295"/>
-                <a:ext cx="6120680" cy="307777"/>
-              </a:xfrm>
-              <a:prstGeom prst="rect">
-                <a:avLst/>
-              </a:prstGeom>
-              <a:noFill/>
-            </p:spPr>
-            <p:txBody>
-              <a:bodyPr wrap="square" rtlCol="0">
-                <a:spAutoFit/>
-              </a:bodyPr>
-              <a:lstStyle/>
-              <a:p>
-                <a:r>
-                  <a:rPr lang="fr-FR" dirty="0" smtClean="0"/>
-                  <a:t>Avec (</a:t>
-                </a:r>
-                <a14:m>
-                  <m:oMath xmlns:m="http://schemas.openxmlformats.org/officeDocument/2006/math">
-                    <m:r>
-                      <a:rPr lang="fr-FR" b="0" i="1" smtClean="0">
-                        <a:latin typeface="Cambria Math"/>
-                      </a:rPr>
-                      <m:t>𝑥𝑖</m:t>
-                    </m:r>
-                    <m:r>
-                      <a:rPr lang="fr-FR" b="0" i="1" smtClean="0">
-                        <a:latin typeface="Cambria Math"/>
-                      </a:rPr>
-                      <m:t>,</m:t>
-                    </m:r>
-                    <m:r>
-                      <a:rPr lang="fr-FR" b="0" i="1" smtClean="0">
-                        <a:latin typeface="Cambria Math"/>
-                      </a:rPr>
-                      <m:t>𝑦𝑖</m:t>
-                    </m:r>
-                  </m:oMath>
-                </a14:m>
-                <a:r>
-                  <a:rPr lang="fr-FR" dirty="0" smtClean="0"/>
-                  <a:t>) les rangs données par les deux valeurs de Métriques (</a:t>
-                </a:r>
-                <a14:m>
-                  <m:oMath xmlns:m="http://schemas.openxmlformats.org/officeDocument/2006/math">
-                    <m:r>
-                      <a:rPr lang="fr-FR" b="0" i="1" smtClean="0">
-                        <a:latin typeface="Cambria Math"/>
-                      </a:rPr>
-                      <m:t>𝑋𝑖</m:t>
-                    </m:r>
-                    <m:r>
-                      <a:rPr lang="fr-FR" b="0" i="1" smtClean="0">
-                        <a:latin typeface="Cambria Math"/>
-                      </a:rPr>
-                      <m:t>, </m:t>
-                    </m:r>
-                    <m:r>
-                      <a:rPr lang="fr-FR" b="0" i="1" smtClean="0">
-                        <a:latin typeface="Cambria Math"/>
-                      </a:rPr>
-                      <m:t>𝑌𝑖</m:t>
-                    </m:r>
-                  </m:oMath>
-                </a14:m>
-                <a:r>
-                  <a:rPr lang="fr-FR" dirty="0" smtClean="0"/>
-                  <a:t>)</a:t>
-                </a:r>
-                <a:endParaRPr lang="fr-FR" dirty="0"/>
-              </a:p>
-            </p:txBody>
-          </p:sp>
-        </mc:Choice>
-        <mc:Fallback xmlns="">
-          <p:sp>
-            <p:nvSpPr>
-              <p:cNvPr id="4" name="TextBox 3"/>
-              <p:cNvSpPr txBox="1">
-                <a:spLocks noRot="1" noChangeAspect="1" noMove="1" noResize="1" noEditPoints="1" noAdjustHandles="1" noChangeArrowheads="1" noChangeShapeType="1" noTextEdit="1"/>
-              </p:cNvSpPr>
-              <p:nvPr/>
-            </p:nvSpPr>
-            <p:spPr>
-              <a:xfrm>
-                <a:off x="2183769" y="3769295"/>
-                <a:ext cx="6120680" cy="307777"/>
-              </a:xfrm>
-              <a:prstGeom prst="rect">
-                <a:avLst/>
-              </a:prstGeom>
-              <a:blipFill rotWithShape="1">
-                <a:blip r:embed="rId4"/>
-                <a:stretch>
-                  <a:fillRect l="-199" t="-1961" b="-17647"/>
-                </a:stretch>
-              </a:blipFill>
-            </p:spPr>
-            <p:txBody>
-              <a:bodyPr/>
-              <a:lstStyle/>
-              <a:p>
-                <a:r>
-                  <a:rPr lang="fr-FR">
-                    <a:noFill/>
-                  </a:rPr>
-                  <a:t> </a:t>
-                </a:r>
-              </a:p>
-            </p:txBody>
-          </p:sp>
-        </mc:Fallback>
-      </mc:AlternateContent>
+      <p:pic>
+        <p:nvPicPr>
+          <p:cNvPr id="5" name="Picture 4"/>
+          <p:cNvPicPr>
+            <a:picLocks noChangeAspect="1"/>
+          </p:cNvPicPr>
+          <p:nvPr/>
+        </p:nvPicPr>
+        <p:blipFill>
+          <a:blip r:embed="rId4">
+            <a:extLst>
+              <a:ext uri="{28A0092B-C50C-407E-A947-70E740481C1C}">
+                <a14:useLocalDpi xmlns:a14="http://schemas.microsoft.com/office/drawing/2010/main" val="0"/>
+              </a:ext>
+            </a:extLst>
+          </a:blip>
+          <a:stretch>
+            <a:fillRect/>
+          </a:stretch>
+        </p:blipFill>
+        <p:spPr>
+          <a:xfrm>
+            <a:off x="2826448" y="1700807"/>
+            <a:ext cx="322752" cy="1840106"/>
+          </a:xfrm>
+          <a:prstGeom prst="rect">
+            <a:avLst/>
+          </a:prstGeom>
+        </p:spPr>
+      </p:pic>
+      <p:sp>
+        <p:nvSpPr>
+          <p:cNvPr id="6" name="TextBox 5"/>
+          <p:cNvSpPr txBox="1"/>
+          <p:nvPr/>
+        </p:nvSpPr>
+        <p:spPr>
+          <a:xfrm>
+            <a:off x="396096" y="2558112"/>
+            <a:ext cx="913720" cy="307777"/>
+          </a:xfrm>
+          <a:prstGeom prst="rect">
+            <a:avLst/>
+          </a:prstGeom>
+          <a:noFill/>
+        </p:spPr>
+        <p:txBody>
+          <a:bodyPr wrap="square" rtlCol="0">
+            <a:spAutoFit/>
+          </a:bodyPr>
+          <a:lstStyle/>
+          <a:p>
+            <a:r>
+              <a:rPr lang="fr-FR" dirty="0" smtClean="0"/>
+              <a:t>périodes</a:t>
+            </a:r>
+            <a:endParaRPr lang="fr-FR" dirty="0"/>
+          </a:p>
+        </p:txBody>
+      </p:sp>
       <p:sp>
         <p:nvSpPr>
           <p:cNvPr id="7" name="TextBox 6"/>
+          <p:cNvSpPr txBox="1"/>
+          <p:nvPr/>
+        </p:nvSpPr>
+        <p:spPr>
+          <a:xfrm>
+            <a:off x="1307307" y="2430284"/>
+            <a:ext cx="135336" cy="153888"/>
+          </a:xfrm>
+          <a:prstGeom prst="rect">
+            <a:avLst/>
+          </a:prstGeom>
+          <a:solidFill>
+            <a:srgbClr val="FF0000"/>
+          </a:solidFill>
+        </p:spPr>
+        <p:txBody>
+          <a:bodyPr wrap="square" rtlCol="0">
+            <a:spAutoFit/>
+          </a:bodyPr>
+          <a:lstStyle/>
+          <a:p>
+            <a:endParaRPr lang="fr-FR" dirty="0">
+              <a:solidFill>
+                <a:srgbClr val="FF0000"/>
+              </a:solidFill>
+            </a:endParaRPr>
+          </a:p>
+        </p:txBody>
+      </p:sp>
+      <p:sp>
+        <p:nvSpPr>
+          <p:cNvPr id="9" name="TextBox 8"/>
+          <p:cNvSpPr txBox="1"/>
+          <p:nvPr/>
+        </p:nvSpPr>
+        <p:spPr>
+          <a:xfrm>
+            <a:off x="1315173" y="2658140"/>
+            <a:ext cx="135336" cy="153888"/>
+          </a:xfrm>
+          <a:prstGeom prst="rect">
+            <a:avLst/>
+          </a:prstGeom>
+          <a:solidFill>
+            <a:srgbClr val="FF9900"/>
+          </a:solidFill>
+        </p:spPr>
+        <p:txBody>
+          <a:bodyPr wrap="square" rtlCol="0">
+            <a:spAutoFit/>
+          </a:bodyPr>
+          <a:lstStyle/>
+          <a:p>
+            <a:endParaRPr lang="fr-FR" dirty="0">
+              <a:solidFill>
+                <a:srgbClr val="FF0000"/>
+              </a:solidFill>
+            </a:endParaRPr>
+          </a:p>
+        </p:txBody>
+      </p:sp>
+      <p:sp>
+        <p:nvSpPr>
+          <p:cNvPr id="10" name="TextBox 9"/>
+          <p:cNvSpPr txBox="1"/>
+          <p:nvPr/>
+        </p:nvSpPr>
+        <p:spPr>
+          <a:xfrm>
+            <a:off x="1315173" y="2888972"/>
+            <a:ext cx="135336" cy="153888"/>
+          </a:xfrm>
+          <a:prstGeom prst="rect">
+            <a:avLst/>
+          </a:prstGeom>
+          <a:solidFill>
+            <a:srgbClr val="FFFF00"/>
+          </a:solidFill>
+        </p:spPr>
+        <p:txBody>
+          <a:bodyPr wrap="square" rtlCol="0">
+            <a:spAutoFit/>
+          </a:bodyPr>
+          <a:lstStyle/>
+          <a:p>
+            <a:endParaRPr lang="fr-FR" dirty="0">
+              <a:solidFill>
+                <a:srgbClr val="FF0000"/>
+              </a:solidFill>
+            </a:endParaRPr>
+          </a:p>
+        </p:txBody>
+      </p:sp>
+      <p:sp>
+        <p:nvSpPr>
+          <p:cNvPr id="8" name="TextBox 7"/>
+          <p:cNvSpPr txBox="1"/>
+          <p:nvPr/>
+        </p:nvSpPr>
+        <p:spPr>
+          <a:xfrm>
+            <a:off x="1459554" y="2376423"/>
+            <a:ext cx="792088" cy="261610"/>
+          </a:xfrm>
+          <a:prstGeom prst="rect">
+            <a:avLst/>
+          </a:prstGeom>
+          <a:noFill/>
+        </p:spPr>
+        <p:txBody>
+          <a:bodyPr wrap="square" rtlCol="0">
+            <a:spAutoFit/>
+          </a:bodyPr>
+          <a:lstStyle/>
+          <a:p>
+            <a:r>
+              <a:rPr lang="fr-FR" sz="1100" dirty="0" smtClean="0"/>
+              <a:t>initiale</a:t>
+            </a:r>
+            <a:endParaRPr lang="fr-FR" sz="1100" dirty="0"/>
+          </a:p>
+        </p:txBody>
+      </p:sp>
+      <p:sp>
+        <p:nvSpPr>
+          <p:cNvPr id="12" name="TextBox 11"/>
+          <p:cNvSpPr txBox="1"/>
+          <p:nvPr/>
+        </p:nvSpPr>
+        <p:spPr>
+          <a:xfrm>
+            <a:off x="1459554" y="2604279"/>
+            <a:ext cx="792088" cy="261610"/>
+          </a:xfrm>
+          <a:prstGeom prst="rect">
+            <a:avLst/>
+          </a:prstGeom>
+          <a:noFill/>
+        </p:spPr>
+        <p:txBody>
+          <a:bodyPr wrap="square" rtlCol="0">
+            <a:spAutoFit/>
+          </a:bodyPr>
+          <a:lstStyle/>
+          <a:p>
+            <a:r>
+              <a:rPr lang="fr-FR" sz="1100" dirty="0" smtClean="0"/>
+              <a:t>majeur</a:t>
+            </a:r>
+            <a:endParaRPr lang="fr-FR" sz="1100" dirty="0"/>
+          </a:p>
+        </p:txBody>
+      </p:sp>
+      <p:sp>
+        <p:nvSpPr>
+          <p:cNvPr id="13" name="TextBox 12"/>
+          <p:cNvSpPr txBox="1"/>
+          <p:nvPr/>
+        </p:nvSpPr>
+        <p:spPr>
+          <a:xfrm>
+            <a:off x="1459554" y="2819716"/>
+            <a:ext cx="792088" cy="261610"/>
+          </a:xfrm>
+          <a:prstGeom prst="rect">
+            <a:avLst/>
+          </a:prstGeom>
+          <a:noFill/>
+        </p:spPr>
+        <p:txBody>
+          <a:bodyPr wrap="square" rtlCol="0">
+            <a:spAutoFit/>
+          </a:bodyPr>
+          <a:lstStyle/>
+          <a:p>
+            <a:r>
+              <a:rPr lang="fr-FR" sz="1100" dirty="0" smtClean="0"/>
+              <a:t>mineur</a:t>
+            </a:r>
+            <a:endParaRPr lang="fr-FR" sz="1100" dirty="0"/>
+          </a:p>
+        </p:txBody>
+      </p:sp>
+      <p:pic>
+        <p:nvPicPr>
+          <p:cNvPr id="11" name="Picture 10"/>
+          <p:cNvPicPr>
+            <a:picLocks noChangeAspect="1"/>
+          </p:cNvPicPr>
+          <p:nvPr/>
+        </p:nvPicPr>
+        <p:blipFill>
+          <a:blip r:embed="rId5">
+            <a:extLst>
+              <a:ext uri="{28A0092B-C50C-407E-A947-70E740481C1C}">
+                <a14:useLocalDpi xmlns:a14="http://schemas.microsoft.com/office/drawing/2010/main" val="0"/>
+              </a:ext>
+            </a:extLst>
+          </a:blip>
+          <a:stretch>
+            <a:fillRect/>
+          </a:stretch>
+        </p:blipFill>
+        <p:spPr>
+          <a:xfrm>
+            <a:off x="33066" y="4445978"/>
+            <a:ext cx="4409804" cy="1816540"/>
+          </a:xfrm>
+          <a:prstGeom prst="rect">
+            <a:avLst/>
+          </a:prstGeom>
+        </p:spPr>
+      </p:pic>
+      <p:pic>
+        <p:nvPicPr>
+          <p:cNvPr id="14" name="Picture 13"/>
+          <p:cNvPicPr>
+            <a:picLocks noChangeAspect="1"/>
+          </p:cNvPicPr>
+          <p:nvPr/>
+        </p:nvPicPr>
+        <p:blipFill>
+          <a:blip r:embed="rId6">
+            <a:extLst>
+              <a:ext uri="{28A0092B-C50C-407E-A947-70E740481C1C}">
+                <a14:useLocalDpi xmlns:a14="http://schemas.microsoft.com/office/drawing/2010/main" val="0"/>
+              </a:ext>
+            </a:extLst>
+          </a:blip>
+          <a:stretch>
+            <a:fillRect/>
+          </a:stretch>
+        </p:blipFill>
+        <p:spPr>
+          <a:xfrm>
+            <a:off x="4425441" y="4479883"/>
+            <a:ext cx="2175912" cy="1626016"/>
+          </a:xfrm>
+          <a:prstGeom prst="rect">
+            <a:avLst/>
+          </a:prstGeom>
+        </p:spPr>
+      </p:pic>
+      <p:pic>
+        <p:nvPicPr>
+          <p:cNvPr id="15" name="Picture 14"/>
+          <p:cNvPicPr>
+            <a:picLocks noChangeAspect="1"/>
+          </p:cNvPicPr>
+          <p:nvPr/>
+        </p:nvPicPr>
+        <p:blipFill>
+          <a:blip r:embed="rId7">
+            <a:extLst>
+              <a:ext uri="{28A0092B-C50C-407E-A947-70E740481C1C}">
+                <a14:useLocalDpi xmlns:a14="http://schemas.microsoft.com/office/drawing/2010/main" val="0"/>
+              </a:ext>
+            </a:extLst>
+          </a:blip>
+          <a:stretch>
+            <a:fillRect/>
+          </a:stretch>
+        </p:blipFill>
+        <p:spPr>
+          <a:xfrm>
+            <a:off x="6601353" y="4445978"/>
+            <a:ext cx="2468298" cy="1693826"/>
+          </a:xfrm>
+          <a:prstGeom prst="rect">
+            <a:avLst/>
+          </a:prstGeom>
+        </p:spPr>
+      </p:pic>
+      <p:sp>
+        <p:nvSpPr>
+          <p:cNvPr id="16" name="TextBox 15"/>
           <p:cNvSpPr txBox="1"/>
           <p:nvPr/>
         </p:nvSpPr>
@@ -7593,7 +7630,7 @@
   <p:cSld>
     <p:spTree>
       <p:nvGrpSpPr>
-        <p:cNvPr id="1" name="Shape 126"/>
+        <p:cNvPr id="1" name=""/>
         <p:cNvGrpSpPr/>
         <p:nvPr/>
       </p:nvGrpSpPr>
@@ -7632,38 +7669,8 @@
                   <a:schemeClr val="bg2"/>
                 </a:solidFill>
               </a:rPr>
-              <a:t>première expérience</a:t>
-            </a:r>
-          </a:p>
-        </p:txBody>
-      </p:sp>
-      <p:sp>
-        <p:nvSpPr>
-          <p:cNvPr id="3" name="TextBox 2"/>
-          <p:cNvSpPr txBox="1"/>
-          <p:nvPr/>
-        </p:nvSpPr>
-        <p:spPr>
-          <a:xfrm>
-            <a:off x="1186875" y="1577776"/>
-            <a:ext cx="1623981" cy="461665"/>
-          </a:xfrm>
-          <a:prstGeom prst="rect">
-            <a:avLst/>
-          </a:prstGeom>
-          <a:noFill/>
-        </p:spPr>
-        <p:txBody>
-          <a:bodyPr wrap="square" rtlCol="0">
-            <a:spAutoFit/>
-          </a:bodyPr>
-          <a:lstStyle/>
-          <a:p>
-            <a:r>
-              <a:rPr lang="fr-FR" sz="1200" b="1" dirty="0" smtClean="0"/>
-              <a:t>Pourcentage de fichiers renommés</a:t>
-            </a:r>
-            <a:endParaRPr lang="fr-FR" sz="1200" b="1" dirty="0"/>
+              <a:t>deuxième expérience</a:t>
+            </a:r>
           </a:p>
         </p:txBody>
       </p:sp>
@@ -7676,7 +7683,7 @@
           <p:nvPr/>
         </p:nvPicPr>
         <p:blipFill>
-          <a:blip r:embed="rId3">
+          <a:blip r:embed="rId2">
             <a:extLst>
               <a:ext uri="{28A0092B-C50C-407E-A947-70E740481C1C}">
                 <a14:useLocalDpi xmlns:a14="http://schemas.microsoft.com/office/drawing/2010/main" val="0"/>
@@ -7689,54 +7696,24 @@
         </p:blipFill>
         <p:spPr>
           <a:xfrm>
-            <a:off x="2987824" y="1577777"/>
-            <a:ext cx="4824536" cy="2745488"/>
+            <a:off x="1187624" y="2555618"/>
+            <a:ext cx="6768752" cy="3534327"/>
           </a:xfrm>
           <a:prstGeom prst="rect">
             <a:avLst/>
           </a:prstGeom>
         </p:spPr>
       </p:pic>
-      <p:pic>
-        <p:nvPicPr>
-          <p:cNvPr id="5" name="Picture 4"/>
-          <p:cNvPicPr>
-            <a:picLocks noChangeAspect="1"/>
-          </p:cNvPicPr>
-          <p:nvPr/>
-        </p:nvPicPr>
-        <p:blipFill>
-          <a:blip r:embed="rId4">
-            <a:extLst>
-              <a:ext uri="{28A0092B-C50C-407E-A947-70E740481C1C}">
-                <a14:useLocalDpi xmlns:a14="http://schemas.microsoft.com/office/drawing/2010/main" val="0"/>
-              </a:ext>
-            </a:extLst>
-          </a:blip>
-          <a:stretch>
-            <a:fillRect/>
-          </a:stretch>
-        </p:blipFill>
-        <p:spPr>
-          <a:xfrm>
-            <a:off x="2826448" y="1700807"/>
-            <a:ext cx="322752" cy="1840106"/>
-          </a:xfrm>
-          <a:prstGeom prst="rect">
-            <a:avLst/>
-          </a:prstGeom>
-        </p:spPr>
-      </p:pic>
-      <p:sp>
-        <p:nvSpPr>
-          <p:cNvPr id="6" name="TextBox 5"/>
+      <p:sp>
+        <p:nvSpPr>
+          <p:cNvPr id="5" name="TextBox 4"/>
           <p:cNvSpPr txBox="1"/>
           <p:nvPr/>
         </p:nvSpPr>
         <p:spPr>
           <a:xfrm>
-            <a:off x="396096" y="2558112"/>
-            <a:ext cx="913720" cy="307777"/>
+            <a:off x="1475656" y="1796818"/>
+            <a:ext cx="6120680" cy="369332"/>
           </a:xfrm>
           <a:prstGeom prst="rect">
             <a:avLst/>
@@ -7750,30 +7727,88 @@
           <a:lstStyle/>
           <a:p>
             <a:r>
-              <a:rPr lang="fr-FR" dirty="0" smtClean="0"/>
-              <a:t>périodes</a:t>
-            </a:r>
-            <a:endParaRPr lang="fr-FR" dirty="0"/>
-          </a:p>
-        </p:txBody>
-      </p:sp>
-      <p:sp>
-        <p:nvSpPr>
-          <p:cNvPr id="7" name="TextBox 6"/>
+              <a:rPr lang="fr-FR" sz="1800" dirty="0" smtClean="0"/>
+              <a:t>Coefficient de corrélation de Spearman :</a:t>
+            </a:r>
+            <a:endParaRPr lang="fr-FR" sz="1800" dirty="0"/>
+          </a:p>
+        </p:txBody>
+      </p:sp>
+      <p:cxnSp>
+        <p:nvCxnSpPr>
+          <p:cNvPr id="7" name="Straight Connector 6"/>
+          <p:cNvCxnSpPr/>
+          <p:nvPr/>
+        </p:nvCxnSpPr>
+        <p:spPr>
+          <a:xfrm>
+            <a:off x="4868664" y="2660915"/>
+            <a:ext cx="0" cy="3342053"/>
+          </a:xfrm>
+          <a:prstGeom prst="line">
+            <a:avLst/>
+          </a:prstGeom>
+        </p:spPr>
+        <p:style>
+          <a:lnRef idx="1">
+            <a:schemeClr val="dk1"/>
+          </a:lnRef>
+          <a:fillRef idx="0">
+            <a:schemeClr val="dk1"/>
+          </a:fillRef>
+          <a:effectRef idx="0">
+            <a:schemeClr val="dk1"/>
+          </a:effectRef>
+          <a:fontRef idx="minor">
+            <a:schemeClr val="tx1"/>
+          </a:fontRef>
+        </p:style>
+      </p:cxnSp>
+      <p:cxnSp>
+        <p:nvCxnSpPr>
+          <p:cNvPr id="9" name="Straight Connector 8"/>
+          <p:cNvCxnSpPr/>
+          <p:nvPr/>
+        </p:nvCxnSpPr>
+        <p:spPr>
+          <a:xfrm flipH="1">
+            <a:off x="4868664" y="3242724"/>
+            <a:ext cx="72008" cy="0"/>
+          </a:xfrm>
+          <a:prstGeom prst="line">
+            <a:avLst/>
+          </a:prstGeom>
+        </p:spPr>
+        <p:style>
+          <a:lnRef idx="1">
+            <a:schemeClr val="dk1"/>
+          </a:lnRef>
+          <a:fillRef idx="0">
+            <a:schemeClr val="dk1"/>
+          </a:fillRef>
+          <a:effectRef idx="0">
+            <a:schemeClr val="dk1"/>
+          </a:effectRef>
+          <a:fontRef idx="minor">
+            <a:schemeClr val="tx1"/>
+          </a:fontRef>
+        </p:style>
+      </p:cxnSp>
+      <p:sp>
+        <p:nvSpPr>
+          <p:cNvPr id="8" name="TextBox 7"/>
           <p:cNvSpPr txBox="1"/>
           <p:nvPr/>
         </p:nvSpPr>
         <p:spPr>
           <a:xfrm>
-            <a:off x="1307307" y="2430284"/>
-            <a:ext cx="135336" cy="153888"/>
-          </a:xfrm>
-          <a:prstGeom prst="rect">
-            <a:avLst/>
-          </a:prstGeom>
-          <a:solidFill>
-            <a:srgbClr val="FF0000"/>
-          </a:solidFill>
+            <a:off x="8748464" y="6550223"/>
+            <a:ext cx="395536" cy="307777"/>
+          </a:xfrm>
+          <a:prstGeom prst="rect">
+            <a:avLst/>
+          </a:prstGeom>
+          <a:noFill/>
         </p:spPr>
         <p:txBody>
           <a:bodyPr wrap="square" rtlCol="0">
@@ -7781,280 +7816,6 @@
           </a:bodyPr>
           <a:lstStyle/>
           <a:p>
-            <a:endParaRPr lang="fr-FR" dirty="0">
-              <a:solidFill>
-                <a:srgbClr val="FF0000"/>
-              </a:solidFill>
-            </a:endParaRPr>
-          </a:p>
-        </p:txBody>
-      </p:sp>
-      <p:sp>
-        <p:nvSpPr>
-          <p:cNvPr id="9" name="TextBox 8"/>
-          <p:cNvSpPr txBox="1"/>
-          <p:nvPr/>
-        </p:nvSpPr>
-        <p:spPr>
-          <a:xfrm>
-            <a:off x="1315173" y="2658140"/>
-            <a:ext cx="135336" cy="153888"/>
-          </a:xfrm>
-          <a:prstGeom prst="rect">
-            <a:avLst/>
-          </a:prstGeom>
-          <a:solidFill>
-            <a:srgbClr val="FF9900"/>
-          </a:solidFill>
-        </p:spPr>
-        <p:txBody>
-          <a:bodyPr wrap="square" rtlCol="0">
-            <a:spAutoFit/>
-          </a:bodyPr>
-          <a:lstStyle/>
-          <a:p>
-            <a:endParaRPr lang="fr-FR" dirty="0">
-              <a:solidFill>
-                <a:srgbClr val="FF0000"/>
-              </a:solidFill>
-            </a:endParaRPr>
-          </a:p>
-        </p:txBody>
-      </p:sp>
-      <p:sp>
-        <p:nvSpPr>
-          <p:cNvPr id="10" name="TextBox 9"/>
-          <p:cNvSpPr txBox="1"/>
-          <p:nvPr/>
-        </p:nvSpPr>
-        <p:spPr>
-          <a:xfrm>
-            <a:off x="1315173" y="2888972"/>
-            <a:ext cx="135336" cy="153888"/>
-          </a:xfrm>
-          <a:prstGeom prst="rect">
-            <a:avLst/>
-          </a:prstGeom>
-          <a:solidFill>
-            <a:srgbClr val="FFFF00"/>
-          </a:solidFill>
-        </p:spPr>
-        <p:txBody>
-          <a:bodyPr wrap="square" rtlCol="0">
-            <a:spAutoFit/>
-          </a:bodyPr>
-          <a:lstStyle/>
-          <a:p>
-            <a:endParaRPr lang="fr-FR" dirty="0">
-              <a:solidFill>
-                <a:srgbClr val="FF0000"/>
-              </a:solidFill>
-            </a:endParaRPr>
-          </a:p>
-        </p:txBody>
-      </p:sp>
-      <p:sp>
-        <p:nvSpPr>
-          <p:cNvPr id="8" name="TextBox 7"/>
-          <p:cNvSpPr txBox="1"/>
-          <p:nvPr/>
-        </p:nvSpPr>
-        <p:spPr>
-          <a:xfrm>
-            <a:off x="1459554" y="2376423"/>
-            <a:ext cx="792088" cy="261610"/>
-          </a:xfrm>
-          <a:prstGeom prst="rect">
-            <a:avLst/>
-          </a:prstGeom>
-          <a:noFill/>
-        </p:spPr>
-        <p:txBody>
-          <a:bodyPr wrap="square" rtlCol="0">
-            <a:spAutoFit/>
-          </a:bodyPr>
-          <a:lstStyle/>
-          <a:p>
-            <a:r>
-              <a:rPr lang="fr-FR" sz="1100" dirty="0" smtClean="0"/>
-              <a:t>initiale</a:t>
-            </a:r>
-            <a:endParaRPr lang="fr-FR" sz="1100" dirty="0"/>
-          </a:p>
-        </p:txBody>
-      </p:sp>
-      <p:sp>
-        <p:nvSpPr>
-          <p:cNvPr id="12" name="TextBox 11"/>
-          <p:cNvSpPr txBox="1"/>
-          <p:nvPr/>
-        </p:nvSpPr>
-        <p:spPr>
-          <a:xfrm>
-            <a:off x="1459554" y="2604279"/>
-            <a:ext cx="792088" cy="261610"/>
-          </a:xfrm>
-          <a:prstGeom prst="rect">
-            <a:avLst/>
-          </a:prstGeom>
-          <a:noFill/>
-        </p:spPr>
-        <p:txBody>
-          <a:bodyPr wrap="square" rtlCol="0">
-            <a:spAutoFit/>
-          </a:bodyPr>
-          <a:lstStyle/>
-          <a:p>
-            <a:r>
-              <a:rPr lang="fr-FR" sz="1100" dirty="0" smtClean="0"/>
-              <a:t>majeur</a:t>
-            </a:r>
-            <a:endParaRPr lang="fr-FR" sz="1100" dirty="0"/>
-          </a:p>
-        </p:txBody>
-      </p:sp>
-      <p:sp>
-        <p:nvSpPr>
-          <p:cNvPr id="13" name="TextBox 12"/>
-          <p:cNvSpPr txBox="1"/>
-          <p:nvPr/>
-        </p:nvSpPr>
-        <p:spPr>
-          <a:xfrm>
-            <a:off x="1459554" y="2819716"/>
-            <a:ext cx="792088" cy="261610"/>
-          </a:xfrm>
-          <a:prstGeom prst="rect">
-            <a:avLst/>
-          </a:prstGeom>
-          <a:noFill/>
-        </p:spPr>
-        <p:txBody>
-          <a:bodyPr wrap="square" rtlCol="0">
-            <a:spAutoFit/>
-          </a:bodyPr>
-          <a:lstStyle/>
-          <a:p>
-            <a:r>
-              <a:rPr lang="fr-FR" sz="1100" dirty="0" smtClean="0"/>
-              <a:t>mineur</a:t>
-            </a:r>
-            <a:endParaRPr lang="fr-FR" sz="1100" dirty="0"/>
-          </a:p>
-        </p:txBody>
-      </p:sp>
-      <p:pic>
-        <p:nvPicPr>
-          <p:cNvPr id="11" name="Picture 10"/>
-          <p:cNvPicPr>
-            <a:picLocks noChangeAspect="1"/>
-          </p:cNvPicPr>
-          <p:nvPr/>
-        </p:nvPicPr>
-        <p:blipFill>
-          <a:blip r:embed="rId5">
-            <a:extLst>
-              <a:ext uri="{28A0092B-C50C-407E-A947-70E740481C1C}">
-                <a14:useLocalDpi xmlns:a14="http://schemas.microsoft.com/office/drawing/2010/main" val="0"/>
-              </a:ext>
-            </a:extLst>
-          </a:blip>
-          <a:stretch>
-            <a:fillRect/>
-          </a:stretch>
-        </p:blipFill>
-        <p:spPr>
-          <a:xfrm>
-            <a:off x="33066" y="4445978"/>
-            <a:ext cx="4409804" cy="1816540"/>
-          </a:xfrm>
-          <a:prstGeom prst="rect">
-            <a:avLst/>
-          </a:prstGeom>
-        </p:spPr>
-      </p:pic>
-      <p:pic>
-        <p:nvPicPr>
-          <p:cNvPr id="14" name="Picture 13"/>
-          <p:cNvPicPr>
-            <a:picLocks noChangeAspect="1"/>
-          </p:cNvPicPr>
-          <p:nvPr/>
-        </p:nvPicPr>
-        <p:blipFill>
-          <a:blip r:embed="rId6">
-            <a:extLst>
-              <a:ext uri="{28A0092B-C50C-407E-A947-70E740481C1C}">
-                <a14:useLocalDpi xmlns:a14="http://schemas.microsoft.com/office/drawing/2010/main" val="0"/>
-              </a:ext>
-            </a:extLst>
-          </a:blip>
-          <a:stretch>
-            <a:fillRect/>
-          </a:stretch>
-        </p:blipFill>
-        <p:spPr>
-          <a:xfrm>
-            <a:off x="4425441" y="4479883"/>
-            <a:ext cx="2175912" cy="1626016"/>
-          </a:xfrm>
-          <a:prstGeom prst="rect">
-            <a:avLst/>
-          </a:prstGeom>
-        </p:spPr>
-      </p:pic>
-      <p:pic>
-        <p:nvPicPr>
-          <p:cNvPr id="15" name="Picture 14"/>
-          <p:cNvPicPr>
-            <a:picLocks noChangeAspect="1"/>
-          </p:cNvPicPr>
-          <p:nvPr/>
-        </p:nvPicPr>
-        <p:blipFill>
-          <a:blip r:embed="rId7">
-            <a:extLst>
-              <a:ext uri="{28A0092B-C50C-407E-A947-70E740481C1C}">
-                <a14:useLocalDpi xmlns:a14="http://schemas.microsoft.com/office/drawing/2010/main" val="0"/>
-              </a:ext>
-            </a:extLst>
-          </a:blip>
-          <a:stretch>
-            <a:fillRect/>
-          </a:stretch>
-        </p:blipFill>
-        <p:spPr>
-          <a:xfrm>
-            <a:off x="6601353" y="4445978"/>
-            <a:ext cx="2468298" cy="1693826"/>
-          </a:xfrm>
-          <a:prstGeom prst="rect">
-            <a:avLst/>
-          </a:prstGeom>
-        </p:spPr>
-      </p:pic>
-      <p:sp>
-        <p:nvSpPr>
-          <p:cNvPr id="16" name="TextBox 15"/>
-          <p:cNvSpPr txBox="1"/>
-          <p:nvPr/>
-        </p:nvSpPr>
-        <p:spPr>
-          <a:xfrm>
-            <a:off x="8748464" y="6550223"/>
-            <a:ext cx="395536" cy="307777"/>
-          </a:xfrm>
-          <a:prstGeom prst="rect">
-            <a:avLst/>
-          </a:prstGeom>
-          <a:noFill/>
-        </p:spPr>
-        <p:txBody>
-          <a:bodyPr wrap="square" rtlCol="0">
-            <a:spAutoFit/>
-          </a:bodyPr>
-          <a:lstStyle/>
-          <a:p>
             <a:r>
               <a:rPr lang="fr-FR" dirty="0" smtClean="0"/>
               <a:t>19</a:t>
@@ -8064,13 +7825,15 @@
         </p:txBody>
       </p:sp>
     </p:spTree>
+    <p:extLst>
+      <p:ext uri="{BB962C8B-B14F-4D97-AF65-F5344CB8AC3E}">
+        <p14:creationId xmlns:p14="http://schemas.microsoft.com/office/powerpoint/2010/main" val="1666827742"/>
+      </p:ext>
+    </p:extLst>
   </p:cSld>
   <p:clrMapOvr>
     <a:masterClrMapping/>
   </p:clrMapOvr>
-  <p:transition spd="slow">
-    <p:cut/>
-  </p:transition>
   <p:timing>
     <p:tnLst>
       <p:par>
@@ -8148,8 +7911,8 @@
         </p:nvSpPr>
         <p:spPr>
           <a:xfrm>
-            <a:off x="457200" y="1600201"/>
-            <a:ext cx="8229600" cy="4967599"/>
+            <a:off x="467544" y="2060848"/>
+            <a:ext cx="8219256" cy="3412975"/>
           </a:xfrm>
           <a:prstGeom prst="rect">
             <a:avLst/>
@@ -8169,43 +7932,39 @@
               <a:buChar char="•"/>
             </a:pPr>
             <a:r>
-              <a:rPr lang="fr-FR" dirty="0" smtClean="0"/>
-              <a:t>Contexte, </a:t>
-            </a:r>
-            <a:r>
-              <a:rPr lang="fr-FR" sz="1800" dirty="0">
-                <a:solidFill>
-                  <a:schemeClr val="bg2"/>
-                </a:solidFill>
-              </a:rPr>
-              <a:t>g</a:t>
-            </a:r>
-            <a:r>
-              <a:rPr lang="fr-FR" sz="1800" dirty="0" smtClean="0">
-                <a:solidFill>
-                  <a:schemeClr val="bg2"/>
+              <a:rPr lang="fr-FR" sz="2800" dirty="0">
+                <a:solidFill>
+                  <a:schemeClr val="tx1"/>
+                </a:solidFill>
+              </a:rPr>
+              <a:t>G</a:t>
+            </a:r>
+            <a:r>
+              <a:rPr lang="fr-FR" sz="2800" dirty="0" smtClean="0">
+                <a:solidFill>
+                  <a:schemeClr val="tx1"/>
                 </a:solidFill>
               </a:rPr>
               <a:t>estionnaire de versions, domaine de recherche</a:t>
             </a:r>
             <a:r>
-              <a:rPr lang="fr-FR" sz="1800" dirty="0" smtClean="0">
-                <a:solidFill>
-                  <a:schemeClr val="bg2"/>
+              <a:rPr lang="fr-FR" sz="2800" dirty="0" smtClean="0">
+                <a:solidFill>
+                  <a:schemeClr val="tx1"/>
                 </a:solidFill>
               </a:rPr>
               <a:t>, métriques et renommage</a:t>
             </a:r>
             <a:br>
-              <a:rPr lang="fr-FR" sz="1800" dirty="0" smtClean="0">
-                <a:solidFill>
-                  <a:schemeClr val="bg2"/>
+              <a:rPr lang="fr-FR" sz="2800" dirty="0" smtClean="0">
+                <a:solidFill>
+                  <a:schemeClr val="tx1"/>
                 </a:solidFill>
               </a:rPr>
             </a:br>
-            <a:endParaRPr lang="fr-FR" sz="1800" dirty="0" smtClean="0">
+            <a:endParaRPr lang="fr-FR" sz="2800" dirty="0">
               <a:solidFill>
-                <a:schemeClr val="bg2"/>
+                <a:schemeClr val="tx1"/>
               </a:solidFill>
             </a:endParaRPr>
           </a:p>
@@ -8218,40 +7977,36 @@
               <a:buChar char="•"/>
             </a:pPr>
             <a:r>
-              <a:rPr lang="fr-FR" dirty="0"/>
-              <a:t>Problématique </a:t>
-            </a:r>
-            <a:r>
-              <a:rPr lang="fr-FR" sz="1800" dirty="0">
-                <a:solidFill>
-                  <a:schemeClr val="bg2"/>
-                </a:solidFill>
-              </a:rPr>
-              <a:t>du </a:t>
-            </a:r>
-            <a:r>
-              <a:rPr lang="fr-FR" sz="1800" dirty="0" smtClean="0">
-                <a:solidFill>
-                  <a:schemeClr val="bg2"/>
-                </a:solidFill>
-              </a:rPr>
-              <a:t>stage</a:t>
+              <a:rPr lang="fr-FR" sz="2800" dirty="0">
+                <a:solidFill>
+                  <a:schemeClr val="tx1"/>
+                </a:solidFill>
+              </a:rPr>
+              <a:t>Deux </a:t>
+            </a:r>
+            <a:r>
+              <a:rPr lang="fr-FR" sz="2800" dirty="0" smtClean="0">
+                <a:solidFill>
+                  <a:schemeClr val="tx1"/>
+                </a:solidFill>
+              </a:rPr>
+              <a:t>Expérimentations</a:t>
             </a:r>
             <a:br>
-              <a:rPr lang="fr-FR" sz="1800" dirty="0" smtClean="0">
-                <a:solidFill>
-                  <a:schemeClr val="bg2"/>
+              <a:rPr lang="fr-FR" sz="2800" dirty="0" smtClean="0">
+                <a:solidFill>
+                  <a:schemeClr val="tx1"/>
                 </a:solidFill>
               </a:rPr>
             </a:br>
-            <a:endParaRPr lang="fr-FR" sz="1800" dirty="0">
+            <a:endParaRPr lang="fr-FR" sz="2800" dirty="0">
               <a:solidFill>
-                <a:schemeClr val="bg2"/>
+                <a:schemeClr val="tx1"/>
               </a:solidFill>
             </a:endParaRPr>
           </a:p>
           <a:p>
-            <a:pPr marL="514350" indent="-514350">
+            <a:pPr marL="457200" indent="-457200">
               <a:spcBef>
                 <a:spcPts val="0"/>
               </a:spcBef>
@@ -8259,86 +8014,24 @@
               <a:buChar char="•"/>
             </a:pPr>
             <a:r>
-              <a:rPr lang="fr-FR" dirty="0"/>
-              <a:t>Deux </a:t>
-            </a:r>
-            <a:r>
-              <a:rPr lang="fr-FR" dirty="0" smtClean="0"/>
-              <a:t>Expérimentations,</a:t>
-            </a:r>
-            <a:r>
-              <a:rPr lang="fr-FR" sz="1800" dirty="0" smtClean="0">
-                <a:solidFill>
-                  <a:schemeClr val="bg2"/>
-                </a:solidFill>
-              </a:rPr>
-              <a:t> méthodologie</a:t>
-            </a:r>
-            <a:br>
-              <a:rPr lang="fr-FR" sz="1800" dirty="0" smtClean="0">
-                <a:solidFill>
-                  <a:schemeClr val="bg2"/>
-                </a:solidFill>
-              </a:rPr>
-            </a:br>
-            <a:endParaRPr lang="fr-FR" sz="1800" dirty="0" smtClean="0">
+              <a:rPr lang="fr-FR" sz="2800" dirty="0">
+                <a:solidFill>
+                  <a:schemeClr val="tx1"/>
+                </a:solidFill>
+              </a:rPr>
+              <a:t>R</a:t>
+            </a:r>
+            <a:r>
+              <a:rPr lang="fr-FR" sz="2800" dirty="0" smtClean="0">
+                <a:solidFill>
+                  <a:schemeClr val="tx1"/>
+                </a:solidFill>
+              </a:rPr>
+              <a:t>ecommandations aux développeurs et chercheurs</a:t>
+            </a:r>
+            <a:endParaRPr sz="2800" dirty="0">
               <a:solidFill>
-                <a:schemeClr val="bg2"/>
-              </a:solidFill>
-            </a:endParaRPr>
-          </a:p>
-          <a:p>
-            <a:pPr marL="514350" indent="-514350">
-              <a:spcBef>
-                <a:spcPts val="0"/>
-              </a:spcBef>
-              <a:buFont typeface="Arial" panose="020B0604020202020204" pitchFamily="34" charset="0"/>
-              <a:buChar char="•"/>
-            </a:pPr>
-            <a:r>
-              <a:rPr lang="fr-FR" dirty="0" smtClean="0"/>
-              <a:t>Résultats</a:t>
-            </a:r>
-            <a:r>
-              <a:rPr lang="fr-FR" sz="1800" dirty="0" smtClean="0">
-                <a:solidFill>
-                  <a:schemeClr val="bg2"/>
-                </a:solidFill>
-              </a:rPr>
-              <a:t/>
-            </a:r>
-            <a:br>
-              <a:rPr lang="fr-FR" sz="1800" dirty="0" smtClean="0">
-                <a:solidFill>
-                  <a:schemeClr val="bg2"/>
-                </a:solidFill>
-              </a:rPr>
-            </a:br>
-            <a:endParaRPr lang="fr-FR" dirty="0"/>
-          </a:p>
-          <a:p>
-            <a:pPr marL="514350" indent="-514350">
-              <a:spcBef>
-                <a:spcPts val="0"/>
-              </a:spcBef>
-              <a:buFont typeface="Arial" panose="020B0604020202020204" pitchFamily="34" charset="0"/>
-              <a:buChar char="•"/>
-            </a:pPr>
-            <a:r>
-              <a:rPr lang="fr-FR" dirty="0"/>
-              <a:t>Conclusion</a:t>
-            </a:r>
-            <a:r>
-              <a:rPr lang="fr-FR" sz="1800" dirty="0" smtClean="0">
-                <a:solidFill>
-                  <a:schemeClr val="bg2"/>
-                </a:solidFill>
-              </a:rPr>
-              <a:t> et recommandations aux développeurs et chercheurs</a:t>
-            </a:r>
-            <a:endParaRPr sz="1800" dirty="0">
-              <a:solidFill>
-                <a:schemeClr val="bg2"/>
+                <a:schemeClr val="tx1"/>
               </a:solidFill>
             </a:endParaRPr>
           </a:p>
@@ -8397,7 +8090,7 @@
   <p:cSld>
     <p:spTree>
       <p:nvGrpSpPr>
-        <p:cNvPr id="1" name=""/>
+        <p:cNvPr id="1" name="Shape 144"/>
         <p:cNvGrpSpPr/>
         <p:nvPr/>
       </p:nvGrpSpPr>
@@ -8411,66 +8104,42 @@
       </p:grpSpPr>
       <p:sp>
         <p:nvSpPr>
-          <p:cNvPr id="2" name="Title 1"/>
-          <p:cNvSpPr>
+          <p:cNvPr id="145" name="Shape 145"/>
+          <p:cNvSpPr txBox="1">
             <a:spLocks noGrp="1"/>
           </p:cNvSpPr>
           <p:nvPr>
             <p:ph type="title"/>
           </p:nvPr>
         </p:nvSpPr>
-        <p:spPr/>
+        <p:spPr>
+          <a:xfrm>
+            <a:off x="457200" y="274637"/>
+            <a:ext cx="8229600" cy="1143200"/>
+          </a:xfrm>
+          <a:prstGeom prst="rect">
+            <a:avLst/>
+          </a:prstGeom>
+        </p:spPr>
         <p:txBody>
           <a:bodyPr lIns="91425" tIns="91425" rIns="91425" bIns="91425" anchor="ctr" anchorCtr="0">
             <a:noAutofit/>
           </a:bodyPr>
           <a:lstStyle/>
           <a:p>
-            <a:r>
-              <a:rPr lang="fr-FR" dirty="0"/>
-              <a:t>Résultats </a:t>
-            </a:r>
-            <a:r>
-              <a:rPr lang="fr-FR" sz="1400" dirty="0">
-                <a:solidFill>
-                  <a:schemeClr val="bg2"/>
-                </a:solidFill>
-              </a:rPr>
-              <a:t>deuxième expérience</a:t>
-            </a:r>
-          </a:p>
-        </p:txBody>
-      </p:sp>
-      <p:pic>
-        <p:nvPicPr>
-          <p:cNvPr id="4" name="Picture 3"/>
-          <p:cNvPicPr>
-            <a:picLocks noChangeAspect="1"/>
-          </p:cNvPicPr>
-          <p:nvPr/>
-        </p:nvPicPr>
-        <p:blipFill>
-          <a:blip r:embed="rId2">
-            <a:extLst>
-              <a:ext uri="{28A0092B-C50C-407E-A947-70E740481C1C}">
-                <a14:useLocalDpi xmlns:a14="http://schemas.microsoft.com/office/drawing/2010/main" val="0"/>
-              </a:ext>
-            </a:extLst>
-          </a:blip>
-          <a:stretch>
-            <a:fillRect/>
-          </a:stretch>
-        </p:blipFill>
-        <p:spPr>
-          <a:xfrm>
-            <a:off x="1187624" y="2555618"/>
-            <a:ext cx="6768752" cy="3534327"/>
-          </a:xfrm>
-          <a:prstGeom prst="rect">
-            <a:avLst/>
-          </a:prstGeom>
-        </p:spPr>
-      </p:pic>
+            <a:pPr>
+              <a:spcBef>
+                <a:spcPts val="0"/>
+              </a:spcBef>
+              <a:buNone/>
+            </a:pPr>
+            <a:r>
+              <a:rPr lang="fr" dirty="0"/>
+              <a:t>Conclusion</a:t>
+            </a:r>
+          </a:p>
+        </p:txBody>
+      </p:sp>
       <p:sp>
         <p:nvSpPr>
           <p:cNvPr id="5" name="TextBox 4"/>
@@ -8479,8 +8148,8 @@
         </p:nvSpPr>
         <p:spPr>
           <a:xfrm>
-            <a:off x="1475656" y="1796818"/>
-            <a:ext cx="6120680" cy="369332"/>
+            <a:off x="683568" y="2996952"/>
+            <a:ext cx="7560840" cy="1477328"/>
           </a:xfrm>
           <a:prstGeom prst="rect">
             <a:avLst/>
@@ -8494,83 +8163,64 @@
           <a:lstStyle/>
           <a:p>
             <a:r>
+              <a:rPr lang="fr-FR" sz="1800" b="1" dirty="0" smtClean="0"/>
+              <a:t>Les recommandations :</a:t>
+            </a:r>
+            <a:endParaRPr lang="fr-FR" sz="1800" b="1" dirty="0"/>
+          </a:p>
+          <a:p>
+            <a:pPr marL="285750" indent="-285750">
+              <a:buFont typeface="Arial" panose="020B0604020202020204" pitchFamily="34" charset="0"/>
+              <a:buChar char="•"/>
+            </a:pPr>
+            <a:r>
               <a:rPr lang="fr-FR" sz="1800" dirty="0" smtClean="0"/>
-              <a:t>Coefficient de corrélation de Spearman :</a:t>
+              <a:t>Périodes initiales</a:t>
+            </a:r>
+          </a:p>
+          <a:p>
+            <a:pPr marL="285750" indent="-285750">
+              <a:buFont typeface="Arial" panose="020B0604020202020204" pitchFamily="34" charset="0"/>
+              <a:buChar char="•"/>
+            </a:pPr>
+            <a:r>
+              <a:rPr lang="fr-FR" sz="1800" dirty="0" smtClean="0"/>
+              <a:t>Utiliser un algorithme de détection de renommage, Git à défaut</a:t>
+            </a:r>
+          </a:p>
+          <a:p>
+            <a:pPr marL="285750" indent="-285750">
+              <a:buFont typeface="Arial" panose="020B0604020202020204" pitchFamily="34" charset="0"/>
+              <a:buChar char="•"/>
+            </a:pPr>
+            <a:r>
+              <a:rPr lang="fr-FR" sz="1800" dirty="0" smtClean="0"/>
+              <a:t>Attention au niveau de granularité</a:t>
+            </a:r>
+          </a:p>
+          <a:p>
+            <a:pPr marL="285750" indent="-285750">
+              <a:buFont typeface="Arial" panose="020B0604020202020204" pitchFamily="34" charset="0"/>
+              <a:buChar char="•"/>
+            </a:pPr>
+            <a:r>
+              <a:rPr lang="fr-FR" sz="1800" dirty="0" smtClean="0"/>
+              <a:t>Le renommage dans les prochaines études</a:t>
             </a:r>
             <a:endParaRPr lang="fr-FR" sz="1800" dirty="0"/>
           </a:p>
         </p:txBody>
       </p:sp>
-      <p:cxnSp>
-        <p:nvCxnSpPr>
-          <p:cNvPr id="7" name="Straight Connector 6"/>
-          <p:cNvCxnSpPr/>
-          <p:nvPr/>
-        </p:nvCxnSpPr>
-        <p:spPr>
-          <a:xfrm>
-            <a:off x="4868664" y="2660915"/>
-            <a:ext cx="0" cy="3342053"/>
-          </a:xfrm>
-          <a:prstGeom prst="line">
-            <a:avLst/>
-          </a:prstGeom>
-        </p:spPr>
-        <p:style>
-          <a:lnRef idx="1">
-            <a:schemeClr val="dk1"/>
-          </a:lnRef>
-          <a:fillRef idx="0">
-            <a:schemeClr val="dk1"/>
-          </a:fillRef>
-          <a:effectRef idx="0">
-            <a:schemeClr val="dk1"/>
-          </a:effectRef>
-          <a:fontRef idx="minor">
-            <a:schemeClr val="tx1"/>
-          </a:fontRef>
-        </p:style>
-      </p:cxnSp>
-      <p:cxnSp>
-        <p:nvCxnSpPr>
-          <p:cNvPr id="9" name="Straight Connector 8"/>
-          <p:cNvCxnSpPr/>
-          <p:nvPr/>
-        </p:nvCxnSpPr>
-        <p:spPr>
-          <a:xfrm flipH="1">
-            <a:off x="4868664" y="3242724"/>
-            <a:ext cx="72008" cy="0"/>
-          </a:xfrm>
-          <a:prstGeom prst="line">
-            <a:avLst/>
-          </a:prstGeom>
-        </p:spPr>
-        <p:style>
-          <a:lnRef idx="1">
-            <a:schemeClr val="dk1"/>
-          </a:lnRef>
-          <a:fillRef idx="0">
-            <a:schemeClr val="dk1"/>
-          </a:fillRef>
-          <a:effectRef idx="0">
-            <a:schemeClr val="dk1"/>
-          </a:effectRef>
-          <a:fontRef idx="minor">
-            <a:schemeClr val="tx1"/>
-          </a:fontRef>
-        </p:style>
-      </p:cxnSp>
-      <p:sp>
-        <p:nvSpPr>
-          <p:cNvPr id="8" name="TextBox 7"/>
+      <p:sp>
+        <p:nvSpPr>
+          <p:cNvPr id="6" name="TextBox 5"/>
           <p:cNvSpPr txBox="1"/>
           <p:nvPr/>
         </p:nvSpPr>
         <p:spPr>
           <a:xfrm>
-            <a:off x="8748464" y="6550223"/>
-            <a:ext cx="395536" cy="307777"/>
+            <a:off x="683568" y="4869160"/>
+            <a:ext cx="7200800" cy="923330"/>
           </a:xfrm>
           <a:prstGeom prst="rect">
             <a:avLst/>
@@ -8584,27 +8234,173 @@
           <a:lstStyle/>
           <a:p>
             <a:r>
-              <a:rPr lang="fr-FR" dirty="0"/>
-              <a:t>2</a:t>
-            </a:r>
+              <a:rPr lang="fr-FR" sz="1800" b="1" dirty="0" smtClean="0"/>
+              <a:t>Prochaine étapes: </a:t>
+            </a:r>
+          </a:p>
+          <a:p>
+            <a:pPr marL="285750" indent="-285750">
+              <a:buFont typeface="Arial" panose="020B0604020202020204" pitchFamily="34" charset="0"/>
+              <a:buChar char="•"/>
+            </a:pPr>
+            <a:r>
+              <a:rPr lang="fr-FR" sz="1800" dirty="0"/>
+              <a:t>E</a:t>
+            </a:r>
+            <a:r>
+              <a:rPr lang="fr-FR" sz="1800" dirty="0" smtClean="0"/>
+              <a:t>valuer la précision des algorithmes de détection de renommage</a:t>
+            </a:r>
+          </a:p>
+          <a:p>
+            <a:pPr marL="285750" indent="-285750">
+              <a:buFont typeface="Arial" panose="020B0604020202020204" pitchFamily="34" charset="0"/>
+              <a:buChar char="•"/>
+            </a:pPr>
+            <a:r>
+              <a:rPr lang="fr-FR" sz="1800" dirty="0" smtClean="0"/>
+              <a:t>Etude des split et </a:t>
+            </a:r>
+            <a:r>
+              <a:rPr lang="fr-FR" sz="1800" dirty="0" err="1" smtClean="0"/>
+              <a:t>merge</a:t>
+            </a:r>
+            <a:r>
+              <a:rPr lang="fr-FR" sz="1800" dirty="0" smtClean="0"/>
+              <a:t> d’entités</a:t>
+            </a:r>
+            <a:endParaRPr lang="fr-FR" sz="1800" dirty="0"/>
+          </a:p>
+        </p:txBody>
+      </p:sp>
+      <p:sp>
+        <p:nvSpPr>
+          <p:cNvPr id="2" name="TextBox 1"/>
+          <p:cNvSpPr txBox="1"/>
+          <p:nvPr/>
+        </p:nvSpPr>
+        <p:spPr>
+          <a:xfrm>
+            <a:off x="683568" y="1700808"/>
+            <a:ext cx="6840760" cy="923330"/>
+          </a:xfrm>
+          <a:prstGeom prst="rect">
+            <a:avLst/>
+          </a:prstGeom>
+          <a:noFill/>
+        </p:spPr>
+        <p:txBody>
+          <a:bodyPr wrap="square" rtlCol="0">
+            <a:spAutoFit/>
+          </a:bodyPr>
+          <a:lstStyle/>
+          <a:p>
+            <a:r>
+              <a:rPr lang="fr-FR" sz="1800" b="1" dirty="0">
+                <a:solidFill>
+                  <a:schemeClr val="tx1"/>
+                </a:solidFill>
+              </a:rPr>
+              <a:t>Le </a:t>
+            </a:r>
+            <a:r>
+              <a:rPr lang="fr-FR" sz="1800" b="1" dirty="0" smtClean="0">
+                <a:solidFill>
+                  <a:schemeClr val="tx1"/>
+                </a:solidFill>
+              </a:rPr>
+              <a:t>renommage : </a:t>
+            </a:r>
+          </a:p>
+          <a:p>
+            <a:pPr marL="285750" indent="-285750">
+              <a:buFont typeface="Arial" panose="020B0604020202020204" pitchFamily="34" charset="0"/>
+              <a:buChar char="•"/>
+            </a:pPr>
+            <a:r>
+              <a:rPr lang="fr-FR" sz="1800" dirty="0" smtClean="0"/>
+              <a:t>Jusqu’à </a:t>
+            </a:r>
+            <a:r>
+              <a:rPr lang="fr-FR" sz="1800" b="1" dirty="0" smtClean="0"/>
+              <a:t>100</a:t>
+            </a:r>
+            <a:r>
+              <a:rPr lang="fr-FR" sz="1800" b="1" dirty="0"/>
+              <a:t>% </a:t>
+            </a:r>
+            <a:r>
+              <a:rPr lang="fr-FR" sz="1800" dirty="0"/>
+              <a:t>des fichiers d’un </a:t>
+            </a:r>
+            <a:r>
+              <a:rPr lang="fr-FR" sz="1800" dirty="0" smtClean="0"/>
+              <a:t>projet.</a:t>
+            </a:r>
+          </a:p>
+          <a:p>
+            <a:pPr marL="285750" indent="-285750">
+              <a:buFont typeface="Arial" panose="020B0604020202020204" pitchFamily="34" charset="0"/>
+              <a:buChar char="•"/>
+            </a:pPr>
+            <a:r>
+              <a:rPr lang="fr-FR" sz="1800" b="1" dirty="0" smtClean="0"/>
+              <a:t>Fausse</a:t>
+            </a:r>
+            <a:r>
+              <a:rPr lang="fr-FR" sz="1800" dirty="0" smtClean="0"/>
+              <a:t> </a:t>
+            </a:r>
+            <a:r>
+              <a:rPr lang="fr-FR" sz="1800" dirty="0"/>
+              <a:t>le calcul des </a:t>
+            </a:r>
+            <a:r>
+              <a:rPr lang="fr-FR" sz="1800" dirty="0" smtClean="0"/>
+              <a:t>métriques de procédés.</a:t>
+            </a:r>
+            <a:endParaRPr lang="fr-FR" sz="1800" dirty="0"/>
+          </a:p>
+        </p:txBody>
+      </p:sp>
+      <p:sp>
+        <p:nvSpPr>
+          <p:cNvPr id="8" name="TextBox 7"/>
+          <p:cNvSpPr txBox="1"/>
+          <p:nvPr/>
+        </p:nvSpPr>
+        <p:spPr>
+          <a:xfrm>
+            <a:off x="8748464" y="6550223"/>
+            <a:ext cx="395536" cy="307777"/>
+          </a:xfrm>
+          <a:prstGeom prst="rect">
+            <a:avLst/>
+          </a:prstGeom>
+          <a:noFill/>
+        </p:spPr>
+        <p:txBody>
+          <a:bodyPr wrap="square" rtlCol="0">
+            <a:spAutoFit/>
+          </a:bodyPr>
+          <a:lstStyle/>
+          <a:p>
             <a:r>
               <a:rPr lang="fr-FR" dirty="0" smtClean="0"/>
-              <a:t>0</a:t>
+              <a:t>20</a:t>
             </a:r>
             <a:endParaRPr lang="fr-FR" dirty="0" smtClean="0"/>
           </a:p>
         </p:txBody>
       </p:sp>
     </p:spTree>
-    <p:extLst>
-      <p:ext uri="{BB962C8B-B14F-4D97-AF65-F5344CB8AC3E}">
-        <p14:creationId xmlns:p14="http://schemas.microsoft.com/office/powerpoint/2010/main" val="1666827742"/>
-      </p:ext>
-    </p:extLst>
   </p:cSld>
   <p:clrMapOvr>
     <a:masterClrMapping/>
   </p:clrMapOvr>
+  <p:transition spd="slow">
+    <p:cut/>
+  </p:transition>
   <p:timing>
     <p:tnLst>
       <p:par>
@@ -8657,29 +8453,87 @@
           </a:bodyPr>
           <a:lstStyle/>
           <a:p>
-            <a:pPr>
+            <a:pPr algn="ctr">
               <a:spcBef>
                 <a:spcPts val="0"/>
               </a:spcBef>
               <a:buNone/>
             </a:pPr>
             <a:r>
-              <a:rPr lang="fr" dirty="0"/>
-              <a:t>Conclusion</a:t>
-            </a:r>
-          </a:p>
-        </p:txBody>
-      </p:sp>
-      <p:sp>
-        <p:nvSpPr>
-          <p:cNvPr id="5" name="TextBox 4"/>
+              <a:rPr lang="fr" dirty="0" smtClean="0"/>
+              <a:t>Annexe A</a:t>
+            </a:r>
+            <a:endParaRPr lang="fr" dirty="0"/>
+          </a:p>
+        </p:txBody>
+      </p:sp>
+      <p:sp>
+        <p:nvSpPr>
+          <p:cNvPr id="146" name="Shape 146"/>
+          <p:cNvSpPr txBox="1">
+            <a:spLocks noGrp="1"/>
+          </p:cNvSpPr>
+          <p:nvPr>
+            <p:ph type="body" idx="1"/>
+          </p:nvPr>
+        </p:nvSpPr>
+        <p:spPr>
+          <a:xfrm>
+            <a:off x="457200" y="1600201"/>
+            <a:ext cx="8229600" cy="4967599"/>
+          </a:xfrm>
+          <a:prstGeom prst="rect">
+            <a:avLst/>
+          </a:prstGeom>
+        </p:spPr>
+        <p:txBody>
+          <a:bodyPr lIns="91425" tIns="91425" rIns="91425" bIns="91425" anchor="t" anchorCtr="0">
+            <a:noAutofit/>
+          </a:bodyPr>
+          <a:lstStyle/>
+          <a:p>
+            <a:pPr lvl="0" rtl="0">
+              <a:spcBef>
+                <a:spcPts val="0"/>
+              </a:spcBef>
+              <a:buNone/>
+            </a:pPr>
+            <a:r>
+              <a:rPr lang="fr-FR" dirty="0" smtClean="0"/>
+              <a:t>Analyses des études antérieures</a:t>
+            </a:r>
+            <a:endParaRPr lang="fr" dirty="0" smtClean="0"/>
+          </a:p>
+          <a:p>
+            <a:pPr lvl="0" rtl="0">
+              <a:spcBef>
+                <a:spcPts val="0"/>
+              </a:spcBef>
+              <a:buNone/>
+            </a:pPr>
+            <a:endParaRPr lang="fr" dirty="0"/>
+          </a:p>
+          <a:p>
+            <a:pPr lvl="0" rtl="0">
+              <a:spcBef>
+                <a:spcPts val="0"/>
+              </a:spcBef>
+              <a:buNone/>
+            </a:pPr>
+            <a:endParaRPr lang="fr" dirty="0"/>
+          </a:p>
+        </p:txBody>
+      </p:sp>
+      <p:sp>
+        <p:nvSpPr>
+          <p:cNvPr id="4" name="TextBox 3"/>
           <p:cNvSpPr txBox="1"/>
           <p:nvPr/>
         </p:nvSpPr>
         <p:spPr>
           <a:xfrm>
-            <a:off x="683568" y="2996952"/>
-            <a:ext cx="7560840" cy="1477328"/>
+            <a:off x="8748464" y="6550223"/>
+            <a:ext cx="395536" cy="307777"/>
           </a:xfrm>
           <a:prstGeom prst="rect">
             <a:avLst/>
@@ -8693,221 +8547,6 @@
           <a:lstStyle/>
           <a:p>
             <a:r>
-              <a:rPr lang="fr-FR" sz="1800" b="1" dirty="0" smtClean="0"/>
-              <a:t>Les recommandations :</a:t>
-            </a:r>
-            <a:endParaRPr lang="fr-FR" sz="1800" b="1" dirty="0"/>
-          </a:p>
-          <a:p>
-            <a:pPr marL="285750" indent="-285750">
-              <a:buFont typeface="Arial" panose="020B0604020202020204" pitchFamily="34" charset="0"/>
-              <a:buChar char="•"/>
-            </a:pPr>
-            <a:r>
-              <a:rPr lang="fr-FR" sz="1800" dirty="0" smtClean="0"/>
-              <a:t>Périodes initiales</a:t>
-            </a:r>
-          </a:p>
-          <a:p>
-            <a:pPr marL="285750" indent="-285750">
-              <a:buFont typeface="Arial" panose="020B0604020202020204" pitchFamily="34" charset="0"/>
-              <a:buChar char="•"/>
-            </a:pPr>
-            <a:r>
-              <a:rPr lang="fr-FR" sz="1800" dirty="0" smtClean="0"/>
-              <a:t>Utiliser un algorithme de détection de renommage, Git à défaut</a:t>
-            </a:r>
-          </a:p>
-          <a:p>
-            <a:pPr marL="285750" indent="-285750">
-              <a:buFont typeface="Arial" panose="020B0604020202020204" pitchFamily="34" charset="0"/>
-              <a:buChar char="•"/>
-            </a:pPr>
-            <a:r>
-              <a:rPr lang="fr-FR" sz="1800" dirty="0" smtClean="0"/>
-              <a:t>Attention au niveau de granularité</a:t>
-            </a:r>
-          </a:p>
-          <a:p>
-            <a:pPr marL="285750" indent="-285750">
-              <a:buFont typeface="Arial" panose="020B0604020202020204" pitchFamily="34" charset="0"/>
-              <a:buChar char="•"/>
-            </a:pPr>
-            <a:r>
-              <a:rPr lang="fr-FR" sz="1800" dirty="0" smtClean="0"/>
-              <a:t>Le renommage dans les prochaines études</a:t>
-            </a:r>
-            <a:endParaRPr lang="fr-FR" sz="1800" dirty="0"/>
-          </a:p>
-        </p:txBody>
-      </p:sp>
-      <p:sp>
-        <p:nvSpPr>
-          <p:cNvPr id="6" name="TextBox 5"/>
-          <p:cNvSpPr txBox="1"/>
-          <p:nvPr/>
-        </p:nvSpPr>
-        <p:spPr>
-          <a:xfrm>
-            <a:off x="683568" y="4869160"/>
-            <a:ext cx="7200800" cy="923330"/>
-          </a:xfrm>
-          <a:prstGeom prst="rect">
-            <a:avLst/>
-          </a:prstGeom>
-          <a:noFill/>
-        </p:spPr>
-        <p:txBody>
-          <a:bodyPr wrap="square" rtlCol="0">
-            <a:spAutoFit/>
-          </a:bodyPr>
-          <a:lstStyle/>
-          <a:p>
-            <a:r>
-              <a:rPr lang="fr-FR" sz="1800" b="1" dirty="0" smtClean="0"/>
-              <a:t>Prochaine étapes: </a:t>
-            </a:r>
-          </a:p>
-          <a:p>
-            <a:pPr marL="285750" indent="-285750">
-              <a:buFont typeface="Arial" panose="020B0604020202020204" pitchFamily="34" charset="0"/>
-              <a:buChar char="•"/>
-            </a:pPr>
-            <a:r>
-              <a:rPr lang="fr-FR" sz="1800" dirty="0"/>
-              <a:t>E</a:t>
-            </a:r>
-            <a:r>
-              <a:rPr lang="fr-FR" sz="1800" dirty="0" smtClean="0"/>
-              <a:t>valuer la précision des algorithmes de détection de renommage</a:t>
-            </a:r>
-          </a:p>
-          <a:p>
-            <a:pPr marL="285750" indent="-285750">
-              <a:buFont typeface="Arial" panose="020B0604020202020204" pitchFamily="34" charset="0"/>
-              <a:buChar char="•"/>
-            </a:pPr>
-            <a:r>
-              <a:rPr lang="fr-FR" sz="1800" dirty="0" smtClean="0"/>
-              <a:t>Etude des split et </a:t>
-            </a:r>
-            <a:r>
-              <a:rPr lang="fr-FR" sz="1800" dirty="0" err="1" smtClean="0"/>
-              <a:t>merge</a:t>
-            </a:r>
-            <a:r>
-              <a:rPr lang="fr-FR" sz="1800" dirty="0" smtClean="0"/>
-              <a:t> d’entités</a:t>
-            </a:r>
-            <a:endParaRPr lang="fr-FR" sz="1800" dirty="0"/>
-          </a:p>
-        </p:txBody>
-      </p:sp>
-      <p:sp>
-        <p:nvSpPr>
-          <p:cNvPr id="2" name="TextBox 1"/>
-          <p:cNvSpPr txBox="1"/>
-          <p:nvPr/>
-        </p:nvSpPr>
-        <p:spPr>
-          <a:xfrm>
-            <a:off x="683568" y="1700808"/>
-            <a:ext cx="6840760" cy="923330"/>
-          </a:xfrm>
-          <a:prstGeom prst="rect">
-            <a:avLst/>
-          </a:prstGeom>
-          <a:noFill/>
-        </p:spPr>
-        <p:txBody>
-          <a:bodyPr wrap="square" rtlCol="0">
-            <a:spAutoFit/>
-          </a:bodyPr>
-          <a:lstStyle/>
-          <a:p>
-            <a:r>
-              <a:rPr lang="fr-FR" sz="1800" b="1" dirty="0">
-                <a:solidFill>
-                  <a:schemeClr val="tx1"/>
-                </a:solidFill>
-              </a:rPr>
-              <a:t>Le </a:t>
-            </a:r>
-            <a:r>
-              <a:rPr lang="fr-FR" sz="1800" b="1" dirty="0" smtClean="0">
-                <a:solidFill>
-                  <a:schemeClr val="tx1"/>
-                </a:solidFill>
-              </a:rPr>
-              <a:t>renommage : </a:t>
-            </a:r>
-          </a:p>
-          <a:p>
-            <a:pPr marL="285750" indent="-285750">
-              <a:buFont typeface="Arial" panose="020B0604020202020204" pitchFamily="34" charset="0"/>
-              <a:buChar char="•"/>
-            </a:pPr>
-            <a:r>
-              <a:rPr lang="fr-FR" sz="1800" dirty="0" smtClean="0"/>
-              <a:t>Jusqu’à 100</a:t>
-            </a:r>
-            <a:r>
-              <a:rPr lang="fr-FR" sz="1800" dirty="0"/>
-              <a:t>% des fichiers d’un </a:t>
-            </a:r>
-            <a:r>
-              <a:rPr lang="fr-FR" sz="1800" dirty="0" smtClean="0"/>
-              <a:t>projet.</a:t>
-            </a:r>
-          </a:p>
-          <a:p>
-            <a:pPr marL="285750" indent="-285750">
-              <a:buFont typeface="Arial" panose="020B0604020202020204" pitchFamily="34" charset="0"/>
-              <a:buChar char="•"/>
-            </a:pPr>
-            <a:r>
-              <a:rPr lang="fr-FR" sz="1800" dirty="0"/>
-              <a:t>F</a:t>
-            </a:r>
-            <a:r>
-              <a:rPr lang="fr-FR" sz="1800" dirty="0" smtClean="0"/>
-              <a:t>ausse </a:t>
-            </a:r>
-            <a:r>
-              <a:rPr lang="fr-FR" sz="1800" dirty="0"/>
-              <a:t>complétement le calcul des </a:t>
-            </a:r>
-            <a:r>
-              <a:rPr lang="fr-FR" sz="1800" dirty="0" smtClean="0"/>
-              <a:t>métriques de procédés.</a:t>
-            </a:r>
-            <a:endParaRPr lang="fr-FR" sz="1800" dirty="0"/>
-          </a:p>
-        </p:txBody>
-      </p:sp>
-      <p:sp>
-        <p:nvSpPr>
-          <p:cNvPr id="8" name="TextBox 7"/>
-          <p:cNvSpPr txBox="1"/>
-          <p:nvPr/>
-        </p:nvSpPr>
-        <p:spPr>
-          <a:xfrm>
-            <a:off x="8748464" y="6550223"/>
-            <a:ext cx="395536" cy="307777"/>
-          </a:xfrm>
-          <a:prstGeom prst="rect">
-            <a:avLst/>
-          </a:prstGeom>
-          <a:noFill/>
-        </p:spPr>
-        <p:txBody>
-          <a:bodyPr wrap="square" rtlCol="0">
-            <a:spAutoFit/>
-          </a:bodyPr>
-          <a:lstStyle/>
-          <a:p>
-            <a:r>
               <a:rPr lang="fr-FR" dirty="0" smtClean="0"/>
               <a:t>21</a:t>
             </a:r>
@@ -8916,6 +8555,11 @@
         </p:txBody>
       </p:sp>
     </p:spTree>
+    <p:extLst>
+      <p:ext uri="{BB962C8B-B14F-4D97-AF65-F5344CB8AC3E}">
+        <p14:creationId xmlns:p14="http://schemas.microsoft.com/office/powerpoint/2010/main" val="2504392531"/>
+      </p:ext>
+    </p:extLst>
   </p:cSld>
   <p:clrMapOvr>
     <a:masterClrMapping/>
@@ -8983,172 +8627,6 @@
             </a:pPr>
             <a:r>
               <a:rPr lang="fr" dirty="0" smtClean="0"/>
-              <a:t>Annexe A</a:t>
-            </a:r>
-            <a:endParaRPr lang="fr" dirty="0"/>
-          </a:p>
-        </p:txBody>
-      </p:sp>
-      <p:sp>
-        <p:nvSpPr>
-          <p:cNvPr id="146" name="Shape 146"/>
-          <p:cNvSpPr txBox="1">
-            <a:spLocks noGrp="1"/>
-          </p:cNvSpPr>
-          <p:nvPr>
-            <p:ph type="body" idx="1"/>
-          </p:nvPr>
-        </p:nvSpPr>
-        <p:spPr>
-          <a:xfrm>
-            <a:off x="457200" y="1600201"/>
-            <a:ext cx="8229600" cy="4967599"/>
-          </a:xfrm>
-          <a:prstGeom prst="rect">
-            <a:avLst/>
-          </a:prstGeom>
-        </p:spPr>
-        <p:txBody>
-          <a:bodyPr lIns="91425" tIns="91425" rIns="91425" bIns="91425" anchor="t" anchorCtr="0">
-            <a:noAutofit/>
-          </a:bodyPr>
-          <a:lstStyle/>
-          <a:p>
-            <a:pPr lvl="0" rtl="0">
-              <a:spcBef>
-                <a:spcPts val="0"/>
-              </a:spcBef>
-              <a:buNone/>
-            </a:pPr>
-            <a:r>
-              <a:rPr lang="fr-FR" dirty="0" smtClean="0"/>
-              <a:t>Analyses des études antérieures</a:t>
-            </a:r>
-            <a:endParaRPr lang="fr" dirty="0" smtClean="0"/>
-          </a:p>
-          <a:p>
-            <a:pPr lvl="0" rtl="0">
-              <a:spcBef>
-                <a:spcPts val="0"/>
-              </a:spcBef>
-              <a:buNone/>
-            </a:pPr>
-            <a:endParaRPr lang="fr" dirty="0"/>
-          </a:p>
-          <a:p>
-            <a:pPr lvl="0" rtl="0">
-              <a:spcBef>
-                <a:spcPts val="0"/>
-              </a:spcBef>
-              <a:buNone/>
-            </a:pPr>
-            <a:endParaRPr lang="fr" dirty="0"/>
-          </a:p>
-        </p:txBody>
-      </p:sp>
-      <p:sp>
-        <p:nvSpPr>
-          <p:cNvPr id="4" name="TextBox 3"/>
-          <p:cNvSpPr txBox="1"/>
-          <p:nvPr/>
-        </p:nvSpPr>
-        <p:spPr>
-          <a:xfrm>
-            <a:off x="8748464" y="6550223"/>
-            <a:ext cx="395536" cy="307777"/>
-          </a:xfrm>
-          <a:prstGeom prst="rect">
-            <a:avLst/>
-          </a:prstGeom>
-          <a:noFill/>
-        </p:spPr>
-        <p:txBody>
-          <a:bodyPr wrap="square" rtlCol="0">
-            <a:spAutoFit/>
-          </a:bodyPr>
-          <a:lstStyle/>
-          <a:p>
-            <a:r>
-              <a:rPr lang="fr-FR" dirty="0" smtClean="0"/>
-              <a:t>22</a:t>
-            </a:r>
-            <a:endParaRPr lang="fr-FR" dirty="0" smtClean="0"/>
-          </a:p>
-        </p:txBody>
-      </p:sp>
-    </p:spTree>
-    <p:extLst>
-      <p:ext uri="{BB962C8B-B14F-4D97-AF65-F5344CB8AC3E}">
-        <p14:creationId xmlns:p14="http://schemas.microsoft.com/office/powerpoint/2010/main" val="2504392531"/>
-      </p:ext>
-    </p:extLst>
-  </p:cSld>
-  <p:clrMapOvr>
-    <a:masterClrMapping/>
-  </p:clrMapOvr>
-  <p:transition spd="slow">
-    <p:cut/>
-  </p:transition>
-  <p:timing>
-    <p:tnLst>
-      <p:par>
-        <p:cTn id="1" dur="indefinite" restart="never" nodeType="tmRoot"/>
-      </p:par>
-    </p:tnLst>
-  </p:timing>
-</p:sld>
-</file>
-
-<file path=ppt/slides/slide23.xml><?xml version="1.0" encoding="utf-8"?>
-<p:sld xmlns:a="http://schemas.openxmlformats.org/drawingml/2006/main" xmlns:r="http://schemas.openxmlformats.org/officeDocument/2006/relationships" xmlns:p="http://schemas.openxmlformats.org/presentationml/2006/main">
-  <p:cSld>
-    <p:spTree>
-      <p:nvGrpSpPr>
-        <p:cNvPr id="1" name="Shape 144"/>
-        <p:cNvGrpSpPr/>
-        <p:nvPr/>
-      </p:nvGrpSpPr>
-      <p:grpSpPr>
-        <a:xfrm>
-          <a:off x="0" y="0"/>
-          <a:ext cx="0" cy="0"/>
-          <a:chOff x="0" y="0"/>
-          <a:chExt cx="0" cy="0"/>
-        </a:xfrm>
-      </p:grpSpPr>
-      <p:sp>
-        <p:nvSpPr>
-          <p:cNvPr id="145" name="Shape 145"/>
-          <p:cNvSpPr txBox="1">
-            <a:spLocks noGrp="1"/>
-          </p:cNvSpPr>
-          <p:nvPr>
-            <p:ph type="title"/>
-          </p:nvPr>
-        </p:nvSpPr>
-        <p:spPr>
-          <a:xfrm>
-            <a:off x="457200" y="274637"/>
-            <a:ext cx="8229600" cy="1143200"/>
-          </a:xfrm>
-          <a:prstGeom prst="rect">
-            <a:avLst/>
-          </a:prstGeom>
-        </p:spPr>
-        <p:txBody>
-          <a:bodyPr lIns="91425" tIns="91425" rIns="91425" bIns="91425" anchor="ctr" anchorCtr="0">
-            <a:noAutofit/>
-          </a:bodyPr>
-          <a:lstStyle/>
-          <a:p>
-            <a:pPr algn="ctr">
-              <a:spcBef>
-                <a:spcPts val="0"/>
-              </a:spcBef>
-              <a:buNone/>
-            </a:pPr>
-            <a:r>
-              <a:rPr lang="fr" dirty="0" smtClean="0"/>
               <a:t>Annexe B</a:t>
             </a:r>
             <a:endParaRPr lang="fr" dirty="0"/>
@@ -9470,7 +8948,7 @@
           <a:p>
             <a:r>
               <a:rPr lang="fr-FR" dirty="0" smtClean="0"/>
-              <a:t>23</a:t>
+              <a:t>22</a:t>
             </a:r>
             <a:endParaRPr lang="fr-FR" dirty="0" smtClean="0"/>
           </a:p>
@@ -9499,7 +8977,7 @@
 </p:sld>
 </file>
 
-<file path=ppt/slides/slide24.xml><?xml version="1.0" encoding="utf-8"?>
+<file path=ppt/slides/slide23.xml><?xml version="1.0" encoding="utf-8"?>
 <p:sld xmlns:a="http://schemas.openxmlformats.org/drawingml/2006/main" xmlns:r="http://schemas.openxmlformats.org/officeDocument/2006/relationships" xmlns:p="http://schemas.openxmlformats.org/presentationml/2006/main">
   <p:cSld>
     <p:spTree>
@@ -9775,7 +9253,7 @@
           <a:p>
             <a:r>
               <a:rPr lang="fr-FR" dirty="0" smtClean="0"/>
-              <a:t>24</a:t>
+              <a:t>23</a:t>
             </a:r>
             <a:endParaRPr lang="fr-FR" dirty="0" smtClean="0"/>
           </a:p>
@@ -9804,7 +9282,7 @@
 </p:sld>
 </file>
 
-<file path=ppt/slides/slide25.xml><?xml version="1.0" encoding="utf-8"?>
+<file path=ppt/slides/slide24.xml><?xml version="1.0" encoding="utf-8"?>
 <p:sld xmlns:a="http://schemas.openxmlformats.org/drawingml/2006/main" xmlns:r="http://schemas.openxmlformats.org/officeDocument/2006/relationships" xmlns:p="http://schemas.openxmlformats.org/presentationml/2006/main">
   <p:cSld>
     <p:spTree>
@@ -10406,7 +9884,7 @@
           <a:p>
             <a:r>
               <a:rPr lang="fr-FR" dirty="0" smtClean="0"/>
-              <a:t>25</a:t>
+              <a:t>24</a:t>
             </a:r>
             <a:endParaRPr lang="fr-FR" dirty="0" smtClean="0"/>
           </a:p>

--- a/presentation/presStageM2.pptx
+++ b/presentation/presStageM2.pptx
@@ -5,33 +5,36 @@
     <p:sldMasterId id="2147483654" r:id="rId1"/>
   </p:sldMasterIdLst>
   <p:notesMasterIdLst>
-    <p:notesMasterId r:id="rId26"/>
+    <p:notesMasterId r:id="rId29"/>
   </p:notesMasterIdLst>
   <p:sldIdLst>
     <p:sldId id="256" r:id="rId2"/>
-    <p:sldId id="257" r:id="rId3"/>
-    <p:sldId id="276" r:id="rId4"/>
+    <p:sldId id="276" r:id="rId3"/>
+    <p:sldId id="292" r:id="rId4"/>
     <p:sldId id="258" r:id="rId5"/>
-    <p:sldId id="259" r:id="rId6"/>
-    <p:sldId id="282" r:id="rId7"/>
-    <p:sldId id="260" r:id="rId8"/>
-    <p:sldId id="261" r:id="rId9"/>
+    <p:sldId id="293" r:id="rId6"/>
+    <p:sldId id="259" r:id="rId7"/>
+    <p:sldId id="282" r:id="rId8"/>
+    <p:sldId id="260" r:id="rId9"/>
     <p:sldId id="274" r:id="rId10"/>
     <p:sldId id="283" r:id="rId11"/>
-    <p:sldId id="265" r:id="rId12"/>
-    <p:sldId id="266" r:id="rId13"/>
-    <p:sldId id="279" r:id="rId14"/>
-    <p:sldId id="267" r:id="rId15"/>
-    <p:sldId id="268" r:id="rId16"/>
-    <p:sldId id="270" r:id="rId17"/>
-    <p:sldId id="284" r:id="rId18"/>
+    <p:sldId id="261" r:id="rId12"/>
+    <p:sldId id="265" r:id="rId13"/>
+    <p:sldId id="266" r:id="rId14"/>
+    <p:sldId id="279" r:id="rId15"/>
+    <p:sldId id="267" r:id="rId16"/>
+    <p:sldId id="268" r:id="rId17"/>
+    <p:sldId id="270" r:id="rId18"/>
     <p:sldId id="272" r:id="rId19"/>
-    <p:sldId id="280" r:id="rId20"/>
-    <p:sldId id="275" r:id="rId21"/>
-    <p:sldId id="287" r:id="rId22"/>
-    <p:sldId id="288" r:id="rId23"/>
-    <p:sldId id="289" r:id="rId24"/>
-    <p:sldId id="290" r:id="rId25"/>
+    <p:sldId id="284" r:id="rId20"/>
+    <p:sldId id="294" r:id="rId21"/>
+    <p:sldId id="280" r:id="rId22"/>
+    <p:sldId id="295" r:id="rId23"/>
+    <p:sldId id="275" r:id="rId24"/>
+    <p:sldId id="287" r:id="rId25"/>
+    <p:sldId id="288" r:id="rId26"/>
+    <p:sldId id="289" r:id="rId27"/>
+    <p:sldId id="290" r:id="rId28"/>
   </p:sldIdLst>
   <p:sldSz cx="9144000" cy="6858000" type="screen4x3"/>
   <p:notesSz cx="6858000" cy="9144000"/>
@@ -607,11 +610,11 @@
 </file>
 
 <file path=ppt/notesSlides/notesSlide10.xml><?xml version="1.0" encoding="utf-8"?>
-<p:notes xmlns:a="http://schemas.openxmlformats.org/drawingml/2006/main" xmlns:r="http://schemas.openxmlformats.org/officeDocument/2006/relationships" xmlns:p="http://schemas.openxmlformats.org/presentationml/2006/main">
+<p:notes xmlns:a="http://schemas.openxmlformats.org/drawingml/2006/main" xmlns:r="http://schemas.openxmlformats.org/officeDocument/2006/relationships" xmlns:p="http://schemas.openxmlformats.org/presentationml/2006/main" showMasterSp="0" showMasterPhAnim="0">
   <p:cSld>
     <p:spTree>
       <p:nvGrpSpPr>
-        <p:cNvPr id="1" name=""/>
+        <p:cNvPr id="1" name="Shape 62"/>
         <p:cNvGrpSpPr/>
         <p:nvPr/>
       </p:nvGrpSpPr>
@@ -625,12 +628,12 @@
       </p:grpSpPr>
       <p:sp>
         <p:nvSpPr>
-          <p:cNvPr id="2" name="Slide Image Placeholder 1"/>
+          <p:cNvPr id="63" name="Shape 63"/>
           <p:cNvSpPr>
             <a:spLocks noGrp="1" noRot="1" noChangeAspect="1"/>
           </p:cNvSpPr>
           <p:nvPr>
-            <p:ph type="sldImg"/>
+            <p:ph type="sldImg" idx="2"/>
           </p:nvPr>
         </p:nvSpPr>
         <p:spPr>
@@ -638,73 +641,132 @@
             <a:off x="1143000" y="685800"/>
             <a:ext cx="4572000" cy="3429000"/>
           </a:xfrm>
-        </p:spPr>
-      </p:sp>
-      <p:sp>
-        <p:nvSpPr>
-          <p:cNvPr id="3" name="Notes Placeholder 2"/>
-          <p:cNvSpPr>
+          <a:custGeom>
+            <a:avLst/>
+            <a:gdLst/>
+            <a:ahLst/>
+            <a:cxnLst/>
+            <a:rect l="0" t="0" r="0" b="0"/>
+            <a:pathLst>
+              <a:path w="120000" h="120000" extrusionOk="0">
+                <a:moveTo>
+                  <a:pt x="0" y="0"/>
+                </a:moveTo>
+                <a:lnTo>
+                  <a:pt x="120000" y="0"/>
+                </a:lnTo>
+                <a:lnTo>
+                  <a:pt x="120000" y="120000"/>
+                </a:lnTo>
+                <a:lnTo>
+                  <a:pt x="0" y="120000"/>
+                </a:lnTo>
+                <a:close/>
+              </a:path>
+            </a:pathLst>
+          </a:custGeom>
+        </p:spPr>
+      </p:sp>
+      <p:sp>
+        <p:nvSpPr>
+          <p:cNvPr id="64" name="Shape 64"/>
+          <p:cNvSpPr txBox="1">
             <a:spLocks noGrp="1"/>
           </p:cNvSpPr>
           <p:nvPr>
             <p:ph type="body" idx="1"/>
           </p:nvPr>
         </p:nvSpPr>
-        <p:spPr/>
-        <p:txBody>
-          <a:bodyPr/>
+        <p:spPr>
+          <a:xfrm>
+            <a:off x="685800" y="4343400"/>
+            <a:ext cx="5486399" cy="4114800"/>
+          </a:xfrm>
+          <a:prstGeom prst="rect">
+            <a:avLst/>
+          </a:prstGeom>
+        </p:spPr>
+        <p:txBody>
+          <a:bodyPr lIns="91425" tIns="91425" rIns="91425" bIns="91425" anchor="t" anchorCtr="0">
+            <a:noAutofit/>
+          </a:bodyPr>
           <a:lstStyle/>
           <a:p>
-            <a:pPr marL="0" marR="0" indent="0" algn="l" defTabSz="914400" rtl="0" eaLnBrk="1" fontAlgn="auto" latinLnBrk="0" hangingPunct="1">
-              <a:lnSpc>
-                <a:spcPct val="100000"/>
-              </a:lnSpc>
-              <a:spcBef>
-                <a:spcPts val="0"/>
-              </a:spcBef>
-              <a:spcAft>
-                <a:spcPts val="0"/>
-              </a:spcAft>
-              <a:buClrTx/>
-              <a:buSzTx/>
-              <a:buFontTx/>
+            <a:pPr>
+              <a:spcBef>
+                <a:spcPts val="0"/>
+              </a:spcBef>
               <a:buNone/>
-              <a:tabLst/>
-              <a:defRPr/>
             </a:pPr>
             <a:r>
+              <a:rPr lang="fr-FR" dirty="0" smtClean="0"/>
+              <a:t>CVS ne gère pas du tout les renommage, SVN</a:t>
+            </a:r>
+            <a:r>
               <a:rPr lang="fr-FR" baseline="0" dirty="0" smtClean="0"/>
-              <a:t>Nous avons montré qu’en Théorie, le calcul des métriques peut être faussé par le renommage, dans les projets d’aujourd’hui qui n’utilisent pas Git ou qui ne détecte pas ce renommage. Et bien qu’il soit de notoriété commune que le </a:t>
+              <a:t> et </a:t>
             </a:r>
             <a:r>
               <a:rPr lang="fr-FR" baseline="0" dirty="0" err="1" smtClean="0"/>
-              <a:t>refactoring</a:t>
+              <a:t>Mercurial</a:t>
             </a:r>
             <a:r>
               <a:rPr lang="fr-FR" baseline="0" dirty="0" smtClean="0"/>
-              <a:t>, </a:t>
-            </a:r>
-            <a:r>
-              <a:rPr lang="fr-FR" sz="1100" b="0" i="0" u="none" strike="noStrike" kern="1200" baseline="0" dirty="0" smtClean="0">
-                <a:solidFill>
-                  <a:schemeClr val="tx1"/>
-                </a:solidFill>
-                <a:latin typeface="+mn-lt"/>
-                <a:ea typeface="+mn-ea"/>
-                <a:cs typeface="+mn-cs"/>
-              </a:rPr>
-              <a:t>modifications architecturales (dont le renommage d’entités) qui permettent d’améliorer ou restructurer le code source, sont une pratique courante dans le développement logiciel, nous ne connaissons ni la quantité de renommages ni son impact réel dans les projets.</a:t>
-            </a:r>
-            <a:endParaRPr lang="fr-FR" dirty="0" smtClean="0"/>
+              <a:t> sont manuel, c’est-à-dire qu’une commande spécifique à l’outil doit être utilisé pour préciser lorsqu’on renomme un fichier et Git </a:t>
+            </a:r>
+            <a:r>
+              <a:rPr lang="fr-FR" baseline="0" dirty="0" err="1" smtClean="0"/>
+              <a:t>automatque</a:t>
+            </a:r>
+            <a:r>
+              <a:rPr lang="fr-FR" baseline="0" dirty="0" smtClean="0"/>
+              <a:t> mais optionnel, détecte les renommages automatiquement, mais une option à activer lorsqu’on parcours l’historique pour afficher les renommages de fichiers. Ces VCS fonctionne à un niveau de granularité fichier. Une étude de Kim et al montre que les </a:t>
+            </a:r>
+            <a:r>
+              <a:rPr lang="fr-FR" baseline="0" dirty="0" err="1" smtClean="0"/>
+              <a:t>dev</a:t>
+            </a:r>
+            <a:r>
+              <a:rPr lang="fr-FR" baseline="0" dirty="0" smtClean="0"/>
+              <a:t> n’</a:t>
+            </a:r>
+            <a:r>
+              <a:rPr lang="fr-FR" baseline="0" dirty="0" err="1" smtClean="0"/>
+              <a:t>utlisent</a:t>
+            </a:r>
+            <a:r>
+              <a:rPr lang="fr-FR" baseline="0" dirty="0" smtClean="0"/>
+              <a:t> pas les commandes fournit pour faire leur renommage, que 51% des </a:t>
+            </a:r>
+            <a:r>
+              <a:rPr lang="fr-FR" baseline="0" dirty="0" err="1" smtClean="0"/>
+              <a:t>refactorings</a:t>
+            </a:r>
+            <a:r>
+              <a:rPr lang="fr-FR" baseline="0" dirty="0" smtClean="0"/>
+              <a:t> n’utilisent pas du tout les commandes. Nous ne pouvons donc pas nous baser sur ces outils pour notre étude, </a:t>
+            </a:r>
+            <a:r>
+              <a:rPr lang="fr-FR" baseline="0" dirty="0" err="1" smtClean="0"/>
+              <a:t>daurénavent</a:t>
+            </a:r>
+            <a:r>
+              <a:rPr lang="fr-FR" baseline="0" dirty="0" smtClean="0"/>
+              <a:t> nous utiliserons Git comme </a:t>
+            </a:r>
+            <a:r>
+              <a:rPr lang="fr-FR" baseline="0" dirty="0" err="1" smtClean="0"/>
+              <a:t>vcs</a:t>
+            </a:r>
+            <a:r>
+              <a:rPr lang="fr-FR" baseline="0" dirty="0" smtClean="0"/>
+              <a:t> de référence.</a:t>
+            </a:r>
+            <a:endParaRPr dirty="0"/>
           </a:p>
         </p:txBody>
       </p:sp>
     </p:spTree>
-    <p:extLst>
-      <p:ext uri="{BB962C8B-B14F-4D97-AF65-F5344CB8AC3E}">
-        <p14:creationId xmlns:p14="http://schemas.microsoft.com/office/powerpoint/2010/main" val="1149294144"/>
-      </p:ext>
-    </p:extLst>
   </p:cSld>
   <p:clrMapOvr>
     <a:masterClrMapping/>
@@ -1368,7 +1430,7 @@
   <p:cSld>
     <p:spTree>
       <p:nvGrpSpPr>
-        <p:cNvPr id="1" name="Shape 123"/>
+        <p:cNvPr id="1" name="Shape 129"/>
         <p:cNvGrpSpPr/>
         <p:nvPr/>
       </p:nvGrpSpPr>
@@ -1382,7 +1444,7 @@
       </p:grpSpPr>
       <p:sp>
         <p:nvSpPr>
-          <p:cNvPr id="124" name="Shape 124"/>
+          <p:cNvPr id="130" name="Shape 130"/>
           <p:cNvSpPr>
             <a:spLocks noGrp="1" noRot="1" noChangeAspect="1"/>
           </p:cNvSpPr>
@@ -1423,7 +1485,7 @@
       </p:sp>
       <p:sp>
         <p:nvSpPr>
-          <p:cNvPr id="125" name="Shape 125"/>
+          <p:cNvPr id="131" name="Shape 131"/>
           <p:cNvSpPr txBox="1">
             <a:spLocks noGrp="1"/>
           </p:cNvSpPr>
@@ -1446,62 +1508,13 @@
           </a:bodyPr>
           <a:lstStyle/>
           <a:p>
-            <a:r>
-              <a:rPr lang="fr-FR" sz="1100" b="0" i="0" u="none" strike="noStrike" kern="1200" baseline="0" dirty="0" smtClean="0">
-                <a:solidFill>
-                  <a:schemeClr val="tx1"/>
-                </a:solidFill>
-                <a:latin typeface="+mn-lt"/>
-                <a:ea typeface="+mn-ea"/>
-                <a:cs typeface="+mn-cs"/>
-              </a:rPr>
-              <a:t>L’objectif de la deuxième expérience est de voir si le renommage peut biaiser les métriques. Nous prenons donc, la période par projet avec le plus de renommage puis calculons les 3 métriques (</a:t>
-            </a:r>
-            <a:r>
-              <a:rPr lang="fr-FR" sz="1100" b="0" i="0" u="none" strike="noStrike" kern="1200" baseline="0" dirty="0" err="1" smtClean="0">
-                <a:solidFill>
-                  <a:schemeClr val="tx1"/>
-                </a:solidFill>
-                <a:latin typeface="+mn-lt"/>
-                <a:ea typeface="+mn-ea"/>
-                <a:cs typeface="+mn-cs"/>
-              </a:rPr>
-              <a:t>NoD</a:t>
-            </a:r>
-            <a:r>
-              <a:rPr lang="fr-FR" sz="1100" b="0" i="0" u="none" strike="noStrike" kern="1200" baseline="0" dirty="0" smtClean="0">
-                <a:solidFill>
-                  <a:schemeClr val="tx1"/>
-                </a:solidFill>
-                <a:latin typeface="+mn-lt"/>
-                <a:ea typeface="+mn-ea"/>
-                <a:cs typeface="+mn-cs"/>
-              </a:rPr>
-              <a:t>, </a:t>
-            </a:r>
-            <a:r>
-              <a:rPr lang="fr-FR" sz="1100" b="0" i="0" u="none" strike="noStrike" kern="1200" baseline="0" dirty="0" err="1" smtClean="0">
-                <a:solidFill>
-                  <a:schemeClr val="tx1"/>
-                </a:solidFill>
-                <a:latin typeface="+mn-lt"/>
-                <a:ea typeface="+mn-ea"/>
-                <a:cs typeface="+mn-cs"/>
-              </a:rPr>
-              <a:t>NoC</a:t>
-            </a:r>
-            <a:r>
-              <a:rPr lang="fr-FR" sz="1100" b="0" i="0" u="none" strike="noStrike" kern="1200" baseline="0" dirty="0" smtClean="0">
-                <a:solidFill>
-                  <a:schemeClr val="tx1"/>
-                </a:solidFill>
-                <a:latin typeface="+mn-lt"/>
-                <a:ea typeface="+mn-ea"/>
-                <a:cs typeface="+mn-cs"/>
-              </a:rPr>
-              <a:t>, CC) avec et sans prendre en compte le renommage. Ainsi nous avons deux liste pour chaque métriques par période. Ce qui nous donne deux liste triés, nous souhaitons observer la différence entre ces listes.</a:t>
-            </a:r>
-            <a:endParaRPr dirty="0"/>
+            <a:pPr>
+              <a:spcBef>
+                <a:spcPts val="0"/>
+              </a:spcBef>
+              <a:buNone/>
+            </a:pPr>
+            <a:endParaRPr/>
           </a:p>
         </p:txBody>
       </p:sp>
@@ -1518,7 +1531,7 @@
   <p:cSld>
     <p:spTree>
       <p:nvGrpSpPr>
-        <p:cNvPr id="1" name="Shape 129"/>
+        <p:cNvPr id="1" name="Shape 123"/>
         <p:cNvGrpSpPr/>
         <p:nvPr/>
       </p:nvGrpSpPr>
@@ -1532,7 +1545,7 @@
       </p:grpSpPr>
       <p:sp>
         <p:nvSpPr>
-          <p:cNvPr id="130" name="Shape 130"/>
+          <p:cNvPr id="124" name="Shape 124"/>
           <p:cNvSpPr>
             <a:spLocks noGrp="1" noRot="1" noChangeAspect="1"/>
           </p:cNvSpPr>
@@ -1573,7 +1586,7 @@
       </p:sp>
       <p:sp>
         <p:nvSpPr>
-          <p:cNvPr id="131" name="Shape 131"/>
+          <p:cNvPr id="125" name="Shape 125"/>
           <p:cNvSpPr txBox="1">
             <a:spLocks noGrp="1"/>
           </p:cNvSpPr>
@@ -1596,13 +1609,62 @@
           </a:bodyPr>
           <a:lstStyle/>
           <a:p>
-            <a:pPr>
-              <a:spcBef>
-                <a:spcPts val="0"/>
-              </a:spcBef>
-              <a:buNone/>
-            </a:pPr>
-            <a:endParaRPr/>
+            <a:r>
+              <a:rPr lang="fr-FR" sz="1100" b="0" i="0" u="none" strike="noStrike" kern="1200" baseline="0" dirty="0" smtClean="0">
+                <a:solidFill>
+                  <a:schemeClr val="tx1"/>
+                </a:solidFill>
+                <a:latin typeface="+mn-lt"/>
+                <a:ea typeface="+mn-ea"/>
+                <a:cs typeface="+mn-cs"/>
+              </a:rPr>
+              <a:t>L’objectif de la deuxième expérience est de voir si le renommage peut biaiser les métriques. Nous prenons donc, la période par projet avec le plus de renommage puis calculons les 3 métriques (</a:t>
+            </a:r>
+            <a:r>
+              <a:rPr lang="fr-FR" sz="1100" b="0" i="0" u="none" strike="noStrike" kern="1200" baseline="0" dirty="0" err="1" smtClean="0">
+                <a:solidFill>
+                  <a:schemeClr val="tx1"/>
+                </a:solidFill>
+                <a:latin typeface="+mn-lt"/>
+                <a:ea typeface="+mn-ea"/>
+                <a:cs typeface="+mn-cs"/>
+              </a:rPr>
+              <a:t>NoD</a:t>
+            </a:r>
+            <a:r>
+              <a:rPr lang="fr-FR" sz="1100" b="0" i="0" u="none" strike="noStrike" kern="1200" baseline="0" dirty="0" smtClean="0">
+                <a:solidFill>
+                  <a:schemeClr val="tx1"/>
+                </a:solidFill>
+                <a:latin typeface="+mn-lt"/>
+                <a:ea typeface="+mn-ea"/>
+                <a:cs typeface="+mn-cs"/>
+              </a:rPr>
+              <a:t>, </a:t>
+            </a:r>
+            <a:r>
+              <a:rPr lang="fr-FR" sz="1100" b="0" i="0" u="none" strike="noStrike" kern="1200" baseline="0" dirty="0" err="1" smtClean="0">
+                <a:solidFill>
+                  <a:schemeClr val="tx1"/>
+                </a:solidFill>
+                <a:latin typeface="+mn-lt"/>
+                <a:ea typeface="+mn-ea"/>
+                <a:cs typeface="+mn-cs"/>
+              </a:rPr>
+              <a:t>NoC</a:t>
+            </a:r>
+            <a:r>
+              <a:rPr lang="fr-FR" sz="1100" b="0" i="0" u="none" strike="noStrike" kern="1200" baseline="0" dirty="0" smtClean="0">
+                <a:solidFill>
+                  <a:schemeClr val="tx1"/>
+                </a:solidFill>
+                <a:latin typeface="+mn-lt"/>
+                <a:ea typeface="+mn-ea"/>
+                <a:cs typeface="+mn-cs"/>
+              </a:rPr>
+              <a:t>, CC) avec et sans prendre en compte le renommage. Ainsi nous avons deux liste pour chaque métriques par période. Ce qui nous donne deux liste triés, nous souhaitons observer la différence entre ces listes.</a:t>
+            </a:r>
+            <a:endParaRPr dirty="0"/>
           </a:p>
         </p:txBody>
       </p:sp>
@@ -1619,7 +1681,7 @@
   <p:cSld>
     <p:spTree>
       <p:nvGrpSpPr>
-        <p:cNvPr id="1" name="Shape 147"/>
+        <p:cNvPr id="1" name="Shape 123"/>
         <p:cNvGrpSpPr/>
         <p:nvPr/>
       </p:nvGrpSpPr>
@@ -1633,7 +1695,7 @@
       </p:grpSpPr>
       <p:sp>
         <p:nvSpPr>
-          <p:cNvPr id="148" name="Shape 148"/>
+          <p:cNvPr id="124" name="Shape 124"/>
           <p:cNvSpPr>
             <a:spLocks noGrp="1" noRot="1" noChangeAspect="1"/>
           </p:cNvSpPr>
@@ -1674,7 +1736,7 @@
       </p:sp>
       <p:sp>
         <p:nvSpPr>
-          <p:cNvPr id="149" name="Shape 149"/>
+          <p:cNvPr id="125" name="Shape 125"/>
           <p:cNvSpPr txBox="1">
             <a:spLocks noGrp="1"/>
           </p:cNvSpPr>
@@ -1697,99 +1759,61 @@
           </a:bodyPr>
           <a:lstStyle/>
           <a:p>
-            <a:pPr marL="0" marR="0" indent="0" algn="l" defTabSz="914400" rtl="0" eaLnBrk="1" fontAlgn="auto" latinLnBrk="0" hangingPunct="1">
-              <a:lnSpc>
-                <a:spcPct val="100000"/>
-              </a:lnSpc>
-              <a:spcBef>
-                <a:spcPts val="0"/>
-              </a:spcBef>
-              <a:spcAft>
-                <a:spcPts val="0"/>
-              </a:spcAft>
-              <a:buClrTx/>
-              <a:buSzTx/>
-              <a:buFontTx/>
-              <a:buNone/>
-              <a:tabLst/>
-              <a:defRPr/>
-            </a:pPr>
-            <a:r>
-              <a:rPr lang="fr-FR" dirty="0" smtClean="0"/>
-              <a:t>A certaines</a:t>
-            </a:r>
-            <a:r>
-              <a:rPr lang="fr-FR" baseline="0" dirty="0" smtClean="0"/>
-              <a:t> périodes le renommage Nous proposons les </a:t>
-            </a:r>
-            <a:r>
-              <a:rPr lang="fr-FR" baseline="0" dirty="0" err="1" smtClean="0"/>
-              <a:t>recommendations</a:t>
-            </a:r>
-            <a:r>
-              <a:rPr lang="fr-FR" baseline="0" dirty="0" smtClean="0"/>
-              <a:t> suivantes: Eviter le calcul de métriques dans les périodes initiales, utiliser un </a:t>
-            </a:r>
-            <a:r>
-              <a:rPr lang="fr-FR" baseline="0" dirty="0" err="1" smtClean="0"/>
-              <a:t>algo</a:t>
-            </a:r>
-            <a:r>
-              <a:rPr lang="fr-FR" baseline="0" dirty="0" smtClean="0"/>
-              <a:t> de détection de renommage ou Git à défaut. D’autres </a:t>
-            </a:r>
-            <a:r>
-              <a:rPr lang="fr-FR" baseline="0" dirty="0" err="1" smtClean="0"/>
-              <a:t>algo</a:t>
-            </a:r>
-            <a:r>
-              <a:rPr lang="fr-FR" baseline="0" dirty="0" smtClean="0"/>
-              <a:t> pour niveaux de granularité plus fin que les fichiers. Indiquer dans les études comment il a été traité. peut être très présent et biaiser le calcul de métriques. Par conséquent nous avons montré que les développeurs chercheurs devraient être prudents lors du calcul de ces métriques. </a:t>
-            </a:r>
-            <a:r>
-              <a:rPr lang="fr-FR" dirty="0" smtClean="0"/>
-              <a:t>Evaluer la précision d’autres </a:t>
-            </a:r>
-            <a:r>
-              <a:rPr lang="fr-FR" dirty="0" err="1" smtClean="0"/>
-              <a:t>algo</a:t>
-            </a:r>
-            <a:r>
-              <a:rPr lang="fr-FR" dirty="0" smtClean="0"/>
-              <a:t> donné dans l’article,</a:t>
-            </a:r>
-            <a:r>
-              <a:rPr lang="fr-FR" baseline="0" dirty="0" smtClean="0"/>
-              <a:t> split et </a:t>
-            </a:r>
-            <a:r>
-              <a:rPr lang="fr-FR" baseline="0" dirty="0" err="1" smtClean="0"/>
-              <a:t>merge</a:t>
-            </a:r>
-            <a:r>
-              <a:rPr lang="fr-FR" baseline="0" dirty="0" smtClean="0"/>
-              <a:t> problème plus complexe.</a:t>
-            </a:r>
-            <a:endParaRPr lang="fr-FR" dirty="0" smtClean="0"/>
-          </a:p>
-          <a:p>
-            <a:pPr marL="0" marR="0" indent="0" algn="l" defTabSz="914400" rtl="0" eaLnBrk="1" fontAlgn="auto" latinLnBrk="0" hangingPunct="1">
-              <a:lnSpc>
-                <a:spcPct val="100000"/>
-              </a:lnSpc>
-              <a:spcBef>
-                <a:spcPts val="0"/>
-              </a:spcBef>
-              <a:spcAft>
-                <a:spcPts val="0"/>
-              </a:spcAft>
-              <a:buClrTx/>
-              <a:buSzTx/>
-              <a:buFontTx/>
-              <a:buNone/>
-              <a:tabLst/>
-              <a:defRPr/>
-            </a:pPr>
+            <a:r>
+              <a:rPr lang="fr-FR" sz="1100" b="0" i="0" u="none" strike="noStrike" kern="1200" baseline="0" dirty="0" smtClean="0">
+                <a:solidFill>
+                  <a:schemeClr val="tx1"/>
+                </a:solidFill>
+                <a:latin typeface="+mn-lt"/>
+                <a:ea typeface="+mn-ea"/>
+                <a:cs typeface="+mn-cs"/>
+              </a:rPr>
+              <a:t>L’objectif de la deuxième expérience est de voir si le renommage peut biaiser les métriques. Nous prenons donc, la période par projet avec le plus de renommage puis calculons les 3 métriques (</a:t>
+            </a:r>
+            <a:r>
+              <a:rPr lang="fr-FR" sz="1100" b="0" i="0" u="none" strike="noStrike" kern="1200" baseline="0" dirty="0" err="1" smtClean="0">
+                <a:solidFill>
+                  <a:schemeClr val="tx1"/>
+                </a:solidFill>
+                <a:latin typeface="+mn-lt"/>
+                <a:ea typeface="+mn-ea"/>
+                <a:cs typeface="+mn-cs"/>
+              </a:rPr>
+              <a:t>NoD</a:t>
+            </a:r>
+            <a:r>
+              <a:rPr lang="fr-FR" sz="1100" b="0" i="0" u="none" strike="noStrike" kern="1200" baseline="0" dirty="0" smtClean="0">
+                <a:solidFill>
+                  <a:schemeClr val="tx1"/>
+                </a:solidFill>
+                <a:latin typeface="+mn-lt"/>
+                <a:ea typeface="+mn-ea"/>
+                <a:cs typeface="+mn-cs"/>
+              </a:rPr>
+              <a:t>, </a:t>
+            </a:r>
+            <a:r>
+              <a:rPr lang="fr-FR" sz="1100" b="0" i="0" u="none" strike="noStrike" kern="1200" baseline="0" dirty="0" err="1" smtClean="0">
+                <a:solidFill>
+                  <a:schemeClr val="tx1"/>
+                </a:solidFill>
+                <a:latin typeface="+mn-lt"/>
+                <a:ea typeface="+mn-ea"/>
+                <a:cs typeface="+mn-cs"/>
+              </a:rPr>
+              <a:t>NoC</a:t>
+            </a:r>
+            <a:r>
+              <a:rPr lang="fr-FR" sz="1100" b="0" i="0" u="none" strike="noStrike" kern="1200" baseline="0" dirty="0" smtClean="0">
+                <a:solidFill>
+                  <a:schemeClr val="tx1"/>
+                </a:solidFill>
+                <a:latin typeface="+mn-lt"/>
+                <a:ea typeface="+mn-ea"/>
+                <a:cs typeface="+mn-cs"/>
+              </a:rPr>
+              <a:t>, CC) avec et sans prendre en compte le renommage. Ainsi nous avons deux liste pour chaque métriques par période. Ce qui nous donne deux liste triés, nous souhaitons observer la différence entre ces listes.</a:t>
+            </a:r>
             <a:endParaRPr dirty="0"/>
           </a:p>
         </p:txBody>
@@ -1803,11 +1827,11 @@
 </file>
 
 <file path=ppt/notesSlides/notesSlide2.xml><?xml version="1.0" encoding="utf-8"?>
-<p:notes xmlns:a="http://schemas.openxmlformats.org/drawingml/2006/main" xmlns:r="http://schemas.openxmlformats.org/officeDocument/2006/relationships" xmlns:p="http://schemas.openxmlformats.org/presentationml/2006/main" showMasterSp="0" showMasterPhAnim="0">
+<p:notes xmlns:a="http://schemas.openxmlformats.org/drawingml/2006/main" xmlns:r="http://schemas.openxmlformats.org/officeDocument/2006/relationships" xmlns:p="http://schemas.openxmlformats.org/presentationml/2006/main">
   <p:cSld>
     <p:spTree>
       <p:nvGrpSpPr>
-        <p:cNvPr id="1" name="Shape 33"/>
+        <p:cNvPr id="1" name=""/>
         <p:cNvGrpSpPr/>
         <p:nvPr/>
       </p:nvGrpSpPr>
@@ -1821,12 +1845,12 @@
       </p:grpSpPr>
       <p:sp>
         <p:nvSpPr>
-          <p:cNvPr id="34" name="Shape 34"/>
+          <p:cNvPr id="2" name="Slide Image Placeholder 1"/>
           <p:cNvSpPr>
             <a:spLocks noGrp="1" noRot="1" noChangeAspect="1"/>
           </p:cNvSpPr>
           <p:nvPr>
-            <p:ph type="sldImg" idx="2"/>
+            <p:ph type="sldImg"/>
           </p:nvPr>
         </p:nvSpPr>
         <p:spPr>
@@ -1834,68 +1858,57 @@
             <a:off x="1143000" y="685800"/>
             <a:ext cx="4572000" cy="3429000"/>
           </a:xfrm>
-          <a:custGeom>
-            <a:avLst/>
-            <a:gdLst/>
-            <a:ahLst/>
-            <a:cxnLst/>
-            <a:rect l="0" t="0" r="0" b="0"/>
-            <a:pathLst>
-              <a:path w="120000" h="120000" extrusionOk="0">
-                <a:moveTo>
-                  <a:pt x="0" y="0"/>
-                </a:moveTo>
-                <a:lnTo>
-                  <a:pt x="120000" y="0"/>
-                </a:lnTo>
-                <a:lnTo>
-                  <a:pt x="120000" y="120000"/>
-                </a:lnTo>
-                <a:lnTo>
-                  <a:pt x="0" y="120000"/>
-                </a:lnTo>
-                <a:close/>
-              </a:path>
-            </a:pathLst>
-          </a:custGeom>
-        </p:spPr>
-      </p:sp>
-      <p:sp>
-        <p:nvSpPr>
-          <p:cNvPr id="35" name="Shape 35"/>
-          <p:cNvSpPr txBox="1">
+        </p:spPr>
+      </p:sp>
+      <p:sp>
+        <p:nvSpPr>
+          <p:cNvPr id="3" name="Notes Placeholder 2"/>
+          <p:cNvSpPr>
             <a:spLocks noGrp="1"/>
           </p:cNvSpPr>
           <p:nvPr>
             <p:ph type="body" idx="1"/>
           </p:nvPr>
         </p:nvSpPr>
-        <p:spPr>
-          <a:xfrm>
-            <a:off x="685800" y="4343400"/>
-            <a:ext cx="5486399" cy="4114800"/>
-          </a:xfrm>
-          <a:prstGeom prst="rect">
-            <a:avLst/>
-          </a:prstGeom>
-        </p:spPr>
-        <p:txBody>
-          <a:bodyPr lIns="91425" tIns="91425" rIns="91425" bIns="91425" anchor="t" anchorCtr="0">
-            <a:noAutofit/>
-          </a:bodyPr>
+        <p:spPr/>
+        <p:txBody>
+          <a:bodyPr/>
           <a:lstStyle/>
           <a:p>
-            <a:pPr>
-              <a:spcBef>
-                <a:spcPts val="0"/>
-              </a:spcBef>
-              <a:buNone/>
-            </a:pPr>
-            <a:endParaRPr/>
+            <a:r>
+              <a:rPr lang="fr-FR" dirty="0" smtClean="0"/>
+              <a:t>L’apparition des</a:t>
+            </a:r>
+            <a:r>
+              <a:rPr lang="fr-FR" baseline="0" dirty="0" smtClean="0"/>
+              <a:t> premiers dépôts logiciels en libre accès à rendu possible de nombreux travaux de recherche. Avec les dépôts de code source (</a:t>
+            </a:r>
+            <a:r>
+              <a:rPr lang="fr-FR" baseline="0" dirty="0" err="1" smtClean="0"/>
+              <a:t>svn</a:t>
+            </a:r>
+            <a:r>
+              <a:rPr lang="fr-FR" baseline="0" dirty="0" smtClean="0"/>
+              <a:t>, git) années 2000. Des travaux analysent l’historique de construction d’un logiciel. Exemple , un défi du génie log, prédiction de bugs. Son but, prédire les bugs et les localiser. Cette étude se base sur le calcul de métriques logicielles. Les travaux les plus </a:t>
+            </a:r>
+            <a:r>
+              <a:rPr lang="fr-FR" baseline="0" dirty="0" err="1" smtClean="0"/>
+              <a:t>recent</a:t>
+            </a:r>
+            <a:r>
+              <a:rPr lang="fr-FR" baseline="0" dirty="0" smtClean="0"/>
+              <a:t> montrent que les métriques de procédés donnent de meilleures résultats en temps que prédicteurs de bugs.</a:t>
+            </a:r>
+            <a:endParaRPr lang="fr-FR" dirty="0"/>
           </a:p>
         </p:txBody>
       </p:sp>
     </p:spTree>
+    <p:extLst>
+      <p:ext uri="{BB962C8B-B14F-4D97-AF65-F5344CB8AC3E}">
+        <p14:creationId xmlns:p14="http://schemas.microsoft.com/office/powerpoint/2010/main" val="1075105945"/>
+      </p:ext>
+    </p:extLst>
   </p:cSld>
   <p:clrMapOvr>
     <a:masterClrMapping/>
@@ -1986,11 +1999,98 @@
           </a:bodyPr>
           <a:lstStyle/>
           <a:p>
-            <a:pPr>
-              <a:spcBef>
-                <a:spcPts val="0"/>
-              </a:spcBef>
+            <a:pPr marL="0" marR="0" indent="0" algn="l" defTabSz="914400" rtl="0" eaLnBrk="1" fontAlgn="auto" latinLnBrk="0" hangingPunct="1">
+              <a:lnSpc>
+                <a:spcPct val="100000"/>
+              </a:lnSpc>
+              <a:spcBef>
+                <a:spcPts val="0"/>
+              </a:spcBef>
+              <a:spcAft>
+                <a:spcPts val="0"/>
+              </a:spcAft>
+              <a:buClrTx/>
+              <a:buSzTx/>
+              <a:buFontTx/>
               <a:buNone/>
+              <a:tabLst/>
+              <a:defRPr/>
+            </a:pPr>
+            <a:r>
+              <a:rPr lang="fr-FR" dirty="0" smtClean="0"/>
+              <a:t>A certaines</a:t>
+            </a:r>
+            <a:r>
+              <a:rPr lang="fr-FR" baseline="0" dirty="0" smtClean="0"/>
+              <a:t> périodes le renommage Nous proposons les </a:t>
+            </a:r>
+            <a:r>
+              <a:rPr lang="fr-FR" baseline="0" dirty="0" err="1" smtClean="0"/>
+              <a:t>recommendations</a:t>
+            </a:r>
+            <a:r>
+              <a:rPr lang="fr-FR" baseline="0" dirty="0" smtClean="0"/>
+              <a:t> suivantes: Eviter le calcul de métriques dans les périodes initiales, utiliser un </a:t>
+            </a:r>
+            <a:r>
+              <a:rPr lang="fr-FR" baseline="0" dirty="0" err="1" smtClean="0"/>
+              <a:t>algo</a:t>
+            </a:r>
+            <a:r>
+              <a:rPr lang="fr-FR" baseline="0" dirty="0" smtClean="0"/>
+              <a:t> de détection de renommage ou Git à défaut. D’autres </a:t>
+            </a:r>
+            <a:r>
+              <a:rPr lang="fr-FR" baseline="0" dirty="0" err="1" smtClean="0"/>
+              <a:t>algo</a:t>
+            </a:r>
+            <a:r>
+              <a:rPr lang="fr-FR" baseline="0" dirty="0" smtClean="0"/>
+              <a:t> pour niveaux de granularité plus fin que les fichiers. Indiquer dans les études comment il a été traité. peut être très présent et biaiser le calcul de métriques. Par conséquent nous avons montré que les développeurs chercheurs devraient être prudents lors du calcul de ces métriques. </a:t>
+            </a:r>
+            <a:r>
+              <a:rPr lang="fr-FR" dirty="0" smtClean="0"/>
+              <a:t>Evaluer la précision d’autres </a:t>
+            </a:r>
+            <a:r>
+              <a:rPr lang="fr-FR" dirty="0" err="1" smtClean="0"/>
+              <a:t>algo</a:t>
+            </a:r>
+            <a:r>
+              <a:rPr lang="fr-FR" dirty="0" smtClean="0"/>
+              <a:t> donné dans l’article,</a:t>
+            </a:r>
+            <a:r>
+              <a:rPr lang="fr-FR" baseline="0" dirty="0" smtClean="0"/>
+              <a:t> split et </a:t>
+            </a:r>
+            <a:r>
+              <a:rPr lang="fr-FR" baseline="0" dirty="0" err="1" smtClean="0"/>
+              <a:t>merge</a:t>
+            </a:r>
+            <a:r>
+              <a:rPr lang="fr-FR" baseline="0" dirty="0" smtClean="0"/>
+              <a:t> problème plus complexe.</a:t>
+            </a:r>
+            <a:endParaRPr lang="fr-FR" dirty="0" smtClean="0"/>
+          </a:p>
+          <a:p>
+            <a:pPr marL="0" marR="0" indent="0" algn="l" defTabSz="914400" rtl="0" eaLnBrk="1" fontAlgn="auto" latinLnBrk="0" hangingPunct="1">
+              <a:lnSpc>
+                <a:spcPct val="100000"/>
+              </a:lnSpc>
+              <a:spcBef>
+                <a:spcPts val="0"/>
+              </a:spcBef>
+              <a:spcAft>
+                <a:spcPts val="0"/>
+              </a:spcAft>
+              <a:buClrTx/>
+              <a:buSzTx/>
+              <a:buFontTx/>
+              <a:buNone/>
+              <a:tabLst/>
+              <a:defRPr/>
             </a:pPr>
             <a:endParaRPr dirty="0"/>
           </a:p>
@@ -2307,6 +2407,107 @@
 </p:notes>
 </file>
 
+<file path=ppt/notesSlides/notesSlide24.xml><?xml version="1.0" encoding="utf-8"?>
+<p:notes xmlns:a="http://schemas.openxmlformats.org/drawingml/2006/main" xmlns:r="http://schemas.openxmlformats.org/officeDocument/2006/relationships" xmlns:p="http://schemas.openxmlformats.org/presentationml/2006/main" showMasterSp="0" showMasterPhAnim="0">
+  <p:cSld>
+    <p:spTree>
+      <p:nvGrpSpPr>
+        <p:cNvPr id="1" name="Shape 147"/>
+        <p:cNvGrpSpPr/>
+        <p:nvPr/>
+      </p:nvGrpSpPr>
+      <p:grpSpPr>
+        <a:xfrm>
+          <a:off x="0" y="0"/>
+          <a:ext cx="0" cy="0"/>
+          <a:chOff x="0" y="0"/>
+          <a:chExt cx="0" cy="0"/>
+        </a:xfrm>
+      </p:grpSpPr>
+      <p:sp>
+        <p:nvSpPr>
+          <p:cNvPr id="148" name="Shape 148"/>
+          <p:cNvSpPr>
+            <a:spLocks noGrp="1" noRot="1" noChangeAspect="1"/>
+          </p:cNvSpPr>
+          <p:nvPr>
+            <p:ph type="sldImg" idx="2"/>
+          </p:nvPr>
+        </p:nvSpPr>
+        <p:spPr>
+          <a:xfrm>
+            <a:off x="1143000" y="685800"/>
+            <a:ext cx="4572000" cy="3429000"/>
+          </a:xfrm>
+          <a:custGeom>
+            <a:avLst/>
+            <a:gdLst/>
+            <a:ahLst/>
+            <a:cxnLst/>
+            <a:rect l="0" t="0" r="0" b="0"/>
+            <a:pathLst>
+              <a:path w="120000" h="120000" extrusionOk="0">
+                <a:moveTo>
+                  <a:pt x="0" y="0"/>
+                </a:moveTo>
+                <a:lnTo>
+                  <a:pt x="120000" y="0"/>
+                </a:lnTo>
+                <a:lnTo>
+                  <a:pt x="120000" y="120000"/>
+                </a:lnTo>
+                <a:lnTo>
+                  <a:pt x="0" y="120000"/>
+                </a:lnTo>
+                <a:close/>
+              </a:path>
+            </a:pathLst>
+          </a:custGeom>
+        </p:spPr>
+      </p:sp>
+      <p:sp>
+        <p:nvSpPr>
+          <p:cNvPr id="149" name="Shape 149"/>
+          <p:cNvSpPr txBox="1">
+            <a:spLocks noGrp="1"/>
+          </p:cNvSpPr>
+          <p:nvPr>
+            <p:ph type="body" idx="1"/>
+          </p:nvPr>
+        </p:nvSpPr>
+        <p:spPr>
+          <a:xfrm>
+            <a:off x="685800" y="4343400"/>
+            <a:ext cx="5486399" cy="4114800"/>
+          </a:xfrm>
+          <a:prstGeom prst="rect">
+            <a:avLst/>
+          </a:prstGeom>
+        </p:spPr>
+        <p:txBody>
+          <a:bodyPr lIns="91425" tIns="91425" rIns="91425" bIns="91425" anchor="t" anchorCtr="0">
+            <a:noAutofit/>
+          </a:bodyPr>
+          <a:lstStyle/>
+          <a:p>
+            <a:pPr>
+              <a:spcBef>
+                <a:spcPts val="0"/>
+              </a:spcBef>
+              <a:buNone/>
+            </a:pPr>
+            <a:endParaRPr dirty="0"/>
+          </a:p>
+        </p:txBody>
+      </p:sp>
+    </p:spTree>
+  </p:cSld>
+  <p:clrMapOvr>
+    <a:masterClrMapping/>
+  </p:clrMapOvr>
+</p:notes>
+</file>
+
 <file path=ppt/notesSlides/notesSlide3.xml><?xml version="1.0" encoding="utf-8"?>
 <p:notes xmlns:a="http://schemas.openxmlformats.org/drawingml/2006/main" xmlns:r="http://schemas.openxmlformats.org/officeDocument/2006/relationships" xmlns:p="http://schemas.openxmlformats.org/presentationml/2006/main">
   <p:cSld>
@@ -2356,30 +2557,6 @@
           <a:bodyPr/>
           <a:lstStyle/>
           <a:p>
-            <a:r>
-              <a:rPr lang="fr-FR" dirty="0" smtClean="0"/>
-              <a:t>L’apparition des</a:t>
-            </a:r>
-            <a:r>
-              <a:rPr lang="fr-FR" baseline="0" dirty="0" smtClean="0"/>
-              <a:t> premiers dépôts logiciels en libre accès à rendu possible de nombreux travaux de recherche. Avec les dépôts de code source (</a:t>
-            </a:r>
-            <a:r>
-              <a:rPr lang="fr-FR" baseline="0" dirty="0" err="1" smtClean="0"/>
-              <a:t>svn</a:t>
-            </a:r>
-            <a:r>
-              <a:rPr lang="fr-FR" baseline="0" dirty="0" smtClean="0"/>
-              <a:t>, git) années 2000. Des travaux analysent l’historique de construction d’un logiciel. Exemple , un défi du génie log, prédiction de bugs. Son but, prédire les bugs et les localiser. Cette étude se base sur le calcul de métriques logicielles. Les travaux les plus </a:t>
-            </a:r>
-            <a:r>
-              <a:rPr lang="fr-FR" baseline="0" dirty="0" err="1" smtClean="0"/>
-              <a:t>recent</a:t>
-            </a:r>
-            <a:r>
-              <a:rPr lang="fr-FR" baseline="0" dirty="0" smtClean="0"/>
-              <a:t> montrent que les métriques de procédés donnent de meilleures résultats en temps que prédicteurs de bugs.</a:t>
-            </a:r>
             <a:endParaRPr lang="fr-FR" dirty="0"/>
           </a:p>
         </p:txBody>
@@ -3020,7 +3197,7 @@
   <p:cSld>
     <p:spTree>
       <p:nvGrpSpPr>
-        <p:cNvPr id="1" name="Shape 62"/>
+        <p:cNvPr id="1" name="Shape 141"/>
         <p:cNvGrpSpPr/>
         <p:nvPr/>
       </p:nvGrpSpPr>
@@ -3034,7 +3211,7 @@
       </p:grpSpPr>
       <p:sp>
         <p:nvSpPr>
-          <p:cNvPr id="63" name="Shape 63"/>
+          <p:cNvPr id="142" name="Shape 142"/>
           <p:cNvSpPr>
             <a:spLocks noGrp="1" noRot="1" noChangeAspect="1"/>
           </p:cNvSpPr>
@@ -3075,7 +3252,7 @@
       </p:sp>
       <p:sp>
         <p:nvSpPr>
-          <p:cNvPr id="64" name="Shape 64"/>
+          <p:cNvPr id="143" name="Shape 143"/>
           <p:cNvSpPr txBox="1">
             <a:spLocks noGrp="1"/>
           </p:cNvSpPr>
@@ -3104,71 +3281,7 @@
               </a:spcBef>
               <a:buNone/>
             </a:pPr>
-            <a:r>
-              <a:rPr lang="fr-FR" dirty="0" smtClean="0"/>
-              <a:t>CVS ne gère pas du tout les renommage, SVN</a:t>
-            </a:r>
-            <a:r>
-              <a:rPr lang="fr-FR" baseline="0" dirty="0" smtClean="0"/>
-              <a:t> et </a:t>
-            </a:r>
-            <a:r>
-              <a:rPr lang="fr-FR" baseline="0" dirty="0" err="1" smtClean="0"/>
-              <a:t>Mercurial</a:t>
-            </a:r>
-            <a:r>
-              <a:rPr lang="fr-FR" baseline="0" dirty="0" smtClean="0"/>
-              <a:t> sont manuel, c’est-à-dire qu’une commande spécifique à l’outil doit être utilisé pour préciser lorsqu’on renomme un fichier et Git </a:t>
-            </a:r>
-            <a:r>
-              <a:rPr lang="fr-FR" baseline="0" dirty="0" err="1" smtClean="0"/>
-              <a:t>automatque</a:t>
-            </a:r>
-            <a:r>
-              <a:rPr lang="fr-FR" baseline="0" dirty="0" smtClean="0"/>
-              <a:t> mais optionnel, détecte les renommages automatiquement, mais une option à activer lorsqu’on parcours l’historique pour afficher les renommages de fichiers. Ces VCS fonctionne à un niveau de granularité fichier. Une étude de Kim et al montre que les </a:t>
-            </a:r>
-            <a:r>
-              <a:rPr lang="fr-FR" baseline="0" dirty="0" err="1" smtClean="0"/>
-              <a:t>dev</a:t>
-            </a:r>
-            <a:r>
-              <a:rPr lang="fr-FR" baseline="0" dirty="0" smtClean="0"/>
-              <a:t> n’</a:t>
-            </a:r>
-            <a:r>
-              <a:rPr lang="fr-FR" baseline="0" dirty="0" err="1" smtClean="0"/>
-              <a:t>utlisent</a:t>
-            </a:r>
-            <a:r>
-              <a:rPr lang="fr-FR" baseline="0" dirty="0" smtClean="0"/>
-              <a:t> pas les commandes fournit pour faire leur renommage, que 51% des </a:t>
-            </a:r>
-            <a:r>
-              <a:rPr lang="fr-FR" baseline="0" dirty="0" err="1" smtClean="0"/>
-              <a:t>refactorings</a:t>
-            </a:r>
-            <a:r>
-              <a:rPr lang="fr-FR" baseline="0" dirty="0" smtClean="0"/>
-              <a:t> n’utilisent pas du tout les commandes. Nous ne pouvons donc pas nous baser sur ces outils pour notre étude, </a:t>
-            </a:r>
-            <a:r>
-              <a:rPr lang="fr-FR" baseline="0" dirty="0" err="1" smtClean="0"/>
-              <a:t>daurénavent</a:t>
-            </a:r>
-            <a:r>
-              <a:rPr lang="fr-FR" baseline="0" dirty="0" smtClean="0"/>
-              <a:t> nous utiliserons Git comme </a:t>
-            </a:r>
-            <a:r>
-              <a:rPr lang="fr-FR" baseline="0" dirty="0" err="1" smtClean="0"/>
-              <a:t>vcs</a:t>
-            </a:r>
-            <a:r>
-              <a:rPr lang="fr-FR" baseline="0" dirty="0" smtClean="0"/>
-              <a:t> de référence.</a:t>
-            </a:r>
-            <a:endParaRPr dirty="0"/>
+            <a:endParaRPr/>
           </a:p>
         </p:txBody>
       </p:sp>
@@ -3181,11 +3294,11 @@
 </file>
 
 <file path=ppt/notesSlides/notesSlide9.xml><?xml version="1.0" encoding="utf-8"?>
-<p:notes xmlns:a="http://schemas.openxmlformats.org/drawingml/2006/main" xmlns:r="http://schemas.openxmlformats.org/officeDocument/2006/relationships" xmlns:p="http://schemas.openxmlformats.org/presentationml/2006/main" showMasterSp="0" showMasterPhAnim="0">
+<p:notes xmlns:a="http://schemas.openxmlformats.org/drawingml/2006/main" xmlns:r="http://schemas.openxmlformats.org/officeDocument/2006/relationships" xmlns:p="http://schemas.openxmlformats.org/presentationml/2006/main">
   <p:cSld>
     <p:spTree>
       <p:nvGrpSpPr>
-        <p:cNvPr id="1" name="Shape 141"/>
+        <p:cNvPr id="1" name=""/>
         <p:cNvGrpSpPr/>
         <p:nvPr/>
       </p:nvGrpSpPr>
@@ -3199,12 +3312,12 @@
       </p:grpSpPr>
       <p:sp>
         <p:nvSpPr>
-          <p:cNvPr id="142" name="Shape 142"/>
+          <p:cNvPr id="2" name="Slide Image Placeholder 1"/>
           <p:cNvSpPr>
             <a:spLocks noGrp="1" noRot="1" noChangeAspect="1"/>
           </p:cNvSpPr>
           <p:nvPr>
-            <p:ph type="sldImg" idx="2"/>
+            <p:ph type="sldImg"/>
           </p:nvPr>
         </p:nvSpPr>
         <p:spPr>
@@ -3212,68 +3325,73 @@
             <a:off x="1143000" y="685800"/>
             <a:ext cx="4572000" cy="3429000"/>
           </a:xfrm>
-          <a:custGeom>
-            <a:avLst/>
-            <a:gdLst/>
-            <a:ahLst/>
-            <a:cxnLst/>
-            <a:rect l="0" t="0" r="0" b="0"/>
-            <a:pathLst>
-              <a:path w="120000" h="120000" extrusionOk="0">
-                <a:moveTo>
-                  <a:pt x="0" y="0"/>
-                </a:moveTo>
-                <a:lnTo>
-                  <a:pt x="120000" y="0"/>
-                </a:lnTo>
-                <a:lnTo>
-                  <a:pt x="120000" y="120000"/>
-                </a:lnTo>
-                <a:lnTo>
-                  <a:pt x="0" y="120000"/>
-                </a:lnTo>
-                <a:close/>
-              </a:path>
-            </a:pathLst>
-          </a:custGeom>
-        </p:spPr>
-      </p:sp>
-      <p:sp>
-        <p:nvSpPr>
-          <p:cNvPr id="143" name="Shape 143"/>
-          <p:cNvSpPr txBox="1">
+        </p:spPr>
+      </p:sp>
+      <p:sp>
+        <p:nvSpPr>
+          <p:cNvPr id="3" name="Notes Placeholder 2"/>
+          <p:cNvSpPr>
             <a:spLocks noGrp="1"/>
           </p:cNvSpPr>
           <p:nvPr>
             <p:ph type="body" idx="1"/>
           </p:nvPr>
         </p:nvSpPr>
-        <p:spPr>
-          <a:xfrm>
-            <a:off x="685800" y="4343400"/>
-            <a:ext cx="5486399" cy="4114800"/>
-          </a:xfrm>
-          <a:prstGeom prst="rect">
-            <a:avLst/>
-          </a:prstGeom>
-        </p:spPr>
-        <p:txBody>
-          <a:bodyPr lIns="91425" tIns="91425" rIns="91425" bIns="91425" anchor="t" anchorCtr="0">
-            <a:noAutofit/>
-          </a:bodyPr>
+        <p:spPr/>
+        <p:txBody>
+          <a:bodyPr/>
           <a:lstStyle/>
           <a:p>
-            <a:pPr>
-              <a:spcBef>
-                <a:spcPts val="0"/>
-              </a:spcBef>
+            <a:pPr marL="0" marR="0" indent="0" algn="l" defTabSz="914400" rtl="0" eaLnBrk="1" fontAlgn="auto" latinLnBrk="0" hangingPunct="1">
+              <a:lnSpc>
+                <a:spcPct val="100000"/>
+              </a:lnSpc>
+              <a:spcBef>
+                <a:spcPts val="0"/>
+              </a:spcBef>
+              <a:spcAft>
+                <a:spcPts val="0"/>
+              </a:spcAft>
+              <a:buClrTx/>
+              <a:buSzTx/>
+              <a:buFontTx/>
               <a:buNone/>
+              <a:tabLst/>
+              <a:defRPr/>
             </a:pPr>
-            <a:endParaRPr/>
+            <a:r>
+              <a:rPr lang="fr-FR" baseline="0" dirty="0" smtClean="0"/>
+              <a:t>Nous avons montré qu’en Théorie, le calcul des métriques peut être faussé par le renommage, dans les projets d’aujourd’hui qui n’utilisent pas Git ou qui ne détecte pas ce renommage. Et bien qu’il soit de notoriété commune que le </a:t>
+            </a:r>
+            <a:r>
+              <a:rPr lang="fr-FR" baseline="0" dirty="0" err="1" smtClean="0"/>
+              <a:t>refactoring</a:t>
+            </a:r>
+            <a:r>
+              <a:rPr lang="fr-FR" baseline="0" dirty="0" smtClean="0"/>
+              <a:t>, </a:t>
+            </a:r>
+            <a:r>
+              <a:rPr lang="fr-FR" sz="1100" b="0" i="0" u="none" strike="noStrike" kern="1200" baseline="0" dirty="0" smtClean="0">
+                <a:solidFill>
+                  <a:schemeClr val="tx1"/>
+                </a:solidFill>
+                <a:latin typeface="+mn-lt"/>
+                <a:ea typeface="+mn-ea"/>
+                <a:cs typeface="+mn-cs"/>
+              </a:rPr>
+              <a:t>modifications architecturales (dont le renommage d’entités) qui permettent d’améliorer ou restructurer le code source, sont une pratique courante dans le développement logiciel, nous ne connaissons ni la quantité de renommages ni son impact réel dans les projets.</a:t>
+            </a:r>
+            <a:endParaRPr lang="fr-FR" dirty="0" smtClean="0"/>
           </a:p>
         </p:txBody>
       </p:sp>
     </p:spTree>
+    <p:extLst>
+      <p:ext uri="{BB962C8B-B14F-4D97-AF65-F5344CB8AC3E}">
+        <p14:creationId xmlns:p14="http://schemas.microsoft.com/office/powerpoint/2010/main" val="1149294144"/>
+      </p:ext>
+    </p:extLst>
   </p:cSld>
   <p:clrMapOvr>
     <a:masterClrMapping/>
@@ -5164,7 +5282,7 @@
               <a:buNone/>
             </a:pPr>
             <a:r>
-              <a:rPr lang="fr" sz="1400" dirty="0"/>
+              <a:rPr lang="fr" sz="1800" dirty="0"/>
               <a:t>Pierre Chanson</a:t>
             </a:r>
           </a:p>
@@ -5179,7 +5297,7 @@
               <a:buFont typeface="Arial"/>
               <a:buNone/>
             </a:pPr>
-            <a:endParaRPr sz="1400" dirty="0"/>
+            <a:endParaRPr sz="1800" dirty="0"/>
           </a:p>
           <a:p>
             <a:pPr lvl="0" rtl="0">
@@ -5194,14 +5312,14 @@
               <a:buNone/>
             </a:pPr>
             <a:r>
-              <a:rPr lang="fr" sz="1400" dirty="0"/>
+              <a:rPr lang="fr" sz="1800" dirty="0"/>
               <a:t>Encadrants: Jean-Rémy Falleri et Matthieu </a:t>
             </a:r>
             <a:r>
-              <a:rPr lang="fr" sz="1400" dirty="0" smtClean="0"/>
+              <a:rPr lang="fr" sz="1800" dirty="0" smtClean="0"/>
               <a:t>Foucault</a:t>
             </a:r>
-            <a:endParaRPr lang="fr" sz="1400" dirty="0"/>
+            <a:endParaRPr lang="fr" sz="1800" dirty="0"/>
           </a:p>
         </p:txBody>
       </p:sp>
@@ -5339,9 +5457,10 @@
           <a:lstStyle/>
           <a:p>
             <a:r>
-              <a:rPr lang="fr-FR" dirty="0"/>
-              <a:t>Problématique</a:t>
-            </a:r>
+              <a:rPr lang="fr-FR" dirty="0" smtClean="0"/>
+              <a:t>Questions de recherche</a:t>
+            </a:r>
+            <a:endParaRPr lang="fr-FR" dirty="0"/>
           </a:p>
         </p:txBody>
       </p:sp>
@@ -5361,36 +5480,47 @@
           <a:lstStyle/>
           <a:p>
             <a:pPr marL="457200" indent="-457200">
-              <a:buFont typeface="Arial" panose="020B0604020202020204" pitchFamily="34" charset="0"/>
-              <a:buChar char="•"/>
+              <a:buFont typeface="Wingdings" panose="05000000000000000000" pitchFamily="2" charset="2"/>
+              <a:buChar char="Ø"/>
             </a:pPr>
-            <a:r>
-              <a:rPr lang="fr-FR" dirty="0" smtClean="0"/>
-              <a:t>Quelle est la quantité de renommage dans les projets ?</a:t>
+            <a:endParaRPr lang="fr-FR" sz="2800" dirty="0" smtClean="0"/>
+          </a:p>
+          <a:p>
+            <a:pPr marL="457200" indent="-457200">
+              <a:buFont typeface="Wingdings" panose="05000000000000000000" pitchFamily="2" charset="2"/>
+              <a:buChar char="Ø"/>
+            </a:pPr>
+            <a:r>
+              <a:rPr lang="fr-FR" sz="2800" dirty="0" smtClean="0"/>
+              <a:t>Quelle </a:t>
+            </a:r>
+            <a:r>
+              <a:rPr lang="fr-FR" sz="2800" dirty="0" smtClean="0"/>
+              <a:t>est la quantité de renommage dans les projets ?</a:t>
             </a:r>
             <a:br>
-              <a:rPr lang="fr-FR" dirty="0" smtClean="0"/>
+              <a:rPr lang="fr-FR" sz="2800" dirty="0" smtClean="0"/>
             </a:br>
-            <a:endParaRPr lang="fr-FR" dirty="0" smtClean="0"/>
+            <a:endParaRPr lang="fr-FR" sz="2800" dirty="0" smtClean="0"/>
           </a:p>
           <a:p>
             <a:pPr marL="457200" indent="-457200">
-              <a:buFont typeface="Arial" panose="020B0604020202020204" pitchFamily="34" charset="0"/>
-              <a:buChar char="•"/>
+              <a:buFont typeface="Wingdings" panose="05000000000000000000" pitchFamily="2" charset="2"/>
+              <a:buChar char="Ø"/>
             </a:pPr>
             <a:r>
-              <a:rPr lang="fr-FR" dirty="0" smtClean="0"/>
+              <a:rPr lang="fr-FR" sz="2800" dirty="0" smtClean="0"/>
               <a:t>Ce renommage </a:t>
             </a:r>
             <a:r>
-              <a:rPr lang="fr-FR" dirty="0" err="1" smtClean="0"/>
+              <a:rPr lang="fr-FR" sz="2800" dirty="0" err="1" smtClean="0"/>
               <a:t>a-t-il</a:t>
             </a:r>
             <a:r>
-              <a:rPr lang="fr-FR" dirty="0" smtClean="0"/>
+              <a:rPr lang="fr-FR" sz="2800" dirty="0" smtClean="0"/>
               <a:t> un impact réel sur les métriques de procédés ?</a:t>
             </a:r>
-            <a:endParaRPr lang="fr-FR" dirty="0"/>
+            <a:endParaRPr lang="fr-FR" sz="2800" dirty="0"/>
           </a:p>
         </p:txBody>
       </p:sp>
@@ -5420,7 +5550,6 @@
               <a:rPr lang="fr-FR" dirty="0" smtClean="0"/>
               <a:t>10</a:t>
             </a:r>
-            <a:endParaRPr lang="fr-FR" dirty="0" smtClean="0"/>
           </a:p>
         </p:txBody>
       </p:sp>
@@ -5449,7 +5578,7 @@
   <p:cSld>
     <p:spTree>
       <p:nvGrpSpPr>
-        <p:cNvPr id="1" name="Shape 83"/>
+        <p:cNvPr id="1" name="Shape 59"/>
         <p:cNvGrpSpPr/>
         <p:nvPr/>
       </p:nvGrpSpPr>
@@ -5463,7 +5592,7 @@
       </p:grpSpPr>
       <p:sp>
         <p:nvSpPr>
-          <p:cNvPr id="84" name="Shape 84"/>
+          <p:cNvPr id="60" name="Shape 60"/>
           <p:cNvSpPr txBox="1">
             <a:spLocks noGrp="1"/>
           </p:cNvSpPr>
@@ -5486,63 +5615,36 @@
           </a:bodyPr>
           <a:lstStyle/>
           <a:p>
-            <a:pPr>
-              <a:spcBef>
-                <a:spcPts val="0"/>
-              </a:spcBef>
-              <a:buNone/>
-            </a:pPr>
             <a:r>
               <a:rPr lang="fr" dirty="0" smtClean="0"/>
-              <a:t>Méthodologie </a:t>
-            </a:r>
-            <a:r>
-              <a:rPr lang="fr" sz="1400" dirty="0">
+              <a:t>Etude préliminaire </a:t>
+            </a:r>
+            <a:r>
+              <a:rPr lang="fr" sz="1400" dirty="0" smtClean="0">
                 <a:solidFill>
                   <a:schemeClr val="bg2"/>
                 </a:solidFill>
               </a:rPr>
-              <a:t>corpus</a:t>
-            </a:r>
-          </a:p>
-        </p:txBody>
-      </p:sp>
-      <p:pic>
-        <p:nvPicPr>
-          <p:cNvPr id="85" name="Shape 85"/>
-          <p:cNvPicPr preferRelativeResize="0"/>
-          <p:nvPr/>
-        </p:nvPicPr>
-        <p:blipFill>
-          <a:blip r:embed="rId3"/>
-          <a:stretch>
-            <a:fillRect/>
-          </a:stretch>
-        </p:blipFill>
-        <p:spPr>
-          <a:xfrm>
-            <a:off x="107504" y="2492896"/>
-            <a:ext cx="9001000" cy="2160240"/>
-          </a:xfrm>
-          <a:prstGeom prst="rect">
-            <a:avLst/>
-          </a:prstGeom>
-          <a:noFill/>
-          <a:ln>
-            <a:noFill/>
-          </a:ln>
-        </p:spPr>
-      </p:pic>
-      <p:sp>
-        <p:nvSpPr>
-          <p:cNvPr id="2" name="TextBox 1"/>
+              <a:t>traitement du renommage par les VCS</a:t>
+            </a:r>
+            <a:endParaRPr lang="fr" sz="1400" dirty="0">
+              <a:solidFill>
+                <a:schemeClr val="bg2"/>
+              </a:solidFill>
+            </a:endParaRPr>
+          </a:p>
+        </p:txBody>
+      </p:sp>
+      <p:sp>
+        <p:nvSpPr>
+          <p:cNvPr id="3" name="TextBox 2"/>
           <p:cNvSpPr txBox="1"/>
           <p:nvPr/>
         </p:nvSpPr>
         <p:spPr>
           <a:xfrm>
-            <a:off x="179512" y="2166150"/>
-            <a:ext cx="3744416" cy="369332"/>
+            <a:off x="395537" y="5925278"/>
+            <a:ext cx="7272807" cy="461665"/>
           </a:xfrm>
           <a:prstGeom prst="rect">
             <a:avLst/>
@@ -5556,23 +5658,92 @@
           <a:lstStyle/>
           <a:p>
             <a:r>
-              <a:rPr lang="fr-FR" sz="1800" dirty="0" smtClean="0"/>
-              <a:t>5 projets open-source :</a:t>
-            </a:r>
-            <a:endParaRPr lang="fr-FR" sz="1800" dirty="0"/>
-          </a:p>
-        </p:txBody>
-      </p:sp>
-      <p:sp>
-        <p:nvSpPr>
-          <p:cNvPr id="5" name="TextBox 4"/>
+              <a:rPr lang="fr-FR" sz="1200" i="1" dirty="0" smtClean="0">
+                <a:solidFill>
+                  <a:schemeClr val="bg2"/>
+                </a:solidFill>
+              </a:rPr>
+              <a:t>* Kim et al,</a:t>
+            </a:r>
+          </a:p>
+          <a:p>
+            <a:r>
+              <a:rPr lang="fr-FR" sz="1200" i="1" dirty="0" smtClean="0">
+                <a:solidFill>
+                  <a:schemeClr val="bg2"/>
+                </a:solidFill>
+              </a:rPr>
+              <a:t> </a:t>
+            </a:r>
+            <a:r>
+              <a:rPr lang="en-US" sz="1200" i="1" dirty="0" smtClean="0">
+                <a:solidFill>
+                  <a:schemeClr val="bg2"/>
+                </a:solidFill>
+              </a:rPr>
+              <a:t>“A field </a:t>
+            </a:r>
+            <a:r>
+              <a:rPr lang="en-US" sz="1200" i="1" dirty="0">
+                <a:solidFill>
+                  <a:schemeClr val="bg2"/>
+                </a:solidFill>
+              </a:rPr>
+              <a:t>study of refactoring challenges and </a:t>
+            </a:r>
+            <a:r>
+              <a:rPr lang="en-US" sz="1200" i="1" dirty="0" smtClean="0">
+                <a:solidFill>
+                  <a:schemeClr val="bg2"/>
+                </a:solidFill>
+              </a:rPr>
+              <a:t>benefits</a:t>
+            </a:r>
+            <a:r>
+              <a:rPr lang="en-US" sz="1200" i="1" dirty="0">
+                <a:solidFill>
+                  <a:schemeClr val="bg2"/>
+                </a:solidFill>
+              </a:rPr>
+              <a:t>”, </a:t>
+            </a:r>
+            <a:r>
+              <a:rPr lang="fr-FR" sz="1200" i="1" dirty="0" err="1" smtClean="0">
+                <a:solidFill>
+                  <a:schemeClr val="bg2"/>
+                </a:solidFill>
+              </a:rPr>
+              <a:t>Foundations</a:t>
+            </a:r>
+            <a:r>
+              <a:rPr lang="fr-FR" sz="1200" i="1" dirty="0" smtClean="0">
+                <a:solidFill>
+                  <a:schemeClr val="bg2"/>
+                </a:solidFill>
+              </a:rPr>
+              <a:t> of </a:t>
+            </a:r>
+            <a:r>
+              <a:rPr lang="fr-FR" sz="1200" i="1" dirty="0">
+                <a:solidFill>
+                  <a:schemeClr val="bg2"/>
+                </a:solidFill>
+              </a:rPr>
+              <a:t>Software Engineering, 2012.</a:t>
+            </a:r>
+          </a:p>
+        </p:txBody>
+      </p:sp>
+      <p:sp>
+        <p:nvSpPr>
+          <p:cNvPr id="6" name="TextBox 5"/>
           <p:cNvSpPr txBox="1"/>
           <p:nvPr/>
         </p:nvSpPr>
         <p:spPr>
           <a:xfrm>
-            <a:off x="8748464" y="6550223"/>
-            <a:ext cx="395536" cy="307777"/>
+            <a:off x="8855282" y="6550223"/>
+            <a:ext cx="288718" cy="307777"/>
           </a:xfrm>
           <a:prstGeom prst="rect">
             <a:avLst/>
@@ -5587,9 +5758,105 @@
           <a:p>
             <a:r>
               <a:rPr lang="fr-FR" dirty="0" smtClean="0"/>
-              <a:t>11</a:t>
-            </a:r>
-            <a:endParaRPr lang="fr-FR" dirty="0" smtClean="0"/>
+              <a:t>8</a:t>
+            </a:r>
+          </a:p>
+        </p:txBody>
+      </p:sp>
+      <p:sp>
+        <p:nvSpPr>
+          <p:cNvPr id="5" name="TextBox 4"/>
+          <p:cNvSpPr txBox="1"/>
+          <p:nvPr/>
+        </p:nvSpPr>
+        <p:spPr>
+          <a:xfrm>
+            <a:off x="827584" y="1628800"/>
+            <a:ext cx="7560840" cy="3416320"/>
+          </a:xfrm>
+          <a:prstGeom prst="rect">
+            <a:avLst/>
+          </a:prstGeom>
+          <a:noFill/>
+        </p:spPr>
+        <p:txBody>
+          <a:bodyPr wrap="square" rtlCol="0">
+            <a:spAutoFit/>
+          </a:bodyPr>
+          <a:lstStyle/>
+          <a:p>
+            <a:endParaRPr lang="fr-FR" sz="2400" dirty="0" smtClean="0"/>
+          </a:p>
+          <a:p>
+            <a:pPr marL="342900" indent="-342900">
+              <a:buFont typeface="Wingdings" panose="05000000000000000000" pitchFamily="2" charset="2"/>
+              <a:buChar char="Ø"/>
+            </a:pPr>
+            <a:r>
+              <a:rPr lang="fr-FR" sz="2400" dirty="0" smtClean="0"/>
+              <a:t>CVS : Aucun</a:t>
+            </a:r>
+            <a:br>
+              <a:rPr lang="fr-FR" sz="2400" dirty="0" smtClean="0"/>
+            </a:br>
+            <a:endParaRPr lang="fr-FR" sz="2400" dirty="0" smtClean="0"/>
+          </a:p>
+          <a:p>
+            <a:pPr marL="342900" indent="-342900">
+              <a:buFont typeface="Wingdings" panose="05000000000000000000" pitchFamily="2" charset="2"/>
+              <a:buChar char="Ø"/>
+            </a:pPr>
+            <a:r>
+              <a:rPr lang="fr-FR" sz="2400" dirty="0" smtClean="0"/>
+              <a:t>SVN, </a:t>
+            </a:r>
+            <a:r>
+              <a:rPr lang="fr-FR" sz="2400" dirty="0" err="1" smtClean="0"/>
+              <a:t>Mercurial</a:t>
+            </a:r>
+            <a:r>
+              <a:rPr lang="fr-FR" sz="2400" dirty="0"/>
+              <a:t> </a:t>
+            </a:r>
+            <a:r>
+              <a:rPr lang="fr-FR" sz="2400" dirty="0" smtClean="0"/>
+              <a:t>: Manuel*</a:t>
+            </a:r>
+            <a:br>
+              <a:rPr lang="fr-FR" sz="2400" dirty="0" smtClean="0"/>
+            </a:br>
+            <a:endParaRPr lang="fr-FR" sz="2400" dirty="0" smtClean="0"/>
+          </a:p>
+          <a:p>
+            <a:pPr marL="342900" indent="-342900">
+              <a:buFont typeface="Wingdings" panose="05000000000000000000" pitchFamily="2" charset="2"/>
+              <a:buChar char="Ø"/>
+            </a:pPr>
+            <a:r>
+              <a:rPr lang="fr-FR" sz="2400" b="1" dirty="0" smtClean="0"/>
+              <a:t>Git</a:t>
+            </a:r>
+            <a:r>
+              <a:rPr lang="fr-FR" sz="2400" dirty="0" smtClean="0"/>
+              <a:t> : Automatique et optionnel</a:t>
+            </a:r>
+          </a:p>
+          <a:p>
+            <a:pPr marL="285750" indent="-285750">
+              <a:buFont typeface="Arial" panose="020B0604020202020204" pitchFamily="34" charset="0"/>
+              <a:buChar char="•"/>
+            </a:pPr>
+            <a:endParaRPr lang="fr-FR" sz="2400" dirty="0"/>
+          </a:p>
+          <a:p>
+            <a:endParaRPr lang="fr-FR" sz="2400" dirty="0" smtClean="0"/>
+          </a:p>
+          <a:p>
+            <a:r>
+              <a:rPr lang="fr-FR" sz="2400" dirty="0" smtClean="0"/>
+              <a:t>Niveau de granularité : Fichier</a:t>
+            </a:r>
+            <a:endParaRPr lang="fr-FR" sz="2400" dirty="0"/>
           </a:p>
         </p:txBody>
       </p:sp>
@@ -5616,7 +5883,7 @@
   <p:cSld>
     <p:spTree>
       <p:nvGrpSpPr>
-        <p:cNvPr id="1" name="Shape 89"/>
+        <p:cNvPr id="1" name="Shape 83"/>
         <p:cNvGrpSpPr/>
         <p:nvPr/>
       </p:nvGrpSpPr>
@@ -5630,7 +5897,7 @@
       </p:grpSpPr>
       <p:sp>
         <p:nvSpPr>
-          <p:cNvPr id="90" name="Shape 90"/>
+          <p:cNvPr id="84" name="Shape 84"/>
           <p:cNvSpPr txBox="1">
             <a:spLocks noGrp="1"/>
           </p:cNvSpPr>
@@ -5653,7 +5920,7 @@
           </a:bodyPr>
           <a:lstStyle/>
           <a:p>
-            <a:pPr lvl="0" rtl="0">
+            <a:pPr>
               <a:spcBef>
                 <a:spcPts val="0"/>
               </a:spcBef>
@@ -5661,125 +5928,52 @@
             </a:pPr>
             <a:r>
               <a:rPr lang="fr" dirty="0" smtClean="0"/>
-              <a:t>Méthodologie </a:t>
-            </a:r>
-            <a:r>
-              <a:rPr lang="fr" sz="1400" dirty="0">
-                <a:solidFill>
-                  <a:schemeClr val="bg2"/>
-                </a:solidFill>
-              </a:rPr>
-              <a:t>première expérience</a:t>
-            </a:r>
-          </a:p>
-        </p:txBody>
-      </p:sp>
-      <p:sp>
-        <p:nvSpPr>
-          <p:cNvPr id="92" name="Shape 92"/>
-          <p:cNvSpPr txBox="1"/>
-          <p:nvPr/>
-        </p:nvSpPr>
-        <p:spPr>
-          <a:xfrm>
-            <a:off x="5919200" y="2256433"/>
-            <a:ext cx="2873100" cy="3507200"/>
-          </a:xfrm>
-          <a:prstGeom prst="rect">
-            <a:avLst/>
-          </a:prstGeom>
-        </p:spPr>
-        <p:txBody>
-          <a:bodyPr lIns="91425" tIns="91425" rIns="91425" bIns="91425" anchor="t" anchorCtr="0">
-            <a:noAutofit/>
-          </a:bodyPr>
-          <a:lstStyle/>
-          <a:p>
-            <a:pPr marL="457200" lvl="0" indent="-381000" rtl="0">
-              <a:spcBef>
-                <a:spcPts val="0"/>
-              </a:spcBef>
-              <a:buClr>
-                <a:srgbClr val="000000"/>
-              </a:buClr>
-              <a:buSzPct val="100000"/>
-              <a:buFont typeface="Arial"/>
-              <a:buChar char="●"/>
-            </a:pPr>
-            <a:r>
-              <a:rPr lang="fr" sz="2400" dirty="0"/>
-              <a:t>Quantité de renommage</a:t>
-            </a:r>
-          </a:p>
-          <a:p>
-            <a:pPr lvl="0" rtl="0">
-              <a:spcBef>
-                <a:spcPts val="0"/>
-              </a:spcBef>
-              <a:buNone/>
-            </a:pPr>
-            <a:endParaRPr lang="fr" sz="2400" dirty="0"/>
-          </a:p>
-          <a:p>
-            <a:pPr marL="457200" lvl="0" indent="-381000">
-              <a:spcBef>
-                <a:spcPts val="0"/>
-              </a:spcBef>
-              <a:buClr>
-                <a:srgbClr val="000000"/>
-              </a:buClr>
-              <a:buSzPct val="100000"/>
-              <a:buFont typeface="Arial"/>
-              <a:buChar char="●"/>
-            </a:pPr>
-            <a:r>
-              <a:rPr lang="fr" sz="2400" dirty="0" smtClean="0"/>
-              <a:t>Localisation</a:t>
-            </a:r>
-            <a:endParaRPr lang="fr" sz="2400" dirty="0"/>
+              <a:t>Corpus</a:t>
+            </a:r>
+            <a:endParaRPr lang="fr" sz="1400" dirty="0">
+              <a:solidFill>
+                <a:schemeClr val="bg2"/>
+              </a:solidFill>
+            </a:endParaRPr>
           </a:p>
         </p:txBody>
       </p:sp>
       <p:pic>
         <p:nvPicPr>
-          <p:cNvPr id="2" name="Picture 1"/>
-          <p:cNvPicPr>
-            <a:picLocks noChangeAspect="1"/>
-          </p:cNvPicPr>
+          <p:cNvPr id="85" name="Shape 85"/>
+          <p:cNvPicPr preferRelativeResize="0"/>
           <p:nvPr/>
         </p:nvPicPr>
         <p:blipFill>
-          <a:blip r:embed="rId3">
-            <a:extLst>
-              <a:ext uri="{28A0092B-C50C-407E-A947-70E740481C1C}">
-                <a14:useLocalDpi xmlns:a14="http://schemas.microsoft.com/office/drawing/2010/main" val="0"/>
-              </a:ext>
-            </a:extLst>
-          </a:blip>
+          <a:blip r:embed="rId3"/>
           <a:stretch>
             <a:fillRect/>
           </a:stretch>
         </p:blipFill>
         <p:spPr>
           <a:xfrm>
-            <a:off x="1331640" y="1418400"/>
-            <a:ext cx="6279642" cy="5209604"/>
-          </a:xfrm>
-          <a:prstGeom prst="rect">
-            <a:avLst/>
-          </a:prstGeom>
+            <a:off x="143000" y="1885474"/>
+            <a:ext cx="9001000" cy="2160240"/>
+          </a:xfrm>
+          <a:prstGeom prst="rect">
+            <a:avLst/>
+          </a:prstGeom>
+          <a:noFill/>
+          <a:ln>
+            <a:noFill/>
+          </a:ln>
         </p:spPr>
       </p:pic>
       <p:sp>
         <p:nvSpPr>
-          <p:cNvPr id="5" name="TextBox 4"/>
+          <p:cNvPr id="2" name="TextBox 1"/>
           <p:cNvSpPr txBox="1"/>
           <p:nvPr/>
         </p:nvSpPr>
         <p:spPr>
           <a:xfrm>
-            <a:off x="8748464" y="6550223"/>
-            <a:ext cx="395536" cy="307777"/>
+            <a:off x="179512" y="1700808"/>
+            <a:ext cx="3744416" cy="369332"/>
           </a:xfrm>
           <a:prstGeom prst="rect">
             <a:avLst/>
@@ -5793,10 +5987,93 @@
           <a:lstStyle/>
           <a:p>
             <a:r>
+              <a:rPr lang="fr-FR" sz="1800" dirty="0" smtClean="0"/>
+              <a:t>5 projets open-source :</a:t>
+            </a:r>
+            <a:endParaRPr lang="fr-FR" sz="1800" dirty="0"/>
+          </a:p>
+        </p:txBody>
+      </p:sp>
+      <p:sp>
+        <p:nvSpPr>
+          <p:cNvPr id="5" name="TextBox 4"/>
+          <p:cNvSpPr txBox="1"/>
+          <p:nvPr/>
+        </p:nvSpPr>
+        <p:spPr>
+          <a:xfrm>
+            <a:off x="8748464" y="6550223"/>
+            <a:ext cx="395536" cy="307777"/>
+          </a:xfrm>
+          <a:prstGeom prst="rect">
+            <a:avLst/>
+          </a:prstGeom>
+          <a:noFill/>
+        </p:spPr>
+        <p:txBody>
+          <a:bodyPr wrap="square" rtlCol="0">
+            <a:spAutoFit/>
+          </a:bodyPr>
+          <a:lstStyle/>
+          <a:p>
+            <a:r>
               <a:rPr lang="fr-FR" dirty="0" smtClean="0"/>
-              <a:t>12</a:t>
-            </a:r>
-            <a:endParaRPr lang="fr-FR" dirty="0" smtClean="0"/>
+              <a:t>11</a:t>
+            </a:r>
+          </a:p>
+        </p:txBody>
+      </p:sp>
+      <p:sp>
+        <p:nvSpPr>
+          <p:cNvPr id="3" name="TextBox 2"/>
+          <p:cNvSpPr txBox="1"/>
+          <p:nvPr/>
+        </p:nvSpPr>
+        <p:spPr>
+          <a:xfrm>
+            <a:off x="395536" y="4149080"/>
+            <a:ext cx="7272808" cy="1200329"/>
+          </a:xfrm>
+          <a:prstGeom prst="rect">
+            <a:avLst/>
+          </a:prstGeom>
+          <a:noFill/>
+        </p:spPr>
+        <p:txBody>
+          <a:bodyPr wrap="square" rtlCol="0">
+            <a:spAutoFit/>
+          </a:bodyPr>
+          <a:lstStyle/>
+          <a:p>
+            <a:pPr marL="342900" indent="-342900">
+              <a:buFont typeface="Arial" panose="020B0604020202020204" pitchFamily="34" charset="0"/>
+              <a:buChar char="•"/>
+            </a:pPr>
+            <a:r>
+              <a:rPr lang="fr-FR" sz="2400" dirty="0" smtClean="0"/>
+              <a:t>Git</a:t>
+            </a:r>
+          </a:p>
+          <a:p>
+            <a:pPr marL="342900" indent="-342900">
+              <a:buFont typeface="Arial" panose="020B0604020202020204" pitchFamily="34" charset="0"/>
+              <a:buChar char="•"/>
+            </a:pPr>
+            <a:r>
+              <a:rPr lang="fr-FR" sz="2400" dirty="0" smtClean="0"/>
+              <a:t>Langages généralisés</a:t>
+            </a:r>
+          </a:p>
+          <a:p>
+            <a:pPr marL="342900" indent="-342900">
+              <a:buFont typeface="Arial" panose="020B0604020202020204" pitchFamily="34" charset="0"/>
+              <a:buChar char="•"/>
+            </a:pPr>
+            <a:r>
+              <a:rPr lang="fr-FR" sz="2400" dirty="0" smtClean="0"/>
+              <a:t>Matures</a:t>
+            </a:r>
+            <a:endParaRPr lang="fr-FR" sz="2400" dirty="0"/>
           </a:p>
         </p:txBody>
       </p:sp>
@@ -5860,24 +6137,12 @@
           </a:bodyPr>
           <a:lstStyle/>
           <a:p>
-            <a:pPr lvl="0" rtl="0">
-              <a:spcBef>
-                <a:spcPts val="0"/>
-              </a:spcBef>
-              <a:buNone/>
-            </a:pPr>
+            <a:pPr lvl="0"/>
             <a:r>
               <a:rPr lang="fr" dirty="0" smtClean="0"/>
-              <a:t>Méthodologie </a:t>
-            </a:r>
-            <a:r>
-              <a:rPr lang="fr" sz="1400" dirty="0">
-                <a:solidFill>
-                  <a:schemeClr val="bg2"/>
-                </a:solidFill>
-              </a:rPr>
-              <a:t>première expérience</a:t>
-            </a:r>
+              <a:t>Première expérience</a:t>
+            </a:r>
+            <a:endParaRPr lang="fr" dirty="0"/>
           </a:p>
         </p:txBody>
       </p:sp>
@@ -5910,8 +6175,8 @@
                 <a:srgbClr val="000000"/>
               </a:buClr>
               <a:buSzPct val="100000"/>
-              <a:buFont typeface="Arial"/>
-              <a:buChar char="●"/>
+              <a:buFont typeface="Wingdings" panose="05000000000000000000" pitchFamily="2" charset="2"/>
+              <a:buChar char="Ø"/>
             </a:pPr>
             <a:r>
               <a:rPr lang="fr" sz="2400" dirty="0"/>
@@ -5919,11 +6184,12 @@
             </a:r>
           </a:p>
           <a:p>
-            <a:pPr lvl="0" rtl="0">
-              <a:spcBef>
-                <a:spcPts val="0"/>
-              </a:spcBef>
-              <a:buNone/>
+            <a:pPr marL="342900" lvl="0" indent="-342900" rtl="0">
+              <a:spcBef>
+                <a:spcPts val="0"/>
+              </a:spcBef>
+              <a:buFont typeface="Wingdings" panose="05000000000000000000" pitchFamily="2" charset="2"/>
+              <a:buChar char="Ø"/>
             </a:pPr>
             <a:endParaRPr lang="fr" sz="2400" dirty="0"/>
           </a:p>
@@ -5936,8 +6202,211 @@
                 <a:srgbClr val="000000"/>
               </a:buClr>
               <a:buSzPct val="100000"/>
-              <a:buFont typeface="Arial"/>
-              <a:buChar char="●"/>
+              <a:buFont typeface="Wingdings" panose="05000000000000000000" pitchFamily="2" charset="2"/>
+              <a:buChar char="Ø"/>
+            </a:pPr>
+            <a:r>
+              <a:rPr lang="fr" sz="2400" dirty="0" smtClean="0"/>
+              <a:t>Localisation</a:t>
+            </a:r>
+            <a:endParaRPr lang="fr" sz="2400" dirty="0"/>
+          </a:p>
+        </p:txBody>
+      </p:sp>
+      <p:pic>
+        <p:nvPicPr>
+          <p:cNvPr id="2" name="Picture 1"/>
+          <p:cNvPicPr>
+            <a:picLocks noChangeAspect="1"/>
+          </p:cNvPicPr>
+          <p:nvPr/>
+        </p:nvPicPr>
+        <p:blipFill>
+          <a:blip r:embed="rId3">
+            <a:extLst>
+              <a:ext uri="{28A0092B-C50C-407E-A947-70E740481C1C}">
+                <a14:useLocalDpi xmlns:a14="http://schemas.microsoft.com/office/drawing/2010/main" val="0"/>
+              </a:ext>
+            </a:extLst>
+          </a:blip>
+          <a:stretch>
+            <a:fillRect/>
+          </a:stretch>
+        </p:blipFill>
+        <p:spPr>
+          <a:xfrm>
+            <a:off x="1331640" y="1418400"/>
+            <a:ext cx="6279642" cy="5209604"/>
+          </a:xfrm>
+          <a:prstGeom prst="rect">
+            <a:avLst/>
+          </a:prstGeom>
+        </p:spPr>
+      </p:pic>
+      <p:sp>
+        <p:nvSpPr>
+          <p:cNvPr id="5" name="TextBox 4"/>
+          <p:cNvSpPr txBox="1"/>
+          <p:nvPr/>
+        </p:nvSpPr>
+        <p:spPr>
+          <a:xfrm>
+            <a:off x="8748464" y="6550223"/>
+            <a:ext cx="395536" cy="307777"/>
+          </a:xfrm>
+          <a:prstGeom prst="rect">
+            <a:avLst/>
+          </a:prstGeom>
+          <a:noFill/>
+        </p:spPr>
+        <p:txBody>
+          <a:bodyPr wrap="square" rtlCol="0">
+            <a:spAutoFit/>
+          </a:bodyPr>
+          <a:lstStyle/>
+          <a:p>
+            <a:r>
+              <a:rPr lang="fr-FR" dirty="0" smtClean="0"/>
+              <a:t>12</a:t>
+            </a:r>
+          </a:p>
+        </p:txBody>
+      </p:sp>
+    </p:spTree>
+  </p:cSld>
+  <p:clrMapOvr>
+    <a:masterClrMapping/>
+  </p:clrMapOvr>
+  <p:transition spd="slow">
+    <p:cut/>
+  </p:transition>
+  <p:timing>
+    <p:tnLst>
+      <p:par>
+        <p:cTn id="1" dur="indefinite" restart="never" nodeType="tmRoot"/>
+      </p:par>
+    </p:tnLst>
+  </p:timing>
+</p:sld>
+</file>
+
+<file path=ppt/slides/slide14.xml><?xml version="1.0" encoding="utf-8"?>
+<p:sld xmlns:a="http://schemas.openxmlformats.org/drawingml/2006/main" xmlns:r="http://schemas.openxmlformats.org/officeDocument/2006/relationships" xmlns:p="http://schemas.openxmlformats.org/presentationml/2006/main">
+  <p:cSld>
+    <p:spTree>
+      <p:nvGrpSpPr>
+        <p:cNvPr id="1" name="Shape 89"/>
+        <p:cNvGrpSpPr/>
+        <p:nvPr/>
+      </p:nvGrpSpPr>
+      <p:grpSpPr>
+        <a:xfrm>
+          <a:off x="0" y="0"/>
+          <a:ext cx="0" cy="0"/>
+          <a:chOff x="0" y="0"/>
+          <a:chExt cx="0" cy="0"/>
+        </a:xfrm>
+      </p:grpSpPr>
+      <p:sp>
+        <p:nvSpPr>
+          <p:cNvPr id="90" name="Shape 90"/>
+          <p:cNvSpPr txBox="1">
+            <a:spLocks noGrp="1"/>
+          </p:cNvSpPr>
+          <p:nvPr>
+            <p:ph type="title"/>
+          </p:nvPr>
+        </p:nvSpPr>
+        <p:spPr>
+          <a:xfrm>
+            <a:off x="457200" y="274637"/>
+            <a:ext cx="8229600" cy="1143200"/>
+          </a:xfrm>
+          <a:prstGeom prst="rect">
+            <a:avLst/>
+          </a:prstGeom>
+        </p:spPr>
+        <p:txBody>
+          <a:bodyPr lIns="91425" tIns="91425" rIns="91425" bIns="91425" anchor="ctr" anchorCtr="0">
+            <a:noAutofit/>
+          </a:bodyPr>
+          <a:lstStyle/>
+          <a:p>
+            <a:pPr lvl="0" rtl="0">
+              <a:spcBef>
+                <a:spcPts val="0"/>
+              </a:spcBef>
+              <a:buNone/>
+            </a:pPr>
+            <a:r>
+              <a:rPr lang="fr" dirty="0" smtClean="0"/>
+              <a:t>Première </a:t>
+            </a:r>
+            <a:r>
+              <a:rPr lang="fr" dirty="0"/>
+              <a:t>expérience</a:t>
+            </a:r>
+          </a:p>
+        </p:txBody>
+      </p:sp>
+      <p:sp>
+        <p:nvSpPr>
+          <p:cNvPr id="92" name="Shape 92"/>
+          <p:cNvSpPr txBox="1"/>
+          <p:nvPr/>
+        </p:nvSpPr>
+        <p:spPr>
+          <a:xfrm>
+            <a:off x="5919200" y="2256433"/>
+            <a:ext cx="2873100" cy="3507200"/>
+          </a:xfrm>
+          <a:prstGeom prst="rect">
+            <a:avLst/>
+          </a:prstGeom>
+        </p:spPr>
+        <p:txBody>
+          <a:bodyPr lIns="91425" tIns="91425" rIns="91425" bIns="91425" anchor="t" anchorCtr="0">
+            <a:noAutofit/>
+          </a:bodyPr>
+          <a:lstStyle/>
+          <a:p>
+            <a:pPr marL="457200" lvl="0" indent="-381000" rtl="0">
+              <a:spcBef>
+                <a:spcPts val="0"/>
+              </a:spcBef>
+              <a:buClr>
+                <a:srgbClr val="000000"/>
+              </a:buClr>
+              <a:buSzPct val="100000"/>
+              <a:buFont typeface="Wingdings" panose="05000000000000000000" pitchFamily="2" charset="2"/>
+              <a:buChar char="Ø"/>
+            </a:pPr>
+            <a:r>
+              <a:rPr lang="fr" sz="2400" dirty="0"/>
+              <a:t>Quantité de renommage</a:t>
+            </a:r>
+          </a:p>
+          <a:p>
+            <a:pPr marL="342900" lvl="0" indent="-342900" rtl="0">
+              <a:spcBef>
+                <a:spcPts val="0"/>
+              </a:spcBef>
+              <a:buFont typeface="Wingdings" panose="05000000000000000000" pitchFamily="2" charset="2"/>
+              <a:buChar char="Ø"/>
+            </a:pPr>
+            <a:endParaRPr lang="fr" sz="2400" dirty="0"/>
+          </a:p>
+          <a:p>
+            <a:pPr marL="457200" lvl="0" indent="-381000">
+              <a:spcBef>
+                <a:spcPts val="0"/>
+              </a:spcBef>
+              <a:buClr>
+                <a:srgbClr val="000000"/>
+              </a:buClr>
+              <a:buSzPct val="100000"/>
+              <a:buFont typeface="Wingdings" panose="05000000000000000000" pitchFamily="2" charset="2"/>
+              <a:buChar char="Ø"/>
             </a:pPr>
             <a:r>
               <a:rPr lang="fr" sz="2400" dirty="0" smtClean="0"/>
@@ -6003,7 +6472,6 @@
               <a:rPr lang="fr-FR" dirty="0" smtClean="0"/>
               <a:t>13</a:t>
             </a:r>
-            <a:endParaRPr lang="fr-FR" dirty="0" smtClean="0"/>
           </a:p>
         </p:txBody>
       </p:sp>
@@ -6030,7 +6498,7 @@
 </p:sld>
 </file>
 
-<file path=ppt/slides/slide14.xml><?xml version="1.0" encoding="utf-8"?>
+<file path=ppt/slides/slide15.xml><?xml version="1.0" encoding="utf-8"?>
 <p:sld xmlns:a="http://schemas.openxmlformats.org/drawingml/2006/main" xmlns:r="http://schemas.openxmlformats.org/officeDocument/2006/relationships" xmlns:p="http://schemas.openxmlformats.org/presentationml/2006/main">
   <p:cSld>
     <p:spTree>
@@ -6049,46 +6517,6 @@
       </p:grpSpPr>
       <p:sp>
         <p:nvSpPr>
-          <p:cNvPr id="97" name="Shape 97"/>
-          <p:cNvSpPr txBox="1">
-            <a:spLocks noGrp="1"/>
-          </p:cNvSpPr>
-          <p:nvPr>
-            <p:ph type="title"/>
-          </p:nvPr>
-        </p:nvSpPr>
-        <p:spPr>
-          <a:xfrm>
-            <a:off x="457200" y="274637"/>
-            <a:ext cx="8229600" cy="1143200"/>
-          </a:xfrm>
-          <a:prstGeom prst="rect">
-            <a:avLst/>
-          </a:prstGeom>
-        </p:spPr>
-        <p:txBody>
-          <a:bodyPr lIns="91425" tIns="91425" rIns="91425" bIns="91425" anchor="ctr" anchorCtr="0">
-            <a:noAutofit/>
-          </a:bodyPr>
-          <a:lstStyle/>
-          <a:p>
-            <a:r>
-              <a:rPr lang="fr" dirty="0" smtClean="0"/>
-              <a:t>Méthodologie </a:t>
-            </a:r>
-            <a:r>
-              <a:rPr lang="fr" sz="1400" dirty="0">
-                <a:solidFill>
-                  <a:schemeClr val="bg2"/>
-                </a:solidFill>
-              </a:rPr>
-              <a:t>première expérience</a:t>
-            </a:r>
-          </a:p>
-        </p:txBody>
-      </p:sp>
-      <p:sp>
-        <p:nvSpPr>
           <p:cNvPr id="98" name="Shape 98"/>
           <p:cNvSpPr txBox="1"/>
           <p:nvPr/>
@@ -6272,58 +6700,20 @@
               <a:rPr lang="fr-FR" dirty="0" smtClean="0"/>
               <a:t>14</a:t>
             </a:r>
-            <a:endParaRPr lang="fr-FR" dirty="0" smtClean="0"/>
-          </a:p>
-        </p:txBody>
-      </p:sp>
-    </p:spTree>
-  </p:cSld>
-  <p:clrMapOvr>
-    <a:masterClrMapping/>
-  </p:clrMapOvr>
-  <p:transition spd="slow">
-    <p:cut/>
-  </p:transition>
-  <p:timing>
-    <p:tnLst>
-      <p:par>
-        <p:cTn id="1" dur="indefinite" restart="never" nodeType="tmRoot"/>
-      </p:par>
-    </p:tnLst>
-  </p:timing>
-</p:sld>
-</file>
-
-<file path=ppt/slides/slide15.xml><?xml version="1.0" encoding="utf-8"?>
-<p:sld xmlns:a="http://schemas.openxmlformats.org/drawingml/2006/main" xmlns:r="http://schemas.openxmlformats.org/officeDocument/2006/relationships" xmlns:p="http://schemas.openxmlformats.org/presentationml/2006/main">
-  <p:cSld>
-    <p:spTree>
-      <p:nvGrpSpPr>
-        <p:cNvPr id="1" name="Shape 102"/>
-        <p:cNvGrpSpPr/>
-        <p:nvPr/>
-      </p:nvGrpSpPr>
-      <p:grpSpPr>
-        <a:xfrm>
-          <a:off x="0" y="0"/>
-          <a:ext cx="0" cy="0"/>
-          <a:chOff x="0" y="0"/>
-          <a:chExt cx="0" cy="0"/>
-        </a:xfrm>
-      </p:grpSpPr>
-      <p:sp>
-        <p:nvSpPr>
-          <p:cNvPr id="103" name="Shape 103"/>
+          </a:p>
+        </p:txBody>
+      </p:sp>
+      <p:sp>
+        <p:nvSpPr>
+          <p:cNvPr id="7" name="Shape 90"/>
           <p:cNvSpPr txBox="1">
-            <a:spLocks noGrp="1"/>
+            <a:spLocks/>
           </p:cNvSpPr>
-          <p:nvPr>
-            <p:ph type="title"/>
-          </p:nvPr>
-        </p:nvSpPr>
-        <p:spPr>
-          <a:xfrm>
-            <a:off x="457200" y="274637"/>
+          <p:nvPr/>
+        </p:nvSpPr>
+        <p:spPr>
+          <a:xfrm>
+            <a:off x="457200" y="273600"/>
             <a:ext cx="8229600" cy="1143200"/>
           </a:xfrm>
           <a:prstGeom prst="rect">
@@ -6334,282 +6724,123 @@
           <a:bodyPr lIns="91425" tIns="91425" rIns="91425" bIns="91425" anchor="ctr" anchorCtr="0">
             <a:noAutofit/>
           </a:bodyPr>
-          <a:lstStyle/>
-          <a:p>
-            <a:pPr lvl="0"/>
-            <a:r>
-              <a:rPr lang="fr" dirty="0" smtClean="0"/>
-              <a:t>Méthodologie </a:t>
-            </a:r>
-            <a:r>
-              <a:rPr lang="fr" sz="1400" dirty="0">
-                <a:solidFill>
-                  <a:schemeClr val="bg2"/>
-                </a:solidFill>
-              </a:rPr>
-              <a:t>première expérience</a:t>
-            </a:r>
-          </a:p>
-        </p:txBody>
-      </p:sp>
-      <p:pic>
-        <p:nvPicPr>
-          <p:cNvPr id="4" name="Shape 110"/>
-          <p:cNvPicPr preferRelativeResize="0"/>
-          <p:nvPr/>
-        </p:nvPicPr>
-        <p:blipFill>
-          <a:blip r:embed="rId3"/>
-          <a:stretch>
-            <a:fillRect/>
-          </a:stretch>
-        </p:blipFill>
-        <p:spPr>
-          <a:xfrm>
-            <a:off x="1354131" y="4122408"/>
-            <a:ext cx="6733639" cy="2643339"/>
-          </a:xfrm>
-          <a:prstGeom prst="rect">
-            <a:avLst/>
-          </a:prstGeom>
-          <a:noFill/>
-          <a:ln>
-            <a:noFill/>
-          </a:ln>
-        </p:spPr>
-      </p:pic>
-      <p:sp>
-        <p:nvSpPr>
-          <p:cNvPr id="6" name="Shape 98"/>
-          <p:cNvSpPr txBox="1"/>
-          <p:nvPr/>
-        </p:nvSpPr>
-        <p:spPr>
-          <a:xfrm>
-            <a:off x="638552" y="1796819"/>
-            <a:ext cx="7859999" cy="4843200"/>
-          </a:xfrm>
-          <a:prstGeom prst="rect">
-            <a:avLst/>
-          </a:prstGeom>
-        </p:spPr>
-        <p:txBody>
-          <a:bodyPr lIns="91425" tIns="91425" rIns="91425" bIns="91425" anchor="t" anchorCtr="0">
-            <a:noAutofit/>
-          </a:bodyPr>
-          <a:lstStyle/>
-          <a:p>
-            <a:pPr marL="76200" lvl="0" rtl="0">
-              <a:spcBef>
-                <a:spcPts val="0"/>
-              </a:spcBef>
+          <a:lstStyle>
+            <a:defPPr marR="0" algn="l" rtl="0">
+              <a:lnSpc>
+                <a:spcPct val="100000"/>
+              </a:lnSpc>
+              <a:spcBef>
+                <a:spcPts val="0"/>
+              </a:spcBef>
+              <a:spcAft>
+                <a:spcPts val="0"/>
+              </a:spcAft>
+            </a:defPPr>
+            <a:lvl1pPr lvl="0">
               <a:buClr>
-                <a:srgbClr val="000000"/>
+                <a:schemeClr val="dk1"/>
               </a:buClr>
               <a:buSzPct val="100000"/>
-            </a:pPr>
-            <a:endParaRPr lang="fr" sz="2400" dirty="0"/>
-          </a:p>
-        </p:txBody>
-      </p:sp>
-      <p:sp>
-        <p:nvSpPr>
-          <p:cNvPr id="7" name="Shape 98"/>
-          <p:cNvSpPr txBox="1"/>
-          <p:nvPr/>
-        </p:nvSpPr>
-        <p:spPr>
-          <a:xfrm>
-            <a:off x="790952" y="1949219"/>
-            <a:ext cx="7859999" cy="4843200"/>
-          </a:xfrm>
-          <a:prstGeom prst="rect">
-            <a:avLst/>
-          </a:prstGeom>
-        </p:spPr>
-        <p:txBody>
-          <a:bodyPr lIns="91425" tIns="91425" rIns="91425" bIns="91425" anchor="t" anchorCtr="0">
-            <a:noAutofit/>
-          </a:bodyPr>
-          <a:lstStyle/>
-          <a:p>
-            <a:pPr marL="76200" lvl="0" rtl="0">
-              <a:spcBef>
-                <a:spcPts val="0"/>
-              </a:spcBef>
+              <a:defRPr sz="3600" b="1">
+                <a:solidFill>
+                  <a:schemeClr val="dk1"/>
+                </a:solidFill>
+              </a:defRPr>
+            </a:lvl1pPr>
+            <a:lvl2pPr>
               <a:buClr>
-                <a:srgbClr val="000000"/>
+                <a:schemeClr val="dk1"/>
               </a:buClr>
               <a:buSzPct val="100000"/>
-            </a:pPr>
-            <a:endParaRPr lang="fr" sz="2400" dirty="0"/>
-          </a:p>
-        </p:txBody>
-      </p:sp>
-      <p:sp>
-        <p:nvSpPr>
-          <p:cNvPr id="8" name="Shape 116"/>
-          <p:cNvSpPr txBox="1"/>
-          <p:nvPr/>
-        </p:nvSpPr>
-        <p:spPr>
-          <a:xfrm>
-            <a:off x="630311" y="1700808"/>
-            <a:ext cx="7859999" cy="4843200"/>
-          </a:xfrm>
-          <a:prstGeom prst="rect">
-            <a:avLst/>
-          </a:prstGeom>
-        </p:spPr>
-        <p:txBody>
-          <a:bodyPr lIns="91425" tIns="91425" rIns="91425" bIns="91425" anchor="t" anchorCtr="0">
-            <a:noAutofit/>
-          </a:bodyPr>
-          <a:lstStyle/>
-          <a:p>
-            <a:pPr marL="457200" lvl="0" indent="-381000" rtl="0">
-              <a:spcBef>
-                <a:spcPts val="0"/>
-              </a:spcBef>
+              <a:defRPr sz="3600" b="1">
+                <a:solidFill>
+                  <a:schemeClr val="dk1"/>
+                </a:solidFill>
+              </a:defRPr>
+            </a:lvl2pPr>
+            <a:lvl3pPr>
               <a:buClr>
-                <a:srgbClr val="000000"/>
+                <a:schemeClr val="dk1"/>
               </a:buClr>
               <a:buSzPct val="100000"/>
-              <a:buFont typeface="Arial"/>
-              <a:buAutoNum type="arabicPeriod"/>
-            </a:pPr>
-            <a:r>
-              <a:rPr lang="fr" sz="1800" dirty="0">
-                <a:solidFill>
-                  <a:schemeClr val="bg1">
-                    <a:lumMod val="85000"/>
-                  </a:schemeClr>
-                </a:solidFill>
-              </a:rPr>
-              <a:t>Lister les fichiers existant à la fin de la période</a:t>
-            </a:r>
-            <a:r>
-              <a:rPr lang="fr" sz="1800" dirty="0" smtClean="0">
-                <a:solidFill>
-                  <a:schemeClr val="bg1">
-                    <a:lumMod val="85000"/>
-                  </a:schemeClr>
-                </a:solidFill>
-              </a:rPr>
-              <a:t>.</a:t>
-            </a:r>
-            <a:r>
-              <a:rPr lang="fr" sz="1800" dirty="0" smtClean="0">
-                <a:solidFill>
-                  <a:schemeClr val="tx1"/>
-                </a:solidFill>
-              </a:rPr>
-              <a:t/>
-            </a:r>
-            <a:br>
-              <a:rPr lang="fr" sz="1800" dirty="0" smtClean="0">
-                <a:solidFill>
-                  <a:schemeClr val="tx1"/>
-                </a:solidFill>
-              </a:rPr>
-            </a:br>
-            <a:endParaRPr lang="fr" sz="1800" dirty="0">
-              <a:solidFill>
-                <a:schemeClr val="tx1"/>
-              </a:solidFill>
-            </a:endParaRPr>
-          </a:p>
-          <a:p>
-            <a:pPr marL="457200" lvl="0" indent="-381000" rtl="0">
-              <a:spcBef>
-                <a:spcPts val="0"/>
-              </a:spcBef>
+              <a:defRPr sz="3600" b="1">
+                <a:solidFill>
+                  <a:schemeClr val="dk1"/>
+                </a:solidFill>
+              </a:defRPr>
+            </a:lvl3pPr>
+            <a:lvl4pPr>
               <a:buClr>
-                <a:srgbClr val="000000"/>
+                <a:schemeClr val="dk1"/>
               </a:buClr>
               <a:buSzPct val="100000"/>
-              <a:buFont typeface="Arial"/>
-              <a:buAutoNum type="arabicPeriod"/>
-            </a:pPr>
-            <a:r>
-              <a:rPr lang="fr" sz="1800" dirty="0">
-                <a:solidFill>
-                  <a:schemeClr val="tx1"/>
-                </a:solidFill>
-              </a:rPr>
-              <a:t>Pour chacun de ces fichiers, extraire sa séquence de modifications durant la période en activant la détection de renommage (commande git log -M</a:t>
-            </a:r>
-            <a:r>
-              <a:rPr lang="fr" sz="1800" dirty="0" smtClean="0">
-                <a:solidFill>
-                  <a:schemeClr val="tx1"/>
-                </a:solidFill>
-              </a:rPr>
-              <a:t>).</a:t>
-            </a:r>
-            <a:r>
-              <a:rPr lang="fr" sz="1800" dirty="0" smtClean="0"/>
-              <a:t/>
-            </a:r>
-            <a:br>
-              <a:rPr lang="fr" sz="1800" dirty="0" smtClean="0"/>
-            </a:br>
-            <a:endParaRPr lang="fr" sz="1800" dirty="0">
-              <a:solidFill>
-                <a:schemeClr val="tx2"/>
-              </a:solidFill>
-            </a:endParaRPr>
-          </a:p>
-          <a:p>
-            <a:pPr marL="457200" lvl="0" indent="-381000" rtl="0">
-              <a:spcBef>
-                <a:spcPts val="0"/>
-              </a:spcBef>
+              <a:defRPr sz="3600" b="1">
+                <a:solidFill>
+                  <a:schemeClr val="dk1"/>
+                </a:solidFill>
+              </a:defRPr>
+            </a:lvl4pPr>
+            <a:lvl5pPr>
               <a:buClr>
-                <a:srgbClr val="000000"/>
+                <a:schemeClr val="dk1"/>
               </a:buClr>
               <a:buSzPct val="100000"/>
-              <a:buFont typeface="Arial"/>
-              <a:buAutoNum type="arabicPeriod"/>
-            </a:pPr>
-            <a:r>
-              <a:rPr lang="fr" sz="1800" dirty="0">
-                <a:solidFill>
-                  <a:schemeClr val="tx2"/>
-                </a:solidFill>
-              </a:rPr>
-              <a:t>Calculer le pourcentage de fichiers %FR qui inclue au moins un renommage.</a:t>
-            </a:r>
-          </a:p>
-        </p:txBody>
-      </p:sp>
-      <p:sp>
-        <p:nvSpPr>
-          <p:cNvPr id="9" name="TextBox 8"/>
-          <p:cNvSpPr txBox="1"/>
-          <p:nvPr/>
-        </p:nvSpPr>
-        <p:spPr>
-          <a:xfrm>
-            <a:off x="8748464" y="6550223"/>
-            <a:ext cx="395536" cy="307777"/>
-          </a:xfrm>
-          <a:prstGeom prst="rect">
-            <a:avLst/>
-          </a:prstGeom>
-          <a:noFill/>
-        </p:spPr>
-        <p:txBody>
-          <a:bodyPr wrap="square" rtlCol="0">
-            <a:spAutoFit/>
-          </a:bodyPr>
-          <a:lstStyle/>
-          <a:p>
-            <a:r>
-              <a:rPr lang="fr-FR" dirty="0" smtClean="0"/>
-              <a:t>15</a:t>
-            </a:r>
-            <a:endParaRPr lang="fr-FR" dirty="0" smtClean="0"/>
+              <a:defRPr sz="3600" b="1">
+                <a:solidFill>
+                  <a:schemeClr val="dk1"/>
+                </a:solidFill>
+              </a:defRPr>
+            </a:lvl5pPr>
+            <a:lvl6pPr>
+              <a:buClr>
+                <a:schemeClr val="dk1"/>
+              </a:buClr>
+              <a:buSzPct val="100000"/>
+              <a:defRPr sz="3600" b="1">
+                <a:solidFill>
+                  <a:schemeClr val="dk1"/>
+                </a:solidFill>
+              </a:defRPr>
+            </a:lvl6pPr>
+            <a:lvl7pPr>
+              <a:buClr>
+                <a:schemeClr val="dk1"/>
+              </a:buClr>
+              <a:buSzPct val="100000"/>
+              <a:defRPr sz="3600" b="1">
+                <a:solidFill>
+                  <a:schemeClr val="dk1"/>
+                </a:solidFill>
+              </a:defRPr>
+            </a:lvl7pPr>
+            <a:lvl8pPr>
+              <a:buClr>
+                <a:schemeClr val="dk1"/>
+              </a:buClr>
+              <a:buSzPct val="100000"/>
+              <a:defRPr sz="3600" b="1">
+                <a:solidFill>
+                  <a:schemeClr val="dk1"/>
+                </a:solidFill>
+              </a:defRPr>
+            </a:lvl8pPr>
+            <a:lvl9pPr>
+              <a:buClr>
+                <a:schemeClr val="dk1"/>
+              </a:buClr>
+              <a:buSzPct val="100000"/>
+              <a:defRPr sz="3600" b="1">
+                <a:solidFill>
+                  <a:schemeClr val="dk1"/>
+                </a:solidFill>
+              </a:defRPr>
+            </a:lvl9pPr>
+          </a:lstStyle>
+          <a:p>
+            <a:r>
+              <a:rPr lang="fr" dirty="0"/>
+              <a:t>Première expérience</a:t>
+            </a:r>
           </a:p>
         </p:txBody>
       </p:sp>
@@ -6636,7 +6867,7 @@
   <p:cSld>
     <p:spTree>
       <p:nvGrpSpPr>
-        <p:cNvPr id="1" name="Shape 114"/>
+        <p:cNvPr id="1" name="Shape 102"/>
         <p:cNvGrpSpPr/>
         <p:nvPr/>
       </p:nvGrpSpPr>
@@ -6650,7 +6881,7 @@
       </p:grpSpPr>
       <p:sp>
         <p:nvSpPr>
-          <p:cNvPr id="115" name="Shape 115"/>
+          <p:cNvPr id="103" name="Shape 103"/>
           <p:cNvSpPr txBox="1">
             <a:spLocks noGrp="1"/>
           </p:cNvSpPr>
@@ -6673,24 +6904,115 @@
           </a:bodyPr>
           <a:lstStyle/>
           <a:p>
-            <a:r>
-              <a:rPr lang="fr" dirty="0" smtClean="0"/>
-              <a:t>Méthodologie </a:t>
-            </a:r>
-            <a:r>
-              <a:rPr lang="fr" sz="1400" dirty="0">
-                <a:solidFill>
-                  <a:schemeClr val="bg2"/>
-                </a:solidFill>
-              </a:rPr>
-              <a:t>première expérience</a:t>
-            </a:r>
-          </a:p>
-        </p:txBody>
-      </p:sp>
-      <p:sp>
-        <p:nvSpPr>
-          <p:cNvPr id="4" name="Shape 116"/>
+            <a:pPr lvl="0"/>
+            <a:r>
+              <a:rPr lang="fr" dirty="0"/>
+              <a:t>Première </a:t>
+            </a:r>
+            <a:r>
+              <a:rPr lang="fr" dirty="0"/>
+              <a:t>expérience</a:t>
+            </a:r>
+          </a:p>
+        </p:txBody>
+      </p:sp>
+      <p:pic>
+        <p:nvPicPr>
+          <p:cNvPr id="4" name="Shape 110"/>
+          <p:cNvPicPr preferRelativeResize="0"/>
+          <p:nvPr/>
+        </p:nvPicPr>
+        <p:blipFill>
+          <a:blip r:embed="rId3"/>
+          <a:stretch>
+            <a:fillRect/>
+          </a:stretch>
+        </p:blipFill>
+        <p:spPr>
+          <a:xfrm>
+            <a:off x="1354131" y="4122408"/>
+            <a:ext cx="6733639" cy="2643339"/>
+          </a:xfrm>
+          <a:prstGeom prst="rect">
+            <a:avLst/>
+          </a:prstGeom>
+          <a:noFill/>
+          <a:ln>
+            <a:noFill/>
+          </a:ln>
+        </p:spPr>
+      </p:pic>
+      <p:sp>
+        <p:nvSpPr>
+          <p:cNvPr id="6" name="Shape 98"/>
+          <p:cNvSpPr txBox="1"/>
+          <p:nvPr/>
+        </p:nvSpPr>
+        <p:spPr>
+          <a:xfrm>
+            <a:off x="638552" y="1796819"/>
+            <a:ext cx="7859999" cy="4843200"/>
+          </a:xfrm>
+          <a:prstGeom prst="rect">
+            <a:avLst/>
+          </a:prstGeom>
+        </p:spPr>
+        <p:txBody>
+          <a:bodyPr lIns="91425" tIns="91425" rIns="91425" bIns="91425" anchor="t" anchorCtr="0">
+            <a:noAutofit/>
+          </a:bodyPr>
+          <a:lstStyle/>
+          <a:p>
+            <a:pPr marL="76200" lvl="0" rtl="0">
+              <a:spcBef>
+                <a:spcPts val="0"/>
+              </a:spcBef>
+              <a:buClr>
+                <a:srgbClr val="000000"/>
+              </a:buClr>
+              <a:buSzPct val="100000"/>
+            </a:pPr>
+            <a:endParaRPr lang="fr" sz="2400" dirty="0"/>
+          </a:p>
+        </p:txBody>
+      </p:sp>
+      <p:sp>
+        <p:nvSpPr>
+          <p:cNvPr id="7" name="Shape 98"/>
+          <p:cNvSpPr txBox="1"/>
+          <p:nvPr/>
+        </p:nvSpPr>
+        <p:spPr>
+          <a:xfrm>
+            <a:off x="790952" y="1949219"/>
+            <a:ext cx="7859999" cy="4843200"/>
+          </a:xfrm>
+          <a:prstGeom prst="rect">
+            <a:avLst/>
+          </a:prstGeom>
+        </p:spPr>
+        <p:txBody>
+          <a:bodyPr lIns="91425" tIns="91425" rIns="91425" bIns="91425" anchor="t" anchorCtr="0">
+            <a:noAutofit/>
+          </a:bodyPr>
+          <a:lstStyle/>
+          <a:p>
+            <a:pPr marL="76200" lvl="0" rtl="0">
+              <a:spcBef>
+                <a:spcPts val="0"/>
+              </a:spcBef>
+              <a:buClr>
+                <a:srgbClr val="000000"/>
+              </a:buClr>
+              <a:buSzPct val="100000"/>
+            </a:pPr>
+            <a:endParaRPr lang="fr" sz="2400" dirty="0"/>
+          </a:p>
+        </p:txBody>
+      </p:sp>
+      <p:sp>
+        <p:nvSpPr>
+          <p:cNvPr id="8" name="Shape 116"/>
           <p:cNvSpPr txBox="1"/>
           <p:nvPr/>
         </p:nvSpPr>
@@ -6723,10 +7045,22 @@
             <a:r>
               <a:rPr lang="fr" sz="1800" dirty="0">
                 <a:solidFill>
-                  <a:schemeClr val="tx2"/>
-                </a:solidFill>
-              </a:rPr>
-              <a:t>Lister les fichiers existant à la fin de la période.</a:t>
+                  <a:schemeClr val="bg1">
+                    <a:lumMod val="85000"/>
+                  </a:schemeClr>
+                </a:solidFill>
+              </a:rPr>
+              <a:t>Lister les fichiers existant à la fin de la période</a:t>
+            </a:r>
+            <a:r>
+              <a:rPr lang="fr" sz="1800" dirty="0" smtClean="0">
+                <a:solidFill>
+                  <a:schemeClr val="bg1">
+                    <a:lumMod val="85000"/>
+                  </a:schemeClr>
+                </a:solidFill>
+              </a:rPr>
+              <a:t>.</a:t>
             </a:r>
             <a:r>
               <a:rPr lang="fr" sz="1800" dirty="0" smtClean="0">
@@ -6764,7 +7098,7 @@
             <a:r>
               <a:rPr lang="fr" sz="1800" dirty="0">
                 <a:solidFill>
-                  <a:schemeClr val="tx2"/>
+                  <a:schemeClr val="tx1"/>
                 </a:solidFill>
               </a:rPr>
               <a:t>Pour chacun de ces fichiers, extraire sa séquence de modifications durant la période en activant la détection de renommage (commande git log -M</a:t>
@@ -6772,7 +7106,7 @@
             <a:r>
               <a:rPr lang="fr" sz="1800" dirty="0" smtClean="0">
                 <a:solidFill>
-                  <a:schemeClr val="tx2"/>
+                  <a:schemeClr val="tx1"/>
                 </a:solidFill>
               </a:rPr>
               <a:t>).</a:t>
@@ -6805,7 +7139,7 @@
             <a:r>
               <a:rPr lang="fr" sz="1800" dirty="0">
                 <a:solidFill>
-                  <a:schemeClr val="tx1"/>
+                  <a:schemeClr val="tx2"/>
                 </a:solidFill>
               </a:rPr>
               <a:t>Calculer le pourcentage de fichiers %FR qui inclue au moins un renommage.</a:t>
@@ -6815,7 +7149,7 @@
       </p:sp>
       <p:sp>
         <p:nvSpPr>
-          <p:cNvPr id="5" name="TextBox 4"/>
+          <p:cNvPr id="9" name="TextBox 8"/>
           <p:cNvSpPr txBox="1"/>
           <p:nvPr/>
         </p:nvSpPr>
@@ -6837,9 +7171,8 @@
           <a:p>
             <a:r>
               <a:rPr lang="fr-FR" dirty="0" smtClean="0"/>
-              <a:t>16</a:t>
-            </a:r>
-            <a:endParaRPr lang="fr-FR" dirty="0" smtClean="0"/>
+              <a:t>15</a:t>
+            </a:r>
           </a:p>
         </p:txBody>
       </p:sp>
@@ -6866,7 +7199,7 @@
   <p:cSld>
     <p:spTree>
       <p:nvGrpSpPr>
-        <p:cNvPr id="1" name="Shape 120"/>
+        <p:cNvPr id="1" name="Shape 114"/>
         <p:cNvGrpSpPr/>
         <p:nvPr/>
       </p:nvGrpSpPr>
@@ -6880,7 +7213,7 @@
       </p:grpSpPr>
       <p:sp>
         <p:nvSpPr>
-          <p:cNvPr id="121" name="Shape 121"/>
+          <p:cNvPr id="115" name="Shape 115"/>
           <p:cNvSpPr txBox="1">
             <a:spLocks noGrp="1"/>
           </p:cNvSpPr>
@@ -6890,7 +7223,7 @@
         </p:nvSpPr>
         <p:spPr>
           <a:xfrm>
-            <a:off x="457200" y="273600"/>
+            <a:off x="457200" y="274637"/>
             <a:ext cx="8229600" cy="1143200"/>
           </a:xfrm>
           <a:prstGeom prst="rect">
@@ -6905,29 +7238,29 @@
           <a:p>
             <a:r>
               <a:rPr lang="fr" dirty="0"/>
-              <a:t>Méthodologie </a:t>
-            </a:r>
-            <a:r>
-              <a:rPr lang="fr" sz="1400" dirty="0">
-                <a:solidFill>
-                  <a:schemeClr val="bg2"/>
-                </a:solidFill>
-              </a:rPr>
-              <a:t>deuxième expérience</a:t>
-            </a:r>
-          </a:p>
-        </p:txBody>
-      </p:sp>
-      <p:sp>
-        <p:nvSpPr>
-          <p:cNvPr id="122" name="Shape 122"/>
+              <a:t>P</a:t>
+            </a:r>
+            <a:r>
+              <a:rPr lang="fr" dirty="0"/>
+              <a:t>remière </a:t>
+            </a:r>
+            <a:r>
+              <a:rPr lang="fr" dirty="0"/>
+              <a:t>expérience</a:t>
+            </a:r>
+          </a:p>
+        </p:txBody>
+      </p:sp>
+      <p:sp>
+        <p:nvSpPr>
+          <p:cNvPr id="4" name="Shape 116"/>
           <p:cNvSpPr txBox="1"/>
           <p:nvPr/>
         </p:nvSpPr>
         <p:spPr>
           <a:xfrm>
-            <a:off x="619125" y="1525733"/>
-            <a:ext cx="7922699" cy="751139"/>
+            <a:off x="630311" y="1700808"/>
+            <a:ext cx="7859999" cy="4843200"/>
           </a:xfrm>
           <a:prstGeom prst="rect">
             <a:avLst/>
@@ -6939,13 +7272,107 @@
           </a:bodyPr>
           <a:lstStyle/>
           <a:p>
-            <a:pPr lvl="0" rtl="0">
-              <a:spcBef>
-                <a:spcPts val="0"/>
-              </a:spcBef>
-              <a:buNone/>
+            <a:pPr marL="457200" lvl="0" indent="-381000" rtl="0">
+              <a:spcBef>
+                <a:spcPts val="0"/>
+              </a:spcBef>
+              <a:buClr>
+                <a:srgbClr val="000000"/>
+              </a:buClr>
+              <a:buSzPct val="100000"/>
+              <a:buFont typeface="Arial"/>
+              <a:buAutoNum type="arabicPeriod"/>
             </a:pPr>
-            <a:endParaRPr lang="fr" dirty="0"/>
+            <a:r>
+              <a:rPr lang="fr" sz="1800" dirty="0">
+                <a:solidFill>
+                  <a:schemeClr val="tx2"/>
+                </a:solidFill>
+              </a:rPr>
+              <a:t>Lister les fichiers existant à la fin de la période.</a:t>
+            </a:r>
+            <a:r>
+              <a:rPr lang="fr" sz="1800" dirty="0" smtClean="0">
+                <a:solidFill>
+                  <a:schemeClr val="tx1"/>
+                </a:solidFill>
+              </a:rPr>
+              <a:t/>
+            </a:r>
+            <a:br>
+              <a:rPr lang="fr" sz="1800" dirty="0" smtClean="0">
+                <a:solidFill>
+                  <a:schemeClr val="tx1"/>
+                </a:solidFill>
+              </a:rPr>
+            </a:br>
+            <a:endParaRPr lang="fr" sz="1800" dirty="0">
+              <a:solidFill>
+                <a:schemeClr val="tx1"/>
+              </a:solidFill>
+            </a:endParaRPr>
+          </a:p>
+          <a:p>
+            <a:pPr marL="457200" lvl="0" indent="-381000" rtl="0">
+              <a:spcBef>
+                <a:spcPts val="0"/>
+              </a:spcBef>
+              <a:buClr>
+                <a:srgbClr val="000000"/>
+              </a:buClr>
+              <a:buSzPct val="100000"/>
+              <a:buFont typeface="Arial"/>
+              <a:buAutoNum type="arabicPeriod"/>
+            </a:pPr>
+            <a:r>
+              <a:rPr lang="fr" sz="1800" dirty="0">
+                <a:solidFill>
+                  <a:schemeClr val="tx2"/>
+                </a:solidFill>
+              </a:rPr>
+              <a:t>Pour chacun de ces fichiers, extraire sa séquence de modifications durant la période en activant la détection de renommage (commande git log -M</a:t>
+            </a:r>
+            <a:r>
+              <a:rPr lang="fr" sz="1800" dirty="0" smtClean="0">
+                <a:solidFill>
+                  <a:schemeClr val="tx2"/>
+                </a:solidFill>
+              </a:rPr>
+              <a:t>).</a:t>
+            </a:r>
+            <a:r>
+              <a:rPr lang="fr" sz="1800" dirty="0" smtClean="0"/>
+              <a:t/>
+            </a:r>
+            <a:br>
+              <a:rPr lang="fr" sz="1800" dirty="0" smtClean="0"/>
+            </a:br>
+            <a:endParaRPr lang="fr" sz="1800" dirty="0">
+              <a:solidFill>
+                <a:schemeClr val="tx2"/>
+              </a:solidFill>
+            </a:endParaRPr>
+          </a:p>
+          <a:p>
+            <a:pPr marL="457200" lvl="0" indent="-381000" rtl="0">
+              <a:spcBef>
+                <a:spcPts val="0"/>
+              </a:spcBef>
+              <a:buClr>
+                <a:srgbClr val="000000"/>
+              </a:buClr>
+              <a:buSzPct val="100000"/>
+              <a:buFont typeface="Arial"/>
+              <a:buAutoNum type="arabicPeriod"/>
+            </a:pPr>
+            <a:r>
+              <a:rPr lang="fr" sz="1800" dirty="0">
+                <a:solidFill>
+                  <a:schemeClr val="tx1"/>
+                </a:solidFill>
+              </a:rPr>
+              <a:t>Calculer le pourcentage de fichiers %FR qui inclue au moins un renommage.</a:t>
+            </a:r>
           </a:p>
         </p:txBody>
       </p:sp>
@@ -6957,8 +7384,8 @@
         </p:nvSpPr>
         <p:spPr>
           <a:xfrm>
-            <a:off x="1268106" y="1513292"/>
-            <a:ext cx="6624736" cy="369332"/>
+            <a:off x="8748464" y="6550223"/>
+            <a:ext cx="395536" cy="307777"/>
           </a:xfrm>
           <a:prstGeom prst="rect">
             <a:avLst/>
@@ -6972,149 +7399,13 @@
           <a:lstStyle/>
           <a:p>
             <a:r>
-              <a:rPr lang="fr-FR" sz="1800" dirty="0" smtClean="0"/>
-              <a:t>Calculs de </a:t>
-            </a:r>
-            <a:r>
-              <a:rPr lang="fr-FR" sz="1800" b="1" dirty="0" err="1" smtClean="0"/>
-              <a:t>NoD</a:t>
-            </a:r>
-            <a:r>
-              <a:rPr lang="fr-FR" sz="1800" b="1" dirty="0" smtClean="0"/>
-              <a:t>, </a:t>
-            </a:r>
-            <a:r>
-              <a:rPr lang="fr-FR" sz="1800" b="1" dirty="0" err="1" smtClean="0"/>
-              <a:t>NoC</a:t>
-            </a:r>
-            <a:r>
-              <a:rPr lang="fr-FR" sz="1800" b="1" dirty="0" smtClean="0"/>
-              <a:t>, CC </a:t>
-            </a:r>
-            <a:r>
-              <a:rPr lang="fr-FR" sz="1800" dirty="0" smtClean="0"/>
-              <a:t>sur nos </a:t>
-            </a:r>
-            <a:r>
-              <a:rPr lang="fr-FR" sz="1800" dirty="0" smtClean="0"/>
-              <a:t>projets. </a:t>
-            </a:r>
-            <a:endParaRPr lang="fr-FR" sz="1800" dirty="0"/>
-          </a:p>
-        </p:txBody>
-      </p:sp>
-      <p:sp>
-        <p:nvSpPr>
-          <p:cNvPr id="19" name="TextBox 18"/>
-          <p:cNvSpPr txBox="1"/>
-          <p:nvPr/>
-        </p:nvSpPr>
-        <p:spPr>
-          <a:xfrm>
-            <a:off x="8748464" y="6550223"/>
-            <a:ext cx="395536" cy="307777"/>
-          </a:xfrm>
-          <a:prstGeom prst="rect">
-            <a:avLst/>
-          </a:prstGeom>
-          <a:noFill/>
-        </p:spPr>
-        <p:txBody>
-          <a:bodyPr wrap="square" rtlCol="0">
-            <a:spAutoFit/>
-          </a:bodyPr>
-          <a:lstStyle/>
-          <a:p>
-            <a:r>
               <a:rPr lang="fr-FR" dirty="0" smtClean="0"/>
-              <a:t>17</a:t>
-            </a:r>
-            <a:endParaRPr lang="fr-FR" dirty="0" smtClean="0"/>
-          </a:p>
-        </p:txBody>
-      </p:sp>
-      <p:sp>
-        <p:nvSpPr>
-          <p:cNvPr id="17" name="TextBox 16"/>
-          <p:cNvSpPr txBox="1"/>
-          <p:nvPr/>
-        </p:nvSpPr>
-        <p:spPr>
-          <a:xfrm>
-            <a:off x="1268106" y="5589240"/>
-            <a:ext cx="6300192" cy="369332"/>
-          </a:xfrm>
-          <a:prstGeom prst="rect">
-            <a:avLst/>
-          </a:prstGeom>
-          <a:noFill/>
-        </p:spPr>
-        <p:txBody>
-          <a:bodyPr wrap="square" rtlCol="0">
-            <a:spAutoFit/>
-          </a:bodyPr>
-          <a:lstStyle/>
-          <a:p>
-            <a:r>
-              <a:rPr lang="fr-FR" sz="1800" dirty="0" smtClean="0"/>
-              <a:t>Calcul du </a:t>
-            </a:r>
-            <a:r>
-              <a:rPr lang="fr-FR" sz="1800" dirty="0" err="1" smtClean="0"/>
-              <a:t>coéficient</a:t>
-            </a:r>
-            <a:r>
-              <a:rPr lang="fr-FR" sz="1800" dirty="0" smtClean="0"/>
-              <a:t> de corrélation de </a:t>
-            </a:r>
-            <a:r>
-              <a:rPr lang="fr-FR" sz="1800" b="1" dirty="0" smtClean="0"/>
-              <a:t>Spearman</a:t>
-            </a:r>
-            <a:r>
-              <a:rPr lang="fr-FR" sz="1800" dirty="0" smtClean="0"/>
-              <a:t>.</a:t>
-            </a:r>
-            <a:endParaRPr lang="fr-FR" sz="1800" dirty="0"/>
-          </a:p>
-        </p:txBody>
-      </p:sp>
-      <p:pic>
-        <p:nvPicPr>
-          <p:cNvPr id="18" name="Picture 17"/>
-          <p:cNvPicPr>
-            <a:picLocks noChangeAspect="1"/>
-          </p:cNvPicPr>
-          <p:nvPr/>
-        </p:nvPicPr>
-        <p:blipFill>
-          <a:blip r:embed="rId3">
-            <a:extLst>
-              <a:ext uri="{28A0092B-C50C-407E-A947-70E740481C1C}">
-                <a14:useLocalDpi xmlns:a14="http://schemas.microsoft.com/office/drawing/2010/main" val="0"/>
-              </a:ext>
-            </a:extLst>
-          </a:blip>
-          <a:stretch>
-            <a:fillRect/>
-          </a:stretch>
-        </p:blipFill>
-        <p:spPr>
-          <a:xfrm>
-            <a:off x="1086240" y="1525520"/>
-            <a:ext cx="6663923" cy="4546688"/>
-          </a:xfrm>
-          <a:prstGeom prst="rect">
-            <a:avLst/>
-          </a:prstGeom>
-        </p:spPr>
-      </p:pic>
+              <a:t>16</a:t>
+            </a:r>
+          </a:p>
+        </p:txBody>
+      </p:sp>
     </p:spTree>
-    <p:extLst>
-      <p:ext uri="{BB962C8B-B14F-4D97-AF65-F5344CB8AC3E}">
-        <p14:creationId xmlns:p14="http://schemas.microsoft.com/office/powerpoint/2010/main" val="1543582624"/>
-      </p:ext>
-    </p:extLst>
   </p:cSld>
   <p:clrMapOvr>
     <a:masterClrMapping/>
@@ -7603,7 +7894,6 @@
               <a:rPr lang="fr-FR" dirty="0" smtClean="0"/>
               <a:t>18</a:t>
             </a:r>
-            <a:endParaRPr lang="fr-FR" dirty="0" smtClean="0"/>
           </a:p>
         </p:txBody>
       </p:sp>
@@ -7630,7 +7920,7 @@
   <p:cSld>
     <p:spTree>
       <p:nvGrpSpPr>
-        <p:cNvPr id="1" name=""/>
+        <p:cNvPr id="1" name="Shape 120"/>
         <p:cNvGrpSpPr/>
         <p:nvPr/>
       </p:nvGrpSpPr>
@@ -7644,226 +7934,7 @@
       </p:grpSpPr>
       <p:sp>
         <p:nvSpPr>
-          <p:cNvPr id="2" name="Title 1"/>
-          <p:cNvSpPr>
-            <a:spLocks noGrp="1"/>
-          </p:cNvSpPr>
-          <p:nvPr>
-            <p:ph type="title"/>
-          </p:nvPr>
-        </p:nvSpPr>
-        <p:spPr/>
-        <p:txBody>
-          <a:bodyPr lIns="91425" tIns="91425" rIns="91425" bIns="91425" anchor="ctr" anchorCtr="0">
-            <a:noAutofit/>
-          </a:bodyPr>
-          <a:lstStyle/>
-          <a:p>
-            <a:r>
-              <a:rPr lang="fr-FR" dirty="0"/>
-              <a:t>Résultats </a:t>
-            </a:r>
-            <a:r>
-              <a:rPr lang="fr-FR" sz="1400" dirty="0">
-                <a:solidFill>
-                  <a:schemeClr val="bg2"/>
-                </a:solidFill>
-              </a:rPr>
-              <a:t>deuxième expérience</a:t>
-            </a:r>
-          </a:p>
-        </p:txBody>
-      </p:sp>
-      <p:pic>
-        <p:nvPicPr>
-          <p:cNvPr id="4" name="Picture 3"/>
-          <p:cNvPicPr>
-            <a:picLocks noChangeAspect="1"/>
-          </p:cNvPicPr>
-          <p:nvPr/>
-        </p:nvPicPr>
-        <p:blipFill>
-          <a:blip r:embed="rId2">
-            <a:extLst>
-              <a:ext uri="{28A0092B-C50C-407E-A947-70E740481C1C}">
-                <a14:useLocalDpi xmlns:a14="http://schemas.microsoft.com/office/drawing/2010/main" val="0"/>
-              </a:ext>
-            </a:extLst>
-          </a:blip>
-          <a:stretch>
-            <a:fillRect/>
-          </a:stretch>
-        </p:blipFill>
-        <p:spPr>
-          <a:xfrm>
-            <a:off x="1187624" y="2555618"/>
-            <a:ext cx="6768752" cy="3534327"/>
-          </a:xfrm>
-          <a:prstGeom prst="rect">
-            <a:avLst/>
-          </a:prstGeom>
-        </p:spPr>
-      </p:pic>
-      <p:sp>
-        <p:nvSpPr>
-          <p:cNvPr id="5" name="TextBox 4"/>
-          <p:cNvSpPr txBox="1"/>
-          <p:nvPr/>
-        </p:nvSpPr>
-        <p:spPr>
-          <a:xfrm>
-            <a:off x="1475656" y="1796818"/>
-            <a:ext cx="6120680" cy="369332"/>
-          </a:xfrm>
-          <a:prstGeom prst="rect">
-            <a:avLst/>
-          </a:prstGeom>
-          <a:noFill/>
-        </p:spPr>
-        <p:txBody>
-          <a:bodyPr wrap="square" rtlCol="0">
-            <a:spAutoFit/>
-          </a:bodyPr>
-          <a:lstStyle/>
-          <a:p>
-            <a:r>
-              <a:rPr lang="fr-FR" sz="1800" dirty="0" smtClean="0"/>
-              <a:t>Coefficient de corrélation de Spearman :</a:t>
-            </a:r>
-            <a:endParaRPr lang="fr-FR" sz="1800" dirty="0"/>
-          </a:p>
-        </p:txBody>
-      </p:sp>
-      <p:cxnSp>
-        <p:nvCxnSpPr>
-          <p:cNvPr id="7" name="Straight Connector 6"/>
-          <p:cNvCxnSpPr/>
-          <p:nvPr/>
-        </p:nvCxnSpPr>
-        <p:spPr>
-          <a:xfrm>
-            <a:off x="4868664" y="2660915"/>
-            <a:ext cx="0" cy="3342053"/>
-          </a:xfrm>
-          <a:prstGeom prst="line">
-            <a:avLst/>
-          </a:prstGeom>
-        </p:spPr>
-        <p:style>
-          <a:lnRef idx="1">
-            <a:schemeClr val="dk1"/>
-          </a:lnRef>
-          <a:fillRef idx="0">
-            <a:schemeClr val="dk1"/>
-          </a:fillRef>
-          <a:effectRef idx="0">
-            <a:schemeClr val="dk1"/>
-          </a:effectRef>
-          <a:fontRef idx="minor">
-            <a:schemeClr val="tx1"/>
-          </a:fontRef>
-        </p:style>
-      </p:cxnSp>
-      <p:cxnSp>
-        <p:nvCxnSpPr>
-          <p:cNvPr id="9" name="Straight Connector 8"/>
-          <p:cNvCxnSpPr/>
-          <p:nvPr/>
-        </p:nvCxnSpPr>
-        <p:spPr>
-          <a:xfrm flipH="1">
-            <a:off x="4868664" y="3242724"/>
-            <a:ext cx="72008" cy="0"/>
-          </a:xfrm>
-          <a:prstGeom prst="line">
-            <a:avLst/>
-          </a:prstGeom>
-        </p:spPr>
-        <p:style>
-          <a:lnRef idx="1">
-            <a:schemeClr val="dk1"/>
-          </a:lnRef>
-          <a:fillRef idx="0">
-            <a:schemeClr val="dk1"/>
-          </a:fillRef>
-          <a:effectRef idx="0">
-            <a:schemeClr val="dk1"/>
-          </a:effectRef>
-          <a:fontRef idx="minor">
-            <a:schemeClr val="tx1"/>
-          </a:fontRef>
-        </p:style>
-      </p:cxnSp>
-      <p:sp>
-        <p:nvSpPr>
-          <p:cNvPr id="8" name="TextBox 7"/>
-          <p:cNvSpPr txBox="1"/>
-          <p:nvPr/>
-        </p:nvSpPr>
-        <p:spPr>
-          <a:xfrm>
-            <a:off x="8748464" y="6550223"/>
-            <a:ext cx="395536" cy="307777"/>
-          </a:xfrm>
-          <a:prstGeom prst="rect">
-            <a:avLst/>
-          </a:prstGeom>
-          <a:noFill/>
-        </p:spPr>
-        <p:txBody>
-          <a:bodyPr wrap="square" rtlCol="0">
-            <a:spAutoFit/>
-          </a:bodyPr>
-          <a:lstStyle/>
-          <a:p>
-            <a:r>
-              <a:rPr lang="fr-FR" dirty="0" smtClean="0"/>
-              <a:t>19</a:t>
-            </a:r>
-            <a:endParaRPr lang="fr-FR" dirty="0" smtClean="0"/>
-          </a:p>
-        </p:txBody>
-      </p:sp>
-    </p:spTree>
-    <p:extLst>
-      <p:ext uri="{BB962C8B-B14F-4D97-AF65-F5344CB8AC3E}">
-        <p14:creationId xmlns:p14="http://schemas.microsoft.com/office/powerpoint/2010/main" val="1666827742"/>
-      </p:ext>
-    </p:extLst>
-  </p:cSld>
-  <p:clrMapOvr>
-    <a:masterClrMapping/>
-  </p:clrMapOvr>
-  <p:timing>
-    <p:tnLst>
-      <p:par>
-        <p:cTn id="1" dur="indefinite" restart="never" nodeType="tmRoot"/>
-      </p:par>
-    </p:tnLst>
-  </p:timing>
-</p:sld>
-</file>
-
-<file path=ppt/slides/slide2.xml><?xml version="1.0" encoding="utf-8"?>
-<p:sld xmlns:a="http://schemas.openxmlformats.org/drawingml/2006/main" xmlns:r="http://schemas.openxmlformats.org/officeDocument/2006/relationships" xmlns:p="http://schemas.openxmlformats.org/presentationml/2006/main">
-  <p:cSld>
-    <p:spTree>
-      <p:nvGrpSpPr>
-        <p:cNvPr id="1" name="Shape 30"/>
-        <p:cNvGrpSpPr/>
-        <p:nvPr/>
-      </p:nvGrpSpPr>
-      <p:grpSpPr>
-        <a:xfrm>
-          <a:off x="0" y="0"/>
-          <a:ext cx="0" cy="0"/>
-          <a:chOff x="0" y="0"/>
-          <a:chExt cx="0" cy="0"/>
-        </a:xfrm>
-      </p:grpSpPr>
-      <p:sp>
-        <p:nvSpPr>
-          <p:cNvPr id="31" name="Shape 31"/>
+          <p:cNvPr id="121" name="Shape 121"/>
           <p:cNvSpPr txBox="1">
             <a:spLocks noGrp="1"/>
           </p:cNvSpPr>
@@ -7873,7 +7944,7 @@
         </p:nvSpPr>
         <p:spPr>
           <a:xfrm>
-            <a:off x="457200" y="274637"/>
+            <a:off x="457200" y="273600"/>
             <a:ext cx="8229600" cy="1143200"/>
           </a:xfrm>
           <a:prstGeom prst="rect">
@@ -7886,33 +7957,40 @@
           </a:bodyPr>
           <a:lstStyle/>
           <a:p>
-            <a:pPr>
-              <a:spcBef>
-                <a:spcPts val="0"/>
-              </a:spcBef>
-              <a:buNone/>
-            </a:pPr>
             <a:r>
               <a:rPr lang="fr" dirty="0"/>
-              <a:t>Plan</a:t>
-            </a:r>
-          </a:p>
-        </p:txBody>
-      </p:sp>
-      <p:sp>
-        <p:nvSpPr>
-          <p:cNvPr id="32" name="Shape 32"/>
-          <p:cNvSpPr txBox="1">
-            <a:spLocks noGrp="1"/>
-          </p:cNvSpPr>
-          <p:nvPr>
-            <p:ph type="body" idx="1"/>
-          </p:nvPr>
-        </p:nvSpPr>
-        <p:spPr>
-          <a:xfrm>
-            <a:off x="467544" y="2060848"/>
-            <a:ext cx="8219256" cy="3412975"/>
+              <a:t>Deuxième </a:t>
+            </a:r>
+            <a:r>
+              <a:rPr lang="fr" dirty="0" smtClean="0"/>
+              <a:t>expérience </a:t>
+            </a:r>
+            <a:r>
+              <a:rPr lang="fr" sz="1400" dirty="0" smtClean="0">
+                <a:solidFill>
+                  <a:schemeClr val="bg2"/>
+                </a:solidFill>
+              </a:rPr>
+              <a:t>Spearman</a:t>
+            </a:r>
+            <a:endParaRPr lang="fr" sz="1400" dirty="0">
+              <a:solidFill>
+                <a:schemeClr val="bg2"/>
+              </a:solidFill>
+            </a:endParaRPr>
+          </a:p>
+        </p:txBody>
+      </p:sp>
+      <p:sp>
+        <p:nvSpPr>
+          <p:cNvPr id="122" name="Shape 122"/>
+          <p:cNvSpPr txBox="1"/>
+          <p:nvPr/>
+        </p:nvSpPr>
+        <p:spPr>
+          <a:xfrm>
+            <a:off x="619125" y="1525733"/>
+            <a:ext cx="7922699" cy="751139"/>
           </a:xfrm>
           <a:prstGeom prst="rect">
             <a:avLst/>
@@ -7924,129 +8002,26 @@
           </a:bodyPr>
           <a:lstStyle/>
           <a:p>
-            <a:pPr marL="514350" indent="-514350">
-              <a:spcBef>
-                <a:spcPts val="0"/>
-              </a:spcBef>
-              <a:buFont typeface="Arial" panose="020B0604020202020204" pitchFamily="34" charset="0"/>
-              <a:buChar char="•"/>
+            <a:pPr lvl="0" rtl="0">
+              <a:spcBef>
+                <a:spcPts val="0"/>
+              </a:spcBef>
+              <a:buNone/>
             </a:pPr>
-            <a:r>
-              <a:rPr lang="fr-FR" sz="2800" dirty="0">
-                <a:solidFill>
-                  <a:schemeClr val="tx1"/>
-                </a:solidFill>
-              </a:rPr>
-              <a:t>G</a:t>
-            </a:r>
-            <a:r>
-              <a:rPr lang="fr-FR" sz="2800" dirty="0" smtClean="0">
-                <a:solidFill>
-                  <a:schemeClr val="tx1"/>
-                </a:solidFill>
-              </a:rPr>
-              <a:t>estionnaire de versions, domaine de recherche</a:t>
-            </a:r>
-            <a:r>
-              <a:rPr lang="fr-FR" sz="2800" dirty="0" smtClean="0">
-                <a:solidFill>
-                  <a:schemeClr val="tx1"/>
-                </a:solidFill>
-              </a:rPr>
-              <a:t>, métriques et renommage</a:t>
-            </a:r>
-            <a:br>
-              <a:rPr lang="fr-FR" sz="2800" dirty="0" smtClean="0">
-                <a:solidFill>
-                  <a:schemeClr val="tx1"/>
-                </a:solidFill>
-              </a:rPr>
-            </a:br>
-            <a:endParaRPr lang="fr-FR" sz="2800" dirty="0">
-              <a:solidFill>
-                <a:schemeClr val="tx1"/>
-              </a:solidFill>
-            </a:endParaRPr>
-          </a:p>
-          <a:p>
-            <a:pPr marL="514350" indent="-514350">
-              <a:spcBef>
-                <a:spcPts val="0"/>
-              </a:spcBef>
-              <a:buFont typeface="Arial" panose="020B0604020202020204" pitchFamily="34" charset="0"/>
-              <a:buChar char="•"/>
-            </a:pPr>
-            <a:r>
-              <a:rPr lang="fr-FR" sz="2800" dirty="0">
-                <a:solidFill>
-                  <a:schemeClr val="tx1"/>
-                </a:solidFill>
-              </a:rPr>
-              <a:t>Deux </a:t>
-            </a:r>
-            <a:r>
-              <a:rPr lang="fr-FR" sz="2800" dirty="0" smtClean="0">
-                <a:solidFill>
-                  <a:schemeClr val="tx1"/>
-                </a:solidFill>
-              </a:rPr>
-              <a:t>Expérimentations</a:t>
-            </a:r>
-            <a:br>
-              <a:rPr lang="fr-FR" sz="2800" dirty="0" smtClean="0">
-                <a:solidFill>
-                  <a:schemeClr val="tx1"/>
-                </a:solidFill>
-              </a:rPr>
-            </a:br>
-            <a:endParaRPr lang="fr-FR" sz="2800" dirty="0">
-              <a:solidFill>
-                <a:schemeClr val="tx1"/>
-              </a:solidFill>
-            </a:endParaRPr>
-          </a:p>
-          <a:p>
-            <a:pPr marL="457200" indent="-457200">
-              <a:spcBef>
-                <a:spcPts val="0"/>
-              </a:spcBef>
-              <a:buFont typeface="Arial" panose="020B0604020202020204" pitchFamily="34" charset="0"/>
-              <a:buChar char="•"/>
-            </a:pPr>
-            <a:r>
-              <a:rPr lang="fr-FR" sz="2800" dirty="0">
-                <a:solidFill>
-                  <a:schemeClr val="tx1"/>
-                </a:solidFill>
-              </a:rPr>
-              <a:t>R</a:t>
-            </a:r>
-            <a:r>
-              <a:rPr lang="fr-FR" sz="2800" dirty="0" smtClean="0">
-                <a:solidFill>
-                  <a:schemeClr val="tx1"/>
-                </a:solidFill>
-              </a:rPr>
-              <a:t>ecommandations aux développeurs et chercheurs</a:t>
-            </a:r>
-            <a:endParaRPr sz="2800" dirty="0">
-              <a:solidFill>
-                <a:schemeClr val="tx1"/>
-              </a:solidFill>
-            </a:endParaRPr>
-          </a:p>
-        </p:txBody>
-      </p:sp>
-      <p:sp>
-        <p:nvSpPr>
-          <p:cNvPr id="4" name="TextBox 3"/>
+            <a:endParaRPr lang="fr" dirty="0"/>
+          </a:p>
+        </p:txBody>
+      </p:sp>
+      <p:sp>
+        <p:nvSpPr>
+          <p:cNvPr id="5" name="TextBox 4"/>
           <p:cNvSpPr txBox="1"/>
           <p:nvPr/>
         </p:nvSpPr>
         <p:spPr>
           <a:xfrm>
-            <a:off x="8855282" y="6550223"/>
-            <a:ext cx="288718" cy="307777"/>
+            <a:off x="619125" y="2171179"/>
+            <a:ext cx="7922699" cy="3508653"/>
           </a:xfrm>
           <a:prstGeom prst="rect">
             <a:avLst/>
@@ -8059,15 +8034,150 @@
           </a:bodyPr>
           <a:lstStyle/>
           <a:p>
-            <a:r>
-              <a:rPr lang="fr-FR" dirty="0"/>
-              <a:t>2</a:t>
-            </a:r>
-            <a:endParaRPr lang="fr-FR" dirty="0" smtClean="0"/>
+            <a:pPr marL="342900" indent="-342900">
+              <a:buFont typeface="Wingdings" panose="05000000000000000000" pitchFamily="2" charset="2"/>
+              <a:buChar char="Ø"/>
+            </a:pPr>
+            <a:r>
+              <a:rPr lang="fr-FR" sz="2400" dirty="0" smtClean="0"/>
+              <a:t>Comparer les calculs </a:t>
+            </a:r>
+            <a:r>
+              <a:rPr lang="fr-FR" sz="2400" dirty="0" smtClean="0"/>
+              <a:t>de </a:t>
+            </a:r>
+            <a:r>
+              <a:rPr lang="fr-FR" sz="2400" dirty="0" err="1" smtClean="0"/>
+              <a:t>NoD</a:t>
+            </a:r>
+            <a:r>
+              <a:rPr lang="fr-FR" sz="2400" dirty="0" smtClean="0"/>
+              <a:t>, </a:t>
+            </a:r>
+            <a:r>
+              <a:rPr lang="fr-FR" sz="2400" dirty="0" err="1" smtClean="0"/>
+              <a:t>NoC</a:t>
+            </a:r>
+            <a:r>
+              <a:rPr lang="fr-FR" sz="2400" dirty="0" smtClean="0"/>
+              <a:t>, </a:t>
+            </a:r>
+            <a:r>
+              <a:rPr lang="fr-FR" sz="2400" dirty="0" smtClean="0"/>
+              <a:t>CC </a:t>
+            </a:r>
+            <a:r>
+              <a:rPr lang="fr-FR" sz="2400" b="1" dirty="0"/>
+              <a:t>a</a:t>
+            </a:r>
+            <a:r>
+              <a:rPr lang="fr-FR" sz="2400" b="1" dirty="0" smtClean="0"/>
+              <a:t>vec / sans </a:t>
+            </a:r>
+            <a:r>
+              <a:rPr lang="fr-FR" sz="2400" dirty="0" smtClean="0"/>
+              <a:t>détection du renommage.  </a:t>
+            </a:r>
+          </a:p>
+          <a:p>
+            <a:endParaRPr lang="fr-FR" sz="2400" dirty="0" smtClean="0"/>
+          </a:p>
+          <a:p>
+            <a:pPr marL="342900" indent="-342900">
+              <a:buFont typeface="Wingdings" panose="05000000000000000000" pitchFamily="2" charset="2"/>
+              <a:buChar char="Ø"/>
+            </a:pPr>
+            <a:r>
+              <a:rPr lang="fr-FR" sz="2400" dirty="0"/>
+              <a:t>C</a:t>
+            </a:r>
+            <a:r>
+              <a:rPr lang="fr-FR" sz="2400" dirty="0" smtClean="0"/>
+              <a:t>orrélation </a:t>
+            </a:r>
+            <a:r>
+              <a:rPr lang="fr-FR" sz="2400" dirty="0"/>
+              <a:t>de </a:t>
+            </a:r>
+            <a:r>
+              <a:rPr lang="fr-FR" sz="2400" b="1" dirty="0" smtClean="0"/>
+              <a:t>Spearman : </a:t>
+            </a:r>
+            <a:r>
+              <a:rPr lang="fr-FR" sz="2400" dirty="0" smtClean="0"/>
+              <a:t>Calcul du coefficient de corrélation entre les rangs des valeurs de deux variables.</a:t>
+            </a:r>
+            <a:br>
+              <a:rPr lang="fr-FR" sz="2400" dirty="0" smtClean="0"/>
+            </a:br>
+            <a:r>
+              <a:rPr lang="fr-FR" sz="2400" dirty="0" smtClean="0"/>
+              <a:t/>
+            </a:r>
+            <a:br>
+              <a:rPr lang="fr-FR" sz="2400" dirty="0" smtClean="0"/>
+            </a:br>
+            <a:r>
+              <a:rPr lang="fr-FR" sz="1800" dirty="0" smtClean="0"/>
+              <a:t>1: Corrélation parfaite (</a:t>
+            </a:r>
+            <a:r>
+              <a:rPr lang="fr-FR" sz="1800" dirty="0" smtClean="0"/>
+              <a:t>-1: Corrélation inverse)</a:t>
+            </a:r>
+            <a:br>
+              <a:rPr lang="fr-FR" sz="1800" dirty="0" smtClean="0"/>
+            </a:br>
+            <a:r>
+              <a:rPr lang="fr-FR" sz="1800" dirty="0" smtClean="0"/>
+              <a:t>0: Aucune corrélation</a:t>
+            </a:r>
+            <a:br>
+              <a:rPr lang="fr-FR" sz="1800" dirty="0" smtClean="0"/>
+            </a:br>
+            <a:r>
+              <a:rPr lang="fr-FR" sz="1800" dirty="0" smtClean="0"/>
+              <a:t>≈ 0,5 mauvaise corrélation  </a:t>
+            </a:r>
+            <a:endParaRPr lang="fr-FR" sz="1800" dirty="0"/>
+          </a:p>
+        </p:txBody>
+      </p:sp>
+      <p:sp>
+        <p:nvSpPr>
+          <p:cNvPr id="19" name="TextBox 18"/>
+          <p:cNvSpPr txBox="1"/>
+          <p:nvPr/>
+        </p:nvSpPr>
+        <p:spPr>
+          <a:xfrm>
+            <a:off x="8748464" y="6550223"/>
+            <a:ext cx="395536" cy="307777"/>
+          </a:xfrm>
+          <a:prstGeom prst="rect">
+            <a:avLst/>
+          </a:prstGeom>
+          <a:noFill/>
+        </p:spPr>
+        <p:txBody>
+          <a:bodyPr wrap="square" rtlCol="0">
+            <a:spAutoFit/>
+          </a:bodyPr>
+          <a:lstStyle/>
+          <a:p>
+            <a:r>
+              <a:rPr lang="fr-FR" dirty="0" smtClean="0"/>
+              <a:t>17</a:t>
+            </a:r>
           </a:p>
         </p:txBody>
       </p:sp>
     </p:spTree>
+    <p:extLst>
+      <p:ext uri="{BB962C8B-B14F-4D97-AF65-F5344CB8AC3E}">
+        <p14:creationId xmlns:p14="http://schemas.microsoft.com/office/powerpoint/2010/main" val="1543582624"/>
+      </p:ext>
+    </p:extLst>
   </p:cSld>
   <p:clrMapOvr>
     <a:masterClrMapping/>
@@ -8085,12 +8195,12 @@
 </p:sld>
 </file>
 
-<file path=ppt/slides/slide20.xml><?xml version="1.0" encoding="utf-8"?>
+<file path=ppt/slides/slide2.xml><?xml version="1.0" encoding="utf-8"?>
 <p:sld xmlns:a="http://schemas.openxmlformats.org/drawingml/2006/main" xmlns:r="http://schemas.openxmlformats.org/officeDocument/2006/relationships" xmlns:p="http://schemas.openxmlformats.org/presentationml/2006/main">
   <p:cSld>
     <p:spTree>
       <p:nvGrpSpPr>
-        <p:cNvPr id="1" name="Shape 144"/>
+        <p:cNvPr id="1" name=""/>
         <p:cNvGrpSpPr/>
         <p:nvPr/>
       </p:nvGrpSpPr>
@@ -8104,7 +8214,302 @@
       </p:grpSpPr>
       <p:sp>
         <p:nvSpPr>
-          <p:cNvPr id="145" name="Shape 145"/>
+          <p:cNvPr id="2" name="Title 1"/>
+          <p:cNvSpPr>
+            <a:spLocks noGrp="1"/>
+          </p:cNvSpPr>
+          <p:nvPr>
+            <p:ph type="title"/>
+          </p:nvPr>
+        </p:nvSpPr>
+        <p:spPr/>
+        <p:txBody>
+          <a:bodyPr lIns="91425" tIns="91425" rIns="91425" bIns="91425" anchor="ctr" anchorCtr="0">
+            <a:noAutofit/>
+          </a:bodyPr>
+          <a:lstStyle/>
+          <a:p>
+            <a:r>
+              <a:rPr lang="fr-FR" dirty="0" smtClean="0"/>
+              <a:t>La prédiction de bugs</a:t>
+            </a:r>
+            <a:endParaRPr lang="fr-FR" sz="1400" dirty="0">
+              <a:solidFill>
+                <a:schemeClr val="bg2"/>
+              </a:solidFill>
+            </a:endParaRPr>
+          </a:p>
+        </p:txBody>
+      </p:sp>
+      <p:sp>
+        <p:nvSpPr>
+          <p:cNvPr id="3" name="Text Placeholder 2"/>
+          <p:cNvSpPr>
+            <a:spLocks noGrp="1"/>
+          </p:cNvSpPr>
+          <p:nvPr>
+            <p:ph type="body" idx="1"/>
+          </p:nvPr>
+        </p:nvSpPr>
+        <p:spPr>
+          <a:xfrm>
+            <a:off x="286330" y="1988840"/>
+            <a:ext cx="8713311" cy="3168352"/>
+          </a:xfrm>
+        </p:spPr>
+        <p:txBody>
+          <a:bodyPr/>
+          <a:lstStyle/>
+          <a:p>
+            <a:pPr marL="342900" indent="-342900">
+              <a:buFont typeface="Wingdings" panose="05000000000000000000" pitchFamily="2" charset="2"/>
+              <a:buChar char="Ø"/>
+            </a:pPr>
+            <a:r>
+              <a:rPr lang="fr-FR" sz="2400" dirty="0" smtClean="0"/>
+              <a:t>Etudes sur l’historique de création d’un logiciel. </a:t>
+            </a:r>
+            <a:r>
+              <a:rPr lang="fr-FR" sz="2400" i="1" dirty="0" smtClean="0"/>
+              <a:t>« MSR »*</a:t>
+            </a:r>
+          </a:p>
+          <a:p>
+            <a:pPr marL="342900" indent="-342900">
+              <a:buFont typeface="Wingdings" panose="05000000000000000000" pitchFamily="2" charset="2"/>
+              <a:buChar char="Ø"/>
+            </a:pPr>
+            <a:endParaRPr lang="fr-FR" sz="2400" i="1" dirty="0"/>
+          </a:p>
+          <a:p>
+            <a:pPr marL="342900" indent="-342900">
+              <a:buFont typeface="Wingdings" panose="05000000000000000000" pitchFamily="2" charset="2"/>
+              <a:buChar char="Ø"/>
+            </a:pPr>
+            <a:r>
+              <a:rPr lang="fr-FR" sz="2400" i="1" dirty="0" smtClean="0"/>
+              <a:t>Gestionnaire de versions (VCS)</a:t>
+            </a:r>
+            <a:endParaRPr lang="fr-FR" sz="2400" i="1" dirty="0" smtClean="0"/>
+          </a:p>
+          <a:p>
+            <a:endParaRPr lang="fr-FR" sz="2400" dirty="0"/>
+          </a:p>
+          <a:p>
+            <a:pPr marL="342900" indent="-342900">
+              <a:buFont typeface="Wingdings" panose="05000000000000000000" pitchFamily="2" charset="2"/>
+              <a:buChar char="Ø"/>
+            </a:pPr>
+            <a:r>
+              <a:rPr lang="fr-FR" sz="2400" dirty="0" smtClean="0"/>
+              <a:t>Prédiction de bugs dans un prochaine version.</a:t>
+            </a:r>
+            <a:br>
+              <a:rPr lang="fr-FR" sz="2400" dirty="0" smtClean="0"/>
+            </a:br>
+            <a:endParaRPr lang="fr-FR" sz="2400" dirty="0"/>
+          </a:p>
+          <a:p>
+            <a:pPr marL="342900" indent="-342900">
+              <a:buFont typeface="Wingdings" panose="05000000000000000000" pitchFamily="2" charset="2"/>
+              <a:buChar char="Ø"/>
+            </a:pPr>
+            <a:r>
+              <a:rPr lang="fr-FR" sz="2400" dirty="0" smtClean="0"/>
+              <a:t>Un modèle de prédiction : Les métriques</a:t>
+            </a:r>
+            <a:endParaRPr lang="fr-FR" sz="2400" dirty="0"/>
+          </a:p>
+        </p:txBody>
+      </p:sp>
+      <p:sp>
+        <p:nvSpPr>
+          <p:cNvPr id="4" name="TextBox 3"/>
+          <p:cNvSpPr txBox="1"/>
+          <p:nvPr/>
+        </p:nvSpPr>
+        <p:spPr>
+          <a:xfrm>
+            <a:off x="8855282" y="6550223"/>
+            <a:ext cx="288718" cy="307777"/>
+          </a:xfrm>
+          <a:prstGeom prst="rect">
+            <a:avLst/>
+          </a:prstGeom>
+          <a:noFill/>
+        </p:spPr>
+        <p:txBody>
+          <a:bodyPr wrap="square" rtlCol="0">
+            <a:spAutoFit/>
+          </a:bodyPr>
+          <a:lstStyle/>
+          <a:p>
+            <a:r>
+              <a:rPr lang="fr-FR" dirty="0"/>
+              <a:t>3</a:t>
+            </a:r>
+            <a:endParaRPr lang="fr-FR" dirty="0" smtClean="0"/>
+          </a:p>
+        </p:txBody>
+      </p:sp>
+      <p:sp>
+        <p:nvSpPr>
+          <p:cNvPr id="7" name="TextBox 6"/>
+          <p:cNvSpPr txBox="1"/>
+          <p:nvPr/>
+        </p:nvSpPr>
+        <p:spPr>
+          <a:xfrm>
+            <a:off x="467544" y="5962102"/>
+            <a:ext cx="7992888" cy="523220"/>
+          </a:xfrm>
+          <a:prstGeom prst="rect">
+            <a:avLst/>
+          </a:prstGeom>
+          <a:noFill/>
+        </p:spPr>
+        <p:txBody>
+          <a:bodyPr wrap="square" rtlCol="0">
+            <a:spAutoFit/>
+          </a:bodyPr>
+          <a:lstStyle/>
+          <a:p>
+            <a:r>
+              <a:rPr lang="en-US" i="1" dirty="0" smtClean="0">
+                <a:solidFill>
+                  <a:schemeClr val="bg2"/>
+                </a:solidFill>
+              </a:rPr>
+              <a:t>* Kim </a:t>
+            </a:r>
+            <a:r>
+              <a:rPr lang="en-US" i="1" dirty="0" err="1">
+                <a:solidFill>
+                  <a:schemeClr val="bg2"/>
+                </a:solidFill>
+              </a:rPr>
+              <a:t>Herzig</a:t>
+            </a:r>
+            <a:r>
+              <a:rPr lang="en-US" i="1" dirty="0">
+                <a:solidFill>
+                  <a:schemeClr val="bg2"/>
+                </a:solidFill>
+              </a:rPr>
+              <a:t> and Andreas Zeller. </a:t>
+            </a:r>
+            <a:r>
+              <a:rPr lang="en-US" i="1" dirty="0" smtClean="0">
+                <a:solidFill>
+                  <a:schemeClr val="bg2"/>
+                </a:solidFill>
+              </a:rPr>
+              <a:t>“Making </a:t>
+            </a:r>
+            <a:r>
+              <a:rPr lang="en-US" i="1" dirty="0">
+                <a:solidFill>
+                  <a:schemeClr val="bg2"/>
+                </a:solidFill>
+              </a:rPr>
+              <a:t>Software : What </a:t>
+            </a:r>
+            <a:r>
+              <a:rPr lang="en-US" i="1" dirty="0" smtClean="0">
+                <a:solidFill>
+                  <a:schemeClr val="bg2"/>
+                </a:solidFill>
+              </a:rPr>
+              <a:t>Really Works </a:t>
+            </a:r>
+            <a:r>
+              <a:rPr lang="en-US" i="1" dirty="0">
+                <a:solidFill>
+                  <a:schemeClr val="bg2"/>
+                </a:solidFill>
+              </a:rPr>
+              <a:t>and Why We Believe It, chapter Mining Your Own </a:t>
+            </a:r>
+            <a:r>
+              <a:rPr lang="en-US" i="1" dirty="0" smtClean="0">
+                <a:solidFill>
+                  <a:schemeClr val="bg2"/>
+                </a:solidFill>
+              </a:rPr>
+              <a:t>Evidence”, O’Reilly </a:t>
+            </a:r>
+            <a:r>
+              <a:rPr lang="en-US" i="1" dirty="0">
+                <a:solidFill>
+                  <a:schemeClr val="bg2"/>
+                </a:solidFill>
+              </a:rPr>
+              <a:t>Media, </a:t>
+            </a:r>
+            <a:r>
+              <a:rPr lang="en-US" i="1" dirty="0" smtClean="0">
+                <a:solidFill>
+                  <a:schemeClr val="bg2"/>
+                </a:solidFill>
+              </a:rPr>
+              <a:t>2010</a:t>
+            </a:r>
+            <a:r>
+              <a:rPr lang="en-US" i="1" dirty="0">
+                <a:solidFill>
+                  <a:schemeClr val="bg2"/>
+                </a:solidFill>
+              </a:rPr>
+              <a:t>.</a:t>
+            </a:r>
+            <a:endParaRPr lang="fr-FR" i="1" dirty="0">
+              <a:solidFill>
+                <a:schemeClr val="bg2"/>
+              </a:solidFill>
+            </a:endParaRPr>
+          </a:p>
+        </p:txBody>
+      </p:sp>
+    </p:spTree>
+    <p:extLst>
+      <p:ext uri="{BB962C8B-B14F-4D97-AF65-F5344CB8AC3E}">
+        <p14:creationId xmlns:p14="http://schemas.microsoft.com/office/powerpoint/2010/main" val="3341697924"/>
+      </p:ext>
+    </p:extLst>
+  </p:cSld>
+  <p:clrMapOvr>
+    <a:masterClrMapping/>
+  </p:clrMapOvr>
+  <p:timing>
+    <p:tnLst>
+      <p:par>
+        <p:cTn id="1" dur="indefinite" restart="never" nodeType="tmRoot"/>
+      </p:par>
+    </p:tnLst>
+  </p:timing>
+</p:sld>
+</file>
+
+<file path=ppt/slides/slide20.xml><?xml version="1.0" encoding="utf-8"?>
+<p:sld xmlns:a="http://schemas.openxmlformats.org/drawingml/2006/main" xmlns:r="http://schemas.openxmlformats.org/officeDocument/2006/relationships" xmlns:p="http://schemas.openxmlformats.org/presentationml/2006/main">
+  <p:cSld>
+    <p:spTree>
+      <p:nvGrpSpPr>
+        <p:cNvPr id="1" name="Shape 120"/>
+        <p:cNvGrpSpPr/>
+        <p:nvPr/>
+      </p:nvGrpSpPr>
+      <p:grpSpPr>
+        <a:xfrm>
+          <a:off x="0" y="0"/>
+          <a:ext cx="0" cy="0"/>
+          <a:chOff x="0" y="0"/>
+          <a:chExt cx="0" cy="0"/>
+        </a:xfrm>
+      </p:grpSpPr>
+      <p:sp>
+        <p:nvSpPr>
+          <p:cNvPr id="121" name="Shape 121"/>
           <p:cNvSpPr txBox="1">
             <a:spLocks noGrp="1"/>
           </p:cNvSpPr>
@@ -8114,7 +8519,7 @@
         </p:nvSpPr>
         <p:spPr>
           <a:xfrm>
-            <a:off x="457200" y="274637"/>
+            <a:off x="457200" y="273600"/>
             <a:ext cx="8229600" cy="1143200"/>
           </a:xfrm>
           <a:prstGeom prst="rect">
@@ -8127,16 +8532,58 @@
           </a:bodyPr>
           <a:lstStyle/>
           <a:p>
-            <a:pPr>
+            <a:r>
+              <a:rPr lang="fr" dirty="0"/>
+              <a:t>Deuxième </a:t>
+            </a:r>
+            <a:r>
+              <a:rPr lang="fr" dirty="0" smtClean="0"/>
+              <a:t>expérience </a:t>
+            </a:r>
+            <a:r>
+              <a:rPr lang="fr" sz="1400" dirty="0" smtClean="0">
+                <a:solidFill>
+                  <a:schemeClr val="bg2"/>
+                </a:solidFill>
+              </a:rPr>
+              <a:t>Méthodologie</a:t>
+            </a:r>
+            <a:endParaRPr lang="fr" sz="1400" dirty="0">
+              <a:solidFill>
+                <a:schemeClr val="bg2"/>
+              </a:solidFill>
+            </a:endParaRPr>
+          </a:p>
+        </p:txBody>
+      </p:sp>
+      <p:sp>
+        <p:nvSpPr>
+          <p:cNvPr id="122" name="Shape 122"/>
+          <p:cNvSpPr txBox="1"/>
+          <p:nvPr/>
+        </p:nvSpPr>
+        <p:spPr>
+          <a:xfrm>
+            <a:off x="619125" y="1525733"/>
+            <a:ext cx="7922699" cy="751139"/>
+          </a:xfrm>
+          <a:prstGeom prst="rect">
+            <a:avLst/>
+          </a:prstGeom>
+        </p:spPr>
+        <p:txBody>
+          <a:bodyPr lIns="91425" tIns="91425" rIns="91425" bIns="91425" anchor="t" anchorCtr="0">
+            <a:noAutofit/>
+          </a:bodyPr>
+          <a:lstStyle/>
+          <a:p>
+            <a:pPr lvl="0" rtl="0">
               <a:spcBef>
                 <a:spcPts val="0"/>
               </a:spcBef>
               <a:buNone/>
             </a:pPr>
-            <a:r>
-              <a:rPr lang="fr" dirty="0"/>
-              <a:t>Conclusion</a:t>
-            </a:r>
+            <a:endParaRPr lang="fr" dirty="0"/>
           </a:p>
         </p:txBody>
       </p:sp>
@@ -8148,8 +8595,8 @@
         </p:nvSpPr>
         <p:spPr>
           <a:xfrm>
-            <a:off x="683568" y="2996952"/>
-            <a:ext cx="7560840" cy="1477328"/>
+            <a:off x="755576" y="1513292"/>
+            <a:ext cx="7786248" cy="461665"/>
           </a:xfrm>
           <a:prstGeom prst="rect">
             <a:avLst/>
@@ -8163,64 +8610,51 @@
           <a:lstStyle/>
           <a:p>
             <a:r>
-              <a:rPr lang="fr-FR" sz="1800" b="1" dirty="0" smtClean="0"/>
-              <a:t>Les recommandations :</a:t>
-            </a:r>
-            <a:endParaRPr lang="fr-FR" sz="1800" b="1" dirty="0"/>
-          </a:p>
-          <a:p>
-            <a:pPr marL="285750" indent="-285750">
-              <a:buFont typeface="Arial" panose="020B0604020202020204" pitchFamily="34" charset="0"/>
-              <a:buChar char="•"/>
-            </a:pPr>
-            <a:r>
-              <a:rPr lang="fr-FR" sz="1800" dirty="0" smtClean="0"/>
-              <a:t>Périodes initiales</a:t>
-            </a:r>
-          </a:p>
-          <a:p>
-            <a:pPr marL="285750" indent="-285750">
-              <a:buFont typeface="Arial" panose="020B0604020202020204" pitchFamily="34" charset="0"/>
-              <a:buChar char="•"/>
-            </a:pPr>
-            <a:r>
-              <a:rPr lang="fr-FR" sz="1800" dirty="0" smtClean="0"/>
-              <a:t>Utiliser un algorithme de détection de renommage, Git à défaut</a:t>
-            </a:r>
-          </a:p>
-          <a:p>
-            <a:pPr marL="285750" indent="-285750">
-              <a:buFont typeface="Arial" panose="020B0604020202020204" pitchFamily="34" charset="0"/>
-              <a:buChar char="•"/>
-            </a:pPr>
-            <a:r>
-              <a:rPr lang="fr-FR" sz="1800" dirty="0" smtClean="0"/>
-              <a:t>Attention au niveau de granularité</a:t>
-            </a:r>
-          </a:p>
-          <a:p>
-            <a:pPr marL="285750" indent="-285750">
-              <a:buFont typeface="Arial" panose="020B0604020202020204" pitchFamily="34" charset="0"/>
-              <a:buChar char="•"/>
-            </a:pPr>
-            <a:r>
-              <a:rPr lang="fr-FR" sz="1800" dirty="0" smtClean="0"/>
-              <a:t>Le renommage dans les prochaines études</a:t>
-            </a:r>
-            <a:endParaRPr lang="fr-FR" sz="1800" dirty="0"/>
-          </a:p>
-        </p:txBody>
-      </p:sp>
-      <p:sp>
-        <p:nvSpPr>
-          <p:cNvPr id="6" name="TextBox 5"/>
+              <a:rPr lang="fr-FR" sz="2400" dirty="0" smtClean="0"/>
+              <a:t>Calculs de </a:t>
+            </a:r>
+            <a:r>
+              <a:rPr lang="fr-FR" sz="2400" b="1" dirty="0" err="1" smtClean="0"/>
+              <a:t>NoD</a:t>
+            </a:r>
+            <a:r>
+              <a:rPr lang="fr-FR" sz="2400" b="1" dirty="0" smtClean="0"/>
+              <a:t>, </a:t>
+            </a:r>
+            <a:r>
+              <a:rPr lang="fr-FR" sz="2400" b="1" dirty="0" err="1" smtClean="0"/>
+              <a:t>NoC</a:t>
+            </a:r>
+            <a:r>
+              <a:rPr lang="fr-FR" sz="2400" b="1" dirty="0" smtClean="0"/>
+              <a:t>, CC </a:t>
+            </a:r>
+            <a:r>
+              <a:rPr lang="fr-FR" sz="2400" dirty="0" smtClean="0"/>
+              <a:t>sur </a:t>
+            </a:r>
+            <a:r>
+              <a:rPr lang="fr-FR" sz="2400" dirty="0" smtClean="0"/>
+              <a:t>une période par projet.</a:t>
+            </a:r>
+            <a:r>
+              <a:rPr lang="fr-FR" sz="2400" dirty="0" smtClean="0"/>
+              <a:t> </a:t>
+            </a:r>
+            <a:endParaRPr lang="fr-FR" sz="2400" dirty="0"/>
+          </a:p>
+        </p:txBody>
+      </p:sp>
+      <p:sp>
+        <p:nvSpPr>
+          <p:cNvPr id="19" name="TextBox 18"/>
           <p:cNvSpPr txBox="1"/>
           <p:nvPr/>
         </p:nvSpPr>
         <p:spPr>
           <a:xfrm>
-            <a:off x="683568" y="4869160"/>
-            <a:ext cx="7200800" cy="923330"/>
+            <a:off x="8748464" y="6550223"/>
+            <a:ext cx="395536" cy="307777"/>
           </a:xfrm>
           <a:prstGeom prst="rect">
             <a:avLst/>
@@ -8234,55 +8668,22 @@
           <a:lstStyle/>
           <a:p>
             <a:r>
-              <a:rPr lang="fr-FR" sz="1800" b="1" dirty="0" smtClean="0"/>
-              <a:t>Prochaine étapes: </a:t>
-            </a:r>
-          </a:p>
-          <a:p>
-            <a:pPr marL="285750" indent="-285750">
-              <a:buFont typeface="Arial" panose="020B0604020202020204" pitchFamily="34" charset="0"/>
-              <a:buChar char="•"/>
-            </a:pPr>
-            <a:r>
-              <a:rPr lang="fr-FR" sz="1800" dirty="0"/>
-              <a:t>E</a:t>
-            </a:r>
-            <a:r>
-              <a:rPr lang="fr-FR" sz="1800" dirty="0" smtClean="0"/>
-              <a:t>valuer la précision des algorithmes de détection de renommage</a:t>
-            </a:r>
-          </a:p>
-          <a:p>
-            <a:pPr marL="285750" indent="-285750">
-              <a:buFont typeface="Arial" panose="020B0604020202020204" pitchFamily="34" charset="0"/>
-              <a:buChar char="•"/>
-            </a:pPr>
-            <a:r>
-              <a:rPr lang="fr-FR" sz="1800" dirty="0" smtClean="0"/>
-              <a:t>Etude des split et </a:t>
-            </a:r>
-            <a:r>
-              <a:rPr lang="fr-FR" sz="1800" dirty="0" err="1" smtClean="0"/>
-              <a:t>merge</a:t>
-            </a:r>
-            <a:r>
-              <a:rPr lang="fr-FR" sz="1800" dirty="0" smtClean="0"/>
-              <a:t> d’entités</a:t>
-            </a:r>
-            <a:endParaRPr lang="fr-FR" sz="1800" dirty="0"/>
-          </a:p>
-        </p:txBody>
-      </p:sp>
-      <p:sp>
-        <p:nvSpPr>
-          <p:cNvPr id="2" name="TextBox 1"/>
+              <a:rPr lang="fr-FR" dirty="0" smtClean="0"/>
+              <a:t>17</a:t>
+            </a:r>
+          </a:p>
+        </p:txBody>
+      </p:sp>
+      <p:sp>
+        <p:nvSpPr>
+          <p:cNvPr id="17" name="TextBox 16"/>
           <p:cNvSpPr txBox="1"/>
           <p:nvPr/>
         </p:nvSpPr>
         <p:spPr>
           <a:xfrm>
-            <a:off x="683568" y="1700808"/>
-            <a:ext cx="6840760" cy="923330"/>
+            <a:off x="755576" y="5589240"/>
+            <a:ext cx="7786248" cy="461665"/>
           </a:xfrm>
           <a:prstGeom prst="rect">
             <a:avLst/>
@@ -8296,104 +8697,65 @@
           <a:lstStyle/>
           <a:p>
             <a:r>
-              <a:rPr lang="fr-FR" sz="1800" b="1" dirty="0">
-                <a:solidFill>
-                  <a:schemeClr val="tx1"/>
-                </a:solidFill>
-              </a:rPr>
-              <a:t>Le </a:t>
-            </a:r>
-            <a:r>
-              <a:rPr lang="fr-FR" sz="1800" b="1" dirty="0" smtClean="0">
-                <a:solidFill>
-                  <a:schemeClr val="tx1"/>
-                </a:solidFill>
-              </a:rPr>
-              <a:t>renommage : </a:t>
-            </a:r>
-          </a:p>
-          <a:p>
-            <a:pPr marL="285750" indent="-285750">
-              <a:buFont typeface="Arial" panose="020B0604020202020204" pitchFamily="34" charset="0"/>
-              <a:buChar char="•"/>
-            </a:pPr>
-            <a:r>
-              <a:rPr lang="fr-FR" sz="1800" dirty="0" smtClean="0"/>
-              <a:t>Jusqu’à </a:t>
-            </a:r>
-            <a:r>
-              <a:rPr lang="fr-FR" sz="1800" b="1" dirty="0" smtClean="0"/>
-              <a:t>100</a:t>
-            </a:r>
-            <a:r>
-              <a:rPr lang="fr-FR" sz="1800" b="1" dirty="0"/>
-              <a:t>% </a:t>
-            </a:r>
-            <a:r>
-              <a:rPr lang="fr-FR" sz="1800" dirty="0"/>
-              <a:t>des fichiers d’un </a:t>
-            </a:r>
-            <a:r>
-              <a:rPr lang="fr-FR" sz="1800" dirty="0" smtClean="0"/>
-              <a:t>projet.</a:t>
-            </a:r>
-          </a:p>
-          <a:p>
-            <a:pPr marL="285750" indent="-285750">
-              <a:buFont typeface="Arial" panose="020B0604020202020204" pitchFamily="34" charset="0"/>
-              <a:buChar char="•"/>
-            </a:pPr>
-            <a:r>
-              <a:rPr lang="fr-FR" sz="1800" b="1" dirty="0" smtClean="0"/>
-              <a:t>Fausse</a:t>
-            </a:r>
-            <a:r>
-              <a:rPr lang="fr-FR" sz="1800" dirty="0" smtClean="0"/>
-              <a:t> </a:t>
-            </a:r>
-            <a:r>
-              <a:rPr lang="fr-FR" sz="1800" dirty="0"/>
-              <a:t>le calcul des </a:t>
-            </a:r>
-            <a:r>
-              <a:rPr lang="fr-FR" sz="1800" dirty="0" smtClean="0"/>
-              <a:t>métriques de procédés.</a:t>
-            </a:r>
-            <a:endParaRPr lang="fr-FR" sz="1800" dirty="0"/>
-          </a:p>
-        </p:txBody>
-      </p:sp>
-      <p:sp>
-        <p:nvSpPr>
-          <p:cNvPr id="8" name="TextBox 7"/>
-          <p:cNvSpPr txBox="1"/>
+              <a:rPr lang="fr-FR" sz="2400" dirty="0" smtClean="0"/>
+              <a:t>Calcul du </a:t>
+            </a:r>
+            <a:r>
+              <a:rPr lang="fr-FR" sz="2400" dirty="0" smtClean="0"/>
+              <a:t>coefficient </a:t>
+            </a:r>
+            <a:r>
+              <a:rPr lang="fr-FR" sz="2400" dirty="0" smtClean="0"/>
+              <a:t>de corrélation de </a:t>
+            </a:r>
+            <a:r>
+              <a:rPr lang="fr-FR" sz="2400" b="1" dirty="0" smtClean="0"/>
+              <a:t>Spearman</a:t>
+            </a:r>
+            <a:r>
+              <a:rPr lang="fr-FR" sz="2400" dirty="0" smtClean="0"/>
+              <a:t>.</a:t>
+            </a:r>
+            <a:endParaRPr lang="fr-FR" sz="2400" dirty="0"/>
+          </a:p>
+        </p:txBody>
+      </p:sp>
+      <p:pic>
+        <p:nvPicPr>
+          <p:cNvPr id="2" name="Picture 1"/>
+          <p:cNvPicPr>
+            <a:picLocks noChangeAspect="1"/>
+          </p:cNvPicPr>
           <p:nvPr/>
-        </p:nvSpPr>
-        <p:spPr>
-          <a:xfrm>
-            <a:off x="8748464" y="6550223"/>
-            <a:ext cx="395536" cy="307777"/>
-          </a:xfrm>
-          <a:prstGeom prst="rect">
-            <a:avLst/>
-          </a:prstGeom>
-          <a:noFill/>
-        </p:spPr>
-        <p:txBody>
-          <a:bodyPr wrap="square" rtlCol="0">
-            <a:spAutoFit/>
-          </a:bodyPr>
-          <a:lstStyle/>
-          <a:p>
-            <a:r>
-              <a:rPr lang="fr-FR" dirty="0" smtClean="0"/>
-              <a:t>20</a:t>
-            </a:r>
-            <a:endParaRPr lang="fr-FR" dirty="0" smtClean="0"/>
-          </a:p>
-        </p:txBody>
-      </p:sp>
+        </p:nvPicPr>
+        <p:blipFill>
+          <a:blip r:embed="rId3">
+            <a:extLst>
+              <a:ext uri="{28A0092B-C50C-407E-A947-70E740481C1C}">
+                <a14:useLocalDpi xmlns:a14="http://schemas.microsoft.com/office/drawing/2010/main" val="0"/>
+              </a:ext>
+            </a:extLst>
+          </a:blip>
+          <a:stretch>
+            <a:fillRect/>
+          </a:stretch>
+        </p:blipFill>
+        <p:spPr>
+          <a:xfrm>
+            <a:off x="1226245" y="1475716"/>
+            <a:ext cx="6844910" cy="4670173"/>
+          </a:xfrm>
+          <a:prstGeom prst="rect">
+            <a:avLst/>
+          </a:prstGeom>
+        </p:spPr>
+      </p:pic>
     </p:spTree>
+    <p:extLst>
+      <p:ext uri="{BB962C8B-B14F-4D97-AF65-F5344CB8AC3E}">
+        <p14:creationId xmlns:p14="http://schemas.microsoft.com/office/powerpoint/2010/main" val="1460504882"/>
+      </p:ext>
+    </p:extLst>
   </p:cSld>
   <p:clrMapOvr>
     <a:masterClrMapping/>
@@ -8416,6 +8778,363 @@
   <p:cSld>
     <p:spTree>
       <p:nvGrpSpPr>
+        <p:cNvPr id="1" name=""/>
+        <p:cNvGrpSpPr/>
+        <p:nvPr/>
+      </p:nvGrpSpPr>
+      <p:grpSpPr>
+        <a:xfrm>
+          <a:off x="0" y="0"/>
+          <a:ext cx="0" cy="0"/>
+          <a:chOff x="0" y="0"/>
+          <a:chExt cx="0" cy="0"/>
+        </a:xfrm>
+      </p:grpSpPr>
+      <p:sp>
+        <p:nvSpPr>
+          <p:cNvPr id="2" name="Title 1"/>
+          <p:cNvSpPr>
+            <a:spLocks noGrp="1"/>
+          </p:cNvSpPr>
+          <p:nvPr>
+            <p:ph type="title"/>
+          </p:nvPr>
+        </p:nvSpPr>
+        <p:spPr/>
+        <p:txBody>
+          <a:bodyPr lIns="91425" tIns="91425" rIns="91425" bIns="91425" anchor="ctr" anchorCtr="0">
+            <a:noAutofit/>
+          </a:bodyPr>
+          <a:lstStyle/>
+          <a:p>
+            <a:r>
+              <a:rPr lang="fr-FR" dirty="0"/>
+              <a:t>Résultats </a:t>
+            </a:r>
+            <a:r>
+              <a:rPr lang="fr-FR" sz="1400" dirty="0">
+                <a:solidFill>
+                  <a:schemeClr val="bg2"/>
+                </a:solidFill>
+              </a:rPr>
+              <a:t>deuxième expérience</a:t>
+            </a:r>
+          </a:p>
+        </p:txBody>
+      </p:sp>
+      <p:pic>
+        <p:nvPicPr>
+          <p:cNvPr id="4" name="Picture 3"/>
+          <p:cNvPicPr>
+            <a:picLocks noChangeAspect="1"/>
+          </p:cNvPicPr>
+          <p:nvPr/>
+        </p:nvPicPr>
+        <p:blipFill>
+          <a:blip r:embed="rId2">
+            <a:extLst>
+              <a:ext uri="{28A0092B-C50C-407E-A947-70E740481C1C}">
+                <a14:useLocalDpi xmlns:a14="http://schemas.microsoft.com/office/drawing/2010/main" val="0"/>
+              </a:ext>
+            </a:extLst>
+          </a:blip>
+          <a:stretch>
+            <a:fillRect/>
+          </a:stretch>
+        </p:blipFill>
+        <p:spPr>
+          <a:xfrm>
+            <a:off x="1187624" y="2555618"/>
+            <a:ext cx="6768752" cy="3534327"/>
+          </a:xfrm>
+          <a:prstGeom prst="rect">
+            <a:avLst/>
+          </a:prstGeom>
+        </p:spPr>
+      </p:pic>
+      <p:sp>
+        <p:nvSpPr>
+          <p:cNvPr id="5" name="TextBox 4"/>
+          <p:cNvSpPr txBox="1"/>
+          <p:nvPr/>
+        </p:nvSpPr>
+        <p:spPr>
+          <a:xfrm>
+            <a:off x="1475656" y="1796818"/>
+            <a:ext cx="6120680" cy="369332"/>
+          </a:xfrm>
+          <a:prstGeom prst="rect">
+            <a:avLst/>
+          </a:prstGeom>
+          <a:noFill/>
+        </p:spPr>
+        <p:txBody>
+          <a:bodyPr wrap="square" rtlCol="0">
+            <a:spAutoFit/>
+          </a:bodyPr>
+          <a:lstStyle/>
+          <a:p>
+            <a:r>
+              <a:rPr lang="fr-FR" sz="1800" dirty="0" smtClean="0"/>
+              <a:t>Coefficient de corrélation de Spearman :</a:t>
+            </a:r>
+            <a:endParaRPr lang="fr-FR" sz="1800" dirty="0"/>
+          </a:p>
+        </p:txBody>
+      </p:sp>
+      <p:cxnSp>
+        <p:nvCxnSpPr>
+          <p:cNvPr id="7" name="Straight Connector 6"/>
+          <p:cNvCxnSpPr/>
+          <p:nvPr/>
+        </p:nvCxnSpPr>
+        <p:spPr>
+          <a:xfrm>
+            <a:off x="4868664" y="2660915"/>
+            <a:ext cx="0" cy="3342053"/>
+          </a:xfrm>
+          <a:prstGeom prst="line">
+            <a:avLst/>
+          </a:prstGeom>
+        </p:spPr>
+        <p:style>
+          <a:lnRef idx="1">
+            <a:schemeClr val="dk1"/>
+          </a:lnRef>
+          <a:fillRef idx="0">
+            <a:schemeClr val="dk1"/>
+          </a:fillRef>
+          <a:effectRef idx="0">
+            <a:schemeClr val="dk1"/>
+          </a:effectRef>
+          <a:fontRef idx="minor">
+            <a:schemeClr val="tx1"/>
+          </a:fontRef>
+        </p:style>
+      </p:cxnSp>
+      <p:cxnSp>
+        <p:nvCxnSpPr>
+          <p:cNvPr id="9" name="Straight Connector 8"/>
+          <p:cNvCxnSpPr/>
+          <p:nvPr/>
+        </p:nvCxnSpPr>
+        <p:spPr>
+          <a:xfrm flipH="1">
+            <a:off x="4868664" y="3242724"/>
+            <a:ext cx="72008" cy="0"/>
+          </a:xfrm>
+          <a:prstGeom prst="line">
+            <a:avLst/>
+          </a:prstGeom>
+        </p:spPr>
+        <p:style>
+          <a:lnRef idx="1">
+            <a:schemeClr val="dk1"/>
+          </a:lnRef>
+          <a:fillRef idx="0">
+            <a:schemeClr val="dk1"/>
+          </a:fillRef>
+          <a:effectRef idx="0">
+            <a:schemeClr val="dk1"/>
+          </a:effectRef>
+          <a:fontRef idx="minor">
+            <a:schemeClr val="tx1"/>
+          </a:fontRef>
+        </p:style>
+      </p:cxnSp>
+      <p:sp>
+        <p:nvSpPr>
+          <p:cNvPr id="8" name="TextBox 7"/>
+          <p:cNvSpPr txBox="1"/>
+          <p:nvPr/>
+        </p:nvSpPr>
+        <p:spPr>
+          <a:xfrm>
+            <a:off x="8748464" y="6550223"/>
+            <a:ext cx="395536" cy="307777"/>
+          </a:xfrm>
+          <a:prstGeom prst="rect">
+            <a:avLst/>
+          </a:prstGeom>
+          <a:noFill/>
+        </p:spPr>
+        <p:txBody>
+          <a:bodyPr wrap="square" rtlCol="0">
+            <a:spAutoFit/>
+          </a:bodyPr>
+          <a:lstStyle/>
+          <a:p>
+            <a:r>
+              <a:rPr lang="fr-FR" dirty="0" smtClean="0"/>
+              <a:t>19</a:t>
+            </a:r>
+          </a:p>
+        </p:txBody>
+      </p:sp>
+    </p:spTree>
+    <p:extLst>
+      <p:ext uri="{BB962C8B-B14F-4D97-AF65-F5344CB8AC3E}">
+        <p14:creationId xmlns:p14="http://schemas.microsoft.com/office/powerpoint/2010/main" val="1666827742"/>
+      </p:ext>
+    </p:extLst>
+  </p:cSld>
+  <p:clrMapOvr>
+    <a:masterClrMapping/>
+  </p:clrMapOvr>
+  <p:timing>
+    <p:tnLst>
+      <p:par>
+        <p:cTn id="1" dur="indefinite" restart="never" nodeType="tmRoot"/>
+      </p:par>
+    </p:tnLst>
+  </p:timing>
+</p:sld>
+</file>
+
+<file path=ppt/slides/slide22.xml><?xml version="1.0" encoding="utf-8"?>
+<p:sld xmlns:a="http://schemas.openxmlformats.org/drawingml/2006/main" xmlns:r="http://schemas.openxmlformats.org/officeDocument/2006/relationships" xmlns:p="http://schemas.openxmlformats.org/presentationml/2006/main">
+  <p:cSld>
+    <p:spTree>
+      <p:nvGrpSpPr>
+        <p:cNvPr id="1" name=""/>
+        <p:cNvGrpSpPr/>
+        <p:nvPr/>
+      </p:nvGrpSpPr>
+      <p:grpSpPr>
+        <a:xfrm>
+          <a:off x="0" y="0"/>
+          <a:ext cx="0" cy="0"/>
+          <a:chOff x="0" y="0"/>
+          <a:chExt cx="0" cy="0"/>
+        </a:xfrm>
+      </p:grpSpPr>
+      <p:sp>
+        <p:nvSpPr>
+          <p:cNvPr id="2" name="Title 1"/>
+          <p:cNvSpPr>
+            <a:spLocks noGrp="1"/>
+          </p:cNvSpPr>
+          <p:nvPr>
+            <p:ph type="title"/>
+          </p:nvPr>
+        </p:nvSpPr>
+        <p:spPr/>
+        <p:txBody>
+          <a:bodyPr lIns="91425" tIns="91425" rIns="91425" bIns="91425" anchor="ctr" anchorCtr="0">
+            <a:noAutofit/>
+          </a:bodyPr>
+          <a:lstStyle/>
+          <a:p>
+            <a:r>
+              <a:rPr lang="fr-FR" dirty="0"/>
+              <a:t>Limitations</a:t>
+            </a:r>
+          </a:p>
+        </p:txBody>
+      </p:sp>
+      <p:sp>
+        <p:nvSpPr>
+          <p:cNvPr id="3" name="Text Placeholder 2"/>
+          <p:cNvSpPr>
+            <a:spLocks noGrp="1"/>
+          </p:cNvSpPr>
+          <p:nvPr>
+            <p:ph type="body" idx="1"/>
+          </p:nvPr>
+        </p:nvSpPr>
+        <p:spPr>
+          <a:xfrm>
+            <a:off x="467544" y="2132856"/>
+            <a:ext cx="8208912" cy="3096344"/>
+          </a:xfrm>
+        </p:spPr>
+        <p:txBody>
+          <a:bodyPr/>
+          <a:lstStyle/>
+          <a:p>
+            <a:pPr marL="342900" indent="-342900">
+              <a:buFont typeface="Wingdings" panose="05000000000000000000" pitchFamily="2" charset="2"/>
+              <a:buChar char="Ø"/>
+            </a:pPr>
+            <a:r>
+              <a:rPr lang="fr-FR" sz="2400" dirty="0" smtClean="0"/>
+              <a:t>Dépend de Git: « </a:t>
+            </a:r>
+            <a:r>
+              <a:rPr lang="fr-FR" sz="2400" dirty="0" err="1" smtClean="0"/>
+              <a:t>Origin</a:t>
+            </a:r>
+            <a:r>
+              <a:rPr lang="fr-FR" sz="2400" dirty="0" smtClean="0"/>
+              <a:t> </a:t>
+            </a:r>
+            <a:r>
+              <a:rPr lang="fr-FR" sz="2400" dirty="0" err="1" smtClean="0"/>
+              <a:t>Analysis</a:t>
+            </a:r>
+            <a:r>
+              <a:rPr lang="fr-FR" sz="2400" dirty="0" smtClean="0"/>
+              <a:t> »</a:t>
+            </a:r>
+            <a:br>
+              <a:rPr lang="fr-FR" sz="2400" dirty="0" smtClean="0"/>
+            </a:br>
+            <a:r>
+              <a:rPr lang="fr-FR" sz="2400" dirty="0" smtClean="0"/>
+              <a:t/>
+            </a:r>
+            <a:br>
+              <a:rPr lang="fr-FR" sz="2400" dirty="0" smtClean="0"/>
+            </a:br>
+            <a:endParaRPr lang="fr-FR" sz="2400" dirty="0"/>
+          </a:p>
+          <a:p>
+            <a:pPr marL="342900" indent="-342900">
+              <a:buFont typeface="Wingdings" panose="05000000000000000000" pitchFamily="2" charset="2"/>
+              <a:buChar char="Ø"/>
+            </a:pPr>
+            <a:r>
+              <a:rPr lang="fr-FR" sz="2400" dirty="0" smtClean="0"/>
+              <a:t>100 renommages aléatoires :</a:t>
+            </a:r>
+            <a:br>
+              <a:rPr lang="fr-FR" sz="2400" dirty="0" smtClean="0"/>
+            </a:br>
+            <a:endParaRPr lang="fr-FR" sz="2400" dirty="0" smtClean="0"/>
+          </a:p>
+          <a:p>
+            <a:r>
+              <a:rPr lang="fr-FR" sz="2400" dirty="0" smtClean="0"/>
+              <a:t>	- 100% précision</a:t>
+            </a:r>
+          </a:p>
+          <a:p>
+            <a:r>
+              <a:rPr lang="fr-FR" sz="2400" dirty="0" smtClean="0"/>
+              <a:t>	- Rappel inconnu</a:t>
+            </a:r>
+            <a:endParaRPr lang="fr-FR" sz="2400" dirty="0"/>
+          </a:p>
+        </p:txBody>
+      </p:sp>
+    </p:spTree>
+    <p:extLst>
+      <p:ext uri="{BB962C8B-B14F-4D97-AF65-F5344CB8AC3E}">
+        <p14:creationId xmlns:p14="http://schemas.microsoft.com/office/powerpoint/2010/main" val="3507993554"/>
+      </p:ext>
+    </p:extLst>
+  </p:cSld>
+  <p:clrMapOvr>
+    <a:masterClrMapping/>
+  </p:clrMapOvr>
+</p:sld>
+</file>
+
+<file path=ppt/slides/slide23.xml><?xml version="1.0" encoding="utf-8"?>
+<p:sld xmlns:a="http://schemas.openxmlformats.org/drawingml/2006/main" xmlns:r="http://schemas.openxmlformats.org/officeDocument/2006/relationships" xmlns:p="http://schemas.openxmlformats.org/presentationml/2006/main">
+  <p:cSld>
+    <p:spTree>
+      <p:nvGrpSpPr>
         <p:cNvPr id="1" name="Shape 144"/>
         <p:cNvGrpSpPr/>
         <p:nvPr/>
@@ -8453,6 +9172,331 @@
           </a:bodyPr>
           <a:lstStyle/>
           <a:p>
+            <a:pPr>
+              <a:spcBef>
+                <a:spcPts val="0"/>
+              </a:spcBef>
+              <a:buNone/>
+            </a:pPr>
+            <a:r>
+              <a:rPr lang="fr" dirty="0"/>
+              <a:t>Conclusion</a:t>
+            </a:r>
+          </a:p>
+        </p:txBody>
+      </p:sp>
+      <p:sp>
+        <p:nvSpPr>
+          <p:cNvPr id="5" name="TextBox 4"/>
+          <p:cNvSpPr txBox="1"/>
+          <p:nvPr/>
+        </p:nvSpPr>
+        <p:spPr>
+          <a:xfrm>
+            <a:off x="683568" y="2996952"/>
+            <a:ext cx="7560840" cy="1477328"/>
+          </a:xfrm>
+          <a:prstGeom prst="rect">
+            <a:avLst/>
+          </a:prstGeom>
+          <a:noFill/>
+        </p:spPr>
+        <p:txBody>
+          <a:bodyPr wrap="square" rtlCol="0">
+            <a:spAutoFit/>
+          </a:bodyPr>
+          <a:lstStyle/>
+          <a:p>
+            <a:r>
+              <a:rPr lang="fr-FR" sz="1800" b="1" dirty="0" smtClean="0"/>
+              <a:t>Les recommandations :</a:t>
+            </a:r>
+            <a:endParaRPr lang="fr-FR" sz="1800" b="1" dirty="0"/>
+          </a:p>
+          <a:p>
+            <a:pPr marL="285750" indent="-285750">
+              <a:buFont typeface="Arial" panose="020B0604020202020204" pitchFamily="34" charset="0"/>
+              <a:buChar char="•"/>
+            </a:pPr>
+            <a:r>
+              <a:rPr lang="fr-FR" sz="1800" dirty="0" smtClean="0"/>
+              <a:t>Périodes initiales</a:t>
+            </a:r>
+          </a:p>
+          <a:p>
+            <a:pPr marL="285750" indent="-285750">
+              <a:buFont typeface="Arial" panose="020B0604020202020204" pitchFamily="34" charset="0"/>
+              <a:buChar char="•"/>
+            </a:pPr>
+            <a:r>
+              <a:rPr lang="fr-FR" sz="1800" dirty="0" smtClean="0"/>
+              <a:t>Utiliser un algorithme de détection de renommage, Git à défaut</a:t>
+            </a:r>
+          </a:p>
+          <a:p>
+            <a:pPr marL="285750" indent="-285750">
+              <a:buFont typeface="Arial" panose="020B0604020202020204" pitchFamily="34" charset="0"/>
+              <a:buChar char="•"/>
+            </a:pPr>
+            <a:r>
+              <a:rPr lang="fr-FR" sz="1800" dirty="0" smtClean="0"/>
+              <a:t>Attention au niveau de granularité</a:t>
+            </a:r>
+          </a:p>
+          <a:p>
+            <a:pPr marL="285750" indent="-285750">
+              <a:buFont typeface="Arial" panose="020B0604020202020204" pitchFamily="34" charset="0"/>
+              <a:buChar char="•"/>
+            </a:pPr>
+            <a:r>
+              <a:rPr lang="fr-FR" sz="1800" dirty="0" smtClean="0"/>
+              <a:t>Le renommage dans les prochaines études</a:t>
+            </a:r>
+            <a:endParaRPr lang="fr-FR" sz="1800" dirty="0"/>
+          </a:p>
+        </p:txBody>
+      </p:sp>
+      <p:sp>
+        <p:nvSpPr>
+          <p:cNvPr id="6" name="TextBox 5"/>
+          <p:cNvSpPr txBox="1"/>
+          <p:nvPr/>
+        </p:nvSpPr>
+        <p:spPr>
+          <a:xfrm>
+            <a:off x="611560" y="4941168"/>
+            <a:ext cx="7200800" cy="923330"/>
+          </a:xfrm>
+          <a:prstGeom prst="rect">
+            <a:avLst/>
+          </a:prstGeom>
+          <a:noFill/>
+        </p:spPr>
+        <p:txBody>
+          <a:bodyPr wrap="square" rtlCol="0">
+            <a:spAutoFit/>
+          </a:bodyPr>
+          <a:lstStyle/>
+          <a:p>
+            <a:r>
+              <a:rPr lang="fr-FR" sz="1800" b="1" dirty="0" smtClean="0"/>
+              <a:t>Prochaine étapes: </a:t>
+            </a:r>
+          </a:p>
+          <a:p>
+            <a:pPr marL="285750" indent="-285750">
+              <a:buFont typeface="Arial" panose="020B0604020202020204" pitchFamily="34" charset="0"/>
+              <a:buChar char="•"/>
+            </a:pPr>
+            <a:r>
+              <a:rPr lang="fr-FR" sz="1800" dirty="0"/>
+              <a:t>E</a:t>
+            </a:r>
+            <a:r>
+              <a:rPr lang="fr-FR" sz="1800" dirty="0" smtClean="0"/>
+              <a:t>valuer la précision des algorithmes de détection de renommage</a:t>
+            </a:r>
+          </a:p>
+          <a:p>
+            <a:pPr marL="285750" indent="-285750">
+              <a:buFont typeface="Arial" panose="020B0604020202020204" pitchFamily="34" charset="0"/>
+              <a:buChar char="•"/>
+            </a:pPr>
+            <a:r>
+              <a:rPr lang="fr-FR" sz="1800" dirty="0" smtClean="0"/>
+              <a:t>Etude des split et </a:t>
+            </a:r>
+            <a:r>
+              <a:rPr lang="fr-FR" sz="1800" dirty="0" err="1" smtClean="0"/>
+              <a:t>merge</a:t>
+            </a:r>
+            <a:r>
+              <a:rPr lang="fr-FR" sz="1800" dirty="0" smtClean="0"/>
+              <a:t> d’entités</a:t>
+            </a:r>
+            <a:endParaRPr lang="fr-FR" sz="1800" dirty="0"/>
+          </a:p>
+        </p:txBody>
+      </p:sp>
+      <p:sp>
+        <p:nvSpPr>
+          <p:cNvPr id="2" name="TextBox 1"/>
+          <p:cNvSpPr txBox="1"/>
+          <p:nvPr/>
+        </p:nvSpPr>
+        <p:spPr>
+          <a:xfrm>
+            <a:off x="683568" y="1700808"/>
+            <a:ext cx="6840760" cy="923330"/>
+          </a:xfrm>
+          <a:prstGeom prst="rect">
+            <a:avLst/>
+          </a:prstGeom>
+          <a:noFill/>
+        </p:spPr>
+        <p:txBody>
+          <a:bodyPr wrap="square" rtlCol="0">
+            <a:spAutoFit/>
+          </a:bodyPr>
+          <a:lstStyle/>
+          <a:p>
+            <a:r>
+              <a:rPr lang="fr-FR" sz="1800" b="1" dirty="0">
+                <a:solidFill>
+                  <a:schemeClr val="tx1"/>
+                </a:solidFill>
+              </a:rPr>
+              <a:t>Le </a:t>
+            </a:r>
+            <a:r>
+              <a:rPr lang="fr-FR" sz="1800" b="1" dirty="0" smtClean="0">
+                <a:solidFill>
+                  <a:schemeClr val="tx1"/>
+                </a:solidFill>
+              </a:rPr>
+              <a:t>renommage : </a:t>
+            </a:r>
+          </a:p>
+          <a:p>
+            <a:pPr marL="285750" indent="-285750">
+              <a:buFont typeface="Arial" panose="020B0604020202020204" pitchFamily="34" charset="0"/>
+              <a:buChar char="•"/>
+            </a:pPr>
+            <a:r>
+              <a:rPr lang="fr-FR" sz="1800" dirty="0" smtClean="0"/>
+              <a:t>Jusqu’à </a:t>
+            </a:r>
+            <a:r>
+              <a:rPr lang="fr-FR" sz="1800" b="1" dirty="0" smtClean="0"/>
+              <a:t>100</a:t>
+            </a:r>
+            <a:r>
+              <a:rPr lang="fr-FR" sz="1800" b="1" dirty="0"/>
+              <a:t>% </a:t>
+            </a:r>
+            <a:r>
+              <a:rPr lang="fr-FR" sz="1800" dirty="0"/>
+              <a:t>des fichiers d’un </a:t>
+            </a:r>
+            <a:r>
+              <a:rPr lang="fr-FR" sz="1800" dirty="0" smtClean="0"/>
+              <a:t>projet.</a:t>
+            </a:r>
+          </a:p>
+          <a:p>
+            <a:pPr marL="285750" indent="-285750">
+              <a:buFont typeface="Arial" panose="020B0604020202020204" pitchFamily="34" charset="0"/>
+              <a:buChar char="•"/>
+            </a:pPr>
+            <a:r>
+              <a:rPr lang="fr-FR" sz="1800" b="1" dirty="0" smtClean="0"/>
+              <a:t>Fausse</a:t>
+            </a:r>
+            <a:r>
+              <a:rPr lang="fr-FR" sz="1800" dirty="0" smtClean="0"/>
+              <a:t> </a:t>
+            </a:r>
+            <a:r>
+              <a:rPr lang="fr-FR" sz="1800" dirty="0"/>
+              <a:t>le calcul des </a:t>
+            </a:r>
+            <a:r>
+              <a:rPr lang="fr-FR" sz="1800" dirty="0" smtClean="0"/>
+              <a:t>métriques de procédés.</a:t>
+            </a:r>
+            <a:endParaRPr lang="fr-FR" sz="1800" dirty="0"/>
+          </a:p>
+        </p:txBody>
+      </p:sp>
+      <p:sp>
+        <p:nvSpPr>
+          <p:cNvPr id="8" name="TextBox 7"/>
+          <p:cNvSpPr txBox="1"/>
+          <p:nvPr/>
+        </p:nvSpPr>
+        <p:spPr>
+          <a:xfrm>
+            <a:off x="8748464" y="6550223"/>
+            <a:ext cx="395536" cy="307777"/>
+          </a:xfrm>
+          <a:prstGeom prst="rect">
+            <a:avLst/>
+          </a:prstGeom>
+          <a:noFill/>
+        </p:spPr>
+        <p:txBody>
+          <a:bodyPr wrap="square" rtlCol="0">
+            <a:spAutoFit/>
+          </a:bodyPr>
+          <a:lstStyle/>
+          <a:p>
+            <a:r>
+              <a:rPr lang="fr-FR" dirty="0" smtClean="0"/>
+              <a:t>20</a:t>
+            </a:r>
+          </a:p>
+        </p:txBody>
+      </p:sp>
+    </p:spTree>
+  </p:cSld>
+  <p:clrMapOvr>
+    <a:masterClrMapping/>
+  </p:clrMapOvr>
+  <p:transition spd="slow">
+    <p:cut/>
+  </p:transition>
+  <p:timing>
+    <p:tnLst>
+      <p:par>
+        <p:cTn id="1" dur="indefinite" restart="never" nodeType="tmRoot"/>
+      </p:par>
+    </p:tnLst>
+  </p:timing>
+</p:sld>
+</file>
+
+<file path=ppt/slides/slide24.xml><?xml version="1.0" encoding="utf-8"?>
+<p:sld xmlns:a="http://schemas.openxmlformats.org/drawingml/2006/main" xmlns:r="http://schemas.openxmlformats.org/officeDocument/2006/relationships" xmlns:p="http://schemas.openxmlformats.org/presentationml/2006/main">
+  <p:cSld>
+    <p:spTree>
+      <p:nvGrpSpPr>
+        <p:cNvPr id="1" name="Shape 144"/>
+        <p:cNvGrpSpPr/>
+        <p:nvPr/>
+      </p:nvGrpSpPr>
+      <p:grpSpPr>
+        <a:xfrm>
+          <a:off x="0" y="0"/>
+          <a:ext cx="0" cy="0"/>
+          <a:chOff x="0" y="0"/>
+          <a:chExt cx="0" cy="0"/>
+        </a:xfrm>
+      </p:grpSpPr>
+      <p:sp>
+        <p:nvSpPr>
+          <p:cNvPr id="145" name="Shape 145"/>
+          <p:cNvSpPr txBox="1">
+            <a:spLocks noGrp="1"/>
+          </p:cNvSpPr>
+          <p:nvPr>
+            <p:ph type="title"/>
+          </p:nvPr>
+        </p:nvSpPr>
+        <p:spPr>
+          <a:xfrm>
+            <a:off x="457200" y="274637"/>
+            <a:ext cx="8229600" cy="1143200"/>
+          </a:xfrm>
+          <a:prstGeom prst="rect">
+            <a:avLst/>
+          </a:prstGeom>
+        </p:spPr>
+        <p:txBody>
+          <a:bodyPr lIns="91425" tIns="91425" rIns="91425" bIns="91425" anchor="ctr" anchorCtr="0">
+            <a:noAutofit/>
+          </a:bodyPr>
+          <a:lstStyle/>
+          <a:p>
             <a:pPr algn="ctr">
               <a:spcBef>
                 <a:spcPts val="0"/>
@@ -8480,7 +9524,7 @@
         <p:spPr>
           <a:xfrm>
             <a:off x="457200" y="1600201"/>
-            <a:ext cx="8229600" cy="4967599"/>
+            <a:ext cx="8229600" cy="748679"/>
           </a:xfrm>
           <a:prstGeom prst="rect">
             <a:avLst/>
@@ -8550,7 +9594,6 @@
               <a:rPr lang="fr-FR" dirty="0" smtClean="0"/>
               <a:t>21</a:t>
             </a:r>
-            <a:endParaRPr lang="fr-FR" dirty="0" smtClean="0"/>
           </a:p>
         </p:txBody>
       </p:sp>
@@ -8577,7 +9620,7 @@
 </p:sld>
 </file>
 
-<file path=ppt/slides/slide22.xml><?xml version="1.0" encoding="utf-8"?>
+<file path=ppt/slides/slide25.xml><?xml version="1.0" encoding="utf-8"?>
 <p:sld xmlns:a="http://schemas.openxmlformats.org/drawingml/2006/main" xmlns:r="http://schemas.openxmlformats.org/officeDocument/2006/relationships" xmlns:p="http://schemas.openxmlformats.org/presentationml/2006/main">
   <p:cSld>
     <p:spTree>
@@ -8950,7 +9993,6 @@
               <a:rPr lang="fr-FR" dirty="0" smtClean="0"/>
               <a:t>22</a:t>
             </a:r>
-            <a:endParaRPr lang="fr-FR" dirty="0" smtClean="0"/>
           </a:p>
         </p:txBody>
       </p:sp>
@@ -8977,7 +10019,7 @@
 </p:sld>
 </file>
 
-<file path=ppt/slides/slide23.xml><?xml version="1.0" encoding="utf-8"?>
+<file path=ppt/slides/slide26.xml><?xml version="1.0" encoding="utf-8"?>
 <p:sld xmlns:a="http://schemas.openxmlformats.org/drawingml/2006/main" xmlns:r="http://schemas.openxmlformats.org/officeDocument/2006/relationships" xmlns:p="http://schemas.openxmlformats.org/presentationml/2006/main">
   <p:cSld>
     <p:spTree>
@@ -9105,8 +10147,8 @@
           </a:prstGeom>
         </p:spPr>
       </p:pic>
-      <mc:AlternateContent xmlns:mc="http://schemas.openxmlformats.org/markup-compatibility/2006">
-        <mc:Choice xmlns:a14="http://schemas.microsoft.com/office/drawing/2010/main" Requires="a14">
+      <mc:AlternateContent xmlns:mc="http://schemas.openxmlformats.org/markup-compatibility/2006" xmlns:a14="http://schemas.microsoft.com/office/drawing/2010/main">
+        <mc:Choice Requires="a14">
           <p:sp>
             <p:nvSpPr>
               <p:cNvPr id="7" name="TextBox 6"/>
@@ -9190,7 +10232,7 @@
             </p:txBody>
           </p:sp>
         </mc:Choice>
-        <mc:Fallback>
+        <mc:Fallback xmlns="">
           <p:sp>
             <p:nvSpPr>
               <p:cNvPr id="7" name="TextBox 6"/>
@@ -9255,7 +10297,6 @@
               <a:rPr lang="fr-FR" dirty="0" smtClean="0"/>
               <a:t>23</a:t>
             </a:r>
-            <a:endParaRPr lang="fr-FR" dirty="0" smtClean="0"/>
           </a:p>
         </p:txBody>
       </p:sp>
@@ -9282,7 +10323,7 @@
 </p:sld>
 </file>
 
-<file path=ppt/slides/slide24.xml><?xml version="1.0" encoding="utf-8"?>
+<file path=ppt/slides/slide27.xml><?xml version="1.0" encoding="utf-8"?>
 <p:sld xmlns:a="http://schemas.openxmlformats.org/drawingml/2006/main" xmlns:r="http://schemas.openxmlformats.org/officeDocument/2006/relationships" xmlns:p="http://schemas.openxmlformats.org/presentationml/2006/main">
   <p:cSld>
     <p:spTree>
@@ -9886,7 +10927,6 @@
               <a:rPr lang="fr-FR" dirty="0" smtClean="0"/>
               <a:t>24</a:t>
             </a:r>
-            <a:endParaRPr lang="fr-FR" dirty="0" smtClean="0"/>
           </a:p>
         </p:txBody>
       </p:sp>
@@ -9948,17 +10988,14 @@
           <a:lstStyle/>
           <a:p>
             <a:r>
-              <a:rPr lang="fr-FR" dirty="0"/>
-              <a:t>Contexte </a:t>
-            </a:r>
-            <a:r>
-              <a:rPr lang="fr-FR" sz="1400" dirty="0">
-                <a:solidFill>
-                  <a:schemeClr val="bg2"/>
-                </a:solidFill>
-              </a:rPr>
-              <a:t>définition du sujet</a:t>
-            </a:r>
+              <a:rPr lang="fr-FR" dirty="0" smtClean="0"/>
+              <a:t>Un modèle de prédiction</a:t>
+            </a:r>
+            <a:endParaRPr lang="fr-FR" sz="1400" dirty="0">
+              <a:solidFill>
+                <a:schemeClr val="bg2"/>
+              </a:solidFill>
+            </a:endParaRPr>
           </a:p>
         </p:txBody>
       </p:sp>
@@ -9974,7 +11011,7 @@
         </p:nvSpPr>
         <p:spPr>
           <a:xfrm>
-            <a:off x="251520" y="2084851"/>
+            <a:off x="286330" y="2060848"/>
             <a:ext cx="8568952" cy="2280253"/>
           </a:xfrm>
         </p:spPr>
@@ -9983,47 +11020,44 @@
           <a:lstStyle/>
           <a:p>
             <a:pPr marL="342900" indent="-342900">
-              <a:buFont typeface="Arial" panose="020B0604020202020204" pitchFamily="34" charset="0"/>
-              <a:buChar char="•"/>
+              <a:buFont typeface="Wingdings" panose="05000000000000000000" pitchFamily="2" charset="2"/>
+              <a:buChar char="Ø"/>
             </a:pPr>
             <a:r>
               <a:rPr lang="fr-FR" sz="2400" dirty="0" smtClean="0"/>
-              <a:t>Les gestionnaires de versions (VCS)</a:t>
-            </a:r>
+              <a:t>Métriques logicielles : Version fixée d’un logiciel.</a:t>
+            </a:r>
+            <a:br>
+              <a:rPr lang="fr-FR" sz="2400" dirty="0" smtClean="0"/>
+            </a:br>
+            <a:r>
+              <a:rPr lang="fr-FR" sz="2400" dirty="0" smtClean="0"/>
+              <a:t>			      (Ligne de codes, complexité du code)</a:t>
+            </a:r>
+            <a:endParaRPr lang="fr-FR" sz="2400" dirty="0" smtClean="0"/>
+          </a:p>
+          <a:p>
+            <a:r>
+              <a:rPr lang="fr-FR" sz="2400" dirty="0" smtClean="0"/>
+              <a:t/>
+            </a:r>
+            <a:br>
+              <a:rPr lang="fr-FR" sz="2400" dirty="0" smtClean="0"/>
+            </a:br>
+            <a:endParaRPr lang="fr-FR" sz="2400" dirty="0" smtClean="0"/>
           </a:p>
           <a:p>
             <a:pPr marL="342900" indent="-342900">
-              <a:buFont typeface="Arial" panose="020B0604020202020204" pitchFamily="34" charset="0"/>
-              <a:buChar char="•"/>
+              <a:buFont typeface="Wingdings" panose="05000000000000000000" pitchFamily="2" charset="2"/>
+              <a:buChar char="Ø"/>
             </a:pPr>
-            <a:endParaRPr lang="fr-FR" sz="2400" dirty="0"/>
-          </a:p>
-          <a:p>
-            <a:pPr marL="342900" indent="-342900">
-              <a:buFont typeface="Arial" panose="020B0604020202020204" pitchFamily="34" charset="0"/>
-              <a:buChar char="•"/>
-            </a:pPr>
             <a:r>
               <a:rPr lang="fr-FR" sz="2400" dirty="0" smtClean="0"/>
-              <a:t>La prédiction de bugs</a:t>
-            </a:r>
-          </a:p>
-          <a:p>
-            <a:pPr marL="342900" indent="-342900">
-              <a:buFont typeface="Arial" panose="020B0604020202020204" pitchFamily="34" charset="0"/>
-              <a:buChar char="•"/>
-            </a:pPr>
-            <a:endParaRPr lang="fr-FR" sz="2400" dirty="0"/>
-          </a:p>
-          <a:p>
-            <a:pPr marL="342900" indent="-342900">
-              <a:buFont typeface="Arial" panose="020B0604020202020204" pitchFamily="34" charset="0"/>
-              <a:buChar char="•"/>
-            </a:pPr>
-            <a:r>
-              <a:rPr lang="fr-FR" sz="2400" dirty="0" smtClean="0"/>
-              <a:t>Les métriques*</a:t>
-            </a:r>
+              <a:t>Métriques de procédés : Evolution du logiciel, suite de 					versions.</a:t>
+            </a:r>
+            <a:endParaRPr lang="fr-FR" sz="2400" dirty="0" smtClean="0"/>
+          </a:p>
+          <a:p>
             <a:endParaRPr lang="fr-FR" sz="2400" dirty="0"/>
           </a:p>
         </p:txBody>
@@ -10081,28 +11115,28 @@
           <a:lstStyle/>
           <a:p>
             <a:r>
+              <a:rPr lang="en-US" i="1" dirty="0" err="1" smtClean="0">
+                <a:solidFill>
+                  <a:schemeClr val="bg2"/>
+                </a:solidFill>
+              </a:rPr>
+              <a:t>Nagappan</a:t>
+            </a:r>
+            <a:r>
               <a:rPr lang="en-US" i="1" dirty="0" smtClean="0">
                 <a:solidFill>
                   <a:schemeClr val="bg2"/>
                 </a:solidFill>
               </a:rPr>
-              <a:t>* </a:t>
-            </a:r>
-            <a:r>
-              <a:rPr lang="en-US" i="1" dirty="0" err="1" smtClean="0">
+              <a:t> </a:t>
+            </a:r>
+            <a:r>
+              <a:rPr lang="en-US" i="1" dirty="0" smtClean="0">
                 <a:solidFill>
                   <a:schemeClr val="bg2"/>
                 </a:solidFill>
               </a:rPr>
-              <a:t>Nagappan</a:t>
-            </a:r>
-            <a:r>
-              <a:rPr lang="en-US" i="1" dirty="0" smtClean="0">
-                <a:solidFill>
-                  <a:schemeClr val="bg2"/>
-                </a:solidFill>
-              </a:rPr>
-              <a:t> et al. “Use </a:t>
+              <a:t>et al. “Use </a:t>
             </a:r>
             <a:r>
               <a:rPr lang="en-US" i="1" dirty="0">
@@ -10183,28 +11217,28 @@
           <a:lstStyle/>
           <a:p>
             <a:r>
+              <a:rPr lang="fr-FR" i="1" dirty="0" err="1" smtClean="0">
+                <a:solidFill>
+                  <a:schemeClr val="bg2"/>
+                </a:solidFill>
+              </a:rPr>
+              <a:t>Bird</a:t>
+            </a:r>
+            <a:r>
               <a:rPr lang="fr-FR" i="1" dirty="0" smtClean="0">
                 <a:solidFill>
                   <a:schemeClr val="bg2"/>
                 </a:solidFill>
               </a:rPr>
-              <a:t>* </a:t>
-            </a:r>
-            <a:r>
-              <a:rPr lang="fr-FR" i="1" dirty="0" err="1" smtClean="0">
+              <a:t> </a:t>
+            </a:r>
+            <a:r>
+              <a:rPr lang="fr-FR" i="1" dirty="0" smtClean="0">
                 <a:solidFill>
                   <a:schemeClr val="bg2"/>
                 </a:solidFill>
               </a:rPr>
-              <a:t>Bird</a:t>
-            </a:r>
-            <a:r>
-              <a:rPr lang="fr-FR" i="1" dirty="0" smtClean="0">
-                <a:solidFill>
-                  <a:schemeClr val="bg2"/>
-                </a:solidFill>
-              </a:rPr>
-              <a:t> et al.</a:t>
+              <a:t>et al.</a:t>
             </a:r>
             <a:r>
               <a:rPr lang="fr-FR" i="1" dirty="0">
@@ -10281,7 +11315,7 @@
     </p:spTree>
     <p:extLst>
       <p:ext uri="{BB962C8B-B14F-4D97-AF65-F5344CB8AC3E}">
-        <p14:creationId xmlns:p14="http://schemas.microsoft.com/office/powerpoint/2010/main" val="3341697924"/>
+        <p14:creationId xmlns:p14="http://schemas.microsoft.com/office/powerpoint/2010/main" val="3503367815"/>
       </p:ext>
     </p:extLst>
   </p:cSld>
@@ -10386,7 +11420,7 @@
         </p:nvSpPr>
         <p:spPr>
           <a:xfrm>
-            <a:off x="251521" y="1964858"/>
+            <a:off x="288000" y="1964858"/>
             <a:ext cx="8538599" cy="3768399"/>
           </a:xfrm>
           <a:prstGeom prst="rect">
@@ -10407,8 +11441,8 @@
                 <a:schemeClr val="dk1"/>
               </a:buClr>
               <a:buSzPct val="100000"/>
-              <a:buFont typeface="Arial" panose="020B0604020202020204" pitchFamily="34" charset="0"/>
-              <a:buChar char="•"/>
+              <a:buFont typeface="Wingdings" panose="05000000000000000000" pitchFamily="2" charset="2"/>
+              <a:buChar char="Ø"/>
             </a:pPr>
             <a:r>
               <a:rPr lang="fr" sz="2400" dirty="0"/>
@@ -10444,8 +11478,8 @@
                 <a:schemeClr val="dk1"/>
               </a:buClr>
               <a:buSzPct val="100000"/>
-              <a:buFont typeface="Arial" panose="020B0604020202020204" pitchFamily="34" charset="0"/>
-              <a:buChar char="•"/>
+              <a:buFont typeface="Wingdings" panose="05000000000000000000" pitchFamily="2" charset="2"/>
+              <a:buChar char="Ø"/>
             </a:pPr>
             <a:r>
               <a:rPr lang="fr" sz="2400" dirty="0"/>
@@ -10481,8 +11515,8 @@
                 <a:schemeClr val="dk1"/>
               </a:buClr>
               <a:buSzPct val="100000"/>
-              <a:buFont typeface="Arial" panose="020B0604020202020204" pitchFamily="34" charset="0"/>
-              <a:buChar char="•"/>
+              <a:buFont typeface="Wingdings" panose="05000000000000000000" pitchFamily="2" charset="2"/>
+              <a:buChar char="Ø"/>
             </a:pPr>
             <a:r>
               <a:rPr lang="fr" sz="2400" dirty="0"/>
@@ -10502,11 +11536,7 @@
             </a:r>
             <a:r>
               <a:rPr lang="fr" sz="2400" dirty="0" smtClean="0"/>
-              <a:t>lignes </a:t>
-            </a:r>
-            <a:r>
-              <a:rPr lang="fr" sz="2400" dirty="0" smtClean="0"/>
-              <a:t>ajoutées </a:t>
+              <a:t>lignes ajoutées </a:t>
             </a:r>
             <a:r>
               <a:rPr lang="fr" sz="2400" dirty="0"/>
@@ -10719,7 +11749,7 @@
   <p:cSld>
     <p:spTree>
       <p:nvGrpSpPr>
-        <p:cNvPr id="1" name="Shape 43"/>
+        <p:cNvPr id="1" name=""/>
         <p:cNvGrpSpPr/>
         <p:nvPr/>
       </p:nvGrpSpPr>
@@ -10733,116 +11763,39 @@
       </p:grpSpPr>
       <p:sp>
         <p:nvSpPr>
-          <p:cNvPr id="44" name="Shape 44"/>
-          <p:cNvSpPr txBox="1">
+          <p:cNvPr id="2" name="Title 1"/>
+          <p:cNvSpPr>
             <a:spLocks noGrp="1"/>
           </p:cNvSpPr>
           <p:nvPr>
             <p:ph type="title"/>
           </p:nvPr>
         </p:nvSpPr>
-        <p:spPr>
-          <a:xfrm>
-            <a:off x="457200" y="274637"/>
-            <a:ext cx="8229600" cy="1143200"/>
-          </a:xfrm>
-          <a:prstGeom prst="rect">
-            <a:avLst/>
-          </a:prstGeom>
-        </p:spPr>
+        <p:spPr/>
         <p:txBody>
           <a:bodyPr lIns="91425" tIns="91425" rIns="91425" bIns="91425" anchor="ctr" anchorCtr="0">
             <a:noAutofit/>
           </a:bodyPr>
           <a:lstStyle/>
           <a:p>
-            <a:pPr>
-              <a:spcBef>
-                <a:spcPts val="0"/>
-              </a:spcBef>
-              <a:buNone/>
-            </a:pPr>
-            <a:r>
-              <a:rPr lang="fr" dirty="0" smtClean="0"/>
-              <a:t>Contexte </a:t>
-            </a:r>
-            <a:r>
-              <a:rPr lang="fr" sz="1400" dirty="0">
-                <a:solidFill>
-                  <a:schemeClr val="bg2"/>
-                </a:solidFill>
-              </a:rPr>
-              <a:t>métriques et renommage</a:t>
-            </a:r>
+            <a:r>
+              <a:rPr lang="fr-FR" dirty="0"/>
+              <a:t>Problématique</a:t>
+            </a:r>
+            <a:endParaRPr lang="fr-FR" dirty="0"/>
           </a:p>
         </p:txBody>
       </p:sp>
       <p:pic>
         <p:nvPicPr>
-          <p:cNvPr id="45" name="Shape 45"/>
-          <p:cNvPicPr preferRelativeResize="0"/>
-          <p:nvPr/>
-        </p:nvPicPr>
-        <p:blipFill>
-          <a:blip r:embed="rId3"/>
-          <a:stretch>
-            <a:fillRect/>
-          </a:stretch>
-        </p:blipFill>
-        <p:spPr>
-          <a:xfrm>
-            <a:off x="612125" y="1693967"/>
-            <a:ext cx="5009574" cy="4078465"/>
-          </a:xfrm>
-          <a:prstGeom prst="rect">
-            <a:avLst/>
-          </a:prstGeom>
-          <a:noFill/>
-          <a:ln>
-            <a:noFill/>
-          </a:ln>
-        </p:spPr>
-      </p:pic>
-      <p:sp>
-        <p:nvSpPr>
-          <p:cNvPr id="4" name="TextBox 3"/>
-          <p:cNvSpPr txBox="1"/>
-          <p:nvPr/>
-        </p:nvSpPr>
-        <p:spPr>
-          <a:xfrm>
-            <a:off x="6283610" y="4899620"/>
-            <a:ext cx="2651348" cy="523220"/>
-          </a:xfrm>
-          <a:prstGeom prst="rect">
-            <a:avLst/>
-          </a:prstGeom>
-          <a:noFill/>
-        </p:spPr>
-        <p:txBody>
-          <a:bodyPr wrap="square" rtlCol="0">
-            <a:spAutoFit/>
-          </a:bodyPr>
-          <a:lstStyle/>
-          <a:p>
-            <a:r>
-              <a:rPr lang="fr-FR" sz="2800" b="1" dirty="0" smtClean="0"/>
-              <a:t>Renommage</a:t>
-            </a:r>
-            <a:endParaRPr lang="fr-FR" sz="2800" b="1" dirty="0"/>
-          </a:p>
-        </p:txBody>
-      </p:sp>
-      <p:pic>
-        <p:nvPicPr>
-          <p:cNvPr id="5" name="Picture 4"/>
+          <p:cNvPr id="4" name="Picture 3"/>
           <p:cNvPicPr>
             <a:picLocks noChangeAspect="1"/>
           </p:cNvPicPr>
           <p:nvPr/>
         </p:nvPicPr>
         <p:blipFill rotWithShape="1">
-          <a:blip r:embed="rId4">
+          <a:blip r:embed="rId2">
             <a:extLst>
               <a:ext uri="{28A0092B-C50C-407E-A947-70E740481C1C}">
                 <a14:useLocalDpi xmlns:a14="http://schemas.microsoft.com/office/drawing/2010/main" val="0"/>
@@ -10854,7 +11807,7 @@
         </p:blipFill>
         <p:spPr>
           <a:xfrm>
-            <a:off x="6986904" y="3892090"/>
+            <a:off x="14872" y="2995923"/>
             <a:ext cx="1244760" cy="977070"/>
           </a:xfrm>
           <a:prstGeom prst="rect">
@@ -10870,8 +11823,8 @@
         </p:nvSpPr>
         <p:spPr>
           <a:xfrm>
-            <a:off x="8855282" y="6550223"/>
-            <a:ext cx="288718" cy="307777"/>
+            <a:off x="899592" y="3068960"/>
+            <a:ext cx="7272808" cy="830997"/>
           </a:xfrm>
           <a:prstGeom prst="rect">
             <a:avLst/>
@@ -10884,22 +11837,33 @@
           </a:bodyPr>
           <a:lstStyle/>
           <a:p>
-            <a:r>
-              <a:rPr lang="fr-FR" dirty="0" smtClean="0"/>
-              <a:t>5</a:t>
-            </a:r>
-            <a:endParaRPr lang="fr-FR" dirty="0" smtClean="0"/>
+            <a:pPr algn="ctr"/>
+            <a:r>
+              <a:rPr lang="fr-FR" sz="2400" dirty="0" smtClean="0"/>
+              <a:t>Le </a:t>
+            </a:r>
+            <a:r>
+              <a:rPr lang="fr-FR" sz="2400" b="1" dirty="0" smtClean="0"/>
+              <a:t>renommage</a:t>
+            </a:r>
+            <a:r>
+              <a:rPr lang="fr-FR" sz="2400" dirty="0" smtClean="0"/>
+              <a:t> d’élément du code source peut-il fausser le calcul des métriques de procédés ?</a:t>
+            </a:r>
+            <a:endParaRPr lang="fr-FR" sz="2400" dirty="0"/>
           </a:p>
         </p:txBody>
       </p:sp>
     </p:spTree>
+    <p:extLst>
+      <p:ext uri="{BB962C8B-B14F-4D97-AF65-F5344CB8AC3E}">
+        <p14:creationId xmlns:p14="http://schemas.microsoft.com/office/powerpoint/2010/main" val="1487335696"/>
+      </p:ext>
+    </p:extLst>
   </p:cSld>
   <p:clrMapOvr>
     <a:masterClrMapping/>
   </p:clrMapOvr>
-  <p:transition spd="slow">
-    <p:cut/>
-  </p:transition>
   <p:timing>
     <p:tnLst>
       <p:par>
@@ -10960,7 +11924,7 @@
             </a:pPr>
             <a:r>
               <a:rPr lang="fr" dirty="0" smtClean="0"/>
-              <a:t>Contexte </a:t>
+              <a:t>Exemple </a:t>
             </a:r>
             <a:r>
               <a:rPr lang="fr" sz="1400" dirty="0">
@@ -10970,6 +11934,214 @@
               </a:rPr>
               <a:t>métriques et renommage</a:t>
             </a:r>
+          </a:p>
+        </p:txBody>
+      </p:sp>
+      <p:pic>
+        <p:nvPicPr>
+          <p:cNvPr id="45" name="Shape 45"/>
+          <p:cNvPicPr preferRelativeResize="0"/>
+          <p:nvPr/>
+        </p:nvPicPr>
+        <p:blipFill>
+          <a:blip r:embed="rId3"/>
+          <a:stretch>
+            <a:fillRect/>
+          </a:stretch>
+        </p:blipFill>
+        <p:spPr>
+          <a:xfrm>
+            <a:off x="612125" y="1693967"/>
+            <a:ext cx="5009574" cy="4078465"/>
+          </a:xfrm>
+          <a:prstGeom prst="rect">
+            <a:avLst/>
+          </a:prstGeom>
+          <a:noFill/>
+          <a:ln>
+            <a:noFill/>
+          </a:ln>
+        </p:spPr>
+      </p:pic>
+      <p:sp>
+        <p:nvSpPr>
+          <p:cNvPr id="6" name="TextBox 5"/>
+          <p:cNvSpPr txBox="1"/>
+          <p:nvPr/>
+        </p:nvSpPr>
+        <p:spPr>
+          <a:xfrm>
+            <a:off x="8855282" y="6550223"/>
+            <a:ext cx="288718" cy="307777"/>
+          </a:xfrm>
+          <a:prstGeom prst="rect">
+            <a:avLst/>
+          </a:prstGeom>
+          <a:noFill/>
+        </p:spPr>
+        <p:txBody>
+          <a:bodyPr wrap="square" rtlCol="0">
+            <a:spAutoFit/>
+          </a:bodyPr>
+          <a:lstStyle/>
+          <a:p>
+            <a:r>
+              <a:rPr lang="fr-FR" dirty="0" smtClean="0"/>
+              <a:t>5</a:t>
+            </a:r>
+          </a:p>
+        </p:txBody>
+      </p:sp>
+      <p:sp>
+        <p:nvSpPr>
+          <p:cNvPr id="7" name="Shape 46"/>
+          <p:cNvSpPr txBox="1"/>
+          <p:nvPr/>
+        </p:nvSpPr>
+        <p:spPr>
+          <a:xfrm>
+            <a:off x="6012160" y="5123591"/>
+            <a:ext cx="2736304" cy="441407"/>
+          </a:xfrm>
+          <a:prstGeom prst="rect">
+            <a:avLst/>
+          </a:prstGeom>
+        </p:spPr>
+        <p:txBody>
+          <a:bodyPr lIns="91425" tIns="91425" rIns="91425" bIns="91425" anchor="t" anchorCtr="0">
+            <a:noAutofit/>
+          </a:bodyPr>
+          <a:lstStyle/>
+          <a:p>
+            <a:pPr>
+              <a:spcBef>
+                <a:spcPts val="0"/>
+              </a:spcBef>
+              <a:buNone/>
+            </a:pPr>
+            <a:r>
+              <a:rPr lang="fr" b="1" dirty="0" smtClean="0"/>
+              <a:t>NoD,</a:t>
+            </a:r>
+            <a:r>
+              <a:rPr lang="fr" b="1" dirty="0" smtClean="0"/>
+              <a:t>	</a:t>
+            </a:r>
+            <a:r>
+              <a:rPr lang="fr" b="1" dirty="0" smtClean="0"/>
+              <a:t>NoC,</a:t>
+            </a:r>
+            <a:r>
+              <a:rPr lang="fr" b="1" dirty="0" smtClean="0"/>
+              <a:t>	</a:t>
+            </a:r>
+            <a:r>
+              <a:rPr lang="fr" b="1" dirty="0" smtClean="0"/>
+              <a:t>CC</a:t>
+            </a:r>
+            <a:endParaRPr lang="fr" b="1" dirty="0"/>
+          </a:p>
+        </p:txBody>
+      </p:sp>
+    </p:spTree>
+  </p:cSld>
+  <p:clrMapOvr>
+    <a:masterClrMapping/>
+  </p:clrMapOvr>
+  <p:transition spd="slow">
+    <p:cut/>
+  </p:transition>
+  <p:timing>
+    <p:tnLst>
+      <p:par>
+        <p:cTn id="1" dur="indefinite" restart="never" nodeType="tmRoot"/>
+      </p:par>
+    </p:tnLst>
+  </p:timing>
+</p:sld>
+</file>
+
+<file path=ppt/slides/slide7.xml><?xml version="1.0" encoding="utf-8"?>
+<p:sld xmlns:a="http://schemas.openxmlformats.org/drawingml/2006/main" xmlns:r="http://schemas.openxmlformats.org/officeDocument/2006/relationships" xmlns:p="http://schemas.openxmlformats.org/presentationml/2006/main">
+  <p:cSld>
+    <p:spTree>
+      <p:nvGrpSpPr>
+        <p:cNvPr id="1" name="Shape 43"/>
+        <p:cNvGrpSpPr/>
+        <p:nvPr/>
+      </p:nvGrpSpPr>
+      <p:grpSpPr>
+        <a:xfrm>
+          <a:off x="0" y="0"/>
+          <a:ext cx="0" cy="0"/>
+          <a:chOff x="0" y="0"/>
+          <a:chExt cx="0" cy="0"/>
+        </a:xfrm>
+      </p:grpSpPr>
+      <p:sp>
+        <p:nvSpPr>
+          <p:cNvPr id="44" name="Shape 44"/>
+          <p:cNvSpPr txBox="1">
+            <a:spLocks noGrp="1"/>
+          </p:cNvSpPr>
+          <p:nvPr>
+            <p:ph type="title"/>
+          </p:nvPr>
+        </p:nvSpPr>
+        <p:spPr>
+          <a:xfrm>
+            <a:off x="457200" y="274637"/>
+            <a:ext cx="8229600" cy="1143200"/>
+          </a:xfrm>
+          <a:prstGeom prst="rect">
+            <a:avLst/>
+          </a:prstGeom>
+        </p:spPr>
+        <p:txBody>
+          <a:bodyPr lIns="91425" tIns="91425" rIns="91425" bIns="91425" anchor="ctr" anchorCtr="0">
+            <a:noAutofit/>
+          </a:bodyPr>
+          <a:lstStyle/>
+          <a:p>
+            <a:pPr>
+              <a:spcBef>
+                <a:spcPts val="0"/>
+              </a:spcBef>
+              <a:buNone/>
+            </a:pPr>
+            <a:r>
+              <a:rPr lang="fr" dirty="0" smtClean="0"/>
+              <a:t>Exemple </a:t>
+            </a:r>
+            <a:r>
+              <a:rPr lang="fr" sz="1400" dirty="0" smtClean="0">
+                <a:solidFill>
+                  <a:schemeClr val="bg2"/>
+                </a:solidFill>
+              </a:rPr>
+              <a:t>calcul de métriques </a:t>
+            </a:r>
+            <a:r>
+              <a:rPr lang="fr" sz="1400" u="sng" dirty="0" smtClean="0">
+                <a:solidFill>
+                  <a:schemeClr val="bg2"/>
+                </a:solidFill>
+              </a:rPr>
+              <a:t>sans</a:t>
+            </a:r>
+            <a:r>
+              <a:rPr lang="fr" sz="1400" dirty="0" smtClean="0">
+                <a:solidFill>
+                  <a:schemeClr val="bg2"/>
+                </a:solidFill>
+              </a:rPr>
+              <a:t> détection de renommage</a:t>
+            </a:r>
+            <a:endParaRPr lang="fr" sz="1400" dirty="0">
+              <a:solidFill>
+                <a:schemeClr val="bg2"/>
+              </a:solidFill>
+            </a:endParaRPr>
           </a:p>
         </p:txBody>
       </p:sp>
@@ -11091,7 +12263,7 @@
 </p:sld>
 </file>
 
-<file path=ppt/slides/slide7.xml><?xml version="1.0" encoding="utf-8"?>
+<file path=ppt/slides/slide8.xml><?xml version="1.0" encoding="utf-8"?>
 <p:sld xmlns:a="http://schemas.openxmlformats.org/drawingml/2006/main" xmlns:r="http://schemas.openxmlformats.org/officeDocument/2006/relationships" xmlns:p="http://schemas.openxmlformats.org/presentationml/2006/main">
   <p:cSld>
     <p:spTree>
@@ -11133,15 +12305,18 @@
           </a:bodyPr>
           <a:lstStyle/>
           <a:p>
-            <a:pPr lvl="0" rtl="0">
-              <a:spcBef>
-                <a:spcPts val="0"/>
-              </a:spcBef>
-              <a:buNone/>
-            </a:pPr>
+            <a:pPr lvl="0"/>
             <a:r>
               <a:rPr lang="fr" dirty="0" smtClean="0"/>
-              <a:t>Contexte </a:t>
+              <a:t>Exemple </a:t>
+            </a:r>
+            <a:r>
+              <a:rPr lang="fr" sz="1400" dirty="0" smtClean="0">
+                <a:solidFill>
+                  <a:schemeClr val="bg2"/>
+                </a:solidFill>
+              </a:rPr>
+              <a:t>calcul </a:t>
             </a:r>
             <a:r>
               <a:rPr lang="fr" sz="1400" dirty="0">
@@ -11149,8 +12324,37 @@
                   <a:schemeClr val="bg2"/>
                 </a:solidFill>
               </a:rPr>
-              <a:t>métriques et renommage</a:t>
-            </a:r>
+              <a:t>de métriques </a:t>
+            </a:r>
+            <a:r>
+              <a:rPr lang="fr" sz="1400" u="sng" dirty="0" smtClean="0">
+                <a:solidFill>
+                  <a:schemeClr val="bg2"/>
+                </a:solidFill>
+              </a:rPr>
+              <a:t>avec</a:t>
+            </a:r>
+            <a:r>
+              <a:rPr lang="fr" sz="1400" dirty="0" smtClean="0">
+                <a:solidFill>
+                  <a:schemeClr val="bg2"/>
+                </a:solidFill>
+              </a:rPr>
+              <a:t> </a:t>
+            </a:r>
+            <a:r>
+              <a:rPr lang="fr" sz="1400" dirty="0">
+                <a:solidFill>
+                  <a:schemeClr val="bg2"/>
+                </a:solidFill>
+              </a:rPr>
+              <a:t>détection de renommage</a:t>
+            </a:r>
+            <a:endParaRPr lang="fr" sz="1400" dirty="0">
+              <a:solidFill>
+                <a:schemeClr val="bg2"/>
+              </a:solidFill>
+            </a:endParaRPr>
           </a:p>
         </p:txBody>
       </p:sp>
@@ -11209,11 +12413,7 @@
             </a:pPr>
             <a:r>
               <a:rPr lang="fr" b="1" dirty="0"/>
-              <a:t>NoD = </a:t>
-            </a:r>
-            <a:r>
-              <a:rPr lang="fr" b="1" dirty="0"/>
-              <a:t>3</a:t>
+              <a:t>NoD = 3</a:t>
             </a:r>
             <a:r>
               <a:rPr lang="fr" b="1" dirty="0" smtClean="0"/>
@@ -11252,11 +12452,7 @@
             </a:pPr>
             <a:r>
               <a:rPr lang="fr" b="1" dirty="0"/>
-              <a:t>NoD = </a:t>
-            </a:r>
-            <a:r>
-              <a:rPr lang="fr" b="1" dirty="0"/>
-              <a:t>2</a:t>
+              <a:t>NoD = 2</a:t>
             </a:r>
             <a:r>
               <a:rPr lang="fr" b="1" dirty="0" smtClean="0"/>
@@ -11330,266 +12526,6 @@
             <a:r>
               <a:rPr lang="fr-FR" dirty="0"/>
               <a:t>7</a:t>
-            </a:r>
-            <a:endParaRPr lang="fr-FR" dirty="0" smtClean="0"/>
-          </a:p>
-        </p:txBody>
-      </p:sp>
-    </p:spTree>
-  </p:cSld>
-  <p:clrMapOvr>
-    <a:masterClrMapping/>
-  </p:clrMapOvr>
-  <p:transition spd="slow">
-    <p:cut/>
-  </p:transition>
-  <p:timing>
-    <p:tnLst>
-      <p:par>
-        <p:cTn id="1" dur="indefinite" restart="never" nodeType="tmRoot"/>
-      </p:par>
-    </p:tnLst>
-  </p:timing>
-</p:sld>
-</file>
-
-<file path=ppt/slides/slide8.xml><?xml version="1.0" encoding="utf-8"?>
-<p:sld xmlns:a="http://schemas.openxmlformats.org/drawingml/2006/main" xmlns:r="http://schemas.openxmlformats.org/officeDocument/2006/relationships" xmlns:p="http://schemas.openxmlformats.org/presentationml/2006/main">
-  <p:cSld>
-    <p:spTree>
-      <p:nvGrpSpPr>
-        <p:cNvPr id="1" name="Shape 59"/>
-        <p:cNvGrpSpPr/>
-        <p:nvPr/>
-      </p:nvGrpSpPr>
-      <p:grpSpPr>
-        <a:xfrm>
-          <a:off x="0" y="0"/>
-          <a:ext cx="0" cy="0"/>
-          <a:chOff x="0" y="0"/>
-          <a:chExt cx="0" cy="0"/>
-        </a:xfrm>
-      </p:grpSpPr>
-      <p:sp>
-        <p:nvSpPr>
-          <p:cNvPr id="60" name="Shape 60"/>
-          <p:cNvSpPr txBox="1">
-            <a:spLocks noGrp="1"/>
-          </p:cNvSpPr>
-          <p:nvPr>
-            <p:ph type="title"/>
-          </p:nvPr>
-        </p:nvSpPr>
-        <p:spPr>
-          <a:xfrm>
-            <a:off x="457200" y="274637"/>
-            <a:ext cx="8229600" cy="1143200"/>
-          </a:xfrm>
-          <a:prstGeom prst="rect">
-            <a:avLst/>
-          </a:prstGeom>
-        </p:spPr>
-        <p:txBody>
-          <a:bodyPr lIns="91425" tIns="91425" rIns="91425" bIns="91425" anchor="ctr" anchorCtr="0">
-            <a:noAutofit/>
-          </a:bodyPr>
-          <a:lstStyle/>
-          <a:p>
-            <a:r>
-              <a:rPr lang="fr" dirty="0"/>
-              <a:t>Contexte </a:t>
-            </a:r>
-            <a:r>
-              <a:rPr lang="fr" sz="1400" dirty="0">
-                <a:solidFill>
-                  <a:schemeClr val="bg2"/>
-                </a:solidFill>
-              </a:rPr>
-              <a:t>gestionnaires de versions</a:t>
-            </a:r>
-          </a:p>
-        </p:txBody>
-      </p:sp>
-      <p:pic>
-        <p:nvPicPr>
-          <p:cNvPr id="61" name="Shape 61"/>
-          <p:cNvPicPr preferRelativeResize="0"/>
-          <p:nvPr/>
-        </p:nvPicPr>
-        <p:blipFill>
-          <a:blip r:embed="rId3"/>
-          <a:stretch>
-            <a:fillRect/>
-          </a:stretch>
-        </p:blipFill>
-        <p:spPr>
-          <a:xfrm>
-            <a:off x="1331641" y="1849328"/>
-            <a:ext cx="5553175" cy="3918765"/>
-          </a:xfrm>
-          <a:prstGeom prst="rect">
-            <a:avLst/>
-          </a:prstGeom>
-          <a:noFill/>
-          <a:ln>
-            <a:noFill/>
-          </a:ln>
-        </p:spPr>
-      </p:pic>
-      <p:sp>
-        <p:nvSpPr>
-          <p:cNvPr id="2" name="TextBox 1"/>
-          <p:cNvSpPr txBox="1"/>
-          <p:nvPr/>
-        </p:nvSpPr>
-        <p:spPr>
-          <a:xfrm>
-            <a:off x="3858072" y="3140968"/>
-            <a:ext cx="288032" cy="307777"/>
-          </a:xfrm>
-          <a:prstGeom prst="rect">
-            <a:avLst/>
-          </a:prstGeom>
-          <a:noFill/>
-        </p:spPr>
-        <p:txBody>
-          <a:bodyPr wrap="square" rtlCol="0">
-            <a:spAutoFit/>
-          </a:bodyPr>
-          <a:lstStyle/>
-          <a:p>
-            <a:r>
-              <a:rPr lang="fr-FR" dirty="0" smtClean="0"/>
-              <a:t>*</a:t>
-            </a:r>
-            <a:endParaRPr lang="fr-FR" dirty="0"/>
-          </a:p>
-        </p:txBody>
-      </p:sp>
-      <p:sp>
-        <p:nvSpPr>
-          <p:cNvPr id="3" name="TextBox 2"/>
-          <p:cNvSpPr txBox="1"/>
-          <p:nvPr/>
-        </p:nvSpPr>
-        <p:spPr>
-          <a:xfrm>
-            <a:off x="395537" y="5925278"/>
-            <a:ext cx="7272807" cy="461665"/>
-          </a:xfrm>
-          <a:prstGeom prst="rect">
-            <a:avLst/>
-          </a:prstGeom>
-          <a:noFill/>
-        </p:spPr>
-        <p:txBody>
-          <a:bodyPr wrap="square" rtlCol="0">
-            <a:spAutoFit/>
-          </a:bodyPr>
-          <a:lstStyle/>
-          <a:p>
-            <a:r>
-              <a:rPr lang="fr-FR" sz="1200" i="1" dirty="0" smtClean="0">
-                <a:solidFill>
-                  <a:schemeClr val="bg2"/>
-                </a:solidFill>
-              </a:rPr>
-              <a:t>* Kim et al,</a:t>
-            </a:r>
-          </a:p>
-          <a:p>
-            <a:r>
-              <a:rPr lang="fr-FR" sz="1200" i="1" dirty="0" smtClean="0">
-                <a:solidFill>
-                  <a:schemeClr val="bg2"/>
-                </a:solidFill>
-              </a:rPr>
-              <a:t> </a:t>
-            </a:r>
-            <a:r>
-              <a:rPr lang="en-US" sz="1200" i="1" dirty="0" smtClean="0">
-                <a:solidFill>
-                  <a:schemeClr val="bg2"/>
-                </a:solidFill>
-              </a:rPr>
-              <a:t>“A field </a:t>
-            </a:r>
-            <a:r>
-              <a:rPr lang="en-US" sz="1200" i="1" dirty="0">
-                <a:solidFill>
-                  <a:schemeClr val="bg2"/>
-                </a:solidFill>
-              </a:rPr>
-              <a:t>study of refactoring challenges and </a:t>
-            </a:r>
-            <a:r>
-              <a:rPr lang="en-US" sz="1200" i="1" dirty="0" smtClean="0">
-                <a:solidFill>
-                  <a:schemeClr val="bg2"/>
-                </a:solidFill>
-              </a:rPr>
-              <a:t>benefits</a:t>
-            </a:r>
-            <a:r>
-              <a:rPr lang="en-US" sz="1200" i="1" dirty="0">
-                <a:solidFill>
-                  <a:schemeClr val="bg2"/>
-                </a:solidFill>
-              </a:rPr>
-              <a:t>”, </a:t>
-            </a:r>
-            <a:r>
-              <a:rPr lang="fr-FR" sz="1200" i="1" dirty="0" err="1" smtClean="0">
-                <a:solidFill>
-                  <a:schemeClr val="bg2"/>
-                </a:solidFill>
-              </a:rPr>
-              <a:t>Foundations</a:t>
-            </a:r>
-            <a:r>
-              <a:rPr lang="fr-FR" sz="1200" i="1" dirty="0" smtClean="0">
-                <a:solidFill>
-                  <a:schemeClr val="bg2"/>
-                </a:solidFill>
-              </a:rPr>
-              <a:t> of </a:t>
-            </a:r>
-            <a:r>
-              <a:rPr lang="fr-FR" sz="1200" i="1" dirty="0">
-                <a:solidFill>
-                  <a:schemeClr val="bg2"/>
-                </a:solidFill>
-              </a:rPr>
-              <a:t>Software Engineering, 2012.</a:t>
-            </a:r>
-          </a:p>
-        </p:txBody>
-      </p:sp>
-      <p:sp>
-        <p:nvSpPr>
-          <p:cNvPr id="6" name="TextBox 5"/>
-          <p:cNvSpPr txBox="1"/>
-          <p:nvPr/>
-        </p:nvSpPr>
-        <p:spPr>
-          <a:xfrm>
-            <a:off x="8855282" y="6550223"/>
-            <a:ext cx="288718" cy="307777"/>
-          </a:xfrm>
-          <a:prstGeom prst="rect">
-            <a:avLst/>
-          </a:prstGeom>
-          <a:noFill/>
-        </p:spPr>
-        <p:txBody>
-          <a:bodyPr wrap="square" rtlCol="0">
-            <a:spAutoFit/>
-          </a:bodyPr>
-          <a:lstStyle/>
-          <a:p>
-            <a:r>
-              <a:rPr lang="fr-FR" dirty="0" smtClean="0"/>
-              <a:t>8</a:t>
             </a:r>
             <a:endParaRPr lang="fr-FR" dirty="0" smtClean="0"/>
           </a:p>
@@ -12097,7 +13033,6 @@
               <a:rPr lang="fr-FR" dirty="0" smtClean="0"/>
               <a:t>9</a:t>
             </a:r>
-            <a:endParaRPr lang="fr-FR" dirty="0" smtClean="0"/>
           </a:p>
         </p:txBody>
       </p:sp>

--- a/presentation/presStageM2.pptx
+++ b/presentation/presStageM2.pptx
@@ -12,8 +12,8 @@
     <p:sldId id="276" r:id="rId3"/>
     <p:sldId id="292" r:id="rId4"/>
     <p:sldId id="258" r:id="rId5"/>
-    <p:sldId id="293" r:id="rId6"/>
-    <p:sldId id="259" r:id="rId7"/>
+    <p:sldId id="259" r:id="rId6"/>
+    <p:sldId id="293" r:id="rId7"/>
     <p:sldId id="282" r:id="rId8"/>
     <p:sldId id="260" r:id="rId9"/>
     <p:sldId id="274" r:id="rId10"/>
@@ -5492,11 +5492,7 @@
             </a:pPr>
             <a:r>
               <a:rPr lang="fr-FR" sz="2800" dirty="0" smtClean="0"/>
-              <a:t>Quelle </a:t>
-            </a:r>
-            <a:r>
-              <a:rPr lang="fr-FR" sz="2800" dirty="0" smtClean="0"/>
-              <a:t>est la quantité de renommage dans les projets ?</a:t>
+              <a:t>Quelle est la quantité de renommage dans les projets ?</a:t>
             </a:r>
             <a:br>
               <a:rPr lang="fr-FR" sz="2800" dirty="0" smtClean="0"/>
@@ -5742,8 +5738,8 @@
         </p:nvSpPr>
         <p:spPr>
           <a:xfrm>
-            <a:off x="8855282" y="6550223"/>
-            <a:ext cx="288718" cy="307777"/>
+            <a:off x="8748464" y="6550223"/>
+            <a:ext cx="395536" cy="307777"/>
           </a:xfrm>
           <a:prstGeom prst="rect">
             <a:avLst/>
@@ -5758,8 +5754,9 @@
           <a:p>
             <a:r>
               <a:rPr lang="fr-FR" dirty="0" smtClean="0"/>
-              <a:t>8</a:t>
-            </a:r>
+              <a:t>11</a:t>
+            </a:r>
+            <a:endParaRPr lang="fr-FR" dirty="0" smtClean="0"/>
           </a:p>
         </p:txBody>
       </p:sp>
@@ -6018,8 +6015,9 @@
           <a:p>
             <a:r>
               <a:rPr lang="fr-FR" dirty="0" smtClean="0"/>
-              <a:t>11</a:t>
-            </a:r>
+              <a:t>12</a:t>
+            </a:r>
+            <a:endParaRPr lang="fr-FR" dirty="0" smtClean="0"/>
           </a:p>
         </p:txBody>
       </p:sp>
@@ -6267,8 +6265,9 @@
           <a:p>
             <a:r>
               <a:rPr lang="fr-FR" dirty="0" smtClean="0"/>
-              <a:t>12</a:t>
-            </a:r>
+              <a:t>13</a:t>
+            </a:r>
+            <a:endParaRPr lang="fr-FR" dirty="0" smtClean="0"/>
           </a:p>
         </p:txBody>
       </p:sp>
@@ -6470,8 +6469,9 @@
           <a:p>
             <a:r>
               <a:rPr lang="fr-FR" dirty="0" smtClean="0"/>
-              <a:t>13</a:t>
-            </a:r>
+              <a:t>14</a:t>
+            </a:r>
+            <a:endParaRPr lang="fr-FR" dirty="0" smtClean="0"/>
           </a:p>
         </p:txBody>
       </p:sp>
@@ -6698,8 +6698,9 @@
           <a:p>
             <a:r>
               <a:rPr lang="fr-FR" dirty="0" smtClean="0"/>
-              <a:t>14</a:t>
-            </a:r>
+              <a:t>15</a:t>
+            </a:r>
+            <a:endParaRPr lang="fr-FR" dirty="0" smtClean="0"/>
           </a:p>
         </p:txBody>
       </p:sp>
@@ -6907,11 +6908,7 @@
             <a:pPr lvl="0"/>
             <a:r>
               <a:rPr lang="fr" dirty="0"/>
-              <a:t>Première </a:t>
-            </a:r>
-            <a:r>
-              <a:rPr lang="fr" dirty="0"/>
-              <a:t>expérience</a:t>
+              <a:t>Première expérience</a:t>
             </a:r>
           </a:p>
         </p:txBody>
@@ -7171,8 +7168,9 @@
           <a:p>
             <a:r>
               <a:rPr lang="fr-FR" dirty="0" smtClean="0"/>
-              <a:t>15</a:t>
-            </a:r>
+              <a:t>16</a:t>
+            </a:r>
+            <a:endParaRPr lang="fr-FR" dirty="0" smtClean="0"/>
           </a:p>
         </p:txBody>
       </p:sp>
@@ -7238,15 +7236,7 @@
           <a:p>
             <a:r>
               <a:rPr lang="fr" dirty="0"/>
-              <a:t>P</a:t>
-            </a:r>
-            <a:r>
-              <a:rPr lang="fr" dirty="0"/>
-              <a:t>remière </a:t>
-            </a:r>
-            <a:r>
-              <a:rPr lang="fr" dirty="0"/>
-              <a:t>expérience</a:t>
+              <a:t>Première expérience</a:t>
             </a:r>
           </a:p>
         </p:txBody>
@@ -7400,8 +7390,9 @@
           <a:p>
             <a:r>
               <a:rPr lang="fr-FR" dirty="0" smtClean="0"/>
-              <a:t>16</a:t>
-            </a:r>
+              <a:t>17</a:t>
+            </a:r>
+            <a:endParaRPr lang="fr-FR" dirty="0" smtClean="0"/>
           </a:p>
         </p:txBody>
       </p:sp>
@@ -8040,11 +8031,7 @@
             </a:pPr>
             <a:r>
               <a:rPr lang="fr-FR" sz="2400" dirty="0" smtClean="0"/>
-              <a:t>Comparer les calculs </a:t>
-            </a:r>
-            <a:r>
-              <a:rPr lang="fr-FR" sz="2400" dirty="0" smtClean="0"/>
-              <a:t>de </a:t>
+              <a:t>Comparer les calculs de </a:t>
             </a:r>
             <a:r>
               <a:rPr lang="fr-FR" sz="2400" dirty="0" err="1" smtClean="0"/>
@@ -8060,11 +8047,7 @@
             </a:r>
             <a:r>
               <a:rPr lang="fr-FR" sz="2400" dirty="0" smtClean="0"/>
-              <a:t>, </a:t>
-            </a:r>
-            <a:r>
-              <a:rPr lang="fr-FR" sz="2400" dirty="0" smtClean="0"/>
-              <a:t>CC </a:t>
+              <a:t>, CC </a:t>
             </a:r>
             <a:r>
               <a:rPr lang="fr-FR" sz="2400" b="1" dirty="0"/>
@@ -8119,11 +8102,7 @@
             </a:br>
             <a:r>
               <a:rPr lang="fr-FR" sz="1800" dirty="0" smtClean="0"/>
-              <a:t>1: Corrélation parfaite (</a:t>
-            </a:r>
-            <a:r>
-              <a:rPr lang="fr-FR" sz="1800" dirty="0" smtClean="0"/>
-              <a:t>-1: Corrélation inverse)</a:t>
+              <a:t>1: Corrélation parfaite (-1: Corrélation inverse)</a:t>
             </a:r>
             <a:br>
               <a:rPr lang="fr-FR" sz="1800" dirty="0" smtClean="0"/>
@@ -8167,8 +8146,9 @@
           <a:p>
             <a:r>
               <a:rPr lang="fr-FR" dirty="0" smtClean="0"/>
-              <a:t>17</a:t>
-            </a:r>
+              <a:t>19</a:t>
+            </a:r>
+            <a:endParaRPr lang="fr-FR" dirty="0" smtClean="0"/>
           </a:p>
         </p:txBody>
       </p:sp>
@@ -8290,7 +8270,6 @@
               <a:rPr lang="fr-FR" sz="2400" i="1" dirty="0" smtClean="0"/>
               <a:t>Gestionnaire de versions (VCS)</a:t>
             </a:r>
-            <a:endParaRPr lang="fr-FR" sz="2400" i="1" dirty="0" smtClean="0"/>
           </a:p>
           <a:p>
             <a:endParaRPr lang="fr-FR" sz="2400" dirty="0"/>
@@ -8345,8 +8324,8 @@
           <a:lstStyle/>
           <a:p>
             <a:r>
-              <a:rPr lang="fr-FR" dirty="0"/>
-              <a:t>3</a:t>
+              <a:rPr lang="fr-FR" dirty="0" smtClean="0"/>
+              <a:t>2</a:t>
             </a:r>
             <a:endParaRPr lang="fr-FR" dirty="0" smtClean="0"/>
           </a:p>
@@ -8631,15 +8610,7 @@
             </a:r>
             <a:r>
               <a:rPr lang="fr-FR" sz="2400" dirty="0" smtClean="0"/>
-              <a:t>sur </a:t>
-            </a:r>
-            <a:r>
-              <a:rPr lang="fr-FR" sz="2400" dirty="0" smtClean="0"/>
-              <a:t>une période par projet.</a:t>
-            </a:r>
-            <a:r>
-              <a:rPr lang="fr-FR" sz="2400" dirty="0" smtClean="0"/>
-              <a:t> </a:t>
+              <a:t>sur une période par projet. </a:t>
             </a:r>
             <a:endParaRPr lang="fr-FR" sz="2400" dirty="0"/>
           </a:p>
@@ -8669,8 +8640,9 @@
           <a:p>
             <a:r>
               <a:rPr lang="fr-FR" dirty="0" smtClean="0"/>
-              <a:t>17</a:t>
-            </a:r>
+              <a:t>20</a:t>
+            </a:r>
+            <a:endParaRPr lang="fr-FR" dirty="0" smtClean="0"/>
           </a:p>
         </p:txBody>
       </p:sp>
@@ -8698,15 +8670,7 @@
           <a:p>
             <a:r>
               <a:rPr lang="fr-FR" sz="2400" dirty="0" smtClean="0"/>
-              <a:t>Calcul du </a:t>
-            </a:r>
-            <a:r>
-              <a:rPr lang="fr-FR" sz="2400" dirty="0" smtClean="0"/>
-              <a:t>coefficient </a:t>
-            </a:r>
-            <a:r>
-              <a:rPr lang="fr-FR" sz="2400" dirty="0" smtClean="0"/>
-              <a:t>de corrélation de </a:t>
+              <a:t>Calcul du coefficient de corrélation de </a:t>
             </a:r>
             <a:r>
               <a:rPr lang="fr-FR" sz="2400" b="1" dirty="0" smtClean="0"/>
@@ -8966,8 +8930,9 @@
           <a:p>
             <a:r>
               <a:rPr lang="fr-FR" dirty="0" smtClean="0"/>
-              <a:t>19</a:t>
-            </a:r>
+              <a:t>21</a:t>
+            </a:r>
+            <a:endParaRPr lang="fr-FR" dirty="0" smtClean="0"/>
           </a:p>
         </p:txBody>
       </p:sp>
@@ -9117,6 +9082,36 @@
           </a:p>
         </p:txBody>
       </p:sp>
+      <p:sp>
+        <p:nvSpPr>
+          <p:cNvPr id="4" name="TextBox 3"/>
+          <p:cNvSpPr txBox="1"/>
+          <p:nvPr/>
+        </p:nvSpPr>
+        <p:spPr>
+          <a:xfrm>
+            <a:off x="8748464" y="6550223"/>
+            <a:ext cx="395536" cy="307777"/>
+          </a:xfrm>
+          <a:prstGeom prst="rect">
+            <a:avLst/>
+          </a:prstGeom>
+          <a:noFill/>
+        </p:spPr>
+        <p:txBody>
+          <a:bodyPr wrap="square" rtlCol="0">
+            <a:spAutoFit/>
+          </a:bodyPr>
+          <a:lstStyle/>
+          <a:p>
+            <a:r>
+              <a:rPr lang="fr-FR" dirty="0" smtClean="0"/>
+              <a:t>22</a:t>
+            </a:r>
+            <a:endParaRPr lang="fr-FR" dirty="0" smtClean="0"/>
+          </a:p>
+        </p:txBody>
+      </p:sp>
     </p:spTree>
     <p:extLst>
       <p:ext uri="{BB962C8B-B14F-4D97-AF65-F5344CB8AC3E}">
@@ -9127,6 +9122,13 @@
   <p:clrMapOvr>
     <a:masterClrMapping/>
   </p:clrMapOvr>
+  <p:timing>
+    <p:tnLst>
+      <p:par>
+        <p:cTn id="1" dur="indefinite" restart="never" nodeType="tmRoot"/>
+      </p:par>
+    </p:tnLst>
+  </p:timing>
 </p:sld>
 </file>
 
@@ -9432,8 +9434,9 @@
           <a:p>
             <a:r>
               <a:rPr lang="fr-FR" dirty="0" smtClean="0"/>
-              <a:t>20</a:t>
-            </a:r>
+              <a:t>23</a:t>
+            </a:r>
+            <a:endParaRPr lang="fr-FR" dirty="0" smtClean="0"/>
           </a:p>
         </p:txBody>
       </p:sp>
@@ -9565,35 +9568,6 @@
               <a:buNone/>
             </a:pPr>
             <a:endParaRPr lang="fr" dirty="0"/>
-          </a:p>
-        </p:txBody>
-      </p:sp>
-      <p:sp>
-        <p:nvSpPr>
-          <p:cNvPr id="4" name="TextBox 3"/>
-          <p:cNvSpPr txBox="1"/>
-          <p:nvPr/>
-        </p:nvSpPr>
-        <p:spPr>
-          <a:xfrm>
-            <a:off x="8748464" y="6550223"/>
-            <a:ext cx="395536" cy="307777"/>
-          </a:xfrm>
-          <a:prstGeom prst="rect">
-            <a:avLst/>
-          </a:prstGeom>
-          <a:noFill/>
-        </p:spPr>
-        <p:txBody>
-          <a:bodyPr wrap="square" rtlCol="0">
-            <a:spAutoFit/>
-          </a:bodyPr>
-          <a:lstStyle/>
-          <a:p>
-            <a:r>
-              <a:rPr lang="fr-FR" dirty="0" smtClean="0"/>
-              <a:t>21</a:t>
-            </a:r>
           </a:p>
         </p:txBody>
       </p:sp>
@@ -9964,35 +9938,6 @@
                 <a:schemeClr val="bg2"/>
               </a:solidFill>
             </a:endParaRPr>
-          </a:p>
-        </p:txBody>
-      </p:sp>
-      <p:sp>
-        <p:nvSpPr>
-          <p:cNvPr id="9" name="TextBox 8"/>
-          <p:cNvSpPr txBox="1"/>
-          <p:nvPr/>
-        </p:nvSpPr>
-        <p:spPr>
-          <a:xfrm>
-            <a:off x="8748464" y="6550223"/>
-            <a:ext cx="395536" cy="307777"/>
-          </a:xfrm>
-          <a:prstGeom prst="rect">
-            <a:avLst/>
-          </a:prstGeom>
-          <a:noFill/>
-        </p:spPr>
-        <p:txBody>
-          <a:bodyPr wrap="square" rtlCol="0">
-            <a:spAutoFit/>
-          </a:bodyPr>
-          <a:lstStyle/>
-          <a:p>
-            <a:r>
-              <a:rPr lang="fr-FR" dirty="0" smtClean="0"/>
-              <a:t>22</a:t>
-            </a:r>
           </a:p>
         </p:txBody>
       </p:sp>
@@ -10271,35 +10216,6 @@
           </p:sp>
         </mc:Fallback>
       </mc:AlternateContent>
-      <p:sp>
-        <p:nvSpPr>
-          <p:cNvPr id="8" name="TextBox 7"/>
-          <p:cNvSpPr txBox="1"/>
-          <p:nvPr/>
-        </p:nvSpPr>
-        <p:spPr>
-          <a:xfrm>
-            <a:off x="8748464" y="6550223"/>
-            <a:ext cx="395536" cy="307777"/>
-          </a:xfrm>
-          <a:prstGeom prst="rect">
-            <a:avLst/>
-          </a:prstGeom>
-          <a:noFill/>
-        </p:spPr>
-        <p:txBody>
-          <a:bodyPr wrap="square" rtlCol="0">
-            <a:spAutoFit/>
-          </a:bodyPr>
-          <a:lstStyle/>
-          <a:p>
-            <a:r>
-              <a:rPr lang="fr-FR" dirty="0" smtClean="0"/>
-              <a:t>23</a:t>
-            </a:r>
-          </a:p>
-        </p:txBody>
-      </p:sp>
     </p:spTree>
     <p:extLst>
       <p:ext uri="{BB962C8B-B14F-4D97-AF65-F5344CB8AC3E}">
@@ -10901,35 +10817,6 @@
           </a:p>
         </p:txBody>
       </p:sp>
-      <p:sp>
-        <p:nvSpPr>
-          <p:cNvPr id="4" name="TextBox 3"/>
-          <p:cNvSpPr txBox="1"/>
-          <p:nvPr/>
-        </p:nvSpPr>
-        <p:spPr>
-          <a:xfrm>
-            <a:off x="8748464" y="6550223"/>
-            <a:ext cx="395536" cy="307777"/>
-          </a:xfrm>
-          <a:prstGeom prst="rect">
-            <a:avLst/>
-          </a:prstGeom>
-          <a:noFill/>
-        </p:spPr>
-        <p:txBody>
-          <a:bodyPr wrap="square" rtlCol="0">
-            <a:spAutoFit/>
-          </a:bodyPr>
-          <a:lstStyle/>
-          <a:p>
-            <a:r>
-              <a:rPr lang="fr-FR" dirty="0" smtClean="0"/>
-              <a:t>24</a:t>
-            </a:r>
-          </a:p>
-        </p:txBody>
-      </p:sp>
     </p:spTree>
     <p:extLst>
       <p:ext uri="{BB962C8B-B14F-4D97-AF65-F5344CB8AC3E}">
@@ -11034,7 +10921,6 @@
               <a:rPr lang="fr-FR" sz="2400" dirty="0" smtClean="0"/>
               <a:t>			      (Ligne de codes, complexité du code)</a:t>
             </a:r>
-            <a:endParaRPr lang="fr-FR" sz="2400" dirty="0" smtClean="0"/>
           </a:p>
           <a:p>
             <a:r>
@@ -11055,7 +10941,6 @@
               <a:rPr lang="fr-FR" sz="2400" dirty="0" smtClean="0"/>
               <a:t>Métriques de procédés : Evolution du logiciel, suite de 					versions.</a:t>
             </a:r>
-            <a:endParaRPr lang="fr-FR" sz="2400" dirty="0" smtClean="0"/>
           </a:p>
           <a:p>
             <a:endParaRPr lang="fr-FR" sz="2400" dirty="0"/>
@@ -11128,15 +11013,7 @@
                   <a:schemeClr val="bg2"/>
                 </a:solidFill>
               </a:rPr>
-              <a:t> </a:t>
-            </a:r>
-            <a:r>
-              <a:rPr lang="en-US" i="1" dirty="0" smtClean="0">
-                <a:solidFill>
-                  <a:schemeClr val="bg2"/>
-                </a:solidFill>
-              </a:rPr>
-              <a:t>et al. “Use </a:t>
+              <a:t> et al. “Use </a:t>
             </a:r>
             <a:r>
               <a:rPr lang="en-US" i="1" dirty="0">
@@ -11230,15 +11107,7 @@
                   <a:schemeClr val="bg2"/>
                 </a:solidFill>
               </a:rPr>
-              <a:t> </a:t>
-            </a:r>
-            <a:r>
-              <a:rPr lang="fr-FR" i="1" dirty="0" smtClean="0">
-                <a:solidFill>
-                  <a:schemeClr val="bg2"/>
-                </a:solidFill>
-              </a:rPr>
-              <a:t>et al.</a:t>
+              <a:t> et al.</a:t>
             </a:r>
             <a:r>
               <a:rPr lang="fr-FR" i="1" dirty="0">
@@ -11749,6 +11618,177 @@
   <p:cSld>
     <p:spTree>
       <p:nvGrpSpPr>
+        <p:cNvPr id="1" name="Shape 43"/>
+        <p:cNvGrpSpPr/>
+        <p:nvPr/>
+      </p:nvGrpSpPr>
+      <p:grpSpPr>
+        <a:xfrm>
+          <a:off x="0" y="0"/>
+          <a:ext cx="0" cy="0"/>
+          <a:chOff x="0" y="0"/>
+          <a:chExt cx="0" cy="0"/>
+        </a:xfrm>
+      </p:grpSpPr>
+      <p:sp>
+        <p:nvSpPr>
+          <p:cNvPr id="44" name="Shape 44"/>
+          <p:cNvSpPr txBox="1">
+            <a:spLocks noGrp="1"/>
+          </p:cNvSpPr>
+          <p:nvPr>
+            <p:ph type="title"/>
+          </p:nvPr>
+        </p:nvSpPr>
+        <p:spPr>
+          <a:xfrm>
+            <a:off x="457200" y="274637"/>
+            <a:ext cx="8229600" cy="1143200"/>
+          </a:xfrm>
+          <a:prstGeom prst="rect">
+            <a:avLst/>
+          </a:prstGeom>
+        </p:spPr>
+        <p:txBody>
+          <a:bodyPr lIns="91425" tIns="91425" rIns="91425" bIns="91425" anchor="ctr" anchorCtr="0">
+            <a:noAutofit/>
+          </a:bodyPr>
+          <a:lstStyle/>
+          <a:p>
+            <a:pPr>
+              <a:spcBef>
+                <a:spcPts val="0"/>
+              </a:spcBef>
+              <a:buNone/>
+            </a:pPr>
+            <a:r>
+              <a:rPr lang="fr" dirty="0" smtClean="0"/>
+              <a:t>Exemple </a:t>
+            </a:r>
+            <a:r>
+              <a:rPr lang="fr" sz="1400" dirty="0">
+                <a:solidFill>
+                  <a:schemeClr val="bg2"/>
+                </a:solidFill>
+              </a:rPr>
+              <a:t>métriques et renommage</a:t>
+            </a:r>
+          </a:p>
+        </p:txBody>
+      </p:sp>
+      <p:pic>
+        <p:nvPicPr>
+          <p:cNvPr id="45" name="Shape 45"/>
+          <p:cNvPicPr preferRelativeResize="0"/>
+          <p:nvPr/>
+        </p:nvPicPr>
+        <p:blipFill>
+          <a:blip r:embed="rId3"/>
+          <a:stretch>
+            <a:fillRect/>
+          </a:stretch>
+        </p:blipFill>
+        <p:spPr>
+          <a:xfrm>
+            <a:off x="612125" y="1693967"/>
+            <a:ext cx="5009574" cy="4078465"/>
+          </a:xfrm>
+          <a:prstGeom prst="rect">
+            <a:avLst/>
+          </a:prstGeom>
+          <a:noFill/>
+          <a:ln>
+            <a:noFill/>
+          </a:ln>
+        </p:spPr>
+      </p:pic>
+      <p:sp>
+        <p:nvSpPr>
+          <p:cNvPr id="6" name="TextBox 5"/>
+          <p:cNvSpPr txBox="1"/>
+          <p:nvPr/>
+        </p:nvSpPr>
+        <p:spPr>
+          <a:xfrm>
+            <a:off x="8855282" y="6550223"/>
+            <a:ext cx="288718" cy="307777"/>
+          </a:xfrm>
+          <a:prstGeom prst="rect">
+            <a:avLst/>
+          </a:prstGeom>
+          <a:noFill/>
+        </p:spPr>
+        <p:txBody>
+          <a:bodyPr wrap="square" rtlCol="0">
+            <a:spAutoFit/>
+          </a:bodyPr>
+          <a:lstStyle/>
+          <a:p>
+            <a:r>
+              <a:rPr lang="fr-FR" dirty="0" smtClean="0"/>
+              <a:t>5</a:t>
+            </a:r>
+          </a:p>
+        </p:txBody>
+      </p:sp>
+      <p:sp>
+        <p:nvSpPr>
+          <p:cNvPr id="7" name="Shape 46"/>
+          <p:cNvSpPr txBox="1"/>
+          <p:nvPr/>
+        </p:nvSpPr>
+        <p:spPr>
+          <a:xfrm>
+            <a:off x="6012160" y="5123591"/>
+            <a:ext cx="2736304" cy="441407"/>
+          </a:xfrm>
+          <a:prstGeom prst="rect">
+            <a:avLst/>
+          </a:prstGeom>
+        </p:spPr>
+        <p:txBody>
+          <a:bodyPr lIns="91425" tIns="91425" rIns="91425" bIns="91425" anchor="t" anchorCtr="0">
+            <a:noAutofit/>
+          </a:bodyPr>
+          <a:lstStyle/>
+          <a:p>
+            <a:pPr>
+              <a:spcBef>
+                <a:spcPts val="0"/>
+              </a:spcBef>
+              <a:buNone/>
+            </a:pPr>
+            <a:r>
+              <a:rPr lang="fr" b="1" dirty="0" smtClean="0"/>
+              <a:t>NoD,	NoC,	CC</a:t>
+            </a:r>
+            <a:endParaRPr lang="fr" b="1" dirty="0"/>
+          </a:p>
+        </p:txBody>
+      </p:sp>
+    </p:spTree>
+  </p:cSld>
+  <p:clrMapOvr>
+    <a:masterClrMapping/>
+  </p:clrMapOvr>
+  <p:transition spd="slow">
+    <p:cut/>
+  </p:transition>
+  <p:timing>
+    <p:tnLst>
+      <p:par>
+        <p:cTn id="1" dur="indefinite" restart="never" nodeType="tmRoot"/>
+      </p:par>
+    </p:tnLst>
+  </p:timing>
+</p:sld>
+</file>
+
+<file path=ppt/slides/slide6.xml><?xml version="1.0" encoding="utf-8"?>
+<p:sld xmlns:a="http://schemas.openxmlformats.org/drawingml/2006/main" xmlns:r="http://schemas.openxmlformats.org/officeDocument/2006/relationships" xmlns:p="http://schemas.openxmlformats.org/presentationml/2006/main">
+  <p:cSld>
+    <p:spTree>
+      <p:nvGrpSpPr>
         <p:cNvPr id="1" name=""/>
         <p:cNvGrpSpPr/>
         <p:nvPr/>
@@ -11782,7 +11822,6 @@
               <a:rPr lang="fr-FR" dirty="0"/>
               <a:t>Problématique</a:t>
             </a:r>
-            <a:endParaRPr lang="fr-FR" dirty="0"/>
           </a:p>
         </p:txBody>
       </p:sp>
@@ -11854,6 +11893,36 @@
           </a:p>
         </p:txBody>
       </p:sp>
+      <p:sp>
+        <p:nvSpPr>
+          <p:cNvPr id="7" name="TextBox 6"/>
+          <p:cNvSpPr txBox="1"/>
+          <p:nvPr/>
+        </p:nvSpPr>
+        <p:spPr>
+          <a:xfrm>
+            <a:off x="8855282" y="6550223"/>
+            <a:ext cx="288718" cy="307777"/>
+          </a:xfrm>
+          <a:prstGeom prst="rect">
+            <a:avLst/>
+          </a:prstGeom>
+          <a:noFill/>
+        </p:spPr>
+        <p:txBody>
+          <a:bodyPr wrap="square" rtlCol="0">
+            <a:spAutoFit/>
+          </a:bodyPr>
+          <a:lstStyle/>
+          <a:p>
+            <a:r>
+              <a:rPr lang="fr-FR" dirty="0" smtClean="0"/>
+              <a:t>6</a:t>
+            </a:r>
+            <a:endParaRPr lang="fr-FR" dirty="0" smtClean="0"/>
+          </a:p>
+        </p:txBody>
+      </p:sp>
     </p:spTree>
     <p:extLst>
       <p:ext uri="{BB962C8B-B14F-4D97-AF65-F5344CB8AC3E}">
@@ -11864,193 +11933,6 @@
   <p:clrMapOvr>
     <a:masterClrMapping/>
   </p:clrMapOvr>
-  <p:timing>
-    <p:tnLst>
-      <p:par>
-        <p:cTn id="1" dur="indefinite" restart="never" nodeType="tmRoot"/>
-      </p:par>
-    </p:tnLst>
-  </p:timing>
-</p:sld>
-</file>
-
-<file path=ppt/slides/slide6.xml><?xml version="1.0" encoding="utf-8"?>
-<p:sld xmlns:a="http://schemas.openxmlformats.org/drawingml/2006/main" xmlns:r="http://schemas.openxmlformats.org/officeDocument/2006/relationships" xmlns:p="http://schemas.openxmlformats.org/presentationml/2006/main">
-  <p:cSld>
-    <p:spTree>
-      <p:nvGrpSpPr>
-        <p:cNvPr id="1" name="Shape 43"/>
-        <p:cNvGrpSpPr/>
-        <p:nvPr/>
-      </p:nvGrpSpPr>
-      <p:grpSpPr>
-        <a:xfrm>
-          <a:off x="0" y="0"/>
-          <a:ext cx="0" cy="0"/>
-          <a:chOff x="0" y="0"/>
-          <a:chExt cx="0" cy="0"/>
-        </a:xfrm>
-      </p:grpSpPr>
-      <p:sp>
-        <p:nvSpPr>
-          <p:cNvPr id="44" name="Shape 44"/>
-          <p:cNvSpPr txBox="1">
-            <a:spLocks noGrp="1"/>
-          </p:cNvSpPr>
-          <p:nvPr>
-            <p:ph type="title"/>
-          </p:nvPr>
-        </p:nvSpPr>
-        <p:spPr>
-          <a:xfrm>
-            <a:off x="457200" y="274637"/>
-            <a:ext cx="8229600" cy="1143200"/>
-          </a:xfrm>
-          <a:prstGeom prst="rect">
-            <a:avLst/>
-          </a:prstGeom>
-        </p:spPr>
-        <p:txBody>
-          <a:bodyPr lIns="91425" tIns="91425" rIns="91425" bIns="91425" anchor="ctr" anchorCtr="0">
-            <a:noAutofit/>
-          </a:bodyPr>
-          <a:lstStyle/>
-          <a:p>
-            <a:pPr>
-              <a:spcBef>
-                <a:spcPts val="0"/>
-              </a:spcBef>
-              <a:buNone/>
-            </a:pPr>
-            <a:r>
-              <a:rPr lang="fr" dirty="0" smtClean="0"/>
-              <a:t>Exemple </a:t>
-            </a:r>
-            <a:r>
-              <a:rPr lang="fr" sz="1400" dirty="0">
-                <a:solidFill>
-                  <a:schemeClr val="bg2"/>
-                </a:solidFill>
-              </a:rPr>
-              <a:t>métriques et renommage</a:t>
-            </a:r>
-          </a:p>
-        </p:txBody>
-      </p:sp>
-      <p:pic>
-        <p:nvPicPr>
-          <p:cNvPr id="45" name="Shape 45"/>
-          <p:cNvPicPr preferRelativeResize="0"/>
-          <p:nvPr/>
-        </p:nvPicPr>
-        <p:blipFill>
-          <a:blip r:embed="rId3"/>
-          <a:stretch>
-            <a:fillRect/>
-          </a:stretch>
-        </p:blipFill>
-        <p:spPr>
-          <a:xfrm>
-            <a:off x="612125" y="1693967"/>
-            <a:ext cx="5009574" cy="4078465"/>
-          </a:xfrm>
-          <a:prstGeom prst="rect">
-            <a:avLst/>
-          </a:prstGeom>
-          <a:noFill/>
-          <a:ln>
-            <a:noFill/>
-          </a:ln>
-        </p:spPr>
-      </p:pic>
-      <p:sp>
-        <p:nvSpPr>
-          <p:cNvPr id="6" name="TextBox 5"/>
-          <p:cNvSpPr txBox="1"/>
-          <p:nvPr/>
-        </p:nvSpPr>
-        <p:spPr>
-          <a:xfrm>
-            <a:off x="8855282" y="6550223"/>
-            <a:ext cx="288718" cy="307777"/>
-          </a:xfrm>
-          <a:prstGeom prst="rect">
-            <a:avLst/>
-          </a:prstGeom>
-          <a:noFill/>
-        </p:spPr>
-        <p:txBody>
-          <a:bodyPr wrap="square" rtlCol="0">
-            <a:spAutoFit/>
-          </a:bodyPr>
-          <a:lstStyle/>
-          <a:p>
-            <a:r>
-              <a:rPr lang="fr-FR" dirty="0" smtClean="0"/>
-              <a:t>5</a:t>
-            </a:r>
-          </a:p>
-        </p:txBody>
-      </p:sp>
-      <p:sp>
-        <p:nvSpPr>
-          <p:cNvPr id="7" name="Shape 46"/>
-          <p:cNvSpPr txBox="1"/>
-          <p:nvPr/>
-        </p:nvSpPr>
-        <p:spPr>
-          <a:xfrm>
-            <a:off x="6012160" y="5123591"/>
-            <a:ext cx="2736304" cy="441407"/>
-          </a:xfrm>
-          <a:prstGeom prst="rect">
-            <a:avLst/>
-          </a:prstGeom>
-        </p:spPr>
-        <p:txBody>
-          <a:bodyPr lIns="91425" tIns="91425" rIns="91425" bIns="91425" anchor="t" anchorCtr="0">
-            <a:noAutofit/>
-          </a:bodyPr>
-          <a:lstStyle/>
-          <a:p>
-            <a:pPr>
-              <a:spcBef>
-                <a:spcPts val="0"/>
-              </a:spcBef>
-              <a:buNone/>
-            </a:pPr>
-            <a:r>
-              <a:rPr lang="fr" b="1" dirty="0" smtClean="0"/>
-              <a:t>NoD,</a:t>
-            </a:r>
-            <a:r>
-              <a:rPr lang="fr" b="1" dirty="0" smtClean="0"/>
-              <a:t>	</a:t>
-            </a:r>
-            <a:r>
-              <a:rPr lang="fr" b="1" dirty="0" smtClean="0"/>
-              <a:t>NoC,</a:t>
-            </a:r>
-            <a:r>
-              <a:rPr lang="fr" b="1" dirty="0" smtClean="0"/>
-              <a:t>	</a:t>
-            </a:r>
-            <a:r>
-              <a:rPr lang="fr" b="1" dirty="0" smtClean="0"/>
-              <a:t>CC</a:t>
-            </a:r>
-            <a:endParaRPr lang="fr" b="1" dirty="0"/>
-          </a:p>
-        </p:txBody>
-      </p:sp>
-    </p:spTree>
-  </p:cSld>
-  <p:clrMapOvr>
-    <a:masterClrMapping/>
-  </p:clrMapOvr>
-  <p:transition spd="slow">
-    <p:cut/>
-  </p:transition>
   <p:timing>
     <p:tnLst>
       <p:par>
@@ -12233,8 +12115,8 @@
           <a:lstStyle/>
           <a:p>
             <a:r>
-              <a:rPr lang="fr-FR" dirty="0"/>
-              <a:t>6</a:t>
+              <a:rPr lang="fr-FR" dirty="0" smtClean="0"/>
+              <a:t>7</a:t>
             </a:r>
             <a:endParaRPr lang="fr-FR" dirty="0" smtClean="0"/>
           </a:p>
@@ -12350,11 +12232,6 @@
               </a:rPr>
               <a:t>détection de renommage</a:t>
             </a:r>
-            <a:endParaRPr lang="fr" sz="1400" dirty="0">
-              <a:solidFill>
-                <a:schemeClr val="bg2"/>
-              </a:solidFill>
-            </a:endParaRPr>
           </a:p>
         </p:txBody>
       </p:sp>
@@ -12524,8 +12401,8 @@
           <a:lstStyle/>
           <a:p>
             <a:r>
-              <a:rPr lang="fr-FR" dirty="0"/>
-              <a:t>7</a:t>
+              <a:rPr lang="fr-FR" dirty="0" smtClean="0"/>
+              <a:t>8</a:t>
             </a:r>
             <a:endParaRPr lang="fr-FR" dirty="0" smtClean="0"/>
           </a:p>

--- a/presentation/presStageM2.pptx
+++ b/presentation/presStageM2.pptx
@@ -11250,30 +11250,10 @@
               <a:buNone/>
             </a:pPr>
             <a:r>
-              <a:rPr lang="fr" dirty="0" smtClean="0"/>
-              <a:t>Contexte </a:t>
-            </a:r>
-            <a:r>
-              <a:rPr lang="fr" sz="1400" dirty="0">
-                <a:solidFill>
-                  <a:schemeClr val="bg2"/>
-                </a:solidFill>
-              </a:rPr>
-              <a:t>métriques et </a:t>
-            </a:r>
-            <a:r>
-              <a:rPr lang="fr" sz="1400" dirty="0" smtClean="0">
-                <a:solidFill>
-                  <a:schemeClr val="bg2"/>
-                </a:solidFill>
-              </a:rPr>
-              <a:t>procédés*</a:t>
-            </a:r>
-            <a:endParaRPr lang="fr" sz="1400" dirty="0">
-              <a:solidFill>
-                <a:schemeClr val="bg2"/>
-              </a:solidFill>
-            </a:endParaRPr>
+              <a:rPr lang="fr" dirty="0"/>
+              <a:t>Métriques de procédés</a:t>
+            </a:r>
+            <a:endParaRPr lang="fr" dirty="0"/>
           </a:p>
         </p:txBody>
       </p:sp>

--- a/presentation/presStageM2.pptx
+++ b/presentation/presStageM2.pptx
@@ -5756,7 +5756,6 @@
               <a:rPr lang="fr-FR" dirty="0" smtClean="0"/>
               <a:t>11</a:t>
             </a:r>
-            <a:endParaRPr lang="fr-FR" dirty="0" smtClean="0"/>
           </a:p>
         </p:txBody>
       </p:sp>
@@ -5835,8 +5834,13 @@
             </a:r>
             <a:r>
               <a:rPr lang="fr-FR" sz="2400" dirty="0" smtClean="0"/>
-              <a:t> : Automatique et optionnel</a:t>
-            </a:r>
+              <a:t> : Automatique et </a:t>
+            </a:r>
+            <a:r>
+              <a:rPr lang="fr-FR" sz="2400" dirty="0" smtClean="0"/>
+              <a:t>optionnel</a:t>
+            </a:r>
+            <a:endParaRPr lang="fr-FR" sz="2400" dirty="0" smtClean="0"/>
           </a:p>
           <a:p>
             <a:pPr marL="285750" indent="-285750">
@@ -6017,7 +6021,6 @@
               <a:rPr lang="fr-FR" dirty="0" smtClean="0"/>
               <a:t>12</a:t>
             </a:r>
-            <a:endParaRPr lang="fr-FR" dirty="0" smtClean="0"/>
           </a:p>
         </p:txBody>
       </p:sp>
@@ -6267,7 +6270,6 @@
               <a:rPr lang="fr-FR" dirty="0" smtClean="0"/>
               <a:t>13</a:t>
             </a:r>
-            <a:endParaRPr lang="fr-FR" dirty="0" smtClean="0"/>
           </a:p>
         </p:txBody>
       </p:sp>
@@ -6471,7 +6473,6 @@
               <a:rPr lang="fr-FR" dirty="0" smtClean="0"/>
               <a:t>14</a:t>
             </a:r>
-            <a:endParaRPr lang="fr-FR" dirty="0" smtClean="0"/>
           </a:p>
         </p:txBody>
       </p:sp>
@@ -6700,7 +6701,6 @@
               <a:rPr lang="fr-FR" dirty="0" smtClean="0"/>
               <a:t>15</a:t>
             </a:r>
-            <a:endParaRPr lang="fr-FR" dirty="0" smtClean="0"/>
           </a:p>
         </p:txBody>
       </p:sp>
@@ -7170,7 +7170,6 @@
               <a:rPr lang="fr-FR" dirty="0" smtClean="0"/>
               <a:t>16</a:t>
             </a:r>
-            <a:endParaRPr lang="fr-FR" dirty="0" smtClean="0"/>
           </a:p>
         </p:txBody>
       </p:sp>
@@ -7392,7 +7391,6 @@
               <a:rPr lang="fr-FR" dirty="0" smtClean="0"/>
               <a:t>17</a:t>
             </a:r>
-            <a:endParaRPr lang="fr-FR" dirty="0" smtClean="0"/>
           </a:p>
         </p:txBody>
       </p:sp>
@@ -8148,7 +8146,6 @@
               <a:rPr lang="fr-FR" dirty="0" smtClean="0"/>
               <a:t>19</a:t>
             </a:r>
-            <a:endParaRPr lang="fr-FR" dirty="0" smtClean="0"/>
           </a:p>
         </p:txBody>
       </p:sp>
@@ -8281,7 +8278,19 @@
             </a:pPr>
             <a:r>
               <a:rPr lang="fr-FR" sz="2400" dirty="0" smtClean="0"/>
-              <a:t>Prédiction de bugs dans un prochaine version.</a:t>
+              <a:t>Prédiction de bugs dans </a:t>
+            </a:r>
+            <a:r>
+              <a:rPr lang="fr-FR" sz="2400" dirty="0" smtClean="0"/>
+              <a:t>une</a:t>
+            </a:r>
+            <a:r>
+              <a:rPr lang="fr-FR" sz="2400" dirty="0" smtClean="0"/>
+              <a:t> </a:t>
+            </a:r>
+            <a:r>
+              <a:rPr lang="fr-FR" sz="2400" dirty="0" smtClean="0"/>
+              <a:t>prochaine version.</a:t>
             </a:r>
             <a:br>
               <a:rPr lang="fr-FR" sz="2400" dirty="0" smtClean="0"/>
@@ -8327,7 +8336,6 @@
               <a:rPr lang="fr-FR" dirty="0" smtClean="0"/>
               <a:t>2</a:t>
             </a:r>
-            <a:endParaRPr lang="fr-FR" dirty="0" smtClean="0"/>
           </a:p>
         </p:txBody>
       </p:sp>
@@ -8642,7 +8650,6 @@
               <a:rPr lang="fr-FR" dirty="0" smtClean="0"/>
               <a:t>20</a:t>
             </a:r>
-            <a:endParaRPr lang="fr-FR" dirty="0" smtClean="0"/>
           </a:p>
         </p:txBody>
       </p:sp>
@@ -8932,7 +8939,6 @@
               <a:rPr lang="fr-FR" dirty="0" smtClean="0"/>
               <a:t>21</a:t>
             </a:r>
-            <a:endParaRPr lang="fr-FR" dirty="0" smtClean="0"/>
           </a:p>
         </p:txBody>
       </p:sp>
@@ -9108,7 +9114,6 @@
               <a:rPr lang="fr-FR" dirty="0" smtClean="0"/>
               <a:t>22</a:t>
             </a:r>
-            <a:endParaRPr lang="fr-FR" dirty="0" smtClean="0"/>
           </a:p>
         </p:txBody>
       </p:sp>
@@ -9436,7 +9441,6 @@
               <a:rPr lang="fr-FR" dirty="0" smtClean="0"/>
               <a:t>23</a:t>
             </a:r>
-            <a:endParaRPr lang="fr-FR" dirty="0" smtClean="0"/>
           </a:p>
         </p:txBody>
       </p:sp>
@@ -9526,8 +9530,8 @@
         </p:nvSpPr>
         <p:spPr>
           <a:xfrm>
-            <a:off x="457200" y="1600201"/>
-            <a:ext cx="8229600" cy="748679"/>
+            <a:off x="2658616" y="1196752"/>
+            <a:ext cx="3538736" cy="460647"/>
           </a:xfrm>
           <a:prstGeom prst="rect">
             <a:avLst/>
@@ -9546,10 +9550,10 @@
               <a:buNone/>
             </a:pPr>
             <a:r>
-              <a:rPr lang="fr-FR" dirty="0" smtClean="0"/>
+              <a:rPr lang="fr-FR" sz="1800" dirty="0" smtClean="0"/>
               <a:t>Analyses des études antérieures</a:t>
             </a:r>
-            <a:endParaRPr lang="fr" dirty="0" smtClean="0"/>
+            <a:endParaRPr lang="fr" sz="1800" dirty="0" smtClean="0"/>
           </a:p>
           <a:p>
             <a:pPr lvl="0" rtl="0">
@@ -9558,7 +9562,7 @@
               </a:spcBef>
               <a:buNone/>
             </a:pPr>
-            <a:endParaRPr lang="fr" dirty="0"/>
+            <a:endParaRPr lang="fr" sz="1800" dirty="0"/>
           </a:p>
           <a:p>
             <a:pPr lvl="0" rtl="0">
@@ -9567,7 +9571,899 @@
               </a:spcBef>
               <a:buNone/>
             </a:pPr>
-            <a:endParaRPr lang="fr" dirty="0"/>
+            <a:endParaRPr lang="fr" sz="1800" dirty="0"/>
+          </a:p>
+        </p:txBody>
+      </p:sp>
+      <p:sp>
+        <p:nvSpPr>
+          <p:cNvPr id="2" name="Rectangle 1"/>
+          <p:cNvSpPr/>
+          <p:nvPr/>
+        </p:nvSpPr>
+        <p:spPr>
+          <a:xfrm>
+            <a:off x="104650" y="2274809"/>
+            <a:ext cx="8856984" cy="430887"/>
+          </a:xfrm>
+          <a:prstGeom prst="rect">
+            <a:avLst/>
+          </a:prstGeom>
+        </p:spPr>
+        <p:txBody>
+          <a:bodyPr wrap="square">
+            <a:spAutoFit/>
+          </a:bodyPr>
+          <a:lstStyle/>
+          <a:p>
+            <a:r>
+              <a:rPr lang="en-US" sz="1100" i="1" dirty="0">
+                <a:solidFill>
+                  <a:schemeClr val="bg2"/>
+                </a:solidFill>
+              </a:rPr>
+              <a:t>Erik </a:t>
+            </a:r>
+            <a:r>
+              <a:rPr lang="en-US" sz="1100" i="1" dirty="0" err="1">
+                <a:solidFill>
+                  <a:schemeClr val="bg2"/>
+                </a:solidFill>
+              </a:rPr>
+              <a:t>Arisholm</a:t>
+            </a:r>
+            <a:r>
+              <a:rPr lang="en-US" sz="1100" i="1" dirty="0">
+                <a:solidFill>
+                  <a:schemeClr val="bg2"/>
+                </a:solidFill>
+              </a:rPr>
+              <a:t>, Lionel C. Briand, and </a:t>
+            </a:r>
+            <a:r>
+              <a:rPr lang="en-US" sz="1100" i="1" dirty="0" err="1">
+                <a:solidFill>
+                  <a:schemeClr val="bg2"/>
+                </a:solidFill>
+              </a:rPr>
+              <a:t>Eivind</a:t>
+            </a:r>
+            <a:r>
+              <a:rPr lang="en-US" sz="1100" i="1" dirty="0">
+                <a:solidFill>
+                  <a:schemeClr val="bg2"/>
+                </a:solidFill>
+              </a:rPr>
+              <a:t> B. </a:t>
+            </a:r>
+            <a:r>
+              <a:rPr lang="en-US" sz="1100" i="1" dirty="0" err="1">
+                <a:solidFill>
+                  <a:schemeClr val="bg2"/>
+                </a:solidFill>
+              </a:rPr>
+              <a:t>Johannessen</a:t>
+            </a:r>
+            <a:r>
+              <a:rPr lang="en-US" sz="1100" i="1" dirty="0">
+                <a:solidFill>
+                  <a:schemeClr val="bg2"/>
+                </a:solidFill>
+              </a:rPr>
+              <a:t>. </a:t>
+            </a:r>
+            <a:r>
+              <a:rPr lang="en-US" sz="1100" i="1" dirty="0" smtClean="0">
+                <a:solidFill>
+                  <a:schemeClr val="bg2"/>
+                </a:solidFill>
+              </a:rPr>
+              <a:t>A systematic </a:t>
+            </a:r>
+            <a:r>
+              <a:rPr lang="en-US" sz="1100" i="1" dirty="0">
+                <a:solidFill>
+                  <a:schemeClr val="bg2"/>
+                </a:solidFill>
+              </a:rPr>
+              <a:t>and comprehensive investigation of methods to build and</a:t>
+            </a:r>
+          </a:p>
+          <a:p>
+            <a:r>
+              <a:rPr lang="en-US" sz="1100" i="1" dirty="0">
+                <a:solidFill>
+                  <a:schemeClr val="bg2"/>
+                </a:solidFill>
+              </a:rPr>
+              <a:t>evaluate fault prediction models. Journal of Systems and </a:t>
+            </a:r>
+            <a:r>
+              <a:rPr lang="en-US" sz="1100" i="1" dirty="0" smtClean="0">
+                <a:solidFill>
+                  <a:schemeClr val="bg2"/>
+                </a:solidFill>
+              </a:rPr>
+              <a:t>Software, 83(1</a:t>
+            </a:r>
+            <a:r>
+              <a:rPr lang="en-US" sz="1100" i="1" dirty="0">
+                <a:solidFill>
+                  <a:schemeClr val="bg2"/>
+                </a:solidFill>
+              </a:rPr>
+              <a:t>) :2 – 17, 2010. SI : Top Scholars.</a:t>
+            </a:r>
+            <a:endParaRPr lang="fr-FR" sz="1100" i="1" dirty="0">
+              <a:solidFill>
+                <a:schemeClr val="bg2"/>
+              </a:solidFill>
+            </a:endParaRPr>
+          </a:p>
+        </p:txBody>
+      </p:sp>
+      <p:sp>
+        <p:nvSpPr>
+          <p:cNvPr id="3" name="Rectangle 2"/>
+          <p:cNvSpPr/>
+          <p:nvPr/>
+        </p:nvSpPr>
+        <p:spPr>
+          <a:xfrm>
+            <a:off x="107504" y="2780928"/>
+            <a:ext cx="8712968" cy="430887"/>
+          </a:xfrm>
+          <a:prstGeom prst="rect">
+            <a:avLst/>
+          </a:prstGeom>
+        </p:spPr>
+        <p:txBody>
+          <a:bodyPr wrap="square">
+            <a:spAutoFit/>
+          </a:bodyPr>
+          <a:lstStyle/>
+          <a:p>
+            <a:r>
+              <a:rPr lang="en-US" sz="1100" i="1" dirty="0">
+                <a:solidFill>
+                  <a:schemeClr val="bg2"/>
+                </a:solidFill>
+              </a:rPr>
+              <a:t>Todd L. Graves, Alan F. Karr, J. S. </a:t>
+            </a:r>
+            <a:r>
+              <a:rPr lang="en-US" sz="1100" i="1" dirty="0" err="1">
+                <a:solidFill>
+                  <a:schemeClr val="bg2"/>
+                </a:solidFill>
+              </a:rPr>
+              <a:t>Marron</a:t>
+            </a:r>
+            <a:r>
+              <a:rPr lang="en-US" sz="1100" i="1" dirty="0">
+                <a:solidFill>
+                  <a:schemeClr val="bg2"/>
+                </a:solidFill>
+              </a:rPr>
+              <a:t>, and Harvey </a:t>
+            </a:r>
+            <a:r>
+              <a:rPr lang="en-US" sz="1100" i="1" dirty="0" err="1">
+                <a:solidFill>
+                  <a:schemeClr val="bg2"/>
+                </a:solidFill>
+              </a:rPr>
+              <a:t>Siy</a:t>
+            </a:r>
+            <a:r>
+              <a:rPr lang="en-US" sz="1100" i="1" dirty="0">
+                <a:solidFill>
+                  <a:schemeClr val="bg2"/>
+                </a:solidFill>
+              </a:rPr>
+              <a:t>. </a:t>
+            </a:r>
+            <a:r>
+              <a:rPr lang="en-US" sz="1100" i="1" dirty="0" smtClean="0">
+                <a:solidFill>
+                  <a:schemeClr val="bg2"/>
+                </a:solidFill>
+              </a:rPr>
+              <a:t>Predicting fault </a:t>
+            </a:r>
+            <a:r>
+              <a:rPr lang="en-US" sz="1100" i="1" dirty="0">
+                <a:solidFill>
+                  <a:schemeClr val="bg2"/>
+                </a:solidFill>
+              </a:rPr>
+              <a:t>incidence using software change history. IEEE </a:t>
+            </a:r>
+            <a:r>
+              <a:rPr lang="en-US" sz="1100" i="1" dirty="0" smtClean="0">
+                <a:solidFill>
+                  <a:schemeClr val="bg2"/>
+                </a:solidFill>
+              </a:rPr>
+              <a:t>Trans. </a:t>
+            </a:r>
+            <a:r>
+              <a:rPr lang="en-US" sz="1100" i="1" dirty="0" err="1" smtClean="0">
+                <a:solidFill>
+                  <a:schemeClr val="bg2"/>
+                </a:solidFill>
+              </a:rPr>
+              <a:t>Softw</a:t>
+            </a:r>
+            <a:r>
+              <a:rPr lang="en-US" sz="1100" i="1" dirty="0">
+                <a:solidFill>
+                  <a:schemeClr val="bg2"/>
+                </a:solidFill>
+              </a:rPr>
+              <a:t>. Eng., 26(7) :653–661, July 2000.</a:t>
+            </a:r>
+            <a:endParaRPr lang="fr-FR" sz="1100" i="1" dirty="0">
+              <a:solidFill>
+                <a:schemeClr val="bg2"/>
+              </a:solidFill>
+            </a:endParaRPr>
+          </a:p>
+        </p:txBody>
+      </p:sp>
+      <p:sp>
+        <p:nvSpPr>
+          <p:cNvPr id="4" name="Rectangle 3"/>
+          <p:cNvSpPr/>
+          <p:nvPr/>
+        </p:nvSpPr>
+        <p:spPr>
+          <a:xfrm>
+            <a:off x="107504" y="3429000"/>
+            <a:ext cx="8640960" cy="600164"/>
+          </a:xfrm>
+          <a:prstGeom prst="rect">
+            <a:avLst/>
+          </a:prstGeom>
+        </p:spPr>
+        <p:txBody>
+          <a:bodyPr wrap="square">
+            <a:spAutoFit/>
+          </a:bodyPr>
+          <a:lstStyle/>
+          <a:p>
+            <a:r>
+              <a:rPr lang="en-US" sz="1100" i="1" dirty="0">
+                <a:solidFill>
+                  <a:schemeClr val="bg2"/>
+                </a:solidFill>
+              </a:rPr>
+              <a:t>T.M. </a:t>
+            </a:r>
+            <a:r>
+              <a:rPr lang="en-US" sz="1100" i="1" dirty="0" err="1">
+                <a:solidFill>
+                  <a:schemeClr val="bg2"/>
+                </a:solidFill>
+              </a:rPr>
+              <a:t>Khoshgoftaar</a:t>
+            </a:r>
+            <a:r>
+              <a:rPr lang="en-US" sz="1100" i="1" dirty="0">
+                <a:solidFill>
+                  <a:schemeClr val="bg2"/>
+                </a:solidFill>
+              </a:rPr>
+              <a:t>, R. Shan, and E.B. Allen. Using product, </a:t>
+            </a:r>
+            <a:r>
+              <a:rPr lang="en-US" sz="1100" i="1" dirty="0" smtClean="0">
+                <a:solidFill>
+                  <a:schemeClr val="bg2"/>
+                </a:solidFill>
+              </a:rPr>
+              <a:t>process, and </a:t>
+            </a:r>
+            <a:r>
+              <a:rPr lang="en-US" sz="1100" i="1" dirty="0">
+                <a:solidFill>
+                  <a:schemeClr val="bg2"/>
+                </a:solidFill>
+              </a:rPr>
+              <a:t>execution metrics to predict fault-prone software </a:t>
+            </a:r>
+            <a:r>
+              <a:rPr lang="en-US" sz="1100" i="1" dirty="0" smtClean="0">
+                <a:solidFill>
+                  <a:schemeClr val="bg2"/>
+                </a:solidFill>
+              </a:rPr>
+              <a:t>modules with </a:t>
+            </a:r>
+            <a:r>
+              <a:rPr lang="en-US" sz="1100" i="1" dirty="0">
+                <a:solidFill>
+                  <a:schemeClr val="bg2"/>
+                </a:solidFill>
+              </a:rPr>
+              <a:t>classification trees. In High Assurance Systems </a:t>
+            </a:r>
+            <a:r>
+              <a:rPr lang="en-US" sz="1100" i="1" dirty="0" smtClean="0">
+                <a:solidFill>
+                  <a:schemeClr val="bg2"/>
+                </a:solidFill>
+              </a:rPr>
+              <a:t>Engineering, 2000</a:t>
+            </a:r>
+            <a:r>
+              <a:rPr lang="en-US" sz="1100" i="1" dirty="0">
+                <a:solidFill>
+                  <a:schemeClr val="bg2"/>
+                </a:solidFill>
+              </a:rPr>
+              <a:t>, Fifth IEEE International </a:t>
+            </a:r>
+            <a:r>
+              <a:rPr lang="en-US" sz="1100" i="1" dirty="0" err="1">
+                <a:solidFill>
+                  <a:schemeClr val="bg2"/>
+                </a:solidFill>
+              </a:rPr>
+              <a:t>Symposim</a:t>
+            </a:r>
+            <a:r>
+              <a:rPr lang="en-US" sz="1100" i="1" dirty="0">
+                <a:solidFill>
+                  <a:schemeClr val="bg2"/>
+                </a:solidFill>
+              </a:rPr>
+              <a:t> on. HASE 2000, </a:t>
+            </a:r>
+            <a:r>
+              <a:rPr lang="en-US" sz="1100" i="1" dirty="0" smtClean="0">
+                <a:solidFill>
+                  <a:schemeClr val="bg2"/>
+                </a:solidFill>
+              </a:rPr>
+              <a:t>pages </a:t>
+            </a:r>
+            <a:r>
+              <a:rPr lang="fr-FR" sz="1100" i="1" dirty="0" smtClean="0">
+                <a:solidFill>
+                  <a:schemeClr val="bg2"/>
+                </a:solidFill>
+              </a:rPr>
+              <a:t>301–310</a:t>
+            </a:r>
+            <a:r>
+              <a:rPr lang="fr-FR" sz="1100" i="1" dirty="0">
+                <a:solidFill>
+                  <a:schemeClr val="bg2"/>
+                </a:solidFill>
+              </a:rPr>
+              <a:t>, 2000.</a:t>
+            </a:r>
+            <a:endParaRPr lang="fr-FR" sz="1100" i="1" dirty="0">
+              <a:solidFill>
+                <a:schemeClr val="bg2"/>
+              </a:solidFill>
+            </a:endParaRPr>
+          </a:p>
+        </p:txBody>
+      </p:sp>
+      <p:sp>
+        <p:nvSpPr>
+          <p:cNvPr id="5" name="Rectangle 4"/>
+          <p:cNvSpPr/>
+          <p:nvPr/>
+        </p:nvSpPr>
+        <p:spPr>
+          <a:xfrm>
+            <a:off x="107504" y="4581128"/>
+            <a:ext cx="8712968" cy="430887"/>
+          </a:xfrm>
+          <a:prstGeom prst="rect">
+            <a:avLst/>
+          </a:prstGeom>
+        </p:spPr>
+        <p:txBody>
+          <a:bodyPr wrap="square">
+            <a:spAutoFit/>
+          </a:bodyPr>
+          <a:lstStyle/>
+          <a:p>
+            <a:r>
+              <a:rPr lang="it-IT" sz="1100" i="1" dirty="0">
+                <a:solidFill>
+                  <a:schemeClr val="bg2"/>
+                </a:solidFill>
+              </a:rPr>
+              <a:t>Alberto Bacchelli, Marco D’Ambros, and Michele Lanza. Are </a:t>
+            </a:r>
+            <a:r>
+              <a:rPr lang="it-IT" sz="1100" i="1" dirty="0" smtClean="0">
+                <a:solidFill>
+                  <a:schemeClr val="bg2"/>
+                </a:solidFill>
+              </a:rPr>
+              <a:t>popular </a:t>
+            </a:r>
+            <a:r>
+              <a:rPr lang="en-US" sz="1100" i="1" dirty="0" smtClean="0">
+                <a:solidFill>
+                  <a:schemeClr val="bg2"/>
+                </a:solidFill>
+              </a:rPr>
+              <a:t>classes </a:t>
+            </a:r>
+            <a:r>
+              <a:rPr lang="en-US" sz="1100" i="1" dirty="0">
+                <a:solidFill>
+                  <a:schemeClr val="bg2"/>
+                </a:solidFill>
+              </a:rPr>
+              <a:t>more defect prone ? In Proceedings of the 13th </a:t>
+            </a:r>
+            <a:r>
+              <a:rPr lang="en-US" sz="1100" i="1" dirty="0" smtClean="0">
+                <a:solidFill>
+                  <a:schemeClr val="bg2"/>
+                </a:solidFill>
+              </a:rPr>
+              <a:t>International Conference </a:t>
+            </a:r>
+            <a:r>
+              <a:rPr lang="en-US" sz="1100" i="1" dirty="0">
+                <a:solidFill>
+                  <a:schemeClr val="bg2"/>
+                </a:solidFill>
+              </a:rPr>
+              <a:t>on Fundamental Approaches to Software </a:t>
+            </a:r>
+            <a:r>
+              <a:rPr lang="en-US" sz="1100" i="1" dirty="0" smtClean="0">
+                <a:solidFill>
+                  <a:schemeClr val="bg2"/>
+                </a:solidFill>
+              </a:rPr>
+              <a:t>Engineering, </a:t>
+            </a:r>
+            <a:r>
+              <a:rPr lang="de-DE" sz="1100" i="1" dirty="0" smtClean="0">
+                <a:solidFill>
+                  <a:schemeClr val="bg2"/>
+                </a:solidFill>
+              </a:rPr>
+              <a:t>FASE’10</a:t>
+            </a:r>
+            <a:r>
+              <a:rPr lang="de-DE" sz="1100" i="1" dirty="0">
+                <a:solidFill>
+                  <a:schemeClr val="bg2"/>
+                </a:solidFill>
+              </a:rPr>
+              <a:t>, page 59–73, Berlin, Heidelberg, 2010. </a:t>
+            </a:r>
+            <a:r>
+              <a:rPr lang="de-DE" sz="1100" i="1" dirty="0" smtClean="0">
+                <a:solidFill>
+                  <a:schemeClr val="bg2"/>
+                </a:solidFill>
+              </a:rPr>
+              <a:t>Springer-</a:t>
+            </a:r>
+            <a:r>
+              <a:rPr lang="fr-FR" sz="1100" i="1" dirty="0" err="1" smtClean="0">
+                <a:solidFill>
+                  <a:schemeClr val="bg2"/>
+                </a:solidFill>
+              </a:rPr>
+              <a:t>Verlag</a:t>
+            </a:r>
+            <a:r>
+              <a:rPr lang="fr-FR" sz="1100" i="1" dirty="0">
+                <a:solidFill>
+                  <a:schemeClr val="bg2"/>
+                </a:solidFill>
+              </a:rPr>
+              <a:t>.</a:t>
+            </a:r>
+            <a:endParaRPr lang="fr-FR" sz="1100" i="1" dirty="0">
+              <a:solidFill>
+                <a:schemeClr val="bg2"/>
+              </a:solidFill>
+            </a:endParaRPr>
+          </a:p>
+        </p:txBody>
+      </p:sp>
+      <p:sp>
+        <p:nvSpPr>
+          <p:cNvPr id="6" name="Rectangle 5"/>
+          <p:cNvSpPr/>
+          <p:nvPr/>
+        </p:nvSpPr>
+        <p:spPr>
+          <a:xfrm>
+            <a:off x="107504" y="5157192"/>
+            <a:ext cx="8640960" cy="600164"/>
+          </a:xfrm>
+          <a:prstGeom prst="rect">
+            <a:avLst/>
+          </a:prstGeom>
+        </p:spPr>
+        <p:txBody>
+          <a:bodyPr wrap="square">
+            <a:spAutoFit/>
+          </a:bodyPr>
+          <a:lstStyle/>
+          <a:p>
+            <a:r>
+              <a:rPr lang="en-US" sz="1100" i="1" dirty="0">
+                <a:solidFill>
+                  <a:schemeClr val="bg2"/>
+                </a:solidFill>
+              </a:rPr>
+              <a:t>Bora </a:t>
+            </a:r>
+            <a:r>
+              <a:rPr lang="en-US" sz="1100" i="1" dirty="0" err="1">
+                <a:solidFill>
+                  <a:schemeClr val="bg2"/>
+                </a:solidFill>
+              </a:rPr>
+              <a:t>Caglayan</a:t>
+            </a:r>
+            <a:r>
+              <a:rPr lang="en-US" sz="1100" i="1" dirty="0">
+                <a:solidFill>
+                  <a:schemeClr val="bg2"/>
+                </a:solidFill>
+              </a:rPr>
+              <a:t>, </a:t>
+            </a:r>
+            <a:r>
+              <a:rPr lang="en-US" sz="1100" i="1" dirty="0" err="1">
+                <a:solidFill>
+                  <a:schemeClr val="bg2"/>
+                </a:solidFill>
+              </a:rPr>
+              <a:t>Ayse</a:t>
+            </a:r>
+            <a:r>
+              <a:rPr lang="en-US" sz="1100" i="1" dirty="0">
+                <a:solidFill>
+                  <a:schemeClr val="bg2"/>
+                </a:solidFill>
+              </a:rPr>
+              <a:t> </a:t>
+            </a:r>
+            <a:r>
+              <a:rPr lang="en-US" sz="1100" i="1" dirty="0" err="1">
+                <a:solidFill>
+                  <a:schemeClr val="bg2"/>
+                </a:solidFill>
+              </a:rPr>
+              <a:t>Bener</a:t>
+            </a:r>
+            <a:r>
+              <a:rPr lang="en-US" sz="1100" i="1" dirty="0">
+                <a:solidFill>
+                  <a:schemeClr val="bg2"/>
+                </a:solidFill>
+              </a:rPr>
+              <a:t>, and Stefan Koch. Merits of </a:t>
+            </a:r>
+            <a:r>
+              <a:rPr lang="en-US" sz="1100" i="1" dirty="0" smtClean="0">
+                <a:solidFill>
+                  <a:schemeClr val="bg2"/>
+                </a:solidFill>
+              </a:rPr>
+              <a:t>using repository </a:t>
+            </a:r>
+            <a:r>
+              <a:rPr lang="en-US" sz="1100" i="1" dirty="0">
+                <a:solidFill>
+                  <a:schemeClr val="bg2"/>
+                </a:solidFill>
+              </a:rPr>
+              <a:t>metrics in defect prediction for open source </a:t>
+            </a:r>
+            <a:r>
+              <a:rPr lang="en-US" sz="1100" i="1" dirty="0" smtClean="0">
+                <a:solidFill>
+                  <a:schemeClr val="bg2"/>
+                </a:solidFill>
+              </a:rPr>
+              <a:t>projects. In </a:t>
+            </a:r>
+            <a:r>
+              <a:rPr lang="en-US" sz="1100" i="1" dirty="0">
+                <a:solidFill>
+                  <a:schemeClr val="bg2"/>
+                </a:solidFill>
+              </a:rPr>
+              <a:t>Proceedings of the 2009 ICSE Workshop on Emerging </a:t>
+            </a:r>
+            <a:r>
+              <a:rPr lang="en-US" sz="1100" i="1" dirty="0" smtClean="0">
+                <a:solidFill>
+                  <a:schemeClr val="bg2"/>
+                </a:solidFill>
+              </a:rPr>
+              <a:t>Trends in </a:t>
+            </a:r>
+            <a:r>
+              <a:rPr lang="en-US" sz="1100" i="1" dirty="0">
+                <a:solidFill>
+                  <a:schemeClr val="bg2"/>
+                </a:solidFill>
+              </a:rPr>
+              <a:t>Free/</a:t>
+            </a:r>
+            <a:r>
+              <a:rPr lang="en-US" sz="1100" i="1" dirty="0" err="1">
+                <a:solidFill>
+                  <a:schemeClr val="bg2"/>
+                </a:solidFill>
+              </a:rPr>
+              <a:t>Libre</a:t>
+            </a:r>
+            <a:r>
+              <a:rPr lang="en-US" sz="1100" i="1" dirty="0">
+                <a:solidFill>
+                  <a:schemeClr val="bg2"/>
+                </a:solidFill>
+              </a:rPr>
+              <a:t>/Open Source Software Research and </a:t>
+            </a:r>
+            <a:r>
+              <a:rPr lang="en-US" sz="1100" i="1" dirty="0" smtClean="0">
+                <a:solidFill>
+                  <a:schemeClr val="bg2"/>
+                </a:solidFill>
+              </a:rPr>
+              <a:t>Development, </a:t>
+            </a:r>
+            <a:r>
+              <a:rPr lang="fr-FR" sz="1100" i="1" dirty="0" smtClean="0">
+                <a:solidFill>
+                  <a:schemeClr val="bg2"/>
+                </a:solidFill>
+              </a:rPr>
+              <a:t>FLOSS </a:t>
+            </a:r>
+            <a:r>
+              <a:rPr lang="fr-FR" sz="1100" i="1" dirty="0">
+                <a:solidFill>
+                  <a:schemeClr val="bg2"/>
+                </a:solidFill>
+              </a:rPr>
+              <a:t>’09, page 31–36, Washington, DC, USA, 2009. IEEE </a:t>
+            </a:r>
+            <a:r>
+              <a:rPr lang="fr-FR" sz="1100" i="1" dirty="0" smtClean="0">
+                <a:solidFill>
+                  <a:schemeClr val="bg2"/>
+                </a:solidFill>
+              </a:rPr>
+              <a:t>Computer Society</a:t>
+            </a:r>
+            <a:r>
+              <a:rPr lang="fr-FR" sz="1100" i="1" dirty="0">
+                <a:solidFill>
+                  <a:schemeClr val="bg2"/>
+                </a:solidFill>
+              </a:rPr>
+              <a:t>.</a:t>
+            </a:r>
+            <a:endParaRPr lang="fr-FR" sz="1100" i="1" dirty="0">
+              <a:solidFill>
+                <a:schemeClr val="bg2"/>
+              </a:solidFill>
+            </a:endParaRPr>
+          </a:p>
+        </p:txBody>
+      </p:sp>
+      <p:sp>
+        <p:nvSpPr>
+          <p:cNvPr id="7" name="Rectangle 6"/>
+          <p:cNvSpPr/>
+          <p:nvPr/>
+        </p:nvSpPr>
+        <p:spPr>
+          <a:xfrm>
+            <a:off x="107504" y="5877272"/>
+            <a:ext cx="8640960" cy="430887"/>
+          </a:xfrm>
+          <a:prstGeom prst="rect">
+            <a:avLst/>
+          </a:prstGeom>
+        </p:spPr>
+        <p:txBody>
+          <a:bodyPr wrap="square">
+            <a:spAutoFit/>
+          </a:bodyPr>
+          <a:lstStyle/>
+          <a:p>
+            <a:r>
+              <a:rPr lang="en-US" sz="1100" i="1" dirty="0">
+                <a:solidFill>
+                  <a:schemeClr val="bg2"/>
+                </a:solidFill>
+              </a:rPr>
+              <a:t>M. </a:t>
+            </a:r>
+            <a:r>
+              <a:rPr lang="en-US" sz="1100" i="1" dirty="0" err="1">
+                <a:solidFill>
+                  <a:schemeClr val="bg2"/>
+                </a:solidFill>
+              </a:rPr>
+              <a:t>D’Ambros</a:t>
+            </a:r>
+            <a:r>
+              <a:rPr lang="en-US" sz="1100" i="1" dirty="0">
+                <a:solidFill>
+                  <a:schemeClr val="bg2"/>
+                </a:solidFill>
+              </a:rPr>
+              <a:t>, M. </a:t>
+            </a:r>
+            <a:r>
+              <a:rPr lang="en-US" sz="1100" i="1" dirty="0" err="1">
+                <a:solidFill>
+                  <a:schemeClr val="bg2"/>
+                </a:solidFill>
+              </a:rPr>
+              <a:t>Lanza</a:t>
+            </a:r>
+            <a:r>
+              <a:rPr lang="en-US" sz="1100" i="1" dirty="0">
+                <a:solidFill>
+                  <a:schemeClr val="bg2"/>
+                </a:solidFill>
+              </a:rPr>
+              <a:t>, and R. </a:t>
+            </a:r>
+            <a:r>
+              <a:rPr lang="en-US" sz="1100" i="1" dirty="0" err="1">
+                <a:solidFill>
+                  <a:schemeClr val="bg2"/>
+                </a:solidFill>
+              </a:rPr>
+              <a:t>Robbes</a:t>
+            </a:r>
+            <a:r>
+              <a:rPr lang="en-US" sz="1100" i="1" dirty="0">
+                <a:solidFill>
+                  <a:schemeClr val="bg2"/>
+                </a:solidFill>
+              </a:rPr>
+              <a:t>. On </a:t>
+            </a:r>
+            <a:r>
+              <a:rPr lang="en-US" sz="1100" i="1" dirty="0" smtClean="0">
+                <a:solidFill>
+                  <a:schemeClr val="bg2"/>
+                </a:solidFill>
+              </a:rPr>
+              <a:t>the relationship between change </a:t>
+            </a:r>
+            <a:r>
+              <a:rPr lang="en-US" sz="1100" i="1" dirty="0">
+                <a:solidFill>
+                  <a:schemeClr val="bg2"/>
+                </a:solidFill>
+              </a:rPr>
+              <a:t>coupling and software defects. In Reverse </a:t>
+            </a:r>
+            <a:r>
+              <a:rPr lang="en-US" sz="1100" i="1" dirty="0" smtClean="0">
+                <a:solidFill>
+                  <a:schemeClr val="bg2"/>
+                </a:solidFill>
+              </a:rPr>
+              <a:t>Engineering, 2009</a:t>
+            </a:r>
+            <a:r>
+              <a:rPr lang="en-US" sz="1100" i="1" dirty="0">
+                <a:solidFill>
+                  <a:schemeClr val="bg2"/>
+                </a:solidFill>
+              </a:rPr>
+              <a:t>. WCRE ’09. 16th Working Conference on, pages 135–144, </a:t>
+            </a:r>
+            <a:r>
+              <a:rPr lang="en-US" sz="1100" i="1" dirty="0" smtClean="0">
+                <a:solidFill>
+                  <a:schemeClr val="bg2"/>
+                </a:solidFill>
+              </a:rPr>
+              <a:t>October </a:t>
+            </a:r>
+            <a:r>
+              <a:rPr lang="fr-FR" sz="1100" i="1" dirty="0" smtClean="0">
+                <a:solidFill>
+                  <a:schemeClr val="bg2"/>
+                </a:solidFill>
+              </a:rPr>
+              <a:t>2009</a:t>
+            </a:r>
+            <a:r>
+              <a:rPr lang="fr-FR" sz="1100" i="1" dirty="0">
+                <a:solidFill>
+                  <a:schemeClr val="bg2"/>
+                </a:solidFill>
+              </a:rPr>
+              <a:t>.</a:t>
+            </a:r>
+            <a:endParaRPr lang="fr-FR" sz="1100" i="1" dirty="0">
+              <a:solidFill>
+                <a:schemeClr val="bg2"/>
+              </a:solidFill>
+            </a:endParaRPr>
+          </a:p>
+        </p:txBody>
+      </p:sp>
+      <p:sp>
+        <p:nvSpPr>
+          <p:cNvPr id="8" name="TextBox 7"/>
+          <p:cNvSpPr txBox="1"/>
+          <p:nvPr/>
+        </p:nvSpPr>
+        <p:spPr>
+          <a:xfrm>
+            <a:off x="251520" y="1844824"/>
+            <a:ext cx="1440160" cy="307777"/>
+          </a:xfrm>
+          <a:prstGeom prst="rect">
+            <a:avLst/>
+          </a:prstGeom>
+          <a:noFill/>
+        </p:spPr>
+        <p:txBody>
+          <a:bodyPr wrap="square" rtlCol="0">
+            <a:spAutoFit/>
+          </a:bodyPr>
+          <a:lstStyle/>
+          <a:p>
+            <a:r>
+              <a:rPr lang="fr-FR" dirty="0" smtClean="0"/>
+              <a:t>Open-source</a:t>
+            </a:r>
+            <a:endParaRPr lang="fr-FR" dirty="0"/>
+          </a:p>
+        </p:txBody>
+      </p:sp>
+      <p:sp>
+        <p:nvSpPr>
+          <p:cNvPr id="11" name="TextBox 10"/>
+          <p:cNvSpPr txBox="1"/>
+          <p:nvPr/>
+        </p:nvSpPr>
+        <p:spPr>
+          <a:xfrm>
+            <a:off x="251520" y="4149080"/>
+            <a:ext cx="1440160" cy="307777"/>
+          </a:xfrm>
+          <a:prstGeom prst="rect">
+            <a:avLst/>
+          </a:prstGeom>
+          <a:noFill/>
+        </p:spPr>
+        <p:txBody>
+          <a:bodyPr wrap="square" rtlCol="0">
+            <a:spAutoFit/>
+          </a:bodyPr>
+          <a:lstStyle/>
+          <a:p>
+            <a:r>
+              <a:rPr lang="fr-FR" dirty="0" smtClean="0"/>
+              <a:t>Industriels</a:t>
+            </a:r>
+            <a:endParaRPr lang="fr-FR" dirty="0"/>
           </a:p>
         </p:txBody>
       </p:sp>
@@ -10898,8 +11794,8 @@
         </p:nvSpPr>
         <p:spPr>
           <a:xfrm>
-            <a:off x="286330" y="2060848"/>
-            <a:ext cx="8568952" cy="2280253"/>
+            <a:off x="286329" y="2060848"/>
+            <a:ext cx="8713311" cy="2280253"/>
           </a:xfrm>
         </p:spPr>
         <p:txBody>
@@ -10919,7 +11815,15 @@
             </a:br>
             <a:r>
               <a:rPr lang="fr-FR" sz="2400" dirty="0" smtClean="0"/>
-              <a:t>			      (Ligne de codes, complexité du code)</a:t>
+              <a:t>			      (</a:t>
+            </a:r>
+            <a:r>
+              <a:rPr lang="fr-FR" sz="2400" dirty="0" smtClean="0"/>
+              <a:t>Lignes </a:t>
+            </a:r>
+            <a:r>
+              <a:rPr lang="fr-FR" sz="2400" dirty="0" smtClean="0"/>
+              <a:t>de codes, complexité du code)</a:t>
             </a:r>
           </a:p>
           <a:p>
@@ -11253,7 +12157,6 @@
               <a:rPr lang="fr" dirty="0"/>
               <a:t>Métriques de procédés</a:t>
             </a:r>
-            <a:endParaRPr lang="fr" dirty="0"/>
           </a:p>
         </p:txBody>
       </p:sp>
@@ -11899,7 +12802,6 @@
               <a:rPr lang="fr-FR" dirty="0" smtClean="0"/>
               <a:t>6</a:t>
             </a:r>
-            <a:endParaRPr lang="fr-FR" dirty="0" smtClean="0"/>
           </a:p>
         </p:txBody>
       </p:sp>
@@ -12098,7 +13000,6 @@
               <a:rPr lang="fr-FR" dirty="0" smtClean="0"/>
               <a:t>7</a:t>
             </a:r>
-            <a:endParaRPr lang="fr-FR" dirty="0" smtClean="0"/>
           </a:p>
         </p:txBody>
       </p:sp>
@@ -12384,7 +13285,6 @@
               <a:rPr lang="fr-FR" dirty="0" smtClean="0"/>
               <a:t>8</a:t>
             </a:r>
-            <a:endParaRPr lang="fr-FR" dirty="0" smtClean="0"/>
           </a:p>
         </p:txBody>
       </p:sp>
